--- a/Презентация ВКР (в шаблоне).pptx
+++ b/Презентация ВКР (в шаблоне).pptx
@@ -5,16 +5,24 @@
     <p:sldMasterId id="2147483648" r:id="rId1"/>
   </p:sldMasterIdLst>
   <p:notesMasterIdLst>
-    <p:notesMasterId r:id="rId9"/>
+    <p:notesMasterId r:id="rId17"/>
   </p:notesMasterIdLst>
   <p:sldIdLst>
     <p:sldId id="256" r:id="rId2"/>
-    <p:sldId id="375" r:id="rId3"/>
-    <p:sldId id="343" r:id="rId4"/>
-    <p:sldId id="344" r:id="rId5"/>
-    <p:sldId id="376" r:id="rId6"/>
-    <p:sldId id="364" r:id="rId7"/>
-    <p:sldId id="363" r:id="rId8"/>
+    <p:sldId id="377" r:id="rId3"/>
+    <p:sldId id="379" r:id="rId4"/>
+    <p:sldId id="343" r:id="rId5"/>
+    <p:sldId id="344" r:id="rId6"/>
+    <p:sldId id="380" r:id="rId7"/>
+    <p:sldId id="378" r:id="rId8"/>
+    <p:sldId id="381" r:id="rId9"/>
+    <p:sldId id="382" r:id="rId10"/>
+    <p:sldId id="383" r:id="rId11"/>
+    <p:sldId id="384" r:id="rId12"/>
+    <p:sldId id="376" r:id="rId13"/>
+    <p:sldId id="364" r:id="rId14"/>
+    <p:sldId id="385" r:id="rId15"/>
+    <p:sldId id="363" r:id="rId16"/>
   </p:sldIdLst>
   <p:sldSz cx="12192000" cy="6858000"/>
   <p:notesSz cx="6858000" cy="9144000"/>
@@ -203,7 +211,7 @@
           <a:p>
             <a:fld id="{452C924C-0549-43C7-B607-8F62314AE139}" type="datetimeFigureOut">
               <a:rPr lang="ru-RU" smtClean="0"/>
-              <a:t>25.02.2025</a:t>
+              <a:t>02.03.2025</a:t>
             </a:fld>
             <a:endParaRPr lang="ru-RU"/>
           </a:p>
@@ -591,7 +599,118 @@
 </p:notes>
 </file>
 
-<file path=ppt/notesSlides/notesSlide2.xml><?xml version="1.0" encoding="utf-8"?>
+<file path=ppt/notesSlides/notesSlide10.xml><?xml version="1.0" encoding="utf-8"?>
+<p:notes xmlns:a="http://schemas.openxmlformats.org/drawingml/2006/main" xmlns:r="http://schemas.openxmlformats.org/officeDocument/2006/relationships" xmlns:p="http://schemas.openxmlformats.org/presentationml/2006/main">
+  <p:cSld>
+    <p:spTree>
+      <p:nvGrpSpPr>
+        <p:cNvPr id="1" name="">
+          <a:extLst>
+            <a:ext uri="{FF2B5EF4-FFF2-40B4-BE49-F238E27FC236}">
+              <a16:creationId xmlns:a16="http://schemas.microsoft.com/office/drawing/2014/main" id="{0A83D924-4014-A40B-B6F2-0D40EC132912}"/>
+            </a:ext>
+          </a:extLst>
+        </p:cNvPr>
+        <p:cNvGrpSpPr/>
+        <p:nvPr/>
+      </p:nvGrpSpPr>
+      <p:grpSpPr>
+        <a:xfrm>
+          <a:off x="0" y="0"/>
+          <a:ext cx="0" cy="0"/>
+          <a:chOff x="0" y="0"/>
+          <a:chExt cx="0" cy="0"/>
+        </a:xfrm>
+      </p:grpSpPr>
+      <p:sp>
+        <p:nvSpPr>
+          <p:cNvPr id="2" name="Образ слайда 1">
+            <a:extLst>
+              <a:ext uri="{FF2B5EF4-FFF2-40B4-BE49-F238E27FC236}">
+                <a16:creationId xmlns:a16="http://schemas.microsoft.com/office/drawing/2014/main" id="{40FD6E52-C4F9-0488-FE3B-EB527EF79063}"/>
+              </a:ext>
+            </a:extLst>
+          </p:cNvPr>
+          <p:cNvSpPr>
+            <a:spLocks noGrp="1" noRot="1" noChangeAspect="1"/>
+          </p:cNvSpPr>
+          <p:nvPr>
+            <p:ph type="sldImg"/>
+          </p:nvPr>
+        </p:nvSpPr>
+        <p:spPr/>
+      </p:sp>
+      <p:sp>
+        <p:nvSpPr>
+          <p:cNvPr id="3" name="Заметки 2">
+            <a:extLst>
+              <a:ext uri="{FF2B5EF4-FFF2-40B4-BE49-F238E27FC236}">
+                <a16:creationId xmlns:a16="http://schemas.microsoft.com/office/drawing/2014/main" id="{4C4024F1-0DD1-05BA-1557-97F76C1553C9}"/>
+              </a:ext>
+            </a:extLst>
+          </p:cNvPr>
+          <p:cNvSpPr>
+            <a:spLocks noGrp="1"/>
+          </p:cNvSpPr>
+          <p:nvPr>
+            <p:ph type="body" idx="1"/>
+          </p:nvPr>
+        </p:nvSpPr>
+        <p:spPr/>
+        <p:txBody>
+          <a:bodyPr/>
+          <a:lstStyle/>
+          <a:p>
+            <a:r>
+              <a:rPr lang="ru-RU" dirty="0"/>
+              <a:t>Механизм развертывания </a:t>
+            </a:r>
+          </a:p>
+        </p:txBody>
+      </p:sp>
+      <p:sp>
+        <p:nvSpPr>
+          <p:cNvPr id="4" name="Номер слайда 3">
+            <a:extLst>
+              <a:ext uri="{FF2B5EF4-FFF2-40B4-BE49-F238E27FC236}">
+                <a16:creationId xmlns:a16="http://schemas.microsoft.com/office/drawing/2014/main" id="{79CA7B78-5986-413E-2155-DC6BA8374CF5}"/>
+              </a:ext>
+            </a:extLst>
+          </p:cNvPr>
+          <p:cNvSpPr>
+            <a:spLocks noGrp="1"/>
+          </p:cNvSpPr>
+          <p:nvPr>
+            <p:ph type="sldNum" sz="quarter" idx="5"/>
+          </p:nvPr>
+        </p:nvSpPr>
+        <p:spPr/>
+        <p:txBody>
+          <a:bodyPr/>
+          <a:lstStyle/>
+          <a:p>
+            <a:fld id="{8329C60B-6F98-8646-A41A-70FA44D3BDF6}" type="slidenum">
+              <a:rPr lang="ru-RU" smtClean="0"/>
+              <a:t>10</a:t>
+            </a:fld>
+            <a:endParaRPr lang="ru-RU"/>
+          </a:p>
+        </p:txBody>
+      </p:sp>
+    </p:spTree>
+    <p:extLst>
+      <p:ext uri="{BB962C8B-B14F-4D97-AF65-F5344CB8AC3E}">
+        <p14:creationId xmlns:p14="http://schemas.microsoft.com/office/powerpoint/2010/main" val="1659588029"/>
+      </p:ext>
+    </p:extLst>
+  </p:cSld>
+  <p:clrMapOvr>
+    <a:masterClrMapping/>
+  </p:clrMapOvr>
+</p:notes>
+</file>
+
+<file path=ppt/notesSlides/notesSlide11.xml><?xml version="1.0" encoding="utf-8"?>
 <p:notes xmlns:a="http://schemas.openxmlformats.org/drawingml/2006/main" xmlns:r="http://schemas.openxmlformats.org/officeDocument/2006/relationships" xmlns:p="http://schemas.openxmlformats.org/presentationml/2006/main">
   <p:cSld>
     <p:spTree>
@@ -637,16 +756,108 @@
           <a:p>
             <a:r>
               <a:rPr lang="ru-RU" dirty="0"/>
-              <a:t>Проблема, с которой началась данная работа представлена на слайде.</a:t>
-            </a:r>
-          </a:p>
-          <a:p>
-            <a:pPr marL="0" indent="0">
-              <a:buFontTx/>
-              <a:buNone/>
-            </a:pPr>
-            <a:endParaRPr lang="ru-RU" dirty="0"/>
-          </a:p>
+              <a:t>Полностью его автоматизировать не получится, но какие-то шаблонные вещи для отправки сырых данных в корпоративный сервис хранения логов мы можем.</a:t>
+            </a:r>
+          </a:p>
+        </p:txBody>
+      </p:sp>
+      <p:sp>
+        <p:nvSpPr>
+          <p:cNvPr id="4" name="Номер слайда 3"/>
+          <p:cNvSpPr>
+            <a:spLocks noGrp="1"/>
+          </p:cNvSpPr>
+          <p:nvPr>
+            <p:ph type="sldNum" sz="quarter" idx="5"/>
+          </p:nvPr>
+        </p:nvSpPr>
+        <p:spPr/>
+        <p:txBody>
+          <a:bodyPr/>
+          <a:lstStyle/>
+          <a:p>
+            <a:fld id="{06DF3A17-B39C-4384-8360-75C07DE4B940}" type="slidenum">
+              <a:rPr lang="ru-RU" smtClean="0"/>
+              <a:t>11</a:t>
+            </a:fld>
+            <a:endParaRPr lang="ru-RU"/>
+          </a:p>
+        </p:txBody>
+      </p:sp>
+    </p:spTree>
+    <p:extLst>
+      <p:ext uri="{BB962C8B-B14F-4D97-AF65-F5344CB8AC3E}">
+        <p14:creationId xmlns:p14="http://schemas.microsoft.com/office/powerpoint/2010/main" val="4282753582"/>
+      </p:ext>
+    </p:extLst>
+  </p:cSld>
+  <p:clrMapOvr>
+    <a:masterClrMapping/>
+  </p:clrMapOvr>
+</p:notes>
+</file>
+
+<file path=ppt/notesSlides/notesSlide12.xml><?xml version="1.0" encoding="utf-8"?>
+<p:notes xmlns:a="http://schemas.openxmlformats.org/drawingml/2006/main" xmlns:r="http://schemas.openxmlformats.org/officeDocument/2006/relationships" xmlns:p="http://schemas.openxmlformats.org/presentationml/2006/main">
+  <p:cSld>
+    <p:spTree>
+      <p:nvGrpSpPr>
+        <p:cNvPr id="1" name="">
+          <a:extLst>
+            <a:ext uri="{FF2B5EF4-FFF2-40B4-BE49-F238E27FC236}">
+              <a16:creationId xmlns:a16="http://schemas.microsoft.com/office/drawing/2014/main" id="{02B9F234-1216-36E1-5B0C-5584DAA15C54}"/>
+            </a:ext>
+          </a:extLst>
+        </p:cNvPr>
+        <p:cNvGrpSpPr/>
+        <p:nvPr/>
+      </p:nvGrpSpPr>
+      <p:grpSpPr>
+        <a:xfrm>
+          <a:off x="0" y="0"/>
+          <a:ext cx="0" cy="0"/>
+          <a:chOff x="0" y="0"/>
+          <a:chExt cx="0" cy="0"/>
+        </a:xfrm>
+      </p:grpSpPr>
+      <p:sp>
+        <p:nvSpPr>
+          <p:cNvPr id="2" name="Образ слайда 1">
+            <a:extLst>
+              <a:ext uri="{FF2B5EF4-FFF2-40B4-BE49-F238E27FC236}">
+                <a16:creationId xmlns:a16="http://schemas.microsoft.com/office/drawing/2014/main" id="{BB878B1E-5257-D27E-823C-BB9AB0944129}"/>
+              </a:ext>
+            </a:extLst>
+          </p:cNvPr>
+          <p:cNvSpPr>
+            <a:spLocks noGrp="1" noRot="1" noChangeAspect="1"/>
+          </p:cNvSpPr>
+          <p:nvPr>
+            <p:ph type="sldImg"/>
+          </p:nvPr>
+        </p:nvSpPr>
+        <p:spPr/>
+      </p:sp>
+      <p:sp>
+        <p:nvSpPr>
+          <p:cNvPr id="3" name="Заметки 2">
+            <a:extLst>
+              <a:ext uri="{FF2B5EF4-FFF2-40B4-BE49-F238E27FC236}">
+                <a16:creationId xmlns:a16="http://schemas.microsoft.com/office/drawing/2014/main" id="{F82A109D-6FE3-1FB5-F780-688653D6A654}"/>
+              </a:ext>
+            </a:extLst>
+          </p:cNvPr>
+          <p:cNvSpPr>
+            <a:spLocks noGrp="1"/>
+          </p:cNvSpPr>
+          <p:nvPr>
+            <p:ph type="body" idx="1"/>
+          </p:nvPr>
+        </p:nvSpPr>
+        <p:spPr/>
+        <p:txBody>
+          <a:bodyPr/>
+          <a:lstStyle/>
           <a:p>
             <a:pPr marL="0" marR="0" lvl="0" indent="0" algn="l" defTabSz="914400" rtl="0" eaLnBrk="1" fontAlgn="auto" latinLnBrk="0" hangingPunct="1">
               <a:lnSpc>
@@ -666,21 +877,166 @@
               <a:defRPr/>
             </a:pPr>
             <a:r>
-              <a:rPr lang="ru-RU" dirty="0">
-                <a:solidFill>
-                  <a:schemeClr val="accent2">
-                    <a:lumMod val="60000"/>
-                    <a:lumOff val="40000"/>
-                  </a:schemeClr>
-                </a:solidFill>
-              </a:rPr>
-              <a:t>След слайд.</a:t>
-            </a:r>
-          </a:p>
-          <a:p>
-            <a:pPr marL="0" indent="0">
+              <a:rPr lang="ru-RU" dirty="0"/>
+              <a:t>Шаблонная задача для </a:t>
+            </a:r>
+            <a:r>
+              <a:rPr lang="en-US" dirty="0"/>
+              <a:t>Ansible</a:t>
+            </a:r>
+            <a:r>
+              <a:rPr lang="ru-RU" dirty="0"/>
+              <a:t> + </a:t>
+            </a:r>
+            <a:r>
+              <a:rPr lang="en-US" dirty="0"/>
+              <a:t>Jinja. </a:t>
+            </a:r>
+            <a:r>
+              <a:rPr lang="ru-RU" dirty="0"/>
+              <a:t>Но стоит не забыть, что данные могут быть разных типов или чет вроде того. Уточнить у </a:t>
+            </a:r>
+            <a:r>
+              <a:rPr lang="en-US" dirty="0"/>
+              <a:t>SOC TH</a:t>
+            </a:r>
+            <a:endParaRPr lang="ru-RU" dirty="0"/>
+          </a:p>
+          <a:p>
+            <a:endParaRPr lang="ru-RU" dirty="0"/>
+          </a:p>
+        </p:txBody>
+      </p:sp>
+      <p:sp>
+        <p:nvSpPr>
+          <p:cNvPr id="4" name="Номер слайда 3">
+            <a:extLst>
+              <a:ext uri="{FF2B5EF4-FFF2-40B4-BE49-F238E27FC236}">
+                <a16:creationId xmlns:a16="http://schemas.microsoft.com/office/drawing/2014/main" id="{4B717A1C-96B9-D4AF-C06A-A304F33F4A88}"/>
+              </a:ext>
+            </a:extLst>
+          </p:cNvPr>
+          <p:cNvSpPr>
+            <a:spLocks noGrp="1"/>
+          </p:cNvSpPr>
+          <p:nvPr>
+            <p:ph type="sldNum" sz="quarter" idx="5"/>
+          </p:nvPr>
+        </p:nvSpPr>
+        <p:spPr/>
+        <p:txBody>
+          <a:bodyPr/>
+          <a:lstStyle/>
+          <a:p>
+            <a:fld id="{8329C60B-6F98-8646-A41A-70FA44D3BDF6}" type="slidenum">
+              <a:rPr lang="ru-RU" smtClean="0"/>
+              <a:t>12</a:t>
+            </a:fld>
+            <a:endParaRPr lang="ru-RU"/>
+          </a:p>
+        </p:txBody>
+      </p:sp>
+    </p:spTree>
+    <p:extLst>
+      <p:ext uri="{BB962C8B-B14F-4D97-AF65-F5344CB8AC3E}">
+        <p14:creationId xmlns:p14="http://schemas.microsoft.com/office/powerpoint/2010/main" val="813479619"/>
+      </p:ext>
+    </p:extLst>
+  </p:cSld>
+  <p:clrMapOvr>
+    <a:masterClrMapping/>
+  </p:clrMapOvr>
+</p:notes>
+</file>
+
+<file path=ppt/notesSlides/notesSlide13.xml><?xml version="1.0" encoding="utf-8"?>
+<p:notes xmlns:a="http://schemas.openxmlformats.org/drawingml/2006/main" xmlns:r="http://schemas.openxmlformats.org/officeDocument/2006/relationships" xmlns:p="http://schemas.openxmlformats.org/presentationml/2006/main">
+  <p:cSld>
+    <p:spTree>
+      <p:nvGrpSpPr>
+        <p:cNvPr id="1" name="">
+          <a:extLst>
+            <a:ext uri="{FF2B5EF4-FFF2-40B4-BE49-F238E27FC236}">
+              <a16:creationId xmlns:a16="http://schemas.microsoft.com/office/drawing/2014/main" id="{EBAD8241-B98D-0F20-B0E4-B4481E39FCBA}"/>
+            </a:ext>
+          </a:extLst>
+        </p:cNvPr>
+        <p:cNvGrpSpPr/>
+        <p:nvPr/>
+      </p:nvGrpSpPr>
+      <p:grpSpPr>
+        <a:xfrm>
+          <a:off x="0" y="0"/>
+          <a:ext cx="0" cy="0"/>
+          <a:chOff x="0" y="0"/>
+          <a:chExt cx="0" cy="0"/>
+        </a:xfrm>
+      </p:grpSpPr>
+      <p:sp>
+        <p:nvSpPr>
+          <p:cNvPr id="2" name="Образ слайда 1">
+            <a:extLst>
+              <a:ext uri="{FF2B5EF4-FFF2-40B4-BE49-F238E27FC236}">
+                <a16:creationId xmlns:a16="http://schemas.microsoft.com/office/drawing/2014/main" id="{7FEA4A19-559C-E989-E8E6-719747F109EF}"/>
+              </a:ext>
+            </a:extLst>
+          </p:cNvPr>
+          <p:cNvSpPr>
+            <a:spLocks noGrp="1" noRot="1" noChangeAspect="1"/>
+          </p:cNvSpPr>
+          <p:nvPr>
+            <p:ph type="sldImg"/>
+          </p:nvPr>
+        </p:nvSpPr>
+        <p:spPr/>
+      </p:sp>
+      <p:sp>
+        <p:nvSpPr>
+          <p:cNvPr id="3" name="Заметки 2">
+            <a:extLst>
+              <a:ext uri="{FF2B5EF4-FFF2-40B4-BE49-F238E27FC236}">
+                <a16:creationId xmlns:a16="http://schemas.microsoft.com/office/drawing/2014/main" id="{DAF88782-16C7-11C2-A3DE-5116DBE1ECFB}"/>
+              </a:ext>
+            </a:extLst>
+          </p:cNvPr>
+          <p:cNvSpPr>
+            <a:spLocks noGrp="1"/>
+          </p:cNvSpPr>
+          <p:nvPr>
+            <p:ph type="body" idx="1"/>
+          </p:nvPr>
+        </p:nvSpPr>
+        <p:spPr/>
+        <p:txBody>
+          <a:bodyPr/>
+          <a:lstStyle/>
+          <a:p>
+            <a:pPr marL="0" marR="0" lvl="0" indent="0" algn="l" defTabSz="914400" rtl="0" eaLnBrk="1" fontAlgn="auto" latinLnBrk="0" hangingPunct="1">
+              <a:lnSpc>
+                <a:spcPct val="100000"/>
+              </a:lnSpc>
+              <a:spcBef>
+                <a:spcPts val="0"/>
+              </a:spcBef>
+              <a:spcAft>
+                <a:spcPts val="0"/>
+              </a:spcAft>
+              <a:buClrTx/>
+              <a:buSzTx/>
               <a:buFontTx/>
               <a:buNone/>
+              <a:tabLst/>
+              <a:defRPr/>
+            </a:pPr>
+            <a:r>
+              <a:rPr lang="ru-RU" dirty="0"/>
+              <a:t>След слайд.</a:t>
+            </a:r>
+          </a:p>
+          <a:p>
+            <a:pPr marL="171450" indent="-171450">
+              <a:buFontTx/>
+              <a:buChar char="-"/>
             </a:pPr>
             <a:endParaRPr lang="ru-RU" dirty="0"/>
           </a:p>
@@ -688,7 +1044,13 @@
       </p:sp>
       <p:sp>
         <p:nvSpPr>
-          <p:cNvPr id="4" name="Номер слайда 3"/>
+          <p:cNvPr id="4" name="Номер слайда 3">
+            <a:extLst>
+              <a:ext uri="{FF2B5EF4-FFF2-40B4-BE49-F238E27FC236}">
+                <a16:creationId xmlns:a16="http://schemas.microsoft.com/office/drawing/2014/main" id="{ADB7463B-BE31-E56E-8351-6E561A299361}"/>
+              </a:ext>
+            </a:extLst>
+          </p:cNvPr>
           <p:cNvSpPr>
             <a:spLocks noGrp="1"/>
           </p:cNvSpPr>
@@ -701,7 +1063,544 @@
           <a:bodyPr/>
           <a:lstStyle/>
           <a:p>
-            <a:fld id="{06DF3A17-B39C-4384-8360-75C07DE4B940}" type="slidenum">
+            <a:fld id="{8329C60B-6F98-8646-A41A-70FA44D3BDF6}" type="slidenum">
+              <a:rPr lang="ru-RU" smtClean="0"/>
+              <a:t>13</a:t>
+            </a:fld>
+            <a:endParaRPr lang="ru-RU"/>
+          </a:p>
+        </p:txBody>
+      </p:sp>
+    </p:spTree>
+    <p:extLst>
+      <p:ext uri="{BB962C8B-B14F-4D97-AF65-F5344CB8AC3E}">
+        <p14:creationId xmlns:p14="http://schemas.microsoft.com/office/powerpoint/2010/main" val="808746725"/>
+      </p:ext>
+    </p:extLst>
+  </p:cSld>
+  <p:clrMapOvr>
+    <a:masterClrMapping/>
+  </p:clrMapOvr>
+</p:notes>
+</file>
+
+<file path=ppt/notesSlides/notesSlide14.xml><?xml version="1.0" encoding="utf-8"?>
+<p:notes xmlns:a="http://schemas.openxmlformats.org/drawingml/2006/main" xmlns:r="http://schemas.openxmlformats.org/officeDocument/2006/relationships" xmlns:p="http://schemas.openxmlformats.org/presentationml/2006/main">
+  <p:cSld>
+    <p:spTree>
+      <p:nvGrpSpPr>
+        <p:cNvPr id="1" name="">
+          <a:extLst>
+            <a:ext uri="{FF2B5EF4-FFF2-40B4-BE49-F238E27FC236}">
+              <a16:creationId xmlns:a16="http://schemas.microsoft.com/office/drawing/2014/main" id="{8FD81B2A-909A-4D17-66F7-CD65B8AF977C}"/>
+            </a:ext>
+          </a:extLst>
+        </p:cNvPr>
+        <p:cNvGrpSpPr/>
+        <p:nvPr/>
+      </p:nvGrpSpPr>
+      <p:grpSpPr>
+        <a:xfrm>
+          <a:off x="0" y="0"/>
+          <a:ext cx="0" cy="0"/>
+          <a:chOff x="0" y="0"/>
+          <a:chExt cx="0" cy="0"/>
+        </a:xfrm>
+      </p:grpSpPr>
+      <p:sp>
+        <p:nvSpPr>
+          <p:cNvPr id="2" name="Образ слайда 1">
+            <a:extLst>
+              <a:ext uri="{FF2B5EF4-FFF2-40B4-BE49-F238E27FC236}">
+                <a16:creationId xmlns:a16="http://schemas.microsoft.com/office/drawing/2014/main" id="{3FCFDEDA-4DB0-D526-78D6-5D8821E4B986}"/>
+              </a:ext>
+            </a:extLst>
+          </p:cNvPr>
+          <p:cNvSpPr>
+            <a:spLocks noGrp="1" noRot="1" noChangeAspect="1"/>
+          </p:cNvSpPr>
+          <p:nvPr>
+            <p:ph type="sldImg"/>
+          </p:nvPr>
+        </p:nvSpPr>
+        <p:spPr/>
+      </p:sp>
+      <p:sp>
+        <p:nvSpPr>
+          <p:cNvPr id="3" name="Заметки 2">
+            <a:extLst>
+              <a:ext uri="{FF2B5EF4-FFF2-40B4-BE49-F238E27FC236}">
+                <a16:creationId xmlns:a16="http://schemas.microsoft.com/office/drawing/2014/main" id="{942EFCAD-0A3D-C608-799E-0AAA37157F41}"/>
+              </a:ext>
+            </a:extLst>
+          </p:cNvPr>
+          <p:cNvSpPr>
+            <a:spLocks noGrp="1"/>
+          </p:cNvSpPr>
+          <p:nvPr>
+            <p:ph type="body" idx="1"/>
+          </p:nvPr>
+        </p:nvSpPr>
+        <p:spPr/>
+        <p:txBody>
+          <a:bodyPr/>
+          <a:lstStyle/>
+          <a:p>
+            <a:pPr marL="0" marR="0" lvl="0" indent="0" algn="l" defTabSz="914400" rtl="0" eaLnBrk="1" fontAlgn="auto" latinLnBrk="0" hangingPunct="1">
+              <a:lnSpc>
+                <a:spcPct val="100000"/>
+              </a:lnSpc>
+              <a:spcBef>
+                <a:spcPts val="0"/>
+              </a:spcBef>
+              <a:spcAft>
+                <a:spcPts val="0"/>
+              </a:spcAft>
+              <a:buClrTx/>
+              <a:buSzTx/>
+              <a:buFontTx/>
+              <a:buNone/>
+              <a:tabLst/>
+              <a:defRPr/>
+            </a:pPr>
+            <a:r>
+              <a:rPr lang="ru-RU" dirty="0"/>
+              <a:t>След слайд.</a:t>
+            </a:r>
+          </a:p>
+          <a:p>
+            <a:pPr marL="171450" indent="-171450">
+              <a:buFontTx/>
+              <a:buChar char="-"/>
+            </a:pPr>
+            <a:endParaRPr lang="ru-RU" dirty="0"/>
+          </a:p>
+        </p:txBody>
+      </p:sp>
+      <p:sp>
+        <p:nvSpPr>
+          <p:cNvPr id="4" name="Номер слайда 3">
+            <a:extLst>
+              <a:ext uri="{FF2B5EF4-FFF2-40B4-BE49-F238E27FC236}">
+                <a16:creationId xmlns:a16="http://schemas.microsoft.com/office/drawing/2014/main" id="{8B22FC40-911D-AC02-B2E6-3BA84C6CC03B}"/>
+              </a:ext>
+            </a:extLst>
+          </p:cNvPr>
+          <p:cNvSpPr>
+            <a:spLocks noGrp="1"/>
+          </p:cNvSpPr>
+          <p:nvPr>
+            <p:ph type="sldNum" sz="quarter" idx="5"/>
+          </p:nvPr>
+        </p:nvSpPr>
+        <p:spPr/>
+        <p:txBody>
+          <a:bodyPr/>
+          <a:lstStyle/>
+          <a:p>
+            <a:fld id="{8329C60B-6F98-8646-A41A-70FA44D3BDF6}" type="slidenum">
+              <a:rPr lang="ru-RU" smtClean="0"/>
+              <a:t>14</a:t>
+            </a:fld>
+            <a:endParaRPr lang="ru-RU"/>
+          </a:p>
+        </p:txBody>
+      </p:sp>
+    </p:spTree>
+    <p:extLst>
+      <p:ext uri="{BB962C8B-B14F-4D97-AF65-F5344CB8AC3E}">
+        <p14:creationId xmlns:p14="http://schemas.microsoft.com/office/powerpoint/2010/main" val="4193711611"/>
+      </p:ext>
+    </p:extLst>
+  </p:cSld>
+  <p:clrMapOvr>
+    <a:masterClrMapping/>
+  </p:clrMapOvr>
+</p:notes>
+</file>
+
+<file path=ppt/notesSlides/notesSlide15.xml><?xml version="1.0" encoding="utf-8"?>
+<p:notes xmlns:a="http://schemas.openxmlformats.org/drawingml/2006/main" xmlns:r="http://schemas.openxmlformats.org/officeDocument/2006/relationships" xmlns:p="http://schemas.openxmlformats.org/presentationml/2006/main">
+  <p:cSld>
+    <p:spTree>
+      <p:nvGrpSpPr>
+        <p:cNvPr id="1" name="">
+          <a:extLst>
+            <a:ext uri="{FF2B5EF4-FFF2-40B4-BE49-F238E27FC236}">
+              <a16:creationId xmlns:a16="http://schemas.microsoft.com/office/drawing/2014/main" id="{CE0F73B9-7019-CDDB-80A8-10BA70B03AB8}"/>
+            </a:ext>
+          </a:extLst>
+        </p:cNvPr>
+        <p:cNvGrpSpPr/>
+        <p:nvPr/>
+      </p:nvGrpSpPr>
+      <p:grpSpPr>
+        <a:xfrm>
+          <a:off x="0" y="0"/>
+          <a:ext cx="0" cy="0"/>
+          <a:chOff x="0" y="0"/>
+          <a:chExt cx="0" cy="0"/>
+        </a:xfrm>
+      </p:grpSpPr>
+      <p:sp>
+        <p:nvSpPr>
+          <p:cNvPr id="2" name="Образ слайда 1">
+            <a:extLst>
+              <a:ext uri="{FF2B5EF4-FFF2-40B4-BE49-F238E27FC236}">
+                <a16:creationId xmlns:a16="http://schemas.microsoft.com/office/drawing/2014/main" id="{3796A1B8-6F58-4933-093F-80151756454A}"/>
+              </a:ext>
+            </a:extLst>
+          </p:cNvPr>
+          <p:cNvSpPr>
+            <a:spLocks noGrp="1" noRot="1" noChangeAspect="1"/>
+          </p:cNvSpPr>
+          <p:nvPr>
+            <p:ph type="sldImg"/>
+          </p:nvPr>
+        </p:nvSpPr>
+        <p:spPr/>
+      </p:sp>
+      <p:sp>
+        <p:nvSpPr>
+          <p:cNvPr id="3" name="Заметки 2">
+            <a:extLst>
+              <a:ext uri="{FF2B5EF4-FFF2-40B4-BE49-F238E27FC236}">
+                <a16:creationId xmlns:a16="http://schemas.microsoft.com/office/drawing/2014/main" id="{60ADF02A-C1B9-6540-E84F-E5DECDAC2B70}"/>
+              </a:ext>
+            </a:extLst>
+          </p:cNvPr>
+          <p:cNvSpPr>
+            <a:spLocks noGrp="1"/>
+          </p:cNvSpPr>
+          <p:nvPr>
+            <p:ph type="body" idx="1"/>
+          </p:nvPr>
+        </p:nvSpPr>
+        <p:spPr/>
+        <p:txBody>
+          <a:bodyPr/>
+          <a:lstStyle/>
+          <a:p>
+            <a:endParaRPr lang="ru-RU" dirty="0"/>
+          </a:p>
+        </p:txBody>
+      </p:sp>
+      <p:sp>
+        <p:nvSpPr>
+          <p:cNvPr id="4" name="Номер слайда 3">
+            <a:extLst>
+              <a:ext uri="{FF2B5EF4-FFF2-40B4-BE49-F238E27FC236}">
+                <a16:creationId xmlns:a16="http://schemas.microsoft.com/office/drawing/2014/main" id="{981CF4AE-4CA6-01BA-0B55-E8BE2BEBAB3D}"/>
+              </a:ext>
+            </a:extLst>
+          </p:cNvPr>
+          <p:cNvSpPr>
+            <a:spLocks noGrp="1"/>
+          </p:cNvSpPr>
+          <p:nvPr>
+            <p:ph type="sldNum" sz="quarter" idx="5"/>
+          </p:nvPr>
+        </p:nvSpPr>
+        <p:spPr/>
+        <p:txBody>
+          <a:bodyPr/>
+          <a:lstStyle/>
+          <a:p>
+            <a:fld id="{8329C60B-6F98-8646-A41A-70FA44D3BDF6}" type="slidenum">
+              <a:rPr lang="ru-RU" smtClean="0"/>
+              <a:t>15</a:t>
+            </a:fld>
+            <a:endParaRPr lang="ru-RU"/>
+          </a:p>
+        </p:txBody>
+      </p:sp>
+    </p:spTree>
+    <p:extLst>
+      <p:ext uri="{BB962C8B-B14F-4D97-AF65-F5344CB8AC3E}">
+        <p14:creationId xmlns:p14="http://schemas.microsoft.com/office/powerpoint/2010/main" val="3994610288"/>
+      </p:ext>
+    </p:extLst>
+  </p:cSld>
+  <p:clrMapOvr>
+    <a:masterClrMapping/>
+  </p:clrMapOvr>
+</p:notes>
+</file>
+
+<file path=ppt/notesSlides/notesSlide2.xml><?xml version="1.0" encoding="utf-8"?>
+<p:notes xmlns:a="http://schemas.openxmlformats.org/drawingml/2006/main" xmlns:r="http://schemas.openxmlformats.org/officeDocument/2006/relationships" xmlns:p="http://schemas.openxmlformats.org/presentationml/2006/main">
+  <p:cSld>
+    <p:spTree>
+      <p:nvGrpSpPr>
+        <p:cNvPr id="1" name="">
+          <a:extLst>
+            <a:ext uri="{FF2B5EF4-FFF2-40B4-BE49-F238E27FC236}">
+              <a16:creationId xmlns:a16="http://schemas.microsoft.com/office/drawing/2014/main" id="{43A12028-85C8-4BBF-D3E2-8E920237D7AF}"/>
+            </a:ext>
+          </a:extLst>
+        </p:cNvPr>
+        <p:cNvGrpSpPr/>
+        <p:nvPr/>
+      </p:nvGrpSpPr>
+      <p:grpSpPr>
+        <a:xfrm>
+          <a:off x="0" y="0"/>
+          <a:ext cx="0" cy="0"/>
+          <a:chOff x="0" y="0"/>
+          <a:chExt cx="0" cy="0"/>
+        </a:xfrm>
+      </p:grpSpPr>
+      <p:sp>
+        <p:nvSpPr>
+          <p:cNvPr id="2" name="Образ слайда 1">
+            <a:extLst>
+              <a:ext uri="{FF2B5EF4-FFF2-40B4-BE49-F238E27FC236}">
+                <a16:creationId xmlns:a16="http://schemas.microsoft.com/office/drawing/2014/main" id="{DE60253E-FDD7-43F1-0662-BD502FF09627}"/>
+              </a:ext>
+            </a:extLst>
+          </p:cNvPr>
+          <p:cNvSpPr>
+            <a:spLocks noGrp="1" noRot="1" noChangeAspect="1"/>
+          </p:cNvSpPr>
+          <p:nvPr>
+            <p:ph type="sldImg"/>
+          </p:nvPr>
+        </p:nvSpPr>
+        <p:spPr/>
+      </p:sp>
+      <p:sp>
+        <p:nvSpPr>
+          <p:cNvPr id="3" name="Заметки 2">
+            <a:extLst>
+              <a:ext uri="{FF2B5EF4-FFF2-40B4-BE49-F238E27FC236}">
+                <a16:creationId xmlns:a16="http://schemas.microsoft.com/office/drawing/2014/main" id="{45BDBB04-7DBA-DD01-F0C3-670F6928796E}"/>
+              </a:ext>
+            </a:extLst>
+          </p:cNvPr>
+          <p:cNvSpPr>
+            <a:spLocks noGrp="1"/>
+          </p:cNvSpPr>
+          <p:nvPr>
+            <p:ph type="body" idx="1"/>
+          </p:nvPr>
+        </p:nvSpPr>
+        <p:spPr/>
+        <p:txBody>
+          <a:bodyPr/>
+          <a:lstStyle/>
+          <a:p>
+            <a:pPr marL="0" marR="0" lvl="0" indent="0" algn="l" defTabSz="914400" rtl="0" eaLnBrk="1" fontAlgn="auto" latinLnBrk="0" hangingPunct="1">
+              <a:lnSpc>
+                <a:spcPct val="100000"/>
+              </a:lnSpc>
+              <a:spcBef>
+                <a:spcPts val="0"/>
+              </a:spcBef>
+              <a:spcAft>
+                <a:spcPts val="0"/>
+              </a:spcAft>
+              <a:buClrTx/>
+              <a:buSzTx/>
+              <a:buFontTx/>
+              <a:buNone/>
+              <a:tabLst/>
+              <a:defRPr/>
+            </a:pPr>
+            <a:r>
+              <a:rPr lang="ru-RU" dirty="0"/>
+              <a:t>Вся работа</a:t>
+            </a:r>
+            <a:r>
+              <a:rPr lang="en-US" dirty="0"/>
+              <a:t> </a:t>
+            </a:r>
+            <a:r>
+              <a:rPr lang="ru-RU" dirty="0"/>
+              <a:t>центра реагирования на инциденты ИБ построена на анализе данных и выявлении аномалий в них. </a:t>
+            </a:r>
+          </a:p>
+          <a:p>
+            <a:pPr marL="0" marR="0" lvl="0" indent="0" algn="l" defTabSz="914400" rtl="0" eaLnBrk="1" fontAlgn="auto" latinLnBrk="0" hangingPunct="1">
+              <a:lnSpc>
+                <a:spcPct val="100000"/>
+              </a:lnSpc>
+              <a:spcBef>
+                <a:spcPts val="0"/>
+              </a:spcBef>
+              <a:spcAft>
+                <a:spcPts val="0"/>
+              </a:spcAft>
+              <a:buClrTx/>
+              <a:buSzTx/>
+              <a:buFontTx/>
+              <a:buNone/>
+              <a:tabLst/>
+              <a:defRPr/>
+            </a:pPr>
+            <a:r>
+              <a:rPr lang="ru-RU" dirty="0"/>
+              <a:t>Для работы с данными необходимо их </a:t>
+            </a:r>
+          </a:p>
+          <a:p>
+            <a:pPr marL="171450" marR="0" lvl="0" indent="-171450" algn="l" defTabSz="914400" rtl="0" eaLnBrk="1" fontAlgn="auto" latinLnBrk="0" hangingPunct="1">
+              <a:lnSpc>
+                <a:spcPct val="100000"/>
+              </a:lnSpc>
+              <a:spcBef>
+                <a:spcPts val="0"/>
+              </a:spcBef>
+              <a:spcAft>
+                <a:spcPts val="0"/>
+              </a:spcAft>
+              <a:buClrTx/>
+              <a:buSzTx/>
+              <a:buFontTx/>
+              <a:buChar char="-"/>
+              <a:tabLst/>
+              <a:defRPr/>
+            </a:pPr>
+            <a:r>
+              <a:rPr lang="ru-RU" dirty="0"/>
+              <a:t>Собрать</a:t>
+            </a:r>
+          </a:p>
+          <a:p>
+            <a:pPr marL="171450" marR="0" lvl="0" indent="-171450" algn="l" defTabSz="914400" rtl="0" eaLnBrk="1" fontAlgn="auto" latinLnBrk="0" hangingPunct="1">
+              <a:lnSpc>
+                <a:spcPct val="100000"/>
+              </a:lnSpc>
+              <a:spcBef>
+                <a:spcPts val="0"/>
+              </a:spcBef>
+              <a:spcAft>
+                <a:spcPts val="0"/>
+              </a:spcAft>
+              <a:buClrTx/>
+              <a:buSzTx/>
+              <a:buFontTx/>
+              <a:buChar char="-"/>
+              <a:tabLst/>
+              <a:defRPr/>
+            </a:pPr>
+            <a:r>
+              <a:rPr lang="ru-RU" dirty="0"/>
+              <a:t>Нормализовать</a:t>
+            </a:r>
+          </a:p>
+          <a:p>
+            <a:pPr marL="171450" marR="0" lvl="0" indent="-171450" algn="l" defTabSz="914400" rtl="0" eaLnBrk="1" fontAlgn="auto" latinLnBrk="0" hangingPunct="1">
+              <a:lnSpc>
+                <a:spcPct val="100000"/>
+              </a:lnSpc>
+              <a:spcBef>
+                <a:spcPts val="0"/>
+              </a:spcBef>
+              <a:spcAft>
+                <a:spcPts val="0"/>
+              </a:spcAft>
+              <a:buClrTx/>
+              <a:buSzTx/>
+              <a:buFontTx/>
+              <a:buChar char="-"/>
+              <a:tabLst/>
+              <a:defRPr/>
+            </a:pPr>
+            <a:r>
+              <a:rPr lang="ru-RU" dirty="0"/>
+              <a:t>Сохранить</a:t>
+            </a:r>
+          </a:p>
+          <a:p>
+            <a:pPr marL="171450" marR="0" lvl="0" indent="-171450" algn="l" defTabSz="914400" rtl="0" eaLnBrk="1" fontAlgn="auto" latinLnBrk="0" hangingPunct="1">
+              <a:lnSpc>
+                <a:spcPct val="100000"/>
+              </a:lnSpc>
+              <a:spcBef>
+                <a:spcPts val="0"/>
+              </a:spcBef>
+              <a:spcAft>
+                <a:spcPts val="0"/>
+              </a:spcAft>
+              <a:buClrTx/>
+              <a:buSzTx/>
+              <a:buFontTx/>
+              <a:buChar char="-"/>
+              <a:tabLst/>
+              <a:defRPr/>
+            </a:pPr>
+            <a:r>
+              <a:rPr lang="ru-RU" dirty="0"/>
+              <a:t>Написать правила для автоматического анализа</a:t>
+            </a:r>
+          </a:p>
+          <a:p>
+            <a:pPr marL="0" marR="0" lvl="0" indent="0" algn="l" defTabSz="914400" rtl="0" eaLnBrk="1" fontAlgn="auto" latinLnBrk="0" hangingPunct="1">
+              <a:lnSpc>
+                <a:spcPct val="100000"/>
+              </a:lnSpc>
+              <a:spcBef>
+                <a:spcPts val="0"/>
+              </a:spcBef>
+              <a:spcAft>
+                <a:spcPts val="0"/>
+              </a:spcAft>
+              <a:buClrTx/>
+              <a:buSzTx/>
+              <a:buFontTx/>
+              <a:buNone/>
+              <a:tabLst/>
+              <a:defRPr/>
+            </a:pPr>
+            <a:endParaRPr lang="ru-RU" dirty="0"/>
+          </a:p>
+          <a:p>
+            <a:pPr marL="0" marR="0" lvl="0" indent="0" algn="l" defTabSz="914400" rtl="0" eaLnBrk="1" fontAlgn="auto" latinLnBrk="0" hangingPunct="1">
+              <a:lnSpc>
+                <a:spcPct val="100000"/>
+              </a:lnSpc>
+              <a:spcBef>
+                <a:spcPts val="0"/>
+              </a:spcBef>
+              <a:spcAft>
+                <a:spcPts val="0"/>
+              </a:spcAft>
+              <a:buClrTx/>
+              <a:buSzTx/>
+              <a:buFontTx/>
+              <a:buNone/>
+              <a:tabLst/>
+              <a:defRPr/>
+            </a:pPr>
+            <a:r>
+              <a:rPr lang="ru-RU" dirty="0"/>
+              <a:t>Чем крупнее компания, тем больше количество источников данных в ней. Рано или поздно настройка поставки данных от очередного источника становится рутинной задачей.</a:t>
+            </a:r>
+          </a:p>
+        </p:txBody>
+      </p:sp>
+      <p:sp>
+        <p:nvSpPr>
+          <p:cNvPr id="4" name="Номер слайда 3">
+            <a:extLst>
+              <a:ext uri="{FF2B5EF4-FFF2-40B4-BE49-F238E27FC236}">
+                <a16:creationId xmlns:a16="http://schemas.microsoft.com/office/drawing/2014/main" id="{BA5B651B-7348-7EAA-B2A2-8E57227DDF68}"/>
+              </a:ext>
+            </a:extLst>
+          </p:cNvPr>
+          <p:cNvSpPr>
+            <a:spLocks noGrp="1"/>
+          </p:cNvSpPr>
+          <p:nvPr>
+            <p:ph type="sldNum" sz="quarter" idx="5"/>
+          </p:nvPr>
+        </p:nvSpPr>
+        <p:spPr/>
+        <p:txBody>
+          <a:bodyPr/>
+          <a:lstStyle/>
+          <a:p>
+            <a:fld id="{8329C60B-6F98-8646-A41A-70FA44D3BDF6}" type="slidenum">
               <a:rPr lang="ru-RU" smtClean="0"/>
               <a:t>2</a:t>
             </a:fld>
@@ -712,7 +1611,7 @@
     </p:spTree>
     <p:extLst>
       <p:ext uri="{BB962C8B-B14F-4D97-AF65-F5344CB8AC3E}">
-        <p14:creationId xmlns:p14="http://schemas.microsoft.com/office/powerpoint/2010/main" val="685264260"/>
+        <p14:creationId xmlns:p14="http://schemas.microsoft.com/office/powerpoint/2010/main" val="2520990654"/>
       </p:ext>
     </p:extLst>
   </p:cSld>
@@ -723,6 +1622,137 @@
 </file>
 
 <file path=ppt/notesSlides/notesSlide3.xml><?xml version="1.0" encoding="utf-8"?>
+<p:notes xmlns:a="http://schemas.openxmlformats.org/drawingml/2006/main" xmlns:r="http://schemas.openxmlformats.org/officeDocument/2006/relationships" xmlns:p="http://schemas.openxmlformats.org/presentationml/2006/main">
+  <p:cSld>
+    <p:spTree>
+      <p:nvGrpSpPr>
+        <p:cNvPr id="1" name="">
+          <a:extLst>
+            <a:ext uri="{FF2B5EF4-FFF2-40B4-BE49-F238E27FC236}">
+              <a16:creationId xmlns:a16="http://schemas.microsoft.com/office/drawing/2014/main" id="{9286DA1B-8AA7-6FE2-C644-9C8EE57A2823}"/>
+            </a:ext>
+          </a:extLst>
+        </p:cNvPr>
+        <p:cNvGrpSpPr/>
+        <p:nvPr/>
+      </p:nvGrpSpPr>
+      <p:grpSpPr>
+        <a:xfrm>
+          <a:off x="0" y="0"/>
+          <a:ext cx="0" cy="0"/>
+          <a:chOff x="0" y="0"/>
+          <a:chExt cx="0" cy="0"/>
+        </a:xfrm>
+      </p:grpSpPr>
+      <p:sp>
+        <p:nvSpPr>
+          <p:cNvPr id="2" name="Образ слайда 1">
+            <a:extLst>
+              <a:ext uri="{FF2B5EF4-FFF2-40B4-BE49-F238E27FC236}">
+                <a16:creationId xmlns:a16="http://schemas.microsoft.com/office/drawing/2014/main" id="{B77C5E4D-D122-A838-03AB-7B83D9844566}"/>
+              </a:ext>
+            </a:extLst>
+          </p:cNvPr>
+          <p:cNvSpPr>
+            <a:spLocks noGrp="1" noRot="1" noChangeAspect="1"/>
+          </p:cNvSpPr>
+          <p:nvPr>
+            <p:ph type="sldImg"/>
+          </p:nvPr>
+        </p:nvSpPr>
+        <p:spPr/>
+      </p:sp>
+      <p:sp>
+        <p:nvSpPr>
+          <p:cNvPr id="3" name="Заметки 2">
+            <a:extLst>
+              <a:ext uri="{FF2B5EF4-FFF2-40B4-BE49-F238E27FC236}">
+                <a16:creationId xmlns:a16="http://schemas.microsoft.com/office/drawing/2014/main" id="{B939C583-99DD-3209-A04B-F53836DBD93F}"/>
+              </a:ext>
+            </a:extLst>
+          </p:cNvPr>
+          <p:cNvSpPr>
+            <a:spLocks noGrp="1"/>
+          </p:cNvSpPr>
+          <p:nvPr>
+            <p:ph type="body" idx="1"/>
+          </p:nvPr>
+        </p:nvSpPr>
+        <p:spPr/>
+        <p:txBody>
+          <a:bodyPr/>
+          <a:lstStyle/>
+          <a:p>
+            <a:pPr marL="0" marR="0" lvl="0" indent="0" algn="l" defTabSz="914400" rtl="0" eaLnBrk="1" fontAlgn="auto" latinLnBrk="0" hangingPunct="1">
+              <a:lnSpc>
+                <a:spcPct val="100000"/>
+              </a:lnSpc>
+              <a:spcBef>
+                <a:spcPts val="0"/>
+              </a:spcBef>
+              <a:spcAft>
+                <a:spcPts val="0"/>
+              </a:spcAft>
+              <a:buClrTx/>
+              <a:buSzTx/>
+              <a:buFontTx/>
+              <a:buNone/>
+              <a:tabLst/>
+              <a:defRPr/>
+            </a:pPr>
+            <a:r>
+              <a:rPr lang="ru-RU" dirty="0"/>
+              <a:t>Проблема в нашем случае, что эта рутинная задача (настройки поставки данных) требует много действий в различных местах, что требует сильной вовлеченности инженера в процесс.</a:t>
+            </a:r>
+          </a:p>
+          <a:p>
+            <a:endParaRPr lang="ru-RU" dirty="0"/>
+          </a:p>
+        </p:txBody>
+      </p:sp>
+      <p:sp>
+        <p:nvSpPr>
+          <p:cNvPr id="4" name="Номер слайда 3">
+            <a:extLst>
+              <a:ext uri="{FF2B5EF4-FFF2-40B4-BE49-F238E27FC236}">
+                <a16:creationId xmlns:a16="http://schemas.microsoft.com/office/drawing/2014/main" id="{74A868B1-461B-ABD2-2176-BD9F0AFF72FD}"/>
+              </a:ext>
+            </a:extLst>
+          </p:cNvPr>
+          <p:cNvSpPr>
+            <a:spLocks noGrp="1"/>
+          </p:cNvSpPr>
+          <p:nvPr>
+            <p:ph type="sldNum" sz="quarter" idx="5"/>
+          </p:nvPr>
+        </p:nvSpPr>
+        <p:spPr/>
+        <p:txBody>
+          <a:bodyPr/>
+          <a:lstStyle/>
+          <a:p>
+            <a:fld id="{8329C60B-6F98-8646-A41A-70FA44D3BDF6}" type="slidenum">
+              <a:rPr lang="ru-RU" smtClean="0"/>
+              <a:t>3</a:t>
+            </a:fld>
+            <a:endParaRPr lang="ru-RU"/>
+          </a:p>
+        </p:txBody>
+      </p:sp>
+    </p:spTree>
+    <p:extLst>
+      <p:ext uri="{BB962C8B-B14F-4D97-AF65-F5344CB8AC3E}">
+        <p14:creationId xmlns:p14="http://schemas.microsoft.com/office/powerpoint/2010/main" val="2955751087"/>
+      </p:ext>
+    </p:extLst>
+  </p:cSld>
+  <p:clrMapOvr>
+    <a:masterClrMapping/>
+  </p:clrMapOvr>
+</p:notes>
+</file>
+
+<file path=ppt/notesSlides/notesSlide4.xml><?xml version="1.0" encoding="utf-8"?>
 <p:notes xmlns:a="http://schemas.openxmlformats.org/drawingml/2006/main" xmlns:r="http://schemas.openxmlformats.org/officeDocument/2006/relationships" xmlns:p="http://schemas.openxmlformats.org/presentationml/2006/main">
   <p:cSld>
     <p:spTree>
@@ -803,11 +1833,134 @@
             </a:pPr>
             <a:r>
               <a:rPr lang="ru-RU" dirty="0"/>
-              <a:t>След слайд.</a:t>
-            </a:r>
-          </a:p>
-          <a:p>
+              <a:t>Исходя из поставленной проблемы была сформирована цель, представленная на слайде.</a:t>
+            </a:r>
+          </a:p>
+          <a:p>
+            <a:pPr marL="0" marR="0" lvl="0" indent="0" algn="l" defTabSz="914400" rtl="0" eaLnBrk="1" fontAlgn="auto" latinLnBrk="0" hangingPunct="1">
+              <a:lnSpc>
+                <a:spcPct val="100000"/>
+              </a:lnSpc>
+              <a:spcBef>
+                <a:spcPts val="0"/>
+              </a:spcBef>
+              <a:spcAft>
+                <a:spcPts val="0"/>
+              </a:spcAft>
+              <a:buClrTx/>
+              <a:buSzTx/>
+              <a:buFontTx/>
+              <a:buNone/>
+              <a:tabLst/>
+              <a:defRPr/>
+            </a:pPr>
+            <a:r>
+              <a:rPr lang="ru-RU" dirty="0"/>
+              <a:t>В соответствии с этой целью были выделены задачи по реализации следующих механизмов</a:t>
+            </a:r>
+          </a:p>
+          <a:p>
+            <a:pPr marL="0" marR="0" lvl="0" indent="0" algn="l" defTabSz="914400" rtl="0" eaLnBrk="1" fontAlgn="auto" latinLnBrk="0" hangingPunct="1">
+              <a:lnSpc>
+                <a:spcPct val="100000"/>
+              </a:lnSpc>
+              <a:spcBef>
+                <a:spcPts val="0"/>
+              </a:spcBef>
+              <a:spcAft>
+                <a:spcPts val="0"/>
+              </a:spcAft>
+              <a:buClrTx/>
+              <a:buSzTx/>
+              <a:buFontTx/>
+              <a:buNone/>
+              <a:tabLst/>
+              <a:defRPr/>
+            </a:pPr>
             <a:endParaRPr lang="ru-RU" dirty="0"/>
+          </a:p>
+          <a:p>
+            <a:pPr marL="0" marR="0" lvl="0" indent="0" algn="l" defTabSz="914400" rtl="0" eaLnBrk="1" fontAlgn="auto" latinLnBrk="0" hangingPunct="1">
+              <a:lnSpc>
+                <a:spcPct val="100000"/>
+              </a:lnSpc>
+              <a:spcBef>
+                <a:spcPts val="0"/>
+              </a:spcBef>
+              <a:spcAft>
+                <a:spcPts val="0"/>
+              </a:spcAft>
+              <a:buClrTx/>
+              <a:buSzTx/>
+              <a:buFontTx/>
+              <a:buNone/>
+              <a:tabLst/>
+              <a:defRPr/>
+            </a:pPr>
+            <a:r>
+              <a:rPr lang="ru-RU" dirty="0"/>
+              <a:t>Как таковых четких требований по используемым технологиям нет, но хочется остаться в пределах стека команды, потому постараемся сделать это все как плейбуки.</a:t>
+            </a:r>
+            <a:endParaRPr lang="en-US" dirty="0"/>
+          </a:p>
+          <a:p>
+            <a:pPr marL="0" marR="0" lvl="0" indent="0" algn="l" defTabSz="914400" rtl="0" eaLnBrk="1" fontAlgn="auto" latinLnBrk="0" hangingPunct="1">
+              <a:lnSpc>
+                <a:spcPct val="100000"/>
+              </a:lnSpc>
+              <a:spcBef>
+                <a:spcPts val="0"/>
+              </a:spcBef>
+              <a:spcAft>
+                <a:spcPts val="0"/>
+              </a:spcAft>
+              <a:buClrTx/>
+              <a:buSzTx/>
+              <a:buFontTx/>
+              <a:buNone/>
+              <a:tabLst/>
+              <a:defRPr/>
+            </a:pPr>
+            <a:endParaRPr lang="en-US" dirty="0"/>
+          </a:p>
+          <a:p>
+            <a:pPr marL="0" marR="0" lvl="0" indent="0" algn="l" defTabSz="914400" rtl="0" eaLnBrk="1" fontAlgn="auto" latinLnBrk="0" hangingPunct="1">
+              <a:lnSpc>
+                <a:spcPct val="100000"/>
+              </a:lnSpc>
+              <a:spcBef>
+                <a:spcPts val="0"/>
+              </a:spcBef>
+              <a:spcAft>
+                <a:spcPts val="0"/>
+              </a:spcAft>
+              <a:buClrTx/>
+              <a:buSzTx/>
+              <a:buFontTx/>
+              <a:buNone/>
+              <a:tabLst/>
+              <a:defRPr/>
+            </a:pPr>
+            <a:r>
+              <a:rPr lang="ru-RU" dirty="0"/>
+              <a:t>Также следует учесть, что в дальнейшем запуск этих </a:t>
+            </a:r>
+            <a:r>
+              <a:rPr lang="ru-RU" dirty="0" err="1"/>
+              <a:t>плейбуков</a:t>
+            </a:r>
+            <a:r>
+              <a:rPr lang="ru-RU" dirty="0"/>
+              <a:t> планируется автоматизировать через </a:t>
+            </a:r>
+            <a:r>
+              <a:rPr lang="en-US" dirty="0"/>
+              <a:t>Web-UI. </a:t>
+            </a:r>
+            <a:r>
+              <a:rPr lang="ru-RU" dirty="0"/>
+              <a:t>Было бы здорово учесть, что как-то нужно отдавать состояние выполнения того или иного шага.</a:t>
+            </a:r>
           </a:p>
         </p:txBody>
       </p:sp>
@@ -834,7 +1987,7 @@
           <a:p>
             <a:fld id="{8329C60B-6F98-8646-A41A-70FA44D3BDF6}" type="slidenum">
               <a:rPr lang="ru-RU" smtClean="0"/>
-              <a:t>3</a:t>
+              <a:t>4</a:t>
             </a:fld>
             <a:endParaRPr lang="ru-RU"/>
           </a:p>
@@ -853,7 +2006,7 @@
 </p:notes>
 </file>
 
-<file path=ppt/notesSlides/notesSlide4.xml><?xml version="1.0" encoding="utf-8"?>
+<file path=ppt/notesSlides/notesSlide5.xml><?xml version="1.0" encoding="utf-8"?>
 <p:notes xmlns:a="http://schemas.openxmlformats.org/drawingml/2006/main" xmlns:r="http://schemas.openxmlformats.org/officeDocument/2006/relationships" xmlns:p="http://schemas.openxmlformats.org/presentationml/2006/main">
   <p:cSld>
     <p:spTree>
@@ -934,117 +2087,9 @@
             </a:pPr>
             <a:r>
               <a:rPr lang="ru-RU" dirty="0"/>
-              <a:t>След слайд.</a:t>
-            </a:r>
-          </a:p>
-          <a:p>
-            <a:endParaRPr lang="ru-RU" dirty="0"/>
-          </a:p>
-        </p:txBody>
-      </p:sp>
-      <p:sp>
-        <p:nvSpPr>
-          <p:cNvPr id="4" name="Номер слайда 3">
-            <a:extLst>
-              <a:ext uri="{FF2B5EF4-FFF2-40B4-BE49-F238E27FC236}">
-                <a16:creationId xmlns:a16="http://schemas.microsoft.com/office/drawing/2014/main" id="{9F8B1B91-C86B-C5E8-B09B-2491594E930D}"/>
-              </a:ext>
-            </a:extLst>
-          </p:cNvPr>
-          <p:cNvSpPr>
-            <a:spLocks noGrp="1"/>
-          </p:cNvSpPr>
-          <p:nvPr>
-            <p:ph type="sldNum" sz="quarter" idx="5"/>
-          </p:nvPr>
-        </p:nvSpPr>
-        <p:spPr/>
-        <p:txBody>
-          <a:bodyPr/>
-          <a:lstStyle/>
-          <a:p>
-            <a:fld id="{8329C60B-6F98-8646-A41A-70FA44D3BDF6}" type="slidenum">
-              <a:rPr lang="ru-RU" smtClean="0"/>
-              <a:t>4</a:t>
-            </a:fld>
-            <a:endParaRPr lang="ru-RU"/>
-          </a:p>
-        </p:txBody>
-      </p:sp>
-    </p:spTree>
-    <p:extLst>
-      <p:ext uri="{BB962C8B-B14F-4D97-AF65-F5344CB8AC3E}">
-        <p14:creationId xmlns:p14="http://schemas.microsoft.com/office/powerpoint/2010/main" val="3899254811"/>
-      </p:ext>
-    </p:extLst>
-  </p:cSld>
-  <p:clrMapOvr>
-    <a:masterClrMapping/>
-  </p:clrMapOvr>
-</p:notes>
-</file>
-
-<file path=ppt/notesSlides/notesSlide5.xml><?xml version="1.0" encoding="utf-8"?>
-<p:notes xmlns:a="http://schemas.openxmlformats.org/drawingml/2006/main" xmlns:r="http://schemas.openxmlformats.org/officeDocument/2006/relationships" xmlns:p="http://schemas.openxmlformats.org/presentationml/2006/main">
-  <p:cSld>
-    <p:spTree>
-      <p:nvGrpSpPr>
-        <p:cNvPr id="1" name="">
-          <a:extLst>
-            <a:ext uri="{FF2B5EF4-FFF2-40B4-BE49-F238E27FC236}">
-              <a16:creationId xmlns:a16="http://schemas.microsoft.com/office/drawing/2014/main" id="{02B9F234-1216-36E1-5B0C-5584DAA15C54}"/>
-            </a:ext>
-          </a:extLst>
-        </p:cNvPr>
-        <p:cNvGrpSpPr/>
-        <p:nvPr/>
-      </p:nvGrpSpPr>
-      <p:grpSpPr>
-        <a:xfrm>
-          <a:off x="0" y="0"/>
-          <a:ext cx="0" cy="0"/>
-          <a:chOff x="0" y="0"/>
-          <a:chExt cx="0" cy="0"/>
-        </a:xfrm>
-      </p:grpSpPr>
-      <p:sp>
-        <p:nvSpPr>
-          <p:cNvPr id="2" name="Образ слайда 1">
-            <a:extLst>
-              <a:ext uri="{FF2B5EF4-FFF2-40B4-BE49-F238E27FC236}">
-                <a16:creationId xmlns:a16="http://schemas.microsoft.com/office/drawing/2014/main" id="{BB878B1E-5257-D27E-823C-BB9AB0944129}"/>
-              </a:ext>
-            </a:extLst>
-          </p:cNvPr>
-          <p:cNvSpPr>
-            <a:spLocks noGrp="1" noRot="1" noChangeAspect="1"/>
-          </p:cNvSpPr>
-          <p:nvPr>
-            <p:ph type="sldImg"/>
-          </p:nvPr>
-        </p:nvSpPr>
-        <p:spPr/>
-      </p:sp>
-      <p:sp>
-        <p:nvSpPr>
-          <p:cNvPr id="3" name="Заметки 2">
-            <a:extLst>
-              <a:ext uri="{FF2B5EF4-FFF2-40B4-BE49-F238E27FC236}">
-                <a16:creationId xmlns:a16="http://schemas.microsoft.com/office/drawing/2014/main" id="{F82A109D-6FE3-1FB5-F780-688653D6A654}"/>
-              </a:ext>
-            </a:extLst>
-          </p:cNvPr>
-          <p:cNvSpPr>
-            <a:spLocks noGrp="1"/>
-          </p:cNvSpPr>
-          <p:nvPr>
-            <p:ph type="body" idx="1"/>
-          </p:nvPr>
-        </p:nvSpPr>
-        <p:spPr/>
-        <p:txBody>
-          <a:bodyPr/>
-          <a:lstStyle/>
+              <a:t>Задачу определения адреса можно решать разными способами. </a:t>
+            </a:r>
+          </a:p>
           <a:p>
             <a:pPr marL="0" marR="0" lvl="0" indent="0" algn="l" defTabSz="914400" rtl="0" eaLnBrk="1" fontAlgn="auto" latinLnBrk="0" hangingPunct="1">
               <a:lnSpc>
@@ -1065,10 +2110,27 @@
             </a:pPr>
             <a:r>
               <a:rPr lang="ru-RU" dirty="0"/>
-              <a:t>След слайд.</a:t>
-            </a:r>
-          </a:p>
-          <a:p>
+              <a:t>Можно определять по конфигурационным файлам существующих коллекторов</a:t>
+            </a:r>
+          </a:p>
+          <a:p>
+            <a:pPr marL="0" marR="0" lvl="0" indent="0" algn="l" defTabSz="914400" rtl="0" eaLnBrk="1" fontAlgn="auto" latinLnBrk="0" hangingPunct="1">
+              <a:lnSpc>
+                <a:spcPct val="100000"/>
+              </a:lnSpc>
+              <a:spcBef>
+                <a:spcPts val="0"/>
+              </a:spcBef>
+              <a:spcAft>
+                <a:spcPts val="0"/>
+              </a:spcAft>
+              <a:buClrTx/>
+              <a:buSzTx/>
+              <a:buFontTx/>
+              <a:buNone/>
+              <a:tabLst/>
+              <a:defRPr/>
+            </a:pPr>
             <a:endParaRPr lang="ru-RU" dirty="0"/>
           </a:p>
         </p:txBody>
@@ -1078,7 +2140,7 @@
           <p:cNvPr id="4" name="Номер слайда 3">
             <a:extLst>
               <a:ext uri="{FF2B5EF4-FFF2-40B4-BE49-F238E27FC236}">
-                <a16:creationId xmlns:a16="http://schemas.microsoft.com/office/drawing/2014/main" id="{4B717A1C-96B9-D4AF-C06A-A304F33F4A88}"/>
+                <a16:creationId xmlns:a16="http://schemas.microsoft.com/office/drawing/2014/main" id="{9F8B1B91-C86B-C5E8-B09B-2491594E930D}"/>
               </a:ext>
             </a:extLst>
           </p:cNvPr>
@@ -1105,7 +2167,7 @@
     </p:spTree>
     <p:extLst>
       <p:ext uri="{BB962C8B-B14F-4D97-AF65-F5344CB8AC3E}">
-        <p14:creationId xmlns:p14="http://schemas.microsoft.com/office/powerpoint/2010/main" val="813479619"/>
+        <p14:creationId xmlns:p14="http://schemas.microsoft.com/office/powerpoint/2010/main" val="3899254811"/>
       </p:ext>
     </p:extLst>
   </p:cSld>
@@ -1123,7 +2185,7 @@
         <p:cNvPr id="1" name="">
           <a:extLst>
             <a:ext uri="{FF2B5EF4-FFF2-40B4-BE49-F238E27FC236}">
-              <a16:creationId xmlns:a16="http://schemas.microsoft.com/office/drawing/2014/main" id="{EBAD8241-B98D-0F20-B0E4-B4481E39FCBA}"/>
+              <a16:creationId xmlns:a16="http://schemas.microsoft.com/office/drawing/2014/main" id="{D0268E40-36BC-8817-FEC4-E7AB175BC5C4}"/>
             </a:ext>
           </a:extLst>
         </p:cNvPr>
@@ -1143,7 +2205,7 @@
           <p:cNvPr id="2" name="Образ слайда 1">
             <a:extLst>
               <a:ext uri="{FF2B5EF4-FFF2-40B4-BE49-F238E27FC236}">
-                <a16:creationId xmlns:a16="http://schemas.microsoft.com/office/drawing/2014/main" id="{7FEA4A19-559C-E989-E8E6-719747F109EF}"/>
+                <a16:creationId xmlns:a16="http://schemas.microsoft.com/office/drawing/2014/main" id="{1D373244-6A29-BADA-C51B-D68285CED534}"/>
               </a:ext>
             </a:extLst>
           </p:cNvPr>
@@ -1161,7 +2223,7 @@
           <p:cNvPr id="3" name="Заметки 2">
             <a:extLst>
               <a:ext uri="{FF2B5EF4-FFF2-40B4-BE49-F238E27FC236}">
-                <a16:creationId xmlns:a16="http://schemas.microsoft.com/office/drawing/2014/main" id="{DAF88782-16C7-11C2-A3DE-5116DBE1ECFB}"/>
+                <a16:creationId xmlns:a16="http://schemas.microsoft.com/office/drawing/2014/main" id="{5DCB2749-4E43-3B50-D5FB-46AB83DA0294}"/>
               </a:ext>
             </a:extLst>
           </p:cNvPr>
@@ -1196,14 +2258,10 @@
             </a:pPr>
             <a:r>
               <a:rPr lang="ru-RU" dirty="0"/>
-              <a:t>След слайд.</a:t>
-            </a:r>
-          </a:p>
-          <a:p>
-            <a:pPr marL="171450" indent="-171450">
-              <a:buFontTx/>
-              <a:buChar char="-"/>
-            </a:pPr>
+              <a:t>Выбран следующий алгоритм. Так как он показал себя быстрее остальных по скорости работы и не требует подключения к хосту</a:t>
+            </a:r>
+          </a:p>
+          <a:p>
             <a:endParaRPr lang="ru-RU" dirty="0"/>
           </a:p>
         </p:txBody>
@@ -1213,7 +2271,7 @@
           <p:cNvPr id="4" name="Номер слайда 3">
             <a:extLst>
               <a:ext uri="{FF2B5EF4-FFF2-40B4-BE49-F238E27FC236}">
-                <a16:creationId xmlns:a16="http://schemas.microsoft.com/office/drawing/2014/main" id="{ADB7463B-BE31-E56E-8351-6E561A299361}"/>
+                <a16:creationId xmlns:a16="http://schemas.microsoft.com/office/drawing/2014/main" id="{1A8DBE31-D6A7-3FC2-E5B9-88182BF40720}"/>
               </a:ext>
             </a:extLst>
           </p:cNvPr>
@@ -1240,7 +2298,7 @@
     </p:spTree>
     <p:extLst>
       <p:ext uri="{BB962C8B-B14F-4D97-AF65-F5344CB8AC3E}">
-        <p14:creationId xmlns:p14="http://schemas.microsoft.com/office/powerpoint/2010/main" val="808746725"/>
+        <p14:creationId xmlns:p14="http://schemas.microsoft.com/office/powerpoint/2010/main" val="93051632"/>
       </p:ext>
     </p:extLst>
   </p:cSld>
@@ -1258,7 +2316,7 @@
         <p:cNvPr id="1" name="">
           <a:extLst>
             <a:ext uri="{FF2B5EF4-FFF2-40B4-BE49-F238E27FC236}">
-              <a16:creationId xmlns:a16="http://schemas.microsoft.com/office/drawing/2014/main" id="{CE0F73B9-7019-CDDB-80A8-10BA70B03AB8}"/>
+              <a16:creationId xmlns:a16="http://schemas.microsoft.com/office/drawing/2014/main" id="{3EFC9833-47B0-7DC5-B133-DA9FF882A962}"/>
             </a:ext>
           </a:extLst>
         </p:cNvPr>
@@ -1278,7 +2336,7 @@
           <p:cNvPr id="2" name="Образ слайда 1">
             <a:extLst>
               <a:ext uri="{FF2B5EF4-FFF2-40B4-BE49-F238E27FC236}">
-                <a16:creationId xmlns:a16="http://schemas.microsoft.com/office/drawing/2014/main" id="{3796A1B8-6F58-4933-093F-80151756454A}"/>
+                <a16:creationId xmlns:a16="http://schemas.microsoft.com/office/drawing/2014/main" id="{1C45EE8E-EA27-2381-788C-EB75DD398793}"/>
               </a:ext>
             </a:extLst>
           </p:cNvPr>
@@ -1296,7 +2354,7 @@
           <p:cNvPr id="3" name="Заметки 2">
             <a:extLst>
               <a:ext uri="{FF2B5EF4-FFF2-40B4-BE49-F238E27FC236}">
-                <a16:creationId xmlns:a16="http://schemas.microsoft.com/office/drawing/2014/main" id="{60ADF02A-C1B9-6540-E84F-E5DECDAC2B70}"/>
+                <a16:creationId xmlns:a16="http://schemas.microsoft.com/office/drawing/2014/main" id="{1F246A79-B504-FC12-059D-659BFB0283A4}"/>
               </a:ext>
             </a:extLst>
           </p:cNvPr>
@@ -1312,6 +2370,110 @@
           <a:bodyPr/>
           <a:lstStyle/>
           <a:p>
+            <a:r>
+              <a:rPr lang="ru-RU" dirty="0"/>
+              <a:t>В целом, не представляет из себя ничего сложного, так как </a:t>
+            </a:r>
+            <a:r>
+              <a:rPr lang="en-US" dirty="0"/>
+              <a:t>Kafka </a:t>
+            </a:r>
+            <a:r>
+              <a:rPr lang="ru-RU" dirty="0"/>
+              <a:t>предоставляется нам как </a:t>
+            </a:r>
+            <a:r>
+              <a:rPr lang="en-US" dirty="0"/>
+              <a:t>IaaS </a:t>
+            </a:r>
+            <a:r>
+              <a:rPr lang="ru-RU" dirty="0"/>
+              <a:t>или (</a:t>
+            </a:r>
+            <a:r>
+              <a:rPr lang="en-US" dirty="0"/>
+              <a:t>PaaS, </a:t>
+            </a:r>
+            <a:r>
+              <a:rPr lang="ru-RU" dirty="0"/>
+              <a:t>уточнить (или вовсе не говорить)</a:t>
+            </a:r>
+            <a:r>
+              <a:rPr lang="en-US" dirty="0"/>
+              <a:t>)</a:t>
+            </a:r>
+            <a:r>
+              <a:rPr lang="ru-RU" dirty="0"/>
+              <a:t>. У нас есть </a:t>
+            </a:r>
+            <a:r>
+              <a:rPr lang="en-US" dirty="0"/>
+              <a:t>API </a:t>
+            </a:r>
+            <a:r>
+              <a:rPr lang="ru-RU" dirty="0"/>
+              <a:t>для создания топика, нужно интегрироваться с ним и все.</a:t>
+            </a:r>
+          </a:p>
+          <a:p>
+            <a:r>
+              <a:rPr lang="ru-RU" dirty="0"/>
+              <a:t>Проблема в том, что поддерживаемый кластер </a:t>
+            </a:r>
+            <a:r>
+              <a:rPr lang="en-US" dirty="0" err="1"/>
+              <a:t>EoL</a:t>
+            </a:r>
+            <a:r>
+              <a:rPr lang="en-US" dirty="0"/>
+              <a:t> </a:t>
+            </a:r>
+            <a:r>
+              <a:rPr lang="ru-RU" dirty="0"/>
+              <a:t>и в ближайшем будущем придется переехать на решение </a:t>
+            </a:r>
+            <a:r>
+              <a:rPr lang="en-US" dirty="0"/>
+              <a:t>Kafka as a Service. </a:t>
+            </a:r>
+            <a:r>
+              <a:rPr lang="ru-RU" dirty="0"/>
+              <a:t>И это решение, хоть и имеет </a:t>
+            </a:r>
+            <a:r>
+              <a:rPr lang="en-US" dirty="0"/>
+              <a:t>API, </a:t>
+            </a:r>
+            <a:r>
+              <a:rPr lang="ru-RU" dirty="0"/>
+              <a:t>не предоставляет и не планирует предоставлять его публично. Поэтому пришлось заняться реверс-инжинирингом (если это можно так назвать), чтобы получить </a:t>
+            </a:r>
+            <a:r>
+              <a:rPr lang="en-US" dirty="0"/>
+              <a:t>API.</a:t>
+            </a:r>
+            <a:r>
+              <a:rPr lang="ru-RU" dirty="0"/>
+              <a:t> </a:t>
+            </a:r>
+          </a:p>
+          <a:p>
+            <a:r>
+              <a:rPr lang="ru-RU" dirty="0"/>
+              <a:t>В целом, сложность только в том, что нужно учесть возможность создания топиков в разных кластерах через разные </a:t>
+            </a:r>
+            <a:r>
+              <a:rPr lang="en-US" dirty="0"/>
+              <a:t>API. </a:t>
+            </a:r>
+            <a:r>
+              <a:rPr lang="ru-RU" dirty="0"/>
+              <a:t>Пишем «адаптер» в условиях </a:t>
+            </a:r>
+            <a:r>
+              <a:rPr lang="en-US" dirty="0"/>
+              <a:t>Ansible.</a:t>
+            </a:r>
             <a:endParaRPr lang="ru-RU" dirty="0"/>
           </a:p>
         </p:txBody>
@@ -1321,7 +2483,7 @@
           <p:cNvPr id="4" name="Номер слайда 3">
             <a:extLst>
               <a:ext uri="{FF2B5EF4-FFF2-40B4-BE49-F238E27FC236}">
-                <a16:creationId xmlns:a16="http://schemas.microsoft.com/office/drawing/2014/main" id="{981CF4AE-4CA6-01BA-0B55-E8BE2BEBAB3D}"/>
+                <a16:creationId xmlns:a16="http://schemas.microsoft.com/office/drawing/2014/main" id="{76052AD7-D6C7-0F6A-458F-5C1DC4BEBA02}"/>
               </a:ext>
             </a:extLst>
           </p:cNvPr>
@@ -1348,7 +2510,247 @@
     </p:spTree>
     <p:extLst>
       <p:ext uri="{BB962C8B-B14F-4D97-AF65-F5344CB8AC3E}">
-        <p14:creationId xmlns:p14="http://schemas.microsoft.com/office/powerpoint/2010/main" val="3994610288"/>
+        <p14:creationId xmlns:p14="http://schemas.microsoft.com/office/powerpoint/2010/main" val="1838137397"/>
+      </p:ext>
+    </p:extLst>
+  </p:cSld>
+  <p:clrMapOvr>
+    <a:masterClrMapping/>
+  </p:clrMapOvr>
+</p:notes>
+</file>
+
+<file path=ppt/notesSlides/notesSlide8.xml><?xml version="1.0" encoding="utf-8"?>
+<p:notes xmlns:a="http://schemas.openxmlformats.org/drawingml/2006/main" xmlns:r="http://schemas.openxmlformats.org/officeDocument/2006/relationships" xmlns:p="http://schemas.openxmlformats.org/presentationml/2006/main">
+  <p:cSld>
+    <p:spTree>
+      <p:nvGrpSpPr>
+        <p:cNvPr id="1" name="">
+          <a:extLst>
+            <a:ext uri="{FF2B5EF4-FFF2-40B4-BE49-F238E27FC236}">
+              <a16:creationId xmlns:a16="http://schemas.microsoft.com/office/drawing/2014/main" id="{367BB3A4-0246-B280-A64F-FBE1C6856DB1}"/>
+            </a:ext>
+          </a:extLst>
+        </p:cNvPr>
+        <p:cNvGrpSpPr/>
+        <p:nvPr/>
+      </p:nvGrpSpPr>
+      <p:grpSpPr>
+        <a:xfrm>
+          <a:off x="0" y="0"/>
+          <a:ext cx="0" cy="0"/>
+          <a:chOff x="0" y="0"/>
+          <a:chExt cx="0" cy="0"/>
+        </a:xfrm>
+      </p:grpSpPr>
+      <p:sp>
+        <p:nvSpPr>
+          <p:cNvPr id="2" name="Образ слайда 1">
+            <a:extLst>
+              <a:ext uri="{FF2B5EF4-FFF2-40B4-BE49-F238E27FC236}">
+                <a16:creationId xmlns:a16="http://schemas.microsoft.com/office/drawing/2014/main" id="{C05D18AA-A93F-34A0-4CB0-45D46EDE3172}"/>
+              </a:ext>
+            </a:extLst>
+          </p:cNvPr>
+          <p:cNvSpPr>
+            <a:spLocks noGrp="1" noRot="1" noChangeAspect="1"/>
+          </p:cNvSpPr>
+          <p:nvPr>
+            <p:ph type="sldImg"/>
+          </p:nvPr>
+        </p:nvSpPr>
+        <p:spPr/>
+      </p:sp>
+      <p:sp>
+        <p:nvSpPr>
+          <p:cNvPr id="3" name="Заметки 2">
+            <a:extLst>
+              <a:ext uri="{FF2B5EF4-FFF2-40B4-BE49-F238E27FC236}">
+                <a16:creationId xmlns:a16="http://schemas.microsoft.com/office/drawing/2014/main" id="{A76751F8-598D-3B4F-D5D1-527E712E2E5E}"/>
+              </a:ext>
+            </a:extLst>
+          </p:cNvPr>
+          <p:cNvSpPr>
+            <a:spLocks noGrp="1"/>
+          </p:cNvSpPr>
+          <p:nvPr>
+            <p:ph type="body" idx="1"/>
+          </p:nvPr>
+        </p:nvSpPr>
+        <p:spPr/>
+        <p:txBody>
+          <a:bodyPr/>
+          <a:lstStyle/>
+          <a:p>
+            <a:r>
+              <a:rPr lang="ru-RU" dirty="0"/>
+              <a:t>Задача достаточно простая по сути, но содержит нюансы, которые могут вызвать головную боль в дальнейшем. Нужно продумать какие абстракции необходимо выделить, чтобы потом не переделывать.</a:t>
+            </a:r>
+          </a:p>
+          <a:p>
+            <a:br>
+              <a:rPr lang="ru-RU" dirty="0"/>
+            </a:br>
+            <a:r>
+              <a:rPr lang="ru-RU" dirty="0"/>
+              <a:t>Подробнее описано в ВКР (номер раздела)</a:t>
+            </a:r>
+          </a:p>
+        </p:txBody>
+      </p:sp>
+      <p:sp>
+        <p:nvSpPr>
+          <p:cNvPr id="4" name="Номер слайда 3">
+            <a:extLst>
+              <a:ext uri="{FF2B5EF4-FFF2-40B4-BE49-F238E27FC236}">
+                <a16:creationId xmlns:a16="http://schemas.microsoft.com/office/drawing/2014/main" id="{E59D768B-7131-348E-B7A1-9D5B2E285555}"/>
+              </a:ext>
+            </a:extLst>
+          </p:cNvPr>
+          <p:cNvSpPr>
+            <a:spLocks noGrp="1"/>
+          </p:cNvSpPr>
+          <p:nvPr>
+            <p:ph type="sldNum" sz="quarter" idx="5"/>
+          </p:nvPr>
+        </p:nvSpPr>
+        <p:spPr/>
+        <p:txBody>
+          <a:bodyPr/>
+          <a:lstStyle/>
+          <a:p>
+            <a:fld id="{8329C60B-6F98-8646-A41A-70FA44D3BDF6}" type="slidenum">
+              <a:rPr lang="ru-RU" smtClean="0"/>
+              <a:t>8</a:t>
+            </a:fld>
+            <a:endParaRPr lang="ru-RU"/>
+          </a:p>
+        </p:txBody>
+      </p:sp>
+    </p:spTree>
+    <p:extLst>
+      <p:ext uri="{BB962C8B-B14F-4D97-AF65-F5344CB8AC3E}">
+        <p14:creationId xmlns:p14="http://schemas.microsoft.com/office/powerpoint/2010/main" val="3185979451"/>
+      </p:ext>
+    </p:extLst>
+  </p:cSld>
+  <p:clrMapOvr>
+    <a:masterClrMapping/>
+  </p:clrMapOvr>
+</p:notes>
+</file>
+
+<file path=ppt/notesSlides/notesSlide9.xml><?xml version="1.0" encoding="utf-8"?>
+<p:notes xmlns:a="http://schemas.openxmlformats.org/drawingml/2006/main" xmlns:r="http://schemas.openxmlformats.org/officeDocument/2006/relationships" xmlns:p="http://schemas.openxmlformats.org/presentationml/2006/main">
+  <p:cSld>
+    <p:spTree>
+      <p:nvGrpSpPr>
+        <p:cNvPr id="1" name="">
+          <a:extLst>
+            <a:ext uri="{FF2B5EF4-FFF2-40B4-BE49-F238E27FC236}">
+              <a16:creationId xmlns:a16="http://schemas.microsoft.com/office/drawing/2014/main" id="{05696460-2D00-A5CA-594C-82238A87C9C5}"/>
+            </a:ext>
+          </a:extLst>
+        </p:cNvPr>
+        <p:cNvGrpSpPr/>
+        <p:nvPr/>
+      </p:nvGrpSpPr>
+      <p:grpSpPr>
+        <a:xfrm>
+          <a:off x="0" y="0"/>
+          <a:ext cx="0" cy="0"/>
+          <a:chOff x="0" y="0"/>
+          <a:chExt cx="0" cy="0"/>
+        </a:xfrm>
+      </p:grpSpPr>
+      <p:sp>
+        <p:nvSpPr>
+          <p:cNvPr id="2" name="Образ слайда 1">
+            <a:extLst>
+              <a:ext uri="{FF2B5EF4-FFF2-40B4-BE49-F238E27FC236}">
+                <a16:creationId xmlns:a16="http://schemas.microsoft.com/office/drawing/2014/main" id="{68C65B9E-3188-7EA7-B5C3-179B29F9AF90}"/>
+              </a:ext>
+            </a:extLst>
+          </p:cNvPr>
+          <p:cNvSpPr>
+            <a:spLocks noGrp="1" noRot="1" noChangeAspect="1"/>
+          </p:cNvSpPr>
+          <p:nvPr>
+            <p:ph type="sldImg"/>
+          </p:nvPr>
+        </p:nvSpPr>
+        <p:spPr/>
+      </p:sp>
+      <p:sp>
+        <p:nvSpPr>
+          <p:cNvPr id="3" name="Заметки 2">
+            <a:extLst>
+              <a:ext uri="{FF2B5EF4-FFF2-40B4-BE49-F238E27FC236}">
+                <a16:creationId xmlns:a16="http://schemas.microsoft.com/office/drawing/2014/main" id="{438BCA38-5A66-6486-E213-A0489AB443F0}"/>
+              </a:ext>
+            </a:extLst>
+          </p:cNvPr>
+          <p:cNvSpPr>
+            <a:spLocks noGrp="1"/>
+          </p:cNvSpPr>
+          <p:nvPr>
+            <p:ph type="body" idx="1"/>
+          </p:nvPr>
+        </p:nvSpPr>
+        <p:spPr/>
+        <p:txBody>
+          <a:bodyPr/>
+          <a:lstStyle/>
+          <a:p>
+            <a:r>
+              <a:rPr lang="ru-RU" dirty="0"/>
+              <a:t>Задача достаточно простая по сути, но содержит нюансы, которые могут вызвать головную боль в дальнейшем. Нужно продумать какие абстракции необходимо выделить, чтобы потом не переделывать.</a:t>
+            </a:r>
+          </a:p>
+          <a:p>
+            <a:br>
+              <a:rPr lang="ru-RU" dirty="0"/>
+            </a:br>
+            <a:r>
+              <a:rPr lang="ru-RU" dirty="0"/>
+              <a:t>Подробнее описано в ВКР (номер раздела)</a:t>
+            </a:r>
+          </a:p>
+        </p:txBody>
+      </p:sp>
+      <p:sp>
+        <p:nvSpPr>
+          <p:cNvPr id="4" name="Номер слайда 3">
+            <a:extLst>
+              <a:ext uri="{FF2B5EF4-FFF2-40B4-BE49-F238E27FC236}">
+                <a16:creationId xmlns:a16="http://schemas.microsoft.com/office/drawing/2014/main" id="{F7EBA7FC-385A-7CD7-098D-BAC5D7CC0A64}"/>
+              </a:ext>
+            </a:extLst>
+          </p:cNvPr>
+          <p:cNvSpPr>
+            <a:spLocks noGrp="1"/>
+          </p:cNvSpPr>
+          <p:nvPr>
+            <p:ph type="sldNum" sz="quarter" idx="5"/>
+          </p:nvPr>
+        </p:nvSpPr>
+        <p:spPr/>
+        <p:txBody>
+          <a:bodyPr/>
+          <a:lstStyle/>
+          <a:p>
+            <a:fld id="{8329C60B-6F98-8646-A41A-70FA44D3BDF6}" type="slidenum">
+              <a:rPr lang="ru-RU" smtClean="0"/>
+              <a:t>9</a:t>
+            </a:fld>
+            <a:endParaRPr lang="ru-RU"/>
+          </a:p>
+        </p:txBody>
+      </p:sp>
+    </p:spTree>
+    <p:extLst>
+      <p:ext uri="{BB962C8B-B14F-4D97-AF65-F5344CB8AC3E}">
+        <p14:creationId xmlns:p14="http://schemas.microsoft.com/office/powerpoint/2010/main" val="1686962044"/>
       </p:ext>
     </p:extLst>
   </p:cSld>
@@ -1505,7 +2907,7 @@
           <a:p>
             <a:fld id="{4A7CD677-3FCC-47F5-94F7-0E9EAFA5A0B4}" type="datetimeFigureOut">
               <a:rPr lang="ru-RU" smtClean="0"/>
-              <a:t>25.02.2025</a:t>
+              <a:t>02.03.2025</a:t>
             </a:fld>
             <a:endParaRPr lang="ru-RU"/>
           </a:p>
@@ -1703,7 +3105,7 @@
           <a:p>
             <a:fld id="{4A7CD677-3FCC-47F5-94F7-0E9EAFA5A0B4}" type="datetimeFigureOut">
               <a:rPr lang="ru-RU" smtClean="0"/>
-              <a:t>25.02.2025</a:t>
+              <a:t>02.03.2025</a:t>
             </a:fld>
             <a:endParaRPr lang="ru-RU"/>
           </a:p>
@@ -1911,7 +3313,7 @@
           <a:p>
             <a:fld id="{4A7CD677-3FCC-47F5-94F7-0E9EAFA5A0B4}" type="datetimeFigureOut">
               <a:rPr lang="ru-RU" smtClean="0"/>
-              <a:t>25.02.2025</a:t>
+              <a:t>02.03.2025</a:t>
             </a:fld>
             <a:endParaRPr lang="ru-RU"/>
           </a:p>
@@ -2109,7 +3511,7 @@
           <a:p>
             <a:fld id="{4A7CD677-3FCC-47F5-94F7-0E9EAFA5A0B4}" type="datetimeFigureOut">
               <a:rPr lang="ru-RU" smtClean="0"/>
-              <a:t>25.02.2025</a:t>
+              <a:t>02.03.2025</a:t>
             </a:fld>
             <a:endParaRPr lang="ru-RU"/>
           </a:p>
@@ -2384,7 +3786,7 @@
           <a:p>
             <a:fld id="{4A7CD677-3FCC-47F5-94F7-0E9EAFA5A0B4}" type="datetimeFigureOut">
               <a:rPr lang="ru-RU" smtClean="0"/>
-              <a:t>25.02.2025</a:t>
+              <a:t>02.03.2025</a:t>
             </a:fld>
             <a:endParaRPr lang="ru-RU"/>
           </a:p>
@@ -2649,7 +4051,7 @@
           <a:p>
             <a:fld id="{4A7CD677-3FCC-47F5-94F7-0E9EAFA5A0B4}" type="datetimeFigureOut">
               <a:rPr lang="ru-RU" smtClean="0"/>
-              <a:t>25.02.2025</a:t>
+              <a:t>02.03.2025</a:t>
             </a:fld>
             <a:endParaRPr lang="ru-RU"/>
           </a:p>
@@ -3061,7 +4463,7 @@
           <a:p>
             <a:fld id="{4A7CD677-3FCC-47F5-94F7-0E9EAFA5A0B4}" type="datetimeFigureOut">
               <a:rPr lang="ru-RU" smtClean="0"/>
-              <a:t>25.02.2025</a:t>
+              <a:t>02.03.2025</a:t>
             </a:fld>
             <a:endParaRPr lang="ru-RU"/>
           </a:p>
@@ -3202,7 +4604,7 @@
           <a:p>
             <a:fld id="{4A7CD677-3FCC-47F5-94F7-0E9EAFA5A0B4}" type="datetimeFigureOut">
               <a:rPr lang="ru-RU" smtClean="0"/>
-              <a:t>25.02.2025</a:t>
+              <a:t>02.03.2025</a:t>
             </a:fld>
             <a:endParaRPr lang="ru-RU"/>
           </a:p>
@@ -3315,7 +4717,7 @@
           <a:p>
             <a:fld id="{4A7CD677-3FCC-47F5-94F7-0E9EAFA5A0B4}" type="datetimeFigureOut">
               <a:rPr lang="ru-RU" smtClean="0"/>
-              <a:t>25.02.2025</a:t>
+              <a:t>02.03.2025</a:t>
             </a:fld>
             <a:endParaRPr lang="ru-RU"/>
           </a:p>
@@ -3626,7 +5028,7 @@
           <a:p>
             <a:fld id="{4A7CD677-3FCC-47F5-94F7-0E9EAFA5A0B4}" type="datetimeFigureOut">
               <a:rPr lang="ru-RU" smtClean="0"/>
-              <a:t>25.02.2025</a:t>
+              <a:t>02.03.2025</a:t>
             </a:fld>
             <a:endParaRPr lang="ru-RU"/>
           </a:p>
@@ -3914,7 +5316,7 @@
           <a:p>
             <a:fld id="{4A7CD677-3FCC-47F5-94F7-0E9EAFA5A0B4}" type="datetimeFigureOut">
               <a:rPr lang="ru-RU" smtClean="0"/>
-              <a:t>25.02.2025</a:t>
+              <a:t>02.03.2025</a:t>
             </a:fld>
             <a:endParaRPr lang="ru-RU"/>
           </a:p>
@@ -4155,7 +5557,7 @@
           <a:p>
             <a:fld id="{4A7CD677-3FCC-47F5-94F7-0E9EAFA5A0B4}" type="datetimeFigureOut">
               <a:rPr lang="ru-RU" smtClean="0"/>
-              <a:t>25.02.2025</a:t>
+              <a:t>02.03.2025</a:t>
             </a:fld>
             <a:endParaRPr lang="ru-RU"/>
           </a:p>
@@ -5106,96 +6508,7 @@
 </p:sld>
 </file>
 
-<file path=ppt/slides/slide2.xml><?xml version="1.0" encoding="utf-8"?>
-<p:sld xmlns:a="http://schemas.openxmlformats.org/drawingml/2006/main" xmlns:r="http://schemas.openxmlformats.org/officeDocument/2006/relationships" xmlns:p="http://schemas.openxmlformats.org/presentationml/2006/main">
-  <p:cSld>
-    <p:spTree>
-      <p:nvGrpSpPr>
-        <p:cNvPr id="1" name=""/>
-        <p:cNvGrpSpPr/>
-        <p:nvPr/>
-      </p:nvGrpSpPr>
-      <p:grpSpPr>
-        <a:xfrm>
-          <a:off x="0" y="0"/>
-          <a:ext cx="0" cy="0"/>
-          <a:chOff x="0" y="0"/>
-          <a:chExt cx="0" cy="0"/>
-        </a:xfrm>
-      </p:grpSpPr>
-      <p:sp>
-        <p:nvSpPr>
-          <p:cNvPr id="2" name="Заголовок 1">
-            <a:extLst>
-              <a:ext uri="{FF2B5EF4-FFF2-40B4-BE49-F238E27FC236}">
-                <a16:creationId xmlns:a16="http://schemas.microsoft.com/office/drawing/2014/main" id="{AC644EEA-3E65-A866-41F1-4C299E0400E4}"/>
-              </a:ext>
-            </a:extLst>
-          </p:cNvPr>
-          <p:cNvSpPr>
-            <a:spLocks noGrp="1"/>
-          </p:cNvSpPr>
-          <p:nvPr>
-            <p:ph type="title"/>
-          </p:nvPr>
-        </p:nvSpPr>
-        <p:spPr/>
-        <p:txBody>
-          <a:bodyPr/>
-          <a:lstStyle/>
-          <a:p>
-            <a:r>
-              <a:rPr lang="ru-RU" dirty="0"/>
-              <a:t>Проблема</a:t>
-            </a:r>
-          </a:p>
-        </p:txBody>
-      </p:sp>
-      <p:sp>
-        <p:nvSpPr>
-          <p:cNvPr id="3" name="Объект 2">
-            <a:extLst>
-              <a:ext uri="{FF2B5EF4-FFF2-40B4-BE49-F238E27FC236}">
-                <a16:creationId xmlns:a16="http://schemas.microsoft.com/office/drawing/2014/main" id="{AC6A5DA5-A708-CADB-BF6B-0D6390FE1D2F}"/>
-              </a:ext>
-            </a:extLst>
-          </p:cNvPr>
-          <p:cNvSpPr>
-            <a:spLocks noGrp="1"/>
-          </p:cNvSpPr>
-          <p:nvPr>
-            <p:ph idx="1"/>
-          </p:nvPr>
-        </p:nvSpPr>
-        <p:spPr/>
-        <p:txBody>
-          <a:bodyPr/>
-          <a:lstStyle/>
-          <a:p>
-            <a:pPr marL="0" indent="0">
-              <a:buNone/>
-            </a:pPr>
-            <a:r>
-              <a:rPr lang="ru-RU" dirty="0"/>
-              <a:t>БЛАБЛАБЛА</a:t>
-            </a:r>
-          </a:p>
-        </p:txBody>
-      </p:sp>
-    </p:spTree>
-    <p:extLst>
-      <p:ext uri="{BB962C8B-B14F-4D97-AF65-F5344CB8AC3E}">
-        <p14:creationId xmlns:p14="http://schemas.microsoft.com/office/powerpoint/2010/main" val="3523862712"/>
-      </p:ext>
-    </p:extLst>
-  </p:cSld>
-  <p:clrMapOvr>
-    <a:masterClrMapping/>
-  </p:clrMapOvr>
-</p:sld>
-</file>
-
-<file path=ppt/slides/slide3.xml><?xml version="1.0" encoding="utf-8"?>
+<file path=ppt/slides/slide10.xml><?xml version="1.0" encoding="utf-8"?>
 <p:sld xmlns:a="http://schemas.openxmlformats.org/drawingml/2006/main" xmlns:r="http://schemas.openxmlformats.org/officeDocument/2006/relationships" xmlns:p="http://schemas.openxmlformats.org/presentationml/2006/main">
   <p:cSld>
     <p:spTree>
@@ -5203,7 +6516,7 @@
         <p:cNvPr id="1" name="">
           <a:extLst>
             <a:ext uri="{FF2B5EF4-FFF2-40B4-BE49-F238E27FC236}">
-              <a16:creationId xmlns:a16="http://schemas.microsoft.com/office/drawing/2014/main" id="{2FC5EBD4-E5F2-5292-89A7-E1C2180DB0E0}"/>
+              <a16:creationId xmlns:a16="http://schemas.microsoft.com/office/drawing/2014/main" id="{6679342C-7804-898C-57D7-538B0C421F27}"/>
             </a:ext>
           </a:extLst>
         </p:cNvPr>
@@ -5223,7 +6536,7 @@
           <p:cNvPr id="3" name="Прямоугольник 2">
             <a:extLst>
               <a:ext uri="{FF2B5EF4-FFF2-40B4-BE49-F238E27FC236}">
-                <a16:creationId xmlns:a16="http://schemas.microsoft.com/office/drawing/2014/main" id="{FD1F7BD8-E1A7-7ED2-94C3-F0BFE5B03BD2}"/>
+                <a16:creationId xmlns:a16="http://schemas.microsoft.com/office/drawing/2014/main" id="{9075C13C-1258-68D8-0F7E-1EFBD3EEE93B}"/>
               </a:ext>
             </a:extLst>
           </p:cNvPr>
@@ -5269,10 +6582,43 @@
       </p:sp>
       <p:sp>
         <p:nvSpPr>
+          <p:cNvPr id="8" name="Title 7">
+            <a:extLst>
+              <a:ext uri="{FF2B5EF4-FFF2-40B4-BE49-F238E27FC236}">
+                <a16:creationId xmlns:a16="http://schemas.microsoft.com/office/drawing/2014/main" id="{B64D1971-0BC5-DE7C-5944-9219B3C49C2A}"/>
+              </a:ext>
+            </a:extLst>
+          </p:cNvPr>
+          <p:cNvSpPr>
+            <a:spLocks noGrp="1"/>
+          </p:cNvSpPr>
+          <p:nvPr>
+            <p:ph type="title"/>
+          </p:nvPr>
+        </p:nvSpPr>
+        <p:spPr>
+          <a:xfrm>
+            <a:off x="838200" y="630572"/>
+            <a:ext cx="10515600" cy="1325563"/>
+          </a:xfrm>
+        </p:spPr>
+        <p:txBody>
+          <a:bodyPr/>
+          <a:lstStyle/>
+          <a:p>
+            <a:r>
+              <a:rPr lang="ru-RU" dirty="0"/>
+              <a:t>Механизм развертывания коллектора</a:t>
+            </a:r>
+          </a:p>
+        </p:txBody>
+      </p:sp>
+      <p:sp>
+        <p:nvSpPr>
           <p:cNvPr id="2" name="Slide Number Placeholder 1">
             <a:extLst>
               <a:ext uri="{FF2B5EF4-FFF2-40B4-BE49-F238E27FC236}">
-                <a16:creationId xmlns:a16="http://schemas.microsoft.com/office/drawing/2014/main" id="{545B4265-90C8-6E3C-4426-B088F9151E09}"/>
+                <a16:creationId xmlns:a16="http://schemas.microsoft.com/office/drawing/2014/main" id="{E263E98C-88A8-84FE-659E-6DF616434DA7}"/>
               </a:ext>
             </a:extLst>
           </p:cNvPr>
@@ -5397,7 +6743,7 @@
                 </a:solidFill>
               </a:rPr>
               <a:pPr/>
-              <a:t>3</a:t>
+              <a:t>10</a:t>
             </a:fld>
             <a:endParaRPr lang="ru-RU" dirty="0">
               <a:solidFill>
@@ -5412,7 +6758,7 @@
           <p:cNvPr id="6" name="Рисунок 5">
             <a:extLst>
               <a:ext uri="{FF2B5EF4-FFF2-40B4-BE49-F238E27FC236}">
-                <a16:creationId xmlns:a16="http://schemas.microsoft.com/office/drawing/2014/main" id="{83845484-D49F-54DD-AFE5-E08EBE7D336C}"/>
+                <a16:creationId xmlns:a16="http://schemas.microsoft.com/office/drawing/2014/main" id="{769385F9-CA61-8BC3-7F09-38E62EE8D458}"/>
               </a:ext>
             </a:extLst>
           </p:cNvPr>
@@ -5451,7 +6797,7 @@
           <p:cNvPr id="7" name="TextBox 6">
             <a:extLst>
               <a:ext uri="{FF2B5EF4-FFF2-40B4-BE49-F238E27FC236}">
-                <a16:creationId xmlns:a16="http://schemas.microsoft.com/office/drawing/2014/main" id="{7944BD0A-EAC3-78CD-ABAF-59D7F8160205}"/>
+                <a16:creationId xmlns:a16="http://schemas.microsoft.com/office/drawing/2014/main" id="{4F7F4CD1-ECBF-BF56-2415-DF30CD86FA9D}"/>
               </a:ext>
             </a:extLst>
           </p:cNvPr>
@@ -5543,10 +6889,10 @@
       </p:sp>
       <p:sp>
         <p:nvSpPr>
-          <p:cNvPr id="12" name="Объект 2">
-            <a:extLst>
-              <a:ext uri="{FF2B5EF4-FFF2-40B4-BE49-F238E27FC236}">
-                <a16:creationId xmlns:a16="http://schemas.microsoft.com/office/drawing/2014/main" id="{45B46076-A026-E0A8-557B-286EC565C2F6}"/>
+          <p:cNvPr id="4" name="Объект 3">
+            <a:extLst>
+              <a:ext uri="{FF2B5EF4-FFF2-40B4-BE49-F238E27FC236}">
+                <a16:creationId xmlns:a16="http://schemas.microsoft.com/office/drawing/2014/main" id="{813C664D-A75D-FA6E-5B59-5F1B5850A26E}"/>
               </a:ext>
             </a:extLst>
           </p:cNvPr>
@@ -5557,70 +6903,47 @@
             <p:ph idx="1"/>
           </p:nvPr>
         </p:nvSpPr>
-        <p:spPr bwMode="auto">
+        <p:spPr>
           <a:xfrm>
-            <a:off x="947738" y="800100"/>
-            <a:ext cx="10656887" cy="5034116"/>
+            <a:off x="838200" y="1933065"/>
+            <a:ext cx="10515600" cy="4243898"/>
           </a:xfrm>
         </p:spPr>
         <p:txBody>
-          <a:bodyPr>
-            <a:normAutofit/>
-          </a:bodyPr>
+          <a:bodyPr/>
           <a:lstStyle/>
           <a:p>
             <a:pPr marL="0" indent="0">
               <a:buNone/>
-              <a:defRPr/>
             </a:pPr>
             <a:r>
-              <a:rPr lang="ru-RU" sz="3000" b="1" dirty="0"/>
-              <a:t>Цель</a:t>
+              <a:rPr lang="ru-RU" dirty="0"/>
+              <a:t>Для деплоя </a:t>
+            </a:r>
+            <a:r>
+              <a:rPr lang="en-US" dirty="0"/>
+              <a:t>Ansible, </a:t>
+            </a:r>
+            <a:r>
+              <a:rPr lang="ru-RU" dirty="0"/>
+              <a:t>но стоит учесть, что это </a:t>
+            </a:r>
+            <a:r>
+              <a:rPr lang="ru-RU" dirty="0" err="1"/>
+              <a:t>монорепа</a:t>
+            </a:r>
+            <a:r>
+              <a:rPr lang="ru-RU" dirty="0"/>
+              <a:t>, что конфиги до репы не доходят, как их класть на хост? Или класть в образ?</a:t>
             </a:r>
           </a:p>
           <a:p>
             <a:pPr marL="0" indent="0">
               <a:buNone/>
-              <a:defRPr/>
             </a:pPr>
             <a:r>
-              <a:rPr lang="ru-RU" sz="3000" dirty="0"/>
-              <a:t>БЛАБЛАБЛА</a:t>
-            </a:r>
-          </a:p>
-          <a:p>
-            <a:pPr marL="0" indent="0">
-              <a:buNone/>
-              <a:defRPr/>
-            </a:pPr>
-            <a:endParaRPr lang="ru-RU" sz="3000" dirty="0"/>
-          </a:p>
-          <a:p>
-            <a:pPr marL="0" indent="0">
-              <a:buNone/>
-              <a:defRPr/>
-            </a:pPr>
-            <a:r>
-              <a:rPr lang="ru-RU" sz="3000" b="1" dirty="0"/>
-              <a:t>Задачи</a:t>
-            </a:r>
-            <a:endParaRPr sz="3000" dirty="0"/>
-          </a:p>
-          <a:p>
-            <a:pPr marL="514350" indent="-338138">
-              <a:lnSpc>
-                <a:spcPct val="110000"/>
-              </a:lnSpc>
-              <a:spcBef>
-                <a:spcPts val="1200"/>
-              </a:spcBef>
-              <a:buFont typeface="+mj-lt"/>
-              <a:buAutoNum type="arabicPeriod"/>
-              <a:defRPr/>
-            </a:pPr>
-            <a:r>
-              <a:rPr lang="ru-RU" sz="3000" dirty="0"/>
-              <a:t>БЛАБЛАБЛА</a:t>
+              <a:rPr lang="ru-RU" dirty="0"/>
+              <a:t>Как обеспечить их неизменяемость?</a:t>
             </a:r>
           </a:p>
         </p:txBody>
@@ -5628,7 +6951,7 @@
     </p:spTree>
     <p:extLst>
       <p:ext uri="{BB962C8B-B14F-4D97-AF65-F5344CB8AC3E}">
-        <p14:creationId xmlns:p14="http://schemas.microsoft.com/office/powerpoint/2010/main" val="2521143933"/>
+        <p14:creationId xmlns:p14="http://schemas.microsoft.com/office/powerpoint/2010/main" val="4094467032"/>
       </p:ext>
     </p:extLst>
   </p:cSld>
@@ -5638,7 +6961,65 @@
 </p:sld>
 </file>
 
-<file path=ppt/slides/slide4.xml><?xml version="1.0" encoding="utf-8"?>
+<file path=ppt/slides/slide11.xml><?xml version="1.0" encoding="utf-8"?>
+<p:sld xmlns:a="http://schemas.openxmlformats.org/drawingml/2006/main" xmlns:r="http://schemas.openxmlformats.org/officeDocument/2006/relationships" xmlns:p="http://schemas.openxmlformats.org/presentationml/2006/main">
+  <p:cSld>
+    <p:spTree>
+      <p:nvGrpSpPr>
+        <p:cNvPr id="1" name=""/>
+        <p:cNvGrpSpPr/>
+        <p:nvPr/>
+      </p:nvGrpSpPr>
+      <p:grpSpPr>
+        <a:xfrm>
+          <a:off x="0" y="0"/>
+          <a:ext cx="0" cy="0"/>
+          <a:chOff x="0" y="0"/>
+          <a:chExt cx="0" cy="0"/>
+        </a:xfrm>
+      </p:grpSpPr>
+      <p:sp>
+        <p:nvSpPr>
+          <p:cNvPr id="4" name="Заголовок 3">
+            <a:extLst>
+              <a:ext uri="{FF2B5EF4-FFF2-40B4-BE49-F238E27FC236}">
+                <a16:creationId xmlns:a16="http://schemas.microsoft.com/office/drawing/2014/main" id="{CFA5BD57-FA79-B2F0-AD4F-1CBE68C4BFD4}"/>
+              </a:ext>
+            </a:extLst>
+          </p:cNvPr>
+          <p:cNvSpPr>
+            <a:spLocks noGrp="1"/>
+          </p:cNvSpPr>
+          <p:nvPr>
+            <p:ph type="ctrTitle"/>
+          </p:nvPr>
+        </p:nvSpPr>
+        <p:spPr/>
+        <p:txBody>
+          <a:bodyPr/>
+          <a:lstStyle/>
+          <a:p>
+            <a:r>
+              <a:rPr lang="ru-RU" dirty="0"/>
+              <a:t>Автоматизация процесса нормализации</a:t>
+            </a:r>
+          </a:p>
+        </p:txBody>
+      </p:sp>
+    </p:spTree>
+    <p:extLst>
+      <p:ext uri="{BB962C8B-B14F-4D97-AF65-F5344CB8AC3E}">
+        <p14:creationId xmlns:p14="http://schemas.microsoft.com/office/powerpoint/2010/main" val="315884104"/>
+      </p:ext>
+    </p:extLst>
+  </p:cSld>
+  <p:clrMapOvr>
+    <a:masterClrMapping/>
+  </p:clrMapOvr>
+</p:sld>
+</file>
+
+<file path=ppt/slides/slide12.xml><?xml version="1.0" encoding="utf-8"?>
 <p:sld xmlns:a="http://schemas.openxmlformats.org/drawingml/2006/main" xmlns:r="http://schemas.openxmlformats.org/officeDocument/2006/relationships" xmlns:p="http://schemas.openxmlformats.org/presentationml/2006/main">
   <p:cSld>
     <p:spTree>
@@ -5646,7 +7027,7 @@
         <p:cNvPr id="1" name="">
           <a:extLst>
             <a:ext uri="{FF2B5EF4-FFF2-40B4-BE49-F238E27FC236}">
-              <a16:creationId xmlns:a16="http://schemas.microsoft.com/office/drawing/2014/main" id="{AD64F8D5-77E8-2F95-049E-6D988FA7FBC5}"/>
+              <a16:creationId xmlns:a16="http://schemas.microsoft.com/office/drawing/2014/main" id="{18D68A0B-39C1-B3A6-862D-FE374E3F2477}"/>
             </a:ext>
           </a:extLst>
         </p:cNvPr>
@@ -5666,7 +7047,7 @@
           <p:cNvPr id="3" name="Прямоугольник 2">
             <a:extLst>
               <a:ext uri="{FF2B5EF4-FFF2-40B4-BE49-F238E27FC236}">
-                <a16:creationId xmlns:a16="http://schemas.microsoft.com/office/drawing/2014/main" id="{6F71DC43-BB9F-5496-A0AE-82DF1F657C5F}"/>
+                <a16:creationId xmlns:a16="http://schemas.microsoft.com/office/drawing/2014/main" id="{4896D5D3-954E-5558-8F72-63AA12344F1A}"/>
               </a:ext>
             </a:extLst>
           </p:cNvPr>
@@ -5715,7 +7096,7 @@
           <p:cNvPr id="8" name="Title 7">
             <a:extLst>
               <a:ext uri="{FF2B5EF4-FFF2-40B4-BE49-F238E27FC236}">
-                <a16:creationId xmlns:a16="http://schemas.microsoft.com/office/drawing/2014/main" id="{A25435D6-A318-2C6B-B3C4-158429A83377}"/>
+                <a16:creationId xmlns:a16="http://schemas.microsoft.com/office/drawing/2014/main" id="{70CFD4F2-EEF0-68D2-DFF9-5F72DB3C434A}"/>
               </a:ext>
             </a:extLst>
           </p:cNvPr>
@@ -5738,7 +7119,7 @@
           <a:p>
             <a:r>
               <a:rPr lang="ru-RU" dirty="0"/>
-              <a:t>Модель предметной области</a:t>
+              <a:t>Механизм генерации конфигурационного файла нормализатора (парсера)</a:t>
             </a:r>
           </a:p>
         </p:txBody>
@@ -5748,7 +7129,7 @@
           <p:cNvPr id="2" name="Slide Number Placeholder 1">
             <a:extLst>
               <a:ext uri="{FF2B5EF4-FFF2-40B4-BE49-F238E27FC236}">
-                <a16:creationId xmlns:a16="http://schemas.microsoft.com/office/drawing/2014/main" id="{38E6D4A9-8128-D63F-759B-83E6A2693798}"/>
+                <a16:creationId xmlns:a16="http://schemas.microsoft.com/office/drawing/2014/main" id="{9D3901CD-DF12-74A4-5D85-86F8A556D980}"/>
               </a:ext>
             </a:extLst>
           </p:cNvPr>
@@ -5873,7 +7254,7 @@
                 </a:solidFill>
               </a:rPr>
               <a:pPr/>
-              <a:t>4</a:t>
+              <a:t>12</a:t>
             </a:fld>
             <a:endParaRPr lang="ru-RU" dirty="0">
               <a:solidFill>
@@ -5888,7 +7269,7 @@
           <p:cNvPr id="6" name="Рисунок 5">
             <a:extLst>
               <a:ext uri="{FF2B5EF4-FFF2-40B4-BE49-F238E27FC236}">
-                <a16:creationId xmlns:a16="http://schemas.microsoft.com/office/drawing/2014/main" id="{D7670E03-D7A6-C083-94BC-7A5A3EBAAD34}"/>
+                <a16:creationId xmlns:a16="http://schemas.microsoft.com/office/drawing/2014/main" id="{F757E57D-84F1-6FE5-07A6-9D67001B9928}"/>
               </a:ext>
             </a:extLst>
           </p:cNvPr>
@@ -5927,7 +7308,7 @@
           <p:cNvPr id="7" name="TextBox 6">
             <a:extLst>
               <a:ext uri="{FF2B5EF4-FFF2-40B4-BE49-F238E27FC236}">
-                <a16:creationId xmlns:a16="http://schemas.microsoft.com/office/drawing/2014/main" id="{449F172F-00B8-1D07-46FA-CD2FD6F8EE31}"/>
+                <a16:creationId xmlns:a16="http://schemas.microsoft.com/office/drawing/2014/main" id="{A49613EB-E02B-DBB8-171D-D03D9532714E}"/>
               </a:ext>
             </a:extLst>
           </p:cNvPr>
@@ -6017,10 +7398,69 @@
           </a:p>
         </p:txBody>
       </p:sp>
+      <p:sp>
+        <p:nvSpPr>
+          <p:cNvPr id="5" name="Объект 3">
+            <a:extLst>
+              <a:ext uri="{FF2B5EF4-FFF2-40B4-BE49-F238E27FC236}">
+                <a16:creationId xmlns:a16="http://schemas.microsoft.com/office/drawing/2014/main" id="{EECE86EB-4963-AAEC-75B4-6807F1348F45}"/>
+              </a:ext>
+            </a:extLst>
+          </p:cNvPr>
+          <p:cNvSpPr>
+            <a:spLocks noGrp="1"/>
+          </p:cNvSpPr>
+          <p:nvPr>
+            <p:ph idx="1"/>
+          </p:nvPr>
+        </p:nvSpPr>
+        <p:spPr>
+          <a:xfrm>
+            <a:off x="838200" y="1933065"/>
+            <a:ext cx="10515600" cy="4243898"/>
+          </a:xfrm>
+        </p:spPr>
+        <p:txBody>
+          <a:bodyPr/>
+          <a:lstStyle/>
+          <a:p>
+            <a:pPr marL="0" indent="0">
+              <a:buNone/>
+            </a:pPr>
+            <a:r>
+              <a:rPr lang="ru-RU" dirty="0"/>
+              <a:t>Парсер</a:t>
+            </a:r>
+            <a:r>
+              <a:rPr lang="en-US" dirty="0"/>
+              <a:t> </a:t>
+            </a:r>
+            <a:r>
+              <a:rPr lang="ru-RU" dirty="0"/>
+              <a:t>только </a:t>
+            </a:r>
+            <a:r>
+              <a:rPr lang="en-US" dirty="0"/>
+              <a:t>Logstash.</a:t>
+            </a:r>
+            <a:endParaRPr lang="ru-RU" dirty="0"/>
+          </a:p>
+          <a:p>
+            <a:pPr marL="0" indent="0">
+              <a:buNone/>
+            </a:pPr>
+            <a:r>
+              <a:rPr lang="en-US" dirty="0"/>
+              <a:t> </a:t>
+            </a:r>
+            <a:endParaRPr lang="ru-RU" dirty="0"/>
+          </a:p>
+        </p:txBody>
+      </p:sp>
     </p:spTree>
     <p:extLst>
       <p:ext uri="{BB962C8B-B14F-4D97-AF65-F5344CB8AC3E}">
-        <p14:creationId xmlns:p14="http://schemas.microsoft.com/office/powerpoint/2010/main" val="2556087130"/>
+        <p14:creationId xmlns:p14="http://schemas.microsoft.com/office/powerpoint/2010/main" val="979747349"/>
       </p:ext>
     </p:extLst>
   </p:cSld>
@@ -6030,7 +7470,7 @@
 </p:sld>
 </file>
 
-<file path=ppt/slides/slide5.xml><?xml version="1.0" encoding="utf-8"?>
+<file path=ppt/slides/slide13.xml><?xml version="1.0" encoding="utf-8"?>
 <p:sld xmlns:a="http://schemas.openxmlformats.org/drawingml/2006/main" xmlns:r="http://schemas.openxmlformats.org/officeDocument/2006/relationships" xmlns:p="http://schemas.openxmlformats.org/presentationml/2006/main">
   <p:cSld>
     <p:spTree>
@@ -6038,7 +7478,7 @@
         <p:cNvPr id="1" name="">
           <a:extLst>
             <a:ext uri="{FF2B5EF4-FFF2-40B4-BE49-F238E27FC236}">
-              <a16:creationId xmlns:a16="http://schemas.microsoft.com/office/drawing/2014/main" id="{18D68A0B-39C1-B3A6-862D-FE374E3F2477}"/>
+              <a16:creationId xmlns:a16="http://schemas.microsoft.com/office/drawing/2014/main" id="{3D600C76-7F4B-191F-E316-FF6E3232DA61}"/>
             </a:ext>
           </a:extLst>
         </p:cNvPr>
@@ -6058,7 +7498,7 @@
           <p:cNvPr id="3" name="Прямоугольник 2">
             <a:extLst>
               <a:ext uri="{FF2B5EF4-FFF2-40B4-BE49-F238E27FC236}">
-                <a16:creationId xmlns:a16="http://schemas.microsoft.com/office/drawing/2014/main" id="{4896D5D3-954E-5558-8F72-63AA12344F1A}"/>
+                <a16:creationId xmlns:a16="http://schemas.microsoft.com/office/drawing/2014/main" id="{5FB97831-96E0-18E0-0211-53CEA4A2BAA4}"/>
               </a:ext>
             </a:extLst>
           </p:cNvPr>
@@ -6107,7 +7547,7 @@
           <p:cNvPr id="8" name="Title 7">
             <a:extLst>
               <a:ext uri="{FF2B5EF4-FFF2-40B4-BE49-F238E27FC236}">
-                <a16:creationId xmlns:a16="http://schemas.microsoft.com/office/drawing/2014/main" id="{70CFD4F2-EEF0-68D2-DFF9-5F72DB3C434A}"/>
+                <a16:creationId xmlns:a16="http://schemas.microsoft.com/office/drawing/2014/main" id="{44E2E4E5-1386-7055-1D20-F1101C790163}"/>
               </a:ext>
             </a:extLst>
           </p:cNvPr>
@@ -6130,7 +7570,15 @@
           <a:p>
             <a:r>
               <a:rPr lang="ru-RU" dirty="0"/>
-              <a:t>Еще что-то по теме работы, основная часть</a:t>
+              <a:t>Итоги</a:t>
+            </a:r>
+            <a:r>
+              <a:rPr lang="en-US" dirty="0"/>
+              <a:t>. </a:t>
+            </a:r>
+            <a:r>
+              <a:rPr lang="ru-RU" dirty="0"/>
+              <a:t>Процесс до изменений</a:t>
             </a:r>
           </a:p>
         </p:txBody>
@@ -6140,7 +7588,7 @@
           <p:cNvPr id="2" name="Slide Number Placeholder 1">
             <a:extLst>
               <a:ext uri="{FF2B5EF4-FFF2-40B4-BE49-F238E27FC236}">
-                <a16:creationId xmlns:a16="http://schemas.microsoft.com/office/drawing/2014/main" id="{9D3901CD-DF12-74A4-5D85-86F8A556D980}"/>
+                <a16:creationId xmlns:a16="http://schemas.microsoft.com/office/drawing/2014/main" id="{DA9AA5E5-13B8-8D7E-50AE-668B4B5E6662}"/>
               </a:ext>
             </a:extLst>
           </p:cNvPr>
@@ -6265,7 +7713,7 @@
                 </a:solidFill>
               </a:rPr>
               <a:pPr/>
-              <a:t>5</a:t>
+              <a:t>13</a:t>
             </a:fld>
             <a:endParaRPr lang="ru-RU" dirty="0">
               <a:solidFill>
@@ -6280,7 +7728,7 @@
           <p:cNvPr id="6" name="Рисунок 5">
             <a:extLst>
               <a:ext uri="{FF2B5EF4-FFF2-40B4-BE49-F238E27FC236}">
-                <a16:creationId xmlns:a16="http://schemas.microsoft.com/office/drawing/2014/main" id="{F757E57D-84F1-6FE5-07A6-9D67001B9928}"/>
+                <a16:creationId xmlns:a16="http://schemas.microsoft.com/office/drawing/2014/main" id="{EE67148D-CC38-B2C2-D1EC-2F59FC022F8A}"/>
               </a:ext>
             </a:extLst>
           </p:cNvPr>
@@ -6319,7 +7767,7 @@
           <p:cNvPr id="7" name="TextBox 6">
             <a:extLst>
               <a:ext uri="{FF2B5EF4-FFF2-40B4-BE49-F238E27FC236}">
-                <a16:creationId xmlns:a16="http://schemas.microsoft.com/office/drawing/2014/main" id="{A49613EB-E02B-DBB8-171D-D03D9532714E}"/>
+                <a16:creationId xmlns:a16="http://schemas.microsoft.com/office/drawing/2014/main" id="{CB008F8E-5160-094A-FE40-11DD035833AC}"/>
               </a:ext>
             </a:extLst>
           </p:cNvPr>
@@ -6412,7 +7860,7 @@
     </p:spTree>
     <p:extLst>
       <p:ext uri="{BB962C8B-B14F-4D97-AF65-F5344CB8AC3E}">
-        <p14:creationId xmlns:p14="http://schemas.microsoft.com/office/powerpoint/2010/main" val="979747349"/>
+        <p14:creationId xmlns:p14="http://schemas.microsoft.com/office/powerpoint/2010/main" val="2161353983"/>
       </p:ext>
     </p:extLst>
   </p:cSld>
@@ -6422,7 +7870,7 @@
 </p:sld>
 </file>
 
-<file path=ppt/slides/slide6.xml><?xml version="1.0" encoding="utf-8"?>
+<file path=ppt/slides/slide14.xml><?xml version="1.0" encoding="utf-8"?>
 <p:sld xmlns:a="http://schemas.openxmlformats.org/drawingml/2006/main" xmlns:r="http://schemas.openxmlformats.org/officeDocument/2006/relationships" xmlns:p="http://schemas.openxmlformats.org/presentationml/2006/main">
   <p:cSld>
     <p:spTree>
@@ -6430,7 +7878,7 @@
         <p:cNvPr id="1" name="">
           <a:extLst>
             <a:ext uri="{FF2B5EF4-FFF2-40B4-BE49-F238E27FC236}">
-              <a16:creationId xmlns:a16="http://schemas.microsoft.com/office/drawing/2014/main" id="{3D600C76-7F4B-191F-E316-FF6E3232DA61}"/>
+              <a16:creationId xmlns:a16="http://schemas.microsoft.com/office/drawing/2014/main" id="{031DFB2B-5728-D55A-063C-9FBA2D19380D}"/>
             </a:ext>
           </a:extLst>
         </p:cNvPr>
@@ -6450,7 +7898,7 @@
           <p:cNvPr id="3" name="Прямоугольник 2">
             <a:extLst>
               <a:ext uri="{FF2B5EF4-FFF2-40B4-BE49-F238E27FC236}">
-                <a16:creationId xmlns:a16="http://schemas.microsoft.com/office/drawing/2014/main" id="{5FB97831-96E0-18E0-0211-53CEA4A2BAA4}"/>
+                <a16:creationId xmlns:a16="http://schemas.microsoft.com/office/drawing/2014/main" id="{D9E3FE0E-F0EE-317C-23E0-FF621BD00F52}"/>
               </a:ext>
             </a:extLst>
           </p:cNvPr>
@@ -6499,7 +7947,7 @@
           <p:cNvPr id="8" name="Title 7">
             <a:extLst>
               <a:ext uri="{FF2B5EF4-FFF2-40B4-BE49-F238E27FC236}">
-                <a16:creationId xmlns:a16="http://schemas.microsoft.com/office/drawing/2014/main" id="{44E2E4E5-1386-7055-1D20-F1101C790163}"/>
+                <a16:creationId xmlns:a16="http://schemas.microsoft.com/office/drawing/2014/main" id="{3F98E801-4166-70BA-8F9B-EB95A9D1FEAC}"/>
               </a:ext>
             </a:extLst>
           </p:cNvPr>
@@ -6522,7 +7970,7 @@
           <a:p>
             <a:r>
               <a:rPr lang="ru-RU" dirty="0"/>
-              <a:t>Итоги</a:t>
+              <a:t>Итоги. Процесс после изменений</a:t>
             </a:r>
           </a:p>
         </p:txBody>
@@ -6532,7 +7980,7 @@
           <p:cNvPr id="2" name="Slide Number Placeholder 1">
             <a:extLst>
               <a:ext uri="{FF2B5EF4-FFF2-40B4-BE49-F238E27FC236}">
-                <a16:creationId xmlns:a16="http://schemas.microsoft.com/office/drawing/2014/main" id="{DA9AA5E5-13B8-8D7E-50AE-668B4B5E6662}"/>
+                <a16:creationId xmlns:a16="http://schemas.microsoft.com/office/drawing/2014/main" id="{E8AA186B-0ACD-F8E7-17A7-5D6B571E7721}"/>
               </a:ext>
             </a:extLst>
           </p:cNvPr>
@@ -6657,7 +8105,7 @@
                 </a:solidFill>
               </a:rPr>
               <a:pPr/>
-              <a:t>6</a:t>
+              <a:t>14</a:t>
             </a:fld>
             <a:endParaRPr lang="ru-RU" dirty="0">
               <a:solidFill>
@@ -6672,7 +8120,7 @@
           <p:cNvPr id="6" name="Рисунок 5">
             <a:extLst>
               <a:ext uri="{FF2B5EF4-FFF2-40B4-BE49-F238E27FC236}">
-                <a16:creationId xmlns:a16="http://schemas.microsoft.com/office/drawing/2014/main" id="{EE67148D-CC38-B2C2-D1EC-2F59FC022F8A}"/>
+                <a16:creationId xmlns:a16="http://schemas.microsoft.com/office/drawing/2014/main" id="{9F02A2E9-7A13-59C4-167E-4E374B9A148F}"/>
               </a:ext>
             </a:extLst>
           </p:cNvPr>
@@ -6711,7 +8159,7 @@
           <p:cNvPr id="7" name="TextBox 6">
             <a:extLst>
               <a:ext uri="{FF2B5EF4-FFF2-40B4-BE49-F238E27FC236}">
-                <a16:creationId xmlns:a16="http://schemas.microsoft.com/office/drawing/2014/main" id="{CB008F8E-5160-094A-FE40-11DD035833AC}"/>
+                <a16:creationId xmlns:a16="http://schemas.microsoft.com/office/drawing/2014/main" id="{6E010297-E3AE-6516-D4E8-EFDE8B8363B1}"/>
               </a:ext>
             </a:extLst>
           </p:cNvPr>
@@ -6801,213 +8249,10 @@
           </a:p>
         </p:txBody>
       </p:sp>
-      <p:graphicFrame>
-        <p:nvGraphicFramePr>
-          <p:cNvPr id="9" name="Таблица 8">
-            <a:extLst>
-              <a:ext uri="{FF2B5EF4-FFF2-40B4-BE49-F238E27FC236}">
-                <a16:creationId xmlns:a16="http://schemas.microsoft.com/office/drawing/2014/main" id="{1A685080-93EB-9CEE-B8A9-51D4C82EAA08}"/>
-              </a:ext>
-            </a:extLst>
-          </p:cNvPr>
-          <p:cNvGraphicFramePr>
-            <a:graphicFrameLocks noGrp="1"/>
-          </p:cNvGraphicFramePr>
-          <p:nvPr>
-            <p:extLst>
-              <p:ext uri="{D42A27DB-BD31-4B8C-83A1-F6EECF244321}">
-                <p14:modId xmlns:p14="http://schemas.microsoft.com/office/powerpoint/2010/main" val="1367941563"/>
-              </p:ext>
-            </p:extLst>
-          </p:nvPr>
-        </p:nvGraphicFramePr>
-        <p:xfrm>
-          <a:off x="953525" y="1690687"/>
-          <a:ext cx="10400274" cy="1319213"/>
-        </p:xfrm>
-        <a:graphic>
-          <a:graphicData uri="http://schemas.openxmlformats.org/drawingml/2006/table">
-            <a:tbl>
-              <a:tblPr firstRow="1" bandRow="1">
-                <a:tableStyleId>{5C22544A-7EE6-4342-B048-85BDC9FD1C3A}</a:tableStyleId>
-              </a:tblPr>
-              <a:tblGrid>
-                <a:gridCol w="3466758">
-                  <a:extLst>
-                    <a:ext uri="{9D8B030D-6E8A-4147-A177-3AD203B41FA5}">
-                      <a16:colId xmlns:a16="http://schemas.microsoft.com/office/drawing/2014/main" val="1844816008"/>
-                    </a:ext>
-                  </a:extLst>
-                </a:gridCol>
-                <a:gridCol w="3466758">
-                  <a:extLst>
-                    <a:ext uri="{9D8B030D-6E8A-4147-A177-3AD203B41FA5}">
-                      <a16:colId xmlns:a16="http://schemas.microsoft.com/office/drawing/2014/main" val="982727878"/>
-                    </a:ext>
-                  </a:extLst>
-                </a:gridCol>
-                <a:gridCol w="3466758">
-                  <a:extLst>
-                    <a:ext uri="{9D8B030D-6E8A-4147-A177-3AD203B41FA5}">
-                      <a16:colId xmlns:a16="http://schemas.microsoft.com/office/drawing/2014/main" val="1265917205"/>
-                    </a:ext>
-                  </a:extLst>
-                </a:gridCol>
-              </a:tblGrid>
-              <a:tr h="552490">
-                <a:tc>
-                  <a:txBody>
-                    <a:bodyPr/>
-                    <a:lstStyle/>
-                    <a:p>
-                      <a:r>
-                        <a:rPr lang="ru-RU" dirty="0"/>
-                        <a:t>Пункт</a:t>
-                      </a:r>
-                    </a:p>
-                  </a:txBody>
-                  <a:tcPr/>
-                </a:tc>
-                <a:tc>
-                  <a:txBody>
-                    <a:bodyPr/>
-                    <a:lstStyle/>
-                    <a:p>
-                      <a:r>
-                        <a:rPr lang="ru-RU" dirty="0"/>
-                        <a:t>Было</a:t>
-                      </a:r>
-                    </a:p>
-                  </a:txBody>
-                  <a:tcPr/>
-                </a:tc>
-                <a:tc>
-                  <a:txBody>
-                    <a:bodyPr/>
-                    <a:lstStyle/>
-                    <a:p>
-                      <a:r>
-                        <a:rPr lang="ru-RU" dirty="0"/>
-                        <a:t>Стало</a:t>
-                      </a:r>
-                    </a:p>
-                  </a:txBody>
-                  <a:tcPr/>
-                </a:tc>
-                <a:extLst>
-                  <a:ext uri="{0D108BD9-81ED-4DB2-BD59-A6C34878D82A}">
-                    <a16:rowId xmlns:a16="http://schemas.microsoft.com/office/drawing/2014/main" val="2494972585"/>
-                  </a:ext>
-                </a:extLst>
-              </a:tr>
-              <a:tr h="766723">
-                <a:tc>
-                  <a:txBody>
-                    <a:bodyPr/>
-                    <a:lstStyle/>
-                    <a:p>
-                      <a:pPr marL="0" marR="0" lvl="0" indent="0" algn="l" defTabSz="914400" eaLnBrk="1" fontAlgn="auto" latinLnBrk="0" hangingPunct="1">
-                        <a:lnSpc>
-                          <a:spcPct val="100000"/>
-                        </a:lnSpc>
-                        <a:spcBef>
-                          <a:spcPts val="0"/>
-                        </a:spcBef>
-                        <a:spcAft>
-                          <a:spcPts val="0"/>
-                        </a:spcAft>
-                        <a:buClrTx/>
-                        <a:buSzTx/>
-                        <a:buFontTx/>
-                        <a:buNone/>
-                        <a:tabLst/>
-                        <a:defRPr/>
-                      </a:pPr>
-                      <a:r>
-                        <a:rPr lang="ru-RU" dirty="0" err="1"/>
-                        <a:t>Блаблабла</a:t>
-                      </a:r>
-                      <a:endParaRPr lang="ru-RU" dirty="0"/>
-                    </a:p>
-                  </a:txBody>
-                  <a:tcPr/>
-                </a:tc>
-                <a:tc>
-                  <a:txBody>
-                    <a:bodyPr/>
-                    <a:lstStyle/>
-                    <a:p>
-                      <a:pPr marL="0" marR="0" lvl="0" indent="0" algn="l" defTabSz="914400" eaLnBrk="1" fontAlgn="auto" latinLnBrk="0" hangingPunct="1">
-                        <a:lnSpc>
-                          <a:spcPct val="100000"/>
-                        </a:lnSpc>
-                        <a:spcBef>
-                          <a:spcPts val="0"/>
-                        </a:spcBef>
-                        <a:spcAft>
-                          <a:spcPts val="0"/>
-                        </a:spcAft>
-                        <a:buClrTx/>
-                        <a:buSzTx/>
-                        <a:buFontTx/>
-                        <a:buNone/>
-                        <a:tabLst/>
-                        <a:defRPr/>
-                      </a:pPr>
-                      <a:r>
-                        <a:rPr lang="ru-RU" dirty="0" err="1"/>
-                        <a:t>Блаблабла</a:t>
-                      </a:r>
-                      <a:endParaRPr lang="ru-RU" dirty="0"/>
-                    </a:p>
-                  </a:txBody>
-                  <a:tcPr/>
-                </a:tc>
-                <a:tc>
-                  <a:txBody>
-                    <a:bodyPr/>
-                    <a:lstStyle/>
-                    <a:p>
-                      <a:pPr marL="0" marR="0" lvl="0" indent="0" algn="l" defTabSz="914400" eaLnBrk="1" fontAlgn="auto" latinLnBrk="0" hangingPunct="1">
-                        <a:lnSpc>
-                          <a:spcPct val="100000"/>
-                        </a:lnSpc>
-                        <a:spcBef>
-                          <a:spcPts val="0"/>
-                        </a:spcBef>
-                        <a:spcAft>
-                          <a:spcPts val="0"/>
-                        </a:spcAft>
-                        <a:buClrTx/>
-                        <a:buSzTx/>
-                        <a:buFontTx/>
-                        <a:buNone/>
-                        <a:tabLst/>
-                        <a:defRPr/>
-                      </a:pPr>
-                      <a:r>
-                        <a:rPr lang="ru-RU" dirty="0" err="1"/>
-                        <a:t>Блабла</a:t>
-                      </a:r>
-                      <a:endParaRPr lang="ru-RU" dirty="0"/>
-                    </a:p>
-                  </a:txBody>
-                  <a:tcPr/>
-                </a:tc>
-                <a:extLst>
-                  <a:ext uri="{0D108BD9-81ED-4DB2-BD59-A6C34878D82A}">
-                    <a16:rowId xmlns:a16="http://schemas.microsoft.com/office/drawing/2014/main" val="1880398353"/>
-                  </a:ext>
-                </a:extLst>
-              </a:tr>
-            </a:tbl>
-          </a:graphicData>
-        </a:graphic>
-      </p:graphicFrame>
     </p:spTree>
     <p:extLst>
       <p:ext uri="{BB962C8B-B14F-4D97-AF65-F5344CB8AC3E}">
-        <p14:creationId xmlns:p14="http://schemas.microsoft.com/office/powerpoint/2010/main" val="2161353983"/>
+        <p14:creationId xmlns:p14="http://schemas.microsoft.com/office/powerpoint/2010/main" val="330924546"/>
       </p:ext>
     </p:extLst>
   </p:cSld>
@@ -7017,7 +8262,7 @@
 </p:sld>
 </file>
 
-<file path=ppt/slides/slide7.xml><?xml version="1.0" encoding="utf-8"?>
+<file path=ppt/slides/slide15.xml><?xml version="1.0" encoding="utf-8"?>
 <p:sld xmlns:a="http://schemas.openxmlformats.org/drawingml/2006/main" xmlns:r="http://schemas.openxmlformats.org/officeDocument/2006/relationships" xmlns:p="http://schemas.openxmlformats.org/presentationml/2006/main">
   <p:cSld>
     <p:spTree>
@@ -7219,7 +8464,7 @@
                 </a:solidFill>
               </a:rPr>
               <a:pPr/>
-              <a:t>7</a:t>
+              <a:t>15</a:t>
             </a:fld>
             <a:endParaRPr lang="ru-RU" dirty="0">
               <a:solidFill>
@@ -7403,6 +8648,3777 @@
     <p:extLst>
       <p:ext uri="{BB962C8B-B14F-4D97-AF65-F5344CB8AC3E}">
         <p14:creationId xmlns:p14="http://schemas.microsoft.com/office/powerpoint/2010/main" val="822627210"/>
+      </p:ext>
+    </p:extLst>
+  </p:cSld>
+  <p:clrMapOvr>
+    <a:masterClrMapping/>
+  </p:clrMapOvr>
+</p:sld>
+</file>
+
+<file path=ppt/slides/slide2.xml><?xml version="1.0" encoding="utf-8"?>
+<p:sld xmlns:a="http://schemas.openxmlformats.org/drawingml/2006/main" xmlns:r="http://schemas.openxmlformats.org/officeDocument/2006/relationships" xmlns:p="http://schemas.openxmlformats.org/presentationml/2006/main">
+  <p:cSld>
+    <p:spTree>
+      <p:nvGrpSpPr>
+        <p:cNvPr id="1" name="">
+          <a:extLst>
+            <a:ext uri="{FF2B5EF4-FFF2-40B4-BE49-F238E27FC236}">
+              <a16:creationId xmlns:a16="http://schemas.microsoft.com/office/drawing/2014/main" id="{A85DE600-620E-A490-A194-F0058749075D}"/>
+            </a:ext>
+          </a:extLst>
+        </p:cNvPr>
+        <p:cNvGrpSpPr/>
+        <p:nvPr/>
+      </p:nvGrpSpPr>
+      <p:grpSpPr>
+        <a:xfrm>
+          <a:off x="0" y="0"/>
+          <a:ext cx="0" cy="0"/>
+          <a:chOff x="0" y="0"/>
+          <a:chExt cx="0" cy="0"/>
+        </a:xfrm>
+      </p:grpSpPr>
+      <p:sp>
+        <p:nvSpPr>
+          <p:cNvPr id="3" name="Прямоугольник 2">
+            <a:extLst>
+              <a:ext uri="{FF2B5EF4-FFF2-40B4-BE49-F238E27FC236}">
+                <a16:creationId xmlns:a16="http://schemas.microsoft.com/office/drawing/2014/main" id="{D348535F-D440-4B43-4B92-879C50717AA4}"/>
+              </a:ext>
+            </a:extLst>
+          </p:cNvPr>
+          <p:cNvSpPr/>
+          <p:nvPr/>
+        </p:nvSpPr>
+        <p:spPr>
+          <a:xfrm>
+            <a:off x="0" y="266377"/>
+            <a:ext cx="903595" cy="364195"/>
+          </a:xfrm>
+          <a:prstGeom prst="rect">
+            <a:avLst/>
+          </a:prstGeom>
+          <a:ln>
+            <a:noFill/>
+          </a:ln>
+        </p:spPr>
+        <p:style>
+          <a:lnRef idx="2">
+            <a:schemeClr val="accent1">
+              <a:shade val="50000"/>
+            </a:schemeClr>
+          </a:lnRef>
+          <a:fillRef idx="1">
+            <a:schemeClr val="accent1"/>
+          </a:fillRef>
+          <a:effectRef idx="0">
+            <a:schemeClr val="accent1"/>
+          </a:effectRef>
+          <a:fontRef idx="minor">
+            <a:schemeClr val="lt1"/>
+          </a:fontRef>
+        </p:style>
+        <p:txBody>
+          <a:bodyPr rtlCol="0" anchor="ctr"/>
+          <a:lstStyle/>
+          <a:p>
+            <a:pPr algn="ctr"/>
+            <a:endParaRPr lang="ru-RU"/>
+          </a:p>
+        </p:txBody>
+      </p:sp>
+      <p:sp>
+        <p:nvSpPr>
+          <p:cNvPr id="8" name="Title 7">
+            <a:extLst>
+              <a:ext uri="{FF2B5EF4-FFF2-40B4-BE49-F238E27FC236}">
+                <a16:creationId xmlns:a16="http://schemas.microsoft.com/office/drawing/2014/main" id="{7B0A820F-6BB6-97C6-D078-5E66498BCF40}"/>
+              </a:ext>
+            </a:extLst>
+          </p:cNvPr>
+          <p:cNvSpPr>
+            <a:spLocks noGrp="1"/>
+          </p:cNvSpPr>
+          <p:nvPr>
+            <p:ph type="title"/>
+          </p:nvPr>
+        </p:nvSpPr>
+        <p:spPr>
+          <a:xfrm>
+            <a:off x="838200" y="630572"/>
+            <a:ext cx="10515600" cy="1325563"/>
+          </a:xfrm>
+        </p:spPr>
+        <p:txBody>
+          <a:bodyPr/>
+          <a:lstStyle/>
+          <a:p>
+            <a:r>
+              <a:rPr lang="ru-RU" dirty="0"/>
+              <a:t>Предметная область</a:t>
+            </a:r>
+          </a:p>
+        </p:txBody>
+      </p:sp>
+      <p:sp>
+        <p:nvSpPr>
+          <p:cNvPr id="2" name="Slide Number Placeholder 1">
+            <a:extLst>
+              <a:ext uri="{FF2B5EF4-FFF2-40B4-BE49-F238E27FC236}">
+                <a16:creationId xmlns:a16="http://schemas.microsoft.com/office/drawing/2014/main" id="{7D596330-E185-E215-6A5A-18424ECCEEA1}"/>
+              </a:ext>
+            </a:extLst>
+          </p:cNvPr>
+          <p:cNvSpPr txBox="1">
+            <a:spLocks/>
+          </p:cNvSpPr>
+          <p:nvPr/>
+        </p:nvSpPr>
+        <p:spPr>
+          <a:xfrm>
+            <a:off x="165463" y="266377"/>
+            <a:ext cx="738132" cy="364195"/>
+          </a:xfrm>
+          <a:prstGeom prst="rect">
+            <a:avLst/>
+          </a:prstGeom>
+        </p:spPr>
+        <p:txBody>
+          <a:bodyPr vert="horz" lIns="91440" tIns="45720" rIns="91440" bIns="45720" rtlCol="0" anchor="ctr"/>
+          <a:lstStyle>
+            <a:defPPr>
+              <a:defRPr lang="ru-RU"/>
+            </a:defPPr>
+            <a:lvl1pPr marL="0" algn="r" defTabSz="914400" rtl="0" eaLnBrk="1" latinLnBrk="0" hangingPunct="1">
+              <a:defRPr sz="1200" kern="1200">
+                <a:solidFill>
+                  <a:schemeClr val="tx1">
+                    <a:tint val="75000"/>
+                  </a:schemeClr>
+                </a:solidFill>
+                <a:latin typeface="+mn-lt"/>
+                <a:ea typeface="+mn-ea"/>
+                <a:cs typeface="+mn-cs"/>
+              </a:defRPr>
+            </a:lvl1pPr>
+            <a:lvl2pPr marL="457200" algn="l" defTabSz="914400" rtl="0" eaLnBrk="1" latinLnBrk="0" hangingPunct="1">
+              <a:defRPr sz="1800" kern="1200">
+                <a:solidFill>
+                  <a:schemeClr val="tx1"/>
+                </a:solidFill>
+                <a:latin typeface="+mn-lt"/>
+                <a:ea typeface="+mn-ea"/>
+                <a:cs typeface="+mn-cs"/>
+              </a:defRPr>
+            </a:lvl2pPr>
+            <a:lvl3pPr marL="914400" algn="l" defTabSz="914400" rtl="0" eaLnBrk="1" latinLnBrk="0" hangingPunct="1">
+              <a:defRPr sz="1800" kern="1200">
+                <a:solidFill>
+                  <a:schemeClr val="tx1"/>
+                </a:solidFill>
+                <a:latin typeface="+mn-lt"/>
+                <a:ea typeface="+mn-ea"/>
+                <a:cs typeface="+mn-cs"/>
+              </a:defRPr>
+            </a:lvl3pPr>
+            <a:lvl4pPr marL="1371600" algn="l" defTabSz="914400" rtl="0" eaLnBrk="1" latinLnBrk="0" hangingPunct="1">
+              <a:defRPr sz="1800" kern="1200">
+                <a:solidFill>
+                  <a:schemeClr val="tx1"/>
+                </a:solidFill>
+                <a:latin typeface="+mn-lt"/>
+                <a:ea typeface="+mn-ea"/>
+                <a:cs typeface="+mn-cs"/>
+              </a:defRPr>
+            </a:lvl4pPr>
+            <a:lvl5pPr marL="1828800" algn="l" defTabSz="914400" rtl="0" eaLnBrk="1" latinLnBrk="0" hangingPunct="1">
+              <a:defRPr sz="1800" kern="1200">
+                <a:solidFill>
+                  <a:schemeClr val="tx1"/>
+                </a:solidFill>
+                <a:latin typeface="+mn-lt"/>
+                <a:ea typeface="+mn-ea"/>
+                <a:cs typeface="+mn-cs"/>
+              </a:defRPr>
+            </a:lvl5pPr>
+            <a:lvl6pPr marL="2286000" algn="l" defTabSz="914400" rtl="0" eaLnBrk="1" latinLnBrk="0" hangingPunct="1">
+              <a:defRPr sz="1800" kern="1200">
+                <a:solidFill>
+                  <a:schemeClr val="tx1"/>
+                </a:solidFill>
+                <a:latin typeface="+mn-lt"/>
+                <a:ea typeface="+mn-ea"/>
+                <a:cs typeface="+mn-cs"/>
+              </a:defRPr>
+            </a:lvl6pPr>
+            <a:lvl7pPr marL="2743200" algn="l" defTabSz="914400" rtl="0" eaLnBrk="1" latinLnBrk="0" hangingPunct="1">
+              <a:defRPr sz="1800" kern="1200">
+                <a:solidFill>
+                  <a:schemeClr val="tx1"/>
+                </a:solidFill>
+                <a:latin typeface="+mn-lt"/>
+                <a:ea typeface="+mn-ea"/>
+                <a:cs typeface="+mn-cs"/>
+              </a:defRPr>
+            </a:lvl7pPr>
+            <a:lvl8pPr marL="3200400" algn="l" defTabSz="914400" rtl="0" eaLnBrk="1" latinLnBrk="0" hangingPunct="1">
+              <a:defRPr sz="1800" kern="1200">
+                <a:solidFill>
+                  <a:schemeClr val="tx1"/>
+                </a:solidFill>
+                <a:latin typeface="+mn-lt"/>
+                <a:ea typeface="+mn-ea"/>
+                <a:cs typeface="+mn-cs"/>
+              </a:defRPr>
+            </a:lvl8pPr>
+            <a:lvl9pPr marL="3657600" algn="l" defTabSz="914400" rtl="0" eaLnBrk="1" latinLnBrk="0" hangingPunct="1">
+              <a:defRPr sz="1800" kern="1200">
+                <a:solidFill>
+                  <a:schemeClr val="tx1"/>
+                </a:solidFill>
+                <a:latin typeface="+mn-lt"/>
+                <a:ea typeface="+mn-ea"/>
+                <a:cs typeface="+mn-cs"/>
+              </a:defRPr>
+            </a:lvl9pPr>
+          </a:lstStyle>
+          <a:p>
+            <a:fld id="{73D4391C-B8C0-B24A-A837-316267417444}" type="slidenum">
+              <a:rPr lang="ru-RU" smtClean="0">
+                <a:solidFill>
+                  <a:schemeClr val="bg1"/>
+                </a:solidFill>
+              </a:rPr>
+              <a:pPr/>
+              <a:t>2</a:t>
+            </a:fld>
+            <a:endParaRPr lang="ru-RU" dirty="0">
+              <a:solidFill>
+                <a:schemeClr val="bg1"/>
+              </a:solidFill>
+            </a:endParaRPr>
+          </a:p>
+        </p:txBody>
+      </p:sp>
+      <p:pic>
+        <p:nvPicPr>
+          <p:cNvPr id="6" name="Рисунок 5">
+            <a:extLst>
+              <a:ext uri="{FF2B5EF4-FFF2-40B4-BE49-F238E27FC236}">
+                <a16:creationId xmlns:a16="http://schemas.microsoft.com/office/drawing/2014/main" id="{722DC729-B2C4-22CA-6C60-9B94075571AB}"/>
+              </a:ext>
+            </a:extLst>
+          </p:cNvPr>
+          <p:cNvPicPr>
+            <a:picLocks noChangeAspect="1"/>
+          </p:cNvPicPr>
+          <p:nvPr/>
+        </p:nvPicPr>
+        <p:blipFill>
+          <a:blip r:embed="rId3" cstate="print">
+            <a:extLst>
+              <a:ext uri="{28A0092B-C50C-407E-A947-70E740481C1C}">
+                <a14:useLocalDpi xmlns:a14="http://schemas.microsoft.com/office/drawing/2010/main" val="0"/>
+              </a:ext>
+              <a:ext uri="{96DAC541-7B7A-43D3-8B79-37D633B846F1}">
+                <asvg:svgBlip xmlns:asvg="http://schemas.microsoft.com/office/drawing/2016/SVG/main" r:embed="rId4"/>
+              </a:ext>
+            </a:extLst>
+          </a:blip>
+          <a:stretch>
+            <a:fillRect/>
+          </a:stretch>
+        </p:blipFill>
+        <p:spPr>
+          <a:xfrm>
+            <a:off x="9099532" y="-197635"/>
+            <a:ext cx="2166695" cy="1666688"/>
+          </a:xfrm>
+          <a:prstGeom prst="rect">
+            <a:avLst/>
+          </a:prstGeom>
+        </p:spPr>
+      </p:pic>
+      <p:sp>
+        <p:nvSpPr>
+          <p:cNvPr id="7" name="TextBox 6">
+            <a:extLst>
+              <a:ext uri="{FF2B5EF4-FFF2-40B4-BE49-F238E27FC236}">
+                <a16:creationId xmlns:a16="http://schemas.microsoft.com/office/drawing/2014/main" id="{9E4491B3-CECF-075A-EDF4-43D5B4675988}"/>
+              </a:ext>
+            </a:extLst>
+          </p:cNvPr>
+          <p:cNvSpPr txBox="1"/>
+          <p:nvPr/>
+        </p:nvSpPr>
+        <p:spPr>
+          <a:xfrm>
+            <a:off x="10599762" y="266377"/>
+            <a:ext cx="2083558" cy="738664"/>
+          </a:xfrm>
+          <a:prstGeom prst="rect">
+            <a:avLst/>
+          </a:prstGeom>
+          <a:noFill/>
+        </p:spPr>
+        <p:txBody>
+          <a:bodyPr wrap="square" rtlCol="0">
+            <a:spAutoFit/>
+          </a:bodyPr>
+          <a:lstStyle/>
+          <a:p>
+            <a:r>
+              <a:rPr lang="ru-RU" sz="1050" dirty="0">
+                <a:solidFill>
+                  <a:schemeClr val="bg1">
+                    <a:lumMod val="75000"/>
+                  </a:schemeClr>
+                </a:solidFill>
+                <a:latin typeface="Arial" panose="020B0604020202020204" pitchFamily="34" charset="0"/>
+                <a:cs typeface="Arial" panose="020B0604020202020204" pitchFamily="34" charset="0"/>
+              </a:rPr>
+              <a:t>Томский</a:t>
+            </a:r>
+          </a:p>
+          <a:p>
+            <a:r>
+              <a:rPr lang="ru-RU" sz="1050" dirty="0">
+                <a:solidFill>
+                  <a:schemeClr val="bg1">
+                    <a:lumMod val="75000"/>
+                  </a:schemeClr>
+                </a:solidFill>
+                <a:latin typeface="Arial" panose="020B0604020202020204" pitchFamily="34" charset="0"/>
+                <a:cs typeface="Arial" panose="020B0604020202020204" pitchFamily="34" charset="0"/>
+              </a:rPr>
+              <a:t>Государственный университет</a:t>
+            </a:r>
+          </a:p>
+          <a:p>
+            <a:r>
+              <a:rPr lang="ru-RU" sz="1050" dirty="0">
+                <a:solidFill>
+                  <a:schemeClr val="bg1">
+                    <a:lumMod val="75000"/>
+                  </a:schemeClr>
+                </a:solidFill>
+                <a:latin typeface="Arial" panose="020B0604020202020204" pitchFamily="34" charset="0"/>
+                <a:cs typeface="Arial" panose="020B0604020202020204" pitchFamily="34" charset="0"/>
+              </a:rPr>
+              <a:t>Высшая </a:t>
+            </a:r>
+            <a:r>
+              <a:rPr lang="en-US" sz="1050" dirty="0">
+                <a:solidFill>
+                  <a:schemeClr val="bg1">
+                    <a:lumMod val="75000"/>
+                  </a:schemeClr>
+                </a:solidFill>
+                <a:latin typeface="Arial" panose="020B0604020202020204" pitchFamily="34" charset="0"/>
+                <a:cs typeface="Arial" panose="020B0604020202020204" pitchFamily="34" charset="0"/>
+              </a:rPr>
+              <a:t>IT </a:t>
+            </a:r>
+            <a:r>
+              <a:rPr lang="ru-RU" sz="1050" dirty="0">
+                <a:solidFill>
+                  <a:schemeClr val="bg1">
+                    <a:lumMod val="75000"/>
+                  </a:schemeClr>
+                </a:solidFill>
+                <a:latin typeface="Arial" panose="020B0604020202020204" pitchFamily="34" charset="0"/>
+                <a:cs typeface="Arial" panose="020B0604020202020204" pitchFamily="34" charset="0"/>
+              </a:rPr>
+              <a:t>Школа</a:t>
+            </a:r>
+          </a:p>
+        </p:txBody>
+      </p:sp>
+      <p:sp>
+        <p:nvSpPr>
+          <p:cNvPr id="5" name="Объект 3">
+            <a:extLst>
+              <a:ext uri="{FF2B5EF4-FFF2-40B4-BE49-F238E27FC236}">
+                <a16:creationId xmlns:a16="http://schemas.microsoft.com/office/drawing/2014/main" id="{C9AE4B35-0CE7-DCAF-EF8A-4C00014ED599}"/>
+              </a:ext>
+            </a:extLst>
+          </p:cNvPr>
+          <p:cNvSpPr>
+            <a:spLocks noGrp="1"/>
+          </p:cNvSpPr>
+          <p:nvPr>
+            <p:ph idx="1"/>
+          </p:nvPr>
+        </p:nvSpPr>
+        <p:spPr>
+          <a:xfrm>
+            <a:off x="838200" y="1933065"/>
+            <a:ext cx="10515600" cy="4243898"/>
+          </a:xfrm>
+        </p:spPr>
+        <p:txBody>
+          <a:bodyPr/>
+          <a:lstStyle/>
+          <a:p>
+            <a:endParaRPr lang="ru-RU" dirty="0"/>
+          </a:p>
+        </p:txBody>
+      </p:sp>
+    </p:spTree>
+    <p:extLst>
+      <p:ext uri="{BB962C8B-B14F-4D97-AF65-F5344CB8AC3E}">
+        <p14:creationId xmlns:p14="http://schemas.microsoft.com/office/powerpoint/2010/main" val="3213086761"/>
+      </p:ext>
+    </p:extLst>
+  </p:cSld>
+  <p:clrMapOvr>
+    <a:masterClrMapping/>
+  </p:clrMapOvr>
+</p:sld>
+</file>
+
+<file path=ppt/slides/slide3.xml><?xml version="1.0" encoding="utf-8"?>
+<p:sld xmlns:a="http://schemas.openxmlformats.org/drawingml/2006/main" xmlns:r="http://schemas.openxmlformats.org/officeDocument/2006/relationships" xmlns:p="http://schemas.openxmlformats.org/presentationml/2006/main">
+  <p:cSld>
+    <p:spTree>
+      <p:nvGrpSpPr>
+        <p:cNvPr id="1" name="">
+          <a:extLst>
+            <a:ext uri="{FF2B5EF4-FFF2-40B4-BE49-F238E27FC236}">
+              <a16:creationId xmlns:a16="http://schemas.microsoft.com/office/drawing/2014/main" id="{1E2074C4-9BED-059C-D24D-7B5191DB7774}"/>
+            </a:ext>
+          </a:extLst>
+        </p:cNvPr>
+        <p:cNvGrpSpPr/>
+        <p:nvPr/>
+      </p:nvGrpSpPr>
+      <p:grpSpPr>
+        <a:xfrm>
+          <a:off x="0" y="0"/>
+          <a:ext cx="0" cy="0"/>
+          <a:chOff x="0" y="0"/>
+          <a:chExt cx="0" cy="0"/>
+        </a:xfrm>
+      </p:grpSpPr>
+      <p:sp>
+        <p:nvSpPr>
+          <p:cNvPr id="3" name="Прямоугольник 2">
+            <a:extLst>
+              <a:ext uri="{FF2B5EF4-FFF2-40B4-BE49-F238E27FC236}">
+                <a16:creationId xmlns:a16="http://schemas.microsoft.com/office/drawing/2014/main" id="{5EA8C689-5798-305F-01F9-F003B4604B96}"/>
+              </a:ext>
+            </a:extLst>
+          </p:cNvPr>
+          <p:cNvSpPr/>
+          <p:nvPr/>
+        </p:nvSpPr>
+        <p:spPr>
+          <a:xfrm>
+            <a:off x="0" y="266377"/>
+            <a:ext cx="903595" cy="364195"/>
+          </a:xfrm>
+          <a:prstGeom prst="rect">
+            <a:avLst/>
+          </a:prstGeom>
+          <a:ln>
+            <a:noFill/>
+          </a:ln>
+        </p:spPr>
+        <p:style>
+          <a:lnRef idx="2">
+            <a:schemeClr val="accent1">
+              <a:shade val="50000"/>
+            </a:schemeClr>
+          </a:lnRef>
+          <a:fillRef idx="1">
+            <a:schemeClr val="accent1"/>
+          </a:fillRef>
+          <a:effectRef idx="0">
+            <a:schemeClr val="accent1"/>
+          </a:effectRef>
+          <a:fontRef idx="minor">
+            <a:schemeClr val="lt1"/>
+          </a:fontRef>
+        </p:style>
+        <p:txBody>
+          <a:bodyPr rtlCol="0" anchor="ctr"/>
+          <a:lstStyle/>
+          <a:p>
+            <a:pPr algn="ctr"/>
+            <a:endParaRPr lang="ru-RU"/>
+          </a:p>
+        </p:txBody>
+      </p:sp>
+      <p:sp>
+        <p:nvSpPr>
+          <p:cNvPr id="8" name="Title 7">
+            <a:extLst>
+              <a:ext uri="{FF2B5EF4-FFF2-40B4-BE49-F238E27FC236}">
+                <a16:creationId xmlns:a16="http://schemas.microsoft.com/office/drawing/2014/main" id="{AED6C6DC-81D4-6869-0A4E-F28B987987C6}"/>
+              </a:ext>
+            </a:extLst>
+          </p:cNvPr>
+          <p:cNvSpPr>
+            <a:spLocks noGrp="1"/>
+          </p:cNvSpPr>
+          <p:nvPr>
+            <p:ph type="title"/>
+          </p:nvPr>
+        </p:nvSpPr>
+        <p:spPr>
+          <a:xfrm>
+            <a:off x="838200" y="630572"/>
+            <a:ext cx="10515600" cy="1325563"/>
+          </a:xfrm>
+        </p:spPr>
+        <p:txBody>
+          <a:bodyPr/>
+          <a:lstStyle/>
+          <a:p>
+            <a:r>
+              <a:rPr lang="ru-RU" dirty="0"/>
+              <a:t>Проблема</a:t>
+            </a:r>
+          </a:p>
+        </p:txBody>
+      </p:sp>
+      <p:sp>
+        <p:nvSpPr>
+          <p:cNvPr id="2" name="Slide Number Placeholder 1">
+            <a:extLst>
+              <a:ext uri="{FF2B5EF4-FFF2-40B4-BE49-F238E27FC236}">
+                <a16:creationId xmlns:a16="http://schemas.microsoft.com/office/drawing/2014/main" id="{1A5E3646-4304-7758-7CA9-A5DD3A48DDC6}"/>
+              </a:ext>
+            </a:extLst>
+          </p:cNvPr>
+          <p:cNvSpPr txBox="1">
+            <a:spLocks/>
+          </p:cNvSpPr>
+          <p:nvPr/>
+        </p:nvSpPr>
+        <p:spPr>
+          <a:xfrm>
+            <a:off x="165463" y="266377"/>
+            <a:ext cx="738132" cy="364195"/>
+          </a:xfrm>
+          <a:prstGeom prst="rect">
+            <a:avLst/>
+          </a:prstGeom>
+        </p:spPr>
+        <p:txBody>
+          <a:bodyPr vert="horz" lIns="91440" tIns="45720" rIns="91440" bIns="45720" rtlCol="0" anchor="ctr"/>
+          <a:lstStyle>
+            <a:defPPr>
+              <a:defRPr lang="ru-RU"/>
+            </a:defPPr>
+            <a:lvl1pPr marL="0" algn="r" defTabSz="914400" rtl="0" eaLnBrk="1" latinLnBrk="0" hangingPunct="1">
+              <a:defRPr sz="1200" kern="1200">
+                <a:solidFill>
+                  <a:schemeClr val="tx1">
+                    <a:tint val="75000"/>
+                  </a:schemeClr>
+                </a:solidFill>
+                <a:latin typeface="+mn-lt"/>
+                <a:ea typeface="+mn-ea"/>
+                <a:cs typeface="+mn-cs"/>
+              </a:defRPr>
+            </a:lvl1pPr>
+            <a:lvl2pPr marL="457200" algn="l" defTabSz="914400" rtl="0" eaLnBrk="1" latinLnBrk="0" hangingPunct="1">
+              <a:defRPr sz="1800" kern="1200">
+                <a:solidFill>
+                  <a:schemeClr val="tx1"/>
+                </a:solidFill>
+                <a:latin typeface="+mn-lt"/>
+                <a:ea typeface="+mn-ea"/>
+                <a:cs typeface="+mn-cs"/>
+              </a:defRPr>
+            </a:lvl2pPr>
+            <a:lvl3pPr marL="914400" algn="l" defTabSz="914400" rtl="0" eaLnBrk="1" latinLnBrk="0" hangingPunct="1">
+              <a:defRPr sz="1800" kern="1200">
+                <a:solidFill>
+                  <a:schemeClr val="tx1"/>
+                </a:solidFill>
+                <a:latin typeface="+mn-lt"/>
+                <a:ea typeface="+mn-ea"/>
+                <a:cs typeface="+mn-cs"/>
+              </a:defRPr>
+            </a:lvl3pPr>
+            <a:lvl4pPr marL="1371600" algn="l" defTabSz="914400" rtl="0" eaLnBrk="1" latinLnBrk="0" hangingPunct="1">
+              <a:defRPr sz="1800" kern="1200">
+                <a:solidFill>
+                  <a:schemeClr val="tx1"/>
+                </a:solidFill>
+                <a:latin typeface="+mn-lt"/>
+                <a:ea typeface="+mn-ea"/>
+                <a:cs typeface="+mn-cs"/>
+              </a:defRPr>
+            </a:lvl4pPr>
+            <a:lvl5pPr marL="1828800" algn="l" defTabSz="914400" rtl="0" eaLnBrk="1" latinLnBrk="0" hangingPunct="1">
+              <a:defRPr sz="1800" kern="1200">
+                <a:solidFill>
+                  <a:schemeClr val="tx1"/>
+                </a:solidFill>
+                <a:latin typeface="+mn-lt"/>
+                <a:ea typeface="+mn-ea"/>
+                <a:cs typeface="+mn-cs"/>
+              </a:defRPr>
+            </a:lvl5pPr>
+            <a:lvl6pPr marL="2286000" algn="l" defTabSz="914400" rtl="0" eaLnBrk="1" latinLnBrk="0" hangingPunct="1">
+              <a:defRPr sz="1800" kern="1200">
+                <a:solidFill>
+                  <a:schemeClr val="tx1"/>
+                </a:solidFill>
+                <a:latin typeface="+mn-lt"/>
+                <a:ea typeface="+mn-ea"/>
+                <a:cs typeface="+mn-cs"/>
+              </a:defRPr>
+            </a:lvl6pPr>
+            <a:lvl7pPr marL="2743200" algn="l" defTabSz="914400" rtl="0" eaLnBrk="1" latinLnBrk="0" hangingPunct="1">
+              <a:defRPr sz="1800" kern="1200">
+                <a:solidFill>
+                  <a:schemeClr val="tx1"/>
+                </a:solidFill>
+                <a:latin typeface="+mn-lt"/>
+                <a:ea typeface="+mn-ea"/>
+                <a:cs typeface="+mn-cs"/>
+              </a:defRPr>
+            </a:lvl7pPr>
+            <a:lvl8pPr marL="3200400" algn="l" defTabSz="914400" rtl="0" eaLnBrk="1" latinLnBrk="0" hangingPunct="1">
+              <a:defRPr sz="1800" kern="1200">
+                <a:solidFill>
+                  <a:schemeClr val="tx1"/>
+                </a:solidFill>
+                <a:latin typeface="+mn-lt"/>
+                <a:ea typeface="+mn-ea"/>
+                <a:cs typeface="+mn-cs"/>
+              </a:defRPr>
+            </a:lvl8pPr>
+            <a:lvl9pPr marL="3657600" algn="l" defTabSz="914400" rtl="0" eaLnBrk="1" latinLnBrk="0" hangingPunct="1">
+              <a:defRPr sz="1800" kern="1200">
+                <a:solidFill>
+                  <a:schemeClr val="tx1"/>
+                </a:solidFill>
+                <a:latin typeface="+mn-lt"/>
+                <a:ea typeface="+mn-ea"/>
+                <a:cs typeface="+mn-cs"/>
+              </a:defRPr>
+            </a:lvl9pPr>
+          </a:lstStyle>
+          <a:p>
+            <a:fld id="{73D4391C-B8C0-B24A-A837-316267417444}" type="slidenum">
+              <a:rPr lang="ru-RU" smtClean="0">
+                <a:solidFill>
+                  <a:schemeClr val="bg1"/>
+                </a:solidFill>
+              </a:rPr>
+              <a:pPr/>
+              <a:t>3</a:t>
+            </a:fld>
+            <a:endParaRPr lang="ru-RU" dirty="0">
+              <a:solidFill>
+                <a:schemeClr val="bg1"/>
+              </a:solidFill>
+            </a:endParaRPr>
+          </a:p>
+        </p:txBody>
+      </p:sp>
+      <p:pic>
+        <p:nvPicPr>
+          <p:cNvPr id="6" name="Рисунок 5">
+            <a:extLst>
+              <a:ext uri="{FF2B5EF4-FFF2-40B4-BE49-F238E27FC236}">
+                <a16:creationId xmlns:a16="http://schemas.microsoft.com/office/drawing/2014/main" id="{1E750AB7-679B-62C2-5802-ABF73CFF52C6}"/>
+              </a:ext>
+            </a:extLst>
+          </p:cNvPr>
+          <p:cNvPicPr>
+            <a:picLocks noChangeAspect="1"/>
+          </p:cNvPicPr>
+          <p:nvPr/>
+        </p:nvPicPr>
+        <p:blipFill>
+          <a:blip r:embed="rId3" cstate="print">
+            <a:extLst>
+              <a:ext uri="{28A0092B-C50C-407E-A947-70E740481C1C}">
+                <a14:useLocalDpi xmlns:a14="http://schemas.microsoft.com/office/drawing/2010/main" val="0"/>
+              </a:ext>
+              <a:ext uri="{96DAC541-7B7A-43D3-8B79-37D633B846F1}">
+                <asvg:svgBlip xmlns:asvg="http://schemas.microsoft.com/office/drawing/2016/SVG/main" r:embed="rId4"/>
+              </a:ext>
+            </a:extLst>
+          </a:blip>
+          <a:stretch>
+            <a:fillRect/>
+          </a:stretch>
+        </p:blipFill>
+        <p:spPr>
+          <a:xfrm>
+            <a:off x="9099532" y="-197635"/>
+            <a:ext cx="2166695" cy="1666688"/>
+          </a:xfrm>
+          <a:prstGeom prst="rect">
+            <a:avLst/>
+          </a:prstGeom>
+        </p:spPr>
+      </p:pic>
+      <p:sp>
+        <p:nvSpPr>
+          <p:cNvPr id="7" name="TextBox 6">
+            <a:extLst>
+              <a:ext uri="{FF2B5EF4-FFF2-40B4-BE49-F238E27FC236}">
+                <a16:creationId xmlns:a16="http://schemas.microsoft.com/office/drawing/2014/main" id="{440E03D7-CBEB-D50D-4C60-445C975E34CE}"/>
+              </a:ext>
+            </a:extLst>
+          </p:cNvPr>
+          <p:cNvSpPr txBox="1"/>
+          <p:nvPr/>
+        </p:nvSpPr>
+        <p:spPr>
+          <a:xfrm>
+            <a:off x="10599762" y="266377"/>
+            <a:ext cx="2083558" cy="738664"/>
+          </a:xfrm>
+          <a:prstGeom prst="rect">
+            <a:avLst/>
+          </a:prstGeom>
+          <a:noFill/>
+        </p:spPr>
+        <p:txBody>
+          <a:bodyPr wrap="square" rtlCol="0">
+            <a:spAutoFit/>
+          </a:bodyPr>
+          <a:lstStyle/>
+          <a:p>
+            <a:r>
+              <a:rPr lang="ru-RU" sz="1050" dirty="0">
+                <a:solidFill>
+                  <a:schemeClr val="bg1">
+                    <a:lumMod val="75000"/>
+                  </a:schemeClr>
+                </a:solidFill>
+                <a:latin typeface="Arial" panose="020B0604020202020204" pitchFamily="34" charset="0"/>
+                <a:cs typeface="Arial" panose="020B0604020202020204" pitchFamily="34" charset="0"/>
+              </a:rPr>
+              <a:t>Томский</a:t>
+            </a:r>
+          </a:p>
+          <a:p>
+            <a:r>
+              <a:rPr lang="ru-RU" sz="1050" dirty="0">
+                <a:solidFill>
+                  <a:schemeClr val="bg1">
+                    <a:lumMod val="75000"/>
+                  </a:schemeClr>
+                </a:solidFill>
+                <a:latin typeface="Arial" panose="020B0604020202020204" pitchFamily="34" charset="0"/>
+                <a:cs typeface="Arial" panose="020B0604020202020204" pitchFamily="34" charset="0"/>
+              </a:rPr>
+              <a:t>Государственный университет</a:t>
+            </a:r>
+          </a:p>
+          <a:p>
+            <a:r>
+              <a:rPr lang="ru-RU" sz="1050" dirty="0">
+                <a:solidFill>
+                  <a:schemeClr val="bg1">
+                    <a:lumMod val="75000"/>
+                  </a:schemeClr>
+                </a:solidFill>
+                <a:latin typeface="Arial" panose="020B0604020202020204" pitchFamily="34" charset="0"/>
+                <a:cs typeface="Arial" panose="020B0604020202020204" pitchFamily="34" charset="0"/>
+              </a:rPr>
+              <a:t>Высшая </a:t>
+            </a:r>
+            <a:r>
+              <a:rPr lang="en-US" sz="1050" dirty="0">
+                <a:solidFill>
+                  <a:schemeClr val="bg1">
+                    <a:lumMod val="75000"/>
+                  </a:schemeClr>
+                </a:solidFill>
+                <a:latin typeface="Arial" panose="020B0604020202020204" pitchFamily="34" charset="0"/>
+                <a:cs typeface="Arial" panose="020B0604020202020204" pitchFamily="34" charset="0"/>
+              </a:rPr>
+              <a:t>IT </a:t>
+            </a:r>
+            <a:r>
+              <a:rPr lang="ru-RU" sz="1050" dirty="0">
+                <a:solidFill>
+                  <a:schemeClr val="bg1">
+                    <a:lumMod val="75000"/>
+                  </a:schemeClr>
+                </a:solidFill>
+                <a:latin typeface="Arial" panose="020B0604020202020204" pitchFamily="34" charset="0"/>
+                <a:cs typeface="Arial" panose="020B0604020202020204" pitchFamily="34" charset="0"/>
+              </a:rPr>
+              <a:t>Школа</a:t>
+            </a:r>
+          </a:p>
+        </p:txBody>
+      </p:sp>
+      <p:sp>
+        <p:nvSpPr>
+          <p:cNvPr id="5" name="Объект 3">
+            <a:extLst>
+              <a:ext uri="{FF2B5EF4-FFF2-40B4-BE49-F238E27FC236}">
+                <a16:creationId xmlns:a16="http://schemas.microsoft.com/office/drawing/2014/main" id="{3147F57C-76B7-4D9C-5537-81E4A22EB88E}"/>
+              </a:ext>
+            </a:extLst>
+          </p:cNvPr>
+          <p:cNvSpPr>
+            <a:spLocks noGrp="1"/>
+          </p:cNvSpPr>
+          <p:nvPr>
+            <p:ph idx="1"/>
+          </p:nvPr>
+        </p:nvSpPr>
+        <p:spPr>
+          <a:xfrm>
+            <a:off x="838200" y="1933065"/>
+            <a:ext cx="10515600" cy="4243898"/>
+          </a:xfrm>
+        </p:spPr>
+        <p:txBody>
+          <a:bodyPr/>
+          <a:lstStyle/>
+          <a:p>
+            <a:pPr marL="0" indent="0">
+              <a:buNone/>
+            </a:pPr>
+            <a:r>
+              <a:rPr lang="ru-RU" dirty="0"/>
+              <a:t>Процесс создания коллектора выглядит следующим образом</a:t>
+            </a:r>
+          </a:p>
+          <a:p>
+            <a:pPr marL="0" indent="0">
+              <a:buNone/>
+            </a:pPr>
+            <a:endParaRPr lang="ru-RU" dirty="0"/>
+          </a:p>
+          <a:p>
+            <a:pPr marL="0" indent="0">
+              <a:buNone/>
+            </a:pPr>
+            <a:r>
+              <a:rPr lang="ru-RU" dirty="0"/>
+              <a:t>(</a:t>
+            </a:r>
+            <a:r>
+              <a:rPr lang="en-US" dirty="0"/>
+              <a:t>Sequence </a:t>
+            </a:r>
+            <a:r>
+              <a:rPr lang="ru-RU" dirty="0"/>
+              <a:t>диаграмма с двумя акторами – </a:t>
+            </a:r>
+            <a:r>
+              <a:rPr lang="en-US" dirty="0"/>
+              <a:t>SRE </a:t>
+            </a:r>
+            <a:r>
+              <a:rPr lang="ru-RU" dirty="0"/>
+              <a:t>инженер и</a:t>
+            </a:r>
+            <a:r>
+              <a:rPr lang="en-US" dirty="0"/>
+              <a:t> </a:t>
+            </a:r>
+            <a:r>
+              <a:rPr lang="ru-RU" dirty="0"/>
+              <a:t>инженер из команды аналитиков, создание порта, топика, конфига, изменение конфига деплоя(т.к коллекторы – </a:t>
+            </a:r>
+            <a:r>
+              <a:rPr lang="ru-RU" dirty="0" err="1"/>
+              <a:t>монорепа</a:t>
+            </a:r>
+            <a:r>
+              <a:rPr lang="ru-RU" dirty="0"/>
+              <a:t> с дефолтным механизмом деплоя), настройка конфига балансировщика, </a:t>
+            </a:r>
+            <a:r>
+              <a:rPr lang="ru-RU" sz="2000" i="1" dirty="0"/>
+              <a:t>а также в другом сценарии создание</a:t>
+            </a:r>
+            <a:r>
+              <a:rPr lang="en-US" sz="2000" i="1" dirty="0"/>
+              <a:t>/</a:t>
+            </a:r>
+            <a:r>
+              <a:rPr lang="ru-RU" sz="2000" i="1" dirty="0"/>
+              <a:t>сохранение</a:t>
+            </a:r>
+            <a:r>
+              <a:rPr lang="en-US" sz="2000" i="1" dirty="0"/>
+              <a:t>/</a:t>
+            </a:r>
+            <a:r>
+              <a:rPr lang="ru-RU" sz="2000" i="1" dirty="0"/>
+              <a:t>передача УЗ для </a:t>
+            </a:r>
+            <a:r>
+              <a:rPr lang="en-US" sz="2000" i="1" dirty="0"/>
+              <a:t>Kafka</a:t>
+            </a:r>
+            <a:r>
+              <a:rPr lang="ru-RU" sz="2000" i="1" dirty="0"/>
+              <a:t>, запрос доступа к топику</a:t>
+            </a:r>
+            <a:r>
+              <a:rPr lang="en-US" dirty="0"/>
+              <a:t>) </a:t>
+            </a:r>
+            <a:endParaRPr lang="ru-RU" dirty="0"/>
+          </a:p>
+        </p:txBody>
+      </p:sp>
+    </p:spTree>
+    <p:extLst>
+      <p:ext uri="{BB962C8B-B14F-4D97-AF65-F5344CB8AC3E}">
+        <p14:creationId xmlns:p14="http://schemas.microsoft.com/office/powerpoint/2010/main" val="2572031251"/>
+      </p:ext>
+    </p:extLst>
+  </p:cSld>
+  <p:clrMapOvr>
+    <a:masterClrMapping/>
+  </p:clrMapOvr>
+</p:sld>
+</file>
+
+<file path=ppt/slides/slide4.xml><?xml version="1.0" encoding="utf-8"?>
+<p:sld xmlns:a="http://schemas.openxmlformats.org/drawingml/2006/main" xmlns:r="http://schemas.openxmlformats.org/officeDocument/2006/relationships" xmlns:p="http://schemas.openxmlformats.org/presentationml/2006/main">
+  <p:cSld>
+    <p:spTree>
+      <p:nvGrpSpPr>
+        <p:cNvPr id="1" name="">
+          <a:extLst>
+            <a:ext uri="{FF2B5EF4-FFF2-40B4-BE49-F238E27FC236}">
+              <a16:creationId xmlns:a16="http://schemas.microsoft.com/office/drawing/2014/main" id="{2FC5EBD4-E5F2-5292-89A7-E1C2180DB0E0}"/>
+            </a:ext>
+          </a:extLst>
+        </p:cNvPr>
+        <p:cNvGrpSpPr/>
+        <p:nvPr/>
+      </p:nvGrpSpPr>
+      <p:grpSpPr>
+        <a:xfrm>
+          <a:off x="0" y="0"/>
+          <a:ext cx="0" cy="0"/>
+          <a:chOff x="0" y="0"/>
+          <a:chExt cx="0" cy="0"/>
+        </a:xfrm>
+      </p:grpSpPr>
+      <p:sp>
+        <p:nvSpPr>
+          <p:cNvPr id="3" name="Прямоугольник 2">
+            <a:extLst>
+              <a:ext uri="{FF2B5EF4-FFF2-40B4-BE49-F238E27FC236}">
+                <a16:creationId xmlns:a16="http://schemas.microsoft.com/office/drawing/2014/main" id="{FD1F7BD8-E1A7-7ED2-94C3-F0BFE5B03BD2}"/>
+              </a:ext>
+            </a:extLst>
+          </p:cNvPr>
+          <p:cNvSpPr/>
+          <p:nvPr/>
+        </p:nvSpPr>
+        <p:spPr>
+          <a:xfrm>
+            <a:off x="0" y="266377"/>
+            <a:ext cx="903595" cy="364195"/>
+          </a:xfrm>
+          <a:prstGeom prst="rect">
+            <a:avLst/>
+          </a:prstGeom>
+          <a:ln>
+            <a:noFill/>
+          </a:ln>
+        </p:spPr>
+        <p:style>
+          <a:lnRef idx="2">
+            <a:schemeClr val="accent1">
+              <a:shade val="50000"/>
+            </a:schemeClr>
+          </a:lnRef>
+          <a:fillRef idx="1">
+            <a:schemeClr val="accent1"/>
+          </a:fillRef>
+          <a:effectRef idx="0">
+            <a:schemeClr val="accent1"/>
+          </a:effectRef>
+          <a:fontRef idx="minor">
+            <a:schemeClr val="lt1"/>
+          </a:fontRef>
+        </p:style>
+        <p:txBody>
+          <a:bodyPr rtlCol="0" anchor="ctr"/>
+          <a:lstStyle/>
+          <a:p>
+            <a:pPr algn="ctr"/>
+            <a:endParaRPr lang="ru-RU"/>
+          </a:p>
+        </p:txBody>
+      </p:sp>
+      <p:sp>
+        <p:nvSpPr>
+          <p:cNvPr id="2" name="Slide Number Placeholder 1">
+            <a:extLst>
+              <a:ext uri="{FF2B5EF4-FFF2-40B4-BE49-F238E27FC236}">
+                <a16:creationId xmlns:a16="http://schemas.microsoft.com/office/drawing/2014/main" id="{545B4265-90C8-6E3C-4426-B088F9151E09}"/>
+              </a:ext>
+            </a:extLst>
+          </p:cNvPr>
+          <p:cNvSpPr txBox="1">
+            <a:spLocks/>
+          </p:cNvSpPr>
+          <p:nvPr/>
+        </p:nvSpPr>
+        <p:spPr>
+          <a:xfrm>
+            <a:off x="165463" y="266377"/>
+            <a:ext cx="738132" cy="364195"/>
+          </a:xfrm>
+          <a:prstGeom prst="rect">
+            <a:avLst/>
+          </a:prstGeom>
+        </p:spPr>
+        <p:txBody>
+          <a:bodyPr vert="horz" lIns="91440" tIns="45720" rIns="91440" bIns="45720" rtlCol="0" anchor="ctr"/>
+          <a:lstStyle>
+            <a:defPPr>
+              <a:defRPr lang="ru-RU"/>
+            </a:defPPr>
+            <a:lvl1pPr marL="0" algn="r" defTabSz="914400" rtl="0" eaLnBrk="1" latinLnBrk="0" hangingPunct="1">
+              <a:defRPr sz="1200" kern="1200">
+                <a:solidFill>
+                  <a:schemeClr val="tx1">
+                    <a:tint val="75000"/>
+                  </a:schemeClr>
+                </a:solidFill>
+                <a:latin typeface="+mn-lt"/>
+                <a:ea typeface="+mn-ea"/>
+                <a:cs typeface="+mn-cs"/>
+              </a:defRPr>
+            </a:lvl1pPr>
+            <a:lvl2pPr marL="457200" algn="l" defTabSz="914400" rtl="0" eaLnBrk="1" latinLnBrk="0" hangingPunct="1">
+              <a:defRPr sz="1800" kern="1200">
+                <a:solidFill>
+                  <a:schemeClr val="tx1"/>
+                </a:solidFill>
+                <a:latin typeface="+mn-lt"/>
+                <a:ea typeface="+mn-ea"/>
+                <a:cs typeface="+mn-cs"/>
+              </a:defRPr>
+            </a:lvl2pPr>
+            <a:lvl3pPr marL="914400" algn="l" defTabSz="914400" rtl="0" eaLnBrk="1" latinLnBrk="0" hangingPunct="1">
+              <a:defRPr sz="1800" kern="1200">
+                <a:solidFill>
+                  <a:schemeClr val="tx1"/>
+                </a:solidFill>
+                <a:latin typeface="+mn-lt"/>
+                <a:ea typeface="+mn-ea"/>
+                <a:cs typeface="+mn-cs"/>
+              </a:defRPr>
+            </a:lvl3pPr>
+            <a:lvl4pPr marL="1371600" algn="l" defTabSz="914400" rtl="0" eaLnBrk="1" latinLnBrk="0" hangingPunct="1">
+              <a:defRPr sz="1800" kern="1200">
+                <a:solidFill>
+                  <a:schemeClr val="tx1"/>
+                </a:solidFill>
+                <a:latin typeface="+mn-lt"/>
+                <a:ea typeface="+mn-ea"/>
+                <a:cs typeface="+mn-cs"/>
+              </a:defRPr>
+            </a:lvl4pPr>
+            <a:lvl5pPr marL="1828800" algn="l" defTabSz="914400" rtl="0" eaLnBrk="1" latinLnBrk="0" hangingPunct="1">
+              <a:defRPr sz="1800" kern="1200">
+                <a:solidFill>
+                  <a:schemeClr val="tx1"/>
+                </a:solidFill>
+                <a:latin typeface="+mn-lt"/>
+                <a:ea typeface="+mn-ea"/>
+                <a:cs typeface="+mn-cs"/>
+              </a:defRPr>
+            </a:lvl5pPr>
+            <a:lvl6pPr marL="2286000" algn="l" defTabSz="914400" rtl="0" eaLnBrk="1" latinLnBrk="0" hangingPunct="1">
+              <a:defRPr sz="1800" kern="1200">
+                <a:solidFill>
+                  <a:schemeClr val="tx1"/>
+                </a:solidFill>
+                <a:latin typeface="+mn-lt"/>
+                <a:ea typeface="+mn-ea"/>
+                <a:cs typeface="+mn-cs"/>
+              </a:defRPr>
+            </a:lvl6pPr>
+            <a:lvl7pPr marL="2743200" algn="l" defTabSz="914400" rtl="0" eaLnBrk="1" latinLnBrk="0" hangingPunct="1">
+              <a:defRPr sz="1800" kern="1200">
+                <a:solidFill>
+                  <a:schemeClr val="tx1"/>
+                </a:solidFill>
+                <a:latin typeface="+mn-lt"/>
+                <a:ea typeface="+mn-ea"/>
+                <a:cs typeface="+mn-cs"/>
+              </a:defRPr>
+            </a:lvl7pPr>
+            <a:lvl8pPr marL="3200400" algn="l" defTabSz="914400" rtl="0" eaLnBrk="1" latinLnBrk="0" hangingPunct="1">
+              <a:defRPr sz="1800" kern="1200">
+                <a:solidFill>
+                  <a:schemeClr val="tx1"/>
+                </a:solidFill>
+                <a:latin typeface="+mn-lt"/>
+                <a:ea typeface="+mn-ea"/>
+                <a:cs typeface="+mn-cs"/>
+              </a:defRPr>
+            </a:lvl8pPr>
+            <a:lvl9pPr marL="3657600" algn="l" defTabSz="914400" rtl="0" eaLnBrk="1" latinLnBrk="0" hangingPunct="1">
+              <a:defRPr sz="1800" kern="1200">
+                <a:solidFill>
+                  <a:schemeClr val="tx1"/>
+                </a:solidFill>
+                <a:latin typeface="+mn-lt"/>
+                <a:ea typeface="+mn-ea"/>
+                <a:cs typeface="+mn-cs"/>
+              </a:defRPr>
+            </a:lvl9pPr>
+          </a:lstStyle>
+          <a:p>
+            <a:fld id="{73D4391C-B8C0-B24A-A837-316267417444}" type="slidenum">
+              <a:rPr lang="ru-RU" smtClean="0">
+                <a:solidFill>
+                  <a:schemeClr val="bg1"/>
+                </a:solidFill>
+              </a:rPr>
+              <a:pPr/>
+              <a:t>4</a:t>
+            </a:fld>
+            <a:endParaRPr lang="ru-RU" dirty="0">
+              <a:solidFill>
+                <a:schemeClr val="bg1"/>
+              </a:solidFill>
+            </a:endParaRPr>
+          </a:p>
+        </p:txBody>
+      </p:sp>
+      <p:pic>
+        <p:nvPicPr>
+          <p:cNvPr id="6" name="Рисунок 5">
+            <a:extLst>
+              <a:ext uri="{FF2B5EF4-FFF2-40B4-BE49-F238E27FC236}">
+                <a16:creationId xmlns:a16="http://schemas.microsoft.com/office/drawing/2014/main" id="{83845484-D49F-54DD-AFE5-E08EBE7D336C}"/>
+              </a:ext>
+            </a:extLst>
+          </p:cNvPr>
+          <p:cNvPicPr>
+            <a:picLocks noChangeAspect="1"/>
+          </p:cNvPicPr>
+          <p:nvPr/>
+        </p:nvPicPr>
+        <p:blipFill>
+          <a:blip r:embed="rId3" cstate="print">
+            <a:extLst>
+              <a:ext uri="{28A0092B-C50C-407E-A947-70E740481C1C}">
+                <a14:useLocalDpi xmlns:a14="http://schemas.microsoft.com/office/drawing/2010/main" val="0"/>
+              </a:ext>
+              <a:ext uri="{96DAC541-7B7A-43D3-8B79-37D633B846F1}">
+                <asvg:svgBlip xmlns:asvg="http://schemas.microsoft.com/office/drawing/2016/SVG/main" r:embed="rId4"/>
+              </a:ext>
+            </a:extLst>
+          </a:blip>
+          <a:stretch>
+            <a:fillRect/>
+          </a:stretch>
+        </p:blipFill>
+        <p:spPr>
+          <a:xfrm>
+            <a:off x="9099532" y="-197635"/>
+            <a:ext cx="2166695" cy="1666688"/>
+          </a:xfrm>
+          <a:prstGeom prst="rect">
+            <a:avLst/>
+          </a:prstGeom>
+        </p:spPr>
+      </p:pic>
+      <p:sp>
+        <p:nvSpPr>
+          <p:cNvPr id="7" name="TextBox 6">
+            <a:extLst>
+              <a:ext uri="{FF2B5EF4-FFF2-40B4-BE49-F238E27FC236}">
+                <a16:creationId xmlns:a16="http://schemas.microsoft.com/office/drawing/2014/main" id="{7944BD0A-EAC3-78CD-ABAF-59D7F8160205}"/>
+              </a:ext>
+            </a:extLst>
+          </p:cNvPr>
+          <p:cNvSpPr txBox="1"/>
+          <p:nvPr/>
+        </p:nvSpPr>
+        <p:spPr>
+          <a:xfrm>
+            <a:off x="10599762" y="266377"/>
+            <a:ext cx="2083558" cy="738664"/>
+          </a:xfrm>
+          <a:prstGeom prst="rect">
+            <a:avLst/>
+          </a:prstGeom>
+          <a:noFill/>
+        </p:spPr>
+        <p:txBody>
+          <a:bodyPr wrap="square" rtlCol="0">
+            <a:spAutoFit/>
+          </a:bodyPr>
+          <a:lstStyle/>
+          <a:p>
+            <a:r>
+              <a:rPr lang="ru-RU" sz="1050" dirty="0">
+                <a:solidFill>
+                  <a:schemeClr val="bg1">
+                    <a:lumMod val="75000"/>
+                  </a:schemeClr>
+                </a:solidFill>
+                <a:latin typeface="Arial" panose="020B0604020202020204" pitchFamily="34" charset="0"/>
+                <a:cs typeface="Arial" panose="020B0604020202020204" pitchFamily="34" charset="0"/>
+              </a:rPr>
+              <a:t>Томский</a:t>
+            </a:r>
+          </a:p>
+          <a:p>
+            <a:r>
+              <a:rPr lang="ru-RU" sz="1050" dirty="0">
+                <a:solidFill>
+                  <a:schemeClr val="bg1">
+                    <a:lumMod val="75000"/>
+                  </a:schemeClr>
+                </a:solidFill>
+                <a:latin typeface="Arial" panose="020B0604020202020204" pitchFamily="34" charset="0"/>
+                <a:cs typeface="Arial" panose="020B0604020202020204" pitchFamily="34" charset="0"/>
+              </a:rPr>
+              <a:t>Государственный университет</a:t>
+            </a:r>
+          </a:p>
+          <a:p>
+            <a:r>
+              <a:rPr lang="ru-RU" sz="1050" dirty="0">
+                <a:solidFill>
+                  <a:schemeClr val="bg1">
+                    <a:lumMod val="75000"/>
+                  </a:schemeClr>
+                </a:solidFill>
+                <a:latin typeface="Arial" panose="020B0604020202020204" pitchFamily="34" charset="0"/>
+                <a:cs typeface="Arial" panose="020B0604020202020204" pitchFamily="34" charset="0"/>
+              </a:rPr>
+              <a:t>Высшая </a:t>
+            </a:r>
+            <a:r>
+              <a:rPr lang="en-US" sz="1050" dirty="0">
+                <a:solidFill>
+                  <a:schemeClr val="bg1">
+                    <a:lumMod val="75000"/>
+                  </a:schemeClr>
+                </a:solidFill>
+                <a:latin typeface="Arial" panose="020B0604020202020204" pitchFamily="34" charset="0"/>
+                <a:cs typeface="Arial" panose="020B0604020202020204" pitchFamily="34" charset="0"/>
+              </a:rPr>
+              <a:t>IT </a:t>
+            </a:r>
+            <a:r>
+              <a:rPr lang="ru-RU" sz="1050" dirty="0">
+                <a:solidFill>
+                  <a:schemeClr val="bg1">
+                    <a:lumMod val="75000"/>
+                  </a:schemeClr>
+                </a:solidFill>
+                <a:latin typeface="Arial" panose="020B0604020202020204" pitchFamily="34" charset="0"/>
+                <a:cs typeface="Arial" panose="020B0604020202020204" pitchFamily="34" charset="0"/>
+              </a:rPr>
+              <a:t>Школа</a:t>
+            </a:r>
+          </a:p>
+        </p:txBody>
+      </p:sp>
+      <p:sp>
+        <p:nvSpPr>
+          <p:cNvPr id="12" name="Объект 2">
+            <a:extLst>
+              <a:ext uri="{FF2B5EF4-FFF2-40B4-BE49-F238E27FC236}">
+                <a16:creationId xmlns:a16="http://schemas.microsoft.com/office/drawing/2014/main" id="{45B46076-A026-E0A8-557B-286EC565C2F6}"/>
+              </a:ext>
+            </a:extLst>
+          </p:cNvPr>
+          <p:cNvSpPr>
+            <a:spLocks noGrp="1"/>
+          </p:cNvSpPr>
+          <p:nvPr>
+            <p:ph idx="1"/>
+          </p:nvPr>
+        </p:nvSpPr>
+        <p:spPr bwMode="auto">
+          <a:xfrm>
+            <a:off x="947738" y="800100"/>
+            <a:ext cx="10656887" cy="5034116"/>
+          </a:xfrm>
+        </p:spPr>
+        <p:txBody>
+          <a:bodyPr>
+            <a:normAutofit fontScale="92500" lnSpcReduction="10000"/>
+          </a:bodyPr>
+          <a:lstStyle/>
+          <a:p>
+            <a:pPr marL="0" indent="0">
+              <a:buNone/>
+              <a:defRPr/>
+            </a:pPr>
+            <a:r>
+              <a:rPr lang="ru-RU" sz="3000" b="1" dirty="0"/>
+              <a:t>Цель</a:t>
+            </a:r>
+          </a:p>
+          <a:p>
+            <a:pPr marL="0" indent="0">
+              <a:buNone/>
+              <a:defRPr/>
+            </a:pPr>
+            <a:r>
+              <a:rPr lang="ru-RU" sz="3000" dirty="0"/>
+              <a:t>Автоматизировать процесс настройки поставки данных для </a:t>
+            </a:r>
+            <a:r>
+              <a:rPr lang="en-US" sz="3000" dirty="0"/>
+              <a:t>SOC, </a:t>
+            </a:r>
+            <a:r>
+              <a:rPr lang="ru-RU" sz="3000" dirty="0"/>
+              <a:t>сведя его к написанию конфига </a:t>
+            </a:r>
+            <a:r>
+              <a:rPr lang="ru-RU" sz="2000" dirty="0">
+                <a:solidFill>
+                  <a:srgbClr val="FF0000"/>
+                </a:solidFill>
+              </a:rPr>
+              <a:t>(Подлежит изменению</a:t>
+            </a:r>
+            <a:r>
+              <a:rPr lang="en-US" sz="2000" dirty="0">
+                <a:solidFill>
+                  <a:srgbClr val="FF0000"/>
+                </a:solidFill>
+              </a:rPr>
+              <a:t>)</a:t>
+            </a:r>
+            <a:endParaRPr lang="ru-RU" sz="3000" dirty="0"/>
+          </a:p>
+          <a:p>
+            <a:pPr marL="0" indent="0">
+              <a:buNone/>
+              <a:defRPr/>
+            </a:pPr>
+            <a:r>
+              <a:rPr lang="ru-RU" sz="3000" b="1" dirty="0"/>
+              <a:t>Задачи</a:t>
+            </a:r>
+            <a:endParaRPr sz="3000" dirty="0"/>
+          </a:p>
+          <a:p>
+            <a:pPr marL="514350" indent="-338138">
+              <a:lnSpc>
+                <a:spcPct val="110000"/>
+              </a:lnSpc>
+              <a:spcBef>
+                <a:spcPts val="1200"/>
+              </a:spcBef>
+              <a:buFont typeface="+mj-lt"/>
+              <a:buAutoNum type="arabicPeriod"/>
+              <a:defRPr/>
+            </a:pPr>
+            <a:r>
+              <a:rPr lang="ru-RU" sz="3000" dirty="0"/>
+              <a:t> Реализовать механизмы </a:t>
+            </a:r>
+          </a:p>
+          <a:p>
+            <a:pPr marL="971550" lvl="1" indent="-338138">
+              <a:lnSpc>
+                <a:spcPct val="110000"/>
+              </a:lnSpc>
+              <a:spcBef>
+                <a:spcPts val="1200"/>
+              </a:spcBef>
+              <a:buFont typeface="+mj-lt"/>
+              <a:buAutoNum type="arabicPeriod"/>
+              <a:defRPr/>
+            </a:pPr>
+            <a:r>
+              <a:rPr lang="ru-RU" sz="2600" dirty="0"/>
+              <a:t>определения адреса (читай: выбор порта)</a:t>
+            </a:r>
+          </a:p>
+          <a:p>
+            <a:pPr marL="971550" lvl="1" indent="-338138">
+              <a:lnSpc>
+                <a:spcPct val="110000"/>
+              </a:lnSpc>
+              <a:spcBef>
+                <a:spcPts val="1200"/>
+              </a:spcBef>
+              <a:buFont typeface="+mj-lt"/>
+              <a:buAutoNum type="arabicPeriod"/>
+              <a:defRPr/>
+            </a:pPr>
+            <a:r>
+              <a:rPr lang="ru-RU" sz="2600" dirty="0"/>
+              <a:t>создания топика </a:t>
+            </a:r>
+            <a:r>
+              <a:rPr lang="en-US" sz="2600" dirty="0"/>
+              <a:t>Kafka</a:t>
+            </a:r>
+          </a:p>
+          <a:p>
+            <a:pPr marL="971550" lvl="1" indent="-338138">
+              <a:lnSpc>
+                <a:spcPct val="110000"/>
+              </a:lnSpc>
+              <a:spcBef>
+                <a:spcPts val="1200"/>
+              </a:spcBef>
+              <a:buFont typeface="+mj-lt"/>
+              <a:buAutoNum type="arabicPeriod"/>
+              <a:defRPr/>
+            </a:pPr>
+            <a:r>
+              <a:rPr lang="ru-RU" sz="2600" dirty="0"/>
+              <a:t>генерации конфигурационного файла коллектора</a:t>
+            </a:r>
+          </a:p>
+          <a:p>
+            <a:pPr marL="971550" lvl="1" indent="-338138">
+              <a:lnSpc>
+                <a:spcPct val="110000"/>
+              </a:lnSpc>
+              <a:spcBef>
+                <a:spcPts val="1200"/>
+              </a:spcBef>
+              <a:buFont typeface="+mj-lt"/>
+              <a:buAutoNum type="arabicPeriod"/>
+              <a:defRPr/>
+            </a:pPr>
+            <a:r>
+              <a:rPr lang="ru-RU" sz="2600" dirty="0"/>
+              <a:t>развертывания коллектора</a:t>
+            </a:r>
+          </a:p>
+          <a:p>
+            <a:pPr marL="971550" lvl="1" indent="-338138">
+              <a:lnSpc>
+                <a:spcPct val="110000"/>
+              </a:lnSpc>
+              <a:spcBef>
+                <a:spcPts val="1200"/>
+              </a:spcBef>
+              <a:buFont typeface="+mj-lt"/>
+              <a:buAutoNum type="arabicPeriod"/>
+              <a:defRPr/>
+            </a:pPr>
+            <a:r>
+              <a:rPr lang="ru-RU" sz="2600" dirty="0"/>
+              <a:t>генерации конфигурационного файла нормализатора (парсера)</a:t>
+            </a:r>
+          </a:p>
+          <a:p>
+            <a:pPr marL="514350" indent="-338138">
+              <a:lnSpc>
+                <a:spcPct val="110000"/>
+              </a:lnSpc>
+              <a:spcBef>
+                <a:spcPts val="1200"/>
+              </a:spcBef>
+              <a:buFont typeface="+mj-lt"/>
+              <a:buAutoNum type="arabicPeriod"/>
+              <a:defRPr/>
+            </a:pPr>
+            <a:endParaRPr lang="ru-RU" sz="3000" dirty="0"/>
+          </a:p>
+        </p:txBody>
+      </p:sp>
+    </p:spTree>
+    <p:extLst>
+      <p:ext uri="{BB962C8B-B14F-4D97-AF65-F5344CB8AC3E}">
+        <p14:creationId xmlns:p14="http://schemas.microsoft.com/office/powerpoint/2010/main" val="2521143933"/>
+      </p:ext>
+    </p:extLst>
+  </p:cSld>
+  <p:clrMapOvr>
+    <a:masterClrMapping/>
+  </p:clrMapOvr>
+</p:sld>
+</file>
+
+<file path=ppt/slides/slide5.xml><?xml version="1.0" encoding="utf-8"?>
+<p:sld xmlns:a="http://schemas.openxmlformats.org/drawingml/2006/main" xmlns:r="http://schemas.openxmlformats.org/officeDocument/2006/relationships" xmlns:p="http://schemas.openxmlformats.org/presentationml/2006/main">
+  <p:cSld>
+    <p:spTree>
+      <p:nvGrpSpPr>
+        <p:cNvPr id="1" name="">
+          <a:extLst>
+            <a:ext uri="{FF2B5EF4-FFF2-40B4-BE49-F238E27FC236}">
+              <a16:creationId xmlns:a16="http://schemas.microsoft.com/office/drawing/2014/main" id="{AD64F8D5-77E8-2F95-049E-6D988FA7FBC5}"/>
+            </a:ext>
+          </a:extLst>
+        </p:cNvPr>
+        <p:cNvGrpSpPr/>
+        <p:nvPr/>
+      </p:nvGrpSpPr>
+      <p:grpSpPr>
+        <a:xfrm>
+          <a:off x="0" y="0"/>
+          <a:ext cx="0" cy="0"/>
+          <a:chOff x="0" y="0"/>
+          <a:chExt cx="0" cy="0"/>
+        </a:xfrm>
+      </p:grpSpPr>
+      <p:sp>
+        <p:nvSpPr>
+          <p:cNvPr id="3" name="Прямоугольник 2">
+            <a:extLst>
+              <a:ext uri="{FF2B5EF4-FFF2-40B4-BE49-F238E27FC236}">
+                <a16:creationId xmlns:a16="http://schemas.microsoft.com/office/drawing/2014/main" id="{6F71DC43-BB9F-5496-A0AE-82DF1F657C5F}"/>
+              </a:ext>
+            </a:extLst>
+          </p:cNvPr>
+          <p:cNvSpPr/>
+          <p:nvPr/>
+        </p:nvSpPr>
+        <p:spPr>
+          <a:xfrm>
+            <a:off x="0" y="266377"/>
+            <a:ext cx="903595" cy="364195"/>
+          </a:xfrm>
+          <a:prstGeom prst="rect">
+            <a:avLst/>
+          </a:prstGeom>
+          <a:ln>
+            <a:noFill/>
+          </a:ln>
+        </p:spPr>
+        <p:style>
+          <a:lnRef idx="2">
+            <a:schemeClr val="accent1">
+              <a:shade val="50000"/>
+            </a:schemeClr>
+          </a:lnRef>
+          <a:fillRef idx="1">
+            <a:schemeClr val="accent1"/>
+          </a:fillRef>
+          <a:effectRef idx="0">
+            <a:schemeClr val="accent1"/>
+          </a:effectRef>
+          <a:fontRef idx="minor">
+            <a:schemeClr val="lt1"/>
+          </a:fontRef>
+        </p:style>
+        <p:txBody>
+          <a:bodyPr rtlCol="0" anchor="ctr"/>
+          <a:lstStyle/>
+          <a:p>
+            <a:pPr algn="ctr"/>
+            <a:endParaRPr lang="ru-RU"/>
+          </a:p>
+        </p:txBody>
+      </p:sp>
+      <p:sp>
+        <p:nvSpPr>
+          <p:cNvPr id="8" name="Title 7">
+            <a:extLst>
+              <a:ext uri="{FF2B5EF4-FFF2-40B4-BE49-F238E27FC236}">
+                <a16:creationId xmlns:a16="http://schemas.microsoft.com/office/drawing/2014/main" id="{A25435D6-A318-2C6B-B3C4-158429A83377}"/>
+              </a:ext>
+            </a:extLst>
+          </p:cNvPr>
+          <p:cNvSpPr>
+            <a:spLocks noGrp="1"/>
+          </p:cNvSpPr>
+          <p:nvPr>
+            <p:ph type="title"/>
+          </p:nvPr>
+        </p:nvSpPr>
+        <p:spPr>
+          <a:xfrm>
+            <a:off x="838200" y="630572"/>
+            <a:ext cx="10515600" cy="1325563"/>
+          </a:xfrm>
+        </p:spPr>
+        <p:txBody>
+          <a:bodyPr/>
+          <a:lstStyle/>
+          <a:p>
+            <a:r>
+              <a:rPr lang="ru-RU" dirty="0"/>
+              <a:t>Механизм определения адреса </a:t>
+            </a:r>
+          </a:p>
+        </p:txBody>
+      </p:sp>
+      <p:sp>
+        <p:nvSpPr>
+          <p:cNvPr id="2" name="Slide Number Placeholder 1">
+            <a:extLst>
+              <a:ext uri="{FF2B5EF4-FFF2-40B4-BE49-F238E27FC236}">
+                <a16:creationId xmlns:a16="http://schemas.microsoft.com/office/drawing/2014/main" id="{38E6D4A9-8128-D63F-759B-83E6A2693798}"/>
+              </a:ext>
+            </a:extLst>
+          </p:cNvPr>
+          <p:cNvSpPr txBox="1">
+            <a:spLocks/>
+          </p:cNvSpPr>
+          <p:nvPr/>
+        </p:nvSpPr>
+        <p:spPr>
+          <a:xfrm>
+            <a:off x="165463" y="266377"/>
+            <a:ext cx="738132" cy="364195"/>
+          </a:xfrm>
+          <a:prstGeom prst="rect">
+            <a:avLst/>
+          </a:prstGeom>
+        </p:spPr>
+        <p:txBody>
+          <a:bodyPr vert="horz" lIns="91440" tIns="45720" rIns="91440" bIns="45720" rtlCol="0" anchor="ctr"/>
+          <a:lstStyle>
+            <a:defPPr>
+              <a:defRPr lang="ru-RU"/>
+            </a:defPPr>
+            <a:lvl1pPr marL="0" algn="r" defTabSz="914400" rtl="0" eaLnBrk="1" latinLnBrk="0" hangingPunct="1">
+              <a:defRPr sz="1200" kern="1200">
+                <a:solidFill>
+                  <a:schemeClr val="tx1">
+                    <a:tint val="75000"/>
+                  </a:schemeClr>
+                </a:solidFill>
+                <a:latin typeface="+mn-lt"/>
+                <a:ea typeface="+mn-ea"/>
+                <a:cs typeface="+mn-cs"/>
+              </a:defRPr>
+            </a:lvl1pPr>
+            <a:lvl2pPr marL="457200" algn="l" defTabSz="914400" rtl="0" eaLnBrk="1" latinLnBrk="0" hangingPunct="1">
+              <a:defRPr sz="1800" kern="1200">
+                <a:solidFill>
+                  <a:schemeClr val="tx1"/>
+                </a:solidFill>
+                <a:latin typeface="+mn-lt"/>
+                <a:ea typeface="+mn-ea"/>
+                <a:cs typeface="+mn-cs"/>
+              </a:defRPr>
+            </a:lvl2pPr>
+            <a:lvl3pPr marL="914400" algn="l" defTabSz="914400" rtl="0" eaLnBrk="1" latinLnBrk="0" hangingPunct="1">
+              <a:defRPr sz="1800" kern="1200">
+                <a:solidFill>
+                  <a:schemeClr val="tx1"/>
+                </a:solidFill>
+                <a:latin typeface="+mn-lt"/>
+                <a:ea typeface="+mn-ea"/>
+                <a:cs typeface="+mn-cs"/>
+              </a:defRPr>
+            </a:lvl3pPr>
+            <a:lvl4pPr marL="1371600" algn="l" defTabSz="914400" rtl="0" eaLnBrk="1" latinLnBrk="0" hangingPunct="1">
+              <a:defRPr sz="1800" kern="1200">
+                <a:solidFill>
+                  <a:schemeClr val="tx1"/>
+                </a:solidFill>
+                <a:latin typeface="+mn-lt"/>
+                <a:ea typeface="+mn-ea"/>
+                <a:cs typeface="+mn-cs"/>
+              </a:defRPr>
+            </a:lvl4pPr>
+            <a:lvl5pPr marL="1828800" algn="l" defTabSz="914400" rtl="0" eaLnBrk="1" latinLnBrk="0" hangingPunct="1">
+              <a:defRPr sz="1800" kern="1200">
+                <a:solidFill>
+                  <a:schemeClr val="tx1"/>
+                </a:solidFill>
+                <a:latin typeface="+mn-lt"/>
+                <a:ea typeface="+mn-ea"/>
+                <a:cs typeface="+mn-cs"/>
+              </a:defRPr>
+            </a:lvl5pPr>
+            <a:lvl6pPr marL="2286000" algn="l" defTabSz="914400" rtl="0" eaLnBrk="1" latinLnBrk="0" hangingPunct="1">
+              <a:defRPr sz="1800" kern="1200">
+                <a:solidFill>
+                  <a:schemeClr val="tx1"/>
+                </a:solidFill>
+                <a:latin typeface="+mn-lt"/>
+                <a:ea typeface="+mn-ea"/>
+                <a:cs typeface="+mn-cs"/>
+              </a:defRPr>
+            </a:lvl6pPr>
+            <a:lvl7pPr marL="2743200" algn="l" defTabSz="914400" rtl="0" eaLnBrk="1" latinLnBrk="0" hangingPunct="1">
+              <a:defRPr sz="1800" kern="1200">
+                <a:solidFill>
+                  <a:schemeClr val="tx1"/>
+                </a:solidFill>
+                <a:latin typeface="+mn-lt"/>
+                <a:ea typeface="+mn-ea"/>
+                <a:cs typeface="+mn-cs"/>
+              </a:defRPr>
+            </a:lvl7pPr>
+            <a:lvl8pPr marL="3200400" algn="l" defTabSz="914400" rtl="0" eaLnBrk="1" latinLnBrk="0" hangingPunct="1">
+              <a:defRPr sz="1800" kern="1200">
+                <a:solidFill>
+                  <a:schemeClr val="tx1"/>
+                </a:solidFill>
+                <a:latin typeface="+mn-lt"/>
+                <a:ea typeface="+mn-ea"/>
+                <a:cs typeface="+mn-cs"/>
+              </a:defRPr>
+            </a:lvl8pPr>
+            <a:lvl9pPr marL="3657600" algn="l" defTabSz="914400" rtl="0" eaLnBrk="1" latinLnBrk="0" hangingPunct="1">
+              <a:defRPr sz="1800" kern="1200">
+                <a:solidFill>
+                  <a:schemeClr val="tx1"/>
+                </a:solidFill>
+                <a:latin typeface="+mn-lt"/>
+                <a:ea typeface="+mn-ea"/>
+                <a:cs typeface="+mn-cs"/>
+              </a:defRPr>
+            </a:lvl9pPr>
+          </a:lstStyle>
+          <a:p>
+            <a:fld id="{73D4391C-B8C0-B24A-A837-316267417444}" type="slidenum">
+              <a:rPr lang="ru-RU" smtClean="0">
+                <a:solidFill>
+                  <a:schemeClr val="bg1"/>
+                </a:solidFill>
+              </a:rPr>
+              <a:pPr/>
+              <a:t>5</a:t>
+            </a:fld>
+            <a:endParaRPr lang="ru-RU" dirty="0">
+              <a:solidFill>
+                <a:schemeClr val="bg1"/>
+              </a:solidFill>
+            </a:endParaRPr>
+          </a:p>
+        </p:txBody>
+      </p:sp>
+      <p:pic>
+        <p:nvPicPr>
+          <p:cNvPr id="6" name="Рисунок 5">
+            <a:extLst>
+              <a:ext uri="{FF2B5EF4-FFF2-40B4-BE49-F238E27FC236}">
+                <a16:creationId xmlns:a16="http://schemas.microsoft.com/office/drawing/2014/main" id="{D7670E03-D7A6-C083-94BC-7A5A3EBAAD34}"/>
+              </a:ext>
+            </a:extLst>
+          </p:cNvPr>
+          <p:cNvPicPr>
+            <a:picLocks noChangeAspect="1"/>
+          </p:cNvPicPr>
+          <p:nvPr/>
+        </p:nvPicPr>
+        <p:blipFill>
+          <a:blip r:embed="rId3" cstate="print">
+            <a:extLst>
+              <a:ext uri="{28A0092B-C50C-407E-A947-70E740481C1C}">
+                <a14:useLocalDpi xmlns:a14="http://schemas.microsoft.com/office/drawing/2010/main" val="0"/>
+              </a:ext>
+              <a:ext uri="{96DAC541-7B7A-43D3-8B79-37D633B846F1}">
+                <asvg:svgBlip xmlns:asvg="http://schemas.microsoft.com/office/drawing/2016/SVG/main" r:embed="rId4"/>
+              </a:ext>
+            </a:extLst>
+          </a:blip>
+          <a:stretch>
+            <a:fillRect/>
+          </a:stretch>
+        </p:blipFill>
+        <p:spPr>
+          <a:xfrm>
+            <a:off x="9099532" y="-197635"/>
+            <a:ext cx="2166695" cy="1666688"/>
+          </a:xfrm>
+          <a:prstGeom prst="rect">
+            <a:avLst/>
+          </a:prstGeom>
+        </p:spPr>
+      </p:pic>
+      <p:sp>
+        <p:nvSpPr>
+          <p:cNvPr id="7" name="TextBox 6">
+            <a:extLst>
+              <a:ext uri="{FF2B5EF4-FFF2-40B4-BE49-F238E27FC236}">
+                <a16:creationId xmlns:a16="http://schemas.microsoft.com/office/drawing/2014/main" id="{449F172F-00B8-1D07-46FA-CD2FD6F8EE31}"/>
+              </a:ext>
+            </a:extLst>
+          </p:cNvPr>
+          <p:cNvSpPr txBox="1"/>
+          <p:nvPr/>
+        </p:nvSpPr>
+        <p:spPr>
+          <a:xfrm>
+            <a:off x="10599762" y="266377"/>
+            <a:ext cx="2083558" cy="738664"/>
+          </a:xfrm>
+          <a:prstGeom prst="rect">
+            <a:avLst/>
+          </a:prstGeom>
+          <a:noFill/>
+        </p:spPr>
+        <p:txBody>
+          <a:bodyPr wrap="square" rtlCol="0">
+            <a:spAutoFit/>
+          </a:bodyPr>
+          <a:lstStyle/>
+          <a:p>
+            <a:r>
+              <a:rPr lang="ru-RU" sz="1050" dirty="0">
+                <a:solidFill>
+                  <a:schemeClr val="bg1">
+                    <a:lumMod val="75000"/>
+                  </a:schemeClr>
+                </a:solidFill>
+                <a:latin typeface="Arial" panose="020B0604020202020204" pitchFamily="34" charset="0"/>
+                <a:cs typeface="Arial" panose="020B0604020202020204" pitchFamily="34" charset="0"/>
+              </a:rPr>
+              <a:t>Томский</a:t>
+            </a:r>
+          </a:p>
+          <a:p>
+            <a:r>
+              <a:rPr lang="ru-RU" sz="1050" dirty="0">
+                <a:solidFill>
+                  <a:schemeClr val="bg1">
+                    <a:lumMod val="75000"/>
+                  </a:schemeClr>
+                </a:solidFill>
+                <a:latin typeface="Arial" panose="020B0604020202020204" pitchFamily="34" charset="0"/>
+                <a:cs typeface="Arial" panose="020B0604020202020204" pitchFamily="34" charset="0"/>
+              </a:rPr>
+              <a:t>Государственный университет</a:t>
+            </a:r>
+          </a:p>
+          <a:p>
+            <a:r>
+              <a:rPr lang="ru-RU" sz="1050" dirty="0">
+                <a:solidFill>
+                  <a:schemeClr val="bg1">
+                    <a:lumMod val="75000"/>
+                  </a:schemeClr>
+                </a:solidFill>
+                <a:latin typeface="Arial" panose="020B0604020202020204" pitchFamily="34" charset="0"/>
+                <a:cs typeface="Arial" panose="020B0604020202020204" pitchFamily="34" charset="0"/>
+              </a:rPr>
+              <a:t>Высшая </a:t>
+            </a:r>
+            <a:r>
+              <a:rPr lang="en-US" sz="1050" dirty="0">
+                <a:solidFill>
+                  <a:schemeClr val="bg1">
+                    <a:lumMod val="75000"/>
+                  </a:schemeClr>
+                </a:solidFill>
+                <a:latin typeface="Arial" panose="020B0604020202020204" pitchFamily="34" charset="0"/>
+                <a:cs typeface="Arial" panose="020B0604020202020204" pitchFamily="34" charset="0"/>
+              </a:rPr>
+              <a:t>IT </a:t>
+            </a:r>
+            <a:r>
+              <a:rPr lang="ru-RU" sz="1050" dirty="0">
+                <a:solidFill>
+                  <a:schemeClr val="bg1">
+                    <a:lumMod val="75000"/>
+                  </a:schemeClr>
+                </a:solidFill>
+                <a:latin typeface="Arial" panose="020B0604020202020204" pitchFamily="34" charset="0"/>
+                <a:cs typeface="Arial" panose="020B0604020202020204" pitchFamily="34" charset="0"/>
+              </a:rPr>
+              <a:t>Школа</a:t>
+            </a:r>
+          </a:p>
+        </p:txBody>
+      </p:sp>
+      <p:sp>
+        <p:nvSpPr>
+          <p:cNvPr id="4" name="Объект 3">
+            <a:extLst>
+              <a:ext uri="{FF2B5EF4-FFF2-40B4-BE49-F238E27FC236}">
+                <a16:creationId xmlns:a16="http://schemas.microsoft.com/office/drawing/2014/main" id="{9104F47B-783F-0027-52FF-19023C40CD77}"/>
+              </a:ext>
+            </a:extLst>
+          </p:cNvPr>
+          <p:cNvSpPr>
+            <a:spLocks noGrp="1"/>
+          </p:cNvSpPr>
+          <p:nvPr>
+            <p:ph idx="1"/>
+          </p:nvPr>
+        </p:nvSpPr>
+        <p:spPr>
+          <a:xfrm>
+            <a:off x="838200" y="1933065"/>
+            <a:ext cx="10515600" cy="4243898"/>
+          </a:xfrm>
+        </p:spPr>
+        <p:txBody>
+          <a:bodyPr/>
+          <a:lstStyle/>
+          <a:p>
+            <a:pPr marL="0" indent="0">
+              <a:buNone/>
+            </a:pPr>
+            <a:r>
+              <a:rPr lang="ru-RU" dirty="0"/>
+              <a:t>Описание, как он мог бы работать</a:t>
+            </a:r>
+          </a:p>
+          <a:p>
+            <a:pPr marL="0" indent="0">
+              <a:buNone/>
+            </a:pPr>
+            <a:r>
+              <a:rPr lang="ru-RU" dirty="0"/>
+              <a:t>Варианты:</a:t>
+            </a:r>
+          </a:p>
+          <a:p>
+            <a:pPr marL="0" indent="0">
+              <a:buNone/>
+            </a:pPr>
+            <a:r>
+              <a:rPr lang="ru-RU" dirty="0"/>
+              <a:t>-</a:t>
+            </a:r>
+          </a:p>
+          <a:p>
+            <a:pPr marL="0" indent="0">
+              <a:buNone/>
+            </a:pPr>
+            <a:r>
+              <a:rPr lang="ru-RU" dirty="0"/>
+              <a:t>-</a:t>
+            </a:r>
+          </a:p>
+          <a:p>
+            <a:pPr marL="0" indent="0">
+              <a:buNone/>
+            </a:pPr>
+            <a:r>
+              <a:rPr lang="ru-RU" dirty="0"/>
+              <a:t>-</a:t>
+            </a:r>
+          </a:p>
+          <a:p>
+            <a:pPr marL="0" indent="0">
+              <a:buNone/>
+            </a:pPr>
+            <a:endParaRPr lang="ru-RU" dirty="0"/>
+          </a:p>
+        </p:txBody>
+      </p:sp>
+    </p:spTree>
+    <p:extLst>
+      <p:ext uri="{BB962C8B-B14F-4D97-AF65-F5344CB8AC3E}">
+        <p14:creationId xmlns:p14="http://schemas.microsoft.com/office/powerpoint/2010/main" val="2556087130"/>
+      </p:ext>
+    </p:extLst>
+  </p:cSld>
+  <p:clrMapOvr>
+    <a:masterClrMapping/>
+  </p:clrMapOvr>
+</p:sld>
+</file>
+
+<file path=ppt/slides/slide6.xml><?xml version="1.0" encoding="utf-8"?>
+<p:sld xmlns:a="http://schemas.openxmlformats.org/drawingml/2006/main" xmlns:r="http://schemas.openxmlformats.org/officeDocument/2006/relationships" xmlns:p="http://schemas.openxmlformats.org/presentationml/2006/main">
+  <p:cSld>
+    <p:spTree>
+      <p:nvGrpSpPr>
+        <p:cNvPr id="1" name="">
+          <a:extLst>
+            <a:ext uri="{FF2B5EF4-FFF2-40B4-BE49-F238E27FC236}">
+              <a16:creationId xmlns:a16="http://schemas.microsoft.com/office/drawing/2014/main" id="{C2932E2D-06DD-07C2-3CC6-39F7225D5980}"/>
+            </a:ext>
+          </a:extLst>
+        </p:cNvPr>
+        <p:cNvGrpSpPr/>
+        <p:nvPr/>
+      </p:nvGrpSpPr>
+      <p:grpSpPr>
+        <a:xfrm>
+          <a:off x="0" y="0"/>
+          <a:ext cx="0" cy="0"/>
+          <a:chOff x="0" y="0"/>
+          <a:chExt cx="0" cy="0"/>
+        </a:xfrm>
+      </p:grpSpPr>
+      <p:sp>
+        <p:nvSpPr>
+          <p:cNvPr id="3" name="Прямоугольник 2">
+            <a:extLst>
+              <a:ext uri="{FF2B5EF4-FFF2-40B4-BE49-F238E27FC236}">
+                <a16:creationId xmlns:a16="http://schemas.microsoft.com/office/drawing/2014/main" id="{D0C911E3-F637-5221-1A97-B72760CA1BC5}"/>
+              </a:ext>
+            </a:extLst>
+          </p:cNvPr>
+          <p:cNvSpPr/>
+          <p:nvPr/>
+        </p:nvSpPr>
+        <p:spPr>
+          <a:xfrm>
+            <a:off x="0" y="266377"/>
+            <a:ext cx="903595" cy="364195"/>
+          </a:xfrm>
+          <a:prstGeom prst="rect">
+            <a:avLst/>
+          </a:prstGeom>
+          <a:ln>
+            <a:noFill/>
+          </a:ln>
+        </p:spPr>
+        <p:style>
+          <a:lnRef idx="2">
+            <a:schemeClr val="accent1">
+              <a:shade val="50000"/>
+            </a:schemeClr>
+          </a:lnRef>
+          <a:fillRef idx="1">
+            <a:schemeClr val="accent1"/>
+          </a:fillRef>
+          <a:effectRef idx="0">
+            <a:schemeClr val="accent1"/>
+          </a:effectRef>
+          <a:fontRef idx="minor">
+            <a:schemeClr val="lt1"/>
+          </a:fontRef>
+        </p:style>
+        <p:txBody>
+          <a:bodyPr rtlCol="0" anchor="ctr"/>
+          <a:lstStyle/>
+          <a:p>
+            <a:pPr algn="ctr"/>
+            <a:endParaRPr lang="ru-RU"/>
+          </a:p>
+        </p:txBody>
+      </p:sp>
+      <p:sp>
+        <p:nvSpPr>
+          <p:cNvPr id="8" name="Title 7">
+            <a:extLst>
+              <a:ext uri="{FF2B5EF4-FFF2-40B4-BE49-F238E27FC236}">
+                <a16:creationId xmlns:a16="http://schemas.microsoft.com/office/drawing/2014/main" id="{6A389597-CB5B-238D-398E-BC250DAC3E83}"/>
+              </a:ext>
+            </a:extLst>
+          </p:cNvPr>
+          <p:cNvSpPr>
+            <a:spLocks noGrp="1"/>
+          </p:cNvSpPr>
+          <p:nvPr>
+            <p:ph type="title"/>
+          </p:nvPr>
+        </p:nvSpPr>
+        <p:spPr>
+          <a:xfrm>
+            <a:off x="838200" y="630572"/>
+            <a:ext cx="10515600" cy="1325563"/>
+          </a:xfrm>
+        </p:spPr>
+        <p:txBody>
+          <a:bodyPr/>
+          <a:lstStyle/>
+          <a:p>
+            <a:r>
+              <a:rPr lang="ru-RU" dirty="0"/>
+              <a:t>Механизм определения адреса </a:t>
+            </a:r>
+          </a:p>
+        </p:txBody>
+      </p:sp>
+      <p:sp>
+        <p:nvSpPr>
+          <p:cNvPr id="2" name="Slide Number Placeholder 1">
+            <a:extLst>
+              <a:ext uri="{FF2B5EF4-FFF2-40B4-BE49-F238E27FC236}">
+                <a16:creationId xmlns:a16="http://schemas.microsoft.com/office/drawing/2014/main" id="{E30C2773-568A-89CA-CA27-3591EB7BC8B9}"/>
+              </a:ext>
+            </a:extLst>
+          </p:cNvPr>
+          <p:cNvSpPr txBox="1">
+            <a:spLocks/>
+          </p:cNvSpPr>
+          <p:nvPr/>
+        </p:nvSpPr>
+        <p:spPr>
+          <a:xfrm>
+            <a:off x="165463" y="266377"/>
+            <a:ext cx="738132" cy="364195"/>
+          </a:xfrm>
+          <a:prstGeom prst="rect">
+            <a:avLst/>
+          </a:prstGeom>
+        </p:spPr>
+        <p:txBody>
+          <a:bodyPr vert="horz" lIns="91440" tIns="45720" rIns="91440" bIns="45720" rtlCol="0" anchor="ctr"/>
+          <a:lstStyle>
+            <a:defPPr>
+              <a:defRPr lang="ru-RU"/>
+            </a:defPPr>
+            <a:lvl1pPr marL="0" algn="r" defTabSz="914400" rtl="0" eaLnBrk="1" latinLnBrk="0" hangingPunct="1">
+              <a:defRPr sz="1200" kern="1200">
+                <a:solidFill>
+                  <a:schemeClr val="tx1">
+                    <a:tint val="75000"/>
+                  </a:schemeClr>
+                </a:solidFill>
+                <a:latin typeface="+mn-lt"/>
+                <a:ea typeface="+mn-ea"/>
+                <a:cs typeface="+mn-cs"/>
+              </a:defRPr>
+            </a:lvl1pPr>
+            <a:lvl2pPr marL="457200" algn="l" defTabSz="914400" rtl="0" eaLnBrk="1" latinLnBrk="0" hangingPunct="1">
+              <a:defRPr sz="1800" kern="1200">
+                <a:solidFill>
+                  <a:schemeClr val="tx1"/>
+                </a:solidFill>
+                <a:latin typeface="+mn-lt"/>
+                <a:ea typeface="+mn-ea"/>
+                <a:cs typeface="+mn-cs"/>
+              </a:defRPr>
+            </a:lvl2pPr>
+            <a:lvl3pPr marL="914400" algn="l" defTabSz="914400" rtl="0" eaLnBrk="1" latinLnBrk="0" hangingPunct="1">
+              <a:defRPr sz="1800" kern="1200">
+                <a:solidFill>
+                  <a:schemeClr val="tx1"/>
+                </a:solidFill>
+                <a:latin typeface="+mn-lt"/>
+                <a:ea typeface="+mn-ea"/>
+                <a:cs typeface="+mn-cs"/>
+              </a:defRPr>
+            </a:lvl3pPr>
+            <a:lvl4pPr marL="1371600" algn="l" defTabSz="914400" rtl="0" eaLnBrk="1" latinLnBrk="0" hangingPunct="1">
+              <a:defRPr sz="1800" kern="1200">
+                <a:solidFill>
+                  <a:schemeClr val="tx1"/>
+                </a:solidFill>
+                <a:latin typeface="+mn-lt"/>
+                <a:ea typeface="+mn-ea"/>
+                <a:cs typeface="+mn-cs"/>
+              </a:defRPr>
+            </a:lvl4pPr>
+            <a:lvl5pPr marL="1828800" algn="l" defTabSz="914400" rtl="0" eaLnBrk="1" latinLnBrk="0" hangingPunct="1">
+              <a:defRPr sz="1800" kern="1200">
+                <a:solidFill>
+                  <a:schemeClr val="tx1"/>
+                </a:solidFill>
+                <a:latin typeface="+mn-lt"/>
+                <a:ea typeface="+mn-ea"/>
+                <a:cs typeface="+mn-cs"/>
+              </a:defRPr>
+            </a:lvl5pPr>
+            <a:lvl6pPr marL="2286000" algn="l" defTabSz="914400" rtl="0" eaLnBrk="1" latinLnBrk="0" hangingPunct="1">
+              <a:defRPr sz="1800" kern="1200">
+                <a:solidFill>
+                  <a:schemeClr val="tx1"/>
+                </a:solidFill>
+                <a:latin typeface="+mn-lt"/>
+                <a:ea typeface="+mn-ea"/>
+                <a:cs typeface="+mn-cs"/>
+              </a:defRPr>
+            </a:lvl6pPr>
+            <a:lvl7pPr marL="2743200" algn="l" defTabSz="914400" rtl="0" eaLnBrk="1" latinLnBrk="0" hangingPunct="1">
+              <a:defRPr sz="1800" kern="1200">
+                <a:solidFill>
+                  <a:schemeClr val="tx1"/>
+                </a:solidFill>
+                <a:latin typeface="+mn-lt"/>
+                <a:ea typeface="+mn-ea"/>
+                <a:cs typeface="+mn-cs"/>
+              </a:defRPr>
+            </a:lvl7pPr>
+            <a:lvl8pPr marL="3200400" algn="l" defTabSz="914400" rtl="0" eaLnBrk="1" latinLnBrk="0" hangingPunct="1">
+              <a:defRPr sz="1800" kern="1200">
+                <a:solidFill>
+                  <a:schemeClr val="tx1"/>
+                </a:solidFill>
+                <a:latin typeface="+mn-lt"/>
+                <a:ea typeface="+mn-ea"/>
+                <a:cs typeface="+mn-cs"/>
+              </a:defRPr>
+            </a:lvl8pPr>
+            <a:lvl9pPr marL="3657600" algn="l" defTabSz="914400" rtl="0" eaLnBrk="1" latinLnBrk="0" hangingPunct="1">
+              <a:defRPr sz="1800" kern="1200">
+                <a:solidFill>
+                  <a:schemeClr val="tx1"/>
+                </a:solidFill>
+                <a:latin typeface="+mn-lt"/>
+                <a:ea typeface="+mn-ea"/>
+                <a:cs typeface="+mn-cs"/>
+              </a:defRPr>
+            </a:lvl9pPr>
+          </a:lstStyle>
+          <a:p>
+            <a:fld id="{73D4391C-B8C0-B24A-A837-316267417444}" type="slidenum">
+              <a:rPr lang="ru-RU" smtClean="0">
+                <a:solidFill>
+                  <a:schemeClr val="bg1"/>
+                </a:solidFill>
+              </a:rPr>
+              <a:pPr/>
+              <a:t>6</a:t>
+            </a:fld>
+            <a:endParaRPr lang="ru-RU" dirty="0">
+              <a:solidFill>
+                <a:schemeClr val="bg1"/>
+              </a:solidFill>
+            </a:endParaRPr>
+          </a:p>
+        </p:txBody>
+      </p:sp>
+      <p:pic>
+        <p:nvPicPr>
+          <p:cNvPr id="6" name="Рисунок 5">
+            <a:extLst>
+              <a:ext uri="{FF2B5EF4-FFF2-40B4-BE49-F238E27FC236}">
+                <a16:creationId xmlns:a16="http://schemas.microsoft.com/office/drawing/2014/main" id="{55F04357-07C1-064F-00AF-9CA50D9C5D86}"/>
+              </a:ext>
+            </a:extLst>
+          </p:cNvPr>
+          <p:cNvPicPr>
+            <a:picLocks noChangeAspect="1"/>
+          </p:cNvPicPr>
+          <p:nvPr/>
+        </p:nvPicPr>
+        <p:blipFill>
+          <a:blip r:embed="rId3" cstate="print">
+            <a:extLst>
+              <a:ext uri="{28A0092B-C50C-407E-A947-70E740481C1C}">
+                <a14:useLocalDpi xmlns:a14="http://schemas.microsoft.com/office/drawing/2010/main" val="0"/>
+              </a:ext>
+              <a:ext uri="{96DAC541-7B7A-43D3-8B79-37D633B846F1}">
+                <asvg:svgBlip xmlns:asvg="http://schemas.microsoft.com/office/drawing/2016/SVG/main" r:embed="rId4"/>
+              </a:ext>
+            </a:extLst>
+          </a:blip>
+          <a:stretch>
+            <a:fillRect/>
+          </a:stretch>
+        </p:blipFill>
+        <p:spPr>
+          <a:xfrm>
+            <a:off x="9099532" y="-197635"/>
+            <a:ext cx="2166695" cy="1666688"/>
+          </a:xfrm>
+          <a:prstGeom prst="rect">
+            <a:avLst/>
+          </a:prstGeom>
+        </p:spPr>
+      </p:pic>
+      <p:sp>
+        <p:nvSpPr>
+          <p:cNvPr id="7" name="TextBox 6">
+            <a:extLst>
+              <a:ext uri="{FF2B5EF4-FFF2-40B4-BE49-F238E27FC236}">
+                <a16:creationId xmlns:a16="http://schemas.microsoft.com/office/drawing/2014/main" id="{E688FF45-CDEB-2A12-068D-A74CF2FCB54C}"/>
+              </a:ext>
+            </a:extLst>
+          </p:cNvPr>
+          <p:cNvSpPr txBox="1"/>
+          <p:nvPr/>
+        </p:nvSpPr>
+        <p:spPr>
+          <a:xfrm>
+            <a:off x="10599762" y="266377"/>
+            <a:ext cx="2083558" cy="738664"/>
+          </a:xfrm>
+          <a:prstGeom prst="rect">
+            <a:avLst/>
+          </a:prstGeom>
+          <a:noFill/>
+        </p:spPr>
+        <p:txBody>
+          <a:bodyPr wrap="square" rtlCol="0">
+            <a:spAutoFit/>
+          </a:bodyPr>
+          <a:lstStyle/>
+          <a:p>
+            <a:r>
+              <a:rPr lang="ru-RU" sz="1050" dirty="0">
+                <a:solidFill>
+                  <a:schemeClr val="bg1">
+                    <a:lumMod val="75000"/>
+                  </a:schemeClr>
+                </a:solidFill>
+                <a:latin typeface="Arial" panose="020B0604020202020204" pitchFamily="34" charset="0"/>
+                <a:cs typeface="Arial" panose="020B0604020202020204" pitchFamily="34" charset="0"/>
+              </a:rPr>
+              <a:t>Томский</a:t>
+            </a:r>
+          </a:p>
+          <a:p>
+            <a:r>
+              <a:rPr lang="ru-RU" sz="1050" dirty="0">
+                <a:solidFill>
+                  <a:schemeClr val="bg1">
+                    <a:lumMod val="75000"/>
+                  </a:schemeClr>
+                </a:solidFill>
+                <a:latin typeface="Arial" panose="020B0604020202020204" pitchFamily="34" charset="0"/>
+                <a:cs typeface="Arial" panose="020B0604020202020204" pitchFamily="34" charset="0"/>
+              </a:rPr>
+              <a:t>Государственный университет</a:t>
+            </a:r>
+          </a:p>
+          <a:p>
+            <a:r>
+              <a:rPr lang="ru-RU" sz="1050" dirty="0">
+                <a:solidFill>
+                  <a:schemeClr val="bg1">
+                    <a:lumMod val="75000"/>
+                  </a:schemeClr>
+                </a:solidFill>
+                <a:latin typeface="Arial" panose="020B0604020202020204" pitchFamily="34" charset="0"/>
+                <a:cs typeface="Arial" panose="020B0604020202020204" pitchFamily="34" charset="0"/>
+              </a:rPr>
+              <a:t>Высшая </a:t>
+            </a:r>
+            <a:r>
+              <a:rPr lang="en-US" sz="1050" dirty="0">
+                <a:solidFill>
+                  <a:schemeClr val="bg1">
+                    <a:lumMod val="75000"/>
+                  </a:schemeClr>
+                </a:solidFill>
+                <a:latin typeface="Arial" panose="020B0604020202020204" pitchFamily="34" charset="0"/>
+                <a:cs typeface="Arial" panose="020B0604020202020204" pitchFamily="34" charset="0"/>
+              </a:rPr>
+              <a:t>IT </a:t>
+            </a:r>
+            <a:r>
+              <a:rPr lang="ru-RU" sz="1050" dirty="0">
+                <a:solidFill>
+                  <a:schemeClr val="bg1">
+                    <a:lumMod val="75000"/>
+                  </a:schemeClr>
+                </a:solidFill>
+                <a:latin typeface="Arial" panose="020B0604020202020204" pitchFamily="34" charset="0"/>
+                <a:cs typeface="Arial" panose="020B0604020202020204" pitchFamily="34" charset="0"/>
+              </a:rPr>
+              <a:t>Школа</a:t>
+            </a:r>
+          </a:p>
+        </p:txBody>
+      </p:sp>
+      <p:sp>
+        <p:nvSpPr>
+          <p:cNvPr id="4" name="Объект 3">
+            <a:extLst>
+              <a:ext uri="{FF2B5EF4-FFF2-40B4-BE49-F238E27FC236}">
+                <a16:creationId xmlns:a16="http://schemas.microsoft.com/office/drawing/2014/main" id="{870D62DA-EBA6-9A1C-E59C-10B8B817307F}"/>
+              </a:ext>
+            </a:extLst>
+          </p:cNvPr>
+          <p:cNvSpPr>
+            <a:spLocks noGrp="1"/>
+          </p:cNvSpPr>
+          <p:nvPr>
+            <p:ph idx="1"/>
+          </p:nvPr>
+        </p:nvSpPr>
+        <p:spPr>
+          <a:xfrm>
+            <a:off x="838200" y="1933065"/>
+            <a:ext cx="10515600" cy="4243898"/>
+          </a:xfrm>
+        </p:spPr>
+        <p:txBody>
+          <a:bodyPr/>
+          <a:lstStyle/>
+          <a:p>
+            <a:pPr marL="0" indent="0">
+              <a:buNone/>
+            </a:pPr>
+            <a:r>
+              <a:rPr lang="ru-RU" dirty="0"/>
+              <a:t>Описание, как он работает  </a:t>
+            </a:r>
+          </a:p>
+          <a:p>
+            <a:pPr marL="0" indent="0">
+              <a:buNone/>
+            </a:pPr>
+            <a:endParaRPr lang="ru-RU" dirty="0"/>
+          </a:p>
+        </p:txBody>
+      </p:sp>
+    </p:spTree>
+    <p:extLst>
+      <p:ext uri="{BB962C8B-B14F-4D97-AF65-F5344CB8AC3E}">
+        <p14:creationId xmlns:p14="http://schemas.microsoft.com/office/powerpoint/2010/main" val="243272341"/>
+      </p:ext>
+    </p:extLst>
+  </p:cSld>
+  <p:clrMapOvr>
+    <a:masterClrMapping/>
+  </p:clrMapOvr>
+</p:sld>
+</file>
+
+<file path=ppt/slides/slide7.xml><?xml version="1.0" encoding="utf-8"?>
+<p:sld xmlns:a="http://schemas.openxmlformats.org/drawingml/2006/main" xmlns:r="http://schemas.openxmlformats.org/officeDocument/2006/relationships" xmlns:p="http://schemas.openxmlformats.org/presentationml/2006/main">
+  <p:cSld>
+    <p:spTree>
+      <p:nvGrpSpPr>
+        <p:cNvPr id="1" name="">
+          <a:extLst>
+            <a:ext uri="{FF2B5EF4-FFF2-40B4-BE49-F238E27FC236}">
+              <a16:creationId xmlns:a16="http://schemas.microsoft.com/office/drawing/2014/main" id="{2B95ADA9-D43C-BF65-FD09-16D43E9034D3}"/>
+            </a:ext>
+          </a:extLst>
+        </p:cNvPr>
+        <p:cNvGrpSpPr/>
+        <p:nvPr/>
+      </p:nvGrpSpPr>
+      <p:grpSpPr>
+        <a:xfrm>
+          <a:off x="0" y="0"/>
+          <a:ext cx="0" cy="0"/>
+          <a:chOff x="0" y="0"/>
+          <a:chExt cx="0" cy="0"/>
+        </a:xfrm>
+      </p:grpSpPr>
+      <p:sp>
+        <p:nvSpPr>
+          <p:cNvPr id="3" name="Прямоугольник 2">
+            <a:extLst>
+              <a:ext uri="{FF2B5EF4-FFF2-40B4-BE49-F238E27FC236}">
+                <a16:creationId xmlns:a16="http://schemas.microsoft.com/office/drawing/2014/main" id="{A688D2E7-B787-3F26-FF31-828C293E4C25}"/>
+              </a:ext>
+            </a:extLst>
+          </p:cNvPr>
+          <p:cNvSpPr/>
+          <p:nvPr/>
+        </p:nvSpPr>
+        <p:spPr>
+          <a:xfrm>
+            <a:off x="0" y="266377"/>
+            <a:ext cx="903595" cy="364195"/>
+          </a:xfrm>
+          <a:prstGeom prst="rect">
+            <a:avLst/>
+          </a:prstGeom>
+          <a:ln>
+            <a:noFill/>
+          </a:ln>
+        </p:spPr>
+        <p:style>
+          <a:lnRef idx="2">
+            <a:schemeClr val="accent1">
+              <a:shade val="50000"/>
+            </a:schemeClr>
+          </a:lnRef>
+          <a:fillRef idx="1">
+            <a:schemeClr val="accent1"/>
+          </a:fillRef>
+          <a:effectRef idx="0">
+            <a:schemeClr val="accent1"/>
+          </a:effectRef>
+          <a:fontRef idx="minor">
+            <a:schemeClr val="lt1"/>
+          </a:fontRef>
+        </p:style>
+        <p:txBody>
+          <a:bodyPr rtlCol="0" anchor="ctr"/>
+          <a:lstStyle/>
+          <a:p>
+            <a:pPr algn="ctr"/>
+            <a:endParaRPr lang="ru-RU"/>
+          </a:p>
+        </p:txBody>
+      </p:sp>
+      <p:sp>
+        <p:nvSpPr>
+          <p:cNvPr id="8" name="Title 7">
+            <a:extLst>
+              <a:ext uri="{FF2B5EF4-FFF2-40B4-BE49-F238E27FC236}">
+                <a16:creationId xmlns:a16="http://schemas.microsoft.com/office/drawing/2014/main" id="{B69513F4-7FD1-E181-BC56-0D38C62CB046}"/>
+              </a:ext>
+            </a:extLst>
+          </p:cNvPr>
+          <p:cNvSpPr>
+            <a:spLocks noGrp="1"/>
+          </p:cNvSpPr>
+          <p:nvPr>
+            <p:ph type="title"/>
+          </p:nvPr>
+        </p:nvSpPr>
+        <p:spPr>
+          <a:xfrm>
+            <a:off x="838200" y="630572"/>
+            <a:ext cx="10515600" cy="1325563"/>
+          </a:xfrm>
+        </p:spPr>
+        <p:txBody>
+          <a:bodyPr/>
+          <a:lstStyle/>
+          <a:p>
+            <a:r>
+              <a:rPr lang="ru-RU" dirty="0"/>
+              <a:t>Механизм создания топика в </a:t>
+            </a:r>
+            <a:r>
+              <a:rPr lang="en-US" dirty="0"/>
+              <a:t>Kafka</a:t>
+            </a:r>
+            <a:endParaRPr lang="ru-RU" dirty="0"/>
+          </a:p>
+        </p:txBody>
+      </p:sp>
+      <p:sp>
+        <p:nvSpPr>
+          <p:cNvPr id="2" name="Slide Number Placeholder 1">
+            <a:extLst>
+              <a:ext uri="{FF2B5EF4-FFF2-40B4-BE49-F238E27FC236}">
+                <a16:creationId xmlns:a16="http://schemas.microsoft.com/office/drawing/2014/main" id="{6582B648-EF06-725A-EC95-4A7060F0E720}"/>
+              </a:ext>
+            </a:extLst>
+          </p:cNvPr>
+          <p:cNvSpPr txBox="1">
+            <a:spLocks/>
+          </p:cNvSpPr>
+          <p:nvPr/>
+        </p:nvSpPr>
+        <p:spPr>
+          <a:xfrm>
+            <a:off x="165463" y="266377"/>
+            <a:ext cx="738132" cy="364195"/>
+          </a:xfrm>
+          <a:prstGeom prst="rect">
+            <a:avLst/>
+          </a:prstGeom>
+        </p:spPr>
+        <p:txBody>
+          <a:bodyPr vert="horz" lIns="91440" tIns="45720" rIns="91440" bIns="45720" rtlCol="0" anchor="ctr"/>
+          <a:lstStyle>
+            <a:defPPr>
+              <a:defRPr lang="ru-RU"/>
+            </a:defPPr>
+            <a:lvl1pPr marL="0" algn="r" defTabSz="914400" rtl="0" eaLnBrk="1" latinLnBrk="0" hangingPunct="1">
+              <a:defRPr sz="1200" kern="1200">
+                <a:solidFill>
+                  <a:schemeClr val="tx1">
+                    <a:tint val="75000"/>
+                  </a:schemeClr>
+                </a:solidFill>
+                <a:latin typeface="+mn-lt"/>
+                <a:ea typeface="+mn-ea"/>
+                <a:cs typeface="+mn-cs"/>
+              </a:defRPr>
+            </a:lvl1pPr>
+            <a:lvl2pPr marL="457200" algn="l" defTabSz="914400" rtl="0" eaLnBrk="1" latinLnBrk="0" hangingPunct="1">
+              <a:defRPr sz="1800" kern="1200">
+                <a:solidFill>
+                  <a:schemeClr val="tx1"/>
+                </a:solidFill>
+                <a:latin typeface="+mn-lt"/>
+                <a:ea typeface="+mn-ea"/>
+                <a:cs typeface="+mn-cs"/>
+              </a:defRPr>
+            </a:lvl2pPr>
+            <a:lvl3pPr marL="914400" algn="l" defTabSz="914400" rtl="0" eaLnBrk="1" latinLnBrk="0" hangingPunct="1">
+              <a:defRPr sz="1800" kern="1200">
+                <a:solidFill>
+                  <a:schemeClr val="tx1"/>
+                </a:solidFill>
+                <a:latin typeface="+mn-lt"/>
+                <a:ea typeface="+mn-ea"/>
+                <a:cs typeface="+mn-cs"/>
+              </a:defRPr>
+            </a:lvl3pPr>
+            <a:lvl4pPr marL="1371600" algn="l" defTabSz="914400" rtl="0" eaLnBrk="1" latinLnBrk="0" hangingPunct="1">
+              <a:defRPr sz="1800" kern="1200">
+                <a:solidFill>
+                  <a:schemeClr val="tx1"/>
+                </a:solidFill>
+                <a:latin typeface="+mn-lt"/>
+                <a:ea typeface="+mn-ea"/>
+                <a:cs typeface="+mn-cs"/>
+              </a:defRPr>
+            </a:lvl4pPr>
+            <a:lvl5pPr marL="1828800" algn="l" defTabSz="914400" rtl="0" eaLnBrk="1" latinLnBrk="0" hangingPunct="1">
+              <a:defRPr sz="1800" kern="1200">
+                <a:solidFill>
+                  <a:schemeClr val="tx1"/>
+                </a:solidFill>
+                <a:latin typeface="+mn-lt"/>
+                <a:ea typeface="+mn-ea"/>
+                <a:cs typeface="+mn-cs"/>
+              </a:defRPr>
+            </a:lvl5pPr>
+            <a:lvl6pPr marL="2286000" algn="l" defTabSz="914400" rtl="0" eaLnBrk="1" latinLnBrk="0" hangingPunct="1">
+              <a:defRPr sz="1800" kern="1200">
+                <a:solidFill>
+                  <a:schemeClr val="tx1"/>
+                </a:solidFill>
+                <a:latin typeface="+mn-lt"/>
+                <a:ea typeface="+mn-ea"/>
+                <a:cs typeface="+mn-cs"/>
+              </a:defRPr>
+            </a:lvl6pPr>
+            <a:lvl7pPr marL="2743200" algn="l" defTabSz="914400" rtl="0" eaLnBrk="1" latinLnBrk="0" hangingPunct="1">
+              <a:defRPr sz="1800" kern="1200">
+                <a:solidFill>
+                  <a:schemeClr val="tx1"/>
+                </a:solidFill>
+                <a:latin typeface="+mn-lt"/>
+                <a:ea typeface="+mn-ea"/>
+                <a:cs typeface="+mn-cs"/>
+              </a:defRPr>
+            </a:lvl7pPr>
+            <a:lvl8pPr marL="3200400" algn="l" defTabSz="914400" rtl="0" eaLnBrk="1" latinLnBrk="0" hangingPunct="1">
+              <a:defRPr sz="1800" kern="1200">
+                <a:solidFill>
+                  <a:schemeClr val="tx1"/>
+                </a:solidFill>
+                <a:latin typeface="+mn-lt"/>
+                <a:ea typeface="+mn-ea"/>
+                <a:cs typeface="+mn-cs"/>
+              </a:defRPr>
+            </a:lvl8pPr>
+            <a:lvl9pPr marL="3657600" algn="l" defTabSz="914400" rtl="0" eaLnBrk="1" latinLnBrk="0" hangingPunct="1">
+              <a:defRPr sz="1800" kern="1200">
+                <a:solidFill>
+                  <a:schemeClr val="tx1"/>
+                </a:solidFill>
+                <a:latin typeface="+mn-lt"/>
+                <a:ea typeface="+mn-ea"/>
+                <a:cs typeface="+mn-cs"/>
+              </a:defRPr>
+            </a:lvl9pPr>
+          </a:lstStyle>
+          <a:p>
+            <a:fld id="{73D4391C-B8C0-B24A-A837-316267417444}" type="slidenum">
+              <a:rPr lang="ru-RU" smtClean="0">
+                <a:solidFill>
+                  <a:schemeClr val="bg1"/>
+                </a:solidFill>
+              </a:rPr>
+              <a:pPr/>
+              <a:t>7</a:t>
+            </a:fld>
+            <a:endParaRPr lang="ru-RU" dirty="0">
+              <a:solidFill>
+                <a:schemeClr val="bg1"/>
+              </a:solidFill>
+            </a:endParaRPr>
+          </a:p>
+        </p:txBody>
+      </p:sp>
+      <p:pic>
+        <p:nvPicPr>
+          <p:cNvPr id="6" name="Рисунок 5">
+            <a:extLst>
+              <a:ext uri="{FF2B5EF4-FFF2-40B4-BE49-F238E27FC236}">
+                <a16:creationId xmlns:a16="http://schemas.microsoft.com/office/drawing/2014/main" id="{88E1F756-5337-8C96-B26E-B1A9C66C6EAA}"/>
+              </a:ext>
+            </a:extLst>
+          </p:cNvPr>
+          <p:cNvPicPr>
+            <a:picLocks noChangeAspect="1"/>
+          </p:cNvPicPr>
+          <p:nvPr/>
+        </p:nvPicPr>
+        <p:blipFill>
+          <a:blip r:embed="rId3" cstate="print">
+            <a:extLst>
+              <a:ext uri="{28A0092B-C50C-407E-A947-70E740481C1C}">
+                <a14:useLocalDpi xmlns:a14="http://schemas.microsoft.com/office/drawing/2010/main" val="0"/>
+              </a:ext>
+              <a:ext uri="{96DAC541-7B7A-43D3-8B79-37D633B846F1}">
+                <asvg:svgBlip xmlns:asvg="http://schemas.microsoft.com/office/drawing/2016/SVG/main" r:embed="rId4"/>
+              </a:ext>
+            </a:extLst>
+          </a:blip>
+          <a:stretch>
+            <a:fillRect/>
+          </a:stretch>
+        </p:blipFill>
+        <p:spPr>
+          <a:xfrm>
+            <a:off x="9099532" y="-197635"/>
+            <a:ext cx="2166695" cy="1666688"/>
+          </a:xfrm>
+          <a:prstGeom prst="rect">
+            <a:avLst/>
+          </a:prstGeom>
+        </p:spPr>
+      </p:pic>
+      <p:sp>
+        <p:nvSpPr>
+          <p:cNvPr id="7" name="TextBox 6">
+            <a:extLst>
+              <a:ext uri="{FF2B5EF4-FFF2-40B4-BE49-F238E27FC236}">
+                <a16:creationId xmlns:a16="http://schemas.microsoft.com/office/drawing/2014/main" id="{E8AE8D6A-4B46-2470-B06D-6DA56277BC6D}"/>
+              </a:ext>
+            </a:extLst>
+          </p:cNvPr>
+          <p:cNvSpPr txBox="1"/>
+          <p:nvPr/>
+        </p:nvSpPr>
+        <p:spPr>
+          <a:xfrm>
+            <a:off x="10599762" y="266377"/>
+            <a:ext cx="2083558" cy="738664"/>
+          </a:xfrm>
+          <a:prstGeom prst="rect">
+            <a:avLst/>
+          </a:prstGeom>
+          <a:noFill/>
+        </p:spPr>
+        <p:txBody>
+          <a:bodyPr wrap="square" rtlCol="0">
+            <a:spAutoFit/>
+          </a:bodyPr>
+          <a:lstStyle/>
+          <a:p>
+            <a:r>
+              <a:rPr lang="ru-RU" sz="1050" dirty="0">
+                <a:solidFill>
+                  <a:schemeClr val="bg1">
+                    <a:lumMod val="75000"/>
+                  </a:schemeClr>
+                </a:solidFill>
+                <a:latin typeface="Arial" panose="020B0604020202020204" pitchFamily="34" charset="0"/>
+                <a:cs typeface="Arial" panose="020B0604020202020204" pitchFamily="34" charset="0"/>
+              </a:rPr>
+              <a:t>Томский</a:t>
+            </a:r>
+          </a:p>
+          <a:p>
+            <a:r>
+              <a:rPr lang="ru-RU" sz="1050" dirty="0">
+                <a:solidFill>
+                  <a:schemeClr val="bg1">
+                    <a:lumMod val="75000"/>
+                  </a:schemeClr>
+                </a:solidFill>
+                <a:latin typeface="Arial" panose="020B0604020202020204" pitchFamily="34" charset="0"/>
+                <a:cs typeface="Arial" panose="020B0604020202020204" pitchFamily="34" charset="0"/>
+              </a:rPr>
+              <a:t>Государственный университет</a:t>
+            </a:r>
+          </a:p>
+          <a:p>
+            <a:r>
+              <a:rPr lang="ru-RU" sz="1050" dirty="0">
+                <a:solidFill>
+                  <a:schemeClr val="bg1">
+                    <a:lumMod val="75000"/>
+                  </a:schemeClr>
+                </a:solidFill>
+                <a:latin typeface="Arial" panose="020B0604020202020204" pitchFamily="34" charset="0"/>
+                <a:cs typeface="Arial" panose="020B0604020202020204" pitchFamily="34" charset="0"/>
+              </a:rPr>
+              <a:t>Высшая </a:t>
+            </a:r>
+            <a:r>
+              <a:rPr lang="en-US" sz="1050" dirty="0">
+                <a:solidFill>
+                  <a:schemeClr val="bg1">
+                    <a:lumMod val="75000"/>
+                  </a:schemeClr>
+                </a:solidFill>
+                <a:latin typeface="Arial" panose="020B0604020202020204" pitchFamily="34" charset="0"/>
+                <a:cs typeface="Arial" panose="020B0604020202020204" pitchFamily="34" charset="0"/>
+              </a:rPr>
+              <a:t>IT </a:t>
+            </a:r>
+            <a:r>
+              <a:rPr lang="ru-RU" sz="1050" dirty="0">
+                <a:solidFill>
+                  <a:schemeClr val="bg1">
+                    <a:lumMod val="75000"/>
+                  </a:schemeClr>
+                </a:solidFill>
+                <a:latin typeface="Arial" panose="020B0604020202020204" pitchFamily="34" charset="0"/>
+                <a:cs typeface="Arial" panose="020B0604020202020204" pitchFamily="34" charset="0"/>
+              </a:rPr>
+              <a:t>Школа</a:t>
+            </a:r>
+          </a:p>
+        </p:txBody>
+      </p:sp>
+      <p:sp>
+        <p:nvSpPr>
+          <p:cNvPr id="4" name="Объект 3">
+            <a:extLst>
+              <a:ext uri="{FF2B5EF4-FFF2-40B4-BE49-F238E27FC236}">
+                <a16:creationId xmlns:a16="http://schemas.microsoft.com/office/drawing/2014/main" id="{1B621BDD-D965-1EAF-3586-E3CB78CFBB1E}"/>
+              </a:ext>
+            </a:extLst>
+          </p:cNvPr>
+          <p:cNvSpPr>
+            <a:spLocks noGrp="1"/>
+          </p:cNvSpPr>
+          <p:nvPr>
+            <p:ph idx="1"/>
+          </p:nvPr>
+        </p:nvSpPr>
+        <p:spPr>
+          <a:xfrm>
+            <a:off x="838200" y="1933065"/>
+            <a:ext cx="10515600" cy="4243898"/>
+          </a:xfrm>
+        </p:spPr>
+        <p:txBody>
+          <a:bodyPr/>
+          <a:lstStyle/>
+          <a:p>
+            <a:pPr marL="0" indent="0">
+              <a:buNone/>
+            </a:pPr>
+            <a:r>
+              <a:rPr lang="ru-RU" dirty="0"/>
+              <a:t>Описание, как он работает  </a:t>
+            </a:r>
+          </a:p>
+          <a:p>
+            <a:pPr marL="0" indent="0">
+              <a:buNone/>
+            </a:pPr>
+            <a:endParaRPr lang="ru-RU" dirty="0"/>
+          </a:p>
+          <a:p>
+            <a:pPr marL="0" indent="0">
+              <a:buNone/>
+            </a:pPr>
+            <a:r>
+              <a:rPr lang="ru-RU" dirty="0"/>
+              <a:t>Указать, что это должен быть адаптер в </a:t>
+            </a:r>
+            <a:r>
+              <a:rPr lang="en-US" dirty="0"/>
+              <a:t>Ansible.</a:t>
+            </a:r>
+            <a:endParaRPr lang="ru-RU" dirty="0"/>
+          </a:p>
+        </p:txBody>
+      </p:sp>
+    </p:spTree>
+    <p:extLst>
+      <p:ext uri="{BB962C8B-B14F-4D97-AF65-F5344CB8AC3E}">
+        <p14:creationId xmlns:p14="http://schemas.microsoft.com/office/powerpoint/2010/main" val="2573674708"/>
+      </p:ext>
+    </p:extLst>
+  </p:cSld>
+  <p:clrMapOvr>
+    <a:masterClrMapping/>
+  </p:clrMapOvr>
+</p:sld>
+</file>
+
+<file path=ppt/slides/slide8.xml><?xml version="1.0" encoding="utf-8"?>
+<p:sld xmlns:a="http://schemas.openxmlformats.org/drawingml/2006/main" xmlns:r="http://schemas.openxmlformats.org/officeDocument/2006/relationships" xmlns:p="http://schemas.openxmlformats.org/presentationml/2006/main">
+  <p:cSld>
+    <p:spTree>
+      <p:nvGrpSpPr>
+        <p:cNvPr id="1" name="">
+          <a:extLst>
+            <a:ext uri="{FF2B5EF4-FFF2-40B4-BE49-F238E27FC236}">
+              <a16:creationId xmlns:a16="http://schemas.microsoft.com/office/drawing/2014/main" id="{A2C2BDF8-C64D-6525-01BE-18478288BDF5}"/>
+            </a:ext>
+          </a:extLst>
+        </p:cNvPr>
+        <p:cNvGrpSpPr/>
+        <p:nvPr/>
+      </p:nvGrpSpPr>
+      <p:grpSpPr>
+        <a:xfrm>
+          <a:off x="0" y="0"/>
+          <a:ext cx="0" cy="0"/>
+          <a:chOff x="0" y="0"/>
+          <a:chExt cx="0" cy="0"/>
+        </a:xfrm>
+      </p:grpSpPr>
+      <p:sp>
+        <p:nvSpPr>
+          <p:cNvPr id="3" name="Прямоугольник 2">
+            <a:extLst>
+              <a:ext uri="{FF2B5EF4-FFF2-40B4-BE49-F238E27FC236}">
+                <a16:creationId xmlns:a16="http://schemas.microsoft.com/office/drawing/2014/main" id="{7BC4BAE7-9264-65AD-A25A-FCDBA4C3D243}"/>
+              </a:ext>
+            </a:extLst>
+          </p:cNvPr>
+          <p:cNvSpPr/>
+          <p:nvPr/>
+        </p:nvSpPr>
+        <p:spPr>
+          <a:xfrm>
+            <a:off x="0" y="266377"/>
+            <a:ext cx="903595" cy="364195"/>
+          </a:xfrm>
+          <a:prstGeom prst="rect">
+            <a:avLst/>
+          </a:prstGeom>
+          <a:ln>
+            <a:noFill/>
+          </a:ln>
+        </p:spPr>
+        <p:style>
+          <a:lnRef idx="2">
+            <a:schemeClr val="accent1">
+              <a:shade val="50000"/>
+            </a:schemeClr>
+          </a:lnRef>
+          <a:fillRef idx="1">
+            <a:schemeClr val="accent1"/>
+          </a:fillRef>
+          <a:effectRef idx="0">
+            <a:schemeClr val="accent1"/>
+          </a:effectRef>
+          <a:fontRef idx="minor">
+            <a:schemeClr val="lt1"/>
+          </a:fontRef>
+        </p:style>
+        <p:txBody>
+          <a:bodyPr rtlCol="0" anchor="ctr"/>
+          <a:lstStyle/>
+          <a:p>
+            <a:pPr algn="ctr"/>
+            <a:endParaRPr lang="ru-RU"/>
+          </a:p>
+        </p:txBody>
+      </p:sp>
+      <p:sp>
+        <p:nvSpPr>
+          <p:cNvPr id="8" name="Title 7">
+            <a:extLst>
+              <a:ext uri="{FF2B5EF4-FFF2-40B4-BE49-F238E27FC236}">
+                <a16:creationId xmlns:a16="http://schemas.microsoft.com/office/drawing/2014/main" id="{D9365F76-EE88-8451-2AF2-BBCCBD14DC43}"/>
+              </a:ext>
+            </a:extLst>
+          </p:cNvPr>
+          <p:cNvSpPr>
+            <a:spLocks noGrp="1"/>
+          </p:cNvSpPr>
+          <p:nvPr>
+            <p:ph type="title"/>
+          </p:nvPr>
+        </p:nvSpPr>
+        <p:spPr>
+          <a:xfrm>
+            <a:off x="838200" y="630572"/>
+            <a:ext cx="10515600" cy="1325563"/>
+          </a:xfrm>
+        </p:spPr>
+        <p:txBody>
+          <a:bodyPr/>
+          <a:lstStyle/>
+          <a:p>
+            <a:r>
+              <a:rPr lang="ru-RU" dirty="0"/>
+              <a:t>Механизм генерации конфигурационного файла коллектора.</a:t>
+            </a:r>
+          </a:p>
+        </p:txBody>
+      </p:sp>
+      <p:sp>
+        <p:nvSpPr>
+          <p:cNvPr id="2" name="Slide Number Placeholder 1">
+            <a:extLst>
+              <a:ext uri="{FF2B5EF4-FFF2-40B4-BE49-F238E27FC236}">
+                <a16:creationId xmlns:a16="http://schemas.microsoft.com/office/drawing/2014/main" id="{989204AA-65AC-CAF6-B160-6408CC33033A}"/>
+              </a:ext>
+            </a:extLst>
+          </p:cNvPr>
+          <p:cNvSpPr txBox="1">
+            <a:spLocks/>
+          </p:cNvSpPr>
+          <p:nvPr/>
+        </p:nvSpPr>
+        <p:spPr>
+          <a:xfrm>
+            <a:off x="165463" y="266377"/>
+            <a:ext cx="738132" cy="364195"/>
+          </a:xfrm>
+          <a:prstGeom prst="rect">
+            <a:avLst/>
+          </a:prstGeom>
+        </p:spPr>
+        <p:txBody>
+          <a:bodyPr vert="horz" lIns="91440" tIns="45720" rIns="91440" bIns="45720" rtlCol="0" anchor="ctr"/>
+          <a:lstStyle>
+            <a:defPPr>
+              <a:defRPr lang="ru-RU"/>
+            </a:defPPr>
+            <a:lvl1pPr marL="0" algn="r" defTabSz="914400" rtl="0" eaLnBrk="1" latinLnBrk="0" hangingPunct="1">
+              <a:defRPr sz="1200" kern="1200">
+                <a:solidFill>
+                  <a:schemeClr val="tx1">
+                    <a:tint val="75000"/>
+                  </a:schemeClr>
+                </a:solidFill>
+                <a:latin typeface="+mn-lt"/>
+                <a:ea typeface="+mn-ea"/>
+                <a:cs typeface="+mn-cs"/>
+              </a:defRPr>
+            </a:lvl1pPr>
+            <a:lvl2pPr marL="457200" algn="l" defTabSz="914400" rtl="0" eaLnBrk="1" latinLnBrk="0" hangingPunct="1">
+              <a:defRPr sz="1800" kern="1200">
+                <a:solidFill>
+                  <a:schemeClr val="tx1"/>
+                </a:solidFill>
+                <a:latin typeface="+mn-lt"/>
+                <a:ea typeface="+mn-ea"/>
+                <a:cs typeface="+mn-cs"/>
+              </a:defRPr>
+            </a:lvl2pPr>
+            <a:lvl3pPr marL="914400" algn="l" defTabSz="914400" rtl="0" eaLnBrk="1" latinLnBrk="0" hangingPunct="1">
+              <a:defRPr sz="1800" kern="1200">
+                <a:solidFill>
+                  <a:schemeClr val="tx1"/>
+                </a:solidFill>
+                <a:latin typeface="+mn-lt"/>
+                <a:ea typeface="+mn-ea"/>
+                <a:cs typeface="+mn-cs"/>
+              </a:defRPr>
+            </a:lvl3pPr>
+            <a:lvl4pPr marL="1371600" algn="l" defTabSz="914400" rtl="0" eaLnBrk="1" latinLnBrk="0" hangingPunct="1">
+              <a:defRPr sz="1800" kern="1200">
+                <a:solidFill>
+                  <a:schemeClr val="tx1"/>
+                </a:solidFill>
+                <a:latin typeface="+mn-lt"/>
+                <a:ea typeface="+mn-ea"/>
+                <a:cs typeface="+mn-cs"/>
+              </a:defRPr>
+            </a:lvl4pPr>
+            <a:lvl5pPr marL="1828800" algn="l" defTabSz="914400" rtl="0" eaLnBrk="1" latinLnBrk="0" hangingPunct="1">
+              <a:defRPr sz="1800" kern="1200">
+                <a:solidFill>
+                  <a:schemeClr val="tx1"/>
+                </a:solidFill>
+                <a:latin typeface="+mn-lt"/>
+                <a:ea typeface="+mn-ea"/>
+                <a:cs typeface="+mn-cs"/>
+              </a:defRPr>
+            </a:lvl5pPr>
+            <a:lvl6pPr marL="2286000" algn="l" defTabSz="914400" rtl="0" eaLnBrk="1" latinLnBrk="0" hangingPunct="1">
+              <a:defRPr sz="1800" kern="1200">
+                <a:solidFill>
+                  <a:schemeClr val="tx1"/>
+                </a:solidFill>
+                <a:latin typeface="+mn-lt"/>
+                <a:ea typeface="+mn-ea"/>
+                <a:cs typeface="+mn-cs"/>
+              </a:defRPr>
+            </a:lvl6pPr>
+            <a:lvl7pPr marL="2743200" algn="l" defTabSz="914400" rtl="0" eaLnBrk="1" latinLnBrk="0" hangingPunct="1">
+              <a:defRPr sz="1800" kern="1200">
+                <a:solidFill>
+                  <a:schemeClr val="tx1"/>
+                </a:solidFill>
+                <a:latin typeface="+mn-lt"/>
+                <a:ea typeface="+mn-ea"/>
+                <a:cs typeface="+mn-cs"/>
+              </a:defRPr>
+            </a:lvl7pPr>
+            <a:lvl8pPr marL="3200400" algn="l" defTabSz="914400" rtl="0" eaLnBrk="1" latinLnBrk="0" hangingPunct="1">
+              <a:defRPr sz="1800" kern="1200">
+                <a:solidFill>
+                  <a:schemeClr val="tx1"/>
+                </a:solidFill>
+                <a:latin typeface="+mn-lt"/>
+                <a:ea typeface="+mn-ea"/>
+                <a:cs typeface="+mn-cs"/>
+              </a:defRPr>
+            </a:lvl8pPr>
+            <a:lvl9pPr marL="3657600" algn="l" defTabSz="914400" rtl="0" eaLnBrk="1" latinLnBrk="0" hangingPunct="1">
+              <a:defRPr sz="1800" kern="1200">
+                <a:solidFill>
+                  <a:schemeClr val="tx1"/>
+                </a:solidFill>
+                <a:latin typeface="+mn-lt"/>
+                <a:ea typeface="+mn-ea"/>
+                <a:cs typeface="+mn-cs"/>
+              </a:defRPr>
+            </a:lvl9pPr>
+          </a:lstStyle>
+          <a:p>
+            <a:fld id="{73D4391C-B8C0-B24A-A837-316267417444}" type="slidenum">
+              <a:rPr lang="ru-RU" smtClean="0">
+                <a:solidFill>
+                  <a:schemeClr val="bg1"/>
+                </a:solidFill>
+              </a:rPr>
+              <a:pPr/>
+              <a:t>8</a:t>
+            </a:fld>
+            <a:endParaRPr lang="ru-RU" dirty="0">
+              <a:solidFill>
+                <a:schemeClr val="bg1"/>
+              </a:solidFill>
+            </a:endParaRPr>
+          </a:p>
+        </p:txBody>
+      </p:sp>
+      <p:pic>
+        <p:nvPicPr>
+          <p:cNvPr id="6" name="Рисунок 5">
+            <a:extLst>
+              <a:ext uri="{FF2B5EF4-FFF2-40B4-BE49-F238E27FC236}">
+                <a16:creationId xmlns:a16="http://schemas.microsoft.com/office/drawing/2014/main" id="{96329326-FA7C-EC76-3713-7CA8BFCDF64B}"/>
+              </a:ext>
+            </a:extLst>
+          </p:cNvPr>
+          <p:cNvPicPr>
+            <a:picLocks noChangeAspect="1"/>
+          </p:cNvPicPr>
+          <p:nvPr/>
+        </p:nvPicPr>
+        <p:blipFill>
+          <a:blip r:embed="rId3" cstate="print">
+            <a:extLst>
+              <a:ext uri="{28A0092B-C50C-407E-A947-70E740481C1C}">
+                <a14:useLocalDpi xmlns:a14="http://schemas.microsoft.com/office/drawing/2010/main" val="0"/>
+              </a:ext>
+              <a:ext uri="{96DAC541-7B7A-43D3-8B79-37D633B846F1}">
+                <asvg:svgBlip xmlns:asvg="http://schemas.microsoft.com/office/drawing/2016/SVG/main" r:embed="rId4"/>
+              </a:ext>
+            </a:extLst>
+          </a:blip>
+          <a:stretch>
+            <a:fillRect/>
+          </a:stretch>
+        </p:blipFill>
+        <p:spPr>
+          <a:xfrm>
+            <a:off x="9099532" y="-197635"/>
+            <a:ext cx="2166695" cy="1666688"/>
+          </a:xfrm>
+          <a:prstGeom prst="rect">
+            <a:avLst/>
+          </a:prstGeom>
+        </p:spPr>
+      </p:pic>
+      <p:sp>
+        <p:nvSpPr>
+          <p:cNvPr id="7" name="TextBox 6">
+            <a:extLst>
+              <a:ext uri="{FF2B5EF4-FFF2-40B4-BE49-F238E27FC236}">
+                <a16:creationId xmlns:a16="http://schemas.microsoft.com/office/drawing/2014/main" id="{1410A8F5-D038-4791-6BDD-B75423F1C2A3}"/>
+              </a:ext>
+            </a:extLst>
+          </p:cNvPr>
+          <p:cNvSpPr txBox="1"/>
+          <p:nvPr/>
+        </p:nvSpPr>
+        <p:spPr>
+          <a:xfrm>
+            <a:off x="10599762" y="266377"/>
+            <a:ext cx="2083558" cy="738664"/>
+          </a:xfrm>
+          <a:prstGeom prst="rect">
+            <a:avLst/>
+          </a:prstGeom>
+          <a:noFill/>
+        </p:spPr>
+        <p:txBody>
+          <a:bodyPr wrap="square" rtlCol="0">
+            <a:spAutoFit/>
+          </a:bodyPr>
+          <a:lstStyle/>
+          <a:p>
+            <a:r>
+              <a:rPr lang="ru-RU" sz="1050" dirty="0">
+                <a:solidFill>
+                  <a:schemeClr val="bg1">
+                    <a:lumMod val="75000"/>
+                  </a:schemeClr>
+                </a:solidFill>
+                <a:latin typeface="Arial" panose="020B0604020202020204" pitchFamily="34" charset="0"/>
+                <a:cs typeface="Arial" panose="020B0604020202020204" pitchFamily="34" charset="0"/>
+              </a:rPr>
+              <a:t>Томский</a:t>
+            </a:r>
+          </a:p>
+          <a:p>
+            <a:r>
+              <a:rPr lang="ru-RU" sz="1050" dirty="0">
+                <a:solidFill>
+                  <a:schemeClr val="bg1">
+                    <a:lumMod val="75000"/>
+                  </a:schemeClr>
+                </a:solidFill>
+                <a:latin typeface="Arial" panose="020B0604020202020204" pitchFamily="34" charset="0"/>
+                <a:cs typeface="Arial" panose="020B0604020202020204" pitchFamily="34" charset="0"/>
+              </a:rPr>
+              <a:t>Государственный университет</a:t>
+            </a:r>
+          </a:p>
+          <a:p>
+            <a:r>
+              <a:rPr lang="ru-RU" sz="1050" dirty="0">
+                <a:solidFill>
+                  <a:schemeClr val="bg1">
+                    <a:lumMod val="75000"/>
+                  </a:schemeClr>
+                </a:solidFill>
+                <a:latin typeface="Arial" panose="020B0604020202020204" pitchFamily="34" charset="0"/>
+                <a:cs typeface="Arial" panose="020B0604020202020204" pitchFamily="34" charset="0"/>
+              </a:rPr>
+              <a:t>Высшая </a:t>
+            </a:r>
+            <a:r>
+              <a:rPr lang="en-US" sz="1050" dirty="0">
+                <a:solidFill>
+                  <a:schemeClr val="bg1">
+                    <a:lumMod val="75000"/>
+                  </a:schemeClr>
+                </a:solidFill>
+                <a:latin typeface="Arial" panose="020B0604020202020204" pitchFamily="34" charset="0"/>
+                <a:cs typeface="Arial" panose="020B0604020202020204" pitchFamily="34" charset="0"/>
+              </a:rPr>
+              <a:t>IT </a:t>
+            </a:r>
+            <a:r>
+              <a:rPr lang="ru-RU" sz="1050" dirty="0">
+                <a:solidFill>
+                  <a:schemeClr val="bg1">
+                    <a:lumMod val="75000"/>
+                  </a:schemeClr>
+                </a:solidFill>
+                <a:latin typeface="Arial" panose="020B0604020202020204" pitchFamily="34" charset="0"/>
+                <a:cs typeface="Arial" panose="020B0604020202020204" pitchFamily="34" charset="0"/>
+              </a:rPr>
+              <a:t>Школа</a:t>
+            </a:r>
+          </a:p>
+        </p:txBody>
+      </p:sp>
+      <p:sp>
+        <p:nvSpPr>
+          <p:cNvPr id="4" name="Объект 3">
+            <a:extLst>
+              <a:ext uri="{FF2B5EF4-FFF2-40B4-BE49-F238E27FC236}">
+                <a16:creationId xmlns:a16="http://schemas.microsoft.com/office/drawing/2014/main" id="{46798DC6-D9AE-8E9D-9377-6B0BF1F6785E}"/>
+              </a:ext>
+            </a:extLst>
+          </p:cNvPr>
+          <p:cNvSpPr>
+            <a:spLocks noGrp="1"/>
+          </p:cNvSpPr>
+          <p:nvPr>
+            <p:ph idx="1"/>
+          </p:nvPr>
+        </p:nvSpPr>
+        <p:spPr>
+          <a:xfrm>
+            <a:off x="838200" y="1933065"/>
+            <a:ext cx="10515600" cy="4243898"/>
+          </a:xfrm>
+        </p:spPr>
+        <p:txBody>
+          <a:bodyPr/>
+          <a:lstStyle/>
+          <a:p>
+            <a:pPr marL="0" indent="0">
+              <a:buNone/>
+            </a:pPr>
+            <a:r>
+              <a:rPr lang="ru-RU" dirty="0"/>
+              <a:t>Используем </a:t>
+            </a:r>
+            <a:r>
+              <a:rPr lang="en-US" dirty="0"/>
+              <a:t>Ansible + Jinja,</a:t>
+            </a:r>
+            <a:r>
+              <a:rPr lang="ru-RU" dirty="0"/>
+              <a:t> но продумать абстракции так, чтобы не зависеть от используемого ПО </a:t>
+            </a:r>
+            <a:r>
+              <a:rPr lang="en-US" dirty="0"/>
+              <a:t>(</a:t>
+            </a:r>
+            <a:r>
+              <a:rPr lang="en-US" dirty="0" err="1"/>
+              <a:t>filebeat</a:t>
+            </a:r>
+            <a:r>
+              <a:rPr lang="en-US" dirty="0"/>
+              <a:t>, vector, </a:t>
+            </a:r>
+            <a:r>
+              <a:rPr lang="en-US" dirty="0" err="1"/>
+              <a:t>logstash</a:t>
+            </a:r>
+            <a:r>
+              <a:rPr lang="en-US" dirty="0"/>
+              <a:t>)</a:t>
+            </a:r>
+            <a:r>
+              <a:rPr lang="ru-RU" dirty="0"/>
+              <a:t> </a:t>
+            </a:r>
+          </a:p>
+        </p:txBody>
+      </p:sp>
+    </p:spTree>
+    <p:extLst>
+      <p:ext uri="{BB962C8B-B14F-4D97-AF65-F5344CB8AC3E}">
+        <p14:creationId xmlns:p14="http://schemas.microsoft.com/office/powerpoint/2010/main" val="3033937702"/>
+      </p:ext>
+    </p:extLst>
+  </p:cSld>
+  <p:clrMapOvr>
+    <a:masterClrMapping/>
+  </p:clrMapOvr>
+</p:sld>
+</file>
+
+<file path=ppt/slides/slide9.xml><?xml version="1.0" encoding="utf-8"?>
+<p:sld xmlns:a="http://schemas.openxmlformats.org/drawingml/2006/main" xmlns:r="http://schemas.openxmlformats.org/officeDocument/2006/relationships" xmlns:p="http://schemas.openxmlformats.org/presentationml/2006/main">
+  <p:cSld>
+    <p:spTree>
+      <p:nvGrpSpPr>
+        <p:cNvPr id="1" name="">
+          <a:extLst>
+            <a:ext uri="{FF2B5EF4-FFF2-40B4-BE49-F238E27FC236}">
+              <a16:creationId xmlns:a16="http://schemas.microsoft.com/office/drawing/2014/main" id="{4E1AA934-6EAB-F519-09FF-D715E3400274}"/>
+            </a:ext>
+          </a:extLst>
+        </p:cNvPr>
+        <p:cNvGrpSpPr/>
+        <p:nvPr/>
+      </p:nvGrpSpPr>
+      <p:grpSpPr>
+        <a:xfrm>
+          <a:off x="0" y="0"/>
+          <a:ext cx="0" cy="0"/>
+          <a:chOff x="0" y="0"/>
+          <a:chExt cx="0" cy="0"/>
+        </a:xfrm>
+      </p:grpSpPr>
+      <p:sp>
+        <p:nvSpPr>
+          <p:cNvPr id="3" name="Прямоугольник 2">
+            <a:extLst>
+              <a:ext uri="{FF2B5EF4-FFF2-40B4-BE49-F238E27FC236}">
+                <a16:creationId xmlns:a16="http://schemas.microsoft.com/office/drawing/2014/main" id="{E775B8D8-0A50-B501-F232-40C9223F8D45}"/>
+              </a:ext>
+            </a:extLst>
+          </p:cNvPr>
+          <p:cNvSpPr/>
+          <p:nvPr/>
+        </p:nvSpPr>
+        <p:spPr>
+          <a:xfrm>
+            <a:off x="0" y="266377"/>
+            <a:ext cx="903595" cy="364195"/>
+          </a:xfrm>
+          <a:prstGeom prst="rect">
+            <a:avLst/>
+          </a:prstGeom>
+          <a:ln>
+            <a:noFill/>
+          </a:ln>
+        </p:spPr>
+        <p:style>
+          <a:lnRef idx="2">
+            <a:schemeClr val="accent1">
+              <a:shade val="50000"/>
+            </a:schemeClr>
+          </a:lnRef>
+          <a:fillRef idx="1">
+            <a:schemeClr val="accent1"/>
+          </a:fillRef>
+          <a:effectRef idx="0">
+            <a:schemeClr val="accent1"/>
+          </a:effectRef>
+          <a:fontRef idx="minor">
+            <a:schemeClr val="lt1"/>
+          </a:fontRef>
+        </p:style>
+        <p:txBody>
+          <a:bodyPr rtlCol="0" anchor="ctr"/>
+          <a:lstStyle/>
+          <a:p>
+            <a:pPr algn="ctr"/>
+            <a:endParaRPr lang="ru-RU"/>
+          </a:p>
+        </p:txBody>
+      </p:sp>
+      <p:sp>
+        <p:nvSpPr>
+          <p:cNvPr id="8" name="Title 7">
+            <a:extLst>
+              <a:ext uri="{FF2B5EF4-FFF2-40B4-BE49-F238E27FC236}">
+                <a16:creationId xmlns:a16="http://schemas.microsoft.com/office/drawing/2014/main" id="{49618643-A540-A59F-1375-8D4394E3B27E}"/>
+              </a:ext>
+            </a:extLst>
+          </p:cNvPr>
+          <p:cNvSpPr>
+            <a:spLocks noGrp="1"/>
+          </p:cNvSpPr>
+          <p:nvPr>
+            <p:ph type="title"/>
+          </p:nvPr>
+        </p:nvSpPr>
+        <p:spPr>
+          <a:xfrm>
+            <a:off x="838200" y="630572"/>
+            <a:ext cx="10515600" cy="1325563"/>
+          </a:xfrm>
+        </p:spPr>
+        <p:txBody>
+          <a:bodyPr/>
+          <a:lstStyle/>
+          <a:p>
+            <a:r>
+              <a:rPr lang="ru-RU" dirty="0"/>
+              <a:t>Механизм генерации конфигурационного файла коллектора.</a:t>
+            </a:r>
+          </a:p>
+        </p:txBody>
+      </p:sp>
+      <p:sp>
+        <p:nvSpPr>
+          <p:cNvPr id="2" name="Slide Number Placeholder 1">
+            <a:extLst>
+              <a:ext uri="{FF2B5EF4-FFF2-40B4-BE49-F238E27FC236}">
+                <a16:creationId xmlns:a16="http://schemas.microsoft.com/office/drawing/2014/main" id="{550C7781-6282-4015-3376-AC3A1C2D4672}"/>
+              </a:ext>
+            </a:extLst>
+          </p:cNvPr>
+          <p:cNvSpPr txBox="1">
+            <a:spLocks/>
+          </p:cNvSpPr>
+          <p:nvPr/>
+        </p:nvSpPr>
+        <p:spPr>
+          <a:xfrm>
+            <a:off x="165463" y="266377"/>
+            <a:ext cx="738132" cy="364195"/>
+          </a:xfrm>
+          <a:prstGeom prst="rect">
+            <a:avLst/>
+          </a:prstGeom>
+        </p:spPr>
+        <p:txBody>
+          <a:bodyPr vert="horz" lIns="91440" tIns="45720" rIns="91440" bIns="45720" rtlCol="0" anchor="ctr"/>
+          <a:lstStyle>
+            <a:defPPr>
+              <a:defRPr lang="ru-RU"/>
+            </a:defPPr>
+            <a:lvl1pPr marL="0" algn="r" defTabSz="914400" rtl="0" eaLnBrk="1" latinLnBrk="0" hangingPunct="1">
+              <a:defRPr sz="1200" kern="1200">
+                <a:solidFill>
+                  <a:schemeClr val="tx1">
+                    <a:tint val="75000"/>
+                  </a:schemeClr>
+                </a:solidFill>
+                <a:latin typeface="+mn-lt"/>
+                <a:ea typeface="+mn-ea"/>
+                <a:cs typeface="+mn-cs"/>
+              </a:defRPr>
+            </a:lvl1pPr>
+            <a:lvl2pPr marL="457200" algn="l" defTabSz="914400" rtl="0" eaLnBrk="1" latinLnBrk="0" hangingPunct="1">
+              <a:defRPr sz="1800" kern="1200">
+                <a:solidFill>
+                  <a:schemeClr val="tx1"/>
+                </a:solidFill>
+                <a:latin typeface="+mn-lt"/>
+                <a:ea typeface="+mn-ea"/>
+                <a:cs typeface="+mn-cs"/>
+              </a:defRPr>
+            </a:lvl2pPr>
+            <a:lvl3pPr marL="914400" algn="l" defTabSz="914400" rtl="0" eaLnBrk="1" latinLnBrk="0" hangingPunct="1">
+              <a:defRPr sz="1800" kern="1200">
+                <a:solidFill>
+                  <a:schemeClr val="tx1"/>
+                </a:solidFill>
+                <a:latin typeface="+mn-lt"/>
+                <a:ea typeface="+mn-ea"/>
+                <a:cs typeface="+mn-cs"/>
+              </a:defRPr>
+            </a:lvl3pPr>
+            <a:lvl4pPr marL="1371600" algn="l" defTabSz="914400" rtl="0" eaLnBrk="1" latinLnBrk="0" hangingPunct="1">
+              <a:defRPr sz="1800" kern="1200">
+                <a:solidFill>
+                  <a:schemeClr val="tx1"/>
+                </a:solidFill>
+                <a:latin typeface="+mn-lt"/>
+                <a:ea typeface="+mn-ea"/>
+                <a:cs typeface="+mn-cs"/>
+              </a:defRPr>
+            </a:lvl4pPr>
+            <a:lvl5pPr marL="1828800" algn="l" defTabSz="914400" rtl="0" eaLnBrk="1" latinLnBrk="0" hangingPunct="1">
+              <a:defRPr sz="1800" kern="1200">
+                <a:solidFill>
+                  <a:schemeClr val="tx1"/>
+                </a:solidFill>
+                <a:latin typeface="+mn-lt"/>
+                <a:ea typeface="+mn-ea"/>
+                <a:cs typeface="+mn-cs"/>
+              </a:defRPr>
+            </a:lvl5pPr>
+            <a:lvl6pPr marL="2286000" algn="l" defTabSz="914400" rtl="0" eaLnBrk="1" latinLnBrk="0" hangingPunct="1">
+              <a:defRPr sz="1800" kern="1200">
+                <a:solidFill>
+                  <a:schemeClr val="tx1"/>
+                </a:solidFill>
+                <a:latin typeface="+mn-lt"/>
+                <a:ea typeface="+mn-ea"/>
+                <a:cs typeface="+mn-cs"/>
+              </a:defRPr>
+            </a:lvl6pPr>
+            <a:lvl7pPr marL="2743200" algn="l" defTabSz="914400" rtl="0" eaLnBrk="1" latinLnBrk="0" hangingPunct="1">
+              <a:defRPr sz="1800" kern="1200">
+                <a:solidFill>
+                  <a:schemeClr val="tx1"/>
+                </a:solidFill>
+                <a:latin typeface="+mn-lt"/>
+                <a:ea typeface="+mn-ea"/>
+                <a:cs typeface="+mn-cs"/>
+              </a:defRPr>
+            </a:lvl7pPr>
+            <a:lvl8pPr marL="3200400" algn="l" defTabSz="914400" rtl="0" eaLnBrk="1" latinLnBrk="0" hangingPunct="1">
+              <a:defRPr sz="1800" kern="1200">
+                <a:solidFill>
+                  <a:schemeClr val="tx1"/>
+                </a:solidFill>
+                <a:latin typeface="+mn-lt"/>
+                <a:ea typeface="+mn-ea"/>
+                <a:cs typeface="+mn-cs"/>
+              </a:defRPr>
+            </a:lvl8pPr>
+            <a:lvl9pPr marL="3657600" algn="l" defTabSz="914400" rtl="0" eaLnBrk="1" latinLnBrk="0" hangingPunct="1">
+              <a:defRPr sz="1800" kern="1200">
+                <a:solidFill>
+                  <a:schemeClr val="tx1"/>
+                </a:solidFill>
+                <a:latin typeface="+mn-lt"/>
+                <a:ea typeface="+mn-ea"/>
+                <a:cs typeface="+mn-cs"/>
+              </a:defRPr>
+            </a:lvl9pPr>
+          </a:lstStyle>
+          <a:p>
+            <a:fld id="{73D4391C-B8C0-B24A-A837-316267417444}" type="slidenum">
+              <a:rPr lang="ru-RU" smtClean="0">
+                <a:solidFill>
+                  <a:schemeClr val="bg1"/>
+                </a:solidFill>
+              </a:rPr>
+              <a:pPr/>
+              <a:t>9</a:t>
+            </a:fld>
+            <a:endParaRPr lang="ru-RU" dirty="0">
+              <a:solidFill>
+                <a:schemeClr val="bg1"/>
+              </a:solidFill>
+            </a:endParaRPr>
+          </a:p>
+        </p:txBody>
+      </p:sp>
+      <p:pic>
+        <p:nvPicPr>
+          <p:cNvPr id="6" name="Рисунок 5">
+            <a:extLst>
+              <a:ext uri="{FF2B5EF4-FFF2-40B4-BE49-F238E27FC236}">
+                <a16:creationId xmlns:a16="http://schemas.microsoft.com/office/drawing/2014/main" id="{82DA718E-38A6-E843-FA90-8D992EDFCD4B}"/>
+              </a:ext>
+            </a:extLst>
+          </p:cNvPr>
+          <p:cNvPicPr>
+            <a:picLocks noChangeAspect="1"/>
+          </p:cNvPicPr>
+          <p:nvPr/>
+        </p:nvPicPr>
+        <p:blipFill>
+          <a:blip r:embed="rId3" cstate="print">
+            <a:extLst>
+              <a:ext uri="{28A0092B-C50C-407E-A947-70E740481C1C}">
+                <a14:useLocalDpi xmlns:a14="http://schemas.microsoft.com/office/drawing/2010/main" val="0"/>
+              </a:ext>
+              <a:ext uri="{96DAC541-7B7A-43D3-8B79-37D633B846F1}">
+                <asvg:svgBlip xmlns:asvg="http://schemas.microsoft.com/office/drawing/2016/SVG/main" r:embed="rId4"/>
+              </a:ext>
+            </a:extLst>
+          </a:blip>
+          <a:stretch>
+            <a:fillRect/>
+          </a:stretch>
+        </p:blipFill>
+        <p:spPr>
+          <a:xfrm>
+            <a:off x="9099532" y="-197635"/>
+            <a:ext cx="2166695" cy="1666688"/>
+          </a:xfrm>
+          <a:prstGeom prst="rect">
+            <a:avLst/>
+          </a:prstGeom>
+        </p:spPr>
+      </p:pic>
+      <p:sp>
+        <p:nvSpPr>
+          <p:cNvPr id="7" name="TextBox 6">
+            <a:extLst>
+              <a:ext uri="{FF2B5EF4-FFF2-40B4-BE49-F238E27FC236}">
+                <a16:creationId xmlns:a16="http://schemas.microsoft.com/office/drawing/2014/main" id="{76544203-C6E5-E00D-1E0A-BFB007E857C4}"/>
+              </a:ext>
+            </a:extLst>
+          </p:cNvPr>
+          <p:cNvSpPr txBox="1"/>
+          <p:nvPr/>
+        </p:nvSpPr>
+        <p:spPr>
+          <a:xfrm>
+            <a:off x="10599762" y="266377"/>
+            <a:ext cx="2083558" cy="738664"/>
+          </a:xfrm>
+          <a:prstGeom prst="rect">
+            <a:avLst/>
+          </a:prstGeom>
+          <a:noFill/>
+        </p:spPr>
+        <p:txBody>
+          <a:bodyPr wrap="square" rtlCol="0">
+            <a:spAutoFit/>
+          </a:bodyPr>
+          <a:lstStyle/>
+          <a:p>
+            <a:r>
+              <a:rPr lang="ru-RU" sz="1050" dirty="0">
+                <a:solidFill>
+                  <a:schemeClr val="bg1">
+                    <a:lumMod val="75000"/>
+                  </a:schemeClr>
+                </a:solidFill>
+                <a:latin typeface="Arial" panose="020B0604020202020204" pitchFamily="34" charset="0"/>
+                <a:cs typeface="Arial" panose="020B0604020202020204" pitchFamily="34" charset="0"/>
+              </a:rPr>
+              <a:t>Томский</a:t>
+            </a:r>
+          </a:p>
+          <a:p>
+            <a:r>
+              <a:rPr lang="ru-RU" sz="1050" dirty="0">
+                <a:solidFill>
+                  <a:schemeClr val="bg1">
+                    <a:lumMod val="75000"/>
+                  </a:schemeClr>
+                </a:solidFill>
+                <a:latin typeface="Arial" panose="020B0604020202020204" pitchFamily="34" charset="0"/>
+                <a:cs typeface="Arial" panose="020B0604020202020204" pitchFamily="34" charset="0"/>
+              </a:rPr>
+              <a:t>Государственный университет</a:t>
+            </a:r>
+          </a:p>
+          <a:p>
+            <a:r>
+              <a:rPr lang="ru-RU" sz="1050" dirty="0">
+                <a:solidFill>
+                  <a:schemeClr val="bg1">
+                    <a:lumMod val="75000"/>
+                  </a:schemeClr>
+                </a:solidFill>
+                <a:latin typeface="Arial" panose="020B0604020202020204" pitchFamily="34" charset="0"/>
+                <a:cs typeface="Arial" panose="020B0604020202020204" pitchFamily="34" charset="0"/>
+              </a:rPr>
+              <a:t>Высшая </a:t>
+            </a:r>
+            <a:r>
+              <a:rPr lang="en-US" sz="1050" dirty="0">
+                <a:solidFill>
+                  <a:schemeClr val="bg1">
+                    <a:lumMod val="75000"/>
+                  </a:schemeClr>
+                </a:solidFill>
+                <a:latin typeface="Arial" panose="020B0604020202020204" pitchFamily="34" charset="0"/>
+                <a:cs typeface="Arial" panose="020B0604020202020204" pitchFamily="34" charset="0"/>
+              </a:rPr>
+              <a:t>IT </a:t>
+            </a:r>
+            <a:r>
+              <a:rPr lang="ru-RU" sz="1050" dirty="0">
+                <a:solidFill>
+                  <a:schemeClr val="bg1">
+                    <a:lumMod val="75000"/>
+                  </a:schemeClr>
+                </a:solidFill>
+                <a:latin typeface="Arial" panose="020B0604020202020204" pitchFamily="34" charset="0"/>
+                <a:cs typeface="Arial" panose="020B0604020202020204" pitchFamily="34" charset="0"/>
+              </a:rPr>
+              <a:t>Школа</a:t>
+            </a:r>
+          </a:p>
+        </p:txBody>
+      </p:sp>
+      <p:sp>
+        <p:nvSpPr>
+          <p:cNvPr id="4" name="Объект 3">
+            <a:extLst>
+              <a:ext uri="{FF2B5EF4-FFF2-40B4-BE49-F238E27FC236}">
+                <a16:creationId xmlns:a16="http://schemas.microsoft.com/office/drawing/2014/main" id="{5FB50D01-CC9C-96CC-49BD-333ADB64DD6A}"/>
+              </a:ext>
+            </a:extLst>
+          </p:cNvPr>
+          <p:cNvSpPr>
+            <a:spLocks noGrp="1"/>
+          </p:cNvSpPr>
+          <p:nvPr>
+            <p:ph idx="1"/>
+          </p:nvPr>
+        </p:nvSpPr>
+        <p:spPr>
+          <a:xfrm>
+            <a:off x="838200" y="1933065"/>
+            <a:ext cx="10515600" cy="4243898"/>
+          </a:xfrm>
+        </p:spPr>
+        <p:txBody>
+          <a:bodyPr/>
+          <a:lstStyle/>
+          <a:p>
+            <a:pPr marL="0" indent="0">
+              <a:buNone/>
+            </a:pPr>
+            <a:r>
+              <a:rPr lang="ru-RU" dirty="0"/>
+              <a:t>Используем </a:t>
+            </a:r>
+            <a:r>
+              <a:rPr lang="en-US" dirty="0"/>
+              <a:t>Ansible + Jinja,</a:t>
+            </a:r>
+            <a:r>
+              <a:rPr lang="ru-RU" dirty="0"/>
+              <a:t> но продумать абстракции так, чтобы не зависеть от используемого ПО </a:t>
+            </a:r>
+            <a:r>
+              <a:rPr lang="en-US" dirty="0"/>
+              <a:t>(</a:t>
+            </a:r>
+            <a:r>
+              <a:rPr lang="en-US" dirty="0" err="1"/>
+              <a:t>filebeat</a:t>
+            </a:r>
+            <a:r>
+              <a:rPr lang="en-US" dirty="0"/>
+              <a:t>, vector, </a:t>
+            </a:r>
+            <a:r>
+              <a:rPr lang="en-US" dirty="0" err="1"/>
+              <a:t>logstash</a:t>
+            </a:r>
+            <a:r>
+              <a:rPr lang="en-US" dirty="0"/>
+              <a:t>)</a:t>
+            </a:r>
+            <a:r>
+              <a:rPr lang="ru-RU" dirty="0"/>
+              <a:t> </a:t>
+            </a:r>
+          </a:p>
+        </p:txBody>
+      </p:sp>
+    </p:spTree>
+    <p:extLst>
+      <p:ext uri="{BB962C8B-B14F-4D97-AF65-F5344CB8AC3E}">
+        <p14:creationId xmlns:p14="http://schemas.microsoft.com/office/powerpoint/2010/main" val="258541030"/>
       </p:ext>
     </p:extLst>
   </p:cSld>

--- a/Презентация ВКР (в шаблоне).pptx
+++ b/Презентация ВКР (в шаблоне).pptx
@@ -5,24 +5,31 @@
     <p:sldMasterId id="2147483648" r:id="rId1"/>
   </p:sldMasterIdLst>
   <p:notesMasterIdLst>
-    <p:notesMasterId r:id="rId17"/>
+    <p:notesMasterId r:id="rId24"/>
   </p:notesMasterIdLst>
   <p:sldIdLst>
     <p:sldId id="256" r:id="rId2"/>
-    <p:sldId id="377" r:id="rId3"/>
-    <p:sldId id="379" r:id="rId4"/>
-    <p:sldId id="343" r:id="rId5"/>
-    <p:sldId id="344" r:id="rId6"/>
-    <p:sldId id="380" r:id="rId7"/>
-    <p:sldId id="378" r:id="rId8"/>
-    <p:sldId id="381" r:id="rId9"/>
-    <p:sldId id="382" r:id="rId10"/>
-    <p:sldId id="383" r:id="rId11"/>
-    <p:sldId id="384" r:id="rId12"/>
-    <p:sldId id="376" r:id="rId13"/>
-    <p:sldId id="364" r:id="rId14"/>
-    <p:sldId id="385" r:id="rId15"/>
-    <p:sldId id="363" r:id="rId16"/>
+    <p:sldId id="393" r:id="rId3"/>
+    <p:sldId id="377" r:id="rId4"/>
+    <p:sldId id="388" r:id="rId5"/>
+    <p:sldId id="379" r:id="rId6"/>
+    <p:sldId id="387" r:id="rId7"/>
+    <p:sldId id="343" r:id="rId8"/>
+    <p:sldId id="344" r:id="rId9"/>
+    <p:sldId id="389" r:id="rId10"/>
+    <p:sldId id="390" r:id="rId11"/>
+    <p:sldId id="391" r:id="rId12"/>
+    <p:sldId id="392" r:id="rId13"/>
+    <p:sldId id="380" r:id="rId14"/>
+    <p:sldId id="378" r:id="rId15"/>
+    <p:sldId id="381" r:id="rId16"/>
+    <p:sldId id="382" r:id="rId17"/>
+    <p:sldId id="383" r:id="rId18"/>
+    <p:sldId id="384" r:id="rId19"/>
+    <p:sldId id="376" r:id="rId20"/>
+    <p:sldId id="364" r:id="rId21"/>
+    <p:sldId id="385" r:id="rId22"/>
+    <p:sldId id="363" r:id="rId23"/>
   </p:sldIdLst>
   <p:sldSz cx="12192000" cy="6858000"/>
   <p:notesSz cx="6858000" cy="9144000"/>
@@ -211,7 +218,7 @@
           <a:p>
             <a:fld id="{452C924C-0549-43C7-B607-8F62314AE139}" type="datetimeFigureOut">
               <a:rPr lang="ru-RU" smtClean="0"/>
-              <a:t>02.03.2025</a:t>
+              <a:t>16.04.2025</a:t>
             </a:fld>
             <a:endParaRPr lang="ru-RU"/>
           </a:p>
@@ -607,6 +614,1041 @@
         <p:cNvPr id="1" name="">
           <a:extLst>
             <a:ext uri="{FF2B5EF4-FFF2-40B4-BE49-F238E27FC236}">
+              <a16:creationId xmlns:a16="http://schemas.microsoft.com/office/drawing/2014/main" id="{4BA95E7D-C242-4B04-3CEC-CF0D38F1C35C}"/>
+            </a:ext>
+          </a:extLst>
+        </p:cNvPr>
+        <p:cNvGrpSpPr/>
+        <p:nvPr/>
+      </p:nvGrpSpPr>
+      <p:grpSpPr>
+        <a:xfrm>
+          <a:off x="0" y="0"/>
+          <a:ext cx="0" cy="0"/>
+          <a:chOff x="0" y="0"/>
+          <a:chExt cx="0" cy="0"/>
+        </a:xfrm>
+      </p:grpSpPr>
+      <p:sp>
+        <p:nvSpPr>
+          <p:cNvPr id="2" name="Образ слайда 1">
+            <a:extLst>
+              <a:ext uri="{FF2B5EF4-FFF2-40B4-BE49-F238E27FC236}">
+                <a16:creationId xmlns:a16="http://schemas.microsoft.com/office/drawing/2014/main" id="{A4F192BA-81EA-DFD8-6D51-DAFBCA848D2D}"/>
+              </a:ext>
+            </a:extLst>
+          </p:cNvPr>
+          <p:cNvSpPr>
+            <a:spLocks noGrp="1" noRot="1" noChangeAspect="1"/>
+          </p:cNvSpPr>
+          <p:nvPr>
+            <p:ph type="sldImg"/>
+          </p:nvPr>
+        </p:nvSpPr>
+        <p:spPr/>
+      </p:sp>
+      <p:sp>
+        <p:nvSpPr>
+          <p:cNvPr id="3" name="Заметки 2">
+            <a:extLst>
+              <a:ext uri="{FF2B5EF4-FFF2-40B4-BE49-F238E27FC236}">
+                <a16:creationId xmlns:a16="http://schemas.microsoft.com/office/drawing/2014/main" id="{FB7DC891-8AAD-FB7E-4DBF-06CD6F54890A}"/>
+              </a:ext>
+            </a:extLst>
+          </p:cNvPr>
+          <p:cNvSpPr>
+            <a:spLocks noGrp="1"/>
+          </p:cNvSpPr>
+          <p:nvPr>
+            <p:ph type="body" idx="1"/>
+          </p:nvPr>
+        </p:nvSpPr>
+        <p:spPr/>
+        <p:txBody>
+          <a:bodyPr/>
+          <a:lstStyle/>
+          <a:p>
+            <a:pPr marL="0" marR="0" lvl="0" indent="0" algn="l" defTabSz="914400" rtl="0" eaLnBrk="1" fontAlgn="auto" latinLnBrk="0" hangingPunct="1">
+              <a:lnSpc>
+                <a:spcPct val="100000"/>
+              </a:lnSpc>
+              <a:spcBef>
+                <a:spcPts val="0"/>
+              </a:spcBef>
+              <a:spcAft>
+                <a:spcPts val="0"/>
+              </a:spcAft>
+              <a:buClrTx/>
+              <a:buSzTx/>
+              <a:buFontTx/>
+              <a:buNone/>
+              <a:tabLst/>
+              <a:defRPr/>
+            </a:pPr>
+            <a:r>
+              <a:rPr lang="ru-RU" dirty="0"/>
+              <a:t>Первый вариант нам не согласовала команда, ответственная за балансировщики. Остается второй вариант. </a:t>
+            </a:r>
+            <a:br>
+              <a:rPr lang="ru-RU" dirty="0"/>
+            </a:br>
+            <a:br>
+              <a:rPr lang="ru-RU" dirty="0"/>
+            </a:br>
+            <a:r>
+              <a:rPr lang="ru-RU" dirty="0"/>
+              <a:t>Внедрив его, мы избавились от человеческого фактора при настройке балансировщиков. </a:t>
+            </a:r>
+            <a:br>
+              <a:rPr lang="ru-RU" dirty="0"/>
+            </a:br>
+            <a:r>
+              <a:rPr lang="ru-RU" dirty="0"/>
+              <a:t>Из минусов – в конфигурациях балансировщиков невозможно заранее указать, с какого источника трафик они обрабатывают.</a:t>
+            </a:r>
+          </a:p>
+        </p:txBody>
+      </p:sp>
+      <p:sp>
+        <p:nvSpPr>
+          <p:cNvPr id="4" name="Номер слайда 3">
+            <a:extLst>
+              <a:ext uri="{FF2B5EF4-FFF2-40B4-BE49-F238E27FC236}">
+                <a16:creationId xmlns:a16="http://schemas.microsoft.com/office/drawing/2014/main" id="{9C520F4B-2B9C-3171-71E3-99030722AFE9}"/>
+              </a:ext>
+            </a:extLst>
+          </p:cNvPr>
+          <p:cNvSpPr>
+            <a:spLocks noGrp="1"/>
+          </p:cNvSpPr>
+          <p:nvPr>
+            <p:ph type="sldNum" sz="quarter" idx="5"/>
+          </p:nvPr>
+        </p:nvSpPr>
+        <p:spPr/>
+        <p:txBody>
+          <a:bodyPr/>
+          <a:lstStyle/>
+          <a:p>
+            <a:fld id="{8329C60B-6F98-8646-A41A-70FA44D3BDF6}" type="slidenum">
+              <a:rPr lang="ru-RU" smtClean="0"/>
+              <a:t>10</a:t>
+            </a:fld>
+            <a:endParaRPr lang="ru-RU"/>
+          </a:p>
+        </p:txBody>
+      </p:sp>
+    </p:spTree>
+    <p:extLst>
+      <p:ext uri="{BB962C8B-B14F-4D97-AF65-F5344CB8AC3E}">
+        <p14:creationId xmlns:p14="http://schemas.microsoft.com/office/powerpoint/2010/main" val="269196630"/>
+      </p:ext>
+    </p:extLst>
+  </p:cSld>
+  <p:clrMapOvr>
+    <a:masterClrMapping/>
+  </p:clrMapOvr>
+</p:notes>
+</file>
+
+<file path=ppt/notesSlides/notesSlide11.xml><?xml version="1.0" encoding="utf-8"?>
+<p:notes xmlns:a="http://schemas.openxmlformats.org/drawingml/2006/main" xmlns:r="http://schemas.openxmlformats.org/officeDocument/2006/relationships" xmlns:p="http://schemas.openxmlformats.org/presentationml/2006/main">
+  <p:cSld>
+    <p:spTree>
+      <p:nvGrpSpPr>
+        <p:cNvPr id="1" name="">
+          <a:extLst>
+            <a:ext uri="{FF2B5EF4-FFF2-40B4-BE49-F238E27FC236}">
+              <a16:creationId xmlns:a16="http://schemas.microsoft.com/office/drawing/2014/main" id="{089EB586-895C-9126-F13D-EDDA8CA39FCE}"/>
+            </a:ext>
+          </a:extLst>
+        </p:cNvPr>
+        <p:cNvGrpSpPr/>
+        <p:nvPr/>
+      </p:nvGrpSpPr>
+      <p:grpSpPr>
+        <a:xfrm>
+          <a:off x="0" y="0"/>
+          <a:ext cx="0" cy="0"/>
+          <a:chOff x="0" y="0"/>
+          <a:chExt cx="0" cy="0"/>
+        </a:xfrm>
+      </p:grpSpPr>
+      <p:sp>
+        <p:nvSpPr>
+          <p:cNvPr id="2" name="Образ слайда 1">
+            <a:extLst>
+              <a:ext uri="{FF2B5EF4-FFF2-40B4-BE49-F238E27FC236}">
+                <a16:creationId xmlns:a16="http://schemas.microsoft.com/office/drawing/2014/main" id="{1A4E5545-FC11-B504-7259-8AE491636B2C}"/>
+              </a:ext>
+            </a:extLst>
+          </p:cNvPr>
+          <p:cNvSpPr>
+            <a:spLocks noGrp="1" noRot="1" noChangeAspect="1"/>
+          </p:cNvSpPr>
+          <p:nvPr>
+            <p:ph type="sldImg"/>
+          </p:nvPr>
+        </p:nvSpPr>
+        <p:spPr/>
+      </p:sp>
+      <p:sp>
+        <p:nvSpPr>
+          <p:cNvPr id="3" name="Заметки 2">
+            <a:extLst>
+              <a:ext uri="{FF2B5EF4-FFF2-40B4-BE49-F238E27FC236}">
+                <a16:creationId xmlns:a16="http://schemas.microsoft.com/office/drawing/2014/main" id="{DA2160EA-F830-1B7A-3325-BC7F60FB25C7}"/>
+              </a:ext>
+            </a:extLst>
+          </p:cNvPr>
+          <p:cNvSpPr>
+            <a:spLocks noGrp="1"/>
+          </p:cNvSpPr>
+          <p:nvPr>
+            <p:ph type="body" idx="1"/>
+          </p:nvPr>
+        </p:nvSpPr>
+        <p:spPr/>
+        <p:txBody>
+          <a:bodyPr/>
+          <a:lstStyle/>
+          <a:p>
+            <a:pPr marL="0" marR="0" lvl="0" indent="0" algn="l" defTabSz="914400" rtl="0" eaLnBrk="1" fontAlgn="auto" latinLnBrk="0" hangingPunct="1">
+              <a:lnSpc>
+                <a:spcPct val="100000"/>
+              </a:lnSpc>
+              <a:spcBef>
+                <a:spcPts val="0"/>
+              </a:spcBef>
+              <a:spcAft>
+                <a:spcPts val="0"/>
+              </a:spcAft>
+              <a:buClrTx/>
+              <a:buSzTx/>
+              <a:buFontTx/>
+              <a:buNone/>
+              <a:tabLst/>
+              <a:defRPr/>
+            </a:pPr>
+            <a:r>
+              <a:rPr lang="ru-RU" dirty="0"/>
+              <a:t>Первый вариант нам не согласовала в этот раз команда, поддерживающая наш </a:t>
+            </a:r>
+            <a:r>
+              <a:rPr lang="en-US" dirty="0"/>
+              <a:t>Kafka </a:t>
+            </a:r>
+            <a:r>
+              <a:rPr lang="ru-RU" dirty="0"/>
+              <a:t>кластер и настояла, чтобы мы мигрировали на </a:t>
+            </a:r>
+            <a:r>
+              <a:rPr lang="en-US" dirty="0" err="1"/>
+              <a:t>KaaS</a:t>
+            </a:r>
+            <a:r>
+              <a:rPr lang="ru-RU" dirty="0"/>
+              <a:t>. Выбора нет, новая автоматизация будет использовать </a:t>
+            </a:r>
+            <a:r>
+              <a:rPr lang="en-US" dirty="0" err="1"/>
+              <a:t>KaaS</a:t>
+            </a:r>
+            <a:r>
+              <a:rPr lang="en-US" dirty="0"/>
+              <a:t>.</a:t>
+            </a:r>
+            <a:endParaRPr lang="ru-RU" dirty="0"/>
+          </a:p>
+        </p:txBody>
+      </p:sp>
+      <p:sp>
+        <p:nvSpPr>
+          <p:cNvPr id="4" name="Номер слайда 3">
+            <a:extLst>
+              <a:ext uri="{FF2B5EF4-FFF2-40B4-BE49-F238E27FC236}">
+                <a16:creationId xmlns:a16="http://schemas.microsoft.com/office/drawing/2014/main" id="{4AA2BBE9-6D0B-46EB-D7FA-E06FB770A76C}"/>
+              </a:ext>
+            </a:extLst>
+          </p:cNvPr>
+          <p:cNvSpPr>
+            <a:spLocks noGrp="1"/>
+          </p:cNvSpPr>
+          <p:nvPr>
+            <p:ph type="sldNum" sz="quarter" idx="5"/>
+          </p:nvPr>
+        </p:nvSpPr>
+        <p:spPr/>
+        <p:txBody>
+          <a:bodyPr/>
+          <a:lstStyle/>
+          <a:p>
+            <a:fld id="{8329C60B-6F98-8646-A41A-70FA44D3BDF6}" type="slidenum">
+              <a:rPr lang="ru-RU" smtClean="0"/>
+              <a:t>11</a:t>
+            </a:fld>
+            <a:endParaRPr lang="ru-RU"/>
+          </a:p>
+        </p:txBody>
+      </p:sp>
+    </p:spTree>
+    <p:extLst>
+      <p:ext uri="{BB962C8B-B14F-4D97-AF65-F5344CB8AC3E}">
+        <p14:creationId xmlns:p14="http://schemas.microsoft.com/office/powerpoint/2010/main" val="3987760165"/>
+      </p:ext>
+    </p:extLst>
+  </p:cSld>
+  <p:clrMapOvr>
+    <a:masterClrMapping/>
+  </p:clrMapOvr>
+</p:notes>
+</file>
+
+<file path=ppt/notesSlides/notesSlide12.xml><?xml version="1.0" encoding="utf-8"?>
+<p:notes xmlns:a="http://schemas.openxmlformats.org/drawingml/2006/main" xmlns:r="http://schemas.openxmlformats.org/officeDocument/2006/relationships" xmlns:p="http://schemas.openxmlformats.org/presentationml/2006/main">
+  <p:cSld>
+    <p:spTree>
+      <p:nvGrpSpPr>
+        <p:cNvPr id="1" name="">
+          <a:extLst>
+            <a:ext uri="{FF2B5EF4-FFF2-40B4-BE49-F238E27FC236}">
+              <a16:creationId xmlns:a16="http://schemas.microsoft.com/office/drawing/2014/main" id="{EEB6ADFC-A573-64D4-2D1D-2176765E4B73}"/>
+            </a:ext>
+          </a:extLst>
+        </p:cNvPr>
+        <p:cNvGrpSpPr/>
+        <p:nvPr/>
+      </p:nvGrpSpPr>
+      <p:grpSpPr>
+        <a:xfrm>
+          <a:off x="0" y="0"/>
+          <a:ext cx="0" cy="0"/>
+          <a:chOff x="0" y="0"/>
+          <a:chExt cx="0" cy="0"/>
+        </a:xfrm>
+      </p:grpSpPr>
+      <p:sp>
+        <p:nvSpPr>
+          <p:cNvPr id="2" name="Образ слайда 1">
+            <a:extLst>
+              <a:ext uri="{FF2B5EF4-FFF2-40B4-BE49-F238E27FC236}">
+                <a16:creationId xmlns:a16="http://schemas.microsoft.com/office/drawing/2014/main" id="{995B8C91-EEAE-09DB-024A-171BD8DB33A9}"/>
+              </a:ext>
+            </a:extLst>
+          </p:cNvPr>
+          <p:cNvSpPr>
+            <a:spLocks noGrp="1" noRot="1" noChangeAspect="1"/>
+          </p:cNvSpPr>
+          <p:nvPr>
+            <p:ph type="sldImg"/>
+          </p:nvPr>
+        </p:nvSpPr>
+        <p:spPr/>
+      </p:sp>
+      <p:sp>
+        <p:nvSpPr>
+          <p:cNvPr id="3" name="Заметки 2">
+            <a:extLst>
+              <a:ext uri="{FF2B5EF4-FFF2-40B4-BE49-F238E27FC236}">
+                <a16:creationId xmlns:a16="http://schemas.microsoft.com/office/drawing/2014/main" id="{77B060EE-C07C-2087-028B-97A9E71CD599}"/>
+              </a:ext>
+            </a:extLst>
+          </p:cNvPr>
+          <p:cNvSpPr>
+            <a:spLocks noGrp="1"/>
+          </p:cNvSpPr>
+          <p:nvPr>
+            <p:ph type="body" idx="1"/>
+          </p:nvPr>
+        </p:nvSpPr>
+        <p:spPr/>
+        <p:txBody>
+          <a:bodyPr/>
+          <a:lstStyle/>
+          <a:p>
+            <a:pPr marL="0" marR="0" lvl="0" indent="0" algn="l" defTabSz="914400" rtl="0" eaLnBrk="1" fontAlgn="auto" latinLnBrk="0" hangingPunct="1">
+              <a:lnSpc>
+                <a:spcPct val="100000"/>
+              </a:lnSpc>
+              <a:spcBef>
+                <a:spcPts val="0"/>
+              </a:spcBef>
+              <a:spcAft>
+                <a:spcPts val="0"/>
+              </a:spcAft>
+              <a:buClrTx/>
+              <a:buSzTx/>
+              <a:buFontTx/>
+              <a:buNone/>
+              <a:tabLst/>
+              <a:defRPr/>
+            </a:pPr>
+            <a:r>
+              <a:rPr lang="ru-RU" dirty="0"/>
+              <a:t>Как единый источник решено использовать </a:t>
+            </a:r>
+            <a:r>
+              <a:rPr lang="en-US" dirty="0"/>
+              <a:t>Git </a:t>
+            </a:r>
+            <a:r>
+              <a:rPr lang="ru-RU" dirty="0"/>
+              <a:t>репозиторий со структурой файлов, изображенной слева на слайде. </a:t>
+            </a:r>
+          </a:p>
+          <a:p>
+            <a:pPr marL="0" marR="0" lvl="0" indent="0" algn="l" defTabSz="914400" rtl="0" eaLnBrk="1" fontAlgn="auto" latinLnBrk="0" hangingPunct="1">
+              <a:lnSpc>
+                <a:spcPct val="100000"/>
+              </a:lnSpc>
+              <a:spcBef>
+                <a:spcPts val="0"/>
+              </a:spcBef>
+              <a:spcAft>
+                <a:spcPts val="0"/>
+              </a:spcAft>
+              <a:buClrTx/>
+              <a:buSzTx/>
+              <a:buFontTx/>
+              <a:buNone/>
+              <a:tabLst/>
+              <a:defRPr/>
+            </a:pPr>
+            <a:r>
+              <a:rPr lang="ru-RU" dirty="0"/>
+              <a:t>Название директории в дальнейшем будет являться ключом для всех автоматически создаваемых сущностей.</a:t>
+            </a:r>
+          </a:p>
+        </p:txBody>
+      </p:sp>
+      <p:sp>
+        <p:nvSpPr>
+          <p:cNvPr id="4" name="Номер слайда 3">
+            <a:extLst>
+              <a:ext uri="{FF2B5EF4-FFF2-40B4-BE49-F238E27FC236}">
+                <a16:creationId xmlns:a16="http://schemas.microsoft.com/office/drawing/2014/main" id="{54DABC55-DC23-F1C2-EB9F-96B7F36FE72E}"/>
+              </a:ext>
+            </a:extLst>
+          </p:cNvPr>
+          <p:cNvSpPr>
+            <a:spLocks noGrp="1"/>
+          </p:cNvSpPr>
+          <p:nvPr>
+            <p:ph type="sldNum" sz="quarter" idx="5"/>
+          </p:nvPr>
+        </p:nvSpPr>
+        <p:spPr/>
+        <p:txBody>
+          <a:bodyPr/>
+          <a:lstStyle/>
+          <a:p>
+            <a:fld id="{8329C60B-6F98-8646-A41A-70FA44D3BDF6}" type="slidenum">
+              <a:rPr lang="ru-RU" smtClean="0"/>
+              <a:t>12</a:t>
+            </a:fld>
+            <a:endParaRPr lang="ru-RU"/>
+          </a:p>
+        </p:txBody>
+      </p:sp>
+    </p:spTree>
+    <p:extLst>
+      <p:ext uri="{BB962C8B-B14F-4D97-AF65-F5344CB8AC3E}">
+        <p14:creationId xmlns:p14="http://schemas.microsoft.com/office/powerpoint/2010/main" val="3991910452"/>
+      </p:ext>
+    </p:extLst>
+  </p:cSld>
+  <p:clrMapOvr>
+    <a:masterClrMapping/>
+  </p:clrMapOvr>
+</p:notes>
+</file>
+
+<file path=ppt/notesSlides/notesSlide13.xml><?xml version="1.0" encoding="utf-8"?>
+<p:notes xmlns:a="http://schemas.openxmlformats.org/drawingml/2006/main" xmlns:r="http://schemas.openxmlformats.org/officeDocument/2006/relationships" xmlns:p="http://schemas.openxmlformats.org/presentationml/2006/main">
+  <p:cSld>
+    <p:spTree>
+      <p:nvGrpSpPr>
+        <p:cNvPr id="1" name="">
+          <a:extLst>
+            <a:ext uri="{FF2B5EF4-FFF2-40B4-BE49-F238E27FC236}">
+              <a16:creationId xmlns:a16="http://schemas.microsoft.com/office/drawing/2014/main" id="{D0268E40-36BC-8817-FEC4-E7AB175BC5C4}"/>
+            </a:ext>
+          </a:extLst>
+        </p:cNvPr>
+        <p:cNvGrpSpPr/>
+        <p:nvPr/>
+      </p:nvGrpSpPr>
+      <p:grpSpPr>
+        <a:xfrm>
+          <a:off x="0" y="0"/>
+          <a:ext cx="0" cy="0"/>
+          <a:chOff x="0" y="0"/>
+          <a:chExt cx="0" cy="0"/>
+        </a:xfrm>
+      </p:grpSpPr>
+      <p:sp>
+        <p:nvSpPr>
+          <p:cNvPr id="2" name="Образ слайда 1">
+            <a:extLst>
+              <a:ext uri="{FF2B5EF4-FFF2-40B4-BE49-F238E27FC236}">
+                <a16:creationId xmlns:a16="http://schemas.microsoft.com/office/drawing/2014/main" id="{1D373244-6A29-BADA-C51B-D68285CED534}"/>
+              </a:ext>
+            </a:extLst>
+          </p:cNvPr>
+          <p:cNvSpPr>
+            <a:spLocks noGrp="1" noRot="1" noChangeAspect="1"/>
+          </p:cNvSpPr>
+          <p:nvPr>
+            <p:ph type="sldImg"/>
+          </p:nvPr>
+        </p:nvSpPr>
+        <p:spPr/>
+      </p:sp>
+      <p:sp>
+        <p:nvSpPr>
+          <p:cNvPr id="3" name="Заметки 2">
+            <a:extLst>
+              <a:ext uri="{FF2B5EF4-FFF2-40B4-BE49-F238E27FC236}">
+                <a16:creationId xmlns:a16="http://schemas.microsoft.com/office/drawing/2014/main" id="{5DCB2749-4E43-3B50-D5FB-46AB83DA0294}"/>
+              </a:ext>
+            </a:extLst>
+          </p:cNvPr>
+          <p:cNvSpPr>
+            <a:spLocks noGrp="1"/>
+          </p:cNvSpPr>
+          <p:nvPr>
+            <p:ph type="body" idx="1"/>
+          </p:nvPr>
+        </p:nvSpPr>
+        <p:spPr/>
+        <p:txBody>
+          <a:bodyPr/>
+          <a:lstStyle/>
+          <a:p>
+            <a:pPr marL="0" marR="0" lvl="0" indent="0" algn="l" defTabSz="914400" rtl="0" eaLnBrk="1" fontAlgn="auto" latinLnBrk="0" hangingPunct="1">
+              <a:lnSpc>
+                <a:spcPct val="100000"/>
+              </a:lnSpc>
+              <a:spcBef>
+                <a:spcPts val="0"/>
+              </a:spcBef>
+              <a:spcAft>
+                <a:spcPts val="0"/>
+              </a:spcAft>
+              <a:buClrTx/>
+              <a:buSzTx/>
+              <a:buFontTx/>
+              <a:buNone/>
+              <a:tabLst/>
+              <a:defRPr/>
+            </a:pPr>
+            <a:r>
+              <a:rPr lang="ru-RU" dirty="0"/>
+              <a:t>В таком случае не решается проблема с тем, что поиск порта выполняется руками. И исправление </a:t>
+            </a:r>
+            <a:br>
+              <a:rPr lang="ru-RU" dirty="0"/>
+            </a:br>
+            <a:r>
+              <a:rPr lang="ru-RU" dirty="0"/>
+              <a:t>Выбран следующий алгоритм. Так как он показал себя быстрее остальных по скорости работы и не требует подключения к хосту</a:t>
+            </a:r>
+          </a:p>
+          <a:p>
+            <a:endParaRPr lang="ru-RU" dirty="0"/>
+          </a:p>
+        </p:txBody>
+      </p:sp>
+      <p:sp>
+        <p:nvSpPr>
+          <p:cNvPr id="4" name="Номер слайда 3">
+            <a:extLst>
+              <a:ext uri="{FF2B5EF4-FFF2-40B4-BE49-F238E27FC236}">
+                <a16:creationId xmlns:a16="http://schemas.microsoft.com/office/drawing/2014/main" id="{1A8DBE31-D6A7-3FC2-E5B9-88182BF40720}"/>
+              </a:ext>
+            </a:extLst>
+          </p:cNvPr>
+          <p:cNvSpPr>
+            <a:spLocks noGrp="1"/>
+          </p:cNvSpPr>
+          <p:nvPr>
+            <p:ph type="sldNum" sz="quarter" idx="5"/>
+          </p:nvPr>
+        </p:nvSpPr>
+        <p:spPr/>
+        <p:txBody>
+          <a:bodyPr/>
+          <a:lstStyle/>
+          <a:p>
+            <a:fld id="{8329C60B-6F98-8646-A41A-70FA44D3BDF6}" type="slidenum">
+              <a:rPr lang="ru-RU" smtClean="0"/>
+              <a:t>13</a:t>
+            </a:fld>
+            <a:endParaRPr lang="ru-RU"/>
+          </a:p>
+        </p:txBody>
+      </p:sp>
+    </p:spTree>
+    <p:extLst>
+      <p:ext uri="{BB962C8B-B14F-4D97-AF65-F5344CB8AC3E}">
+        <p14:creationId xmlns:p14="http://schemas.microsoft.com/office/powerpoint/2010/main" val="93051632"/>
+      </p:ext>
+    </p:extLst>
+  </p:cSld>
+  <p:clrMapOvr>
+    <a:masterClrMapping/>
+  </p:clrMapOvr>
+</p:notes>
+</file>
+
+<file path=ppt/notesSlides/notesSlide14.xml><?xml version="1.0" encoding="utf-8"?>
+<p:notes xmlns:a="http://schemas.openxmlformats.org/drawingml/2006/main" xmlns:r="http://schemas.openxmlformats.org/officeDocument/2006/relationships" xmlns:p="http://schemas.openxmlformats.org/presentationml/2006/main">
+  <p:cSld>
+    <p:spTree>
+      <p:nvGrpSpPr>
+        <p:cNvPr id="1" name="">
+          <a:extLst>
+            <a:ext uri="{FF2B5EF4-FFF2-40B4-BE49-F238E27FC236}">
+              <a16:creationId xmlns:a16="http://schemas.microsoft.com/office/drawing/2014/main" id="{3EFC9833-47B0-7DC5-B133-DA9FF882A962}"/>
+            </a:ext>
+          </a:extLst>
+        </p:cNvPr>
+        <p:cNvGrpSpPr/>
+        <p:nvPr/>
+      </p:nvGrpSpPr>
+      <p:grpSpPr>
+        <a:xfrm>
+          <a:off x="0" y="0"/>
+          <a:ext cx="0" cy="0"/>
+          <a:chOff x="0" y="0"/>
+          <a:chExt cx="0" cy="0"/>
+        </a:xfrm>
+      </p:grpSpPr>
+      <p:sp>
+        <p:nvSpPr>
+          <p:cNvPr id="2" name="Образ слайда 1">
+            <a:extLst>
+              <a:ext uri="{FF2B5EF4-FFF2-40B4-BE49-F238E27FC236}">
+                <a16:creationId xmlns:a16="http://schemas.microsoft.com/office/drawing/2014/main" id="{1C45EE8E-EA27-2381-788C-EB75DD398793}"/>
+              </a:ext>
+            </a:extLst>
+          </p:cNvPr>
+          <p:cNvSpPr>
+            <a:spLocks noGrp="1" noRot="1" noChangeAspect="1"/>
+          </p:cNvSpPr>
+          <p:nvPr>
+            <p:ph type="sldImg"/>
+          </p:nvPr>
+        </p:nvSpPr>
+        <p:spPr/>
+      </p:sp>
+      <p:sp>
+        <p:nvSpPr>
+          <p:cNvPr id="3" name="Заметки 2">
+            <a:extLst>
+              <a:ext uri="{FF2B5EF4-FFF2-40B4-BE49-F238E27FC236}">
+                <a16:creationId xmlns:a16="http://schemas.microsoft.com/office/drawing/2014/main" id="{1F246A79-B504-FC12-059D-659BFB0283A4}"/>
+              </a:ext>
+            </a:extLst>
+          </p:cNvPr>
+          <p:cNvSpPr>
+            <a:spLocks noGrp="1"/>
+          </p:cNvSpPr>
+          <p:nvPr>
+            <p:ph type="body" idx="1"/>
+          </p:nvPr>
+        </p:nvSpPr>
+        <p:spPr/>
+        <p:txBody>
+          <a:bodyPr/>
+          <a:lstStyle/>
+          <a:p>
+            <a:r>
+              <a:rPr lang="ru-RU" dirty="0"/>
+              <a:t>В целом, не представляет из себя ничего сложного, так как </a:t>
+            </a:r>
+            <a:r>
+              <a:rPr lang="en-US" dirty="0"/>
+              <a:t>Kafka </a:t>
+            </a:r>
+            <a:r>
+              <a:rPr lang="ru-RU" dirty="0"/>
+              <a:t>предоставляется нам как </a:t>
+            </a:r>
+            <a:r>
+              <a:rPr lang="en-US" dirty="0"/>
+              <a:t>IaaS </a:t>
+            </a:r>
+            <a:r>
+              <a:rPr lang="ru-RU" dirty="0"/>
+              <a:t>или (</a:t>
+            </a:r>
+            <a:r>
+              <a:rPr lang="en-US" dirty="0"/>
+              <a:t>PaaS, </a:t>
+            </a:r>
+            <a:r>
+              <a:rPr lang="ru-RU" dirty="0"/>
+              <a:t>уточнить (или вовсе не говорить)</a:t>
+            </a:r>
+            <a:r>
+              <a:rPr lang="en-US" dirty="0"/>
+              <a:t>)</a:t>
+            </a:r>
+            <a:r>
+              <a:rPr lang="ru-RU" dirty="0"/>
+              <a:t>. У нас есть </a:t>
+            </a:r>
+            <a:r>
+              <a:rPr lang="en-US" dirty="0"/>
+              <a:t>API </a:t>
+            </a:r>
+            <a:r>
+              <a:rPr lang="ru-RU" dirty="0"/>
+              <a:t>для создания топика, нужно интегрироваться с ним и все.</a:t>
+            </a:r>
+          </a:p>
+          <a:p>
+            <a:r>
+              <a:rPr lang="ru-RU" dirty="0"/>
+              <a:t>Проблема в том, что поддерживаемый кластер </a:t>
+            </a:r>
+            <a:r>
+              <a:rPr lang="en-US" dirty="0" err="1"/>
+              <a:t>EoL</a:t>
+            </a:r>
+            <a:r>
+              <a:rPr lang="en-US" dirty="0"/>
+              <a:t> </a:t>
+            </a:r>
+            <a:r>
+              <a:rPr lang="ru-RU" dirty="0"/>
+              <a:t>и в ближайшем будущем придется переехать на решение </a:t>
+            </a:r>
+            <a:r>
+              <a:rPr lang="en-US" dirty="0"/>
+              <a:t>Kafka as a Service. </a:t>
+            </a:r>
+            <a:r>
+              <a:rPr lang="ru-RU" dirty="0"/>
+              <a:t>И это решение, хоть и имеет </a:t>
+            </a:r>
+            <a:r>
+              <a:rPr lang="en-US" dirty="0"/>
+              <a:t>API, </a:t>
+            </a:r>
+            <a:r>
+              <a:rPr lang="ru-RU" dirty="0"/>
+              <a:t>не предоставляет и не планирует предоставлять его публично. Поэтому пришлось заняться реверс-инжинирингом (если это можно так назвать), чтобы получить </a:t>
+            </a:r>
+            <a:r>
+              <a:rPr lang="en-US" dirty="0"/>
+              <a:t>API.</a:t>
+            </a:r>
+            <a:r>
+              <a:rPr lang="ru-RU" dirty="0"/>
+              <a:t> </a:t>
+            </a:r>
+          </a:p>
+          <a:p>
+            <a:r>
+              <a:rPr lang="ru-RU" dirty="0"/>
+              <a:t>В целом, сложность только в том, что нужно учесть возможность создания топиков в разных кластерах через разные </a:t>
+            </a:r>
+            <a:r>
+              <a:rPr lang="en-US" dirty="0"/>
+              <a:t>API. </a:t>
+            </a:r>
+            <a:r>
+              <a:rPr lang="ru-RU" dirty="0"/>
+              <a:t>Пишем «адаптер» в условиях </a:t>
+            </a:r>
+            <a:r>
+              <a:rPr lang="en-US" dirty="0"/>
+              <a:t>Ansible.</a:t>
+            </a:r>
+            <a:endParaRPr lang="ru-RU" dirty="0"/>
+          </a:p>
+        </p:txBody>
+      </p:sp>
+      <p:sp>
+        <p:nvSpPr>
+          <p:cNvPr id="4" name="Номер слайда 3">
+            <a:extLst>
+              <a:ext uri="{FF2B5EF4-FFF2-40B4-BE49-F238E27FC236}">
+                <a16:creationId xmlns:a16="http://schemas.microsoft.com/office/drawing/2014/main" id="{76052AD7-D6C7-0F6A-458F-5C1DC4BEBA02}"/>
+              </a:ext>
+            </a:extLst>
+          </p:cNvPr>
+          <p:cNvSpPr>
+            <a:spLocks noGrp="1"/>
+          </p:cNvSpPr>
+          <p:nvPr>
+            <p:ph type="sldNum" sz="quarter" idx="5"/>
+          </p:nvPr>
+        </p:nvSpPr>
+        <p:spPr/>
+        <p:txBody>
+          <a:bodyPr/>
+          <a:lstStyle/>
+          <a:p>
+            <a:fld id="{8329C60B-6F98-8646-A41A-70FA44D3BDF6}" type="slidenum">
+              <a:rPr lang="ru-RU" smtClean="0"/>
+              <a:t>14</a:t>
+            </a:fld>
+            <a:endParaRPr lang="ru-RU"/>
+          </a:p>
+        </p:txBody>
+      </p:sp>
+    </p:spTree>
+    <p:extLst>
+      <p:ext uri="{BB962C8B-B14F-4D97-AF65-F5344CB8AC3E}">
+        <p14:creationId xmlns:p14="http://schemas.microsoft.com/office/powerpoint/2010/main" val="1838137397"/>
+      </p:ext>
+    </p:extLst>
+  </p:cSld>
+  <p:clrMapOvr>
+    <a:masterClrMapping/>
+  </p:clrMapOvr>
+</p:notes>
+</file>
+
+<file path=ppt/notesSlides/notesSlide15.xml><?xml version="1.0" encoding="utf-8"?>
+<p:notes xmlns:a="http://schemas.openxmlformats.org/drawingml/2006/main" xmlns:r="http://schemas.openxmlformats.org/officeDocument/2006/relationships" xmlns:p="http://schemas.openxmlformats.org/presentationml/2006/main">
+  <p:cSld>
+    <p:spTree>
+      <p:nvGrpSpPr>
+        <p:cNvPr id="1" name="">
+          <a:extLst>
+            <a:ext uri="{FF2B5EF4-FFF2-40B4-BE49-F238E27FC236}">
+              <a16:creationId xmlns:a16="http://schemas.microsoft.com/office/drawing/2014/main" id="{367BB3A4-0246-B280-A64F-FBE1C6856DB1}"/>
+            </a:ext>
+          </a:extLst>
+        </p:cNvPr>
+        <p:cNvGrpSpPr/>
+        <p:nvPr/>
+      </p:nvGrpSpPr>
+      <p:grpSpPr>
+        <a:xfrm>
+          <a:off x="0" y="0"/>
+          <a:ext cx="0" cy="0"/>
+          <a:chOff x="0" y="0"/>
+          <a:chExt cx="0" cy="0"/>
+        </a:xfrm>
+      </p:grpSpPr>
+      <p:sp>
+        <p:nvSpPr>
+          <p:cNvPr id="2" name="Образ слайда 1">
+            <a:extLst>
+              <a:ext uri="{FF2B5EF4-FFF2-40B4-BE49-F238E27FC236}">
+                <a16:creationId xmlns:a16="http://schemas.microsoft.com/office/drawing/2014/main" id="{C05D18AA-A93F-34A0-4CB0-45D46EDE3172}"/>
+              </a:ext>
+            </a:extLst>
+          </p:cNvPr>
+          <p:cNvSpPr>
+            <a:spLocks noGrp="1" noRot="1" noChangeAspect="1"/>
+          </p:cNvSpPr>
+          <p:nvPr>
+            <p:ph type="sldImg"/>
+          </p:nvPr>
+        </p:nvSpPr>
+        <p:spPr/>
+      </p:sp>
+      <p:sp>
+        <p:nvSpPr>
+          <p:cNvPr id="3" name="Заметки 2">
+            <a:extLst>
+              <a:ext uri="{FF2B5EF4-FFF2-40B4-BE49-F238E27FC236}">
+                <a16:creationId xmlns:a16="http://schemas.microsoft.com/office/drawing/2014/main" id="{A76751F8-598D-3B4F-D5D1-527E712E2E5E}"/>
+              </a:ext>
+            </a:extLst>
+          </p:cNvPr>
+          <p:cNvSpPr>
+            <a:spLocks noGrp="1"/>
+          </p:cNvSpPr>
+          <p:nvPr>
+            <p:ph type="body" idx="1"/>
+          </p:nvPr>
+        </p:nvSpPr>
+        <p:spPr/>
+        <p:txBody>
+          <a:bodyPr/>
+          <a:lstStyle/>
+          <a:p>
+            <a:endParaRPr lang="ru-RU" dirty="0"/>
+          </a:p>
+        </p:txBody>
+      </p:sp>
+      <p:sp>
+        <p:nvSpPr>
+          <p:cNvPr id="4" name="Номер слайда 3">
+            <a:extLst>
+              <a:ext uri="{FF2B5EF4-FFF2-40B4-BE49-F238E27FC236}">
+                <a16:creationId xmlns:a16="http://schemas.microsoft.com/office/drawing/2014/main" id="{E59D768B-7131-348E-B7A1-9D5B2E285555}"/>
+              </a:ext>
+            </a:extLst>
+          </p:cNvPr>
+          <p:cNvSpPr>
+            <a:spLocks noGrp="1"/>
+          </p:cNvSpPr>
+          <p:nvPr>
+            <p:ph type="sldNum" sz="quarter" idx="5"/>
+          </p:nvPr>
+        </p:nvSpPr>
+        <p:spPr/>
+        <p:txBody>
+          <a:bodyPr/>
+          <a:lstStyle/>
+          <a:p>
+            <a:fld id="{8329C60B-6F98-8646-A41A-70FA44D3BDF6}" type="slidenum">
+              <a:rPr lang="ru-RU" smtClean="0"/>
+              <a:t>15</a:t>
+            </a:fld>
+            <a:endParaRPr lang="ru-RU"/>
+          </a:p>
+        </p:txBody>
+      </p:sp>
+    </p:spTree>
+    <p:extLst>
+      <p:ext uri="{BB962C8B-B14F-4D97-AF65-F5344CB8AC3E}">
+        <p14:creationId xmlns:p14="http://schemas.microsoft.com/office/powerpoint/2010/main" val="3185979451"/>
+      </p:ext>
+    </p:extLst>
+  </p:cSld>
+  <p:clrMapOvr>
+    <a:masterClrMapping/>
+  </p:clrMapOvr>
+</p:notes>
+</file>
+
+<file path=ppt/notesSlides/notesSlide16.xml><?xml version="1.0" encoding="utf-8"?>
+<p:notes xmlns:a="http://schemas.openxmlformats.org/drawingml/2006/main" xmlns:r="http://schemas.openxmlformats.org/officeDocument/2006/relationships" xmlns:p="http://schemas.openxmlformats.org/presentationml/2006/main">
+  <p:cSld>
+    <p:spTree>
+      <p:nvGrpSpPr>
+        <p:cNvPr id="1" name="">
+          <a:extLst>
+            <a:ext uri="{FF2B5EF4-FFF2-40B4-BE49-F238E27FC236}">
+              <a16:creationId xmlns:a16="http://schemas.microsoft.com/office/drawing/2014/main" id="{05696460-2D00-A5CA-594C-82238A87C9C5}"/>
+            </a:ext>
+          </a:extLst>
+        </p:cNvPr>
+        <p:cNvGrpSpPr/>
+        <p:nvPr/>
+      </p:nvGrpSpPr>
+      <p:grpSpPr>
+        <a:xfrm>
+          <a:off x="0" y="0"/>
+          <a:ext cx="0" cy="0"/>
+          <a:chOff x="0" y="0"/>
+          <a:chExt cx="0" cy="0"/>
+        </a:xfrm>
+      </p:grpSpPr>
+      <p:sp>
+        <p:nvSpPr>
+          <p:cNvPr id="2" name="Образ слайда 1">
+            <a:extLst>
+              <a:ext uri="{FF2B5EF4-FFF2-40B4-BE49-F238E27FC236}">
+                <a16:creationId xmlns:a16="http://schemas.microsoft.com/office/drawing/2014/main" id="{68C65B9E-3188-7EA7-B5C3-179B29F9AF90}"/>
+              </a:ext>
+            </a:extLst>
+          </p:cNvPr>
+          <p:cNvSpPr>
+            <a:spLocks noGrp="1" noRot="1" noChangeAspect="1"/>
+          </p:cNvSpPr>
+          <p:nvPr>
+            <p:ph type="sldImg"/>
+          </p:nvPr>
+        </p:nvSpPr>
+        <p:spPr/>
+      </p:sp>
+      <p:sp>
+        <p:nvSpPr>
+          <p:cNvPr id="3" name="Заметки 2">
+            <a:extLst>
+              <a:ext uri="{FF2B5EF4-FFF2-40B4-BE49-F238E27FC236}">
+                <a16:creationId xmlns:a16="http://schemas.microsoft.com/office/drawing/2014/main" id="{438BCA38-5A66-6486-E213-A0489AB443F0}"/>
+              </a:ext>
+            </a:extLst>
+          </p:cNvPr>
+          <p:cNvSpPr>
+            <a:spLocks noGrp="1"/>
+          </p:cNvSpPr>
+          <p:nvPr>
+            <p:ph type="body" idx="1"/>
+          </p:nvPr>
+        </p:nvSpPr>
+        <p:spPr/>
+        <p:txBody>
+          <a:bodyPr/>
+          <a:lstStyle/>
+          <a:p>
+            <a:r>
+              <a:rPr lang="ru-RU" dirty="0"/>
+              <a:t>Задача достаточно простая по сути, но содержит нюансы, которые могут вызвать головную боль в дальнейшем. Нужно продумать какие абстракции необходимо выделить, чтобы потом не переделывать.</a:t>
+            </a:r>
+          </a:p>
+          <a:p>
+            <a:br>
+              <a:rPr lang="ru-RU" dirty="0"/>
+            </a:br>
+            <a:r>
+              <a:rPr lang="ru-RU" dirty="0"/>
+              <a:t>Подробнее описано в ВКР (номер раздела)</a:t>
+            </a:r>
+          </a:p>
+        </p:txBody>
+      </p:sp>
+      <p:sp>
+        <p:nvSpPr>
+          <p:cNvPr id="4" name="Номер слайда 3">
+            <a:extLst>
+              <a:ext uri="{FF2B5EF4-FFF2-40B4-BE49-F238E27FC236}">
+                <a16:creationId xmlns:a16="http://schemas.microsoft.com/office/drawing/2014/main" id="{F7EBA7FC-385A-7CD7-098D-BAC5D7CC0A64}"/>
+              </a:ext>
+            </a:extLst>
+          </p:cNvPr>
+          <p:cNvSpPr>
+            <a:spLocks noGrp="1"/>
+          </p:cNvSpPr>
+          <p:nvPr>
+            <p:ph type="sldNum" sz="quarter" idx="5"/>
+          </p:nvPr>
+        </p:nvSpPr>
+        <p:spPr/>
+        <p:txBody>
+          <a:bodyPr/>
+          <a:lstStyle/>
+          <a:p>
+            <a:fld id="{8329C60B-6F98-8646-A41A-70FA44D3BDF6}" type="slidenum">
+              <a:rPr lang="ru-RU" smtClean="0"/>
+              <a:t>16</a:t>
+            </a:fld>
+            <a:endParaRPr lang="ru-RU"/>
+          </a:p>
+        </p:txBody>
+      </p:sp>
+    </p:spTree>
+    <p:extLst>
+      <p:ext uri="{BB962C8B-B14F-4D97-AF65-F5344CB8AC3E}">
+        <p14:creationId xmlns:p14="http://schemas.microsoft.com/office/powerpoint/2010/main" val="1686962044"/>
+      </p:ext>
+    </p:extLst>
+  </p:cSld>
+  <p:clrMapOvr>
+    <a:masterClrMapping/>
+  </p:clrMapOvr>
+</p:notes>
+</file>
+
+<file path=ppt/notesSlides/notesSlide17.xml><?xml version="1.0" encoding="utf-8"?>
+<p:notes xmlns:a="http://schemas.openxmlformats.org/drawingml/2006/main" xmlns:r="http://schemas.openxmlformats.org/officeDocument/2006/relationships" xmlns:p="http://schemas.openxmlformats.org/presentationml/2006/main">
+  <p:cSld>
+    <p:spTree>
+      <p:nvGrpSpPr>
+        <p:cNvPr id="1" name="">
+          <a:extLst>
+            <a:ext uri="{FF2B5EF4-FFF2-40B4-BE49-F238E27FC236}">
               <a16:creationId xmlns:a16="http://schemas.microsoft.com/office/drawing/2014/main" id="{0A83D924-4014-A40B-B6F2-0D40EC132912}"/>
             </a:ext>
           </a:extLst>
@@ -691,7 +1733,7 @@
           <a:p>
             <a:fld id="{8329C60B-6F98-8646-A41A-70FA44D3BDF6}" type="slidenum">
               <a:rPr lang="ru-RU" smtClean="0"/>
-              <a:t>10</a:t>
+              <a:t>17</a:t>
             </a:fld>
             <a:endParaRPr lang="ru-RU"/>
           </a:p>
@@ -710,7 +1752,7 @@
 </p:notes>
 </file>
 
-<file path=ppt/notesSlides/notesSlide11.xml><?xml version="1.0" encoding="utf-8"?>
+<file path=ppt/notesSlides/notesSlide18.xml><?xml version="1.0" encoding="utf-8"?>
 <p:notes xmlns:a="http://schemas.openxmlformats.org/drawingml/2006/main" xmlns:r="http://schemas.openxmlformats.org/officeDocument/2006/relationships" xmlns:p="http://schemas.openxmlformats.org/presentationml/2006/main">
   <p:cSld>
     <p:spTree>
@@ -778,7 +1820,7 @@
           <a:p>
             <a:fld id="{06DF3A17-B39C-4384-8360-75C07DE4B940}" type="slidenum">
               <a:rPr lang="ru-RU" smtClean="0"/>
-              <a:t>11</a:t>
+              <a:t>18</a:t>
             </a:fld>
             <a:endParaRPr lang="ru-RU"/>
           </a:p>
@@ -797,7 +1839,7 @@
 </p:notes>
 </file>
 
-<file path=ppt/notesSlides/notesSlide12.xml><?xml version="1.0" encoding="utf-8"?>
+<file path=ppt/notesSlides/notesSlide19.xml><?xml version="1.0" encoding="utf-8"?>
 <p:notes xmlns:a="http://schemas.openxmlformats.org/drawingml/2006/main" xmlns:r="http://schemas.openxmlformats.org/officeDocument/2006/relationships" xmlns:p="http://schemas.openxmlformats.org/presentationml/2006/main">
   <p:cSld>
     <p:spTree>
@@ -930,7 +1972,7 @@
           <a:p>
             <a:fld id="{8329C60B-6F98-8646-A41A-70FA44D3BDF6}" type="slidenum">
               <a:rPr lang="ru-RU" smtClean="0"/>
-              <a:t>12</a:t>
+              <a:t>19</a:t>
             </a:fld>
             <a:endParaRPr lang="ru-RU"/>
           </a:p>
@@ -949,7 +1991,135 @@
 </p:notes>
 </file>
 
-<file path=ppt/notesSlides/notesSlide13.xml><?xml version="1.0" encoding="utf-8"?>
+<file path=ppt/notesSlides/notesSlide2.xml><?xml version="1.0" encoding="utf-8"?>
+<p:notes xmlns:a="http://schemas.openxmlformats.org/drawingml/2006/main" xmlns:r="http://schemas.openxmlformats.org/officeDocument/2006/relationships" xmlns:p="http://schemas.openxmlformats.org/presentationml/2006/main">
+  <p:cSld>
+    <p:spTree>
+      <p:nvGrpSpPr>
+        <p:cNvPr id="1" name="">
+          <a:extLst>
+            <a:ext uri="{FF2B5EF4-FFF2-40B4-BE49-F238E27FC236}">
+              <a16:creationId xmlns:a16="http://schemas.microsoft.com/office/drawing/2014/main" id="{AB09AECE-C24E-7416-F259-BF67E8AC36FF}"/>
+            </a:ext>
+          </a:extLst>
+        </p:cNvPr>
+        <p:cNvGrpSpPr/>
+        <p:nvPr/>
+      </p:nvGrpSpPr>
+      <p:grpSpPr>
+        <a:xfrm>
+          <a:off x="0" y="0"/>
+          <a:ext cx="0" cy="0"/>
+          <a:chOff x="0" y="0"/>
+          <a:chExt cx="0" cy="0"/>
+        </a:xfrm>
+      </p:grpSpPr>
+      <p:sp>
+        <p:nvSpPr>
+          <p:cNvPr id="2" name="Образ слайда 1">
+            <a:extLst>
+              <a:ext uri="{FF2B5EF4-FFF2-40B4-BE49-F238E27FC236}">
+                <a16:creationId xmlns:a16="http://schemas.microsoft.com/office/drawing/2014/main" id="{18994F73-5B58-A5F0-ECBB-2EC42B20F53B}"/>
+              </a:ext>
+            </a:extLst>
+          </p:cNvPr>
+          <p:cNvSpPr>
+            <a:spLocks noGrp="1" noRot="1" noChangeAspect="1"/>
+          </p:cNvSpPr>
+          <p:nvPr>
+            <p:ph type="sldImg"/>
+          </p:nvPr>
+        </p:nvSpPr>
+        <p:spPr/>
+      </p:sp>
+      <p:sp>
+        <p:nvSpPr>
+          <p:cNvPr id="3" name="Заметки 2">
+            <a:extLst>
+              <a:ext uri="{FF2B5EF4-FFF2-40B4-BE49-F238E27FC236}">
+                <a16:creationId xmlns:a16="http://schemas.microsoft.com/office/drawing/2014/main" id="{6FA8D31C-E1AD-E855-D624-FAACAC6E5421}"/>
+              </a:ext>
+            </a:extLst>
+          </p:cNvPr>
+          <p:cNvSpPr>
+            <a:spLocks noGrp="1"/>
+          </p:cNvSpPr>
+          <p:nvPr>
+            <p:ph type="body" idx="1"/>
+          </p:nvPr>
+        </p:nvSpPr>
+        <p:spPr/>
+        <p:txBody>
+          <a:bodyPr/>
+          <a:lstStyle/>
+          <a:p>
+            <a:pPr marL="0" marR="0" lvl="0" indent="0" algn="l" defTabSz="914400" rtl="0" eaLnBrk="1" fontAlgn="auto" latinLnBrk="0" hangingPunct="1">
+              <a:lnSpc>
+                <a:spcPct val="100000"/>
+              </a:lnSpc>
+              <a:spcBef>
+                <a:spcPts val="0"/>
+              </a:spcBef>
+              <a:spcAft>
+                <a:spcPts val="0"/>
+              </a:spcAft>
+              <a:buClrTx/>
+              <a:buSzTx/>
+              <a:buFontTx/>
+              <a:buNone/>
+              <a:tabLst/>
+              <a:defRPr/>
+            </a:pPr>
+            <a:r>
+              <a:rPr lang="ru-RU" dirty="0"/>
+              <a:t>«Глоссарий – вариант для самых бедных». Лучше термины выносить в презентацию.</a:t>
+            </a:r>
+          </a:p>
+        </p:txBody>
+      </p:sp>
+      <p:sp>
+        <p:nvSpPr>
+          <p:cNvPr id="4" name="Номер слайда 3">
+            <a:extLst>
+              <a:ext uri="{FF2B5EF4-FFF2-40B4-BE49-F238E27FC236}">
+                <a16:creationId xmlns:a16="http://schemas.microsoft.com/office/drawing/2014/main" id="{2A14299D-B08B-A8D0-822B-98B293D85B09}"/>
+              </a:ext>
+            </a:extLst>
+          </p:cNvPr>
+          <p:cNvSpPr>
+            <a:spLocks noGrp="1"/>
+          </p:cNvSpPr>
+          <p:nvPr>
+            <p:ph type="sldNum" sz="quarter" idx="5"/>
+          </p:nvPr>
+        </p:nvSpPr>
+        <p:spPr/>
+        <p:txBody>
+          <a:bodyPr/>
+          <a:lstStyle/>
+          <a:p>
+            <a:fld id="{8329C60B-6F98-8646-A41A-70FA44D3BDF6}" type="slidenum">
+              <a:rPr lang="ru-RU" smtClean="0"/>
+              <a:t>2</a:t>
+            </a:fld>
+            <a:endParaRPr lang="ru-RU"/>
+          </a:p>
+        </p:txBody>
+      </p:sp>
+    </p:spTree>
+    <p:extLst>
+      <p:ext uri="{BB962C8B-B14F-4D97-AF65-F5344CB8AC3E}">
+        <p14:creationId xmlns:p14="http://schemas.microsoft.com/office/powerpoint/2010/main" val="1175717022"/>
+      </p:ext>
+    </p:extLst>
+  </p:cSld>
+  <p:clrMapOvr>
+    <a:masterClrMapping/>
+  </p:clrMapOvr>
+</p:notes>
+</file>
+
+<file path=ppt/notesSlides/notesSlide20.xml><?xml version="1.0" encoding="utf-8"?>
 <p:notes xmlns:a="http://schemas.openxmlformats.org/drawingml/2006/main" xmlns:r="http://schemas.openxmlformats.org/officeDocument/2006/relationships" xmlns:p="http://schemas.openxmlformats.org/presentationml/2006/main">
   <p:cSld>
     <p:spTree>
@@ -1065,7 +2235,7 @@
           <a:p>
             <a:fld id="{8329C60B-6F98-8646-A41A-70FA44D3BDF6}" type="slidenum">
               <a:rPr lang="ru-RU" smtClean="0"/>
-              <a:t>13</a:t>
+              <a:t>20</a:t>
             </a:fld>
             <a:endParaRPr lang="ru-RU"/>
           </a:p>
@@ -1084,7 +2254,7 @@
 </p:notes>
 </file>
 
-<file path=ppt/notesSlides/notesSlide14.xml><?xml version="1.0" encoding="utf-8"?>
+<file path=ppt/notesSlides/notesSlide21.xml><?xml version="1.0" encoding="utf-8"?>
 <p:notes xmlns:a="http://schemas.openxmlformats.org/drawingml/2006/main" xmlns:r="http://schemas.openxmlformats.org/officeDocument/2006/relationships" xmlns:p="http://schemas.openxmlformats.org/presentationml/2006/main">
   <p:cSld>
     <p:spTree>
@@ -1200,7 +2370,7 @@
           <a:p>
             <a:fld id="{8329C60B-6F98-8646-A41A-70FA44D3BDF6}" type="slidenum">
               <a:rPr lang="ru-RU" smtClean="0"/>
-              <a:t>14</a:t>
+              <a:t>21</a:t>
             </a:fld>
             <a:endParaRPr lang="ru-RU"/>
           </a:p>
@@ -1219,7 +2389,7 @@
 </p:notes>
 </file>
 
-<file path=ppt/notesSlides/notesSlide15.xml><?xml version="1.0" encoding="utf-8"?>
+<file path=ppt/notesSlides/notesSlide22.xml><?xml version="1.0" encoding="utf-8"?>
 <p:notes xmlns:a="http://schemas.openxmlformats.org/drawingml/2006/main" xmlns:r="http://schemas.openxmlformats.org/officeDocument/2006/relationships" xmlns:p="http://schemas.openxmlformats.org/presentationml/2006/main">
   <p:cSld>
     <p:spTree>
@@ -1308,7 +2478,7 @@
           <a:p>
             <a:fld id="{8329C60B-6F98-8646-A41A-70FA44D3BDF6}" type="slidenum">
               <a:rPr lang="ru-RU" smtClean="0"/>
-              <a:t>15</a:t>
+              <a:t>22</a:t>
             </a:fld>
             <a:endParaRPr lang="ru-RU"/>
           </a:p>
@@ -1327,7 +2497,7 @@
 </p:notes>
 </file>
 
-<file path=ppt/notesSlides/notesSlide2.xml><?xml version="1.0" encoding="utf-8"?>
+<file path=ppt/notesSlides/notesSlide3.xml><?xml version="1.0" encoding="utf-8"?>
 <p:notes xmlns:a="http://schemas.openxmlformats.org/drawingml/2006/main" xmlns:r="http://schemas.openxmlformats.org/officeDocument/2006/relationships" xmlns:p="http://schemas.openxmlformats.org/presentationml/2006/main">
   <p:cSld>
     <p:spTree>
@@ -1602,7 +2772,7 @@
           <a:p>
             <a:fld id="{8329C60B-6F98-8646-A41A-70FA44D3BDF6}" type="slidenum">
               <a:rPr lang="ru-RU" smtClean="0"/>
-              <a:t>2</a:t>
+              <a:t>3</a:t>
             </a:fld>
             <a:endParaRPr lang="ru-RU"/>
           </a:p>
@@ -1621,7 +2791,135 @@
 </p:notes>
 </file>
 
-<file path=ppt/notesSlides/notesSlide3.xml><?xml version="1.0" encoding="utf-8"?>
+<file path=ppt/notesSlides/notesSlide4.xml><?xml version="1.0" encoding="utf-8"?>
+<p:notes xmlns:a="http://schemas.openxmlformats.org/drawingml/2006/main" xmlns:r="http://schemas.openxmlformats.org/officeDocument/2006/relationships" xmlns:p="http://schemas.openxmlformats.org/presentationml/2006/main">
+  <p:cSld>
+    <p:spTree>
+      <p:nvGrpSpPr>
+        <p:cNvPr id="1" name="">
+          <a:extLst>
+            <a:ext uri="{FF2B5EF4-FFF2-40B4-BE49-F238E27FC236}">
+              <a16:creationId xmlns:a16="http://schemas.microsoft.com/office/drawing/2014/main" id="{F2B094DA-DACB-4A49-2A4E-451DEFFA291D}"/>
+            </a:ext>
+          </a:extLst>
+        </p:cNvPr>
+        <p:cNvGrpSpPr/>
+        <p:nvPr/>
+      </p:nvGrpSpPr>
+      <p:grpSpPr>
+        <a:xfrm>
+          <a:off x="0" y="0"/>
+          <a:ext cx="0" cy="0"/>
+          <a:chOff x="0" y="0"/>
+          <a:chExt cx="0" cy="0"/>
+        </a:xfrm>
+      </p:grpSpPr>
+      <p:sp>
+        <p:nvSpPr>
+          <p:cNvPr id="2" name="Образ слайда 1">
+            <a:extLst>
+              <a:ext uri="{FF2B5EF4-FFF2-40B4-BE49-F238E27FC236}">
+                <a16:creationId xmlns:a16="http://schemas.microsoft.com/office/drawing/2014/main" id="{3E377FAE-B573-2EE2-064E-468D183EC45E}"/>
+              </a:ext>
+            </a:extLst>
+          </p:cNvPr>
+          <p:cNvSpPr>
+            <a:spLocks noGrp="1" noRot="1" noChangeAspect="1"/>
+          </p:cNvSpPr>
+          <p:nvPr>
+            <p:ph type="sldImg"/>
+          </p:nvPr>
+        </p:nvSpPr>
+        <p:spPr/>
+      </p:sp>
+      <p:sp>
+        <p:nvSpPr>
+          <p:cNvPr id="3" name="Заметки 2">
+            <a:extLst>
+              <a:ext uri="{FF2B5EF4-FFF2-40B4-BE49-F238E27FC236}">
+                <a16:creationId xmlns:a16="http://schemas.microsoft.com/office/drawing/2014/main" id="{6447B4AE-25C7-0B7F-1B8A-5172854C9033}"/>
+              </a:ext>
+            </a:extLst>
+          </p:cNvPr>
+          <p:cNvSpPr>
+            <a:spLocks noGrp="1"/>
+          </p:cNvSpPr>
+          <p:nvPr>
+            <p:ph type="body" idx="1"/>
+          </p:nvPr>
+        </p:nvSpPr>
+        <p:spPr/>
+        <p:txBody>
+          <a:bodyPr/>
+          <a:lstStyle/>
+          <a:p>
+            <a:pPr marL="0" marR="0" lvl="0" indent="0" algn="l" defTabSz="914400" rtl="0" eaLnBrk="1" fontAlgn="auto" latinLnBrk="0" hangingPunct="1">
+              <a:lnSpc>
+                <a:spcPct val="100000"/>
+              </a:lnSpc>
+              <a:spcBef>
+                <a:spcPts val="0"/>
+              </a:spcBef>
+              <a:spcAft>
+                <a:spcPts val="0"/>
+              </a:spcAft>
+              <a:buClrTx/>
+              <a:buSzTx/>
+              <a:buFontTx/>
+              <a:buNone/>
+              <a:tabLst/>
+              <a:defRPr/>
+            </a:pPr>
+            <a:r>
+              <a:rPr lang="ru-RU" dirty="0"/>
+              <a:t>Проблема в том, что чтобы настроить вот эту связь, необходимо сделать следующий ряд действий</a:t>
+            </a:r>
+          </a:p>
+        </p:txBody>
+      </p:sp>
+      <p:sp>
+        <p:nvSpPr>
+          <p:cNvPr id="4" name="Номер слайда 3">
+            <a:extLst>
+              <a:ext uri="{FF2B5EF4-FFF2-40B4-BE49-F238E27FC236}">
+                <a16:creationId xmlns:a16="http://schemas.microsoft.com/office/drawing/2014/main" id="{A3D64789-F805-79EC-A71E-DA1FF3446FFF}"/>
+              </a:ext>
+            </a:extLst>
+          </p:cNvPr>
+          <p:cNvSpPr>
+            <a:spLocks noGrp="1"/>
+          </p:cNvSpPr>
+          <p:nvPr>
+            <p:ph type="sldNum" sz="quarter" idx="5"/>
+          </p:nvPr>
+        </p:nvSpPr>
+        <p:spPr/>
+        <p:txBody>
+          <a:bodyPr/>
+          <a:lstStyle/>
+          <a:p>
+            <a:fld id="{8329C60B-6F98-8646-A41A-70FA44D3BDF6}" type="slidenum">
+              <a:rPr lang="ru-RU" smtClean="0"/>
+              <a:t>4</a:t>
+            </a:fld>
+            <a:endParaRPr lang="ru-RU"/>
+          </a:p>
+        </p:txBody>
+      </p:sp>
+    </p:spTree>
+    <p:extLst>
+      <p:ext uri="{BB962C8B-B14F-4D97-AF65-F5344CB8AC3E}">
+        <p14:creationId xmlns:p14="http://schemas.microsoft.com/office/powerpoint/2010/main" val="3695861505"/>
+      </p:ext>
+    </p:extLst>
+  </p:cSld>
+  <p:clrMapOvr>
+    <a:masterClrMapping/>
+  </p:clrMapOvr>
+</p:notes>
+</file>
+
+<file path=ppt/notesSlides/notesSlide5.xml><?xml version="1.0" encoding="utf-8"?>
 <p:notes xmlns:a="http://schemas.openxmlformats.org/drawingml/2006/main" xmlns:r="http://schemas.openxmlformats.org/officeDocument/2006/relationships" xmlns:p="http://schemas.openxmlformats.org/presentationml/2006/main">
   <p:cSld>
     <p:spTree>
@@ -1683,6 +2981,126 @@
           <a:bodyPr/>
           <a:lstStyle/>
           <a:p>
+            <a:r>
+              <a:rPr lang="ru-RU" dirty="0"/>
+              <a:t>В квадратных скобках указано среднее время выполнения шага. Некоторые шаги могут выполняться параллельно.</a:t>
+            </a:r>
+          </a:p>
+          <a:p>
+            <a:br>
+              <a:rPr lang="ru-RU" dirty="0"/>
+            </a:br>
+            <a:r>
+              <a:rPr lang="ru-RU" dirty="0"/>
+              <a:t>Максимальное время выполнения рутинной задачи может доходить до двух суток. </a:t>
+            </a:r>
+          </a:p>
+        </p:txBody>
+      </p:sp>
+      <p:sp>
+        <p:nvSpPr>
+          <p:cNvPr id="4" name="Номер слайда 3">
+            <a:extLst>
+              <a:ext uri="{FF2B5EF4-FFF2-40B4-BE49-F238E27FC236}">
+                <a16:creationId xmlns:a16="http://schemas.microsoft.com/office/drawing/2014/main" id="{74A868B1-461B-ABD2-2176-BD9F0AFF72FD}"/>
+              </a:ext>
+            </a:extLst>
+          </p:cNvPr>
+          <p:cNvSpPr>
+            <a:spLocks noGrp="1"/>
+          </p:cNvSpPr>
+          <p:nvPr>
+            <p:ph type="sldNum" sz="quarter" idx="5"/>
+          </p:nvPr>
+        </p:nvSpPr>
+        <p:spPr/>
+        <p:txBody>
+          <a:bodyPr/>
+          <a:lstStyle/>
+          <a:p>
+            <a:fld id="{8329C60B-6F98-8646-A41A-70FA44D3BDF6}" type="slidenum">
+              <a:rPr lang="ru-RU" smtClean="0"/>
+              <a:t>5</a:t>
+            </a:fld>
+            <a:endParaRPr lang="ru-RU"/>
+          </a:p>
+        </p:txBody>
+      </p:sp>
+    </p:spTree>
+    <p:extLst>
+      <p:ext uri="{BB962C8B-B14F-4D97-AF65-F5344CB8AC3E}">
+        <p14:creationId xmlns:p14="http://schemas.microsoft.com/office/powerpoint/2010/main" val="2955751087"/>
+      </p:ext>
+    </p:extLst>
+  </p:cSld>
+  <p:clrMapOvr>
+    <a:masterClrMapping/>
+  </p:clrMapOvr>
+</p:notes>
+</file>
+
+<file path=ppt/notesSlides/notesSlide6.xml><?xml version="1.0" encoding="utf-8"?>
+<p:notes xmlns:a="http://schemas.openxmlformats.org/drawingml/2006/main" xmlns:r="http://schemas.openxmlformats.org/officeDocument/2006/relationships" xmlns:p="http://schemas.openxmlformats.org/presentationml/2006/main">
+  <p:cSld>
+    <p:spTree>
+      <p:nvGrpSpPr>
+        <p:cNvPr id="1" name="">
+          <a:extLst>
+            <a:ext uri="{FF2B5EF4-FFF2-40B4-BE49-F238E27FC236}">
+              <a16:creationId xmlns:a16="http://schemas.microsoft.com/office/drawing/2014/main" id="{5948A227-93A6-812C-7A4D-BF8E631775F7}"/>
+            </a:ext>
+          </a:extLst>
+        </p:cNvPr>
+        <p:cNvGrpSpPr/>
+        <p:nvPr/>
+      </p:nvGrpSpPr>
+      <p:grpSpPr>
+        <a:xfrm>
+          <a:off x="0" y="0"/>
+          <a:ext cx="0" cy="0"/>
+          <a:chOff x="0" y="0"/>
+          <a:chExt cx="0" cy="0"/>
+        </a:xfrm>
+      </p:grpSpPr>
+      <p:sp>
+        <p:nvSpPr>
+          <p:cNvPr id="2" name="Образ слайда 1">
+            <a:extLst>
+              <a:ext uri="{FF2B5EF4-FFF2-40B4-BE49-F238E27FC236}">
+                <a16:creationId xmlns:a16="http://schemas.microsoft.com/office/drawing/2014/main" id="{42308A37-DF3D-E8F9-4533-148FF094B4F8}"/>
+              </a:ext>
+            </a:extLst>
+          </p:cNvPr>
+          <p:cNvSpPr>
+            <a:spLocks noGrp="1" noRot="1" noChangeAspect="1"/>
+          </p:cNvSpPr>
+          <p:nvPr>
+            <p:ph type="sldImg"/>
+          </p:nvPr>
+        </p:nvSpPr>
+        <p:spPr/>
+      </p:sp>
+      <p:sp>
+        <p:nvSpPr>
+          <p:cNvPr id="3" name="Заметки 2">
+            <a:extLst>
+              <a:ext uri="{FF2B5EF4-FFF2-40B4-BE49-F238E27FC236}">
+                <a16:creationId xmlns:a16="http://schemas.microsoft.com/office/drawing/2014/main" id="{061FA19D-2DB9-D277-8CE9-FCA24884AEFC}"/>
+              </a:ext>
+            </a:extLst>
+          </p:cNvPr>
+          <p:cNvSpPr>
+            <a:spLocks noGrp="1"/>
+          </p:cNvSpPr>
+          <p:nvPr>
+            <p:ph type="body" idx="1"/>
+          </p:nvPr>
+        </p:nvSpPr>
+        <p:spPr/>
+        <p:txBody>
+          <a:bodyPr/>
+          <a:lstStyle/>
+          <a:p>
             <a:pPr marL="0" marR="0" lvl="0" indent="0" algn="l" defTabSz="914400" rtl="0" eaLnBrk="1" fontAlgn="auto" latinLnBrk="0" hangingPunct="1">
               <a:lnSpc>
                 <a:spcPct val="100000"/>
@@ -1702,10 +3120,38 @@
             </a:pPr>
             <a:r>
               <a:rPr lang="ru-RU" dirty="0"/>
-              <a:t>Проблема в нашем случае, что эта рутинная задача (настройки поставки данных) требует много действий в различных местах, что требует сильной вовлеченности инженера в процесс.</a:t>
-            </a:r>
-          </a:p>
-          <a:p>
+              <a:t>На всякий случай. </a:t>
+            </a:r>
+            <a:br>
+              <a:rPr lang="ru-RU" dirty="0"/>
+            </a:br>
+            <a:br>
+              <a:rPr lang="ru-RU" dirty="0"/>
+            </a:br>
+            <a:r>
+              <a:rPr lang="ru-RU" dirty="0"/>
+              <a:t>На схеме не указано, что существует сервис поддержки </a:t>
+            </a:r>
+            <a:r>
+              <a:rPr lang="en-US" dirty="0"/>
+              <a:t>Kafka (</a:t>
+            </a:r>
+            <a:r>
+              <a:rPr lang="ru-RU" dirty="0"/>
+              <a:t>читай</a:t>
+            </a:r>
+            <a:r>
+              <a:rPr lang="en-US" dirty="0"/>
+              <a:t>:</a:t>
+            </a:r>
+            <a:r>
+              <a:rPr lang="ru-RU" dirty="0"/>
+              <a:t> </a:t>
+            </a:r>
+            <a:r>
+              <a:rPr lang="en-US" dirty="0"/>
+              <a:t>Forge)</a:t>
+            </a:r>
             <a:endParaRPr lang="ru-RU" dirty="0"/>
           </a:p>
         </p:txBody>
@@ -1715,7 +3161,7 @@
           <p:cNvPr id="4" name="Номер слайда 3">
             <a:extLst>
               <a:ext uri="{FF2B5EF4-FFF2-40B4-BE49-F238E27FC236}">
-                <a16:creationId xmlns:a16="http://schemas.microsoft.com/office/drawing/2014/main" id="{74A868B1-461B-ABD2-2176-BD9F0AFF72FD}"/>
+                <a16:creationId xmlns:a16="http://schemas.microsoft.com/office/drawing/2014/main" id="{D770476C-090C-EC84-192C-1CEC77622834}"/>
               </a:ext>
             </a:extLst>
           </p:cNvPr>
@@ -1733,7 +3179,7 @@
           <a:p>
             <a:fld id="{8329C60B-6F98-8646-A41A-70FA44D3BDF6}" type="slidenum">
               <a:rPr lang="ru-RU" smtClean="0"/>
-              <a:t>3</a:t>
+              <a:t>6</a:t>
             </a:fld>
             <a:endParaRPr lang="ru-RU"/>
           </a:p>
@@ -1742,7 +3188,7 @@
     </p:spTree>
     <p:extLst>
       <p:ext uri="{BB962C8B-B14F-4D97-AF65-F5344CB8AC3E}">
-        <p14:creationId xmlns:p14="http://schemas.microsoft.com/office/powerpoint/2010/main" val="2955751087"/>
+        <p14:creationId xmlns:p14="http://schemas.microsoft.com/office/powerpoint/2010/main" val="4178862684"/>
       </p:ext>
     </p:extLst>
   </p:cSld>
@@ -1752,7 +3198,7 @@
 </p:notes>
 </file>
 
-<file path=ppt/notesSlides/notesSlide4.xml><?xml version="1.0" encoding="utf-8"?>
+<file path=ppt/notesSlides/notesSlide7.xml><?xml version="1.0" encoding="utf-8"?>
 <p:notes xmlns:a="http://schemas.openxmlformats.org/drawingml/2006/main" xmlns:r="http://schemas.openxmlformats.org/officeDocument/2006/relationships" xmlns:p="http://schemas.openxmlformats.org/presentationml/2006/main">
   <p:cSld>
     <p:spTree>
@@ -1962,6 +3408,155 @@
               <a:t>Было бы здорово учесть, что как-то нужно отдавать состояние выполнения того или иного шага.</a:t>
             </a:r>
           </a:p>
+          <a:p>
+            <a:pPr marL="0" marR="0" lvl="0" indent="0" algn="l" defTabSz="914400" rtl="0" eaLnBrk="1" fontAlgn="auto" latinLnBrk="0" hangingPunct="1">
+              <a:lnSpc>
+                <a:spcPct val="100000"/>
+              </a:lnSpc>
+              <a:spcBef>
+                <a:spcPts val="0"/>
+              </a:spcBef>
+              <a:spcAft>
+                <a:spcPts val="0"/>
+              </a:spcAft>
+              <a:buClrTx/>
+              <a:buSzTx/>
+              <a:buFontTx/>
+              <a:buNone/>
+              <a:tabLst/>
+              <a:defRPr/>
+            </a:pPr>
+            <a:endParaRPr lang="ru-RU" dirty="0"/>
+          </a:p>
+          <a:p>
+            <a:pPr marL="0" marR="0" lvl="0" indent="0" algn="l" defTabSz="914400" rtl="0" eaLnBrk="1" fontAlgn="auto" latinLnBrk="0" hangingPunct="1">
+              <a:lnSpc>
+                <a:spcPct val="100000"/>
+              </a:lnSpc>
+              <a:spcBef>
+                <a:spcPts val="0"/>
+              </a:spcBef>
+              <a:spcAft>
+                <a:spcPts val="0"/>
+              </a:spcAft>
+              <a:buClrTx/>
+              <a:buSzTx/>
+              <a:buFontTx/>
+              <a:buNone/>
+              <a:tabLst/>
+              <a:defRPr/>
+            </a:pPr>
+            <a:endParaRPr lang="ru-RU" dirty="0"/>
+          </a:p>
+          <a:p>
+            <a:pPr marL="971550" lvl="1" indent="-338138">
+              <a:lnSpc>
+                <a:spcPct val="110000"/>
+              </a:lnSpc>
+              <a:spcBef>
+                <a:spcPts val="1200"/>
+              </a:spcBef>
+              <a:buFont typeface="+mj-lt"/>
+              <a:buAutoNum type="arabicPeriod"/>
+              <a:defRPr/>
+            </a:pPr>
+            <a:r>
+              <a:rPr lang="ru-RU" sz="1200" dirty="0"/>
+              <a:t>определения адреса (читай: выбор порта)</a:t>
+            </a:r>
+          </a:p>
+          <a:p>
+            <a:pPr marL="971550" lvl="1" indent="-338138">
+              <a:lnSpc>
+                <a:spcPct val="110000"/>
+              </a:lnSpc>
+              <a:spcBef>
+                <a:spcPts val="1200"/>
+              </a:spcBef>
+              <a:buFont typeface="+mj-lt"/>
+              <a:buAutoNum type="arabicPeriod"/>
+              <a:defRPr/>
+            </a:pPr>
+            <a:r>
+              <a:rPr lang="ru-RU" sz="1200" dirty="0"/>
+              <a:t>создания топика </a:t>
+            </a:r>
+            <a:r>
+              <a:rPr lang="en-US" sz="1200" dirty="0"/>
+              <a:t>Kafka</a:t>
+            </a:r>
+          </a:p>
+          <a:p>
+            <a:pPr marL="971550" lvl="1" indent="-338138">
+              <a:lnSpc>
+                <a:spcPct val="110000"/>
+              </a:lnSpc>
+              <a:spcBef>
+                <a:spcPts val="1200"/>
+              </a:spcBef>
+              <a:buFont typeface="+mj-lt"/>
+              <a:buAutoNum type="arabicPeriod"/>
+              <a:defRPr/>
+            </a:pPr>
+            <a:r>
+              <a:rPr lang="ru-RU" sz="1200" dirty="0"/>
+              <a:t>генерации конфигурационного файла коллектора</a:t>
+            </a:r>
+          </a:p>
+          <a:p>
+            <a:pPr marL="971550" lvl="1" indent="-338138">
+              <a:lnSpc>
+                <a:spcPct val="110000"/>
+              </a:lnSpc>
+              <a:spcBef>
+                <a:spcPts val="1200"/>
+              </a:spcBef>
+              <a:buFont typeface="+mj-lt"/>
+              <a:buAutoNum type="arabicPeriod"/>
+              <a:defRPr/>
+            </a:pPr>
+            <a:r>
+              <a:rPr lang="ru-RU" sz="1200" dirty="0"/>
+              <a:t>развертывания коллектора</a:t>
+            </a:r>
+          </a:p>
+          <a:p>
+            <a:pPr marL="971550" lvl="1" indent="-338138">
+              <a:lnSpc>
+                <a:spcPct val="110000"/>
+              </a:lnSpc>
+              <a:spcBef>
+                <a:spcPts val="1200"/>
+              </a:spcBef>
+              <a:buFont typeface="+mj-lt"/>
+              <a:buAutoNum type="arabicPeriod"/>
+              <a:defRPr/>
+            </a:pPr>
+            <a:r>
+              <a:rPr lang="ru-RU" sz="1200" dirty="0"/>
+              <a:t>генерации конфигурационного файла нормализатора (парсера)</a:t>
+            </a:r>
+          </a:p>
+          <a:p>
+            <a:pPr marL="0" marR="0" lvl="0" indent="0" algn="l" defTabSz="914400" rtl="0" eaLnBrk="1" fontAlgn="auto" latinLnBrk="0" hangingPunct="1">
+              <a:lnSpc>
+                <a:spcPct val="100000"/>
+              </a:lnSpc>
+              <a:spcBef>
+                <a:spcPts val="0"/>
+              </a:spcBef>
+              <a:spcAft>
+                <a:spcPts val="0"/>
+              </a:spcAft>
+              <a:buClrTx/>
+              <a:buSzTx/>
+              <a:buFontTx/>
+              <a:buNone/>
+              <a:tabLst/>
+              <a:defRPr/>
+            </a:pPr>
+            <a:endParaRPr lang="ru-RU" dirty="0"/>
+          </a:p>
         </p:txBody>
       </p:sp>
       <p:sp>
@@ -1987,7 +3582,7 @@
           <a:p>
             <a:fld id="{8329C60B-6F98-8646-A41A-70FA44D3BDF6}" type="slidenum">
               <a:rPr lang="ru-RU" smtClean="0"/>
-              <a:t>4</a:t>
+              <a:t>7</a:t>
             </a:fld>
             <a:endParaRPr lang="ru-RU"/>
           </a:p>
@@ -2006,7 +3601,7 @@
 </p:notes>
 </file>
 
-<file path=ppt/notesSlides/notesSlide5.xml><?xml version="1.0" encoding="utf-8"?>
+<file path=ppt/notesSlides/notesSlide8.xml><?xml version="1.0" encoding="utf-8"?>
 <p:notes xmlns:a="http://schemas.openxmlformats.org/drawingml/2006/main" xmlns:r="http://schemas.openxmlformats.org/officeDocument/2006/relationships" xmlns:p="http://schemas.openxmlformats.org/presentationml/2006/main">
   <p:cSld>
     <p:spTree>
@@ -2087,7 +3682,7 @@
             </a:pPr>
             <a:r>
               <a:rPr lang="ru-RU" dirty="0"/>
-              <a:t>Задачу определения адреса можно решать разными способами. </a:t>
+              <a:t>Из требований:</a:t>
             </a:r>
           </a:p>
           <a:p>
@@ -2110,7 +3705,7 @@
             </a:pPr>
             <a:r>
               <a:rPr lang="ru-RU" dirty="0"/>
-              <a:t>Можно определять по конфигурационным файлам существующих коллекторов</a:t>
+              <a:t>Управление коллектором и вспомогательными сущностями происходит в одном месте (репозитории)</a:t>
             </a:r>
           </a:p>
           <a:p>
@@ -2158,7 +3753,7 @@
           <a:p>
             <a:fld id="{8329C60B-6F98-8646-A41A-70FA44D3BDF6}" type="slidenum">
               <a:rPr lang="ru-RU" smtClean="0"/>
-              <a:t>5</a:t>
+              <a:t>8</a:t>
             </a:fld>
             <a:endParaRPr lang="ru-RU"/>
           </a:p>
@@ -2177,7 +3772,7 @@
 </p:notes>
 </file>
 
-<file path=ppt/notesSlides/notesSlide6.xml><?xml version="1.0" encoding="utf-8"?>
+<file path=ppt/notesSlides/notesSlide9.xml><?xml version="1.0" encoding="utf-8"?>
 <p:notes xmlns:a="http://schemas.openxmlformats.org/drawingml/2006/main" xmlns:r="http://schemas.openxmlformats.org/officeDocument/2006/relationships" xmlns:p="http://schemas.openxmlformats.org/presentationml/2006/main">
   <p:cSld>
     <p:spTree>
@@ -2185,7 +3780,7 @@
         <p:cNvPr id="1" name="">
           <a:extLst>
             <a:ext uri="{FF2B5EF4-FFF2-40B4-BE49-F238E27FC236}">
-              <a16:creationId xmlns:a16="http://schemas.microsoft.com/office/drawing/2014/main" id="{D0268E40-36BC-8817-FEC4-E7AB175BC5C4}"/>
+              <a16:creationId xmlns:a16="http://schemas.microsoft.com/office/drawing/2014/main" id="{378C40A5-A583-BB4A-2321-D2ED42F6EC86}"/>
             </a:ext>
           </a:extLst>
         </p:cNvPr>
@@ -2205,7 +3800,7 @@
           <p:cNvPr id="2" name="Образ слайда 1">
             <a:extLst>
               <a:ext uri="{FF2B5EF4-FFF2-40B4-BE49-F238E27FC236}">
-                <a16:creationId xmlns:a16="http://schemas.microsoft.com/office/drawing/2014/main" id="{1D373244-6A29-BADA-C51B-D68285CED534}"/>
+                <a16:creationId xmlns:a16="http://schemas.microsoft.com/office/drawing/2014/main" id="{3F8F0273-1825-BC9E-D092-15881D67CD35}"/>
               </a:ext>
             </a:extLst>
           </p:cNvPr>
@@ -2223,7 +3818,7 @@
           <p:cNvPr id="3" name="Заметки 2">
             <a:extLst>
               <a:ext uri="{FF2B5EF4-FFF2-40B4-BE49-F238E27FC236}">
-                <a16:creationId xmlns:a16="http://schemas.microsoft.com/office/drawing/2014/main" id="{5DCB2749-4E43-3B50-D5FB-46AB83DA0294}"/>
+                <a16:creationId xmlns:a16="http://schemas.microsoft.com/office/drawing/2014/main" id="{3CB58DDD-07D4-AB8D-F5A7-C69E642D437A}"/>
               </a:ext>
             </a:extLst>
           </p:cNvPr>
@@ -2258,11 +3853,8 @@
             </a:pPr>
             <a:r>
               <a:rPr lang="ru-RU" dirty="0"/>
-              <a:t>Выбран следующий алгоритм. Так как он показал себя быстрее остальных по скорости работы и не требует подключения к хосту</a:t>
-            </a:r>
-          </a:p>
-          <a:p>
-            <a:endParaRPr lang="ru-RU" dirty="0"/>
+              <a:t>Сильнее всего сократить время создания коллектора можно за счет ускорения настройки балансировщика и конфигурации параметров топика</a:t>
+            </a:r>
           </a:p>
         </p:txBody>
       </p:sp>
@@ -2271,7 +3863,7 @@
           <p:cNvPr id="4" name="Номер слайда 3">
             <a:extLst>
               <a:ext uri="{FF2B5EF4-FFF2-40B4-BE49-F238E27FC236}">
-                <a16:creationId xmlns:a16="http://schemas.microsoft.com/office/drawing/2014/main" id="{1A8DBE31-D6A7-3FC2-E5B9-88182BF40720}"/>
+                <a16:creationId xmlns:a16="http://schemas.microsoft.com/office/drawing/2014/main" id="{ADC4269E-08D9-9603-564B-13C89568672E}"/>
               </a:ext>
             </a:extLst>
           </p:cNvPr>
@@ -2289,7 +3881,7 @@
           <a:p>
             <a:fld id="{8329C60B-6F98-8646-A41A-70FA44D3BDF6}" type="slidenum">
               <a:rPr lang="ru-RU" smtClean="0"/>
-              <a:t>6</a:t>
+              <a:t>9</a:t>
             </a:fld>
             <a:endParaRPr lang="ru-RU"/>
           </a:p>
@@ -2298,459 +3890,7 @@
     </p:spTree>
     <p:extLst>
       <p:ext uri="{BB962C8B-B14F-4D97-AF65-F5344CB8AC3E}">
-        <p14:creationId xmlns:p14="http://schemas.microsoft.com/office/powerpoint/2010/main" val="93051632"/>
-      </p:ext>
-    </p:extLst>
-  </p:cSld>
-  <p:clrMapOvr>
-    <a:masterClrMapping/>
-  </p:clrMapOvr>
-</p:notes>
-</file>
-
-<file path=ppt/notesSlides/notesSlide7.xml><?xml version="1.0" encoding="utf-8"?>
-<p:notes xmlns:a="http://schemas.openxmlformats.org/drawingml/2006/main" xmlns:r="http://schemas.openxmlformats.org/officeDocument/2006/relationships" xmlns:p="http://schemas.openxmlformats.org/presentationml/2006/main">
-  <p:cSld>
-    <p:spTree>
-      <p:nvGrpSpPr>
-        <p:cNvPr id="1" name="">
-          <a:extLst>
-            <a:ext uri="{FF2B5EF4-FFF2-40B4-BE49-F238E27FC236}">
-              <a16:creationId xmlns:a16="http://schemas.microsoft.com/office/drawing/2014/main" id="{3EFC9833-47B0-7DC5-B133-DA9FF882A962}"/>
-            </a:ext>
-          </a:extLst>
-        </p:cNvPr>
-        <p:cNvGrpSpPr/>
-        <p:nvPr/>
-      </p:nvGrpSpPr>
-      <p:grpSpPr>
-        <a:xfrm>
-          <a:off x="0" y="0"/>
-          <a:ext cx="0" cy="0"/>
-          <a:chOff x="0" y="0"/>
-          <a:chExt cx="0" cy="0"/>
-        </a:xfrm>
-      </p:grpSpPr>
-      <p:sp>
-        <p:nvSpPr>
-          <p:cNvPr id="2" name="Образ слайда 1">
-            <a:extLst>
-              <a:ext uri="{FF2B5EF4-FFF2-40B4-BE49-F238E27FC236}">
-                <a16:creationId xmlns:a16="http://schemas.microsoft.com/office/drawing/2014/main" id="{1C45EE8E-EA27-2381-788C-EB75DD398793}"/>
-              </a:ext>
-            </a:extLst>
-          </p:cNvPr>
-          <p:cNvSpPr>
-            <a:spLocks noGrp="1" noRot="1" noChangeAspect="1"/>
-          </p:cNvSpPr>
-          <p:nvPr>
-            <p:ph type="sldImg"/>
-          </p:nvPr>
-        </p:nvSpPr>
-        <p:spPr/>
-      </p:sp>
-      <p:sp>
-        <p:nvSpPr>
-          <p:cNvPr id="3" name="Заметки 2">
-            <a:extLst>
-              <a:ext uri="{FF2B5EF4-FFF2-40B4-BE49-F238E27FC236}">
-                <a16:creationId xmlns:a16="http://schemas.microsoft.com/office/drawing/2014/main" id="{1F246A79-B504-FC12-059D-659BFB0283A4}"/>
-              </a:ext>
-            </a:extLst>
-          </p:cNvPr>
-          <p:cNvSpPr>
-            <a:spLocks noGrp="1"/>
-          </p:cNvSpPr>
-          <p:nvPr>
-            <p:ph type="body" idx="1"/>
-          </p:nvPr>
-        </p:nvSpPr>
-        <p:spPr/>
-        <p:txBody>
-          <a:bodyPr/>
-          <a:lstStyle/>
-          <a:p>
-            <a:r>
-              <a:rPr lang="ru-RU" dirty="0"/>
-              <a:t>В целом, не представляет из себя ничего сложного, так как </a:t>
-            </a:r>
-            <a:r>
-              <a:rPr lang="en-US" dirty="0"/>
-              <a:t>Kafka </a:t>
-            </a:r>
-            <a:r>
-              <a:rPr lang="ru-RU" dirty="0"/>
-              <a:t>предоставляется нам как </a:t>
-            </a:r>
-            <a:r>
-              <a:rPr lang="en-US" dirty="0"/>
-              <a:t>IaaS </a:t>
-            </a:r>
-            <a:r>
-              <a:rPr lang="ru-RU" dirty="0"/>
-              <a:t>или (</a:t>
-            </a:r>
-            <a:r>
-              <a:rPr lang="en-US" dirty="0"/>
-              <a:t>PaaS, </a:t>
-            </a:r>
-            <a:r>
-              <a:rPr lang="ru-RU" dirty="0"/>
-              <a:t>уточнить (или вовсе не говорить)</a:t>
-            </a:r>
-            <a:r>
-              <a:rPr lang="en-US" dirty="0"/>
-              <a:t>)</a:t>
-            </a:r>
-            <a:r>
-              <a:rPr lang="ru-RU" dirty="0"/>
-              <a:t>. У нас есть </a:t>
-            </a:r>
-            <a:r>
-              <a:rPr lang="en-US" dirty="0"/>
-              <a:t>API </a:t>
-            </a:r>
-            <a:r>
-              <a:rPr lang="ru-RU" dirty="0"/>
-              <a:t>для создания топика, нужно интегрироваться с ним и все.</a:t>
-            </a:r>
-          </a:p>
-          <a:p>
-            <a:r>
-              <a:rPr lang="ru-RU" dirty="0"/>
-              <a:t>Проблема в том, что поддерживаемый кластер </a:t>
-            </a:r>
-            <a:r>
-              <a:rPr lang="en-US" dirty="0" err="1"/>
-              <a:t>EoL</a:t>
-            </a:r>
-            <a:r>
-              <a:rPr lang="en-US" dirty="0"/>
-              <a:t> </a:t>
-            </a:r>
-            <a:r>
-              <a:rPr lang="ru-RU" dirty="0"/>
-              <a:t>и в ближайшем будущем придется переехать на решение </a:t>
-            </a:r>
-            <a:r>
-              <a:rPr lang="en-US" dirty="0"/>
-              <a:t>Kafka as a Service. </a:t>
-            </a:r>
-            <a:r>
-              <a:rPr lang="ru-RU" dirty="0"/>
-              <a:t>И это решение, хоть и имеет </a:t>
-            </a:r>
-            <a:r>
-              <a:rPr lang="en-US" dirty="0"/>
-              <a:t>API, </a:t>
-            </a:r>
-            <a:r>
-              <a:rPr lang="ru-RU" dirty="0"/>
-              <a:t>не предоставляет и не планирует предоставлять его публично. Поэтому пришлось заняться реверс-инжинирингом (если это можно так назвать), чтобы получить </a:t>
-            </a:r>
-            <a:r>
-              <a:rPr lang="en-US" dirty="0"/>
-              <a:t>API.</a:t>
-            </a:r>
-            <a:r>
-              <a:rPr lang="ru-RU" dirty="0"/>
-              <a:t> </a:t>
-            </a:r>
-          </a:p>
-          <a:p>
-            <a:r>
-              <a:rPr lang="ru-RU" dirty="0"/>
-              <a:t>В целом, сложность только в том, что нужно учесть возможность создания топиков в разных кластерах через разные </a:t>
-            </a:r>
-            <a:r>
-              <a:rPr lang="en-US" dirty="0"/>
-              <a:t>API. </a:t>
-            </a:r>
-            <a:r>
-              <a:rPr lang="ru-RU" dirty="0"/>
-              <a:t>Пишем «адаптер» в условиях </a:t>
-            </a:r>
-            <a:r>
-              <a:rPr lang="en-US" dirty="0"/>
-              <a:t>Ansible.</a:t>
-            </a:r>
-            <a:endParaRPr lang="ru-RU" dirty="0"/>
-          </a:p>
-        </p:txBody>
-      </p:sp>
-      <p:sp>
-        <p:nvSpPr>
-          <p:cNvPr id="4" name="Номер слайда 3">
-            <a:extLst>
-              <a:ext uri="{FF2B5EF4-FFF2-40B4-BE49-F238E27FC236}">
-                <a16:creationId xmlns:a16="http://schemas.microsoft.com/office/drawing/2014/main" id="{76052AD7-D6C7-0F6A-458F-5C1DC4BEBA02}"/>
-              </a:ext>
-            </a:extLst>
-          </p:cNvPr>
-          <p:cNvSpPr>
-            <a:spLocks noGrp="1"/>
-          </p:cNvSpPr>
-          <p:nvPr>
-            <p:ph type="sldNum" sz="quarter" idx="5"/>
-          </p:nvPr>
-        </p:nvSpPr>
-        <p:spPr/>
-        <p:txBody>
-          <a:bodyPr/>
-          <a:lstStyle/>
-          <a:p>
-            <a:fld id="{8329C60B-6F98-8646-A41A-70FA44D3BDF6}" type="slidenum">
-              <a:rPr lang="ru-RU" smtClean="0"/>
-              <a:t>7</a:t>
-            </a:fld>
-            <a:endParaRPr lang="ru-RU"/>
-          </a:p>
-        </p:txBody>
-      </p:sp>
-    </p:spTree>
-    <p:extLst>
-      <p:ext uri="{BB962C8B-B14F-4D97-AF65-F5344CB8AC3E}">
-        <p14:creationId xmlns:p14="http://schemas.microsoft.com/office/powerpoint/2010/main" val="1838137397"/>
-      </p:ext>
-    </p:extLst>
-  </p:cSld>
-  <p:clrMapOvr>
-    <a:masterClrMapping/>
-  </p:clrMapOvr>
-</p:notes>
-</file>
-
-<file path=ppt/notesSlides/notesSlide8.xml><?xml version="1.0" encoding="utf-8"?>
-<p:notes xmlns:a="http://schemas.openxmlformats.org/drawingml/2006/main" xmlns:r="http://schemas.openxmlformats.org/officeDocument/2006/relationships" xmlns:p="http://schemas.openxmlformats.org/presentationml/2006/main">
-  <p:cSld>
-    <p:spTree>
-      <p:nvGrpSpPr>
-        <p:cNvPr id="1" name="">
-          <a:extLst>
-            <a:ext uri="{FF2B5EF4-FFF2-40B4-BE49-F238E27FC236}">
-              <a16:creationId xmlns:a16="http://schemas.microsoft.com/office/drawing/2014/main" id="{367BB3A4-0246-B280-A64F-FBE1C6856DB1}"/>
-            </a:ext>
-          </a:extLst>
-        </p:cNvPr>
-        <p:cNvGrpSpPr/>
-        <p:nvPr/>
-      </p:nvGrpSpPr>
-      <p:grpSpPr>
-        <a:xfrm>
-          <a:off x="0" y="0"/>
-          <a:ext cx="0" cy="0"/>
-          <a:chOff x="0" y="0"/>
-          <a:chExt cx="0" cy="0"/>
-        </a:xfrm>
-      </p:grpSpPr>
-      <p:sp>
-        <p:nvSpPr>
-          <p:cNvPr id="2" name="Образ слайда 1">
-            <a:extLst>
-              <a:ext uri="{FF2B5EF4-FFF2-40B4-BE49-F238E27FC236}">
-                <a16:creationId xmlns:a16="http://schemas.microsoft.com/office/drawing/2014/main" id="{C05D18AA-A93F-34A0-4CB0-45D46EDE3172}"/>
-              </a:ext>
-            </a:extLst>
-          </p:cNvPr>
-          <p:cNvSpPr>
-            <a:spLocks noGrp="1" noRot="1" noChangeAspect="1"/>
-          </p:cNvSpPr>
-          <p:nvPr>
-            <p:ph type="sldImg"/>
-          </p:nvPr>
-        </p:nvSpPr>
-        <p:spPr/>
-      </p:sp>
-      <p:sp>
-        <p:nvSpPr>
-          <p:cNvPr id="3" name="Заметки 2">
-            <a:extLst>
-              <a:ext uri="{FF2B5EF4-FFF2-40B4-BE49-F238E27FC236}">
-                <a16:creationId xmlns:a16="http://schemas.microsoft.com/office/drawing/2014/main" id="{A76751F8-598D-3B4F-D5D1-527E712E2E5E}"/>
-              </a:ext>
-            </a:extLst>
-          </p:cNvPr>
-          <p:cNvSpPr>
-            <a:spLocks noGrp="1"/>
-          </p:cNvSpPr>
-          <p:nvPr>
-            <p:ph type="body" idx="1"/>
-          </p:nvPr>
-        </p:nvSpPr>
-        <p:spPr/>
-        <p:txBody>
-          <a:bodyPr/>
-          <a:lstStyle/>
-          <a:p>
-            <a:r>
-              <a:rPr lang="ru-RU" dirty="0"/>
-              <a:t>Задача достаточно простая по сути, но содержит нюансы, которые могут вызвать головную боль в дальнейшем. Нужно продумать какие абстракции необходимо выделить, чтобы потом не переделывать.</a:t>
-            </a:r>
-          </a:p>
-          <a:p>
-            <a:br>
-              <a:rPr lang="ru-RU" dirty="0"/>
-            </a:br>
-            <a:r>
-              <a:rPr lang="ru-RU" dirty="0"/>
-              <a:t>Подробнее описано в ВКР (номер раздела)</a:t>
-            </a:r>
-          </a:p>
-        </p:txBody>
-      </p:sp>
-      <p:sp>
-        <p:nvSpPr>
-          <p:cNvPr id="4" name="Номер слайда 3">
-            <a:extLst>
-              <a:ext uri="{FF2B5EF4-FFF2-40B4-BE49-F238E27FC236}">
-                <a16:creationId xmlns:a16="http://schemas.microsoft.com/office/drawing/2014/main" id="{E59D768B-7131-348E-B7A1-9D5B2E285555}"/>
-              </a:ext>
-            </a:extLst>
-          </p:cNvPr>
-          <p:cNvSpPr>
-            <a:spLocks noGrp="1"/>
-          </p:cNvSpPr>
-          <p:nvPr>
-            <p:ph type="sldNum" sz="quarter" idx="5"/>
-          </p:nvPr>
-        </p:nvSpPr>
-        <p:spPr/>
-        <p:txBody>
-          <a:bodyPr/>
-          <a:lstStyle/>
-          <a:p>
-            <a:fld id="{8329C60B-6F98-8646-A41A-70FA44D3BDF6}" type="slidenum">
-              <a:rPr lang="ru-RU" smtClean="0"/>
-              <a:t>8</a:t>
-            </a:fld>
-            <a:endParaRPr lang="ru-RU"/>
-          </a:p>
-        </p:txBody>
-      </p:sp>
-    </p:spTree>
-    <p:extLst>
-      <p:ext uri="{BB962C8B-B14F-4D97-AF65-F5344CB8AC3E}">
-        <p14:creationId xmlns:p14="http://schemas.microsoft.com/office/powerpoint/2010/main" val="3185979451"/>
-      </p:ext>
-    </p:extLst>
-  </p:cSld>
-  <p:clrMapOvr>
-    <a:masterClrMapping/>
-  </p:clrMapOvr>
-</p:notes>
-</file>
-
-<file path=ppt/notesSlides/notesSlide9.xml><?xml version="1.0" encoding="utf-8"?>
-<p:notes xmlns:a="http://schemas.openxmlformats.org/drawingml/2006/main" xmlns:r="http://schemas.openxmlformats.org/officeDocument/2006/relationships" xmlns:p="http://schemas.openxmlformats.org/presentationml/2006/main">
-  <p:cSld>
-    <p:spTree>
-      <p:nvGrpSpPr>
-        <p:cNvPr id="1" name="">
-          <a:extLst>
-            <a:ext uri="{FF2B5EF4-FFF2-40B4-BE49-F238E27FC236}">
-              <a16:creationId xmlns:a16="http://schemas.microsoft.com/office/drawing/2014/main" id="{05696460-2D00-A5CA-594C-82238A87C9C5}"/>
-            </a:ext>
-          </a:extLst>
-        </p:cNvPr>
-        <p:cNvGrpSpPr/>
-        <p:nvPr/>
-      </p:nvGrpSpPr>
-      <p:grpSpPr>
-        <a:xfrm>
-          <a:off x="0" y="0"/>
-          <a:ext cx="0" cy="0"/>
-          <a:chOff x="0" y="0"/>
-          <a:chExt cx="0" cy="0"/>
-        </a:xfrm>
-      </p:grpSpPr>
-      <p:sp>
-        <p:nvSpPr>
-          <p:cNvPr id="2" name="Образ слайда 1">
-            <a:extLst>
-              <a:ext uri="{FF2B5EF4-FFF2-40B4-BE49-F238E27FC236}">
-                <a16:creationId xmlns:a16="http://schemas.microsoft.com/office/drawing/2014/main" id="{68C65B9E-3188-7EA7-B5C3-179B29F9AF90}"/>
-              </a:ext>
-            </a:extLst>
-          </p:cNvPr>
-          <p:cNvSpPr>
-            <a:spLocks noGrp="1" noRot="1" noChangeAspect="1"/>
-          </p:cNvSpPr>
-          <p:nvPr>
-            <p:ph type="sldImg"/>
-          </p:nvPr>
-        </p:nvSpPr>
-        <p:spPr/>
-      </p:sp>
-      <p:sp>
-        <p:nvSpPr>
-          <p:cNvPr id="3" name="Заметки 2">
-            <a:extLst>
-              <a:ext uri="{FF2B5EF4-FFF2-40B4-BE49-F238E27FC236}">
-                <a16:creationId xmlns:a16="http://schemas.microsoft.com/office/drawing/2014/main" id="{438BCA38-5A66-6486-E213-A0489AB443F0}"/>
-              </a:ext>
-            </a:extLst>
-          </p:cNvPr>
-          <p:cNvSpPr>
-            <a:spLocks noGrp="1"/>
-          </p:cNvSpPr>
-          <p:nvPr>
-            <p:ph type="body" idx="1"/>
-          </p:nvPr>
-        </p:nvSpPr>
-        <p:spPr/>
-        <p:txBody>
-          <a:bodyPr/>
-          <a:lstStyle/>
-          <a:p>
-            <a:r>
-              <a:rPr lang="ru-RU" dirty="0"/>
-              <a:t>Задача достаточно простая по сути, но содержит нюансы, которые могут вызвать головную боль в дальнейшем. Нужно продумать какие абстракции необходимо выделить, чтобы потом не переделывать.</a:t>
-            </a:r>
-          </a:p>
-          <a:p>
-            <a:br>
-              <a:rPr lang="ru-RU" dirty="0"/>
-            </a:br>
-            <a:r>
-              <a:rPr lang="ru-RU" dirty="0"/>
-              <a:t>Подробнее описано в ВКР (номер раздела)</a:t>
-            </a:r>
-          </a:p>
-        </p:txBody>
-      </p:sp>
-      <p:sp>
-        <p:nvSpPr>
-          <p:cNvPr id="4" name="Номер слайда 3">
-            <a:extLst>
-              <a:ext uri="{FF2B5EF4-FFF2-40B4-BE49-F238E27FC236}">
-                <a16:creationId xmlns:a16="http://schemas.microsoft.com/office/drawing/2014/main" id="{F7EBA7FC-385A-7CD7-098D-BAC5D7CC0A64}"/>
-              </a:ext>
-            </a:extLst>
-          </p:cNvPr>
-          <p:cNvSpPr>
-            <a:spLocks noGrp="1"/>
-          </p:cNvSpPr>
-          <p:nvPr>
-            <p:ph type="sldNum" sz="quarter" idx="5"/>
-          </p:nvPr>
-        </p:nvSpPr>
-        <p:spPr/>
-        <p:txBody>
-          <a:bodyPr/>
-          <a:lstStyle/>
-          <a:p>
-            <a:fld id="{8329C60B-6F98-8646-A41A-70FA44D3BDF6}" type="slidenum">
-              <a:rPr lang="ru-RU" smtClean="0"/>
-              <a:t>9</a:t>
-            </a:fld>
-            <a:endParaRPr lang="ru-RU"/>
-          </a:p>
-        </p:txBody>
-      </p:sp>
-    </p:spTree>
-    <p:extLst>
-      <p:ext uri="{BB962C8B-B14F-4D97-AF65-F5344CB8AC3E}">
-        <p14:creationId xmlns:p14="http://schemas.microsoft.com/office/powerpoint/2010/main" val="1686962044"/>
+        <p14:creationId xmlns:p14="http://schemas.microsoft.com/office/powerpoint/2010/main" val="3873910815"/>
       </p:ext>
     </p:extLst>
   </p:cSld>
@@ -2907,7 +4047,7 @@
           <a:p>
             <a:fld id="{4A7CD677-3FCC-47F5-94F7-0E9EAFA5A0B4}" type="datetimeFigureOut">
               <a:rPr lang="ru-RU" smtClean="0"/>
-              <a:t>02.03.2025</a:t>
+              <a:t>16.04.2025</a:t>
             </a:fld>
             <a:endParaRPr lang="ru-RU"/>
           </a:p>
@@ -3105,7 +4245,7 @@
           <a:p>
             <a:fld id="{4A7CD677-3FCC-47F5-94F7-0E9EAFA5A0B4}" type="datetimeFigureOut">
               <a:rPr lang="ru-RU" smtClean="0"/>
-              <a:t>02.03.2025</a:t>
+              <a:t>16.04.2025</a:t>
             </a:fld>
             <a:endParaRPr lang="ru-RU"/>
           </a:p>
@@ -3313,7 +4453,7 @@
           <a:p>
             <a:fld id="{4A7CD677-3FCC-47F5-94F7-0E9EAFA5A0B4}" type="datetimeFigureOut">
               <a:rPr lang="ru-RU" smtClean="0"/>
-              <a:t>02.03.2025</a:t>
+              <a:t>16.04.2025</a:t>
             </a:fld>
             <a:endParaRPr lang="ru-RU"/>
           </a:p>
@@ -3511,7 +4651,7 @@
           <a:p>
             <a:fld id="{4A7CD677-3FCC-47F5-94F7-0E9EAFA5A0B4}" type="datetimeFigureOut">
               <a:rPr lang="ru-RU" smtClean="0"/>
-              <a:t>02.03.2025</a:t>
+              <a:t>16.04.2025</a:t>
             </a:fld>
             <a:endParaRPr lang="ru-RU"/>
           </a:p>
@@ -3786,7 +4926,7 @@
           <a:p>
             <a:fld id="{4A7CD677-3FCC-47F5-94F7-0E9EAFA5A0B4}" type="datetimeFigureOut">
               <a:rPr lang="ru-RU" smtClean="0"/>
-              <a:t>02.03.2025</a:t>
+              <a:t>16.04.2025</a:t>
             </a:fld>
             <a:endParaRPr lang="ru-RU"/>
           </a:p>
@@ -4051,7 +5191,7 @@
           <a:p>
             <a:fld id="{4A7CD677-3FCC-47F5-94F7-0E9EAFA5A0B4}" type="datetimeFigureOut">
               <a:rPr lang="ru-RU" smtClean="0"/>
-              <a:t>02.03.2025</a:t>
+              <a:t>16.04.2025</a:t>
             </a:fld>
             <a:endParaRPr lang="ru-RU"/>
           </a:p>
@@ -4463,7 +5603,7 @@
           <a:p>
             <a:fld id="{4A7CD677-3FCC-47F5-94F7-0E9EAFA5A0B4}" type="datetimeFigureOut">
               <a:rPr lang="ru-RU" smtClean="0"/>
-              <a:t>02.03.2025</a:t>
+              <a:t>16.04.2025</a:t>
             </a:fld>
             <a:endParaRPr lang="ru-RU"/>
           </a:p>
@@ -4604,7 +5744,7 @@
           <a:p>
             <a:fld id="{4A7CD677-3FCC-47F5-94F7-0E9EAFA5A0B4}" type="datetimeFigureOut">
               <a:rPr lang="ru-RU" smtClean="0"/>
-              <a:t>02.03.2025</a:t>
+              <a:t>16.04.2025</a:t>
             </a:fld>
             <a:endParaRPr lang="ru-RU"/>
           </a:p>
@@ -4717,7 +5857,7 @@
           <a:p>
             <a:fld id="{4A7CD677-3FCC-47F5-94F7-0E9EAFA5A0B4}" type="datetimeFigureOut">
               <a:rPr lang="ru-RU" smtClean="0"/>
-              <a:t>02.03.2025</a:t>
+              <a:t>16.04.2025</a:t>
             </a:fld>
             <a:endParaRPr lang="ru-RU"/>
           </a:p>
@@ -5028,7 +6168,7 @@
           <a:p>
             <a:fld id="{4A7CD677-3FCC-47F5-94F7-0E9EAFA5A0B4}" type="datetimeFigureOut">
               <a:rPr lang="ru-RU" smtClean="0"/>
-              <a:t>02.03.2025</a:t>
+              <a:t>16.04.2025</a:t>
             </a:fld>
             <a:endParaRPr lang="ru-RU"/>
           </a:p>
@@ -5316,7 +6456,7 @@
           <a:p>
             <a:fld id="{4A7CD677-3FCC-47F5-94F7-0E9EAFA5A0B4}" type="datetimeFigureOut">
               <a:rPr lang="ru-RU" smtClean="0"/>
-              <a:t>02.03.2025</a:t>
+              <a:t>16.04.2025</a:t>
             </a:fld>
             <a:endParaRPr lang="ru-RU"/>
           </a:p>
@@ -5557,7 +6697,7 @@
           <a:p>
             <a:fld id="{4A7CD677-3FCC-47F5-94F7-0E9EAFA5A0B4}" type="datetimeFigureOut">
               <a:rPr lang="ru-RU" smtClean="0"/>
-              <a:t>02.03.2025</a:t>
+              <a:t>16.04.2025</a:t>
             </a:fld>
             <a:endParaRPr lang="ru-RU"/>
           </a:p>
@@ -6197,8 +7337,21 @@
                   <a:schemeClr val="bg1"/>
                 </a:solidFill>
               </a:rPr>
-              <a:t>Тема моей работы</a:t>
-            </a:r>
+              <a:t>Автоматизация процесса лог-менеджмента в проекте </a:t>
+            </a:r>
+            <a:r>
+              <a:rPr lang="en-US" sz="3200" dirty="0">
+                <a:solidFill>
+                  <a:schemeClr val="bg1"/>
+                </a:solidFill>
+              </a:rPr>
+              <a:t>SOC</a:t>
+            </a:r>
+            <a:endParaRPr lang="ru-RU" sz="3200" dirty="0">
+              <a:solidFill>
+                <a:schemeClr val="bg1"/>
+              </a:solidFill>
+            </a:endParaRPr>
           </a:p>
         </p:txBody>
       </p:sp>
@@ -6516,7 +7669,7 @@
         <p:cNvPr id="1" name="">
           <a:extLst>
             <a:ext uri="{FF2B5EF4-FFF2-40B4-BE49-F238E27FC236}">
-              <a16:creationId xmlns:a16="http://schemas.microsoft.com/office/drawing/2014/main" id="{6679342C-7804-898C-57D7-538B0C421F27}"/>
+              <a16:creationId xmlns:a16="http://schemas.microsoft.com/office/drawing/2014/main" id="{1A6433F0-77A4-A64F-23D0-3471795FAA53}"/>
             </a:ext>
           </a:extLst>
         </p:cNvPr>
@@ -6536,7 +7689,7 @@
           <p:cNvPr id="3" name="Прямоугольник 2">
             <a:extLst>
               <a:ext uri="{FF2B5EF4-FFF2-40B4-BE49-F238E27FC236}">
-                <a16:creationId xmlns:a16="http://schemas.microsoft.com/office/drawing/2014/main" id="{9075C13C-1258-68D8-0F7E-1EFBD3EEE93B}"/>
+                <a16:creationId xmlns:a16="http://schemas.microsoft.com/office/drawing/2014/main" id="{39DDCA66-F975-3935-4A1C-D6B93B5871E9}"/>
               </a:ext>
             </a:extLst>
           </p:cNvPr>
@@ -6585,7 +7738,7 @@
           <p:cNvPr id="8" name="Title 7">
             <a:extLst>
               <a:ext uri="{FF2B5EF4-FFF2-40B4-BE49-F238E27FC236}">
-                <a16:creationId xmlns:a16="http://schemas.microsoft.com/office/drawing/2014/main" id="{B64D1971-0BC5-DE7C-5944-9219B3C49C2A}"/>
+                <a16:creationId xmlns:a16="http://schemas.microsoft.com/office/drawing/2014/main" id="{4FADE88F-A311-22E1-6BD0-CF5EC4982616}"/>
               </a:ext>
             </a:extLst>
           </p:cNvPr>
@@ -6608,7 +7761,7 @@
           <a:p>
             <a:r>
               <a:rPr lang="ru-RU" dirty="0"/>
-              <a:t>Механизм развертывания коллектора</a:t>
+              <a:t>Конфигурация балансировщика</a:t>
             </a:r>
           </a:p>
         </p:txBody>
@@ -6618,7 +7771,7 @@
           <p:cNvPr id="2" name="Slide Number Placeholder 1">
             <a:extLst>
               <a:ext uri="{FF2B5EF4-FFF2-40B4-BE49-F238E27FC236}">
-                <a16:creationId xmlns:a16="http://schemas.microsoft.com/office/drawing/2014/main" id="{E263E98C-88A8-84FE-659E-6DF616434DA7}"/>
+                <a16:creationId xmlns:a16="http://schemas.microsoft.com/office/drawing/2014/main" id="{EC5F9BE4-1B82-4AD0-7202-BF3639185431}"/>
               </a:ext>
             </a:extLst>
           </p:cNvPr>
@@ -6758,7 +7911,7 @@
           <p:cNvPr id="6" name="Рисунок 5">
             <a:extLst>
               <a:ext uri="{FF2B5EF4-FFF2-40B4-BE49-F238E27FC236}">
-                <a16:creationId xmlns:a16="http://schemas.microsoft.com/office/drawing/2014/main" id="{769385F9-CA61-8BC3-7F09-38E62EE8D458}"/>
+                <a16:creationId xmlns:a16="http://schemas.microsoft.com/office/drawing/2014/main" id="{8D5B427E-5D51-7C73-448F-B7B1C97579D6}"/>
               </a:ext>
             </a:extLst>
           </p:cNvPr>
@@ -6797,7 +7950,7 @@
           <p:cNvPr id="7" name="TextBox 6">
             <a:extLst>
               <a:ext uri="{FF2B5EF4-FFF2-40B4-BE49-F238E27FC236}">
-                <a16:creationId xmlns:a16="http://schemas.microsoft.com/office/drawing/2014/main" id="{4F7F4CD1-ECBF-BF56-2415-DF30CD86FA9D}"/>
+                <a16:creationId xmlns:a16="http://schemas.microsoft.com/office/drawing/2014/main" id="{1E4F2009-07CD-57E0-FA4B-C417F18250C8}"/>
               </a:ext>
             </a:extLst>
           </p:cNvPr>
@@ -6892,7 +8045,7 @@
           <p:cNvPr id="4" name="Объект 3">
             <a:extLst>
               <a:ext uri="{FF2B5EF4-FFF2-40B4-BE49-F238E27FC236}">
-                <a16:creationId xmlns:a16="http://schemas.microsoft.com/office/drawing/2014/main" id="{813C664D-A75D-FA6E-5B59-5F1B5850A26E}"/>
+                <a16:creationId xmlns:a16="http://schemas.microsoft.com/office/drawing/2014/main" id="{A7E4FBAE-2CAE-3C9A-8FDE-D7AD14B9C0EB}"/>
               </a:ext>
             </a:extLst>
           </p:cNvPr>
@@ -6910,40 +8063,109 @@
           </a:xfrm>
         </p:spPr>
         <p:txBody>
-          <a:bodyPr/>
+          <a:bodyPr>
+            <a:normAutofit/>
+          </a:bodyPr>
           <a:lstStyle/>
           <a:p>
             <a:pPr marL="0" indent="0">
               <a:buNone/>
             </a:pPr>
             <a:r>
+              <a:rPr lang="ru-RU" sz="3200" dirty="0"/>
+              <a:t>Варианты: </a:t>
+            </a:r>
+            <a:r>
+              <a:rPr lang="ru-RU" sz="2400" dirty="0">
+                <a:solidFill>
+                  <a:srgbClr val="FF0000"/>
+                </a:solidFill>
+              </a:rPr>
+              <a:t>(подлежит </a:t>
+            </a:r>
+            <a:r>
+              <a:rPr lang="ru-RU" sz="2400" dirty="0" err="1">
+                <a:solidFill>
+                  <a:srgbClr val="FF0000"/>
+                </a:solidFill>
+              </a:rPr>
+              <a:t>переформулировке</a:t>
+            </a:r>
+            <a:r>
+              <a:rPr lang="ru-RU" sz="2400" dirty="0">
+                <a:solidFill>
+                  <a:srgbClr val="FF0000"/>
+                </a:solidFill>
+              </a:rPr>
+              <a:t>)</a:t>
+            </a:r>
+          </a:p>
+          <a:p>
+            <a:pPr marL="357188" indent="-357188">
+              <a:buFont typeface="+mj-lt"/>
+              <a:buAutoNum type="arabicPeriod"/>
+            </a:pPr>
+            <a:r>
               <a:rPr lang="ru-RU" dirty="0"/>
-              <a:t>Для деплоя </a:t>
+              <a:t>Использование сервисной УЗ для внесения изменений автоматически и без согласования</a:t>
+            </a:r>
+          </a:p>
+          <a:p>
+            <a:pPr marL="357188" indent="-357188">
+              <a:buFont typeface="+mj-lt"/>
+              <a:buAutoNum type="arabicPeriod"/>
+            </a:pPr>
+            <a:r>
+              <a:rPr lang="ru-RU" dirty="0"/>
+              <a:t>Подготовка множества конфигураций </a:t>
+            </a:r>
+            <a:r>
+              <a:rPr lang="ru-RU"/>
+              <a:t>балансировщиков заранее</a:t>
+            </a:r>
+            <a:endParaRPr lang="ru-RU" dirty="0"/>
+          </a:p>
+        </p:txBody>
+      </p:sp>
+      <p:sp>
+        <p:nvSpPr>
+          <p:cNvPr id="9" name="TextBox 8">
+            <a:extLst>
+              <a:ext uri="{FF2B5EF4-FFF2-40B4-BE49-F238E27FC236}">
+                <a16:creationId xmlns:a16="http://schemas.microsoft.com/office/drawing/2014/main" id="{AB871EA0-C753-7A9A-701C-FDFA026CDD04}"/>
+              </a:ext>
+            </a:extLst>
+          </p:cNvPr>
+          <p:cNvSpPr txBox="1"/>
+          <p:nvPr/>
+        </p:nvSpPr>
+        <p:spPr>
+          <a:xfrm>
+            <a:off x="3287684" y="5729840"/>
+            <a:ext cx="6342610" cy="646331"/>
+          </a:xfrm>
+          <a:prstGeom prst="rect">
+            <a:avLst/>
+          </a:prstGeom>
+          <a:noFill/>
+        </p:spPr>
+        <p:txBody>
+          <a:bodyPr wrap="square">
+            <a:spAutoFit/>
+          </a:bodyPr>
+          <a:lstStyle/>
+          <a:p>
+            <a:r>
+              <a:rPr lang="ru-RU" dirty="0"/>
+              <a:t>Возможно, тут должна быть картинка До</a:t>
             </a:r>
             <a:r>
               <a:rPr lang="en-US" dirty="0"/>
-              <a:t>Ansible, </a:t>
+              <a:t>/</a:t>
             </a:r>
             <a:r>
               <a:rPr lang="ru-RU" dirty="0"/>
-              <a:t>но стоит учесть, что это </a:t>
-            </a:r>
-            <a:r>
-              <a:rPr lang="ru-RU" dirty="0" err="1"/>
-              <a:t>монорепа</a:t>
-            </a:r>
-            <a:r>
-              <a:rPr lang="ru-RU" dirty="0"/>
-              <a:t>, что конфиги до репы не доходят, как их класть на хост? Или класть в образ?</a:t>
-            </a:r>
-          </a:p>
-          <a:p>
-            <a:pPr marL="0" indent="0">
-              <a:buNone/>
-            </a:pPr>
-            <a:r>
-              <a:rPr lang="ru-RU" dirty="0"/>
-              <a:t>Как обеспечить их неизменяемость?</a:t>
+              <a:t>После для наглядности изменений.</a:t>
             </a:r>
           </a:p>
         </p:txBody>
@@ -6951,7 +8173,7 @@
     </p:spTree>
     <p:extLst>
       <p:ext uri="{BB962C8B-B14F-4D97-AF65-F5344CB8AC3E}">
-        <p14:creationId xmlns:p14="http://schemas.microsoft.com/office/powerpoint/2010/main" val="4094467032"/>
+        <p14:creationId xmlns:p14="http://schemas.microsoft.com/office/powerpoint/2010/main" val="2477378511"/>
       </p:ext>
     </p:extLst>
   </p:cSld>
@@ -6966,68 +8188,10 @@
   <p:cSld>
     <p:spTree>
       <p:nvGrpSpPr>
-        <p:cNvPr id="1" name=""/>
-        <p:cNvGrpSpPr/>
-        <p:nvPr/>
-      </p:nvGrpSpPr>
-      <p:grpSpPr>
-        <a:xfrm>
-          <a:off x="0" y="0"/>
-          <a:ext cx="0" cy="0"/>
-          <a:chOff x="0" y="0"/>
-          <a:chExt cx="0" cy="0"/>
-        </a:xfrm>
-      </p:grpSpPr>
-      <p:sp>
-        <p:nvSpPr>
-          <p:cNvPr id="4" name="Заголовок 3">
-            <a:extLst>
-              <a:ext uri="{FF2B5EF4-FFF2-40B4-BE49-F238E27FC236}">
-                <a16:creationId xmlns:a16="http://schemas.microsoft.com/office/drawing/2014/main" id="{CFA5BD57-FA79-B2F0-AD4F-1CBE68C4BFD4}"/>
-              </a:ext>
-            </a:extLst>
-          </p:cNvPr>
-          <p:cNvSpPr>
-            <a:spLocks noGrp="1"/>
-          </p:cNvSpPr>
-          <p:nvPr>
-            <p:ph type="ctrTitle"/>
-          </p:nvPr>
-        </p:nvSpPr>
-        <p:spPr/>
-        <p:txBody>
-          <a:bodyPr/>
-          <a:lstStyle/>
-          <a:p>
-            <a:r>
-              <a:rPr lang="ru-RU" dirty="0"/>
-              <a:t>Автоматизация процесса нормализации</a:t>
-            </a:r>
-          </a:p>
-        </p:txBody>
-      </p:sp>
-    </p:spTree>
-    <p:extLst>
-      <p:ext uri="{BB962C8B-B14F-4D97-AF65-F5344CB8AC3E}">
-        <p14:creationId xmlns:p14="http://schemas.microsoft.com/office/powerpoint/2010/main" val="315884104"/>
-      </p:ext>
-    </p:extLst>
-  </p:cSld>
-  <p:clrMapOvr>
-    <a:masterClrMapping/>
-  </p:clrMapOvr>
-</p:sld>
-</file>
-
-<file path=ppt/slides/slide12.xml><?xml version="1.0" encoding="utf-8"?>
-<p:sld xmlns:a="http://schemas.openxmlformats.org/drawingml/2006/main" xmlns:r="http://schemas.openxmlformats.org/officeDocument/2006/relationships" xmlns:p="http://schemas.openxmlformats.org/presentationml/2006/main">
-  <p:cSld>
-    <p:spTree>
-      <p:nvGrpSpPr>
         <p:cNvPr id="1" name="">
           <a:extLst>
             <a:ext uri="{FF2B5EF4-FFF2-40B4-BE49-F238E27FC236}">
-              <a16:creationId xmlns:a16="http://schemas.microsoft.com/office/drawing/2014/main" id="{18D68A0B-39C1-B3A6-862D-FE374E3F2477}"/>
+              <a16:creationId xmlns:a16="http://schemas.microsoft.com/office/drawing/2014/main" id="{CEEE5B77-465D-52DB-69D1-A1FC526A2077}"/>
             </a:ext>
           </a:extLst>
         </p:cNvPr>
@@ -7047,7 +8211,7 @@
           <p:cNvPr id="3" name="Прямоугольник 2">
             <a:extLst>
               <a:ext uri="{FF2B5EF4-FFF2-40B4-BE49-F238E27FC236}">
-                <a16:creationId xmlns:a16="http://schemas.microsoft.com/office/drawing/2014/main" id="{4896D5D3-954E-5558-8F72-63AA12344F1A}"/>
+                <a16:creationId xmlns:a16="http://schemas.microsoft.com/office/drawing/2014/main" id="{BAB1908E-8293-218F-8BB5-10E8E8FAC69A}"/>
               </a:ext>
             </a:extLst>
           </p:cNvPr>
@@ -7096,7 +8260,7 @@
           <p:cNvPr id="8" name="Title 7">
             <a:extLst>
               <a:ext uri="{FF2B5EF4-FFF2-40B4-BE49-F238E27FC236}">
-                <a16:creationId xmlns:a16="http://schemas.microsoft.com/office/drawing/2014/main" id="{70CFD4F2-EEF0-68D2-DFF9-5F72DB3C434A}"/>
+                <a16:creationId xmlns:a16="http://schemas.microsoft.com/office/drawing/2014/main" id="{6B7B02F6-0471-040B-985D-9DA88F42AEC0}"/>
               </a:ext>
             </a:extLst>
           </p:cNvPr>
@@ -7119,7 +8283,15 @@
           <a:p>
             <a:r>
               <a:rPr lang="ru-RU" dirty="0"/>
-              <a:t>Механизм генерации конфигурационного файла нормализатора (парсера)</a:t>
+              <a:t>Конфигурация параметров </a:t>
+            </a:r>
+            <a:r>
+              <a:rPr lang="en-US" dirty="0"/>
+              <a:t>Kafka </a:t>
+            </a:r>
+            <a:r>
+              <a:rPr lang="ru-RU" dirty="0"/>
+              <a:t>топика</a:t>
             </a:r>
           </a:p>
         </p:txBody>
@@ -7129,7 +8301,7 @@
           <p:cNvPr id="2" name="Slide Number Placeholder 1">
             <a:extLst>
               <a:ext uri="{FF2B5EF4-FFF2-40B4-BE49-F238E27FC236}">
-                <a16:creationId xmlns:a16="http://schemas.microsoft.com/office/drawing/2014/main" id="{9D3901CD-DF12-74A4-5D85-86F8A556D980}"/>
+                <a16:creationId xmlns:a16="http://schemas.microsoft.com/office/drawing/2014/main" id="{00B2887E-A2FA-D3E0-4163-2FB30DEB0664}"/>
               </a:ext>
             </a:extLst>
           </p:cNvPr>
@@ -7254,7 +8426,7 @@
                 </a:solidFill>
               </a:rPr>
               <a:pPr/>
-              <a:t>12</a:t>
+              <a:t>11</a:t>
             </a:fld>
             <a:endParaRPr lang="ru-RU" dirty="0">
               <a:solidFill>
@@ -7269,7 +8441,7 @@
           <p:cNvPr id="6" name="Рисунок 5">
             <a:extLst>
               <a:ext uri="{FF2B5EF4-FFF2-40B4-BE49-F238E27FC236}">
-                <a16:creationId xmlns:a16="http://schemas.microsoft.com/office/drawing/2014/main" id="{F757E57D-84F1-6FE5-07A6-9D67001B9928}"/>
+                <a16:creationId xmlns:a16="http://schemas.microsoft.com/office/drawing/2014/main" id="{4763A4BA-6253-3BD7-5E9E-81536A580785}"/>
               </a:ext>
             </a:extLst>
           </p:cNvPr>
@@ -7308,7 +8480,7 @@
           <p:cNvPr id="7" name="TextBox 6">
             <a:extLst>
               <a:ext uri="{FF2B5EF4-FFF2-40B4-BE49-F238E27FC236}">
-                <a16:creationId xmlns:a16="http://schemas.microsoft.com/office/drawing/2014/main" id="{A49613EB-E02B-DBB8-171D-D03D9532714E}"/>
+                <a16:creationId xmlns:a16="http://schemas.microsoft.com/office/drawing/2014/main" id="{9BD5F4D7-8097-329F-0541-B46EEDD8E16E}"/>
               </a:ext>
             </a:extLst>
           </p:cNvPr>
@@ -7400,10 +8572,10 @@
       </p:sp>
       <p:sp>
         <p:nvSpPr>
-          <p:cNvPr id="5" name="Объект 3">
-            <a:extLst>
-              <a:ext uri="{FF2B5EF4-FFF2-40B4-BE49-F238E27FC236}">
-                <a16:creationId xmlns:a16="http://schemas.microsoft.com/office/drawing/2014/main" id="{EECE86EB-4963-AAEC-75B4-6807F1348F45}"/>
+          <p:cNvPr id="4" name="Объект 3">
+            <a:extLst>
+              <a:ext uri="{FF2B5EF4-FFF2-40B4-BE49-F238E27FC236}">
+                <a16:creationId xmlns:a16="http://schemas.microsoft.com/office/drawing/2014/main" id="{3DDC6D83-732A-8C21-2349-DAD127DC5C3B}"/>
               </a:ext>
             </a:extLst>
           </p:cNvPr>
@@ -7416,42 +8588,78 @@
         </p:nvSpPr>
         <p:spPr>
           <a:xfrm>
-            <a:off x="838200" y="1933065"/>
-            <a:ext cx="10515600" cy="4243898"/>
+            <a:off x="838199" y="1933065"/>
+            <a:ext cx="10515601" cy="4243898"/>
           </a:xfrm>
         </p:spPr>
         <p:txBody>
-          <a:bodyPr/>
+          <a:bodyPr>
+            <a:normAutofit/>
+          </a:bodyPr>
           <a:lstStyle/>
           <a:p>
             <a:pPr marL="0" indent="0">
               <a:buNone/>
             </a:pPr>
             <a:r>
+              <a:rPr lang="ru-RU" sz="3200" dirty="0"/>
+              <a:t>Варианты: </a:t>
+            </a:r>
+            <a:r>
+              <a:rPr lang="ru-RU" sz="2400" dirty="0">
+                <a:solidFill>
+                  <a:srgbClr val="FF0000"/>
+                </a:solidFill>
+              </a:rPr>
+              <a:t>(подлежит </a:t>
+            </a:r>
+            <a:r>
+              <a:rPr lang="ru-RU" sz="2400" dirty="0" err="1">
+                <a:solidFill>
+                  <a:srgbClr val="FF0000"/>
+                </a:solidFill>
+              </a:rPr>
+              <a:t>переформулировке</a:t>
+            </a:r>
+            <a:r>
+              <a:rPr lang="ru-RU" sz="2400" dirty="0">
+                <a:solidFill>
+                  <a:srgbClr val="FF0000"/>
+                </a:solidFill>
+              </a:rPr>
+              <a:t>)</a:t>
+            </a:r>
+          </a:p>
+          <a:p>
+            <a:pPr marL="357188" indent="-357188">
+              <a:buFont typeface="+mj-lt"/>
+              <a:buAutoNum type="arabicPeriod"/>
+            </a:pPr>
+            <a:r>
               <a:rPr lang="ru-RU" dirty="0"/>
-              <a:t>Парсер</a:t>
+              <a:t>Использование сервисной УЗ для параметризации автоматически.</a:t>
+            </a:r>
+          </a:p>
+          <a:p>
+            <a:pPr marL="357188" indent="-357188">
+              <a:buFont typeface="+mj-lt"/>
+              <a:buAutoNum type="arabicPeriod"/>
+            </a:pPr>
+            <a:r>
+              <a:rPr lang="ru-RU" dirty="0"/>
+              <a:t>Миграция на более современное решение</a:t>
             </a:r>
             <a:r>
               <a:rPr lang="en-US" dirty="0"/>
-              <a:t> </a:t>
-            </a:r>
-            <a:r>
-              <a:rPr lang="ru-RU" dirty="0"/>
-              <a:t>только </a:t>
+              <a:t> - Kafka as a Service (</a:t>
+            </a:r>
+            <a:r>
+              <a:rPr lang="en-US" dirty="0" err="1"/>
+              <a:t>KaaS</a:t>
             </a:r>
             <a:r>
               <a:rPr lang="en-US" dirty="0"/>
-              <a:t>Logstash.</a:t>
-            </a:r>
-            <a:endParaRPr lang="ru-RU" dirty="0"/>
-          </a:p>
-          <a:p>
-            <a:pPr marL="0" indent="0">
-              <a:buNone/>
-            </a:pPr>
-            <a:r>
-              <a:rPr lang="en-US" dirty="0"/>
-              <a:t> </a:t>
+              <a:t>).</a:t>
             </a:r>
             <a:endParaRPr lang="ru-RU" dirty="0"/>
           </a:p>
@@ -7460,7 +8668,7 @@
     </p:spTree>
     <p:extLst>
       <p:ext uri="{BB962C8B-B14F-4D97-AF65-F5344CB8AC3E}">
-        <p14:creationId xmlns:p14="http://schemas.microsoft.com/office/powerpoint/2010/main" val="979747349"/>
+        <p14:creationId xmlns:p14="http://schemas.microsoft.com/office/powerpoint/2010/main" val="4277009511"/>
       </p:ext>
     </p:extLst>
   </p:cSld>
@@ -7470,7 +8678,7 @@
 </p:sld>
 </file>
 
-<file path=ppt/slides/slide13.xml><?xml version="1.0" encoding="utf-8"?>
+<file path=ppt/slides/slide12.xml><?xml version="1.0" encoding="utf-8"?>
 <p:sld xmlns:a="http://schemas.openxmlformats.org/drawingml/2006/main" xmlns:r="http://schemas.openxmlformats.org/officeDocument/2006/relationships" xmlns:p="http://schemas.openxmlformats.org/presentationml/2006/main">
   <p:cSld>
     <p:spTree>
@@ -7478,7 +8686,7 @@
         <p:cNvPr id="1" name="">
           <a:extLst>
             <a:ext uri="{FF2B5EF4-FFF2-40B4-BE49-F238E27FC236}">
-              <a16:creationId xmlns:a16="http://schemas.microsoft.com/office/drawing/2014/main" id="{3D600C76-7F4B-191F-E316-FF6E3232DA61}"/>
+              <a16:creationId xmlns:a16="http://schemas.microsoft.com/office/drawing/2014/main" id="{3CA5EC1A-50B1-DD95-09A8-B2929F968415}"/>
             </a:ext>
           </a:extLst>
         </p:cNvPr>
@@ -7498,7 +8706,7 @@
           <p:cNvPr id="3" name="Прямоугольник 2">
             <a:extLst>
               <a:ext uri="{FF2B5EF4-FFF2-40B4-BE49-F238E27FC236}">
-                <a16:creationId xmlns:a16="http://schemas.microsoft.com/office/drawing/2014/main" id="{5FB97831-96E0-18E0-0211-53CEA4A2BAA4}"/>
+                <a16:creationId xmlns:a16="http://schemas.microsoft.com/office/drawing/2014/main" id="{31C010EB-99B4-4577-3B3E-92905F3CAC44}"/>
               </a:ext>
             </a:extLst>
           </p:cNvPr>
@@ -7547,7 +8755,7 @@
           <p:cNvPr id="8" name="Title 7">
             <a:extLst>
               <a:ext uri="{FF2B5EF4-FFF2-40B4-BE49-F238E27FC236}">
-                <a16:creationId xmlns:a16="http://schemas.microsoft.com/office/drawing/2014/main" id="{44E2E4E5-1386-7055-1D20-F1101C790163}"/>
+                <a16:creationId xmlns:a16="http://schemas.microsoft.com/office/drawing/2014/main" id="{39EB9890-C734-13BE-0C4B-74CD69AD42DD}"/>
               </a:ext>
             </a:extLst>
           </p:cNvPr>
@@ -7561,24 +8769,33 @@
         <p:spPr>
           <a:xfrm>
             <a:off x="838200" y="630572"/>
-            <a:ext cx="10515600" cy="1325563"/>
+            <a:ext cx="3787397" cy="1325563"/>
           </a:xfrm>
         </p:spPr>
         <p:txBody>
-          <a:bodyPr/>
+          <a:bodyPr>
+            <a:normAutofit fontScale="90000"/>
+          </a:bodyPr>
           <a:lstStyle/>
           <a:p>
             <a:r>
               <a:rPr lang="ru-RU" dirty="0"/>
-              <a:t>Итоги</a:t>
-            </a:r>
-            <a:r>
+              <a:t>Использование</a:t>
+            </a:r>
+            <a:br>
               <a:rPr lang="en-US" dirty="0"/>
-              <a:t>. </a:t>
+            </a:br>
+            <a:r>
+              <a:rPr lang="en-US" dirty="0" err="1"/>
+              <a:t>GitOps</a:t>
+            </a:r>
+            <a:r>
+              <a:rPr lang="en-US" dirty="0"/>
+              <a:t> </a:t>
             </a:r>
             <a:r>
               <a:rPr lang="ru-RU" dirty="0"/>
-              <a:t>Процесс до изменений</a:t>
+              <a:t>подхода</a:t>
             </a:r>
           </a:p>
         </p:txBody>
@@ -7588,7 +8805,7 @@
           <p:cNvPr id="2" name="Slide Number Placeholder 1">
             <a:extLst>
               <a:ext uri="{FF2B5EF4-FFF2-40B4-BE49-F238E27FC236}">
-                <a16:creationId xmlns:a16="http://schemas.microsoft.com/office/drawing/2014/main" id="{DA9AA5E5-13B8-8D7E-50AE-668B4B5E6662}"/>
+                <a16:creationId xmlns:a16="http://schemas.microsoft.com/office/drawing/2014/main" id="{87FAC776-26F2-C5C8-348C-DE6296719049}"/>
               </a:ext>
             </a:extLst>
           </p:cNvPr>
@@ -7713,7 +8930,7 @@
                 </a:solidFill>
               </a:rPr>
               <a:pPr/>
-              <a:t>13</a:t>
+              <a:t>12</a:t>
             </a:fld>
             <a:endParaRPr lang="ru-RU" dirty="0">
               <a:solidFill>
@@ -7728,7 +8945,7 @@
           <p:cNvPr id="6" name="Рисунок 5">
             <a:extLst>
               <a:ext uri="{FF2B5EF4-FFF2-40B4-BE49-F238E27FC236}">
-                <a16:creationId xmlns:a16="http://schemas.microsoft.com/office/drawing/2014/main" id="{EE67148D-CC38-B2C2-D1EC-2F59FC022F8A}"/>
+                <a16:creationId xmlns:a16="http://schemas.microsoft.com/office/drawing/2014/main" id="{04CDB028-0018-1DA4-91FE-C6441C17E4E6}"/>
               </a:ext>
             </a:extLst>
           </p:cNvPr>
@@ -7767,7 +8984,7 @@
           <p:cNvPr id="7" name="TextBox 6">
             <a:extLst>
               <a:ext uri="{FF2B5EF4-FFF2-40B4-BE49-F238E27FC236}">
-                <a16:creationId xmlns:a16="http://schemas.microsoft.com/office/drawing/2014/main" id="{CB008F8E-5160-094A-FE40-11DD035833AC}"/>
+                <a16:creationId xmlns:a16="http://schemas.microsoft.com/office/drawing/2014/main" id="{4BF35796-FB55-8177-7E8A-DD063D563C4B}"/>
               </a:ext>
             </a:extLst>
           </p:cNvPr>
@@ -7857,10 +9074,1509 @@
           </a:p>
         </p:txBody>
       </p:sp>
+      <p:sp>
+        <p:nvSpPr>
+          <p:cNvPr id="15" name="TextBox 14">
+            <a:extLst>
+              <a:ext uri="{FF2B5EF4-FFF2-40B4-BE49-F238E27FC236}">
+                <a16:creationId xmlns:a16="http://schemas.microsoft.com/office/drawing/2014/main" id="{980DAA38-1350-A50D-799E-5BE9678F2C03}"/>
+              </a:ext>
+            </a:extLst>
+          </p:cNvPr>
+          <p:cNvSpPr txBox="1"/>
+          <p:nvPr/>
+        </p:nvSpPr>
+        <p:spPr>
+          <a:xfrm>
+            <a:off x="4625597" y="0"/>
+            <a:ext cx="7633105" cy="6858000"/>
+          </a:xfrm>
+          <a:prstGeom prst="rect">
+            <a:avLst/>
+          </a:prstGeom>
+          <a:solidFill>
+            <a:srgbClr val="1F1F1F"/>
+          </a:solidFill>
+        </p:spPr>
+        <p:txBody>
+          <a:bodyPr wrap="square">
+            <a:spAutoFit/>
+          </a:bodyPr>
+          <a:lstStyle/>
+          <a:p>
+            <a:pPr>
+              <a:lnSpc>
+                <a:spcPts val="1600"/>
+              </a:lnSpc>
+              <a:buNone/>
+            </a:pPr>
+            <a:r>
+              <a:rPr lang="en-US" b="0" dirty="0">
+                <a:solidFill>
+                  <a:srgbClr val="569CD6"/>
+                </a:solidFill>
+                <a:effectLst/>
+                <a:latin typeface="Consolas" panose="020B0609020204030204" pitchFamily="49" charset="0"/>
+              </a:rPr>
+              <a:t>kind</a:t>
+            </a:r>
+            <a:r>
+              <a:rPr lang="en-US" b="0" dirty="0">
+                <a:solidFill>
+                  <a:srgbClr val="CCCCCC"/>
+                </a:solidFill>
+                <a:effectLst/>
+                <a:latin typeface="Consolas" panose="020B0609020204030204" pitchFamily="49" charset="0"/>
+              </a:rPr>
+              <a:t>: </a:t>
+            </a:r>
+            <a:r>
+              <a:rPr lang="en-US" b="0" dirty="0">
+                <a:solidFill>
+                  <a:srgbClr val="CE9178"/>
+                </a:solidFill>
+                <a:effectLst/>
+                <a:latin typeface="Consolas" panose="020B0609020204030204" pitchFamily="49" charset="0"/>
+              </a:rPr>
+              <a:t>Collector</a:t>
+            </a:r>
+            <a:endParaRPr lang="en-US" b="0" dirty="0">
+              <a:solidFill>
+                <a:srgbClr val="CCCCCC"/>
+              </a:solidFill>
+              <a:effectLst/>
+              <a:latin typeface="Consolas" panose="020B0609020204030204" pitchFamily="49" charset="0"/>
+            </a:endParaRPr>
+          </a:p>
+          <a:p>
+            <a:pPr>
+              <a:lnSpc>
+                <a:spcPts val="1600"/>
+              </a:lnSpc>
+              <a:buNone/>
+            </a:pPr>
+            <a:r>
+              <a:rPr lang="en-US" b="0" dirty="0">
+                <a:solidFill>
+                  <a:srgbClr val="569CD6"/>
+                </a:solidFill>
+                <a:effectLst/>
+                <a:latin typeface="Consolas" panose="020B0609020204030204" pitchFamily="49" charset="0"/>
+              </a:rPr>
+              <a:t>metadata</a:t>
+            </a:r>
+            <a:r>
+              <a:rPr lang="en-US" b="0" dirty="0">
+                <a:solidFill>
+                  <a:srgbClr val="CCCCCC"/>
+                </a:solidFill>
+                <a:effectLst/>
+                <a:latin typeface="Consolas" panose="020B0609020204030204" pitchFamily="49" charset="0"/>
+              </a:rPr>
+              <a:t>:</a:t>
+            </a:r>
+          </a:p>
+          <a:p>
+            <a:pPr>
+              <a:lnSpc>
+                <a:spcPts val="1600"/>
+              </a:lnSpc>
+              <a:buNone/>
+            </a:pPr>
+            <a:r>
+              <a:rPr lang="en-US" b="0" dirty="0">
+                <a:solidFill>
+                  <a:srgbClr val="CCCCCC"/>
+                </a:solidFill>
+                <a:effectLst/>
+                <a:latin typeface="Consolas" panose="020B0609020204030204" pitchFamily="49" charset="0"/>
+              </a:rPr>
+              <a:t>    </a:t>
+            </a:r>
+            <a:r>
+              <a:rPr lang="en-US" b="0" dirty="0">
+                <a:solidFill>
+                  <a:srgbClr val="569CD6"/>
+                </a:solidFill>
+                <a:effectLst/>
+                <a:latin typeface="Consolas" panose="020B0609020204030204" pitchFamily="49" charset="0"/>
+              </a:rPr>
+              <a:t>description</a:t>
+            </a:r>
+            <a:r>
+              <a:rPr lang="en-US" b="0" dirty="0">
+                <a:solidFill>
+                  <a:srgbClr val="CCCCCC"/>
+                </a:solidFill>
+                <a:effectLst/>
+                <a:latin typeface="Consolas" panose="020B0609020204030204" pitchFamily="49" charset="0"/>
+              </a:rPr>
+              <a:t>: </a:t>
+            </a:r>
+            <a:r>
+              <a:rPr lang="en-US" b="0" dirty="0">
+                <a:solidFill>
+                  <a:srgbClr val="CE9178"/>
+                </a:solidFill>
+                <a:effectLst/>
+                <a:latin typeface="Consolas" panose="020B0609020204030204" pitchFamily="49" charset="0"/>
+              </a:rPr>
+              <a:t>"</a:t>
+            </a:r>
+            <a:r>
+              <a:rPr lang="ru-RU" b="0" dirty="0">
+                <a:solidFill>
+                  <a:srgbClr val="CE9178"/>
+                </a:solidFill>
+                <a:effectLst/>
+                <a:latin typeface="Consolas" panose="020B0609020204030204" pitchFamily="49" charset="0"/>
+              </a:rPr>
+              <a:t>Коллектор для данных из </a:t>
+            </a:r>
+            <a:r>
+              <a:rPr lang="en-US" b="0" dirty="0">
+                <a:solidFill>
+                  <a:srgbClr val="CE9178"/>
+                </a:solidFill>
+                <a:effectLst/>
+                <a:latin typeface="Consolas" panose="020B0609020204030204" pitchFamily="49" charset="0"/>
+              </a:rPr>
+              <a:t>Antivirus"</a:t>
+            </a:r>
+            <a:endParaRPr lang="en-US" b="0" dirty="0">
+              <a:solidFill>
+                <a:srgbClr val="CCCCCC"/>
+              </a:solidFill>
+              <a:effectLst/>
+              <a:latin typeface="Consolas" panose="020B0609020204030204" pitchFamily="49" charset="0"/>
+            </a:endParaRPr>
+          </a:p>
+          <a:p>
+            <a:pPr>
+              <a:lnSpc>
+                <a:spcPts val="1600"/>
+              </a:lnSpc>
+              <a:buNone/>
+            </a:pPr>
+            <a:r>
+              <a:rPr lang="en-US" b="0" dirty="0">
+                <a:solidFill>
+                  <a:srgbClr val="CCCCCC"/>
+                </a:solidFill>
+                <a:effectLst/>
+                <a:latin typeface="Consolas" panose="020B0609020204030204" pitchFamily="49" charset="0"/>
+              </a:rPr>
+              <a:t>    </a:t>
+            </a:r>
+            <a:r>
+              <a:rPr lang="en-US" b="0" dirty="0">
+                <a:solidFill>
+                  <a:srgbClr val="6A9955"/>
+                </a:solidFill>
+                <a:effectLst/>
+                <a:latin typeface="Consolas" panose="020B0609020204030204" pitchFamily="49" charset="0"/>
+              </a:rPr>
+              <a:t># ...</a:t>
+            </a:r>
+            <a:endParaRPr lang="en-US" b="0" dirty="0">
+              <a:solidFill>
+                <a:srgbClr val="CCCCCC"/>
+              </a:solidFill>
+              <a:effectLst/>
+              <a:latin typeface="Consolas" panose="020B0609020204030204" pitchFamily="49" charset="0"/>
+            </a:endParaRPr>
+          </a:p>
+          <a:p>
+            <a:pPr>
+              <a:lnSpc>
+                <a:spcPts val="1600"/>
+              </a:lnSpc>
+              <a:buNone/>
+            </a:pPr>
+            <a:r>
+              <a:rPr lang="en-US" b="0" dirty="0">
+                <a:solidFill>
+                  <a:srgbClr val="569CD6"/>
+                </a:solidFill>
+                <a:effectLst/>
+                <a:latin typeface="Consolas" panose="020B0609020204030204" pitchFamily="49" charset="0"/>
+              </a:rPr>
+              <a:t>spec</a:t>
+            </a:r>
+            <a:r>
+              <a:rPr lang="en-US" b="0" dirty="0">
+                <a:solidFill>
+                  <a:srgbClr val="CCCCCC"/>
+                </a:solidFill>
+                <a:effectLst/>
+                <a:latin typeface="Consolas" panose="020B0609020204030204" pitchFamily="49" charset="0"/>
+              </a:rPr>
+              <a:t>:</a:t>
+            </a:r>
+          </a:p>
+          <a:p>
+            <a:pPr>
+              <a:lnSpc>
+                <a:spcPts val="1600"/>
+              </a:lnSpc>
+              <a:buNone/>
+            </a:pPr>
+            <a:r>
+              <a:rPr lang="en-US" b="0" dirty="0">
+                <a:solidFill>
+                  <a:srgbClr val="CCCCCC"/>
+                </a:solidFill>
+                <a:effectLst/>
+                <a:latin typeface="Consolas" panose="020B0609020204030204" pitchFamily="49" charset="0"/>
+              </a:rPr>
+              <a:t>    </a:t>
+            </a:r>
+            <a:r>
+              <a:rPr lang="en-US" b="0" dirty="0">
+                <a:solidFill>
+                  <a:srgbClr val="569CD6"/>
+                </a:solidFill>
+                <a:effectLst/>
+                <a:latin typeface="Consolas" panose="020B0609020204030204" pitchFamily="49" charset="0"/>
+              </a:rPr>
+              <a:t>type</a:t>
+            </a:r>
+            <a:r>
+              <a:rPr lang="en-US" b="0" dirty="0">
+                <a:solidFill>
+                  <a:srgbClr val="CCCCCC"/>
+                </a:solidFill>
+                <a:effectLst/>
+                <a:latin typeface="Consolas" panose="020B0609020204030204" pitchFamily="49" charset="0"/>
+              </a:rPr>
+              <a:t>: </a:t>
+            </a:r>
+            <a:r>
+              <a:rPr lang="en-US" b="0" dirty="0">
+                <a:solidFill>
+                  <a:srgbClr val="CE9178"/>
+                </a:solidFill>
+                <a:effectLst/>
+                <a:latin typeface="Consolas" panose="020B0609020204030204" pitchFamily="49" charset="0"/>
+              </a:rPr>
+              <a:t>vector</a:t>
+            </a:r>
+            <a:endParaRPr lang="en-US" b="0" dirty="0">
+              <a:solidFill>
+                <a:srgbClr val="CCCCCC"/>
+              </a:solidFill>
+              <a:effectLst/>
+              <a:latin typeface="Consolas" panose="020B0609020204030204" pitchFamily="49" charset="0"/>
+            </a:endParaRPr>
+          </a:p>
+          <a:p>
+            <a:pPr>
+              <a:lnSpc>
+                <a:spcPts val="1600"/>
+              </a:lnSpc>
+              <a:buNone/>
+            </a:pPr>
+            <a:r>
+              <a:rPr lang="en-US" b="0" dirty="0">
+                <a:solidFill>
+                  <a:srgbClr val="CCCCCC"/>
+                </a:solidFill>
+                <a:effectLst/>
+                <a:latin typeface="Consolas" panose="020B0609020204030204" pitchFamily="49" charset="0"/>
+              </a:rPr>
+              <a:t>    </a:t>
+            </a:r>
+            <a:r>
+              <a:rPr lang="en-US" b="0" dirty="0">
+                <a:solidFill>
+                  <a:srgbClr val="569CD6"/>
+                </a:solidFill>
+                <a:effectLst/>
+                <a:latin typeface="Consolas" panose="020B0609020204030204" pitchFamily="49" charset="0"/>
+              </a:rPr>
+              <a:t>input</a:t>
+            </a:r>
+            <a:r>
+              <a:rPr lang="en-US" b="0" dirty="0">
+                <a:solidFill>
+                  <a:srgbClr val="CCCCCC"/>
+                </a:solidFill>
+                <a:effectLst/>
+                <a:latin typeface="Consolas" panose="020B0609020204030204" pitchFamily="49" charset="0"/>
+              </a:rPr>
+              <a:t>:</a:t>
+            </a:r>
+          </a:p>
+          <a:p>
+            <a:pPr>
+              <a:lnSpc>
+                <a:spcPts val="1600"/>
+              </a:lnSpc>
+              <a:buNone/>
+            </a:pPr>
+            <a:r>
+              <a:rPr lang="en-US" b="0" dirty="0">
+                <a:solidFill>
+                  <a:srgbClr val="CCCCCC"/>
+                </a:solidFill>
+                <a:effectLst/>
+                <a:latin typeface="Consolas" panose="020B0609020204030204" pitchFamily="49" charset="0"/>
+              </a:rPr>
+              <a:t>        </a:t>
+            </a:r>
+            <a:r>
+              <a:rPr lang="en-US" b="0" dirty="0">
+                <a:solidFill>
+                  <a:srgbClr val="569CD6"/>
+                </a:solidFill>
+                <a:effectLst/>
+                <a:latin typeface="Consolas" panose="020B0609020204030204" pitchFamily="49" charset="0"/>
+              </a:rPr>
+              <a:t>type</a:t>
+            </a:r>
+            <a:r>
+              <a:rPr lang="en-US" b="0" dirty="0">
+                <a:solidFill>
+                  <a:srgbClr val="CCCCCC"/>
+                </a:solidFill>
+                <a:effectLst/>
+                <a:latin typeface="Consolas" panose="020B0609020204030204" pitchFamily="49" charset="0"/>
+              </a:rPr>
+              <a:t>: </a:t>
+            </a:r>
+            <a:r>
+              <a:rPr lang="en-US" b="0" dirty="0">
+                <a:solidFill>
+                  <a:srgbClr val="CE9178"/>
+                </a:solidFill>
+                <a:effectLst/>
+                <a:latin typeface="Consolas" panose="020B0609020204030204" pitchFamily="49" charset="0"/>
+              </a:rPr>
+              <a:t>protocol</a:t>
+            </a:r>
+            <a:endParaRPr lang="en-US" b="0" dirty="0">
+              <a:solidFill>
+                <a:srgbClr val="CCCCCC"/>
+              </a:solidFill>
+              <a:effectLst/>
+              <a:latin typeface="Consolas" panose="020B0609020204030204" pitchFamily="49" charset="0"/>
+            </a:endParaRPr>
+          </a:p>
+          <a:p>
+            <a:pPr>
+              <a:lnSpc>
+                <a:spcPts val="1600"/>
+              </a:lnSpc>
+              <a:buNone/>
+            </a:pPr>
+            <a:r>
+              <a:rPr lang="en-US" b="0" dirty="0">
+                <a:solidFill>
+                  <a:srgbClr val="CCCCCC"/>
+                </a:solidFill>
+                <a:effectLst/>
+                <a:latin typeface="Consolas" panose="020B0609020204030204" pitchFamily="49" charset="0"/>
+              </a:rPr>
+              <a:t>        </a:t>
+            </a:r>
+            <a:r>
+              <a:rPr lang="en-US" b="0" dirty="0">
+                <a:solidFill>
+                  <a:srgbClr val="569CD6"/>
+                </a:solidFill>
+                <a:effectLst/>
+                <a:latin typeface="Consolas" panose="020B0609020204030204" pitchFamily="49" charset="0"/>
+              </a:rPr>
+              <a:t>config</a:t>
+            </a:r>
+            <a:r>
+              <a:rPr lang="en-US" b="0" dirty="0">
+                <a:solidFill>
+                  <a:srgbClr val="CCCCCC"/>
+                </a:solidFill>
+                <a:effectLst/>
+                <a:latin typeface="Consolas" panose="020B0609020204030204" pitchFamily="49" charset="0"/>
+              </a:rPr>
+              <a:t>:</a:t>
+            </a:r>
+          </a:p>
+          <a:p>
+            <a:pPr>
+              <a:lnSpc>
+                <a:spcPts val="1600"/>
+              </a:lnSpc>
+              <a:buNone/>
+            </a:pPr>
+            <a:r>
+              <a:rPr lang="en-US" b="0" dirty="0">
+                <a:solidFill>
+                  <a:srgbClr val="CCCCCC"/>
+                </a:solidFill>
+                <a:effectLst/>
+                <a:latin typeface="Consolas" panose="020B0609020204030204" pitchFamily="49" charset="0"/>
+              </a:rPr>
+              <a:t>            </a:t>
+            </a:r>
+            <a:r>
+              <a:rPr lang="en-US" b="0" dirty="0">
+                <a:solidFill>
+                  <a:srgbClr val="569CD6"/>
+                </a:solidFill>
+                <a:effectLst/>
+                <a:latin typeface="Consolas" panose="020B0609020204030204" pitchFamily="49" charset="0"/>
+              </a:rPr>
+              <a:t>mode</a:t>
+            </a:r>
+            <a:r>
+              <a:rPr lang="en-US" b="0" dirty="0">
+                <a:solidFill>
+                  <a:srgbClr val="CCCCCC"/>
+                </a:solidFill>
+                <a:effectLst/>
+                <a:latin typeface="Consolas" panose="020B0609020204030204" pitchFamily="49" charset="0"/>
+              </a:rPr>
+              <a:t>: </a:t>
+            </a:r>
+            <a:r>
+              <a:rPr lang="en-US" b="0" dirty="0">
+                <a:solidFill>
+                  <a:srgbClr val="CE9178"/>
+                </a:solidFill>
+                <a:effectLst/>
+                <a:latin typeface="Consolas" panose="020B0609020204030204" pitchFamily="49" charset="0"/>
+              </a:rPr>
+              <a:t>tcp</a:t>
+            </a:r>
+            <a:endParaRPr lang="en-US" b="0" dirty="0">
+              <a:solidFill>
+                <a:srgbClr val="CCCCCC"/>
+              </a:solidFill>
+              <a:effectLst/>
+              <a:latin typeface="Consolas" panose="020B0609020204030204" pitchFamily="49" charset="0"/>
+            </a:endParaRPr>
+          </a:p>
+          <a:p>
+            <a:pPr>
+              <a:lnSpc>
+                <a:spcPts val="1600"/>
+              </a:lnSpc>
+              <a:buNone/>
+            </a:pPr>
+            <a:r>
+              <a:rPr lang="en-US" b="0" dirty="0">
+                <a:solidFill>
+                  <a:srgbClr val="CCCCCC"/>
+                </a:solidFill>
+                <a:effectLst/>
+                <a:latin typeface="Consolas" panose="020B0609020204030204" pitchFamily="49" charset="0"/>
+              </a:rPr>
+              <a:t>            </a:t>
+            </a:r>
+            <a:r>
+              <a:rPr lang="en-US" b="0" dirty="0">
+                <a:solidFill>
+                  <a:srgbClr val="569CD6"/>
+                </a:solidFill>
+                <a:effectLst/>
+                <a:latin typeface="Consolas" panose="020B0609020204030204" pitchFamily="49" charset="0"/>
+              </a:rPr>
+              <a:t>port</a:t>
+            </a:r>
+            <a:r>
+              <a:rPr lang="en-US" b="0" dirty="0">
+                <a:solidFill>
+                  <a:srgbClr val="CCCCCC"/>
+                </a:solidFill>
+                <a:effectLst/>
+                <a:latin typeface="Consolas" panose="020B0609020204030204" pitchFamily="49" charset="0"/>
+              </a:rPr>
+              <a:t>: </a:t>
+            </a:r>
+            <a:r>
+              <a:rPr lang="en-US" b="0" dirty="0">
+                <a:solidFill>
+                  <a:srgbClr val="B5CEA8"/>
+                </a:solidFill>
+                <a:effectLst/>
+                <a:latin typeface="Consolas" panose="020B0609020204030204" pitchFamily="49" charset="0"/>
+              </a:rPr>
+              <a:t>6100</a:t>
+            </a:r>
+            <a:endParaRPr lang="en-US" b="0" dirty="0">
+              <a:solidFill>
+                <a:srgbClr val="CCCCCC"/>
+              </a:solidFill>
+              <a:effectLst/>
+              <a:latin typeface="Consolas" panose="020B0609020204030204" pitchFamily="49" charset="0"/>
+            </a:endParaRPr>
+          </a:p>
+          <a:p>
+            <a:pPr>
+              <a:lnSpc>
+                <a:spcPts val="1600"/>
+              </a:lnSpc>
+              <a:buNone/>
+            </a:pPr>
+            <a:r>
+              <a:rPr lang="en-US" b="0" dirty="0">
+                <a:solidFill>
+                  <a:srgbClr val="CCCCCC"/>
+                </a:solidFill>
+                <a:effectLst/>
+                <a:latin typeface="Consolas" panose="020B0609020204030204" pitchFamily="49" charset="0"/>
+              </a:rPr>
+              <a:t>    </a:t>
+            </a:r>
+            <a:r>
+              <a:rPr lang="en-US" b="0" dirty="0">
+                <a:solidFill>
+                  <a:srgbClr val="569CD6"/>
+                </a:solidFill>
+                <a:effectLst/>
+                <a:latin typeface="Consolas" panose="020B0609020204030204" pitchFamily="49" charset="0"/>
+              </a:rPr>
+              <a:t>output</a:t>
+            </a:r>
+            <a:r>
+              <a:rPr lang="en-US" b="0" dirty="0">
+                <a:solidFill>
+                  <a:srgbClr val="CCCCCC"/>
+                </a:solidFill>
+                <a:effectLst/>
+                <a:latin typeface="Consolas" panose="020B0609020204030204" pitchFamily="49" charset="0"/>
+              </a:rPr>
+              <a:t>:</a:t>
+            </a:r>
+          </a:p>
+          <a:p>
+            <a:pPr>
+              <a:lnSpc>
+                <a:spcPts val="1600"/>
+              </a:lnSpc>
+              <a:buNone/>
+            </a:pPr>
+            <a:r>
+              <a:rPr lang="en-US" b="0" dirty="0">
+                <a:solidFill>
+                  <a:srgbClr val="CCCCCC"/>
+                </a:solidFill>
+                <a:effectLst/>
+                <a:latin typeface="Consolas" panose="020B0609020204030204" pitchFamily="49" charset="0"/>
+              </a:rPr>
+              <a:t>        </a:t>
+            </a:r>
+            <a:r>
+              <a:rPr lang="en-US" b="0" dirty="0">
+                <a:solidFill>
+                  <a:srgbClr val="569CD6"/>
+                </a:solidFill>
+                <a:effectLst/>
+                <a:latin typeface="Consolas" panose="020B0609020204030204" pitchFamily="49" charset="0"/>
+              </a:rPr>
+              <a:t>type</a:t>
+            </a:r>
+            <a:r>
+              <a:rPr lang="en-US" b="0" dirty="0">
+                <a:solidFill>
+                  <a:srgbClr val="CCCCCC"/>
+                </a:solidFill>
+                <a:effectLst/>
+                <a:latin typeface="Consolas" panose="020B0609020204030204" pitchFamily="49" charset="0"/>
+              </a:rPr>
+              <a:t>: </a:t>
+            </a:r>
+            <a:r>
+              <a:rPr lang="en-US" b="0" dirty="0">
+                <a:solidFill>
+                  <a:srgbClr val="CE9178"/>
+                </a:solidFill>
+                <a:effectLst/>
+                <a:latin typeface="Consolas" panose="020B0609020204030204" pitchFamily="49" charset="0"/>
+              </a:rPr>
+              <a:t>kaas_cluster</a:t>
+            </a:r>
+            <a:endParaRPr lang="en-US" b="0" dirty="0">
+              <a:solidFill>
+                <a:srgbClr val="CCCCCC"/>
+              </a:solidFill>
+              <a:effectLst/>
+              <a:latin typeface="Consolas" panose="020B0609020204030204" pitchFamily="49" charset="0"/>
+            </a:endParaRPr>
+          </a:p>
+          <a:p>
+            <a:pPr>
+              <a:lnSpc>
+                <a:spcPts val="1600"/>
+              </a:lnSpc>
+              <a:buNone/>
+            </a:pPr>
+            <a:r>
+              <a:rPr lang="en-US" b="0" dirty="0">
+                <a:solidFill>
+                  <a:srgbClr val="CCCCCC"/>
+                </a:solidFill>
+                <a:effectLst/>
+                <a:latin typeface="Consolas" panose="020B0609020204030204" pitchFamily="49" charset="0"/>
+              </a:rPr>
+              <a:t>        </a:t>
+            </a:r>
+            <a:r>
+              <a:rPr lang="en-US" b="0" dirty="0">
+                <a:solidFill>
+                  <a:srgbClr val="569CD6"/>
+                </a:solidFill>
+                <a:effectLst/>
+                <a:latin typeface="Consolas" panose="020B0609020204030204" pitchFamily="49" charset="0"/>
+              </a:rPr>
+              <a:t>config</a:t>
+            </a:r>
+            <a:r>
+              <a:rPr lang="en-US" b="0" dirty="0">
+                <a:solidFill>
+                  <a:srgbClr val="CCCCCC"/>
+                </a:solidFill>
+                <a:effectLst/>
+                <a:latin typeface="Consolas" panose="020B0609020204030204" pitchFamily="49" charset="0"/>
+              </a:rPr>
+              <a:t>:</a:t>
+            </a:r>
+          </a:p>
+          <a:p>
+            <a:pPr>
+              <a:lnSpc>
+                <a:spcPts val="1600"/>
+              </a:lnSpc>
+              <a:buNone/>
+            </a:pPr>
+            <a:r>
+              <a:rPr lang="en-US" b="0" dirty="0">
+                <a:solidFill>
+                  <a:srgbClr val="CCCCCC"/>
+                </a:solidFill>
+                <a:effectLst/>
+                <a:latin typeface="Consolas" panose="020B0609020204030204" pitchFamily="49" charset="0"/>
+              </a:rPr>
+              <a:t>            </a:t>
+            </a:r>
+            <a:r>
+              <a:rPr lang="en-US" b="0" dirty="0">
+                <a:solidFill>
+                  <a:srgbClr val="569CD6"/>
+                </a:solidFill>
+                <a:effectLst/>
+                <a:latin typeface="Consolas" panose="020B0609020204030204" pitchFamily="49" charset="0"/>
+              </a:rPr>
+              <a:t>topic_params</a:t>
+            </a:r>
+            <a:r>
+              <a:rPr lang="en-US" b="0" dirty="0">
+                <a:solidFill>
+                  <a:srgbClr val="CCCCCC"/>
+                </a:solidFill>
+                <a:effectLst/>
+                <a:latin typeface="Consolas" panose="020B0609020204030204" pitchFamily="49" charset="0"/>
+              </a:rPr>
+              <a:t>:</a:t>
+            </a:r>
+          </a:p>
+          <a:p>
+            <a:pPr>
+              <a:lnSpc>
+                <a:spcPts val="1600"/>
+              </a:lnSpc>
+              <a:buNone/>
+            </a:pPr>
+            <a:r>
+              <a:rPr lang="en-US" b="0" dirty="0">
+                <a:solidFill>
+                  <a:srgbClr val="CCCCCC"/>
+                </a:solidFill>
+                <a:effectLst/>
+                <a:latin typeface="Consolas" panose="020B0609020204030204" pitchFamily="49" charset="0"/>
+              </a:rPr>
+              <a:t>                </a:t>
+            </a:r>
+            <a:r>
+              <a:rPr lang="en-US" b="0" dirty="0">
+                <a:solidFill>
+                  <a:srgbClr val="569CD6"/>
+                </a:solidFill>
+                <a:effectLst/>
+                <a:latin typeface="Consolas" panose="020B0609020204030204" pitchFamily="49" charset="0"/>
+              </a:rPr>
+              <a:t>retention_bytes</a:t>
+            </a:r>
+            <a:r>
+              <a:rPr lang="en-US" b="0" dirty="0">
+                <a:solidFill>
+                  <a:srgbClr val="CCCCCC"/>
+                </a:solidFill>
+                <a:effectLst/>
+                <a:latin typeface="Consolas" panose="020B0609020204030204" pitchFamily="49" charset="0"/>
+              </a:rPr>
+              <a:t>: </a:t>
+            </a:r>
+            <a:r>
+              <a:rPr lang="en-US" b="0" dirty="0">
+                <a:solidFill>
+                  <a:srgbClr val="B5CEA8"/>
+                </a:solidFill>
+                <a:effectLst/>
+                <a:latin typeface="Consolas" panose="020B0609020204030204" pitchFamily="49" charset="0"/>
+              </a:rPr>
+              <a:t>1073741824</a:t>
+            </a:r>
+            <a:endParaRPr lang="en-US" b="0" dirty="0">
+              <a:solidFill>
+                <a:srgbClr val="CCCCCC"/>
+              </a:solidFill>
+              <a:effectLst/>
+              <a:latin typeface="Consolas" panose="020B0609020204030204" pitchFamily="49" charset="0"/>
+            </a:endParaRPr>
+          </a:p>
+          <a:p>
+            <a:pPr>
+              <a:lnSpc>
+                <a:spcPts val="1600"/>
+              </a:lnSpc>
+              <a:buNone/>
+            </a:pPr>
+            <a:r>
+              <a:rPr lang="en-US" b="0" dirty="0">
+                <a:solidFill>
+                  <a:srgbClr val="CCCCCC"/>
+                </a:solidFill>
+                <a:effectLst/>
+                <a:latin typeface="Consolas" panose="020B0609020204030204" pitchFamily="49" charset="0"/>
+              </a:rPr>
+              <a:t>                </a:t>
+            </a:r>
+            <a:r>
+              <a:rPr lang="en-US" b="0" dirty="0">
+                <a:solidFill>
+                  <a:srgbClr val="6A9955"/>
+                </a:solidFill>
+                <a:effectLst/>
+                <a:latin typeface="Consolas" panose="020B0609020204030204" pitchFamily="49" charset="0"/>
+              </a:rPr>
+              <a:t># ...</a:t>
+            </a:r>
+            <a:endParaRPr lang="en-US" b="0" dirty="0">
+              <a:solidFill>
+                <a:srgbClr val="CCCCCC"/>
+              </a:solidFill>
+              <a:effectLst/>
+              <a:latin typeface="Consolas" panose="020B0609020204030204" pitchFamily="49" charset="0"/>
+            </a:endParaRPr>
+          </a:p>
+          <a:p>
+            <a:pPr>
+              <a:lnSpc>
+                <a:spcPts val="1600"/>
+              </a:lnSpc>
+              <a:buNone/>
+            </a:pPr>
+            <a:r>
+              <a:rPr lang="en-US" b="0" dirty="0">
+                <a:solidFill>
+                  <a:srgbClr val="CCCCCC"/>
+                </a:solidFill>
+                <a:effectLst/>
+                <a:latin typeface="Consolas" panose="020B0609020204030204" pitchFamily="49" charset="0"/>
+              </a:rPr>
+              <a:t>            </a:t>
+            </a:r>
+            <a:r>
+              <a:rPr lang="en-US" b="0" dirty="0">
+                <a:solidFill>
+                  <a:srgbClr val="569CD6"/>
+                </a:solidFill>
+                <a:effectLst/>
+                <a:latin typeface="Consolas" panose="020B0609020204030204" pitchFamily="49" charset="0"/>
+              </a:rPr>
+              <a:t>user_params</a:t>
+            </a:r>
+            <a:r>
+              <a:rPr lang="en-US" b="0" dirty="0">
+                <a:solidFill>
+                  <a:srgbClr val="CCCCCC"/>
+                </a:solidFill>
+                <a:effectLst/>
+                <a:latin typeface="Consolas" panose="020B0609020204030204" pitchFamily="49" charset="0"/>
+              </a:rPr>
+              <a:t>:</a:t>
+            </a:r>
+          </a:p>
+          <a:p>
+            <a:pPr>
+              <a:lnSpc>
+                <a:spcPts val="1600"/>
+              </a:lnSpc>
+              <a:buNone/>
+            </a:pPr>
+            <a:r>
+              <a:rPr lang="en-US" b="0" dirty="0">
+                <a:solidFill>
+                  <a:srgbClr val="CCCCCC"/>
+                </a:solidFill>
+                <a:effectLst/>
+                <a:latin typeface="Consolas" panose="020B0609020204030204" pitchFamily="49" charset="0"/>
+              </a:rPr>
+              <a:t>                </a:t>
+            </a:r>
+            <a:r>
+              <a:rPr lang="en-US" b="0" dirty="0">
+                <a:solidFill>
+                  <a:srgbClr val="569CD6"/>
+                </a:solidFill>
+                <a:effectLst/>
+                <a:latin typeface="Consolas" panose="020B0609020204030204" pitchFamily="49" charset="0"/>
+              </a:rPr>
+              <a:t>producer</a:t>
+            </a:r>
+            <a:r>
+              <a:rPr lang="en-US" b="0" dirty="0">
+                <a:solidFill>
+                  <a:srgbClr val="CCCCCC"/>
+                </a:solidFill>
+                <a:effectLst/>
+                <a:latin typeface="Consolas" panose="020B0609020204030204" pitchFamily="49" charset="0"/>
+              </a:rPr>
+              <a:t>:</a:t>
+            </a:r>
+          </a:p>
+          <a:p>
+            <a:pPr>
+              <a:lnSpc>
+                <a:spcPts val="1600"/>
+              </a:lnSpc>
+              <a:buNone/>
+            </a:pPr>
+            <a:r>
+              <a:rPr lang="en-US" b="0" dirty="0">
+                <a:solidFill>
+                  <a:srgbClr val="CCCCCC"/>
+                </a:solidFill>
+                <a:effectLst/>
+                <a:latin typeface="Consolas" panose="020B0609020204030204" pitchFamily="49" charset="0"/>
+              </a:rPr>
+              <a:t>                    </a:t>
+            </a:r>
+            <a:r>
+              <a:rPr lang="en-US" b="0" dirty="0">
+                <a:solidFill>
+                  <a:srgbClr val="569CD6"/>
+                </a:solidFill>
+                <a:effectLst/>
+                <a:latin typeface="Consolas" panose="020B0609020204030204" pitchFamily="49" charset="0"/>
+              </a:rPr>
+              <a:t>produce_byte_rate</a:t>
+            </a:r>
+            <a:r>
+              <a:rPr lang="en-US" b="0" dirty="0">
+                <a:solidFill>
+                  <a:srgbClr val="CCCCCC"/>
+                </a:solidFill>
+                <a:effectLst/>
+                <a:latin typeface="Consolas" panose="020B0609020204030204" pitchFamily="49" charset="0"/>
+              </a:rPr>
+              <a:t>: </a:t>
+            </a:r>
+            <a:r>
+              <a:rPr lang="en-US" b="0" dirty="0">
+                <a:solidFill>
+                  <a:srgbClr val="B5CEA8"/>
+                </a:solidFill>
+                <a:effectLst/>
+                <a:latin typeface="Consolas" panose="020B0609020204030204" pitchFamily="49" charset="0"/>
+              </a:rPr>
+              <a:t>2000</a:t>
+            </a:r>
+            <a:endParaRPr lang="en-US" b="0" dirty="0">
+              <a:solidFill>
+                <a:srgbClr val="CCCCCC"/>
+              </a:solidFill>
+              <a:effectLst/>
+              <a:latin typeface="Consolas" panose="020B0609020204030204" pitchFamily="49" charset="0"/>
+            </a:endParaRPr>
+          </a:p>
+          <a:p>
+            <a:pPr>
+              <a:lnSpc>
+                <a:spcPts val="1600"/>
+              </a:lnSpc>
+              <a:buNone/>
+            </a:pPr>
+            <a:r>
+              <a:rPr lang="en-US" b="0" dirty="0">
+                <a:solidFill>
+                  <a:srgbClr val="CCCCCC"/>
+                </a:solidFill>
+                <a:effectLst/>
+                <a:latin typeface="Consolas" panose="020B0609020204030204" pitchFamily="49" charset="0"/>
+              </a:rPr>
+              <a:t>                    </a:t>
+            </a:r>
+            <a:r>
+              <a:rPr lang="en-US" b="0" dirty="0">
+                <a:solidFill>
+                  <a:srgbClr val="6A9955"/>
+                </a:solidFill>
+                <a:effectLst/>
+                <a:latin typeface="Consolas" panose="020B0609020204030204" pitchFamily="49" charset="0"/>
+              </a:rPr>
+              <a:t># ...</a:t>
+            </a:r>
+            <a:endParaRPr lang="en-US" b="0" dirty="0">
+              <a:solidFill>
+                <a:srgbClr val="CCCCCC"/>
+              </a:solidFill>
+              <a:effectLst/>
+              <a:latin typeface="Consolas" panose="020B0609020204030204" pitchFamily="49" charset="0"/>
+            </a:endParaRPr>
+          </a:p>
+          <a:p>
+            <a:pPr>
+              <a:lnSpc>
+                <a:spcPts val="1600"/>
+              </a:lnSpc>
+              <a:buNone/>
+            </a:pPr>
+            <a:r>
+              <a:rPr lang="en-US" b="0" dirty="0">
+                <a:solidFill>
+                  <a:srgbClr val="CCCCCC"/>
+                </a:solidFill>
+                <a:effectLst/>
+                <a:latin typeface="Consolas" panose="020B0609020204030204" pitchFamily="49" charset="0"/>
+              </a:rPr>
+              <a:t>                </a:t>
+            </a:r>
+            <a:r>
+              <a:rPr lang="en-US" b="0" dirty="0">
+                <a:solidFill>
+                  <a:srgbClr val="569CD6"/>
+                </a:solidFill>
+                <a:effectLst/>
+                <a:latin typeface="Consolas" panose="020B0609020204030204" pitchFamily="49" charset="0"/>
+              </a:rPr>
+              <a:t>consumer</a:t>
+            </a:r>
+            <a:r>
+              <a:rPr lang="en-US" b="0" dirty="0">
+                <a:solidFill>
+                  <a:srgbClr val="CCCCCC"/>
+                </a:solidFill>
+                <a:effectLst/>
+                <a:latin typeface="Consolas" panose="020B0609020204030204" pitchFamily="49" charset="0"/>
+              </a:rPr>
+              <a:t>:</a:t>
+            </a:r>
+          </a:p>
+          <a:p>
+            <a:pPr>
+              <a:lnSpc>
+                <a:spcPts val="1600"/>
+              </a:lnSpc>
+              <a:buNone/>
+            </a:pPr>
+            <a:r>
+              <a:rPr lang="en-US" b="0" dirty="0">
+                <a:solidFill>
+                  <a:srgbClr val="CCCCCC"/>
+                </a:solidFill>
+                <a:effectLst/>
+                <a:latin typeface="Consolas" panose="020B0609020204030204" pitchFamily="49" charset="0"/>
+              </a:rPr>
+              <a:t>                    </a:t>
+            </a:r>
+            <a:r>
+              <a:rPr lang="en-US" b="0" dirty="0">
+                <a:solidFill>
+                  <a:srgbClr val="6A9955"/>
+                </a:solidFill>
+                <a:effectLst/>
+                <a:latin typeface="Consolas" panose="020B0609020204030204" pitchFamily="49" charset="0"/>
+              </a:rPr>
+              <a:t># ...</a:t>
+            </a:r>
+            <a:endParaRPr lang="en-US" b="0" dirty="0">
+              <a:solidFill>
+                <a:srgbClr val="CCCCCC"/>
+              </a:solidFill>
+              <a:effectLst/>
+              <a:latin typeface="Consolas" panose="020B0609020204030204" pitchFamily="49" charset="0"/>
+            </a:endParaRPr>
+          </a:p>
+          <a:p>
+            <a:pPr>
+              <a:lnSpc>
+                <a:spcPts val="1600"/>
+              </a:lnSpc>
+              <a:buNone/>
+            </a:pPr>
+            <a:r>
+              <a:rPr lang="en-US" b="0" dirty="0">
+                <a:solidFill>
+                  <a:srgbClr val="CCCCCC"/>
+                </a:solidFill>
+                <a:effectLst/>
+                <a:latin typeface="Consolas" panose="020B0609020204030204" pitchFamily="49" charset="0"/>
+              </a:rPr>
+              <a:t>    </a:t>
+            </a:r>
+            <a:r>
+              <a:rPr lang="en-US" b="0" dirty="0">
+                <a:solidFill>
+                  <a:srgbClr val="569CD6"/>
+                </a:solidFill>
+                <a:effectLst/>
+                <a:latin typeface="Consolas" panose="020B0609020204030204" pitchFamily="49" charset="0"/>
+              </a:rPr>
+              <a:t>env</a:t>
+            </a:r>
+            <a:r>
+              <a:rPr lang="en-US" b="0" dirty="0">
+                <a:solidFill>
+                  <a:srgbClr val="CCCCCC"/>
+                </a:solidFill>
+                <a:effectLst/>
+                <a:latin typeface="Consolas" panose="020B0609020204030204" pitchFamily="49" charset="0"/>
+              </a:rPr>
+              <a:t>:</a:t>
+            </a:r>
+          </a:p>
+          <a:p>
+            <a:pPr>
+              <a:lnSpc>
+                <a:spcPts val="1600"/>
+              </a:lnSpc>
+              <a:buNone/>
+            </a:pPr>
+            <a:r>
+              <a:rPr lang="en-US" b="0" dirty="0">
+                <a:solidFill>
+                  <a:srgbClr val="CCCCCC"/>
+                </a:solidFill>
+                <a:effectLst/>
+                <a:latin typeface="Consolas" panose="020B0609020204030204" pitchFamily="49" charset="0"/>
+              </a:rPr>
+              <a:t>        </a:t>
+            </a:r>
+            <a:r>
+              <a:rPr lang="en-US" b="0" dirty="0">
+                <a:solidFill>
+                  <a:srgbClr val="569CD6"/>
+                </a:solidFill>
+                <a:effectLst/>
+                <a:latin typeface="Consolas" panose="020B0609020204030204" pitchFamily="49" charset="0"/>
+              </a:rPr>
+              <a:t>SOME_VAR</a:t>
+            </a:r>
+            <a:r>
+              <a:rPr lang="en-US" b="0" dirty="0">
+                <a:solidFill>
+                  <a:srgbClr val="CCCCCC"/>
+                </a:solidFill>
+                <a:effectLst/>
+                <a:latin typeface="Consolas" panose="020B0609020204030204" pitchFamily="49" charset="0"/>
+              </a:rPr>
+              <a:t>: </a:t>
+            </a:r>
+            <a:r>
+              <a:rPr lang="en-US" b="0" dirty="0">
+                <a:solidFill>
+                  <a:srgbClr val="CE9178"/>
+                </a:solidFill>
+                <a:effectLst/>
+                <a:latin typeface="Consolas" panose="020B0609020204030204" pitchFamily="49" charset="0"/>
+              </a:rPr>
+              <a:t>"vault/path/to/the/secret"</a:t>
+            </a:r>
+            <a:endParaRPr lang="en-US" b="0" dirty="0">
+              <a:solidFill>
+                <a:srgbClr val="CCCCCC"/>
+              </a:solidFill>
+              <a:effectLst/>
+              <a:latin typeface="Consolas" panose="020B0609020204030204" pitchFamily="49" charset="0"/>
+            </a:endParaRPr>
+          </a:p>
+          <a:p>
+            <a:pPr>
+              <a:lnSpc>
+                <a:spcPts val="1600"/>
+              </a:lnSpc>
+              <a:buNone/>
+            </a:pPr>
+            <a:r>
+              <a:rPr lang="en-US" b="0" dirty="0">
+                <a:solidFill>
+                  <a:srgbClr val="CCCCCC"/>
+                </a:solidFill>
+                <a:effectLst/>
+                <a:latin typeface="Consolas" panose="020B0609020204030204" pitchFamily="49" charset="0"/>
+              </a:rPr>
+              <a:t>        </a:t>
+            </a:r>
+            <a:r>
+              <a:rPr lang="en-US" b="0" dirty="0">
+                <a:solidFill>
+                  <a:srgbClr val="569CD6"/>
+                </a:solidFill>
+                <a:effectLst/>
+                <a:latin typeface="Consolas" panose="020B0609020204030204" pitchFamily="49" charset="0"/>
+              </a:rPr>
+              <a:t>ANOTHER_VAR</a:t>
+            </a:r>
+            <a:r>
+              <a:rPr lang="en-US" b="0" dirty="0">
+                <a:solidFill>
+                  <a:srgbClr val="CCCCCC"/>
+                </a:solidFill>
+                <a:effectLst/>
+                <a:latin typeface="Consolas" panose="020B0609020204030204" pitchFamily="49" charset="0"/>
+              </a:rPr>
+              <a:t>: </a:t>
+            </a:r>
+            <a:r>
+              <a:rPr lang="en-US" b="0" dirty="0">
+                <a:solidFill>
+                  <a:srgbClr val="CE9178"/>
+                </a:solidFill>
+                <a:effectLst/>
+                <a:latin typeface="Consolas" panose="020B0609020204030204" pitchFamily="49" charset="0"/>
+              </a:rPr>
+              <a:t>"value"</a:t>
+            </a:r>
+            <a:endParaRPr lang="en-US" b="0" dirty="0">
+              <a:solidFill>
+                <a:srgbClr val="CCCCCC"/>
+              </a:solidFill>
+              <a:effectLst/>
+              <a:latin typeface="Consolas" panose="020B0609020204030204" pitchFamily="49" charset="0"/>
+            </a:endParaRPr>
+          </a:p>
+          <a:p>
+            <a:pPr>
+              <a:lnSpc>
+                <a:spcPts val="1600"/>
+              </a:lnSpc>
+              <a:buNone/>
+            </a:pPr>
+            <a:r>
+              <a:rPr lang="en-US" b="0" dirty="0">
+                <a:solidFill>
+                  <a:srgbClr val="CCCCCC"/>
+                </a:solidFill>
+                <a:effectLst/>
+                <a:latin typeface="Consolas" panose="020B0609020204030204" pitchFamily="49" charset="0"/>
+              </a:rPr>
+              <a:t>    </a:t>
+            </a:r>
+            <a:r>
+              <a:rPr lang="en-US" b="0" dirty="0">
+                <a:solidFill>
+                  <a:srgbClr val="569CD6"/>
+                </a:solidFill>
+                <a:effectLst/>
+                <a:latin typeface="Consolas" panose="020B0609020204030204" pitchFamily="49" charset="0"/>
+              </a:rPr>
+              <a:t>deploy</a:t>
+            </a:r>
+            <a:r>
+              <a:rPr lang="en-US" b="0" dirty="0">
+                <a:solidFill>
+                  <a:srgbClr val="CCCCCC"/>
+                </a:solidFill>
+                <a:effectLst/>
+                <a:latin typeface="Consolas" panose="020B0609020204030204" pitchFamily="49" charset="0"/>
+              </a:rPr>
+              <a:t>:</a:t>
+            </a:r>
+          </a:p>
+          <a:p>
+            <a:pPr>
+              <a:lnSpc>
+                <a:spcPts val="1600"/>
+              </a:lnSpc>
+              <a:buNone/>
+            </a:pPr>
+            <a:r>
+              <a:rPr lang="en-US" b="0" dirty="0">
+                <a:solidFill>
+                  <a:srgbClr val="CCCCCC"/>
+                </a:solidFill>
+                <a:effectLst/>
+                <a:latin typeface="Consolas" panose="020B0609020204030204" pitchFamily="49" charset="0"/>
+              </a:rPr>
+              <a:t>        </a:t>
+            </a:r>
+            <a:r>
+              <a:rPr lang="en-US" b="0" dirty="0">
+                <a:solidFill>
+                  <a:srgbClr val="569CD6"/>
+                </a:solidFill>
+                <a:effectLst/>
+                <a:latin typeface="Consolas" panose="020B0609020204030204" pitchFamily="49" charset="0"/>
+              </a:rPr>
+              <a:t>image</a:t>
+            </a:r>
+            <a:r>
+              <a:rPr lang="en-US" b="0" dirty="0">
+                <a:solidFill>
+                  <a:srgbClr val="CCCCCC"/>
+                </a:solidFill>
+                <a:effectLst/>
+                <a:latin typeface="Consolas" panose="020B0609020204030204" pitchFamily="49" charset="0"/>
+              </a:rPr>
+              <a:t>: </a:t>
+            </a:r>
+            <a:r>
+              <a:rPr lang="en-US" b="0" dirty="0">
+                <a:solidFill>
+                  <a:srgbClr val="CE9178"/>
+                </a:solidFill>
+                <a:effectLst/>
+                <a:latin typeface="Consolas" panose="020B0609020204030204" pitchFamily="49" charset="0"/>
+              </a:rPr>
+              <a:t>registry.example.com/collector-image:stable</a:t>
+            </a:r>
+            <a:endParaRPr lang="en-US" b="0" dirty="0">
+              <a:solidFill>
+                <a:srgbClr val="CCCCCC"/>
+              </a:solidFill>
+              <a:effectLst/>
+              <a:latin typeface="Consolas" panose="020B0609020204030204" pitchFamily="49" charset="0"/>
+            </a:endParaRPr>
+          </a:p>
+          <a:p>
+            <a:pPr>
+              <a:lnSpc>
+                <a:spcPts val="1600"/>
+              </a:lnSpc>
+              <a:buNone/>
+            </a:pPr>
+            <a:r>
+              <a:rPr lang="en-US" b="0" dirty="0">
+                <a:solidFill>
+                  <a:srgbClr val="CCCCCC"/>
+                </a:solidFill>
+                <a:effectLst/>
+                <a:latin typeface="Consolas" panose="020B0609020204030204" pitchFamily="49" charset="0"/>
+              </a:rPr>
+              <a:t>        </a:t>
+            </a:r>
+            <a:r>
+              <a:rPr lang="en-US" b="0" dirty="0">
+                <a:solidFill>
+                  <a:srgbClr val="569CD6"/>
+                </a:solidFill>
+                <a:effectLst/>
+                <a:latin typeface="Consolas" panose="020B0609020204030204" pitchFamily="49" charset="0"/>
+              </a:rPr>
+              <a:t>availability_zones</a:t>
+            </a:r>
+            <a:r>
+              <a:rPr lang="en-US" b="0" dirty="0">
+                <a:solidFill>
+                  <a:srgbClr val="CCCCCC"/>
+                </a:solidFill>
+                <a:effectLst/>
+                <a:latin typeface="Consolas" panose="020B0609020204030204" pitchFamily="49" charset="0"/>
+              </a:rPr>
+              <a:t>:</a:t>
+            </a:r>
+          </a:p>
+          <a:p>
+            <a:pPr>
+              <a:lnSpc>
+                <a:spcPts val="1600"/>
+              </a:lnSpc>
+              <a:buNone/>
+            </a:pPr>
+            <a:r>
+              <a:rPr lang="en-US" b="0" dirty="0">
+                <a:solidFill>
+                  <a:srgbClr val="CCCCCC"/>
+                </a:solidFill>
+                <a:effectLst/>
+                <a:latin typeface="Consolas" panose="020B0609020204030204" pitchFamily="49" charset="0"/>
+              </a:rPr>
+              <a:t>            - </a:t>
+            </a:r>
+            <a:r>
+              <a:rPr lang="en-US" b="0" dirty="0">
+                <a:solidFill>
+                  <a:srgbClr val="CE9178"/>
+                </a:solidFill>
+                <a:effectLst/>
+                <a:latin typeface="Consolas" panose="020B0609020204030204" pitchFamily="49" charset="0"/>
+              </a:rPr>
+              <a:t>us-east-1a</a:t>
+            </a:r>
+            <a:endParaRPr lang="en-US" b="0" dirty="0">
+              <a:solidFill>
+                <a:srgbClr val="CCCCCC"/>
+              </a:solidFill>
+              <a:effectLst/>
+              <a:latin typeface="Consolas" panose="020B0609020204030204" pitchFamily="49" charset="0"/>
+            </a:endParaRPr>
+          </a:p>
+          <a:p>
+            <a:pPr>
+              <a:lnSpc>
+                <a:spcPts val="1600"/>
+              </a:lnSpc>
+              <a:buNone/>
+            </a:pPr>
+            <a:r>
+              <a:rPr lang="en-US" b="0" dirty="0">
+                <a:solidFill>
+                  <a:srgbClr val="CCCCCC"/>
+                </a:solidFill>
+                <a:effectLst/>
+                <a:latin typeface="Consolas" panose="020B0609020204030204" pitchFamily="49" charset="0"/>
+              </a:rPr>
+              <a:t>            </a:t>
+            </a:r>
+            <a:r>
+              <a:rPr lang="en-US" b="0" dirty="0">
+                <a:solidFill>
+                  <a:srgbClr val="6A9955"/>
+                </a:solidFill>
+                <a:effectLst/>
+                <a:latin typeface="Consolas" panose="020B0609020204030204" pitchFamily="49" charset="0"/>
+              </a:rPr>
+              <a:t># ...</a:t>
+            </a:r>
+            <a:endParaRPr lang="en-US" b="0" dirty="0">
+              <a:solidFill>
+                <a:srgbClr val="CCCCCC"/>
+              </a:solidFill>
+              <a:effectLst/>
+              <a:latin typeface="Consolas" panose="020B0609020204030204" pitchFamily="49" charset="0"/>
+            </a:endParaRPr>
+          </a:p>
+          <a:p>
+            <a:pPr>
+              <a:lnSpc>
+                <a:spcPts val="1600"/>
+              </a:lnSpc>
+            </a:pPr>
+            <a:r>
+              <a:rPr lang="en-US" b="0" dirty="0">
+                <a:solidFill>
+                  <a:srgbClr val="CCCCCC"/>
+                </a:solidFill>
+                <a:effectLst/>
+                <a:latin typeface="Consolas" panose="020B0609020204030204" pitchFamily="49" charset="0"/>
+              </a:rPr>
+              <a:t>        </a:t>
+            </a:r>
+            <a:r>
+              <a:rPr lang="en-US" b="0" dirty="0">
+                <a:solidFill>
+                  <a:srgbClr val="569CD6"/>
+                </a:solidFill>
+                <a:effectLst/>
+                <a:latin typeface="Consolas" panose="020B0609020204030204" pitchFamily="49" charset="0"/>
+              </a:rPr>
+              <a:t>replicas</a:t>
+            </a:r>
+            <a:r>
+              <a:rPr lang="en-US" b="0" dirty="0">
+                <a:solidFill>
+                  <a:srgbClr val="CCCCCC"/>
+                </a:solidFill>
+                <a:effectLst/>
+                <a:latin typeface="Consolas" panose="020B0609020204030204" pitchFamily="49" charset="0"/>
+              </a:rPr>
+              <a:t>: </a:t>
+            </a:r>
+            <a:r>
+              <a:rPr lang="en-US" b="0" dirty="0">
+                <a:solidFill>
+                  <a:srgbClr val="B5CEA8"/>
+                </a:solidFill>
+                <a:effectLst/>
+                <a:latin typeface="Consolas" panose="020B0609020204030204" pitchFamily="49" charset="0"/>
+              </a:rPr>
+              <a:t>3</a:t>
+            </a:r>
+            <a:endParaRPr lang="en-US" b="0" dirty="0">
+              <a:solidFill>
+                <a:srgbClr val="CCCCCC"/>
+              </a:solidFill>
+              <a:effectLst/>
+              <a:latin typeface="Consolas" panose="020B0609020204030204" pitchFamily="49" charset="0"/>
+            </a:endParaRPr>
+          </a:p>
+        </p:txBody>
+      </p:sp>
+      <p:pic>
+        <p:nvPicPr>
+          <p:cNvPr id="27" name="Рисунок 26">
+            <a:extLst>
+              <a:ext uri="{FF2B5EF4-FFF2-40B4-BE49-F238E27FC236}">
+                <a16:creationId xmlns:a16="http://schemas.microsoft.com/office/drawing/2014/main" id="{A9A536F2-57A8-736D-BEED-4F581B8A0F1E}"/>
+              </a:ext>
+            </a:extLst>
+          </p:cNvPr>
+          <p:cNvPicPr>
+            <a:picLocks noChangeAspect="1"/>
+          </p:cNvPicPr>
+          <p:nvPr/>
+        </p:nvPicPr>
+        <p:blipFill>
+          <a:blip r:embed="rId5"/>
+          <a:stretch>
+            <a:fillRect/>
+          </a:stretch>
+        </p:blipFill>
+        <p:spPr>
+          <a:xfrm>
+            <a:off x="90524" y="2290602"/>
+            <a:ext cx="4429743" cy="2276793"/>
+          </a:xfrm>
+          <a:prstGeom prst="rect">
+            <a:avLst/>
+          </a:prstGeom>
+        </p:spPr>
+      </p:pic>
+      <p:pic>
+        <p:nvPicPr>
+          <p:cNvPr id="31" name="Рисунок 30">
+            <a:extLst>
+              <a:ext uri="{FF2B5EF4-FFF2-40B4-BE49-F238E27FC236}">
+                <a16:creationId xmlns:a16="http://schemas.microsoft.com/office/drawing/2014/main" id="{E6AC7C09-C5A3-286B-4DE1-9C919434B1B7}"/>
+              </a:ext>
+            </a:extLst>
+          </p:cNvPr>
+          <p:cNvPicPr>
+            <a:picLocks noChangeAspect="1"/>
+          </p:cNvPicPr>
+          <p:nvPr/>
+        </p:nvPicPr>
+        <p:blipFill>
+          <a:blip r:embed="rId6"/>
+          <a:stretch>
+            <a:fillRect/>
+          </a:stretch>
+        </p:blipFill>
+        <p:spPr>
+          <a:xfrm>
+            <a:off x="4625197" y="-2"/>
+            <a:ext cx="7633905" cy="6858000"/>
+          </a:xfrm>
+          <a:prstGeom prst="rect">
+            <a:avLst/>
+          </a:prstGeom>
+        </p:spPr>
+      </p:pic>
     </p:spTree>
     <p:extLst>
       <p:ext uri="{BB962C8B-B14F-4D97-AF65-F5344CB8AC3E}">
-        <p14:creationId xmlns:p14="http://schemas.microsoft.com/office/powerpoint/2010/main" val="2161353983"/>
+        <p14:creationId xmlns:p14="http://schemas.microsoft.com/office/powerpoint/2010/main" val="841109748"/>
       </p:ext>
     </p:extLst>
   </p:cSld>
@@ -7870,7 +10586,7 @@
 </p:sld>
 </file>
 
-<file path=ppt/slides/slide14.xml><?xml version="1.0" encoding="utf-8"?>
+<file path=ppt/slides/slide13.xml><?xml version="1.0" encoding="utf-8"?>
 <p:sld xmlns:a="http://schemas.openxmlformats.org/drawingml/2006/main" xmlns:r="http://schemas.openxmlformats.org/officeDocument/2006/relationships" xmlns:p="http://schemas.openxmlformats.org/presentationml/2006/main">
   <p:cSld>
     <p:spTree>
@@ -7878,7 +10594,7 @@
         <p:cNvPr id="1" name="">
           <a:extLst>
             <a:ext uri="{FF2B5EF4-FFF2-40B4-BE49-F238E27FC236}">
-              <a16:creationId xmlns:a16="http://schemas.microsoft.com/office/drawing/2014/main" id="{031DFB2B-5728-D55A-063C-9FBA2D19380D}"/>
+              <a16:creationId xmlns:a16="http://schemas.microsoft.com/office/drawing/2014/main" id="{C2932E2D-06DD-07C2-3CC6-39F7225D5980}"/>
             </a:ext>
           </a:extLst>
         </p:cNvPr>
@@ -7898,7 +10614,7 @@
           <p:cNvPr id="3" name="Прямоугольник 2">
             <a:extLst>
               <a:ext uri="{FF2B5EF4-FFF2-40B4-BE49-F238E27FC236}">
-                <a16:creationId xmlns:a16="http://schemas.microsoft.com/office/drawing/2014/main" id="{D9E3FE0E-F0EE-317C-23E0-FF621BD00F52}"/>
+                <a16:creationId xmlns:a16="http://schemas.microsoft.com/office/drawing/2014/main" id="{D0C911E3-F637-5221-1A97-B72760CA1BC5}"/>
               </a:ext>
             </a:extLst>
           </p:cNvPr>
@@ -7947,7 +10663,7 @@
           <p:cNvPr id="8" name="Title 7">
             <a:extLst>
               <a:ext uri="{FF2B5EF4-FFF2-40B4-BE49-F238E27FC236}">
-                <a16:creationId xmlns:a16="http://schemas.microsoft.com/office/drawing/2014/main" id="{3F98E801-4166-70BA-8F9B-EB95A9D1FEAC}"/>
+                <a16:creationId xmlns:a16="http://schemas.microsoft.com/office/drawing/2014/main" id="{6A389597-CB5B-238D-398E-BC250DAC3E83}"/>
               </a:ext>
             </a:extLst>
           </p:cNvPr>
@@ -7970,7 +10686,7 @@
           <a:p>
             <a:r>
               <a:rPr lang="ru-RU" dirty="0"/>
-              <a:t>Итоги. Процесс после изменений</a:t>
+              <a:t>Механизм определения адреса </a:t>
             </a:r>
           </a:p>
         </p:txBody>
@@ -7980,7 +10696,7 @@
           <p:cNvPr id="2" name="Slide Number Placeholder 1">
             <a:extLst>
               <a:ext uri="{FF2B5EF4-FFF2-40B4-BE49-F238E27FC236}">
-                <a16:creationId xmlns:a16="http://schemas.microsoft.com/office/drawing/2014/main" id="{E8AA186B-0ACD-F8E7-17A7-5D6B571E7721}"/>
+                <a16:creationId xmlns:a16="http://schemas.microsoft.com/office/drawing/2014/main" id="{E30C2773-568A-89CA-CA27-3591EB7BC8B9}"/>
               </a:ext>
             </a:extLst>
           </p:cNvPr>
@@ -8105,7 +10821,7 @@
                 </a:solidFill>
               </a:rPr>
               <a:pPr/>
-              <a:t>14</a:t>
+              <a:t>13</a:t>
             </a:fld>
             <a:endParaRPr lang="ru-RU" dirty="0">
               <a:solidFill>
@@ -8120,7 +10836,7 @@
           <p:cNvPr id="6" name="Рисунок 5">
             <a:extLst>
               <a:ext uri="{FF2B5EF4-FFF2-40B4-BE49-F238E27FC236}">
-                <a16:creationId xmlns:a16="http://schemas.microsoft.com/office/drawing/2014/main" id="{9F02A2E9-7A13-59C4-167E-4E374B9A148F}"/>
+                <a16:creationId xmlns:a16="http://schemas.microsoft.com/office/drawing/2014/main" id="{55F04357-07C1-064F-00AF-9CA50D9C5D86}"/>
               </a:ext>
             </a:extLst>
           </p:cNvPr>
@@ -8159,7 +10875,7 @@
           <p:cNvPr id="7" name="TextBox 6">
             <a:extLst>
               <a:ext uri="{FF2B5EF4-FFF2-40B4-BE49-F238E27FC236}">
-                <a16:creationId xmlns:a16="http://schemas.microsoft.com/office/drawing/2014/main" id="{6E010297-E3AE-6516-D4E8-EFDE8B8363B1}"/>
+                <a16:creationId xmlns:a16="http://schemas.microsoft.com/office/drawing/2014/main" id="{E688FF45-CDEB-2A12-068D-A74CF2FCB54C}"/>
               </a:ext>
             </a:extLst>
           </p:cNvPr>
@@ -8249,10 +10965,52 @@
           </a:p>
         </p:txBody>
       </p:sp>
+      <p:sp>
+        <p:nvSpPr>
+          <p:cNvPr id="4" name="Объект 3">
+            <a:extLst>
+              <a:ext uri="{FF2B5EF4-FFF2-40B4-BE49-F238E27FC236}">
+                <a16:creationId xmlns:a16="http://schemas.microsoft.com/office/drawing/2014/main" id="{870D62DA-EBA6-9A1C-E59C-10B8B817307F}"/>
+              </a:ext>
+            </a:extLst>
+          </p:cNvPr>
+          <p:cNvSpPr>
+            <a:spLocks noGrp="1"/>
+          </p:cNvSpPr>
+          <p:nvPr>
+            <p:ph idx="1"/>
+          </p:nvPr>
+        </p:nvSpPr>
+        <p:spPr>
+          <a:xfrm>
+            <a:off x="838200" y="1933065"/>
+            <a:ext cx="10515600" cy="4243898"/>
+          </a:xfrm>
+        </p:spPr>
+        <p:txBody>
+          <a:bodyPr/>
+          <a:lstStyle/>
+          <a:p>
+            <a:pPr marL="0" indent="0">
+              <a:buNone/>
+            </a:pPr>
+            <a:r>
+              <a:rPr lang="ru-RU" dirty="0"/>
+              <a:t>Описание, как он работает  </a:t>
+            </a:r>
+          </a:p>
+          <a:p>
+            <a:pPr marL="0" indent="0">
+              <a:buNone/>
+            </a:pPr>
+            <a:endParaRPr lang="ru-RU" dirty="0"/>
+          </a:p>
+        </p:txBody>
+      </p:sp>
     </p:spTree>
     <p:extLst>
       <p:ext uri="{BB962C8B-B14F-4D97-AF65-F5344CB8AC3E}">
-        <p14:creationId xmlns:p14="http://schemas.microsoft.com/office/powerpoint/2010/main" val="330924546"/>
+        <p14:creationId xmlns:p14="http://schemas.microsoft.com/office/powerpoint/2010/main" val="243272341"/>
       </p:ext>
     </p:extLst>
   </p:cSld>
@@ -8262,7 +11020,7 @@
 </p:sld>
 </file>
 
-<file path=ppt/slides/slide15.xml><?xml version="1.0" encoding="utf-8"?>
+<file path=ppt/slides/slide14.xml><?xml version="1.0" encoding="utf-8"?>
 <p:sld xmlns:a="http://schemas.openxmlformats.org/drawingml/2006/main" xmlns:r="http://schemas.openxmlformats.org/officeDocument/2006/relationships" xmlns:p="http://schemas.openxmlformats.org/presentationml/2006/main">
   <p:cSld>
     <p:spTree>
@@ -8270,7 +11028,7 @@
         <p:cNvPr id="1" name="">
           <a:extLst>
             <a:ext uri="{FF2B5EF4-FFF2-40B4-BE49-F238E27FC236}">
-              <a16:creationId xmlns:a16="http://schemas.microsoft.com/office/drawing/2014/main" id="{42407E5F-3633-219D-BC25-7ED33BA41D17}"/>
+              <a16:creationId xmlns:a16="http://schemas.microsoft.com/office/drawing/2014/main" id="{2B95ADA9-D43C-BF65-FD09-16D43E9034D3}"/>
             </a:ext>
           </a:extLst>
         </p:cNvPr>
@@ -8290,7 +11048,7 @@
           <p:cNvPr id="3" name="Прямоугольник 2">
             <a:extLst>
               <a:ext uri="{FF2B5EF4-FFF2-40B4-BE49-F238E27FC236}">
-                <a16:creationId xmlns:a16="http://schemas.microsoft.com/office/drawing/2014/main" id="{2B13BCD1-B005-4BA7-696E-464F2919D7D0}"/>
+                <a16:creationId xmlns:a16="http://schemas.microsoft.com/office/drawing/2014/main" id="{A688D2E7-B787-3F26-FF31-828C293E4C25}"/>
               </a:ext>
             </a:extLst>
           </p:cNvPr>
@@ -8336,10 +11094,48 @@
       </p:sp>
       <p:sp>
         <p:nvSpPr>
+          <p:cNvPr id="8" name="Title 7">
+            <a:extLst>
+              <a:ext uri="{FF2B5EF4-FFF2-40B4-BE49-F238E27FC236}">
+                <a16:creationId xmlns:a16="http://schemas.microsoft.com/office/drawing/2014/main" id="{B69513F4-7FD1-E181-BC56-0D38C62CB046}"/>
+              </a:ext>
+            </a:extLst>
+          </p:cNvPr>
+          <p:cNvSpPr>
+            <a:spLocks noGrp="1"/>
+          </p:cNvSpPr>
+          <p:nvPr>
+            <p:ph type="title"/>
+          </p:nvPr>
+        </p:nvSpPr>
+        <p:spPr>
+          <a:xfrm>
+            <a:off x="838200" y="630572"/>
+            <a:ext cx="10515600" cy="1325563"/>
+          </a:xfrm>
+        </p:spPr>
+        <p:txBody>
+          <a:bodyPr/>
+          <a:lstStyle/>
+          <a:p>
+            <a:r>
+              <a:rPr lang="ru-RU" dirty="0"/>
+              <a:t>Механизм создания топика в </a:t>
+            </a:r>
+            <a:r>
+              <a:rPr lang="en-US" dirty="0"/>
+              <a:t>Kafka</a:t>
+            </a:r>
+            <a:endParaRPr lang="ru-RU" dirty="0"/>
+          </a:p>
+        </p:txBody>
+      </p:sp>
+      <p:sp>
+        <p:nvSpPr>
           <p:cNvPr id="2" name="Slide Number Placeholder 1">
             <a:extLst>
               <a:ext uri="{FF2B5EF4-FFF2-40B4-BE49-F238E27FC236}">
-                <a16:creationId xmlns:a16="http://schemas.microsoft.com/office/drawing/2014/main" id="{4AA1C996-9FEA-ADC9-512B-C37E79319704}"/>
+                <a16:creationId xmlns:a16="http://schemas.microsoft.com/office/drawing/2014/main" id="{6582B648-EF06-725A-EC95-4A7060F0E720}"/>
               </a:ext>
             </a:extLst>
           </p:cNvPr>
@@ -8464,7 +11260,7 @@
                 </a:solidFill>
               </a:rPr>
               <a:pPr/>
-              <a:t>15</a:t>
+              <a:t>14</a:t>
             </a:fld>
             <a:endParaRPr lang="ru-RU" dirty="0">
               <a:solidFill>
@@ -8479,7 +11275,7 @@
           <p:cNvPr id="6" name="Рисунок 5">
             <a:extLst>
               <a:ext uri="{FF2B5EF4-FFF2-40B4-BE49-F238E27FC236}">
-                <a16:creationId xmlns:a16="http://schemas.microsoft.com/office/drawing/2014/main" id="{A39D277B-FF85-E9EE-A418-2245A3EADC0E}"/>
+                <a16:creationId xmlns:a16="http://schemas.microsoft.com/office/drawing/2014/main" id="{88E1F756-5337-8C96-B26E-B1A9C66C6EAA}"/>
               </a:ext>
             </a:extLst>
           </p:cNvPr>
@@ -8518,7 +11314,7 @@
           <p:cNvPr id="7" name="TextBox 6">
             <a:extLst>
               <a:ext uri="{FF2B5EF4-FFF2-40B4-BE49-F238E27FC236}">
-                <a16:creationId xmlns:a16="http://schemas.microsoft.com/office/drawing/2014/main" id="{76BB2BC9-FA32-9FFE-4BEF-0A8C76333E2C}"/>
+                <a16:creationId xmlns:a16="http://schemas.microsoft.com/office/drawing/2014/main" id="{E8AE8D6A-4B46-2470-B06D-6DA56277BC6D}"/>
               </a:ext>
             </a:extLst>
           </p:cNvPr>
@@ -8610,10 +11406,10 @@
       </p:sp>
       <p:sp>
         <p:nvSpPr>
-          <p:cNvPr id="5" name="Заголовок 4">
-            <a:extLst>
-              <a:ext uri="{FF2B5EF4-FFF2-40B4-BE49-F238E27FC236}">
-                <a16:creationId xmlns:a16="http://schemas.microsoft.com/office/drawing/2014/main" id="{5326E919-2691-1421-ED48-EE4689A35FB2}"/>
+          <p:cNvPr id="4" name="Объект 3">
+            <a:extLst>
+              <a:ext uri="{FF2B5EF4-FFF2-40B4-BE49-F238E27FC236}">
+                <a16:creationId xmlns:a16="http://schemas.microsoft.com/office/drawing/2014/main" id="{1B621BDD-D965-1EAF-3586-E3CB78CFBB1E}"/>
               </a:ext>
             </a:extLst>
           </p:cNvPr>
@@ -8621,33 +11417,53 @@
             <a:spLocks noGrp="1"/>
           </p:cNvSpPr>
           <p:nvPr>
-            <p:ph type="title"/>
+            <p:ph idx="1"/>
           </p:nvPr>
         </p:nvSpPr>
         <p:spPr>
           <a:xfrm>
-            <a:off x="903595" y="2766218"/>
-            <a:ext cx="10515600" cy="1325563"/>
+            <a:off x="838200" y="1933065"/>
+            <a:ext cx="10515600" cy="4243898"/>
           </a:xfrm>
         </p:spPr>
         <p:txBody>
-          <a:bodyPr>
-            <a:normAutofit/>
-          </a:bodyPr>
+          <a:bodyPr/>
           <a:lstStyle/>
           <a:p>
-            <a:pPr algn="ctr"/>
-            <a:r>
-              <a:rPr lang="ru-RU" sz="5400" dirty="0"/>
-              <a:t>Спасибо за внимание!</a:t>
-            </a:r>
+            <a:pPr marL="0" indent="0">
+              <a:buNone/>
+            </a:pPr>
+            <a:r>
+              <a:rPr lang="ru-RU" dirty="0"/>
+              <a:t>Описание, как он работает  </a:t>
+            </a:r>
+          </a:p>
+          <a:p>
+            <a:pPr marL="0" indent="0">
+              <a:buNone/>
+            </a:pPr>
+            <a:endParaRPr lang="ru-RU" dirty="0"/>
+          </a:p>
+          <a:p>
+            <a:pPr marL="0" indent="0">
+              <a:buNone/>
+            </a:pPr>
+            <a:r>
+              <a:rPr lang="ru-RU" dirty="0"/>
+              <a:t>Указать, что это должен быть адаптер в </a:t>
+            </a:r>
+            <a:r>
+              <a:rPr lang="en-US" dirty="0"/>
+              <a:t>Ansible.</a:t>
+            </a:r>
+            <a:endParaRPr lang="ru-RU" dirty="0"/>
           </a:p>
         </p:txBody>
       </p:sp>
     </p:spTree>
     <p:extLst>
       <p:ext uri="{BB962C8B-B14F-4D97-AF65-F5344CB8AC3E}">
-        <p14:creationId xmlns:p14="http://schemas.microsoft.com/office/powerpoint/2010/main" val="822627210"/>
+        <p14:creationId xmlns:p14="http://schemas.microsoft.com/office/powerpoint/2010/main" val="2573674708"/>
       </p:ext>
     </p:extLst>
   </p:cSld>
@@ -8657,7 +11473,7 @@
 </p:sld>
 </file>
 
-<file path=ppt/slides/slide2.xml><?xml version="1.0" encoding="utf-8"?>
+<file path=ppt/slides/slide15.xml><?xml version="1.0" encoding="utf-8"?>
 <p:sld xmlns:a="http://schemas.openxmlformats.org/drawingml/2006/main" xmlns:r="http://schemas.openxmlformats.org/officeDocument/2006/relationships" xmlns:p="http://schemas.openxmlformats.org/presentationml/2006/main">
   <p:cSld>
     <p:spTree>
@@ -8665,7 +11481,7 @@
         <p:cNvPr id="1" name="">
           <a:extLst>
             <a:ext uri="{FF2B5EF4-FFF2-40B4-BE49-F238E27FC236}">
-              <a16:creationId xmlns:a16="http://schemas.microsoft.com/office/drawing/2014/main" id="{A85DE600-620E-A490-A194-F0058749075D}"/>
+              <a16:creationId xmlns:a16="http://schemas.microsoft.com/office/drawing/2014/main" id="{A2C2BDF8-C64D-6525-01BE-18478288BDF5}"/>
             </a:ext>
           </a:extLst>
         </p:cNvPr>
@@ -8685,7 +11501,7 @@
           <p:cNvPr id="3" name="Прямоугольник 2">
             <a:extLst>
               <a:ext uri="{FF2B5EF4-FFF2-40B4-BE49-F238E27FC236}">
-                <a16:creationId xmlns:a16="http://schemas.microsoft.com/office/drawing/2014/main" id="{D348535F-D440-4B43-4B92-879C50717AA4}"/>
+                <a16:creationId xmlns:a16="http://schemas.microsoft.com/office/drawing/2014/main" id="{7BC4BAE7-9264-65AD-A25A-FCDBA4C3D243}"/>
               </a:ext>
             </a:extLst>
           </p:cNvPr>
@@ -8734,7 +11550,7 @@
           <p:cNvPr id="8" name="Title 7">
             <a:extLst>
               <a:ext uri="{FF2B5EF4-FFF2-40B4-BE49-F238E27FC236}">
-                <a16:creationId xmlns:a16="http://schemas.microsoft.com/office/drawing/2014/main" id="{7B0A820F-6BB6-97C6-D078-5E66498BCF40}"/>
+                <a16:creationId xmlns:a16="http://schemas.microsoft.com/office/drawing/2014/main" id="{D9365F76-EE88-8451-2AF2-BBCCBD14DC43}"/>
               </a:ext>
             </a:extLst>
           </p:cNvPr>
@@ -8757,8 +11573,13 @@
           <a:p>
             <a:r>
               <a:rPr lang="ru-RU" dirty="0"/>
-              <a:t>Предметная область</a:t>
-            </a:r>
+              <a:t>Механизм создания УЗ в </a:t>
+            </a:r>
+            <a:r>
+              <a:rPr lang="en-US" dirty="0"/>
+              <a:t>Kafka</a:t>
+            </a:r>
+            <a:endParaRPr lang="ru-RU" dirty="0"/>
           </a:p>
         </p:txBody>
       </p:sp>
@@ -8767,7 +11588,7 @@
           <p:cNvPr id="2" name="Slide Number Placeholder 1">
             <a:extLst>
               <a:ext uri="{FF2B5EF4-FFF2-40B4-BE49-F238E27FC236}">
-                <a16:creationId xmlns:a16="http://schemas.microsoft.com/office/drawing/2014/main" id="{7D596330-E185-E215-6A5A-18424ECCEEA1}"/>
+                <a16:creationId xmlns:a16="http://schemas.microsoft.com/office/drawing/2014/main" id="{989204AA-65AC-CAF6-B160-6408CC33033A}"/>
               </a:ext>
             </a:extLst>
           </p:cNvPr>
@@ -8892,7 +11713,7 @@
                 </a:solidFill>
               </a:rPr>
               <a:pPr/>
-              <a:t>2</a:t>
+              <a:t>15</a:t>
             </a:fld>
             <a:endParaRPr lang="ru-RU" dirty="0">
               <a:solidFill>
@@ -8907,7 +11728,7 @@
           <p:cNvPr id="6" name="Рисунок 5">
             <a:extLst>
               <a:ext uri="{FF2B5EF4-FFF2-40B4-BE49-F238E27FC236}">
-                <a16:creationId xmlns:a16="http://schemas.microsoft.com/office/drawing/2014/main" id="{722DC729-B2C4-22CA-6C60-9B94075571AB}"/>
+                <a16:creationId xmlns:a16="http://schemas.microsoft.com/office/drawing/2014/main" id="{96329326-FA7C-EC76-3713-7CA8BFCDF64B}"/>
               </a:ext>
             </a:extLst>
           </p:cNvPr>
@@ -8946,7 +11767,7 @@
           <p:cNvPr id="7" name="TextBox 6">
             <a:extLst>
               <a:ext uri="{FF2B5EF4-FFF2-40B4-BE49-F238E27FC236}">
-                <a16:creationId xmlns:a16="http://schemas.microsoft.com/office/drawing/2014/main" id="{9E4491B3-CECF-075A-EDF4-43D5B4675988}"/>
+                <a16:creationId xmlns:a16="http://schemas.microsoft.com/office/drawing/2014/main" id="{1410A8F5-D038-4791-6BDD-B75423F1C2A3}"/>
               </a:ext>
             </a:extLst>
           </p:cNvPr>
@@ -9038,10 +11859,10 @@
       </p:sp>
       <p:sp>
         <p:nvSpPr>
-          <p:cNvPr id="5" name="Объект 3">
-            <a:extLst>
-              <a:ext uri="{FF2B5EF4-FFF2-40B4-BE49-F238E27FC236}">
-                <a16:creationId xmlns:a16="http://schemas.microsoft.com/office/drawing/2014/main" id="{C9AE4B35-0CE7-DCAF-EF8A-4C00014ED599}"/>
+          <p:cNvPr id="4" name="Объект 3">
+            <a:extLst>
+              <a:ext uri="{FF2B5EF4-FFF2-40B4-BE49-F238E27FC236}">
+                <a16:creationId xmlns:a16="http://schemas.microsoft.com/office/drawing/2014/main" id="{46798DC6-D9AE-8E9D-9377-6B0BF1F6785E}"/>
               </a:ext>
             </a:extLst>
           </p:cNvPr>
@@ -9062,14 +11883,52 @@
           <a:bodyPr/>
           <a:lstStyle/>
           <a:p>
-            <a:endParaRPr lang="ru-RU" dirty="0"/>
+            <a:pPr marL="0" indent="0">
+              <a:buNone/>
+            </a:pPr>
+            <a:r>
+              <a:rPr lang="ru-RU" dirty="0"/>
+              <a:t>Используем </a:t>
+            </a:r>
+            <a:r>
+              <a:rPr lang="en-US" dirty="0"/>
+              <a:t>Ansible + Jinja,</a:t>
+            </a:r>
+            <a:r>
+              <a:rPr lang="ru-RU" dirty="0"/>
+              <a:t> но продумать абстракции так, чтобы не зависеть от используемого ПО </a:t>
+            </a:r>
+            <a:r>
+              <a:rPr lang="en-US" dirty="0"/>
+              <a:t>(</a:t>
+            </a:r>
+            <a:r>
+              <a:rPr lang="en-US" dirty="0" err="1"/>
+              <a:t>filebeat</a:t>
+            </a:r>
+            <a:r>
+              <a:rPr lang="en-US" dirty="0"/>
+              <a:t>, vector, </a:t>
+            </a:r>
+            <a:r>
+              <a:rPr lang="en-US" dirty="0" err="1"/>
+              <a:t>logstash</a:t>
+            </a:r>
+            <a:r>
+              <a:rPr lang="en-US" dirty="0"/>
+              <a:t>)</a:t>
+            </a:r>
+            <a:r>
+              <a:rPr lang="ru-RU" dirty="0"/>
+              <a:t> </a:t>
+            </a:r>
           </a:p>
         </p:txBody>
       </p:sp>
     </p:spTree>
     <p:extLst>
       <p:ext uri="{BB962C8B-B14F-4D97-AF65-F5344CB8AC3E}">
-        <p14:creationId xmlns:p14="http://schemas.microsoft.com/office/powerpoint/2010/main" val="3213086761"/>
+        <p14:creationId xmlns:p14="http://schemas.microsoft.com/office/powerpoint/2010/main" val="3033937702"/>
       </p:ext>
     </p:extLst>
   </p:cSld>
@@ -9079,7 +11938,7 @@
 </p:sld>
 </file>
 
-<file path=ppt/slides/slide3.xml><?xml version="1.0" encoding="utf-8"?>
+<file path=ppt/slides/slide16.xml><?xml version="1.0" encoding="utf-8"?>
 <p:sld xmlns:a="http://schemas.openxmlformats.org/drawingml/2006/main" xmlns:r="http://schemas.openxmlformats.org/officeDocument/2006/relationships" xmlns:p="http://schemas.openxmlformats.org/presentationml/2006/main">
   <p:cSld>
     <p:spTree>
@@ -9087,7 +11946,7 @@
         <p:cNvPr id="1" name="">
           <a:extLst>
             <a:ext uri="{FF2B5EF4-FFF2-40B4-BE49-F238E27FC236}">
-              <a16:creationId xmlns:a16="http://schemas.microsoft.com/office/drawing/2014/main" id="{1E2074C4-9BED-059C-D24D-7B5191DB7774}"/>
+              <a16:creationId xmlns:a16="http://schemas.microsoft.com/office/drawing/2014/main" id="{4E1AA934-6EAB-F519-09FF-D715E3400274}"/>
             </a:ext>
           </a:extLst>
         </p:cNvPr>
@@ -9107,7 +11966,7 @@
           <p:cNvPr id="3" name="Прямоугольник 2">
             <a:extLst>
               <a:ext uri="{FF2B5EF4-FFF2-40B4-BE49-F238E27FC236}">
-                <a16:creationId xmlns:a16="http://schemas.microsoft.com/office/drawing/2014/main" id="{5EA8C689-5798-305F-01F9-F003B4604B96}"/>
+                <a16:creationId xmlns:a16="http://schemas.microsoft.com/office/drawing/2014/main" id="{E775B8D8-0A50-B501-F232-40C9223F8D45}"/>
               </a:ext>
             </a:extLst>
           </p:cNvPr>
@@ -9156,7 +12015,7 @@
           <p:cNvPr id="8" name="Title 7">
             <a:extLst>
               <a:ext uri="{FF2B5EF4-FFF2-40B4-BE49-F238E27FC236}">
-                <a16:creationId xmlns:a16="http://schemas.microsoft.com/office/drawing/2014/main" id="{AED6C6DC-81D4-6869-0A4E-F28B987987C6}"/>
+                <a16:creationId xmlns:a16="http://schemas.microsoft.com/office/drawing/2014/main" id="{49618643-A540-A59F-1375-8D4394E3B27E}"/>
               </a:ext>
             </a:extLst>
           </p:cNvPr>
@@ -9179,7 +12038,7 @@
           <a:p>
             <a:r>
               <a:rPr lang="ru-RU" dirty="0"/>
-              <a:t>Проблема</a:t>
+              <a:t>Механизм генерации конфигурационного файла коллектора.</a:t>
             </a:r>
           </a:p>
         </p:txBody>
@@ -9189,7 +12048,7 @@
           <p:cNvPr id="2" name="Slide Number Placeholder 1">
             <a:extLst>
               <a:ext uri="{FF2B5EF4-FFF2-40B4-BE49-F238E27FC236}">
-                <a16:creationId xmlns:a16="http://schemas.microsoft.com/office/drawing/2014/main" id="{1A5E3646-4304-7758-7CA9-A5DD3A48DDC6}"/>
+                <a16:creationId xmlns:a16="http://schemas.microsoft.com/office/drawing/2014/main" id="{550C7781-6282-4015-3376-AC3A1C2D4672}"/>
               </a:ext>
             </a:extLst>
           </p:cNvPr>
@@ -9314,7 +12173,7 @@
                 </a:solidFill>
               </a:rPr>
               <a:pPr/>
-              <a:t>3</a:t>
+              <a:t>16</a:t>
             </a:fld>
             <a:endParaRPr lang="ru-RU" dirty="0">
               <a:solidFill>
@@ -9329,7 +12188,7 @@
           <p:cNvPr id="6" name="Рисунок 5">
             <a:extLst>
               <a:ext uri="{FF2B5EF4-FFF2-40B4-BE49-F238E27FC236}">
-                <a16:creationId xmlns:a16="http://schemas.microsoft.com/office/drawing/2014/main" id="{1E750AB7-679B-62C2-5802-ABF73CFF52C6}"/>
+                <a16:creationId xmlns:a16="http://schemas.microsoft.com/office/drawing/2014/main" id="{82DA718E-38A6-E843-FA90-8D992EDFCD4B}"/>
               </a:ext>
             </a:extLst>
           </p:cNvPr>
@@ -9368,7 +12227,7 @@
           <p:cNvPr id="7" name="TextBox 6">
             <a:extLst>
               <a:ext uri="{FF2B5EF4-FFF2-40B4-BE49-F238E27FC236}">
-                <a16:creationId xmlns:a16="http://schemas.microsoft.com/office/drawing/2014/main" id="{440E03D7-CBEB-D50D-4C60-445C975E34CE}"/>
+                <a16:creationId xmlns:a16="http://schemas.microsoft.com/office/drawing/2014/main" id="{76544203-C6E5-E00D-1E0A-BFB007E857C4}"/>
               </a:ext>
             </a:extLst>
           </p:cNvPr>
@@ -9460,10 +12319,10 @@
       </p:sp>
       <p:sp>
         <p:nvSpPr>
-          <p:cNvPr id="5" name="Объект 3">
-            <a:extLst>
-              <a:ext uri="{FF2B5EF4-FFF2-40B4-BE49-F238E27FC236}">
-                <a16:creationId xmlns:a16="http://schemas.microsoft.com/office/drawing/2014/main" id="{3147F57C-76B7-4D9C-5537-81E4A22EB88E}"/>
+          <p:cNvPr id="4" name="Объект 3">
+            <a:extLst>
+              <a:ext uri="{FF2B5EF4-FFF2-40B4-BE49-F238E27FC236}">
+                <a16:creationId xmlns:a16="http://schemas.microsoft.com/office/drawing/2014/main" id="{5FB50D01-CC9C-96CC-49BD-333ADB64DD6A}"/>
               </a:ext>
             </a:extLst>
           </p:cNvPr>
@@ -9489,95 +12348,47 @@
             </a:pPr>
             <a:r>
               <a:rPr lang="ru-RU" dirty="0"/>
-              <a:t>Процесс создания коллектора выглядит следующим образом</a:t>
-            </a:r>
-          </a:p>
-          <a:p>
-            <a:pPr marL="0" indent="0">
-              <a:buNone/>
-            </a:pPr>
-            <a:endParaRPr lang="ru-RU" dirty="0"/>
-          </a:p>
-          <a:p>
-            <a:pPr marL="0" indent="0">
-              <a:buNone/>
-            </a:pPr>
+              <a:t>Используем </a:t>
+            </a:r>
+            <a:r>
+              <a:rPr lang="en-US" dirty="0"/>
+              <a:t>Ansible + Jinja,</a:t>
+            </a:r>
             <a:r>
               <a:rPr lang="ru-RU" dirty="0"/>
+              <a:t> но продумать абстракции так, чтобы не зависеть от используемого ПО </a:t>
+            </a:r>
+            <a:r>
+              <a:rPr lang="en-US" dirty="0"/>
               <a:t>(</a:t>
             </a:r>
             <a:r>
+              <a:rPr lang="en-US" dirty="0" err="1"/>
+              <a:t>filebeat</a:t>
+            </a:r>
+            <a:r>
               <a:rPr lang="en-US" dirty="0"/>
-              <a:t>Sequence </a:t>
+              <a:t>, vector, </a:t>
+            </a:r>
+            <a:r>
+              <a:rPr lang="en-US" dirty="0" err="1"/>
+              <a:t>logstash</a:t>
+            </a:r>
+            <a:r>
+              <a:rPr lang="en-US" dirty="0"/>
+              <a:t>)</a:t>
             </a:r>
             <a:r>
               <a:rPr lang="ru-RU" dirty="0"/>
-              <a:t>диаграмма с двумя акторами – </a:t>
-            </a:r>
-            <a:r>
-              <a:rPr lang="en-US" dirty="0"/>
-              <a:t>SRE </a:t>
-            </a:r>
-            <a:r>
-              <a:rPr lang="ru-RU" dirty="0"/>
-              <a:t>инженер и</a:t>
-            </a:r>
-            <a:r>
-              <a:rPr lang="en-US" dirty="0"/>
               <a:t> </a:t>
             </a:r>
-            <a:r>
-              <a:rPr lang="ru-RU" dirty="0"/>
-              <a:t>инженер из команды аналитиков, создание порта, топика, конфига, изменение конфига деплоя(т.к коллекторы – </a:t>
-            </a:r>
-            <a:r>
-              <a:rPr lang="ru-RU" dirty="0" err="1"/>
-              <a:t>монорепа</a:t>
-            </a:r>
-            <a:r>
-              <a:rPr lang="ru-RU" dirty="0"/>
-              <a:t> с дефолтным механизмом деплоя), настройка конфига балансировщика, </a:t>
-            </a:r>
-            <a:r>
-              <a:rPr lang="ru-RU" sz="2000" i="1" dirty="0"/>
-              <a:t>а также в другом сценарии создание</a:t>
-            </a:r>
-            <a:r>
-              <a:rPr lang="en-US" sz="2000" i="1" dirty="0"/>
-              <a:t>/</a:t>
-            </a:r>
-            <a:r>
-              <a:rPr lang="ru-RU" sz="2000" i="1" dirty="0"/>
-              <a:t>сохранение</a:t>
-            </a:r>
-            <a:r>
-              <a:rPr lang="en-US" sz="2000" i="1" dirty="0"/>
-              <a:t>/</a:t>
-            </a:r>
-            <a:r>
-              <a:rPr lang="ru-RU" sz="2000" i="1" dirty="0"/>
-              <a:t>передача УЗ для </a:t>
-            </a:r>
-            <a:r>
-              <a:rPr lang="en-US" sz="2000" i="1" dirty="0"/>
-              <a:t>Kafka</a:t>
-            </a:r>
-            <a:r>
-              <a:rPr lang="ru-RU" sz="2000" i="1" dirty="0"/>
-              <a:t>, запрос доступа к топику</a:t>
-            </a:r>
-            <a:r>
-              <a:rPr lang="en-US" dirty="0"/>
-              <a:t>) </a:t>
-            </a:r>
-            <a:endParaRPr lang="ru-RU" dirty="0"/>
           </a:p>
         </p:txBody>
       </p:sp>
     </p:spTree>
     <p:extLst>
       <p:ext uri="{BB962C8B-B14F-4D97-AF65-F5344CB8AC3E}">
-        <p14:creationId xmlns:p14="http://schemas.microsoft.com/office/powerpoint/2010/main" val="2572031251"/>
+        <p14:creationId xmlns:p14="http://schemas.microsoft.com/office/powerpoint/2010/main" val="258541030"/>
       </p:ext>
     </p:extLst>
   </p:cSld>
@@ -9587,7 +12398,7 @@
 </p:sld>
 </file>
 
-<file path=ppt/slides/slide4.xml><?xml version="1.0" encoding="utf-8"?>
+<file path=ppt/slides/slide17.xml><?xml version="1.0" encoding="utf-8"?>
 <p:sld xmlns:a="http://schemas.openxmlformats.org/drawingml/2006/main" xmlns:r="http://schemas.openxmlformats.org/officeDocument/2006/relationships" xmlns:p="http://schemas.openxmlformats.org/presentationml/2006/main">
   <p:cSld>
     <p:spTree>
@@ -9595,7 +12406,7 @@
         <p:cNvPr id="1" name="">
           <a:extLst>
             <a:ext uri="{FF2B5EF4-FFF2-40B4-BE49-F238E27FC236}">
-              <a16:creationId xmlns:a16="http://schemas.microsoft.com/office/drawing/2014/main" id="{2FC5EBD4-E5F2-5292-89A7-E1C2180DB0E0}"/>
+              <a16:creationId xmlns:a16="http://schemas.microsoft.com/office/drawing/2014/main" id="{6679342C-7804-898C-57D7-538B0C421F27}"/>
             </a:ext>
           </a:extLst>
         </p:cNvPr>
@@ -9615,7 +12426,7 @@
           <p:cNvPr id="3" name="Прямоугольник 2">
             <a:extLst>
               <a:ext uri="{FF2B5EF4-FFF2-40B4-BE49-F238E27FC236}">
-                <a16:creationId xmlns:a16="http://schemas.microsoft.com/office/drawing/2014/main" id="{FD1F7BD8-E1A7-7ED2-94C3-F0BFE5B03BD2}"/>
+                <a16:creationId xmlns:a16="http://schemas.microsoft.com/office/drawing/2014/main" id="{9075C13C-1258-68D8-0F7E-1EFBD3EEE93B}"/>
               </a:ext>
             </a:extLst>
           </p:cNvPr>
@@ -9661,10 +12472,43 @@
       </p:sp>
       <p:sp>
         <p:nvSpPr>
+          <p:cNvPr id="8" name="Title 7">
+            <a:extLst>
+              <a:ext uri="{FF2B5EF4-FFF2-40B4-BE49-F238E27FC236}">
+                <a16:creationId xmlns:a16="http://schemas.microsoft.com/office/drawing/2014/main" id="{B64D1971-0BC5-DE7C-5944-9219B3C49C2A}"/>
+              </a:ext>
+            </a:extLst>
+          </p:cNvPr>
+          <p:cNvSpPr>
+            <a:spLocks noGrp="1"/>
+          </p:cNvSpPr>
+          <p:nvPr>
+            <p:ph type="title"/>
+          </p:nvPr>
+        </p:nvSpPr>
+        <p:spPr>
+          <a:xfrm>
+            <a:off x="838200" y="630572"/>
+            <a:ext cx="10515600" cy="1325563"/>
+          </a:xfrm>
+        </p:spPr>
+        <p:txBody>
+          <a:bodyPr/>
+          <a:lstStyle/>
+          <a:p>
+            <a:r>
+              <a:rPr lang="ru-RU" dirty="0"/>
+              <a:t>Механизм развертывания коллектора</a:t>
+            </a:r>
+          </a:p>
+        </p:txBody>
+      </p:sp>
+      <p:sp>
+        <p:nvSpPr>
           <p:cNvPr id="2" name="Slide Number Placeholder 1">
             <a:extLst>
               <a:ext uri="{FF2B5EF4-FFF2-40B4-BE49-F238E27FC236}">
-                <a16:creationId xmlns:a16="http://schemas.microsoft.com/office/drawing/2014/main" id="{545B4265-90C8-6E3C-4426-B088F9151E09}"/>
+                <a16:creationId xmlns:a16="http://schemas.microsoft.com/office/drawing/2014/main" id="{E263E98C-88A8-84FE-659E-6DF616434DA7}"/>
               </a:ext>
             </a:extLst>
           </p:cNvPr>
@@ -9789,7 +12633,7 @@
                 </a:solidFill>
               </a:rPr>
               <a:pPr/>
-              <a:t>4</a:t>
+              <a:t>17</a:t>
             </a:fld>
             <a:endParaRPr lang="ru-RU" dirty="0">
               <a:solidFill>
@@ -9804,7 +12648,7 @@
           <p:cNvPr id="6" name="Рисунок 5">
             <a:extLst>
               <a:ext uri="{FF2B5EF4-FFF2-40B4-BE49-F238E27FC236}">
-                <a16:creationId xmlns:a16="http://schemas.microsoft.com/office/drawing/2014/main" id="{83845484-D49F-54DD-AFE5-E08EBE7D336C}"/>
+                <a16:creationId xmlns:a16="http://schemas.microsoft.com/office/drawing/2014/main" id="{769385F9-CA61-8BC3-7F09-38E62EE8D458}"/>
               </a:ext>
             </a:extLst>
           </p:cNvPr>
@@ -9843,7 +12687,7 @@
           <p:cNvPr id="7" name="TextBox 6">
             <a:extLst>
               <a:ext uri="{FF2B5EF4-FFF2-40B4-BE49-F238E27FC236}">
-                <a16:creationId xmlns:a16="http://schemas.microsoft.com/office/drawing/2014/main" id="{7944BD0A-EAC3-78CD-ABAF-59D7F8160205}"/>
+                <a16:creationId xmlns:a16="http://schemas.microsoft.com/office/drawing/2014/main" id="{4F7F4CD1-ECBF-BF56-2415-DF30CD86FA9D}"/>
               </a:ext>
             </a:extLst>
           </p:cNvPr>
@@ -9935,10 +12779,10 @@
       </p:sp>
       <p:sp>
         <p:nvSpPr>
-          <p:cNvPr id="12" name="Объект 2">
-            <a:extLst>
-              <a:ext uri="{FF2B5EF4-FFF2-40B4-BE49-F238E27FC236}">
-                <a16:creationId xmlns:a16="http://schemas.microsoft.com/office/drawing/2014/main" id="{45B46076-A026-E0A8-557B-286EC565C2F6}"/>
+          <p:cNvPr id="4" name="Объект 3">
+            <a:extLst>
+              <a:ext uri="{FF2B5EF4-FFF2-40B4-BE49-F238E27FC236}">
+                <a16:creationId xmlns:a16="http://schemas.microsoft.com/office/drawing/2014/main" id="{813C664D-A75D-FA6E-5B59-5F1B5850A26E}"/>
               </a:ext>
             </a:extLst>
           </p:cNvPr>
@@ -9949,199 +12793,55 @@
             <p:ph idx="1"/>
           </p:nvPr>
         </p:nvSpPr>
-        <p:spPr bwMode="auto">
+        <p:spPr>
           <a:xfrm>
-            <a:off x="947738" y="800100"/>
-            <a:ext cx="10656887" cy="5034116"/>
+            <a:off x="838200" y="1933065"/>
+            <a:ext cx="10515600" cy="4243898"/>
           </a:xfrm>
         </p:spPr>
         <p:txBody>
-          <a:bodyPr>
-            <a:normAutofit fontScale="92500" lnSpcReduction="10000"/>
-          </a:bodyPr>
+          <a:bodyPr/>
           <a:lstStyle/>
           <a:p>
             <a:pPr marL="0" indent="0">
               <a:buNone/>
-              <a:defRPr/>
             </a:pPr>
             <a:r>
-              <a:rPr lang="ru-RU" sz="3000" b="1" dirty="0"/>
-              <a:t>Цель</a:t>
+              <a:rPr lang="ru-RU" dirty="0"/>
+              <a:t>Для деплоя </a:t>
+            </a:r>
+            <a:r>
+              <a:rPr lang="en-US" dirty="0"/>
+              <a:t>Ansible, </a:t>
+            </a:r>
+            <a:r>
+              <a:rPr lang="ru-RU" dirty="0"/>
+              <a:t>но стоит учесть, что это </a:t>
+            </a:r>
+            <a:r>
+              <a:rPr lang="ru-RU" dirty="0" err="1"/>
+              <a:t>монорепа</a:t>
+            </a:r>
+            <a:r>
+              <a:rPr lang="ru-RU" dirty="0"/>
+              <a:t>, что конфиги до репы не доходят, как их класть на хост? Или класть в образ?</a:t>
             </a:r>
           </a:p>
           <a:p>
             <a:pPr marL="0" indent="0">
               <a:buNone/>
-              <a:defRPr/>
             </a:pPr>
             <a:r>
-              <a:rPr lang="ru-RU" sz="3000" dirty="0"/>
-              <a:t>Автоматизировать процесс настройки поставки данных для </a:t>
-            </a:r>
-            <a:r>
-              <a:rPr lang="en-US" sz="3000" dirty="0"/>
-              <a:t>SOC, </a:t>
-            </a:r>
-            <a:r>
-              <a:rPr lang="ru-RU" sz="3000" dirty="0"/>
-              <a:t>сведя его к написанию конфига </a:t>
-            </a:r>
-            <a:r>
-              <a:rPr lang="ru-RU" sz="2000" dirty="0">
-                <a:solidFill>
-                  <a:srgbClr val="FF0000"/>
-                </a:solidFill>
-              </a:rPr>
-              <a:t>(Подлежит изменению</a:t>
-            </a:r>
-            <a:r>
-              <a:rPr lang="en-US" sz="2000" dirty="0">
-                <a:solidFill>
-                  <a:srgbClr val="FF0000"/>
-                </a:solidFill>
-              </a:rPr>
-              <a:t>)</a:t>
-            </a:r>
-            <a:endParaRPr lang="ru-RU" sz="3000" dirty="0"/>
-          </a:p>
-          <a:p>
-            <a:pPr marL="0" indent="0">
-              <a:buNone/>
-              <a:defRPr/>
-            </a:pPr>
-            <a:r>
-              <a:rPr lang="ru-RU" sz="3000" b="1" dirty="0"/>
-              <a:t>Задачи</a:t>
-            </a:r>
-            <a:endParaRPr sz="3000" dirty="0"/>
-          </a:p>
-          <a:p>
-            <a:pPr marL="514350" indent="-338138">
-              <a:lnSpc>
-                <a:spcPct val="110000"/>
-              </a:lnSpc>
-              <a:spcBef>
-                <a:spcPts val="1200"/>
-              </a:spcBef>
-              <a:buFont typeface="+mj-lt"/>
-              <a:buAutoNum type="arabicPeriod"/>
-              <a:defRPr/>
-            </a:pPr>
-            <a:r>
-              <a:rPr lang="ru-RU" sz="3000" dirty="0"/>
-              <a:t> Реализовать механизмы </a:t>
-            </a:r>
-          </a:p>
-          <a:p>
-            <a:pPr marL="971550" lvl="1" indent="-338138">
-              <a:lnSpc>
-                <a:spcPct val="110000"/>
-              </a:lnSpc>
-              <a:spcBef>
-                <a:spcPts val="1200"/>
-              </a:spcBef>
-              <a:buFont typeface="+mj-lt"/>
-              <a:buAutoNum type="arabicPeriod"/>
-              <a:defRPr/>
-            </a:pPr>
-            <a:r>
-              <a:rPr lang="ru-RU" sz="2600" dirty="0"/>
-              <a:t>определения адреса (читай: выбор порта)</a:t>
-            </a:r>
-          </a:p>
-          <a:p>
-            <a:pPr marL="971550" lvl="1" indent="-338138">
-              <a:lnSpc>
-                <a:spcPct val="110000"/>
-              </a:lnSpc>
-              <a:spcBef>
-                <a:spcPts val="1200"/>
-              </a:spcBef>
-              <a:buFont typeface="+mj-lt"/>
-              <a:buAutoNum type="arabicPeriod"/>
-              <a:defRPr/>
-            </a:pPr>
-            <a:r>
-              <a:rPr lang="ru-RU" sz="2600" dirty="0"/>
-              <a:t>создания топика </a:t>
-            </a:r>
-            <a:r>
-              <a:rPr lang="en-US" sz="2600" dirty="0"/>
-              <a:t>Kafka</a:t>
-            </a:r>
-          </a:p>
-          <a:p>
-            <a:pPr marL="971550" lvl="1" indent="-338138">
-              <a:lnSpc>
-                <a:spcPct val="110000"/>
-              </a:lnSpc>
-              <a:spcBef>
-                <a:spcPts val="1200"/>
-              </a:spcBef>
-              <a:buFont typeface="+mj-lt"/>
-              <a:buAutoNum type="arabicPeriod"/>
-              <a:defRPr/>
-            </a:pPr>
-            <a:r>
-              <a:rPr lang="ru-RU" sz="2600" dirty="0"/>
-              <a:t>генерации конфигурационного файла коллектора</a:t>
-            </a:r>
-          </a:p>
-          <a:p>
-            <a:pPr marL="971550" lvl="1" indent="-338138">
-              <a:lnSpc>
-                <a:spcPct val="110000"/>
-              </a:lnSpc>
-              <a:spcBef>
-                <a:spcPts val="1200"/>
-              </a:spcBef>
-              <a:buFont typeface="+mj-lt"/>
-              <a:buAutoNum type="arabicPeriod"/>
-              <a:defRPr/>
-            </a:pPr>
-            <a:r>
-              <a:rPr lang="ru-RU" sz="2600" dirty="0"/>
-              <a:t>развертывания коллектора</a:t>
-            </a:r>
-          </a:p>
-          <a:p>
-            <a:pPr marL="971550" lvl="1" indent="-338138">
-              <a:lnSpc>
-                <a:spcPct val="110000"/>
-              </a:lnSpc>
-              <a:spcBef>
-                <a:spcPts val="1200"/>
-              </a:spcBef>
-              <a:buFont typeface="+mj-lt"/>
-              <a:buAutoNum type="arabicPeriod"/>
-              <a:defRPr/>
-            </a:pPr>
-            <a:r>
-              <a:rPr lang="ru-RU" sz="2600" dirty="0"/>
-              <a:t>генерации конфигурационного файла нормализатора (парсера)</a:t>
-            </a:r>
-          </a:p>
-          <a:p>
-            <a:pPr marL="514350" indent="-338138">
-              <a:lnSpc>
-                <a:spcPct val="110000"/>
-              </a:lnSpc>
-              <a:spcBef>
-                <a:spcPts val="1200"/>
-              </a:spcBef>
-              <a:buFont typeface="+mj-lt"/>
-              <a:buAutoNum type="arabicPeriod"/>
-              <a:defRPr/>
-            </a:pPr>
-            <a:endParaRPr lang="ru-RU" sz="3000" dirty="0"/>
+              <a:rPr lang="ru-RU" dirty="0"/>
+              <a:t>Как обеспечить их неизменяемость?</a:t>
+            </a:r>
           </a:p>
         </p:txBody>
       </p:sp>
     </p:spTree>
     <p:extLst>
       <p:ext uri="{BB962C8B-B14F-4D97-AF65-F5344CB8AC3E}">
-        <p14:creationId xmlns:p14="http://schemas.microsoft.com/office/powerpoint/2010/main" val="2521143933"/>
+        <p14:creationId xmlns:p14="http://schemas.microsoft.com/office/powerpoint/2010/main" val="4094467032"/>
       </p:ext>
     </p:extLst>
   </p:cSld>
@@ -10151,7 +12851,65 @@
 </p:sld>
 </file>
 
-<file path=ppt/slides/slide5.xml><?xml version="1.0" encoding="utf-8"?>
+<file path=ppt/slides/slide18.xml><?xml version="1.0" encoding="utf-8"?>
+<p:sld xmlns:a="http://schemas.openxmlformats.org/drawingml/2006/main" xmlns:r="http://schemas.openxmlformats.org/officeDocument/2006/relationships" xmlns:p="http://schemas.openxmlformats.org/presentationml/2006/main">
+  <p:cSld>
+    <p:spTree>
+      <p:nvGrpSpPr>
+        <p:cNvPr id="1" name=""/>
+        <p:cNvGrpSpPr/>
+        <p:nvPr/>
+      </p:nvGrpSpPr>
+      <p:grpSpPr>
+        <a:xfrm>
+          <a:off x="0" y="0"/>
+          <a:ext cx="0" cy="0"/>
+          <a:chOff x="0" y="0"/>
+          <a:chExt cx="0" cy="0"/>
+        </a:xfrm>
+      </p:grpSpPr>
+      <p:sp>
+        <p:nvSpPr>
+          <p:cNvPr id="4" name="Заголовок 3">
+            <a:extLst>
+              <a:ext uri="{FF2B5EF4-FFF2-40B4-BE49-F238E27FC236}">
+                <a16:creationId xmlns:a16="http://schemas.microsoft.com/office/drawing/2014/main" id="{CFA5BD57-FA79-B2F0-AD4F-1CBE68C4BFD4}"/>
+              </a:ext>
+            </a:extLst>
+          </p:cNvPr>
+          <p:cNvSpPr>
+            <a:spLocks noGrp="1"/>
+          </p:cNvSpPr>
+          <p:nvPr>
+            <p:ph type="ctrTitle"/>
+          </p:nvPr>
+        </p:nvSpPr>
+        <p:spPr/>
+        <p:txBody>
+          <a:bodyPr/>
+          <a:lstStyle/>
+          <a:p>
+            <a:r>
+              <a:rPr lang="ru-RU" dirty="0"/>
+              <a:t>Автоматизация процесса нормализации</a:t>
+            </a:r>
+          </a:p>
+        </p:txBody>
+      </p:sp>
+    </p:spTree>
+    <p:extLst>
+      <p:ext uri="{BB962C8B-B14F-4D97-AF65-F5344CB8AC3E}">
+        <p14:creationId xmlns:p14="http://schemas.microsoft.com/office/powerpoint/2010/main" val="315884104"/>
+      </p:ext>
+    </p:extLst>
+  </p:cSld>
+  <p:clrMapOvr>
+    <a:masterClrMapping/>
+  </p:clrMapOvr>
+</p:sld>
+</file>
+
+<file path=ppt/slides/slide19.xml><?xml version="1.0" encoding="utf-8"?>
 <p:sld xmlns:a="http://schemas.openxmlformats.org/drawingml/2006/main" xmlns:r="http://schemas.openxmlformats.org/officeDocument/2006/relationships" xmlns:p="http://schemas.openxmlformats.org/presentationml/2006/main">
   <p:cSld>
     <p:spTree>
@@ -10159,7 +12917,7 @@
         <p:cNvPr id="1" name="">
           <a:extLst>
             <a:ext uri="{FF2B5EF4-FFF2-40B4-BE49-F238E27FC236}">
-              <a16:creationId xmlns:a16="http://schemas.microsoft.com/office/drawing/2014/main" id="{AD64F8D5-77E8-2F95-049E-6D988FA7FBC5}"/>
+              <a16:creationId xmlns:a16="http://schemas.microsoft.com/office/drawing/2014/main" id="{18D68A0B-39C1-B3A6-862D-FE374E3F2477}"/>
             </a:ext>
           </a:extLst>
         </p:cNvPr>
@@ -10179,7 +12937,7 @@
           <p:cNvPr id="3" name="Прямоугольник 2">
             <a:extLst>
               <a:ext uri="{FF2B5EF4-FFF2-40B4-BE49-F238E27FC236}">
-                <a16:creationId xmlns:a16="http://schemas.microsoft.com/office/drawing/2014/main" id="{6F71DC43-BB9F-5496-A0AE-82DF1F657C5F}"/>
+                <a16:creationId xmlns:a16="http://schemas.microsoft.com/office/drawing/2014/main" id="{4896D5D3-954E-5558-8F72-63AA12344F1A}"/>
               </a:ext>
             </a:extLst>
           </p:cNvPr>
@@ -10228,7 +12986,7 @@
           <p:cNvPr id="8" name="Title 7">
             <a:extLst>
               <a:ext uri="{FF2B5EF4-FFF2-40B4-BE49-F238E27FC236}">
-                <a16:creationId xmlns:a16="http://schemas.microsoft.com/office/drawing/2014/main" id="{A25435D6-A318-2C6B-B3C4-158429A83377}"/>
+                <a16:creationId xmlns:a16="http://schemas.microsoft.com/office/drawing/2014/main" id="{70CFD4F2-EEF0-68D2-DFF9-5F72DB3C434A}"/>
               </a:ext>
             </a:extLst>
           </p:cNvPr>
@@ -10251,7 +13009,7 @@
           <a:p>
             <a:r>
               <a:rPr lang="ru-RU" dirty="0"/>
-              <a:t>Механизм определения адреса </a:t>
+              <a:t>Механизм генерации конфигурационного файла нормализатора (парсера)</a:t>
             </a:r>
           </a:p>
         </p:txBody>
@@ -10261,7 +13019,7 @@
           <p:cNvPr id="2" name="Slide Number Placeholder 1">
             <a:extLst>
               <a:ext uri="{FF2B5EF4-FFF2-40B4-BE49-F238E27FC236}">
-                <a16:creationId xmlns:a16="http://schemas.microsoft.com/office/drawing/2014/main" id="{38E6D4A9-8128-D63F-759B-83E6A2693798}"/>
+                <a16:creationId xmlns:a16="http://schemas.microsoft.com/office/drawing/2014/main" id="{9D3901CD-DF12-74A4-5D85-86F8A556D980}"/>
               </a:ext>
             </a:extLst>
           </p:cNvPr>
@@ -10386,7 +13144,7 @@
                 </a:solidFill>
               </a:rPr>
               <a:pPr/>
-              <a:t>5</a:t>
+              <a:t>19</a:t>
             </a:fld>
             <a:endParaRPr lang="ru-RU" dirty="0">
               <a:solidFill>
@@ -10401,7 +13159,7 @@
           <p:cNvPr id="6" name="Рисунок 5">
             <a:extLst>
               <a:ext uri="{FF2B5EF4-FFF2-40B4-BE49-F238E27FC236}">
-                <a16:creationId xmlns:a16="http://schemas.microsoft.com/office/drawing/2014/main" id="{D7670E03-D7A6-C083-94BC-7A5A3EBAAD34}"/>
+                <a16:creationId xmlns:a16="http://schemas.microsoft.com/office/drawing/2014/main" id="{F757E57D-84F1-6FE5-07A6-9D67001B9928}"/>
               </a:ext>
             </a:extLst>
           </p:cNvPr>
@@ -10440,7 +13198,7 @@
           <p:cNvPr id="7" name="TextBox 6">
             <a:extLst>
               <a:ext uri="{FF2B5EF4-FFF2-40B4-BE49-F238E27FC236}">
-                <a16:creationId xmlns:a16="http://schemas.microsoft.com/office/drawing/2014/main" id="{449F172F-00B8-1D07-46FA-CD2FD6F8EE31}"/>
+                <a16:creationId xmlns:a16="http://schemas.microsoft.com/office/drawing/2014/main" id="{A49613EB-E02B-DBB8-171D-D03D9532714E}"/>
               </a:ext>
             </a:extLst>
           </p:cNvPr>
@@ -10532,10 +13290,10 @@
       </p:sp>
       <p:sp>
         <p:nvSpPr>
-          <p:cNvPr id="4" name="Объект 3">
-            <a:extLst>
-              <a:ext uri="{FF2B5EF4-FFF2-40B4-BE49-F238E27FC236}">
-                <a16:creationId xmlns:a16="http://schemas.microsoft.com/office/drawing/2014/main" id="{9104F47B-783F-0027-52FF-19023C40CD77}"/>
+          <p:cNvPr id="5" name="Объект 3">
+            <a:extLst>
+              <a:ext uri="{FF2B5EF4-FFF2-40B4-BE49-F238E27FC236}">
+                <a16:creationId xmlns:a16="http://schemas.microsoft.com/office/drawing/2014/main" id="{EECE86EB-4963-AAEC-75B4-6807F1348F45}"/>
               </a:ext>
             </a:extLst>
           </p:cNvPr>
@@ -10561,49 +13319,30 @@
             </a:pPr>
             <a:r>
               <a:rPr lang="ru-RU" dirty="0"/>
-              <a:t>Описание, как он мог бы работать</a:t>
-            </a:r>
+              <a:t>Парсер</a:t>
+            </a:r>
+            <a:r>
+              <a:rPr lang="en-US" dirty="0"/>
+              <a:t> </a:t>
+            </a:r>
+            <a:r>
+              <a:rPr lang="ru-RU" dirty="0"/>
+              <a:t>только </a:t>
+            </a:r>
+            <a:r>
+              <a:rPr lang="en-US" dirty="0"/>
+              <a:t>Logstash.</a:t>
+            </a:r>
+            <a:endParaRPr lang="ru-RU" dirty="0"/>
           </a:p>
           <a:p>
             <a:pPr marL="0" indent="0">
               <a:buNone/>
             </a:pPr>
             <a:r>
-              <a:rPr lang="ru-RU" dirty="0"/>
-              <a:t>Варианты:</a:t>
-            </a:r>
-          </a:p>
-          <a:p>
-            <a:pPr marL="0" indent="0">
-              <a:buNone/>
-            </a:pPr>
-            <a:r>
-              <a:rPr lang="ru-RU" dirty="0"/>
-              <a:t>-</a:t>
-            </a:r>
-          </a:p>
-          <a:p>
-            <a:pPr marL="0" indent="0">
-              <a:buNone/>
-            </a:pPr>
-            <a:r>
-              <a:rPr lang="ru-RU" dirty="0"/>
-              <a:t>-</a:t>
-            </a:r>
-          </a:p>
-          <a:p>
-            <a:pPr marL="0" indent="0">
-              <a:buNone/>
-            </a:pPr>
-            <a:r>
-              <a:rPr lang="ru-RU" dirty="0"/>
-              <a:t>-</a:t>
-            </a:r>
-          </a:p>
-          <a:p>
-            <a:pPr marL="0" indent="0">
-              <a:buNone/>
-            </a:pPr>
+              <a:rPr lang="en-US" dirty="0"/>
+              <a:t> </a:t>
+            </a:r>
             <a:endParaRPr lang="ru-RU" dirty="0"/>
           </a:p>
         </p:txBody>
@@ -10611,7 +13350,7 @@
     </p:spTree>
     <p:extLst>
       <p:ext uri="{BB962C8B-B14F-4D97-AF65-F5344CB8AC3E}">
-        <p14:creationId xmlns:p14="http://schemas.microsoft.com/office/powerpoint/2010/main" val="2556087130"/>
+        <p14:creationId xmlns:p14="http://schemas.microsoft.com/office/powerpoint/2010/main" val="979747349"/>
       </p:ext>
     </p:extLst>
   </p:cSld>
@@ -10621,15 +13360,15 @@
 </p:sld>
 </file>
 
-<file path=ppt/slides/slide6.xml><?xml version="1.0" encoding="utf-8"?>
-<p:sld xmlns:a="http://schemas.openxmlformats.org/drawingml/2006/main" xmlns:r="http://schemas.openxmlformats.org/officeDocument/2006/relationships" xmlns:p="http://schemas.openxmlformats.org/presentationml/2006/main">
+<file path=ppt/slides/slide2.xml><?xml version="1.0" encoding="utf-8"?>
+<p:sld xmlns:a="http://schemas.openxmlformats.org/drawingml/2006/main" xmlns:r="http://schemas.openxmlformats.org/officeDocument/2006/relationships" xmlns:p="http://schemas.openxmlformats.org/presentationml/2006/main" show="0">
   <p:cSld>
     <p:spTree>
       <p:nvGrpSpPr>
         <p:cNvPr id="1" name="">
           <a:extLst>
             <a:ext uri="{FF2B5EF4-FFF2-40B4-BE49-F238E27FC236}">
-              <a16:creationId xmlns:a16="http://schemas.microsoft.com/office/drawing/2014/main" id="{C2932E2D-06DD-07C2-3CC6-39F7225D5980}"/>
+              <a16:creationId xmlns:a16="http://schemas.microsoft.com/office/drawing/2014/main" id="{FE471D09-6C4F-1409-F447-EB402FBE2C5D}"/>
             </a:ext>
           </a:extLst>
         </p:cNvPr>
@@ -10649,7 +13388,7 @@
           <p:cNvPr id="3" name="Прямоугольник 2">
             <a:extLst>
               <a:ext uri="{FF2B5EF4-FFF2-40B4-BE49-F238E27FC236}">
-                <a16:creationId xmlns:a16="http://schemas.microsoft.com/office/drawing/2014/main" id="{D0C911E3-F637-5221-1A97-B72760CA1BC5}"/>
+                <a16:creationId xmlns:a16="http://schemas.microsoft.com/office/drawing/2014/main" id="{ECCFF61B-1ABD-0C10-6D99-457637782C26}"/>
               </a:ext>
             </a:extLst>
           </p:cNvPr>
@@ -10698,7 +13437,7 @@
           <p:cNvPr id="8" name="Title 7">
             <a:extLst>
               <a:ext uri="{FF2B5EF4-FFF2-40B4-BE49-F238E27FC236}">
-                <a16:creationId xmlns:a16="http://schemas.microsoft.com/office/drawing/2014/main" id="{6A389597-CB5B-238D-398E-BC250DAC3E83}"/>
+                <a16:creationId xmlns:a16="http://schemas.microsoft.com/office/drawing/2014/main" id="{67A7355A-3849-6506-6D80-E586E1F7790C}"/>
               </a:ext>
             </a:extLst>
           </p:cNvPr>
@@ -10720,9 +13459,10 @@
           <a:lstStyle/>
           <a:p>
             <a:r>
-              <a:rPr lang="ru-RU" dirty="0"/>
-              <a:t>Механизм определения адреса </a:t>
-            </a:r>
+              <a:rPr lang="ru-RU" sz="4400" dirty="0"/>
+              <a:t>Глоссарий</a:t>
+            </a:r>
+            <a:endParaRPr lang="ru-RU" dirty="0"/>
           </a:p>
         </p:txBody>
       </p:sp>
@@ -10731,7 +13471,7 @@
           <p:cNvPr id="2" name="Slide Number Placeholder 1">
             <a:extLst>
               <a:ext uri="{FF2B5EF4-FFF2-40B4-BE49-F238E27FC236}">
-                <a16:creationId xmlns:a16="http://schemas.microsoft.com/office/drawing/2014/main" id="{E30C2773-568A-89CA-CA27-3591EB7BC8B9}"/>
+                <a16:creationId xmlns:a16="http://schemas.microsoft.com/office/drawing/2014/main" id="{98D4935E-83DD-A9C3-1DD7-333740F0AAE3}"/>
               </a:ext>
             </a:extLst>
           </p:cNvPr>
@@ -10856,7 +13596,7 @@
                 </a:solidFill>
               </a:rPr>
               <a:pPr/>
-              <a:t>6</a:t>
+              <a:t>2</a:t>
             </a:fld>
             <a:endParaRPr lang="ru-RU" dirty="0">
               <a:solidFill>
@@ -10871,7 +13611,7 @@
           <p:cNvPr id="6" name="Рисунок 5">
             <a:extLst>
               <a:ext uri="{FF2B5EF4-FFF2-40B4-BE49-F238E27FC236}">
-                <a16:creationId xmlns:a16="http://schemas.microsoft.com/office/drawing/2014/main" id="{55F04357-07C1-064F-00AF-9CA50D9C5D86}"/>
+                <a16:creationId xmlns:a16="http://schemas.microsoft.com/office/drawing/2014/main" id="{2BCCE8A8-9233-1A82-5832-EBF173D80E6E}"/>
               </a:ext>
             </a:extLst>
           </p:cNvPr>
@@ -10910,7 +13650,7 @@
           <p:cNvPr id="7" name="TextBox 6">
             <a:extLst>
               <a:ext uri="{FF2B5EF4-FFF2-40B4-BE49-F238E27FC236}">
-                <a16:creationId xmlns:a16="http://schemas.microsoft.com/office/drawing/2014/main" id="{E688FF45-CDEB-2A12-068D-A74CF2FCB54C}"/>
+                <a16:creationId xmlns:a16="http://schemas.microsoft.com/office/drawing/2014/main" id="{EDE745D9-E2F3-4AB3-5916-319F3AD48090}"/>
               </a:ext>
             </a:extLst>
           </p:cNvPr>
@@ -11005,7 +13745,7 @@
           <p:cNvPr id="4" name="Объект 3">
             <a:extLst>
               <a:ext uri="{FF2B5EF4-FFF2-40B4-BE49-F238E27FC236}">
-                <a16:creationId xmlns:a16="http://schemas.microsoft.com/office/drawing/2014/main" id="{870D62DA-EBA6-9A1C-E59C-10B8B817307F}"/>
+                <a16:creationId xmlns:a16="http://schemas.microsoft.com/office/drawing/2014/main" id="{8AA8BA8E-A5DD-2166-1CAA-B6D0DDD47EA6}"/>
               </a:ext>
             </a:extLst>
           </p:cNvPr>
@@ -11023,29 +13763,85 @@
           </a:xfrm>
         </p:spPr>
         <p:txBody>
-          <a:bodyPr/>
+          <a:bodyPr>
+            <a:normAutofit/>
+          </a:bodyPr>
           <a:lstStyle/>
           <a:p>
-            <a:pPr marL="0" indent="0">
-              <a:buNone/>
-            </a:pPr>
+            <a:r>
+              <a:rPr lang="en-US" dirty="0"/>
+              <a:t>MR </a:t>
+            </a:r>
             <a:r>
               <a:rPr lang="ru-RU" dirty="0"/>
-              <a:t>Описание, как он работает  </a:t>
-            </a:r>
-          </a:p>
-          <a:p>
-            <a:pPr marL="0" indent="0">
-              <a:buNone/>
-            </a:pPr>
-            <a:endParaRPr lang="ru-RU" dirty="0"/>
+              <a:t>(англ. </a:t>
+            </a:r>
+            <a:r>
+              <a:rPr lang="en-US" dirty="0"/>
+              <a:t>Merge Request) – </a:t>
+            </a:r>
+            <a:r>
+              <a:rPr lang="ru-RU" dirty="0"/>
+              <a:t>запрос на внесение изменений в репозитории</a:t>
+            </a:r>
+          </a:p>
+          <a:p>
+            <a:r>
+              <a:rPr lang="ru-RU" dirty="0"/>
+              <a:t>УЗ – сокращение от «Учетная запись», пользователь.</a:t>
+            </a:r>
+            <a:endParaRPr lang="en-US" dirty="0"/>
+          </a:p>
+          <a:p>
+            <a:r>
+              <a:rPr lang="en-US" dirty="0"/>
+              <a:t>Kafka - </a:t>
+            </a:r>
+            <a:r>
+              <a:rPr lang="ru-RU" dirty="0"/>
+              <a:t> распределённый</a:t>
+            </a:r>
+            <a:r>
+              <a:rPr lang="en-US" dirty="0"/>
+              <a:t> </a:t>
+            </a:r>
+            <a:r>
+              <a:rPr lang="ru-RU" dirty="0"/>
+              <a:t>программный брокер сообщений</a:t>
+            </a:r>
+            <a:r>
+              <a:rPr lang="en-US" dirty="0"/>
+              <a:t> Apache Kafka</a:t>
+            </a:r>
+            <a:r>
+              <a:rPr lang="en-US" sz="2000" baseline="40000" dirty="0">
+                <a:hlinkClick r:id="rId5"/>
+              </a:rPr>
+              <a:t>[</a:t>
+            </a:r>
+            <a:r>
+              <a:rPr lang="ru-RU" sz="2000" baseline="40000" dirty="0">
+                <a:hlinkClick r:id="rId5"/>
+              </a:rPr>
+              <a:t>1</a:t>
+            </a:r>
+            <a:r>
+              <a:rPr lang="en-US" sz="2000" baseline="40000" dirty="0">
+                <a:hlinkClick r:id="rId5"/>
+              </a:rPr>
+              <a:t>]</a:t>
+            </a:r>
+            <a:r>
+              <a:rPr lang="ru-RU" dirty="0"/>
+              <a:t>.</a:t>
+            </a:r>
           </a:p>
         </p:txBody>
       </p:sp>
     </p:spTree>
     <p:extLst>
       <p:ext uri="{BB962C8B-B14F-4D97-AF65-F5344CB8AC3E}">
-        <p14:creationId xmlns:p14="http://schemas.microsoft.com/office/powerpoint/2010/main" val="243272341"/>
+        <p14:creationId xmlns:p14="http://schemas.microsoft.com/office/powerpoint/2010/main" val="1087721732"/>
       </p:ext>
     </p:extLst>
   </p:cSld>
@@ -11055,7 +13851,7 @@
 </p:sld>
 </file>
 
-<file path=ppt/slides/slide7.xml><?xml version="1.0" encoding="utf-8"?>
+<file path=ppt/slides/slide20.xml><?xml version="1.0" encoding="utf-8"?>
 <p:sld xmlns:a="http://schemas.openxmlformats.org/drawingml/2006/main" xmlns:r="http://schemas.openxmlformats.org/officeDocument/2006/relationships" xmlns:p="http://schemas.openxmlformats.org/presentationml/2006/main">
   <p:cSld>
     <p:spTree>
@@ -11063,7 +13859,7 @@
         <p:cNvPr id="1" name="">
           <a:extLst>
             <a:ext uri="{FF2B5EF4-FFF2-40B4-BE49-F238E27FC236}">
-              <a16:creationId xmlns:a16="http://schemas.microsoft.com/office/drawing/2014/main" id="{2B95ADA9-D43C-BF65-FD09-16D43E9034D3}"/>
+              <a16:creationId xmlns:a16="http://schemas.microsoft.com/office/drawing/2014/main" id="{3D600C76-7F4B-191F-E316-FF6E3232DA61}"/>
             </a:ext>
           </a:extLst>
         </p:cNvPr>
@@ -11083,7 +13879,7 @@
           <p:cNvPr id="3" name="Прямоугольник 2">
             <a:extLst>
               <a:ext uri="{FF2B5EF4-FFF2-40B4-BE49-F238E27FC236}">
-                <a16:creationId xmlns:a16="http://schemas.microsoft.com/office/drawing/2014/main" id="{A688D2E7-B787-3F26-FF31-828C293E4C25}"/>
+                <a16:creationId xmlns:a16="http://schemas.microsoft.com/office/drawing/2014/main" id="{5FB97831-96E0-18E0-0211-53CEA4A2BAA4}"/>
               </a:ext>
             </a:extLst>
           </p:cNvPr>
@@ -11132,7 +13928,7 @@
           <p:cNvPr id="8" name="Title 7">
             <a:extLst>
               <a:ext uri="{FF2B5EF4-FFF2-40B4-BE49-F238E27FC236}">
-                <a16:creationId xmlns:a16="http://schemas.microsoft.com/office/drawing/2014/main" id="{B69513F4-7FD1-E181-BC56-0D38C62CB046}"/>
+                <a16:creationId xmlns:a16="http://schemas.microsoft.com/office/drawing/2014/main" id="{44E2E4E5-1386-7055-1D20-F1101C790163}"/>
               </a:ext>
             </a:extLst>
           </p:cNvPr>
@@ -11155,13 +13951,16 @@
           <a:p>
             <a:r>
               <a:rPr lang="ru-RU" dirty="0"/>
-              <a:t>Механизм создания топика в </a:t>
+              <a:t>Итоги</a:t>
             </a:r>
             <a:r>
               <a:rPr lang="en-US" dirty="0"/>
-              <a:t>Kafka</a:t>
-            </a:r>
-            <a:endParaRPr lang="ru-RU" dirty="0"/>
+              <a:t>. </a:t>
+            </a:r>
+            <a:r>
+              <a:rPr lang="ru-RU" dirty="0"/>
+              <a:t>Процесс до изменений</a:t>
+            </a:r>
           </a:p>
         </p:txBody>
       </p:sp>
@@ -11170,7 +13969,7 @@
           <p:cNvPr id="2" name="Slide Number Placeholder 1">
             <a:extLst>
               <a:ext uri="{FF2B5EF4-FFF2-40B4-BE49-F238E27FC236}">
-                <a16:creationId xmlns:a16="http://schemas.microsoft.com/office/drawing/2014/main" id="{6582B648-EF06-725A-EC95-4A7060F0E720}"/>
+                <a16:creationId xmlns:a16="http://schemas.microsoft.com/office/drawing/2014/main" id="{DA9AA5E5-13B8-8D7E-50AE-668B4B5E6662}"/>
               </a:ext>
             </a:extLst>
           </p:cNvPr>
@@ -11295,7 +14094,7 @@
                 </a:solidFill>
               </a:rPr>
               <a:pPr/>
-              <a:t>7</a:t>
+              <a:t>20</a:t>
             </a:fld>
             <a:endParaRPr lang="ru-RU" dirty="0">
               <a:solidFill>
@@ -11310,7 +14109,7 @@
           <p:cNvPr id="6" name="Рисунок 5">
             <a:extLst>
               <a:ext uri="{FF2B5EF4-FFF2-40B4-BE49-F238E27FC236}">
-                <a16:creationId xmlns:a16="http://schemas.microsoft.com/office/drawing/2014/main" id="{88E1F756-5337-8C96-B26E-B1A9C66C6EAA}"/>
+                <a16:creationId xmlns:a16="http://schemas.microsoft.com/office/drawing/2014/main" id="{EE67148D-CC38-B2C2-D1EC-2F59FC022F8A}"/>
               </a:ext>
             </a:extLst>
           </p:cNvPr>
@@ -11349,7 +14148,7 @@
           <p:cNvPr id="7" name="TextBox 6">
             <a:extLst>
               <a:ext uri="{FF2B5EF4-FFF2-40B4-BE49-F238E27FC236}">
-                <a16:creationId xmlns:a16="http://schemas.microsoft.com/office/drawing/2014/main" id="{E8AE8D6A-4B46-2470-B06D-6DA56277BC6D}"/>
+                <a16:creationId xmlns:a16="http://schemas.microsoft.com/office/drawing/2014/main" id="{CB008F8E-5160-094A-FE40-11DD035833AC}"/>
               </a:ext>
             </a:extLst>
           </p:cNvPr>
@@ -11439,66 +14238,10 @@
           </a:p>
         </p:txBody>
       </p:sp>
-      <p:sp>
-        <p:nvSpPr>
-          <p:cNvPr id="4" name="Объект 3">
-            <a:extLst>
-              <a:ext uri="{FF2B5EF4-FFF2-40B4-BE49-F238E27FC236}">
-                <a16:creationId xmlns:a16="http://schemas.microsoft.com/office/drawing/2014/main" id="{1B621BDD-D965-1EAF-3586-E3CB78CFBB1E}"/>
-              </a:ext>
-            </a:extLst>
-          </p:cNvPr>
-          <p:cNvSpPr>
-            <a:spLocks noGrp="1"/>
-          </p:cNvSpPr>
-          <p:nvPr>
-            <p:ph idx="1"/>
-          </p:nvPr>
-        </p:nvSpPr>
-        <p:spPr>
-          <a:xfrm>
-            <a:off x="838200" y="1933065"/>
-            <a:ext cx="10515600" cy="4243898"/>
-          </a:xfrm>
-        </p:spPr>
-        <p:txBody>
-          <a:bodyPr/>
-          <a:lstStyle/>
-          <a:p>
-            <a:pPr marL="0" indent="0">
-              <a:buNone/>
-            </a:pPr>
-            <a:r>
-              <a:rPr lang="ru-RU" dirty="0"/>
-              <a:t>Описание, как он работает  </a:t>
-            </a:r>
-          </a:p>
-          <a:p>
-            <a:pPr marL="0" indent="0">
-              <a:buNone/>
-            </a:pPr>
-            <a:endParaRPr lang="ru-RU" dirty="0"/>
-          </a:p>
-          <a:p>
-            <a:pPr marL="0" indent="0">
-              <a:buNone/>
-            </a:pPr>
-            <a:r>
-              <a:rPr lang="ru-RU" dirty="0"/>
-              <a:t>Указать, что это должен быть адаптер в </a:t>
-            </a:r>
-            <a:r>
-              <a:rPr lang="en-US" dirty="0"/>
-              <a:t>Ansible.</a:t>
-            </a:r>
-            <a:endParaRPr lang="ru-RU" dirty="0"/>
-          </a:p>
-        </p:txBody>
-      </p:sp>
     </p:spTree>
     <p:extLst>
       <p:ext uri="{BB962C8B-B14F-4D97-AF65-F5344CB8AC3E}">
-        <p14:creationId xmlns:p14="http://schemas.microsoft.com/office/powerpoint/2010/main" val="2573674708"/>
+        <p14:creationId xmlns:p14="http://schemas.microsoft.com/office/powerpoint/2010/main" val="2161353983"/>
       </p:ext>
     </p:extLst>
   </p:cSld>
@@ -11508,7 +14251,7 @@
 </p:sld>
 </file>
 
-<file path=ppt/slides/slide8.xml><?xml version="1.0" encoding="utf-8"?>
+<file path=ppt/slides/slide21.xml><?xml version="1.0" encoding="utf-8"?>
 <p:sld xmlns:a="http://schemas.openxmlformats.org/drawingml/2006/main" xmlns:r="http://schemas.openxmlformats.org/officeDocument/2006/relationships" xmlns:p="http://schemas.openxmlformats.org/presentationml/2006/main">
   <p:cSld>
     <p:spTree>
@@ -11516,7 +14259,7 @@
         <p:cNvPr id="1" name="">
           <a:extLst>
             <a:ext uri="{FF2B5EF4-FFF2-40B4-BE49-F238E27FC236}">
-              <a16:creationId xmlns:a16="http://schemas.microsoft.com/office/drawing/2014/main" id="{A2C2BDF8-C64D-6525-01BE-18478288BDF5}"/>
+              <a16:creationId xmlns:a16="http://schemas.microsoft.com/office/drawing/2014/main" id="{031DFB2B-5728-D55A-063C-9FBA2D19380D}"/>
             </a:ext>
           </a:extLst>
         </p:cNvPr>
@@ -11536,7 +14279,7 @@
           <p:cNvPr id="3" name="Прямоугольник 2">
             <a:extLst>
               <a:ext uri="{FF2B5EF4-FFF2-40B4-BE49-F238E27FC236}">
-                <a16:creationId xmlns:a16="http://schemas.microsoft.com/office/drawing/2014/main" id="{7BC4BAE7-9264-65AD-A25A-FCDBA4C3D243}"/>
+                <a16:creationId xmlns:a16="http://schemas.microsoft.com/office/drawing/2014/main" id="{D9E3FE0E-F0EE-317C-23E0-FF621BD00F52}"/>
               </a:ext>
             </a:extLst>
           </p:cNvPr>
@@ -11585,7 +14328,7 @@
           <p:cNvPr id="8" name="Title 7">
             <a:extLst>
               <a:ext uri="{FF2B5EF4-FFF2-40B4-BE49-F238E27FC236}">
-                <a16:creationId xmlns:a16="http://schemas.microsoft.com/office/drawing/2014/main" id="{D9365F76-EE88-8451-2AF2-BBCCBD14DC43}"/>
+                <a16:creationId xmlns:a16="http://schemas.microsoft.com/office/drawing/2014/main" id="{3F98E801-4166-70BA-8F9B-EB95A9D1FEAC}"/>
               </a:ext>
             </a:extLst>
           </p:cNvPr>
@@ -11608,7 +14351,7 @@
           <a:p>
             <a:r>
               <a:rPr lang="ru-RU" dirty="0"/>
-              <a:t>Механизм генерации конфигурационного файла коллектора.</a:t>
+              <a:t>Итоги. Процесс после изменений</a:t>
             </a:r>
           </a:p>
         </p:txBody>
@@ -11618,7 +14361,7 @@
           <p:cNvPr id="2" name="Slide Number Placeholder 1">
             <a:extLst>
               <a:ext uri="{FF2B5EF4-FFF2-40B4-BE49-F238E27FC236}">
-                <a16:creationId xmlns:a16="http://schemas.microsoft.com/office/drawing/2014/main" id="{989204AA-65AC-CAF6-B160-6408CC33033A}"/>
+                <a16:creationId xmlns:a16="http://schemas.microsoft.com/office/drawing/2014/main" id="{E8AA186B-0ACD-F8E7-17A7-5D6B571E7721}"/>
               </a:ext>
             </a:extLst>
           </p:cNvPr>
@@ -11743,7 +14486,7 @@
                 </a:solidFill>
               </a:rPr>
               <a:pPr/>
-              <a:t>8</a:t>
+              <a:t>21</a:t>
             </a:fld>
             <a:endParaRPr lang="ru-RU" dirty="0">
               <a:solidFill>
@@ -11758,7 +14501,7 @@
           <p:cNvPr id="6" name="Рисунок 5">
             <a:extLst>
               <a:ext uri="{FF2B5EF4-FFF2-40B4-BE49-F238E27FC236}">
-                <a16:creationId xmlns:a16="http://schemas.microsoft.com/office/drawing/2014/main" id="{96329326-FA7C-EC76-3713-7CA8BFCDF64B}"/>
+                <a16:creationId xmlns:a16="http://schemas.microsoft.com/office/drawing/2014/main" id="{9F02A2E9-7A13-59C4-167E-4E374B9A148F}"/>
               </a:ext>
             </a:extLst>
           </p:cNvPr>
@@ -11797,7 +14540,7 @@
           <p:cNvPr id="7" name="TextBox 6">
             <a:extLst>
               <a:ext uri="{FF2B5EF4-FFF2-40B4-BE49-F238E27FC236}">
-                <a16:creationId xmlns:a16="http://schemas.microsoft.com/office/drawing/2014/main" id="{1410A8F5-D038-4791-6BDD-B75423F1C2A3}"/>
+                <a16:creationId xmlns:a16="http://schemas.microsoft.com/office/drawing/2014/main" id="{6E010297-E3AE-6516-D4E8-EFDE8B8363B1}"/>
               </a:ext>
             </a:extLst>
           </p:cNvPr>
@@ -11887,78 +14630,10 @@
           </a:p>
         </p:txBody>
       </p:sp>
-      <p:sp>
-        <p:nvSpPr>
-          <p:cNvPr id="4" name="Объект 3">
-            <a:extLst>
-              <a:ext uri="{FF2B5EF4-FFF2-40B4-BE49-F238E27FC236}">
-                <a16:creationId xmlns:a16="http://schemas.microsoft.com/office/drawing/2014/main" id="{46798DC6-D9AE-8E9D-9377-6B0BF1F6785E}"/>
-              </a:ext>
-            </a:extLst>
-          </p:cNvPr>
-          <p:cNvSpPr>
-            <a:spLocks noGrp="1"/>
-          </p:cNvSpPr>
-          <p:nvPr>
-            <p:ph idx="1"/>
-          </p:nvPr>
-        </p:nvSpPr>
-        <p:spPr>
-          <a:xfrm>
-            <a:off x="838200" y="1933065"/>
-            <a:ext cx="10515600" cy="4243898"/>
-          </a:xfrm>
-        </p:spPr>
-        <p:txBody>
-          <a:bodyPr/>
-          <a:lstStyle/>
-          <a:p>
-            <a:pPr marL="0" indent="0">
-              <a:buNone/>
-            </a:pPr>
-            <a:r>
-              <a:rPr lang="ru-RU" dirty="0"/>
-              <a:t>Используем </a:t>
-            </a:r>
-            <a:r>
-              <a:rPr lang="en-US" dirty="0"/>
-              <a:t>Ansible + Jinja,</a:t>
-            </a:r>
-            <a:r>
-              <a:rPr lang="ru-RU" dirty="0"/>
-              <a:t> но продумать абстракции так, чтобы не зависеть от используемого ПО </a:t>
-            </a:r>
-            <a:r>
-              <a:rPr lang="en-US" dirty="0"/>
-              <a:t>(</a:t>
-            </a:r>
-            <a:r>
-              <a:rPr lang="en-US" dirty="0" err="1"/>
-              <a:t>filebeat</a:t>
-            </a:r>
-            <a:r>
-              <a:rPr lang="en-US" dirty="0"/>
-              <a:t>, vector, </a:t>
-            </a:r>
-            <a:r>
-              <a:rPr lang="en-US" dirty="0" err="1"/>
-              <a:t>logstash</a:t>
-            </a:r>
-            <a:r>
-              <a:rPr lang="en-US" dirty="0"/>
-              <a:t>)</a:t>
-            </a:r>
-            <a:r>
-              <a:rPr lang="ru-RU" dirty="0"/>
-              <a:t> </a:t>
-            </a:r>
-          </a:p>
-        </p:txBody>
-      </p:sp>
     </p:spTree>
     <p:extLst>
       <p:ext uri="{BB962C8B-B14F-4D97-AF65-F5344CB8AC3E}">
-        <p14:creationId xmlns:p14="http://schemas.microsoft.com/office/powerpoint/2010/main" val="3033937702"/>
+        <p14:creationId xmlns:p14="http://schemas.microsoft.com/office/powerpoint/2010/main" val="330924546"/>
       </p:ext>
     </p:extLst>
   </p:cSld>
@@ -11968,7 +14643,7 @@
 </p:sld>
 </file>
 
-<file path=ppt/slides/slide9.xml><?xml version="1.0" encoding="utf-8"?>
+<file path=ppt/slides/slide22.xml><?xml version="1.0" encoding="utf-8"?>
 <p:sld xmlns:a="http://schemas.openxmlformats.org/drawingml/2006/main" xmlns:r="http://schemas.openxmlformats.org/officeDocument/2006/relationships" xmlns:p="http://schemas.openxmlformats.org/presentationml/2006/main">
   <p:cSld>
     <p:spTree>
@@ -11976,7 +14651,7 @@
         <p:cNvPr id="1" name="">
           <a:extLst>
             <a:ext uri="{FF2B5EF4-FFF2-40B4-BE49-F238E27FC236}">
-              <a16:creationId xmlns:a16="http://schemas.microsoft.com/office/drawing/2014/main" id="{4E1AA934-6EAB-F519-09FF-D715E3400274}"/>
+              <a16:creationId xmlns:a16="http://schemas.microsoft.com/office/drawing/2014/main" id="{42407E5F-3633-219D-BC25-7ED33BA41D17}"/>
             </a:ext>
           </a:extLst>
         </p:cNvPr>
@@ -11996,7 +14671,7 @@
           <p:cNvPr id="3" name="Прямоугольник 2">
             <a:extLst>
               <a:ext uri="{FF2B5EF4-FFF2-40B4-BE49-F238E27FC236}">
-                <a16:creationId xmlns:a16="http://schemas.microsoft.com/office/drawing/2014/main" id="{E775B8D8-0A50-B501-F232-40C9223F8D45}"/>
+                <a16:creationId xmlns:a16="http://schemas.microsoft.com/office/drawing/2014/main" id="{2B13BCD1-B005-4BA7-696E-464F2919D7D0}"/>
               </a:ext>
             </a:extLst>
           </p:cNvPr>
@@ -12042,43 +14717,10 @@
       </p:sp>
       <p:sp>
         <p:nvSpPr>
-          <p:cNvPr id="8" name="Title 7">
-            <a:extLst>
-              <a:ext uri="{FF2B5EF4-FFF2-40B4-BE49-F238E27FC236}">
-                <a16:creationId xmlns:a16="http://schemas.microsoft.com/office/drawing/2014/main" id="{49618643-A540-A59F-1375-8D4394E3B27E}"/>
-              </a:ext>
-            </a:extLst>
-          </p:cNvPr>
-          <p:cNvSpPr>
-            <a:spLocks noGrp="1"/>
-          </p:cNvSpPr>
-          <p:nvPr>
-            <p:ph type="title"/>
-          </p:nvPr>
-        </p:nvSpPr>
-        <p:spPr>
-          <a:xfrm>
-            <a:off x="838200" y="630572"/>
-            <a:ext cx="10515600" cy="1325563"/>
-          </a:xfrm>
-        </p:spPr>
-        <p:txBody>
-          <a:bodyPr/>
-          <a:lstStyle/>
-          <a:p>
-            <a:r>
-              <a:rPr lang="ru-RU" dirty="0"/>
-              <a:t>Механизм генерации конфигурационного файла коллектора.</a:t>
-            </a:r>
-          </a:p>
-        </p:txBody>
-      </p:sp>
-      <p:sp>
-        <p:nvSpPr>
           <p:cNvPr id="2" name="Slide Number Placeholder 1">
             <a:extLst>
               <a:ext uri="{FF2B5EF4-FFF2-40B4-BE49-F238E27FC236}">
-                <a16:creationId xmlns:a16="http://schemas.microsoft.com/office/drawing/2014/main" id="{550C7781-6282-4015-3376-AC3A1C2D4672}"/>
+                <a16:creationId xmlns:a16="http://schemas.microsoft.com/office/drawing/2014/main" id="{4AA1C996-9FEA-ADC9-512B-C37E79319704}"/>
               </a:ext>
             </a:extLst>
           </p:cNvPr>
@@ -12203,7 +14845,7 @@
                 </a:solidFill>
               </a:rPr>
               <a:pPr/>
-              <a:t>9</a:t>
+              <a:t>22</a:t>
             </a:fld>
             <a:endParaRPr lang="ru-RU" dirty="0">
               <a:solidFill>
@@ -12218,7 +14860,7 @@
           <p:cNvPr id="6" name="Рисунок 5">
             <a:extLst>
               <a:ext uri="{FF2B5EF4-FFF2-40B4-BE49-F238E27FC236}">
-                <a16:creationId xmlns:a16="http://schemas.microsoft.com/office/drawing/2014/main" id="{82DA718E-38A6-E843-FA90-8D992EDFCD4B}"/>
+                <a16:creationId xmlns:a16="http://schemas.microsoft.com/office/drawing/2014/main" id="{A39D277B-FF85-E9EE-A418-2245A3EADC0E}"/>
               </a:ext>
             </a:extLst>
           </p:cNvPr>
@@ -12257,7 +14899,7 @@
           <p:cNvPr id="7" name="TextBox 6">
             <a:extLst>
               <a:ext uri="{FF2B5EF4-FFF2-40B4-BE49-F238E27FC236}">
-                <a16:creationId xmlns:a16="http://schemas.microsoft.com/office/drawing/2014/main" id="{76544203-C6E5-E00D-1E0A-BFB007E857C4}"/>
+                <a16:creationId xmlns:a16="http://schemas.microsoft.com/office/drawing/2014/main" id="{76BB2BC9-FA32-9FFE-4BEF-0A8C76333E2C}"/>
               </a:ext>
             </a:extLst>
           </p:cNvPr>
@@ -12349,10 +14991,2261 @@
       </p:sp>
       <p:sp>
         <p:nvSpPr>
-          <p:cNvPr id="4" name="Объект 3">
-            <a:extLst>
-              <a:ext uri="{FF2B5EF4-FFF2-40B4-BE49-F238E27FC236}">
-                <a16:creationId xmlns:a16="http://schemas.microsoft.com/office/drawing/2014/main" id="{5FB50D01-CC9C-96CC-49BD-333ADB64DD6A}"/>
+          <p:cNvPr id="5" name="Заголовок 4">
+            <a:extLst>
+              <a:ext uri="{FF2B5EF4-FFF2-40B4-BE49-F238E27FC236}">
+                <a16:creationId xmlns:a16="http://schemas.microsoft.com/office/drawing/2014/main" id="{5326E919-2691-1421-ED48-EE4689A35FB2}"/>
+              </a:ext>
+            </a:extLst>
+          </p:cNvPr>
+          <p:cNvSpPr>
+            <a:spLocks noGrp="1"/>
+          </p:cNvSpPr>
+          <p:nvPr>
+            <p:ph type="title"/>
+          </p:nvPr>
+        </p:nvSpPr>
+        <p:spPr>
+          <a:xfrm>
+            <a:off x="903595" y="2766218"/>
+            <a:ext cx="10515600" cy="1325563"/>
+          </a:xfrm>
+        </p:spPr>
+        <p:txBody>
+          <a:bodyPr>
+            <a:normAutofit/>
+          </a:bodyPr>
+          <a:lstStyle/>
+          <a:p>
+            <a:pPr algn="ctr"/>
+            <a:r>
+              <a:rPr lang="ru-RU" sz="5400" dirty="0"/>
+              <a:t>Спасибо за внимание!</a:t>
+            </a:r>
+          </a:p>
+        </p:txBody>
+      </p:sp>
+    </p:spTree>
+    <p:extLst>
+      <p:ext uri="{BB962C8B-B14F-4D97-AF65-F5344CB8AC3E}">
+        <p14:creationId xmlns:p14="http://schemas.microsoft.com/office/powerpoint/2010/main" val="822627210"/>
+      </p:ext>
+    </p:extLst>
+  </p:cSld>
+  <p:clrMapOvr>
+    <a:masterClrMapping/>
+  </p:clrMapOvr>
+</p:sld>
+</file>
+
+<file path=ppt/slides/slide3.xml><?xml version="1.0" encoding="utf-8"?>
+<p:sld xmlns:a="http://schemas.openxmlformats.org/drawingml/2006/main" xmlns:r="http://schemas.openxmlformats.org/officeDocument/2006/relationships" xmlns:p="http://schemas.openxmlformats.org/presentationml/2006/main">
+  <p:cSld>
+    <p:spTree>
+      <p:nvGrpSpPr>
+        <p:cNvPr id="1" name="">
+          <a:extLst>
+            <a:ext uri="{FF2B5EF4-FFF2-40B4-BE49-F238E27FC236}">
+              <a16:creationId xmlns:a16="http://schemas.microsoft.com/office/drawing/2014/main" id="{A85DE600-620E-A490-A194-F0058749075D}"/>
+            </a:ext>
+          </a:extLst>
+        </p:cNvPr>
+        <p:cNvGrpSpPr/>
+        <p:nvPr/>
+      </p:nvGrpSpPr>
+      <p:grpSpPr>
+        <a:xfrm>
+          <a:off x="0" y="0"/>
+          <a:ext cx="0" cy="0"/>
+          <a:chOff x="0" y="0"/>
+          <a:chExt cx="0" cy="0"/>
+        </a:xfrm>
+      </p:grpSpPr>
+      <p:sp>
+        <p:nvSpPr>
+          <p:cNvPr id="3" name="Прямоугольник 2">
+            <a:extLst>
+              <a:ext uri="{FF2B5EF4-FFF2-40B4-BE49-F238E27FC236}">
+                <a16:creationId xmlns:a16="http://schemas.microsoft.com/office/drawing/2014/main" id="{D348535F-D440-4B43-4B92-879C50717AA4}"/>
+              </a:ext>
+            </a:extLst>
+          </p:cNvPr>
+          <p:cNvSpPr/>
+          <p:nvPr/>
+        </p:nvSpPr>
+        <p:spPr>
+          <a:xfrm>
+            <a:off x="0" y="266377"/>
+            <a:ext cx="903595" cy="364195"/>
+          </a:xfrm>
+          <a:prstGeom prst="rect">
+            <a:avLst/>
+          </a:prstGeom>
+          <a:ln>
+            <a:noFill/>
+          </a:ln>
+        </p:spPr>
+        <p:style>
+          <a:lnRef idx="2">
+            <a:schemeClr val="accent1">
+              <a:shade val="50000"/>
+            </a:schemeClr>
+          </a:lnRef>
+          <a:fillRef idx="1">
+            <a:schemeClr val="accent1"/>
+          </a:fillRef>
+          <a:effectRef idx="0">
+            <a:schemeClr val="accent1"/>
+          </a:effectRef>
+          <a:fontRef idx="minor">
+            <a:schemeClr val="lt1"/>
+          </a:fontRef>
+        </p:style>
+        <p:txBody>
+          <a:bodyPr rtlCol="0" anchor="ctr"/>
+          <a:lstStyle/>
+          <a:p>
+            <a:pPr algn="ctr"/>
+            <a:endParaRPr lang="ru-RU"/>
+          </a:p>
+        </p:txBody>
+      </p:sp>
+      <p:sp>
+        <p:nvSpPr>
+          <p:cNvPr id="8" name="Title 7">
+            <a:extLst>
+              <a:ext uri="{FF2B5EF4-FFF2-40B4-BE49-F238E27FC236}">
+                <a16:creationId xmlns:a16="http://schemas.microsoft.com/office/drawing/2014/main" id="{7B0A820F-6BB6-97C6-D078-5E66498BCF40}"/>
+              </a:ext>
+            </a:extLst>
+          </p:cNvPr>
+          <p:cNvSpPr>
+            <a:spLocks noGrp="1"/>
+          </p:cNvSpPr>
+          <p:nvPr>
+            <p:ph type="title"/>
+          </p:nvPr>
+        </p:nvSpPr>
+        <p:spPr>
+          <a:xfrm>
+            <a:off x="838200" y="630572"/>
+            <a:ext cx="10515600" cy="1325563"/>
+          </a:xfrm>
+        </p:spPr>
+        <p:txBody>
+          <a:bodyPr/>
+          <a:lstStyle/>
+          <a:p>
+            <a:r>
+              <a:rPr lang="ru-RU" dirty="0"/>
+              <a:t>Предметная область</a:t>
+            </a:r>
+          </a:p>
+        </p:txBody>
+      </p:sp>
+      <p:sp>
+        <p:nvSpPr>
+          <p:cNvPr id="2" name="Slide Number Placeholder 1">
+            <a:extLst>
+              <a:ext uri="{FF2B5EF4-FFF2-40B4-BE49-F238E27FC236}">
+                <a16:creationId xmlns:a16="http://schemas.microsoft.com/office/drawing/2014/main" id="{7D596330-E185-E215-6A5A-18424ECCEEA1}"/>
+              </a:ext>
+            </a:extLst>
+          </p:cNvPr>
+          <p:cNvSpPr txBox="1">
+            <a:spLocks/>
+          </p:cNvSpPr>
+          <p:nvPr/>
+        </p:nvSpPr>
+        <p:spPr>
+          <a:xfrm>
+            <a:off x="165463" y="266377"/>
+            <a:ext cx="738132" cy="364195"/>
+          </a:xfrm>
+          <a:prstGeom prst="rect">
+            <a:avLst/>
+          </a:prstGeom>
+        </p:spPr>
+        <p:txBody>
+          <a:bodyPr vert="horz" lIns="91440" tIns="45720" rIns="91440" bIns="45720" rtlCol="0" anchor="ctr"/>
+          <a:lstStyle>
+            <a:defPPr>
+              <a:defRPr lang="ru-RU"/>
+            </a:defPPr>
+            <a:lvl1pPr marL="0" algn="r" defTabSz="914400" rtl="0" eaLnBrk="1" latinLnBrk="0" hangingPunct="1">
+              <a:defRPr sz="1200" kern="1200">
+                <a:solidFill>
+                  <a:schemeClr val="tx1">
+                    <a:tint val="75000"/>
+                  </a:schemeClr>
+                </a:solidFill>
+                <a:latin typeface="+mn-lt"/>
+                <a:ea typeface="+mn-ea"/>
+                <a:cs typeface="+mn-cs"/>
+              </a:defRPr>
+            </a:lvl1pPr>
+            <a:lvl2pPr marL="457200" algn="l" defTabSz="914400" rtl="0" eaLnBrk="1" latinLnBrk="0" hangingPunct="1">
+              <a:defRPr sz="1800" kern="1200">
+                <a:solidFill>
+                  <a:schemeClr val="tx1"/>
+                </a:solidFill>
+                <a:latin typeface="+mn-lt"/>
+                <a:ea typeface="+mn-ea"/>
+                <a:cs typeface="+mn-cs"/>
+              </a:defRPr>
+            </a:lvl2pPr>
+            <a:lvl3pPr marL="914400" algn="l" defTabSz="914400" rtl="0" eaLnBrk="1" latinLnBrk="0" hangingPunct="1">
+              <a:defRPr sz="1800" kern="1200">
+                <a:solidFill>
+                  <a:schemeClr val="tx1"/>
+                </a:solidFill>
+                <a:latin typeface="+mn-lt"/>
+                <a:ea typeface="+mn-ea"/>
+                <a:cs typeface="+mn-cs"/>
+              </a:defRPr>
+            </a:lvl3pPr>
+            <a:lvl4pPr marL="1371600" algn="l" defTabSz="914400" rtl="0" eaLnBrk="1" latinLnBrk="0" hangingPunct="1">
+              <a:defRPr sz="1800" kern="1200">
+                <a:solidFill>
+                  <a:schemeClr val="tx1"/>
+                </a:solidFill>
+                <a:latin typeface="+mn-lt"/>
+                <a:ea typeface="+mn-ea"/>
+                <a:cs typeface="+mn-cs"/>
+              </a:defRPr>
+            </a:lvl4pPr>
+            <a:lvl5pPr marL="1828800" algn="l" defTabSz="914400" rtl="0" eaLnBrk="1" latinLnBrk="0" hangingPunct="1">
+              <a:defRPr sz="1800" kern="1200">
+                <a:solidFill>
+                  <a:schemeClr val="tx1"/>
+                </a:solidFill>
+                <a:latin typeface="+mn-lt"/>
+                <a:ea typeface="+mn-ea"/>
+                <a:cs typeface="+mn-cs"/>
+              </a:defRPr>
+            </a:lvl5pPr>
+            <a:lvl6pPr marL="2286000" algn="l" defTabSz="914400" rtl="0" eaLnBrk="1" latinLnBrk="0" hangingPunct="1">
+              <a:defRPr sz="1800" kern="1200">
+                <a:solidFill>
+                  <a:schemeClr val="tx1"/>
+                </a:solidFill>
+                <a:latin typeface="+mn-lt"/>
+                <a:ea typeface="+mn-ea"/>
+                <a:cs typeface="+mn-cs"/>
+              </a:defRPr>
+            </a:lvl6pPr>
+            <a:lvl7pPr marL="2743200" algn="l" defTabSz="914400" rtl="0" eaLnBrk="1" latinLnBrk="0" hangingPunct="1">
+              <a:defRPr sz="1800" kern="1200">
+                <a:solidFill>
+                  <a:schemeClr val="tx1"/>
+                </a:solidFill>
+                <a:latin typeface="+mn-lt"/>
+                <a:ea typeface="+mn-ea"/>
+                <a:cs typeface="+mn-cs"/>
+              </a:defRPr>
+            </a:lvl7pPr>
+            <a:lvl8pPr marL="3200400" algn="l" defTabSz="914400" rtl="0" eaLnBrk="1" latinLnBrk="0" hangingPunct="1">
+              <a:defRPr sz="1800" kern="1200">
+                <a:solidFill>
+                  <a:schemeClr val="tx1"/>
+                </a:solidFill>
+                <a:latin typeface="+mn-lt"/>
+                <a:ea typeface="+mn-ea"/>
+                <a:cs typeface="+mn-cs"/>
+              </a:defRPr>
+            </a:lvl8pPr>
+            <a:lvl9pPr marL="3657600" algn="l" defTabSz="914400" rtl="0" eaLnBrk="1" latinLnBrk="0" hangingPunct="1">
+              <a:defRPr sz="1800" kern="1200">
+                <a:solidFill>
+                  <a:schemeClr val="tx1"/>
+                </a:solidFill>
+                <a:latin typeface="+mn-lt"/>
+                <a:ea typeface="+mn-ea"/>
+                <a:cs typeface="+mn-cs"/>
+              </a:defRPr>
+            </a:lvl9pPr>
+          </a:lstStyle>
+          <a:p>
+            <a:fld id="{73D4391C-B8C0-B24A-A837-316267417444}" type="slidenum">
+              <a:rPr lang="ru-RU" smtClean="0">
+                <a:solidFill>
+                  <a:schemeClr val="bg1"/>
+                </a:solidFill>
+              </a:rPr>
+              <a:pPr/>
+              <a:t>3</a:t>
+            </a:fld>
+            <a:endParaRPr lang="ru-RU" dirty="0">
+              <a:solidFill>
+                <a:schemeClr val="bg1"/>
+              </a:solidFill>
+            </a:endParaRPr>
+          </a:p>
+        </p:txBody>
+      </p:sp>
+      <p:pic>
+        <p:nvPicPr>
+          <p:cNvPr id="6" name="Рисунок 5">
+            <a:extLst>
+              <a:ext uri="{FF2B5EF4-FFF2-40B4-BE49-F238E27FC236}">
+                <a16:creationId xmlns:a16="http://schemas.microsoft.com/office/drawing/2014/main" id="{722DC729-B2C4-22CA-6C60-9B94075571AB}"/>
+              </a:ext>
+            </a:extLst>
+          </p:cNvPr>
+          <p:cNvPicPr>
+            <a:picLocks noChangeAspect="1"/>
+          </p:cNvPicPr>
+          <p:nvPr/>
+        </p:nvPicPr>
+        <p:blipFill>
+          <a:blip r:embed="rId3" cstate="print">
+            <a:extLst>
+              <a:ext uri="{28A0092B-C50C-407E-A947-70E740481C1C}">
+                <a14:useLocalDpi xmlns:a14="http://schemas.microsoft.com/office/drawing/2010/main" val="0"/>
+              </a:ext>
+              <a:ext uri="{96DAC541-7B7A-43D3-8B79-37D633B846F1}">
+                <asvg:svgBlip xmlns:asvg="http://schemas.microsoft.com/office/drawing/2016/SVG/main" r:embed="rId4"/>
+              </a:ext>
+            </a:extLst>
+          </a:blip>
+          <a:stretch>
+            <a:fillRect/>
+          </a:stretch>
+        </p:blipFill>
+        <p:spPr>
+          <a:xfrm>
+            <a:off x="9099532" y="-197635"/>
+            <a:ext cx="2166695" cy="1666688"/>
+          </a:xfrm>
+          <a:prstGeom prst="rect">
+            <a:avLst/>
+          </a:prstGeom>
+        </p:spPr>
+      </p:pic>
+      <p:sp>
+        <p:nvSpPr>
+          <p:cNvPr id="7" name="TextBox 6">
+            <a:extLst>
+              <a:ext uri="{FF2B5EF4-FFF2-40B4-BE49-F238E27FC236}">
+                <a16:creationId xmlns:a16="http://schemas.microsoft.com/office/drawing/2014/main" id="{9E4491B3-CECF-075A-EDF4-43D5B4675988}"/>
+              </a:ext>
+            </a:extLst>
+          </p:cNvPr>
+          <p:cNvSpPr txBox="1"/>
+          <p:nvPr/>
+        </p:nvSpPr>
+        <p:spPr>
+          <a:xfrm>
+            <a:off x="10599762" y="266377"/>
+            <a:ext cx="2083558" cy="738664"/>
+          </a:xfrm>
+          <a:prstGeom prst="rect">
+            <a:avLst/>
+          </a:prstGeom>
+          <a:noFill/>
+        </p:spPr>
+        <p:txBody>
+          <a:bodyPr wrap="square" rtlCol="0">
+            <a:spAutoFit/>
+          </a:bodyPr>
+          <a:lstStyle/>
+          <a:p>
+            <a:r>
+              <a:rPr lang="ru-RU" sz="1050" dirty="0">
+                <a:solidFill>
+                  <a:schemeClr val="bg1">
+                    <a:lumMod val="75000"/>
+                  </a:schemeClr>
+                </a:solidFill>
+                <a:latin typeface="Arial" panose="020B0604020202020204" pitchFamily="34" charset="0"/>
+                <a:cs typeface="Arial" panose="020B0604020202020204" pitchFamily="34" charset="0"/>
+              </a:rPr>
+              <a:t>Томский</a:t>
+            </a:r>
+          </a:p>
+          <a:p>
+            <a:r>
+              <a:rPr lang="ru-RU" sz="1050" dirty="0">
+                <a:solidFill>
+                  <a:schemeClr val="bg1">
+                    <a:lumMod val="75000"/>
+                  </a:schemeClr>
+                </a:solidFill>
+                <a:latin typeface="Arial" panose="020B0604020202020204" pitchFamily="34" charset="0"/>
+                <a:cs typeface="Arial" panose="020B0604020202020204" pitchFamily="34" charset="0"/>
+              </a:rPr>
+              <a:t>Государственный университет</a:t>
+            </a:r>
+          </a:p>
+          <a:p>
+            <a:r>
+              <a:rPr lang="ru-RU" sz="1050" dirty="0">
+                <a:solidFill>
+                  <a:schemeClr val="bg1">
+                    <a:lumMod val="75000"/>
+                  </a:schemeClr>
+                </a:solidFill>
+                <a:latin typeface="Arial" panose="020B0604020202020204" pitchFamily="34" charset="0"/>
+                <a:cs typeface="Arial" panose="020B0604020202020204" pitchFamily="34" charset="0"/>
+              </a:rPr>
+              <a:t>Высшая </a:t>
+            </a:r>
+            <a:r>
+              <a:rPr lang="en-US" sz="1050" dirty="0">
+                <a:solidFill>
+                  <a:schemeClr val="bg1">
+                    <a:lumMod val="75000"/>
+                  </a:schemeClr>
+                </a:solidFill>
+                <a:latin typeface="Arial" panose="020B0604020202020204" pitchFamily="34" charset="0"/>
+                <a:cs typeface="Arial" panose="020B0604020202020204" pitchFamily="34" charset="0"/>
+              </a:rPr>
+              <a:t>IT </a:t>
+            </a:r>
+            <a:r>
+              <a:rPr lang="ru-RU" sz="1050" dirty="0">
+                <a:solidFill>
+                  <a:schemeClr val="bg1">
+                    <a:lumMod val="75000"/>
+                  </a:schemeClr>
+                </a:solidFill>
+                <a:latin typeface="Arial" panose="020B0604020202020204" pitchFamily="34" charset="0"/>
+                <a:cs typeface="Arial" panose="020B0604020202020204" pitchFamily="34" charset="0"/>
+              </a:rPr>
+              <a:t>Школа</a:t>
+            </a:r>
+          </a:p>
+        </p:txBody>
+      </p:sp>
+      <p:pic>
+        <p:nvPicPr>
+          <p:cNvPr id="1026" name="Picture 2">
+            <a:extLst>
+              <a:ext uri="{FF2B5EF4-FFF2-40B4-BE49-F238E27FC236}">
+                <a16:creationId xmlns:a16="http://schemas.microsoft.com/office/drawing/2014/main" id="{F77D953C-B573-D51A-1579-35F9C0BF6CB9}"/>
+              </a:ext>
+            </a:extLst>
+          </p:cNvPr>
+          <p:cNvPicPr>
+            <a:picLocks noChangeAspect="1" noChangeArrowheads="1"/>
+          </p:cNvPicPr>
+          <p:nvPr/>
+        </p:nvPicPr>
+        <p:blipFill>
+          <a:blip r:embed="rId5">
+            <a:extLst>
+              <a:ext uri="{28A0092B-C50C-407E-A947-70E740481C1C}">
+                <a14:useLocalDpi xmlns:a14="http://schemas.microsoft.com/office/drawing/2010/main" val="0"/>
+              </a:ext>
+            </a:extLst>
+          </a:blip>
+          <a:srcRect/>
+          <a:stretch>
+            <a:fillRect/>
+          </a:stretch>
+        </p:blipFill>
+        <p:spPr bwMode="auto">
+          <a:xfrm>
+            <a:off x="400805" y="1618038"/>
+            <a:ext cx="11390390" cy="5106959"/>
+          </a:xfrm>
+          <a:prstGeom prst="rect">
+            <a:avLst/>
+          </a:prstGeom>
+          <a:noFill/>
+          <a:extLst>
+            <a:ext uri="{909E8E84-426E-40DD-AFC4-6F175D3DCCD1}">
+              <a14:hiddenFill xmlns:a14="http://schemas.microsoft.com/office/drawing/2010/main">
+                <a:solidFill>
+                  <a:srgbClr val="FFFFFF"/>
+                </a:solidFill>
+              </a14:hiddenFill>
+            </a:ext>
+          </a:extLst>
+        </p:spPr>
+      </p:pic>
+    </p:spTree>
+    <p:extLst>
+      <p:ext uri="{BB962C8B-B14F-4D97-AF65-F5344CB8AC3E}">
+        <p14:creationId xmlns:p14="http://schemas.microsoft.com/office/powerpoint/2010/main" val="3213086761"/>
+      </p:ext>
+    </p:extLst>
+  </p:cSld>
+  <p:clrMapOvr>
+    <a:masterClrMapping/>
+  </p:clrMapOvr>
+</p:sld>
+</file>
+
+<file path=ppt/slides/slide4.xml><?xml version="1.0" encoding="utf-8"?>
+<p:sld xmlns:a="http://schemas.openxmlformats.org/drawingml/2006/main" xmlns:r="http://schemas.openxmlformats.org/officeDocument/2006/relationships" xmlns:p="http://schemas.openxmlformats.org/presentationml/2006/main">
+  <p:cSld>
+    <p:spTree>
+      <p:nvGrpSpPr>
+        <p:cNvPr id="1" name="">
+          <a:extLst>
+            <a:ext uri="{FF2B5EF4-FFF2-40B4-BE49-F238E27FC236}">
+              <a16:creationId xmlns:a16="http://schemas.microsoft.com/office/drawing/2014/main" id="{11EE1D1B-DAD0-03C6-CAF2-043FD17450A2}"/>
+            </a:ext>
+          </a:extLst>
+        </p:cNvPr>
+        <p:cNvGrpSpPr/>
+        <p:nvPr/>
+      </p:nvGrpSpPr>
+      <p:grpSpPr>
+        <a:xfrm>
+          <a:off x="0" y="0"/>
+          <a:ext cx="0" cy="0"/>
+          <a:chOff x="0" y="0"/>
+          <a:chExt cx="0" cy="0"/>
+        </a:xfrm>
+      </p:grpSpPr>
+      <p:sp>
+        <p:nvSpPr>
+          <p:cNvPr id="3" name="Прямоугольник 2">
+            <a:extLst>
+              <a:ext uri="{FF2B5EF4-FFF2-40B4-BE49-F238E27FC236}">
+                <a16:creationId xmlns:a16="http://schemas.microsoft.com/office/drawing/2014/main" id="{FDDEB71B-042D-6374-082C-E0A45E66703A}"/>
+              </a:ext>
+            </a:extLst>
+          </p:cNvPr>
+          <p:cNvSpPr/>
+          <p:nvPr/>
+        </p:nvSpPr>
+        <p:spPr>
+          <a:xfrm>
+            <a:off x="0" y="266377"/>
+            <a:ext cx="903595" cy="364195"/>
+          </a:xfrm>
+          <a:prstGeom prst="rect">
+            <a:avLst/>
+          </a:prstGeom>
+          <a:ln>
+            <a:noFill/>
+          </a:ln>
+        </p:spPr>
+        <p:style>
+          <a:lnRef idx="2">
+            <a:schemeClr val="accent1">
+              <a:shade val="50000"/>
+            </a:schemeClr>
+          </a:lnRef>
+          <a:fillRef idx="1">
+            <a:schemeClr val="accent1"/>
+          </a:fillRef>
+          <a:effectRef idx="0">
+            <a:schemeClr val="accent1"/>
+          </a:effectRef>
+          <a:fontRef idx="minor">
+            <a:schemeClr val="lt1"/>
+          </a:fontRef>
+        </p:style>
+        <p:txBody>
+          <a:bodyPr rtlCol="0" anchor="ctr"/>
+          <a:lstStyle/>
+          <a:p>
+            <a:pPr algn="ctr"/>
+            <a:endParaRPr lang="ru-RU"/>
+          </a:p>
+        </p:txBody>
+      </p:sp>
+      <p:sp>
+        <p:nvSpPr>
+          <p:cNvPr id="8" name="Title 7">
+            <a:extLst>
+              <a:ext uri="{FF2B5EF4-FFF2-40B4-BE49-F238E27FC236}">
+                <a16:creationId xmlns:a16="http://schemas.microsoft.com/office/drawing/2014/main" id="{783A7784-BC00-EE55-4742-75A6097D2D6D}"/>
+              </a:ext>
+            </a:extLst>
+          </p:cNvPr>
+          <p:cNvSpPr>
+            <a:spLocks noGrp="1"/>
+          </p:cNvSpPr>
+          <p:nvPr>
+            <p:ph type="title"/>
+          </p:nvPr>
+        </p:nvSpPr>
+        <p:spPr>
+          <a:xfrm>
+            <a:off x="838200" y="630572"/>
+            <a:ext cx="10515600" cy="1325563"/>
+          </a:xfrm>
+        </p:spPr>
+        <p:txBody>
+          <a:bodyPr/>
+          <a:lstStyle/>
+          <a:p>
+            <a:r>
+              <a:rPr lang="ru-RU" dirty="0"/>
+              <a:t>Предметная область</a:t>
+            </a:r>
+          </a:p>
+        </p:txBody>
+      </p:sp>
+      <p:sp>
+        <p:nvSpPr>
+          <p:cNvPr id="2" name="Slide Number Placeholder 1">
+            <a:extLst>
+              <a:ext uri="{FF2B5EF4-FFF2-40B4-BE49-F238E27FC236}">
+                <a16:creationId xmlns:a16="http://schemas.microsoft.com/office/drawing/2014/main" id="{8763EABF-A00C-F545-CCA2-B2105029FB65}"/>
+              </a:ext>
+            </a:extLst>
+          </p:cNvPr>
+          <p:cNvSpPr txBox="1">
+            <a:spLocks/>
+          </p:cNvSpPr>
+          <p:nvPr/>
+        </p:nvSpPr>
+        <p:spPr>
+          <a:xfrm>
+            <a:off x="165463" y="266377"/>
+            <a:ext cx="738132" cy="364195"/>
+          </a:xfrm>
+          <a:prstGeom prst="rect">
+            <a:avLst/>
+          </a:prstGeom>
+        </p:spPr>
+        <p:txBody>
+          <a:bodyPr vert="horz" lIns="91440" tIns="45720" rIns="91440" bIns="45720" rtlCol="0" anchor="ctr"/>
+          <a:lstStyle>
+            <a:defPPr>
+              <a:defRPr lang="ru-RU"/>
+            </a:defPPr>
+            <a:lvl1pPr marL="0" algn="r" defTabSz="914400" rtl="0" eaLnBrk="1" latinLnBrk="0" hangingPunct="1">
+              <a:defRPr sz="1200" kern="1200">
+                <a:solidFill>
+                  <a:schemeClr val="tx1">
+                    <a:tint val="75000"/>
+                  </a:schemeClr>
+                </a:solidFill>
+                <a:latin typeface="+mn-lt"/>
+                <a:ea typeface="+mn-ea"/>
+                <a:cs typeface="+mn-cs"/>
+              </a:defRPr>
+            </a:lvl1pPr>
+            <a:lvl2pPr marL="457200" algn="l" defTabSz="914400" rtl="0" eaLnBrk="1" latinLnBrk="0" hangingPunct="1">
+              <a:defRPr sz="1800" kern="1200">
+                <a:solidFill>
+                  <a:schemeClr val="tx1"/>
+                </a:solidFill>
+                <a:latin typeface="+mn-lt"/>
+                <a:ea typeface="+mn-ea"/>
+                <a:cs typeface="+mn-cs"/>
+              </a:defRPr>
+            </a:lvl2pPr>
+            <a:lvl3pPr marL="914400" algn="l" defTabSz="914400" rtl="0" eaLnBrk="1" latinLnBrk="0" hangingPunct="1">
+              <a:defRPr sz="1800" kern="1200">
+                <a:solidFill>
+                  <a:schemeClr val="tx1"/>
+                </a:solidFill>
+                <a:latin typeface="+mn-lt"/>
+                <a:ea typeface="+mn-ea"/>
+                <a:cs typeface="+mn-cs"/>
+              </a:defRPr>
+            </a:lvl3pPr>
+            <a:lvl4pPr marL="1371600" algn="l" defTabSz="914400" rtl="0" eaLnBrk="1" latinLnBrk="0" hangingPunct="1">
+              <a:defRPr sz="1800" kern="1200">
+                <a:solidFill>
+                  <a:schemeClr val="tx1"/>
+                </a:solidFill>
+                <a:latin typeface="+mn-lt"/>
+                <a:ea typeface="+mn-ea"/>
+                <a:cs typeface="+mn-cs"/>
+              </a:defRPr>
+            </a:lvl4pPr>
+            <a:lvl5pPr marL="1828800" algn="l" defTabSz="914400" rtl="0" eaLnBrk="1" latinLnBrk="0" hangingPunct="1">
+              <a:defRPr sz="1800" kern="1200">
+                <a:solidFill>
+                  <a:schemeClr val="tx1"/>
+                </a:solidFill>
+                <a:latin typeface="+mn-lt"/>
+                <a:ea typeface="+mn-ea"/>
+                <a:cs typeface="+mn-cs"/>
+              </a:defRPr>
+            </a:lvl5pPr>
+            <a:lvl6pPr marL="2286000" algn="l" defTabSz="914400" rtl="0" eaLnBrk="1" latinLnBrk="0" hangingPunct="1">
+              <a:defRPr sz="1800" kern="1200">
+                <a:solidFill>
+                  <a:schemeClr val="tx1"/>
+                </a:solidFill>
+                <a:latin typeface="+mn-lt"/>
+                <a:ea typeface="+mn-ea"/>
+                <a:cs typeface="+mn-cs"/>
+              </a:defRPr>
+            </a:lvl6pPr>
+            <a:lvl7pPr marL="2743200" algn="l" defTabSz="914400" rtl="0" eaLnBrk="1" latinLnBrk="0" hangingPunct="1">
+              <a:defRPr sz="1800" kern="1200">
+                <a:solidFill>
+                  <a:schemeClr val="tx1"/>
+                </a:solidFill>
+                <a:latin typeface="+mn-lt"/>
+                <a:ea typeface="+mn-ea"/>
+                <a:cs typeface="+mn-cs"/>
+              </a:defRPr>
+            </a:lvl7pPr>
+            <a:lvl8pPr marL="3200400" algn="l" defTabSz="914400" rtl="0" eaLnBrk="1" latinLnBrk="0" hangingPunct="1">
+              <a:defRPr sz="1800" kern="1200">
+                <a:solidFill>
+                  <a:schemeClr val="tx1"/>
+                </a:solidFill>
+                <a:latin typeface="+mn-lt"/>
+                <a:ea typeface="+mn-ea"/>
+                <a:cs typeface="+mn-cs"/>
+              </a:defRPr>
+            </a:lvl8pPr>
+            <a:lvl9pPr marL="3657600" algn="l" defTabSz="914400" rtl="0" eaLnBrk="1" latinLnBrk="0" hangingPunct="1">
+              <a:defRPr sz="1800" kern="1200">
+                <a:solidFill>
+                  <a:schemeClr val="tx1"/>
+                </a:solidFill>
+                <a:latin typeface="+mn-lt"/>
+                <a:ea typeface="+mn-ea"/>
+                <a:cs typeface="+mn-cs"/>
+              </a:defRPr>
+            </a:lvl9pPr>
+          </a:lstStyle>
+          <a:p>
+            <a:fld id="{73D4391C-B8C0-B24A-A837-316267417444}" type="slidenum">
+              <a:rPr lang="ru-RU" smtClean="0">
+                <a:solidFill>
+                  <a:schemeClr val="bg1"/>
+                </a:solidFill>
+              </a:rPr>
+              <a:pPr/>
+              <a:t>4</a:t>
+            </a:fld>
+            <a:endParaRPr lang="ru-RU" dirty="0">
+              <a:solidFill>
+                <a:schemeClr val="bg1"/>
+              </a:solidFill>
+            </a:endParaRPr>
+          </a:p>
+        </p:txBody>
+      </p:sp>
+      <p:pic>
+        <p:nvPicPr>
+          <p:cNvPr id="6" name="Рисунок 5">
+            <a:extLst>
+              <a:ext uri="{FF2B5EF4-FFF2-40B4-BE49-F238E27FC236}">
+                <a16:creationId xmlns:a16="http://schemas.microsoft.com/office/drawing/2014/main" id="{59B420C9-05BA-ACE5-4138-EE56CA60CDD6}"/>
+              </a:ext>
+            </a:extLst>
+          </p:cNvPr>
+          <p:cNvPicPr>
+            <a:picLocks noChangeAspect="1"/>
+          </p:cNvPicPr>
+          <p:nvPr/>
+        </p:nvPicPr>
+        <p:blipFill>
+          <a:blip r:embed="rId3" cstate="print">
+            <a:extLst>
+              <a:ext uri="{28A0092B-C50C-407E-A947-70E740481C1C}">
+                <a14:useLocalDpi xmlns:a14="http://schemas.microsoft.com/office/drawing/2010/main" val="0"/>
+              </a:ext>
+              <a:ext uri="{96DAC541-7B7A-43D3-8B79-37D633B846F1}">
+                <asvg:svgBlip xmlns:asvg="http://schemas.microsoft.com/office/drawing/2016/SVG/main" r:embed="rId4"/>
+              </a:ext>
+            </a:extLst>
+          </a:blip>
+          <a:stretch>
+            <a:fillRect/>
+          </a:stretch>
+        </p:blipFill>
+        <p:spPr>
+          <a:xfrm>
+            <a:off x="9099532" y="-197635"/>
+            <a:ext cx="2166695" cy="1666688"/>
+          </a:xfrm>
+          <a:prstGeom prst="rect">
+            <a:avLst/>
+          </a:prstGeom>
+        </p:spPr>
+      </p:pic>
+      <p:sp>
+        <p:nvSpPr>
+          <p:cNvPr id="7" name="TextBox 6">
+            <a:extLst>
+              <a:ext uri="{FF2B5EF4-FFF2-40B4-BE49-F238E27FC236}">
+                <a16:creationId xmlns:a16="http://schemas.microsoft.com/office/drawing/2014/main" id="{DE83CF6E-3416-7EF1-56D2-857AF03F37F9}"/>
+              </a:ext>
+            </a:extLst>
+          </p:cNvPr>
+          <p:cNvSpPr txBox="1"/>
+          <p:nvPr/>
+        </p:nvSpPr>
+        <p:spPr>
+          <a:xfrm>
+            <a:off x="10599762" y="266377"/>
+            <a:ext cx="2083558" cy="738664"/>
+          </a:xfrm>
+          <a:prstGeom prst="rect">
+            <a:avLst/>
+          </a:prstGeom>
+          <a:noFill/>
+        </p:spPr>
+        <p:txBody>
+          <a:bodyPr wrap="square" rtlCol="0">
+            <a:spAutoFit/>
+          </a:bodyPr>
+          <a:lstStyle/>
+          <a:p>
+            <a:r>
+              <a:rPr lang="ru-RU" sz="1050" dirty="0">
+                <a:solidFill>
+                  <a:schemeClr val="bg1">
+                    <a:lumMod val="75000"/>
+                  </a:schemeClr>
+                </a:solidFill>
+                <a:latin typeface="Arial" panose="020B0604020202020204" pitchFamily="34" charset="0"/>
+                <a:cs typeface="Arial" panose="020B0604020202020204" pitchFamily="34" charset="0"/>
+              </a:rPr>
+              <a:t>Томский</a:t>
+            </a:r>
+          </a:p>
+          <a:p>
+            <a:r>
+              <a:rPr lang="ru-RU" sz="1050" dirty="0">
+                <a:solidFill>
+                  <a:schemeClr val="bg1">
+                    <a:lumMod val="75000"/>
+                  </a:schemeClr>
+                </a:solidFill>
+                <a:latin typeface="Arial" panose="020B0604020202020204" pitchFamily="34" charset="0"/>
+                <a:cs typeface="Arial" panose="020B0604020202020204" pitchFamily="34" charset="0"/>
+              </a:rPr>
+              <a:t>Государственный университет</a:t>
+            </a:r>
+          </a:p>
+          <a:p>
+            <a:r>
+              <a:rPr lang="ru-RU" sz="1050" dirty="0">
+                <a:solidFill>
+                  <a:schemeClr val="bg1">
+                    <a:lumMod val="75000"/>
+                  </a:schemeClr>
+                </a:solidFill>
+                <a:latin typeface="Arial" panose="020B0604020202020204" pitchFamily="34" charset="0"/>
+                <a:cs typeface="Arial" panose="020B0604020202020204" pitchFamily="34" charset="0"/>
+              </a:rPr>
+              <a:t>Высшая </a:t>
+            </a:r>
+            <a:r>
+              <a:rPr lang="en-US" sz="1050" dirty="0">
+                <a:solidFill>
+                  <a:schemeClr val="bg1">
+                    <a:lumMod val="75000"/>
+                  </a:schemeClr>
+                </a:solidFill>
+                <a:latin typeface="Arial" panose="020B0604020202020204" pitchFamily="34" charset="0"/>
+                <a:cs typeface="Arial" panose="020B0604020202020204" pitchFamily="34" charset="0"/>
+              </a:rPr>
+              <a:t>IT </a:t>
+            </a:r>
+            <a:r>
+              <a:rPr lang="ru-RU" sz="1050" dirty="0">
+                <a:solidFill>
+                  <a:schemeClr val="bg1">
+                    <a:lumMod val="75000"/>
+                  </a:schemeClr>
+                </a:solidFill>
+                <a:latin typeface="Arial" panose="020B0604020202020204" pitchFamily="34" charset="0"/>
+                <a:cs typeface="Arial" panose="020B0604020202020204" pitchFamily="34" charset="0"/>
+              </a:rPr>
+              <a:t>Школа</a:t>
+            </a:r>
+          </a:p>
+        </p:txBody>
+      </p:sp>
+      <p:pic>
+        <p:nvPicPr>
+          <p:cNvPr id="1026" name="Picture 2">
+            <a:extLst>
+              <a:ext uri="{FF2B5EF4-FFF2-40B4-BE49-F238E27FC236}">
+                <a16:creationId xmlns:a16="http://schemas.microsoft.com/office/drawing/2014/main" id="{E10F4B3F-683A-9E9C-DA4D-A0CEACCF6F45}"/>
+              </a:ext>
+            </a:extLst>
+          </p:cNvPr>
+          <p:cNvPicPr>
+            <a:picLocks noChangeAspect="1" noChangeArrowheads="1"/>
+          </p:cNvPicPr>
+          <p:nvPr/>
+        </p:nvPicPr>
+        <p:blipFill>
+          <a:blip r:embed="rId5">
+            <a:extLst>
+              <a:ext uri="{28A0092B-C50C-407E-A947-70E740481C1C}">
+                <a14:useLocalDpi xmlns:a14="http://schemas.microsoft.com/office/drawing/2010/main" val="0"/>
+              </a:ext>
+            </a:extLst>
+          </a:blip>
+          <a:srcRect/>
+          <a:stretch>
+            <a:fillRect/>
+          </a:stretch>
+        </p:blipFill>
+        <p:spPr bwMode="auto">
+          <a:xfrm>
+            <a:off x="400805" y="1618038"/>
+            <a:ext cx="11390390" cy="5106959"/>
+          </a:xfrm>
+          <a:prstGeom prst="rect">
+            <a:avLst/>
+          </a:prstGeom>
+          <a:noFill/>
+          <a:extLst>
+            <a:ext uri="{909E8E84-426E-40DD-AFC4-6F175D3DCCD1}">
+              <a14:hiddenFill xmlns:a14="http://schemas.microsoft.com/office/drawing/2010/main">
+                <a:solidFill>
+                  <a:srgbClr val="FFFFFF"/>
+                </a:solidFill>
+              </a14:hiddenFill>
+            </a:ext>
+          </a:extLst>
+        </p:spPr>
+      </p:pic>
+      <p:sp>
+        <p:nvSpPr>
+          <p:cNvPr id="4" name="Прямоугольник 3">
+            <a:extLst>
+              <a:ext uri="{FF2B5EF4-FFF2-40B4-BE49-F238E27FC236}">
+                <a16:creationId xmlns:a16="http://schemas.microsoft.com/office/drawing/2014/main" id="{00C022A8-CE03-8EE6-3E83-C6F908360541}"/>
+              </a:ext>
+            </a:extLst>
+          </p:cNvPr>
+          <p:cNvSpPr/>
+          <p:nvPr/>
+        </p:nvSpPr>
+        <p:spPr>
+          <a:xfrm>
+            <a:off x="665018" y="2327564"/>
+            <a:ext cx="6508866" cy="1571105"/>
+          </a:xfrm>
+          <a:prstGeom prst="rect">
+            <a:avLst/>
+          </a:prstGeom>
+          <a:noFill/>
+          <a:ln w="38100">
+            <a:solidFill>
+              <a:srgbClr val="FF0000"/>
+            </a:solidFill>
+          </a:ln>
+        </p:spPr>
+        <p:style>
+          <a:lnRef idx="2">
+            <a:schemeClr val="accent1">
+              <a:shade val="15000"/>
+            </a:schemeClr>
+          </a:lnRef>
+          <a:fillRef idx="1">
+            <a:schemeClr val="accent1"/>
+          </a:fillRef>
+          <a:effectRef idx="0">
+            <a:schemeClr val="accent1"/>
+          </a:effectRef>
+          <a:fontRef idx="minor">
+            <a:schemeClr val="lt1"/>
+          </a:fontRef>
+        </p:style>
+        <p:txBody>
+          <a:bodyPr rtlCol="0" anchor="ctr"/>
+          <a:lstStyle/>
+          <a:p>
+            <a:pPr algn="ctr"/>
+            <a:endParaRPr lang="ru-RU"/>
+          </a:p>
+        </p:txBody>
+      </p:sp>
+    </p:spTree>
+    <p:extLst>
+      <p:ext uri="{BB962C8B-B14F-4D97-AF65-F5344CB8AC3E}">
+        <p14:creationId xmlns:p14="http://schemas.microsoft.com/office/powerpoint/2010/main" val="1935572596"/>
+      </p:ext>
+    </p:extLst>
+  </p:cSld>
+  <p:clrMapOvr>
+    <a:masterClrMapping/>
+  </p:clrMapOvr>
+</p:sld>
+</file>
+
+<file path=ppt/slides/slide5.xml><?xml version="1.0" encoding="utf-8"?>
+<p:sld xmlns:a="http://schemas.openxmlformats.org/drawingml/2006/main" xmlns:r="http://schemas.openxmlformats.org/officeDocument/2006/relationships" xmlns:p="http://schemas.openxmlformats.org/presentationml/2006/main">
+  <p:cSld>
+    <p:spTree>
+      <p:nvGrpSpPr>
+        <p:cNvPr id="1" name="">
+          <a:extLst>
+            <a:ext uri="{FF2B5EF4-FFF2-40B4-BE49-F238E27FC236}">
+              <a16:creationId xmlns:a16="http://schemas.microsoft.com/office/drawing/2014/main" id="{1E2074C4-9BED-059C-D24D-7B5191DB7774}"/>
+            </a:ext>
+          </a:extLst>
+        </p:cNvPr>
+        <p:cNvGrpSpPr/>
+        <p:nvPr/>
+      </p:nvGrpSpPr>
+      <p:grpSpPr>
+        <a:xfrm>
+          <a:off x="0" y="0"/>
+          <a:ext cx="0" cy="0"/>
+          <a:chOff x="0" y="0"/>
+          <a:chExt cx="0" cy="0"/>
+        </a:xfrm>
+      </p:grpSpPr>
+      <p:sp>
+        <p:nvSpPr>
+          <p:cNvPr id="3" name="Прямоугольник 2">
+            <a:extLst>
+              <a:ext uri="{FF2B5EF4-FFF2-40B4-BE49-F238E27FC236}">
+                <a16:creationId xmlns:a16="http://schemas.microsoft.com/office/drawing/2014/main" id="{5EA8C689-5798-305F-01F9-F003B4604B96}"/>
+              </a:ext>
+            </a:extLst>
+          </p:cNvPr>
+          <p:cNvSpPr/>
+          <p:nvPr/>
+        </p:nvSpPr>
+        <p:spPr>
+          <a:xfrm>
+            <a:off x="0" y="266377"/>
+            <a:ext cx="903595" cy="364195"/>
+          </a:xfrm>
+          <a:prstGeom prst="rect">
+            <a:avLst/>
+          </a:prstGeom>
+          <a:ln>
+            <a:noFill/>
+          </a:ln>
+        </p:spPr>
+        <p:style>
+          <a:lnRef idx="2">
+            <a:schemeClr val="accent1">
+              <a:shade val="50000"/>
+            </a:schemeClr>
+          </a:lnRef>
+          <a:fillRef idx="1">
+            <a:schemeClr val="accent1"/>
+          </a:fillRef>
+          <a:effectRef idx="0">
+            <a:schemeClr val="accent1"/>
+          </a:effectRef>
+          <a:fontRef idx="minor">
+            <a:schemeClr val="lt1"/>
+          </a:fontRef>
+        </p:style>
+        <p:txBody>
+          <a:bodyPr rtlCol="0" anchor="ctr"/>
+          <a:lstStyle/>
+          <a:p>
+            <a:pPr algn="ctr"/>
+            <a:endParaRPr lang="ru-RU"/>
+          </a:p>
+        </p:txBody>
+      </p:sp>
+      <p:sp>
+        <p:nvSpPr>
+          <p:cNvPr id="8" name="Title 7">
+            <a:extLst>
+              <a:ext uri="{FF2B5EF4-FFF2-40B4-BE49-F238E27FC236}">
+                <a16:creationId xmlns:a16="http://schemas.microsoft.com/office/drawing/2014/main" id="{AED6C6DC-81D4-6869-0A4E-F28B987987C6}"/>
+              </a:ext>
+            </a:extLst>
+          </p:cNvPr>
+          <p:cNvSpPr>
+            <a:spLocks noGrp="1"/>
+          </p:cNvSpPr>
+          <p:nvPr>
+            <p:ph type="title"/>
+          </p:nvPr>
+        </p:nvSpPr>
+        <p:spPr>
+          <a:xfrm>
+            <a:off x="838200" y="630572"/>
+            <a:ext cx="10515600" cy="1325563"/>
+          </a:xfrm>
+        </p:spPr>
+        <p:txBody>
+          <a:bodyPr/>
+          <a:lstStyle/>
+          <a:p>
+            <a:r>
+              <a:rPr lang="ru-RU" dirty="0"/>
+              <a:t>Проблема</a:t>
+            </a:r>
+          </a:p>
+        </p:txBody>
+      </p:sp>
+      <p:sp>
+        <p:nvSpPr>
+          <p:cNvPr id="2" name="Slide Number Placeholder 1">
+            <a:extLst>
+              <a:ext uri="{FF2B5EF4-FFF2-40B4-BE49-F238E27FC236}">
+                <a16:creationId xmlns:a16="http://schemas.microsoft.com/office/drawing/2014/main" id="{1A5E3646-4304-7758-7CA9-A5DD3A48DDC6}"/>
+              </a:ext>
+            </a:extLst>
+          </p:cNvPr>
+          <p:cNvSpPr txBox="1">
+            <a:spLocks/>
+          </p:cNvSpPr>
+          <p:nvPr/>
+        </p:nvSpPr>
+        <p:spPr>
+          <a:xfrm>
+            <a:off x="165463" y="266377"/>
+            <a:ext cx="738132" cy="364195"/>
+          </a:xfrm>
+          <a:prstGeom prst="rect">
+            <a:avLst/>
+          </a:prstGeom>
+        </p:spPr>
+        <p:txBody>
+          <a:bodyPr vert="horz" lIns="91440" tIns="45720" rIns="91440" bIns="45720" rtlCol="0" anchor="ctr"/>
+          <a:lstStyle>
+            <a:defPPr>
+              <a:defRPr lang="ru-RU"/>
+            </a:defPPr>
+            <a:lvl1pPr marL="0" algn="r" defTabSz="914400" rtl="0" eaLnBrk="1" latinLnBrk="0" hangingPunct="1">
+              <a:defRPr sz="1200" kern="1200">
+                <a:solidFill>
+                  <a:schemeClr val="tx1">
+                    <a:tint val="75000"/>
+                  </a:schemeClr>
+                </a:solidFill>
+                <a:latin typeface="+mn-lt"/>
+                <a:ea typeface="+mn-ea"/>
+                <a:cs typeface="+mn-cs"/>
+              </a:defRPr>
+            </a:lvl1pPr>
+            <a:lvl2pPr marL="457200" algn="l" defTabSz="914400" rtl="0" eaLnBrk="1" latinLnBrk="0" hangingPunct="1">
+              <a:defRPr sz="1800" kern="1200">
+                <a:solidFill>
+                  <a:schemeClr val="tx1"/>
+                </a:solidFill>
+                <a:latin typeface="+mn-lt"/>
+                <a:ea typeface="+mn-ea"/>
+                <a:cs typeface="+mn-cs"/>
+              </a:defRPr>
+            </a:lvl2pPr>
+            <a:lvl3pPr marL="914400" algn="l" defTabSz="914400" rtl="0" eaLnBrk="1" latinLnBrk="0" hangingPunct="1">
+              <a:defRPr sz="1800" kern="1200">
+                <a:solidFill>
+                  <a:schemeClr val="tx1"/>
+                </a:solidFill>
+                <a:latin typeface="+mn-lt"/>
+                <a:ea typeface="+mn-ea"/>
+                <a:cs typeface="+mn-cs"/>
+              </a:defRPr>
+            </a:lvl3pPr>
+            <a:lvl4pPr marL="1371600" algn="l" defTabSz="914400" rtl="0" eaLnBrk="1" latinLnBrk="0" hangingPunct="1">
+              <a:defRPr sz="1800" kern="1200">
+                <a:solidFill>
+                  <a:schemeClr val="tx1"/>
+                </a:solidFill>
+                <a:latin typeface="+mn-lt"/>
+                <a:ea typeface="+mn-ea"/>
+                <a:cs typeface="+mn-cs"/>
+              </a:defRPr>
+            </a:lvl4pPr>
+            <a:lvl5pPr marL="1828800" algn="l" defTabSz="914400" rtl="0" eaLnBrk="1" latinLnBrk="0" hangingPunct="1">
+              <a:defRPr sz="1800" kern="1200">
+                <a:solidFill>
+                  <a:schemeClr val="tx1"/>
+                </a:solidFill>
+                <a:latin typeface="+mn-lt"/>
+                <a:ea typeface="+mn-ea"/>
+                <a:cs typeface="+mn-cs"/>
+              </a:defRPr>
+            </a:lvl5pPr>
+            <a:lvl6pPr marL="2286000" algn="l" defTabSz="914400" rtl="0" eaLnBrk="1" latinLnBrk="0" hangingPunct="1">
+              <a:defRPr sz="1800" kern="1200">
+                <a:solidFill>
+                  <a:schemeClr val="tx1"/>
+                </a:solidFill>
+                <a:latin typeface="+mn-lt"/>
+                <a:ea typeface="+mn-ea"/>
+                <a:cs typeface="+mn-cs"/>
+              </a:defRPr>
+            </a:lvl6pPr>
+            <a:lvl7pPr marL="2743200" algn="l" defTabSz="914400" rtl="0" eaLnBrk="1" latinLnBrk="0" hangingPunct="1">
+              <a:defRPr sz="1800" kern="1200">
+                <a:solidFill>
+                  <a:schemeClr val="tx1"/>
+                </a:solidFill>
+                <a:latin typeface="+mn-lt"/>
+                <a:ea typeface="+mn-ea"/>
+                <a:cs typeface="+mn-cs"/>
+              </a:defRPr>
+            </a:lvl7pPr>
+            <a:lvl8pPr marL="3200400" algn="l" defTabSz="914400" rtl="0" eaLnBrk="1" latinLnBrk="0" hangingPunct="1">
+              <a:defRPr sz="1800" kern="1200">
+                <a:solidFill>
+                  <a:schemeClr val="tx1"/>
+                </a:solidFill>
+                <a:latin typeface="+mn-lt"/>
+                <a:ea typeface="+mn-ea"/>
+                <a:cs typeface="+mn-cs"/>
+              </a:defRPr>
+            </a:lvl8pPr>
+            <a:lvl9pPr marL="3657600" algn="l" defTabSz="914400" rtl="0" eaLnBrk="1" latinLnBrk="0" hangingPunct="1">
+              <a:defRPr sz="1800" kern="1200">
+                <a:solidFill>
+                  <a:schemeClr val="tx1"/>
+                </a:solidFill>
+                <a:latin typeface="+mn-lt"/>
+                <a:ea typeface="+mn-ea"/>
+                <a:cs typeface="+mn-cs"/>
+              </a:defRPr>
+            </a:lvl9pPr>
+          </a:lstStyle>
+          <a:p>
+            <a:fld id="{73D4391C-B8C0-B24A-A837-316267417444}" type="slidenum">
+              <a:rPr lang="ru-RU" smtClean="0">
+                <a:solidFill>
+                  <a:schemeClr val="bg1"/>
+                </a:solidFill>
+              </a:rPr>
+              <a:pPr/>
+              <a:t>5</a:t>
+            </a:fld>
+            <a:endParaRPr lang="ru-RU" dirty="0">
+              <a:solidFill>
+                <a:schemeClr val="bg1"/>
+              </a:solidFill>
+            </a:endParaRPr>
+          </a:p>
+        </p:txBody>
+      </p:sp>
+      <p:pic>
+        <p:nvPicPr>
+          <p:cNvPr id="6" name="Рисунок 5">
+            <a:extLst>
+              <a:ext uri="{FF2B5EF4-FFF2-40B4-BE49-F238E27FC236}">
+                <a16:creationId xmlns:a16="http://schemas.microsoft.com/office/drawing/2014/main" id="{1E750AB7-679B-62C2-5802-ABF73CFF52C6}"/>
+              </a:ext>
+            </a:extLst>
+          </p:cNvPr>
+          <p:cNvPicPr>
+            <a:picLocks noChangeAspect="1"/>
+          </p:cNvPicPr>
+          <p:nvPr/>
+        </p:nvPicPr>
+        <p:blipFill>
+          <a:blip r:embed="rId3" cstate="print">
+            <a:extLst>
+              <a:ext uri="{28A0092B-C50C-407E-A947-70E740481C1C}">
+                <a14:useLocalDpi xmlns:a14="http://schemas.microsoft.com/office/drawing/2010/main" val="0"/>
+              </a:ext>
+              <a:ext uri="{96DAC541-7B7A-43D3-8B79-37D633B846F1}">
+                <asvg:svgBlip xmlns:asvg="http://schemas.microsoft.com/office/drawing/2016/SVG/main" r:embed="rId4"/>
+              </a:ext>
+            </a:extLst>
+          </a:blip>
+          <a:stretch>
+            <a:fillRect/>
+          </a:stretch>
+        </p:blipFill>
+        <p:spPr>
+          <a:xfrm>
+            <a:off x="9099532" y="-197635"/>
+            <a:ext cx="2166695" cy="1666688"/>
+          </a:xfrm>
+          <a:prstGeom prst="rect">
+            <a:avLst/>
+          </a:prstGeom>
+        </p:spPr>
+      </p:pic>
+      <p:sp>
+        <p:nvSpPr>
+          <p:cNvPr id="7" name="TextBox 6">
+            <a:extLst>
+              <a:ext uri="{FF2B5EF4-FFF2-40B4-BE49-F238E27FC236}">
+                <a16:creationId xmlns:a16="http://schemas.microsoft.com/office/drawing/2014/main" id="{440E03D7-CBEB-D50D-4C60-445C975E34CE}"/>
+              </a:ext>
+            </a:extLst>
+          </p:cNvPr>
+          <p:cNvSpPr txBox="1"/>
+          <p:nvPr/>
+        </p:nvSpPr>
+        <p:spPr>
+          <a:xfrm>
+            <a:off x="10599762" y="266377"/>
+            <a:ext cx="2083558" cy="738664"/>
+          </a:xfrm>
+          <a:prstGeom prst="rect">
+            <a:avLst/>
+          </a:prstGeom>
+          <a:noFill/>
+        </p:spPr>
+        <p:txBody>
+          <a:bodyPr wrap="square" rtlCol="0">
+            <a:spAutoFit/>
+          </a:bodyPr>
+          <a:lstStyle/>
+          <a:p>
+            <a:r>
+              <a:rPr lang="ru-RU" sz="1050" dirty="0">
+                <a:solidFill>
+                  <a:schemeClr val="bg1">
+                    <a:lumMod val="75000"/>
+                  </a:schemeClr>
+                </a:solidFill>
+                <a:latin typeface="Arial" panose="020B0604020202020204" pitchFamily="34" charset="0"/>
+                <a:cs typeface="Arial" panose="020B0604020202020204" pitchFamily="34" charset="0"/>
+              </a:rPr>
+              <a:t>Томский</a:t>
+            </a:r>
+          </a:p>
+          <a:p>
+            <a:r>
+              <a:rPr lang="ru-RU" sz="1050" dirty="0">
+                <a:solidFill>
+                  <a:schemeClr val="bg1">
+                    <a:lumMod val="75000"/>
+                  </a:schemeClr>
+                </a:solidFill>
+                <a:latin typeface="Arial" panose="020B0604020202020204" pitchFamily="34" charset="0"/>
+                <a:cs typeface="Arial" panose="020B0604020202020204" pitchFamily="34" charset="0"/>
+              </a:rPr>
+              <a:t>Государственный университет</a:t>
+            </a:r>
+          </a:p>
+          <a:p>
+            <a:r>
+              <a:rPr lang="ru-RU" sz="1050" dirty="0">
+                <a:solidFill>
+                  <a:schemeClr val="bg1">
+                    <a:lumMod val="75000"/>
+                  </a:schemeClr>
+                </a:solidFill>
+                <a:latin typeface="Arial" panose="020B0604020202020204" pitchFamily="34" charset="0"/>
+                <a:cs typeface="Arial" panose="020B0604020202020204" pitchFamily="34" charset="0"/>
+              </a:rPr>
+              <a:t>Высшая </a:t>
+            </a:r>
+            <a:r>
+              <a:rPr lang="en-US" sz="1050" dirty="0">
+                <a:solidFill>
+                  <a:schemeClr val="bg1">
+                    <a:lumMod val="75000"/>
+                  </a:schemeClr>
+                </a:solidFill>
+                <a:latin typeface="Arial" panose="020B0604020202020204" pitchFamily="34" charset="0"/>
+                <a:cs typeface="Arial" panose="020B0604020202020204" pitchFamily="34" charset="0"/>
+              </a:rPr>
+              <a:t>IT </a:t>
+            </a:r>
+            <a:r>
+              <a:rPr lang="ru-RU" sz="1050" dirty="0">
+                <a:solidFill>
+                  <a:schemeClr val="bg1">
+                    <a:lumMod val="75000"/>
+                  </a:schemeClr>
+                </a:solidFill>
+                <a:latin typeface="Arial" panose="020B0604020202020204" pitchFamily="34" charset="0"/>
+                <a:cs typeface="Arial" panose="020B0604020202020204" pitchFamily="34" charset="0"/>
+              </a:rPr>
+              <a:t>Школа</a:t>
+            </a:r>
+          </a:p>
+        </p:txBody>
+      </p:sp>
+      <p:pic>
+        <p:nvPicPr>
+          <p:cNvPr id="4100" name="Picture 4">
+            <a:extLst>
+              <a:ext uri="{FF2B5EF4-FFF2-40B4-BE49-F238E27FC236}">
+                <a16:creationId xmlns:a16="http://schemas.microsoft.com/office/drawing/2014/main" id="{F40F3D07-866A-7481-9507-41447F66EFA1}"/>
+              </a:ext>
+            </a:extLst>
+          </p:cNvPr>
+          <p:cNvPicPr>
+            <a:picLocks noChangeAspect="1" noChangeArrowheads="1"/>
+          </p:cNvPicPr>
+          <p:nvPr/>
+        </p:nvPicPr>
+        <p:blipFill>
+          <a:blip r:embed="rId5">
+            <a:extLst>
+              <a:ext uri="{28A0092B-C50C-407E-A947-70E740481C1C}">
+                <a14:useLocalDpi xmlns:a14="http://schemas.microsoft.com/office/drawing/2010/main" val="0"/>
+              </a:ext>
+            </a:extLst>
+          </a:blip>
+          <a:srcRect/>
+          <a:stretch/>
+        </p:blipFill>
+        <p:spPr bwMode="auto">
+          <a:xfrm>
+            <a:off x="132707" y="1544618"/>
+            <a:ext cx="11926586" cy="5355568"/>
+          </a:xfrm>
+          <a:prstGeom prst="rect">
+            <a:avLst/>
+          </a:prstGeom>
+          <a:noFill/>
+          <a:extLst>
+            <a:ext uri="{909E8E84-426E-40DD-AFC4-6F175D3DCCD1}">
+              <a14:hiddenFill xmlns:a14="http://schemas.microsoft.com/office/drawing/2010/main">
+                <a:solidFill>
+                  <a:srgbClr val="FFFFFF"/>
+                </a:solidFill>
+              </a14:hiddenFill>
+            </a:ext>
+          </a:extLst>
+        </p:spPr>
+      </p:pic>
+      <p:sp>
+        <p:nvSpPr>
+          <p:cNvPr id="10" name="TextBox 9">
+            <a:extLst>
+              <a:ext uri="{FF2B5EF4-FFF2-40B4-BE49-F238E27FC236}">
+                <a16:creationId xmlns:a16="http://schemas.microsoft.com/office/drawing/2014/main" id="{1E6CCA62-E8F0-03D6-AD6E-41C0C418DF84}"/>
+              </a:ext>
+            </a:extLst>
+          </p:cNvPr>
+          <p:cNvSpPr txBox="1"/>
+          <p:nvPr/>
+        </p:nvSpPr>
+        <p:spPr>
+          <a:xfrm>
+            <a:off x="0" y="6488668"/>
+            <a:ext cx="6435736" cy="369332"/>
+          </a:xfrm>
+          <a:prstGeom prst="rect">
+            <a:avLst/>
+          </a:prstGeom>
+          <a:noFill/>
+        </p:spPr>
+        <p:txBody>
+          <a:bodyPr wrap="none" rtlCol="0">
+            <a:spAutoFit/>
+          </a:bodyPr>
+          <a:lstStyle/>
+          <a:p>
+            <a:r>
+              <a:rPr lang="ru-RU" dirty="0"/>
+              <a:t>*</a:t>
+            </a:r>
+            <a:r>
+              <a:rPr lang="en-US" dirty="0"/>
+              <a:t> </a:t>
+            </a:r>
+            <a:r>
+              <a:rPr lang="ru-RU" dirty="0"/>
+              <a:t>1440 минут занимают шаги, требующие участия других людей</a:t>
+            </a:r>
+          </a:p>
+        </p:txBody>
+      </p:sp>
+    </p:spTree>
+    <p:extLst>
+      <p:ext uri="{BB962C8B-B14F-4D97-AF65-F5344CB8AC3E}">
+        <p14:creationId xmlns:p14="http://schemas.microsoft.com/office/powerpoint/2010/main" val="2572031251"/>
+      </p:ext>
+    </p:extLst>
+  </p:cSld>
+  <p:clrMapOvr>
+    <a:masterClrMapping/>
+  </p:clrMapOvr>
+</p:sld>
+</file>
+
+<file path=ppt/slides/slide6.xml><?xml version="1.0" encoding="utf-8"?>
+<p:sld xmlns:a="http://schemas.openxmlformats.org/drawingml/2006/main" xmlns:r="http://schemas.openxmlformats.org/officeDocument/2006/relationships" xmlns:p="http://schemas.openxmlformats.org/presentationml/2006/main" show="0">
+  <p:cSld>
+    <p:spTree>
+      <p:nvGrpSpPr>
+        <p:cNvPr id="1" name="">
+          <a:extLst>
+            <a:ext uri="{FF2B5EF4-FFF2-40B4-BE49-F238E27FC236}">
+              <a16:creationId xmlns:a16="http://schemas.microsoft.com/office/drawing/2014/main" id="{42728BC3-110E-484E-68BF-BC00BB0E1089}"/>
+            </a:ext>
+          </a:extLst>
+        </p:cNvPr>
+        <p:cNvGrpSpPr/>
+        <p:nvPr/>
+      </p:nvGrpSpPr>
+      <p:grpSpPr>
+        <a:xfrm>
+          <a:off x="0" y="0"/>
+          <a:ext cx="0" cy="0"/>
+          <a:chOff x="0" y="0"/>
+          <a:chExt cx="0" cy="0"/>
+        </a:xfrm>
+      </p:grpSpPr>
+      <p:sp>
+        <p:nvSpPr>
+          <p:cNvPr id="3" name="Прямоугольник 2">
+            <a:extLst>
+              <a:ext uri="{FF2B5EF4-FFF2-40B4-BE49-F238E27FC236}">
+                <a16:creationId xmlns:a16="http://schemas.microsoft.com/office/drawing/2014/main" id="{F60A27ED-7DB8-E0BA-60EA-3BE550ADB39B}"/>
+              </a:ext>
+            </a:extLst>
+          </p:cNvPr>
+          <p:cNvSpPr/>
+          <p:nvPr/>
+        </p:nvSpPr>
+        <p:spPr>
+          <a:xfrm>
+            <a:off x="0" y="266377"/>
+            <a:ext cx="903595" cy="364195"/>
+          </a:xfrm>
+          <a:prstGeom prst="rect">
+            <a:avLst/>
+          </a:prstGeom>
+          <a:ln>
+            <a:noFill/>
+          </a:ln>
+        </p:spPr>
+        <p:style>
+          <a:lnRef idx="2">
+            <a:schemeClr val="accent1">
+              <a:shade val="50000"/>
+            </a:schemeClr>
+          </a:lnRef>
+          <a:fillRef idx="1">
+            <a:schemeClr val="accent1"/>
+          </a:fillRef>
+          <a:effectRef idx="0">
+            <a:schemeClr val="accent1"/>
+          </a:effectRef>
+          <a:fontRef idx="minor">
+            <a:schemeClr val="lt1"/>
+          </a:fontRef>
+        </p:style>
+        <p:txBody>
+          <a:bodyPr rtlCol="0" anchor="ctr"/>
+          <a:lstStyle/>
+          <a:p>
+            <a:pPr algn="ctr"/>
+            <a:endParaRPr lang="ru-RU"/>
+          </a:p>
+        </p:txBody>
+      </p:sp>
+      <p:sp>
+        <p:nvSpPr>
+          <p:cNvPr id="8" name="Title 7">
+            <a:extLst>
+              <a:ext uri="{FF2B5EF4-FFF2-40B4-BE49-F238E27FC236}">
+                <a16:creationId xmlns:a16="http://schemas.microsoft.com/office/drawing/2014/main" id="{54C54AF7-A584-B39C-7A1F-63C35A82F57D}"/>
+              </a:ext>
+            </a:extLst>
+          </p:cNvPr>
+          <p:cNvSpPr>
+            <a:spLocks noGrp="1"/>
+          </p:cNvSpPr>
+          <p:nvPr>
+            <p:ph type="title"/>
+          </p:nvPr>
+        </p:nvSpPr>
+        <p:spPr>
+          <a:xfrm>
+            <a:off x="700626" y="630572"/>
+            <a:ext cx="10515600" cy="1325563"/>
+          </a:xfrm>
+        </p:spPr>
+        <p:txBody>
+          <a:bodyPr/>
+          <a:lstStyle/>
+          <a:p>
+            <a:r>
+              <a:rPr lang="ru-RU" dirty="0"/>
+              <a:t>Предметная область</a:t>
+            </a:r>
+            <a:br>
+              <a:rPr lang="ru-RU" dirty="0"/>
+            </a:br>
+            <a:r>
+              <a:rPr lang="ru-RU" dirty="0"/>
+              <a:t>коллектора</a:t>
+            </a:r>
+          </a:p>
+        </p:txBody>
+      </p:sp>
+      <p:sp>
+        <p:nvSpPr>
+          <p:cNvPr id="2" name="Slide Number Placeholder 1">
+            <a:extLst>
+              <a:ext uri="{FF2B5EF4-FFF2-40B4-BE49-F238E27FC236}">
+                <a16:creationId xmlns:a16="http://schemas.microsoft.com/office/drawing/2014/main" id="{E98F4592-9D8F-B87A-9925-BB3E6BE8D0D0}"/>
+              </a:ext>
+            </a:extLst>
+          </p:cNvPr>
+          <p:cNvSpPr txBox="1">
+            <a:spLocks/>
+          </p:cNvSpPr>
+          <p:nvPr/>
+        </p:nvSpPr>
+        <p:spPr>
+          <a:xfrm>
+            <a:off x="165463" y="266377"/>
+            <a:ext cx="738132" cy="364195"/>
+          </a:xfrm>
+          <a:prstGeom prst="rect">
+            <a:avLst/>
+          </a:prstGeom>
+        </p:spPr>
+        <p:txBody>
+          <a:bodyPr vert="horz" lIns="91440" tIns="45720" rIns="91440" bIns="45720" rtlCol="0" anchor="ctr"/>
+          <a:lstStyle>
+            <a:defPPr>
+              <a:defRPr lang="ru-RU"/>
+            </a:defPPr>
+            <a:lvl1pPr marL="0" algn="r" defTabSz="914400" rtl="0" eaLnBrk="1" latinLnBrk="0" hangingPunct="1">
+              <a:defRPr sz="1200" kern="1200">
+                <a:solidFill>
+                  <a:schemeClr val="tx1">
+                    <a:tint val="75000"/>
+                  </a:schemeClr>
+                </a:solidFill>
+                <a:latin typeface="+mn-lt"/>
+                <a:ea typeface="+mn-ea"/>
+                <a:cs typeface="+mn-cs"/>
+              </a:defRPr>
+            </a:lvl1pPr>
+            <a:lvl2pPr marL="457200" algn="l" defTabSz="914400" rtl="0" eaLnBrk="1" latinLnBrk="0" hangingPunct="1">
+              <a:defRPr sz="1800" kern="1200">
+                <a:solidFill>
+                  <a:schemeClr val="tx1"/>
+                </a:solidFill>
+                <a:latin typeface="+mn-lt"/>
+                <a:ea typeface="+mn-ea"/>
+                <a:cs typeface="+mn-cs"/>
+              </a:defRPr>
+            </a:lvl2pPr>
+            <a:lvl3pPr marL="914400" algn="l" defTabSz="914400" rtl="0" eaLnBrk="1" latinLnBrk="0" hangingPunct="1">
+              <a:defRPr sz="1800" kern="1200">
+                <a:solidFill>
+                  <a:schemeClr val="tx1"/>
+                </a:solidFill>
+                <a:latin typeface="+mn-lt"/>
+                <a:ea typeface="+mn-ea"/>
+                <a:cs typeface="+mn-cs"/>
+              </a:defRPr>
+            </a:lvl3pPr>
+            <a:lvl4pPr marL="1371600" algn="l" defTabSz="914400" rtl="0" eaLnBrk="1" latinLnBrk="0" hangingPunct="1">
+              <a:defRPr sz="1800" kern="1200">
+                <a:solidFill>
+                  <a:schemeClr val="tx1"/>
+                </a:solidFill>
+                <a:latin typeface="+mn-lt"/>
+                <a:ea typeface="+mn-ea"/>
+                <a:cs typeface="+mn-cs"/>
+              </a:defRPr>
+            </a:lvl4pPr>
+            <a:lvl5pPr marL="1828800" algn="l" defTabSz="914400" rtl="0" eaLnBrk="1" latinLnBrk="0" hangingPunct="1">
+              <a:defRPr sz="1800" kern="1200">
+                <a:solidFill>
+                  <a:schemeClr val="tx1"/>
+                </a:solidFill>
+                <a:latin typeface="+mn-lt"/>
+                <a:ea typeface="+mn-ea"/>
+                <a:cs typeface="+mn-cs"/>
+              </a:defRPr>
+            </a:lvl5pPr>
+            <a:lvl6pPr marL="2286000" algn="l" defTabSz="914400" rtl="0" eaLnBrk="1" latinLnBrk="0" hangingPunct="1">
+              <a:defRPr sz="1800" kern="1200">
+                <a:solidFill>
+                  <a:schemeClr val="tx1"/>
+                </a:solidFill>
+                <a:latin typeface="+mn-lt"/>
+                <a:ea typeface="+mn-ea"/>
+                <a:cs typeface="+mn-cs"/>
+              </a:defRPr>
+            </a:lvl6pPr>
+            <a:lvl7pPr marL="2743200" algn="l" defTabSz="914400" rtl="0" eaLnBrk="1" latinLnBrk="0" hangingPunct="1">
+              <a:defRPr sz="1800" kern="1200">
+                <a:solidFill>
+                  <a:schemeClr val="tx1"/>
+                </a:solidFill>
+                <a:latin typeface="+mn-lt"/>
+                <a:ea typeface="+mn-ea"/>
+                <a:cs typeface="+mn-cs"/>
+              </a:defRPr>
+            </a:lvl7pPr>
+            <a:lvl8pPr marL="3200400" algn="l" defTabSz="914400" rtl="0" eaLnBrk="1" latinLnBrk="0" hangingPunct="1">
+              <a:defRPr sz="1800" kern="1200">
+                <a:solidFill>
+                  <a:schemeClr val="tx1"/>
+                </a:solidFill>
+                <a:latin typeface="+mn-lt"/>
+                <a:ea typeface="+mn-ea"/>
+                <a:cs typeface="+mn-cs"/>
+              </a:defRPr>
+            </a:lvl8pPr>
+            <a:lvl9pPr marL="3657600" algn="l" defTabSz="914400" rtl="0" eaLnBrk="1" latinLnBrk="0" hangingPunct="1">
+              <a:defRPr sz="1800" kern="1200">
+                <a:solidFill>
+                  <a:schemeClr val="tx1"/>
+                </a:solidFill>
+                <a:latin typeface="+mn-lt"/>
+                <a:ea typeface="+mn-ea"/>
+                <a:cs typeface="+mn-cs"/>
+              </a:defRPr>
+            </a:lvl9pPr>
+          </a:lstStyle>
+          <a:p>
+            <a:fld id="{73D4391C-B8C0-B24A-A837-316267417444}" type="slidenum">
+              <a:rPr lang="ru-RU" smtClean="0">
+                <a:solidFill>
+                  <a:schemeClr val="bg1"/>
+                </a:solidFill>
+              </a:rPr>
+              <a:pPr/>
+              <a:t>6</a:t>
+            </a:fld>
+            <a:endParaRPr lang="ru-RU" dirty="0">
+              <a:solidFill>
+                <a:schemeClr val="bg1"/>
+              </a:solidFill>
+            </a:endParaRPr>
+          </a:p>
+        </p:txBody>
+      </p:sp>
+      <p:pic>
+        <p:nvPicPr>
+          <p:cNvPr id="6" name="Рисунок 5">
+            <a:extLst>
+              <a:ext uri="{FF2B5EF4-FFF2-40B4-BE49-F238E27FC236}">
+                <a16:creationId xmlns:a16="http://schemas.microsoft.com/office/drawing/2014/main" id="{8C1B1DD8-2623-D04E-ACD5-EFE633ACDA37}"/>
+              </a:ext>
+            </a:extLst>
+          </p:cNvPr>
+          <p:cNvPicPr>
+            <a:picLocks noChangeAspect="1"/>
+          </p:cNvPicPr>
+          <p:nvPr/>
+        </p:nvPicPr>
+        <p:blipFill>
+          <a:blip r:embed="rId3" cstate="print">
+            <a:extLst>
+              <a:ext uri="{28A0092B-C50C-407E-A947-70E740481C1C}">
+                <a14:useLocalDpi xmlns:a14="http://schemas.microsoft.com/office/drawing/2010/main" val="0"/>
+              </a:ext>
+              <a:ext uri="{96DAC541-7B7A-43D3-8B79-37D633B846F1}">
+                <asvg:svgBlip xmlns:asvg="http://schemas.microsoft.com/office/drawing/2016/SVG/main" r:embed="rId4"/>
+              </a:ext>
+            </a:extLst>
+          </a:blip>
+          <a:stretch>
+            <a:fillRect/>
+          </a:stretch>
+        </p:blipFill>
+        <p:spPr>
+          <a:xfrm>
+            <a:off x="9099532" y="-197635"/>
+            <a:ext cx="2166695" cy="1666688"/>
+          </a:xfrm>
+          <a:prstGeom prst="rect">
+            <a:avLst/>
+          </a:prstGeom>
+        </p:spPr>
+      </p:pic>
+      <p:sp>
+        <p:nvSpPr>
+          <p:cNvPr id="7" name="TextBox 6">
+            <a:extLst>
+              <a:ext uri="{FF2B5EF4-FFF2-40B4-BE49-F238E27FC236}">
+                <a16:creationId xmlns:a16="http://schemas.microsoft.com/office/drawing/2014/main" id="{E3E40540-5264-6445-72A8-02EA5A4B78A6}"/>
+              </a:ext>
+            </a:extLst>
+          </p:cNvPr>
+          <p:cNvSpPr txBox="1"/>
+          <p:nvPr/>
+        </p:nvSpPr>
+        <p:spPr>
+          <a:xfrm>
+            <a:off x="10599762" y="266377"/>
+            <a:ext cx="2083558" cy="738664"/>
+          </a:xfrm>
+          <a:prstGeom prst="rect">
+            <a:avLst/>
+          </a:prstGeom>
+          <a:noFill/>
+        </p:spPr>
+        <p:txBody>
+          <a:bodyPr wrap="square" rtlCol="0">
+            <a:spAutoFit/>
+          </a:bodyPr>
+          <a:lstStyle/>
+          <a:p>
+            <a:r>
+              <a:rPr lang="ru-RU" sz="1050" dirty="0">
+                <a:solidFill>
+                  <a:schemeClr val="bg1">
+                    <a:lumMod val="75000"/>
+                  </a:schemeClr>
+                </a:solidFill>
+                <a:latin typeface="Arial" panose="020B0604020202020204" pitchFamily="34" charset="0"/>
+                <a:cs typeface="Arial" panose="020B0604020202020204" pitchFamily="34" charset="0"/>
+              </a:rPr>
+              <a:t>Томский</a:t>
+            </a:r>
+          </a:p>
+          <a:p>
+            <a:r>
+              <a:rPr lang="ru-RU" sz="1050" dirty="0">
+                <a:solidFill>
+                  <a:schemeClr val="bg1">
+                    <a:lumMod val="75000"/>
+                  </a:schemeClr>
+                </a:solidFill>
+                <a:latin typeface="Arial" panose="020B0604020202020204" pitchFamily="34" charset="0"/>
+                <a:cs typeface="Arial" panose="020B0604020202020204" pitchFamily="34" charset="0"/>
+              </a:rPr>
+              <a:t>Государственный университет</a:t>
+            </a:r>
+          </a:p>
+          <a:p>
+            <a:r>
+              <a:rPr lang="ru-RU" sz="1050" dirty="0">
+                <a:solidFill>
+                  <a:schemeClr val="bg1">
+                    <a:lumMod val="75000"/>
+                  </a:schemeClr>
+                </a:solidFill>
+                <a:latin typeface="Arial" panose="020B0604020202020204" pitchFamily="34" charset="0"/>
+                <a:cs typeface="Arial" panose="020B0604020202020204" pitchFamily="34" charset="0"/>
+              </a:rPr>
+              <a:t>Высшая </a:t>
+            </a:r>
+            <a:r>
+              <a:rPr lang="en-US" sz="1050" dirty="0">
+                <a:solidFill>
+                  <a:schemeClr val="bg1">
+                    <a:lumMod val="75000"/>
+                  </a:schemeClr>
+                </a:solidFill>
+                <a:latin typeface="Arial" panose="020B0604020202020204" pitchFamily="34" charset="0"/>
+                <a:cs typeface="Arial" panose="020B0604020202020204" pitchFamily="34" charset="0"/>
+              </a:rPr>
+              <a:t>IT </a:t>
+            </a:r>
+            <a:r>
+              <a:rPr lang="ru-RU" sz="1050" dirty="0">
+                <a:solidFill>
+                  <a:schemeClr val="bg1">
+                    <a:lumMod val="75000"/>
+                  </a:schemeClr>
+                </a:solidFill>
+                <a:latin typeface="Arial" panose="020B0604020202020204" pitchFamily="34" charset="0"/>
+                <a:cs typeface="Arial" panose="020B0604020202020204" pitchFamily="34" charset="0"/>
+              </a:rPr>
+              <a:t>Школа</a:t>
+            </a:r>
+          </a:p>
+        </p:txBody>
+      </p:sp>
+      <p:pic>
+        <p:nvPicPr>
+          <p:cNvPr id="3082" name="Picture 10">
+            <a:extLst>
+              <a:ext uri="{FF2B5EF4-FFF2-40B4-BE49-F238E27FC236}">
+                <a16:creationId xmlns:a16="http://schemas.microsoft.com/office/drawing/2014/main" id="{E31DC00E-5EA2-4ABA-E162-969C51FDCDA0}"/>
+              </a:ext>
+            </a:extLst>
+          </p:cNvPr>
+          <p:cNvPicPr>
+            <a:picLocks noChangeAspect="1" noChangeArrowheads="1"/>
+          </p:cNvPicPr>
+          <p:nvPr/>
+        </p:nvPicPr>
+        <p:blipFill>
+          <a:blip r:embed="rId5">
+            <a:extLst>
+              <a:ext uri="{28A0092B-C50C-407E-A947-70E740481C1C}">
+                <a14:useLocalDpi xmlns:a14="http://schemas.microsoft.com/office/drawing/2010/main" val="0"/>
+              </a:ext>
+            </a:extLst>
+          </a:blip>
+          <a:srcRect/>
+          <a:stretch>
+            <a:fillRect/>
+          </a:stretch>
+        </p:blipFill>
+        <p:spPr bwMode="auto">
+          <a:xfrm>
+            <a:off x="975774" y="966533"/>
+            <a:ext cx="11100764" cy="5891467"/>
+          </a:xfrm>
+          <a:prstGeom prst="rect">
+            <a:avLst/>
+          </a:prstGeom>
+          <a:noFill/>
+          <a:extLst>
+            <a:ext uri="{909E8E84-426E-40DD-AFC4-6F175D3DCCD1}">
+              <a14:hiddenFill xmlns:a14="http://schemas.microsoft.com/office/drawing/2010/main">
+                <a:solidFill>
+                  <a:srgbClr val="FFFFFF"/>
+                </a:solidFill>
+              </a14:hiddenFill>
+            </a:ext>
+          </a:extLst>
+        </p:spPr>
+      </p:pic>
+    </p:spTree>
+    <p:extLst>
+      <p:ext uri="{BB962C8B-B14F-4D97-AF65-F5344CB8AC3E}">
+        <p14:creationId xmlns:p14="http://schemas.microsoft.com/office/powerpoint/2010/main" val="2286469342"/>
+      </p:ext>
+    </p:extLst>
+  </p:cSld>
+  <p:clrMapOvr>
+    <a:masterClrMapping/>
+  </p:clrMapOvr>
+</p:sld>
+</file>
+
+<file path=ppt/slides/slide7.xml><?xml version="1.0" encoding="utf-8"?>
+<p:sld xmlns:a="http://schemas.openxmlformats.org/drawingml/2006/main" xmlns:r="http://schemas.openxmlformats.org/officeDocument/2006/relationships" xmlns:p="http://schemas.openxmlformats.org/presentationml/2006/main">
+  <p:cSld>
+    <p:spTree>
+      <p:nvGrpSpPr>
+        <p:cNvPr id="1" name="">
+          <a:extLst>
+            <a:ext uri="{FF2B5EF4-FFF2-40B4-BE49-F238E27FC236}">
+              <a16:creationId xmlns:a16="http://schemas.microsoft.com/office/drawing/2014/main" id="{2FC5EBD4-E5F2-5292-89A7-E1C2180DB0E0}"/>
+            </a:ext>
+          </a:extLst>
+        </p:cNvPr>
+        <p:cNvGrpSpPr/>
+        <p:nvPr/>
+      </p:nvGrpSpPr>
+      <p:grpSpPr>
+        <a:xfrm>
+          <a:off x="0" y="0"/>
+          <a:ext cx="0" cy="0"/>
+          <a:chOff x="0" y="0"/>
+          <a:chExt cx="0" cy="0"/>
+        </a:xfrm>
+      </p:grpSpPr>
+      <p:sp>
+        <p:nvSpPr>
+          <p:cNvPr id="3" name="Прямоугольник 2">
+            <a:extLst>
+              <a:ext uri="{FF2B5EF4-FFF2-40B4-BE49-F238E27FC236}">
+                <a16:creationId xmlns:a16="http://schemas.microsoft.com/office/drawing/2014/main" id="{FD1F7BD8-E1A7-7ED2-94C3-F0BFE5B03BD2}"/>
+              </a:ext>
+            </a:extLst>
+          </p:cNvPr>
+          <p:cNvSpPr/>
+          <p:nvPr/>
+        </p:nvSpPr>
+        <p:spPr>
+          <a:xfrm>
+            <a:off x="0" y="266377"/>
+            <a:ext cx="903595" cy="364195"/>
+          </a:xfrm>
+          <a:prstGeom prst="rect">
+            <a:avLst/>
+          </a:prstGeom>
+          <a:ln>
+            <a:noFill/>
+          </a:ln>
+        </p:spPr>
+        <p:style>
+          <a:lnRef idx="2">
+            <a:schemeClr val="accent1">
+              <a:shade val="50000"/>
+            </a:schemeClr>
+          </a:lnRef>
+          <a:fillRef idx="1">
+            <a:schemeClr val="accent1"/>
+          </a:fillRef>
+          <a:effectRef idx="0">
+            <a:schemeClr val="accent1"/>
+          </a:effectRef>
+          <a:fontRef idx="minor">
+            <a:schemeClr val="lt1"/>
+          </a:fontRef>
+        </p:style>
+        <p:txBody>
+          <a:bodyPr rtlCol="0" anchor="ctr"/>
+          <a:lstStyle/>
+          <a:p>
+            <a:pPr algn="ctr"/>
+            <a:endParaRPr lang="ru-RU"/>
+          </a:p>
+        </p:txBody>
+      </p:sp>
+      <p:sp>
+        <p:nvSpPr>
+          <p:cNvPr id="2" name="Slide Number Placeholder 1">
+            <a:extLst>
+              <a:ext uri="{FF2B5EF4-FFF2-40B4-BE49-F238E27FC236}">
+                <a16:creationId xmlns:a16="http://schemas.microsoft.com/office/drawing/2014/main" id="{545B4265-90C8-6E3C-4426-B088F9151E09}"/>
+              </a:ext>
+            </a:extLst>
+          </p:cNvPr>
+          <p:cNvSpPr txBox="1">
+            <a:spLocks/>
+          </p:cNvSpPr>
+          <p:nvPr/>
+        </p:nvSpPr>
+        <p:spPr>
+          <a:xfrm>
+            <a:off x="165463" y="266377"/>
+            <a:ext cx="738132" cy="364195"/>
+          </a:xfrm>
+          <a:prstGeom prst="rect">
+            <a:avLst/>
+          </a:prstGeom>
+        </p:spPr>
+        <p:txBody>
+          <a:bodyPr vert="horz" lIns="91440" tIns="45720" rIns="91440" bIns="45720" rtlCol="0" anchor="ctr"/>
+          <a:lstStyle>
+            <a:defPPr>
+              <a:defRPr lang="ru-RU"/>
+            </a:defPPr>
+            <a:lvl1pPr marL="0" algn="r" defTabSz="914400" rtl="0" eaLnBrk="1" latinLnBrk="0" hangingPunct="1">
+              <a:defRPr sz="1200" kern="1200">
+                <a:solidFill>
+                  <a:schemeClr val="tx1">
+                    <a:tint val="75000"/>
+                  </a:schemeClr>
+                </a:solidFill>
+                <a:latin typeface="+mn-lt"/>
+                <a:ea typeface="+mn-ea"/>
+                <a:cs typeface="+mn-cs"/>
+              </a:defRPr>
+            </a:lvl1pPr>
+            <a:lvl2pPr marL="457200" algn="l" defTabSz="914400" rtl="0" eaLnBrk="1" latinLnBrk="0" hangingPunct="1">
+              <a:defRPr sz="1800" kern="1200">
+                <a:solidFill>
+                  <a:schemeClr val="tx1"/>
+                </a:solidFill>
+                <a:latin typeface="+mn-lt"/>
+                <a:ea typeface="+mn-ea"/>
+                <a:cs typeface="+mn-cs"/>
+              </a:defRPr>
+            </a:lvl2pPr>
+            <a:lvl3pPr marL="914400" algn="l" defTabSz="914400" rtl="0" eaLnBrk="1" latinLnBrk="0" hangingPunct="1">
+              <a:defRPr sz="1800" kern="1200">
+                <a:solidFill>
+                  <a:schemeClr val="tx1"/>
+                </a:solidFill>
+                <a:latin typeface="+mn-lt"/>
+                <a:ea typeface="+mn-ea"/>
+                <a:cs typeface="+mn-cs"/>
+              </a:defRPr>
+            </a:lvl3pPr>
+            <a:lvl4pPr marL="1371600" algn="l" defTabSz="914400" rtl="0" eaLnBrk="1" latinLnBrk="0" hangingPunct="1">
+              <a:defRPr sz="1800" kern="1200">
+                <a:solidFill>
+                  <a:schemeClr val="tx1"/>
+                </a:solidFill>
+                <a:latin typeface="+mn-lt"/>
+                <a:ea typeface="+mn-ea"/>
+                <a:cs typeface="+mn-cs"/>
+              </a:defRPr>
+            </a:lvl4pPr>
+            <a:lvl5pPr marL="1828800" algn="l" defTabSz="914400" rtl="0" eaLnBrk="1" latinLnBrk="0" hangingPunct="1">
+              <a:defRPr sz="1800" kern="1200">
+                <a:solidFill>
+                  <a:schemeClr val="tx1"/>
+                </a:solidFill>
+                <a:latin typeface="+mn-lt"/>
+                <a:ea typeface="+mn-ea"/>
+                <a:cs typeface="+mn-cs"/>
+              </a:defRPr>
+            </a:lvl5pPr>
+            <a:lvl6pPr marL="2286000" algn="l" defTabSz="914400" rtl="0" eaLnBrk="1" latinLnBrk="0" hangingPunct="1">
+              <a:defRPr sz="1800" kern="1200">
+                <a:solidFill>
+                  <a:schemeClr val="tx1"/>
+                </a:solidFill>
+                <a:latin typeface="+mn-lt"/>
+                <a:ea typeface="+mn-ea"/>
+                <a:cs typeface="+mn-cs"/>
+              </a:defRPr>
+            </a:lvl6pPr>
+            <a:lvl7pPr marL="2743200" algn="l" defTabSz="914400" rtl="0" eaLnBrk="1" latinLnBrk="0" hangingPunct="1">
+              <a:defRPr sz="1800" kern="1200">
+                <a:solidFill>
+                  <a:schemeClr val="tx1"/>
+                </a:solidFill>
+                <a:latin typeface="+mn-lt"/>
+                <a:ea typeface="+mn-ea"/>
+                <a:cs typeface="+mn-cs"/>
+              </a:defRPr>
+            </a:lvl7pPr>
+            <a:lvl8pPr marL="3200400" algn="l" defTabSz="914400" rtl="0" eaLnBrk="1" latinLnBrk="0" hangingPunct="1">
+              <a:defRPr sz="1800" kern="1200">
+                <a:solidFill>
+                  <a:schemeClr val="tx1"/>
+                </a:solidFill>
+                <a:latin typeface="+mn-lt"/>
+                <a:ea typeface="+mn-ea"/>
+                <a:cs typeface="+mn-cs"/>
+              </a:defRPr>
+            </a:lvl8pPr>
+            <a:lvl9pPr marL="3657600" algn="l" defTabSz="914400" rtl="0" eaLnBrk="1" latinLnBrk="0" hangingPunct="1">
+              <a:defRPr sz="1800" kern="1200">
+                <a:solidFill>
+                  <a:schemeClr val="tx1"/>
+                </a:solidFill>
+                <a:latin typeface="+mn-lt"/>
+                <a:ea typeface="+mn-ea"/>
+                <a:cs typeface="+mn-cs"/>
+              </a:defRPr>
+            </a:lvl9pPr>
+          </a:lstStyle>
+          <a:p>
+            <a:fld id="{73D4391C-B8C0-B24A-A837-316267417444}" type="slidenum">
+              <a:rPr lang="ru-RU" smtClean="0">
+                <a:solidFill>
+                  <a:schemeClr val="bg1"/>
+                </a:solidFill>
+              </a:rPr>
+              <a:pPr/>
+              <a:t>7</a:t>
+            </a:fld>
+            <a:endParaRPr lang="ru-RU" dirty="0">
+              <a:solidFill>
+                <a:schemeClr val="bg1"/>
+              </a:solidFill>
+            </a:endParaRPr>
+          </a:p>
+        </p:txBody>
+      </p:sp>
+      <p:pic>
+        <p:nvPicPr>
+          <p:cNvPr id="6" name="Рисунок 5">
+            <a:extLst>
+              <a:ext uri="{FF2B5EF4-FFF2-40B4-BE49-F238E27FC236}">
+                <a16:creationId xmlns:a16="http://schemas.microsoft.com/office/drawing/2014/main" id="{83845484-D49F-54DD-AFE5-E08EBE7D336C}"/>
+              </a:ext>
+            </a:extLst>
+          </p:cNvPr>
+          <p:cNvPicPr>
+            <a:picLocks noChangeAspect="1"/>
+          </p:cNvPicPr>
+          <p:nvPr/>
+        </p:nvPicPr>
+        <p:blipFill>
+          <a:blip r:embed="rId3" cstate="print">
+            <a:extLst>
+              <a:ext uri="{28A0092B-C50C-407E-A947-70E740481C1C}">
+                <a14:useLocalDpi xmlns:a14="http://schemas.microsoft.com/office/drawing/2010/main" val="0"/>
+              </a:ext>
+              <a:ext uri="{96DAC541-7B7A-43D3-8B79-37D633B846F1}">
+                <asvg:svgBlip xmlns:asvg="http://schemas.microsoft.com/office/drawing/2016/SVG/main" r:embed="rId4"/>
+              </a:ext>
+            </a:extLst>
+          </a:blip>
+          <a:stretch>
+            <a:fillRect/>
+          </a:stretch>
+        </p:blipFill>
+        <p:spPr>
+          <a:xfrm>
+            <a:off x="9099532" y="-197635"/>
+            <a:ext cx="2166695" cy="1666688"/>
+          </a:xfrm>
+          <a:prstGeom prst="rect">
+            <a:avLst/>
+          </a:prstGeom>
+        </p:spPr>
+      </p:pic>
+      <p:sp>
+        <p:nvSpPr>
+          <p:cNvPr id="7" name="TextBox 6">
+            <a:extLst>
+              <a:ext uri="{FF2B5EF4-FFF2-40B4-BE49-F238E27FC236}">
+                <a16:creationId xmlns:a16="http://schemas.microsoft.com/office/drawing/2014/main" id="{7944BD0A-EAC3-78CD-ABAF-59D7F8160205}"/>
+              </a:ext>
+            </a:extLst>
+          </p:cNvPr>
+          <p:cNvSpPr txBox="1"/>
+          <p:nvPr/>
+        </p:nvSpPr>
+        <p:spPr>
+          <a:xfrm>
+            <a:off x="10599762" y="266377"/>
+            <a:ext cx="2083558" cy="738664"/>
+          </a:xfrm>
+          <a:prstGeom prst="rect">
+            <a:avLst/>
+          </a:prstGeom>
+          <a:noFill/>
+        </p:spPr>
+        <p:txBody>
+          <a:bodyPr wrap="square" rtlCol="0">
+            <a:spAutoFit/>
+          </a:bodyPr>
+          <a:lstStyle/>
+          <a:p>
+            <a:r>
+              <a:rPr lang="ru-RU" sz="1050" dirty="0">
+                <a:solidFill>
+                  <a:schemeClr val="bg1">
+                    <a:lumMod val="75000"/>
+                  </a:schemeClr>
+                </a:solidFill>
+                <a:latin typeface="Arial" panose="020B0604020202020204" pitchFamily="34" charset="0"/>
+                <a:cs typeface="Arial" panose="020B0604020202020204" pitchFamily="34" charset="0"/>
+              </a:rPr>
+              <a:t>Томский</a:t>
+            </a:r>
+          </a:p>
+          <a:p>
+            <a:r>
+              <a:rPr lang="ru-RU" sz="1050" dirty="0">
+                <a:solidFill>
+                  <a:schemeClr val="bg1">
+                    <a:lumMod val="75000"/>
+                  </a:schemeClr>
+                </a:solidFill>
+                <a:latin typeface="Arial" panose="020B0604020202020204" pitchFamily="34" charset="0"/>
+                <a:cs typeface="Arial" panose="020B0604020202020204" pitchFamily="34" charset="0"/>
+              </a:rPr>
+              <a:t>Государственный университет</a:t>
+            </a:r>
+          </a:p>
+          <a:p>
+            <a:r>
+              <a:rPr lang="ru-RU" sz="1050" dirty="0">
+                <a:solidFill>
+                  <a:schemeClr val="bg1">
+                    <a:lumMod val="75000"/>
+                  </a:schemeClr>
+                </a:solidFill>
+                <a:latin typeface="Arial" panose="020B0604020202020204" pitchFamily="34" charset="0"/>
+                <a:cs typeface="Arial" panose="020B0604020202020204" pitchFamily="34" charset="0"/>
+              </a:rPr>
+              <a:t>Высшая </a:t>
+            </a:r>
+            <a:r>
+              <a:rPr lang="en-US" sz="1050" dirty="0">
+                <a:solidFill>
+                  <a:schemeClr val="bg1">
+                    <a:lumMod val="75000"/>
+                  </a:schemeClr>
+                </a:solidFill>
+                <a:latin typeface="Arial" panose="020B0604020202020204" pitchFamily="34" charset="0"/>
+                <a:cs typeface="Arial" panose="020B0604020202020204" pitchFamily="34" charset="0"/>
+              </a:rPr>
+              <a:t>IT </a:t>
+            </a:r>
+            <a:r>
+              <a:rPr lang="ru-RU" sz="1050" dirty="0">
+                <a:solidFill>
+                  <a:schemeClr val="bg1">
+                    <a:lumMod val="75000"/>
+                  </a:schemeClr>
+                </a:solidFill>
+                <a:latin typeface="Arial" panose="020B0604020202020204" pitchFamily="34" charset="0"/>
+                <a:cs typeface="Arial" panose="020B0604020202020204" pitchFamily="34" charset="0"/>
+              </a:rPr>
+              <a:t>Школа</a:t>
+            </a:r>
+          </a:p>
+        </p:txBody>
+      </p:sp>
+      <p:sp>
+        <p:nvSpPr>
+          <p:cNvPr id="12" name="Объект 2">
+            <a:extLst>
+              <a:ext uri="{FF2B5EF4-FFF2-40B4-BE49-F238E27FC236}">
+                <a16:creationId xmlns:a16="http://schemas.microsoft.com/office/drawing/2014/main" id="{45B46076-A026-E0A8-557B-286EC565C2F6}"/>
               </a:ext>
             </a:extLst>
           </p:cNvPr>
@@ -12363,6 +17256,535 @@
             <p:ph idx="1"/>
           </p:nvPr>
         </p:nvSpPr>
+        <p:spPr bwMode="auto">
+          <a:xfrm>
+            <a:off x="947738" y="800100"/>
+            <a:ext cx="10656887" cy="5034116"/>
+          </a:xfrm>
+        </p:spPr>
+        <p:txBody>
+          <a:bodyPr>
+            <a:normAutofit/>
+          </a:bodyPr>
+          <a:lstStyle/>
+          <a:p>
+            <a:pPr marL="0" indent="0">
+              <a:buNone/>
+              <a:defRPr/>
+            </a:pPr>
+            <a:r>
+              <a:rPr lang="ru-RU" sz="3000" b="1" dirty="0"/>
+              <a:t>Цель</a:t>
+            </a:r>
+          </a:p>
+          <a:p>
+            <a:pPr marL="0" indent="0">
+              <a:buNone/>
+              <a:defRPr/>
+            </a:pPr>
+            <a:r>
+              <a:rPr lang="ru-RU" sz="3000" dirty="0"/>
+              <a:t>Автоматизировать процесс настройки поставки данных для </a:t>
+            </a:r>
+            <a:r>
+              <a:rPr lang="en-US" sz="3000" dirty="0"/>
+              <a:t>SOC, </a:t>
+            </a:r>
+            <a:r>
+              <a:rPr lang="ru-RU" sz="3000" dirty="0"/>
+              <a:t>сведя его к написанию конфига </a:t>
+            </a:r>
+            <a:r>
+              <a:rPr lang="ru-RU" sz="2000" dirty="0">
+                <a:solidFill>
+                  <a:srgbClr val="FF0000"/>
+                </a:solidFill>
+              </a:rPr>
+              <a:t>(Подлежит изменению</a:t>
+            </a:r>
+            <a:r>
+              <a:rPr lang="en-US" sz="2000" dirty="0">
+                <a:solidFill>
+                  <a:srgbClr val="FF0000"/>
+                </a:solidFill>
+              </a:rPr>
+              <a:t>)</a:t>
+            </a:r>
+            <a:endParaRPr lang="ru-RU" sz="3000" dirty="0"/>
+          </a:p>
+          <a:p>
+            <a:pPr marL="0" indent="0">
+              <a:buNone/>
+              <a:defRPr/>
+            </a:pPr>
+            <a:r>
+              <a:rPr lang="ru-RU" sz="3000" b="1" dirty="0"/>
+              <a:t>Задачи</a:t>
+            </a:r>
+            <a:endParaRPr sz="3000" dirty="0"/>
+          </a:p>
+          <a:p>
+            <a:pPr marL="514350" indent="-338138">
+              <a:lnSpc>
+                <a:spcPct val="110000"/>
+              </a:lnSpc>
+              <a:spcBef>
+                <a:spcPts val="1200"/>
+              </a:spcBef>
+              <a:buFont typeface="+mj-lt"/>
+              <a:buAutoNum type="arabicPeriod"/>
+              <a:defRPr/>
+            </a:pPr>
+            <a:r>
+              <a:rPr lang="ru-RU" dirty="0"/>
+              <a:t> Спроектировать автоматизацию процесса</a:t>
+            </a:r>
+          </a:p>
+          <a:p>
+            <a:pPr marL="514350" indent="-338138">
+              <a:lnSpc>
+                <a:spcPct val="110000"/>
+              </a:lnSpc>
+              <a:spcBef>
+                <a:spcPts val="1200"/>
+              </a:spcBef>
+              <a:buFont typeface="+mj-lt"/>
+              <a:buAutoNum type="arabicPeriod"/>
+              <a:defRPr/>
+            </a:pPr>
+            <a:r>
+              <a:rPr lang="ru-RU" dirty="0"/>
+              <a:t>Разработать необходимые инструменты для автоматизации</a:t>
+            </a:r>
+          </a:p>
+          <a:p>
+            <a:pPr marL="514350" indent="-338138">
+              <a:lnSpc>
+                <a:spcPct val="110000"/>
+              </a:lnSpc>
+              <a:spcBef>
+                <a:spcPts val="1200"/>
+              </a:spcBef>
+              <a:buFont typeface="+mj-lt"/>
+              <a:buAutoNum type="arabicPeriod"/>
+              <a:defRPr/>
+            </a:pPr>
+            <a:r>
+              <a:rPr lang="ru-RU" dirty="0"/>
+              <a:t>Внедрить процесс</a:t>
+            </a:r>
+          </a:p>
+        </p:txBody>
+      </p:sp>
+    </p:spTree>
+    <p:extLst>
+      <p:ext uri="{BB962C8B-B14F-4D97-AF65-F5344CB8AC3E}">
+        <p14:creationId xmlns:p14="http://schemas.microsoft.com/office/powerpoint/2010/main" val="2521143933"/>
+      </p:ext>
+    </p:extLst>
+  </p:cSld>
+  <p:clrMapOvr>
+    <a:masterClrMapping/>
+  </p:clrMapOvr>
+</p:sld>
+</file>
+
+<file path=ppt/slides/slide8.xml><?xml version="1.0" encoding="utf-8"?>
+<p:sld xmlns:a="http://schemas.openxmlformats.org/drawingml/2006/main" xmlns:r="http://schemas.openxmlformats.org/officeDocument/2006/relationships" xmlns:p="http://schemas.openxmlformats.org/presentationml/2006/main">
+  <p:cSld>
+    <p:spTree>
+      <p:nvGrpSpPr>
+        <p:cNvPr id="1" name="">
+          <a:extLst>
+            <a:ext uri="{FF2B5EF4-FFF2-40B4-BE49-F238E27FC236}">
+              <a16:creationId xmlns:a16="http://schemas.microsoft.com/office/drawing/2014/main" id="{AD64F8D5-77E8-2F95-049E-6D988FA7FBC5}"/>
+            </a:ext>
+          </a:extLst>
+        </p:cNvPr>
+        <p:cNvGrpSpPr/>
+        <p:nvPr/>
+      </p:nvGrpSpPr>
+      <p:grpSpPr>
+        <a:xfrm>
+          <a:off x="0" y="0"/>
+          <a:ext cx="0" cy="0"/>
+          <a:chOff x="0" y="0"/>
+          <a:chExt cx="0" cy="0"/>
+        </a:xfrm>
+      </p:grpSpPr>
+      <p:sp>
+        <p:nvSpPr>
+          <p:cNvPr id="3" name="Прямоугольник 2">
+            <a:extLst>
+              <a:ext uri="{FF2B5EF4-FFF2-40B4-BE49-F238E27FC236}">
+                <a16:creationId xmlns:a16="http://schemas.microsoft.com/office/drawing/2014/main" id="{6F71DC43-BB9F-5496-A0AE-82DF1F657C5F}"/>
+              </a:ext>
+            </a:extLst>
+          </p:cNvPr>
+          <p:cNvSpPr/>
+          <p:nvPr/>
+        </p:nvSpPr>
+        <p:spPr>
+          <a:xfrm>
+            <a:off x="0" y="266377"/>
+            <a:ext cx="903595" cy="364195"/>
+          </a:xfrm>
+          <a:prstGeom prst="rect">
+            <a:avLst/>
+          </a:prstGeom>
+          <a:ln>
+            <a:noFill/>
+          </a:ln>
+        </p:spPr>
+        <p:style>
+          <a:lnRef idx="2">
+            <a:schemeClr val="accent1">
+              <a:shade val="50000"/>
+            </a:schemeClr>
+          </a:lnRef>
+          <a:fillRef idx="1">
+            <a:schemeClr val="accent1"/>
+          </a:fillRef>
+          <a:effectRef idx="0">
+            <a:schemeClr val="accent1"/>
+          </a:effectRef>
+          <a:fontRef idx="minor">
+            <a:schemeClr val="lt1"/>
+          </a:fontRef>
+        </p:style>
+        <p:txBody>
+          <a:bodyPr rtlCol="0" anchor="ctr"/>
+          <a:lstStyle/>
+          <a:p>
+            <a:pPr algn="ctr"/>
+            <a:endParaRPr lang="ru-RU"/>
+          </a:p>
+        </p:txBody>
+      </p:sp>
+      <p:sp>
+        <p:nvSpPr>
+          <p:cNvPr id="8" name="Title 7">
+            <a:extLst>
+              <a:ext uri="{FF2B5EF4-FFF2-40B4-BE49-F238E27FC236}">
+                <a16:creationId xmlns:a16="http://schemas.microsoft.com/office/drawing/2014/main" id="{A25435D6-A318-2C6B-B3C4-158429A83377}"/>
+              </a:ext>
+            </a:extLst>
+          </p:cNvPr>
+          <p:cNvSpPr>
+            <a:spLocks noGrp="1"/>
+          </p:cNvSpPr>
+          <p:nvPr>
+            <p:ph type="title"/>
+          </p:nvPr>
+        </p:nvSpPr>
+        <p:spPr>
+          <a:xfrm>
+            <a:off x="838200" y="630572"/>
+            <a:ext cx="10515600" cy="1325563"/>
+          </a:xfrm>
+        </p:spPr>
+        <p:txBody>
+          <a:bodyPr/>
+          <a:lstStyle/>
+          <a:p>
+            <a:r>
+              <a:rPr lang="ru-RU" sz="4400" dirty="0"/>
+              <a:t>Требования к автоматизации</a:t>
+            </a:r>
+            <a:endParaRPr lang="ru-RU" dirty="0"/>
+          </a:p>
+        </p:txBody>
+      </p:sp>
+      <p:sp>
+        <p:nvSpPr>
+          <p:cNvPr id="2" name="Slide Number Placeholder 1">
+            <a:extLst>
+              <a:ext uri="{FF2B5EF4-FFF2-40B4-BE49-F238E27FC236}">
+                <a16:creationId xmlns:a16="http://schemas.microsoft.com/office/drawing/2014/main" id="{38E6D4A9-8128-D63F-759B-83E6A2693798}"/>
+              </a:ext>
+            </a:extLst>
+          </p:cNvPr>
+          <p:cNvSpPr txBox="1">
+            <a:spLocks/>
+          </p:cNvSpPr>
+          <p:nvPr/>
+        </p:nvSpPr>
+        <p:spPr>
+          <a:xfrm>
+            <a:off x="165463" y="266377"/>
+            <a:ext cx="738132" cy="364195"/>
+          </a:xfrm>
+          <a:prstGeom prst="rect">
+            <a:avLst/>
+          </a:prstGeom>
+        </p:spPr>
+        <p:txBody>
+          <a:bodyPr vert="horz" lIns="91440" tIns="45720" rIns="91440" bIns="45720" rtlCol="0" anchor="ctr"/>
+          <a:lstStyle>
+            <a:defPPr>
+              <a:defRPr lang="ru-RU"/>
+            </a:defPPr>
+            <a:lvl1pPr marL="0" algn="r" defTabSz="914400" rtl="0" eaLnBrk="1" latinLnBrk="0" hangingPunct="1">
+              <a:defRPr sz="1200" kern="1200">
+                <a:solidFill>
+                  <a:schemeClr val="tx1">
+                    <a:tint val="75000"/>
+                  </a:schemeClr>
+                </a:solidFill>
+                <a:latin typeface="+mn-lt"/>
+                <a:ea typeface="+mn-ea"/>
+                <a:cs typeface="+mn-cs"/>
+              </a:defRPr>
+            </a:lvl1pPr>
+            <a:lvl2pPr marL="457200" algn="l" defTabSz="914400" rtl="0" eaLnBrk="1" latinLnBrk="0" hangingPunct="1">
+              <a:defRPr sz="1800" kern="1200">
+                <a:solidFill>
+                  <a:schemeClr val="tx1"/>
+                </a:solidFill>
+                <a:latin typeface="+mn-lt"/>
+                <a:ea typeface="+mn-ea"/>
+                <a:cs typeface="+mn-cs"/>
+              </a:defRPr>
+            </a:lvl2pPr>
+            <a:lvl3pPr marL="914400" algn="l" defTabSz="914400" rtl="0" eaLnBrk="1" latinLnBrk="0" hangingPunct="1">
+              <a:defRPr sz="1800" kern="1200">
+                <a:solidFill>
+                  <a:schemeClr val="tx1"/>
+                </a:solidFill>
+                <a:latin typeface="+mn-lt"/>
+                <a:ea typeface="+mn-ea"/>
+                <a:cs typeface="+mn-cs"/>
+              </a:defRPr>
+            </a:lvl3pPr>
+            <a:lvl4pPr marL="1371600" algn="l" defTabSz="914400" rtl="0" eaLnBrk="1" latinLnBrk="0" hangingPunct="1">
+              <a:defRPr sz="1800" kern="1200">
+                <a:solidFill>
+                  <a:schemeClr val="tx1"/>
+                </a:solidFill>
+                <a:latin typeface="+mn-lt"/>
+                <a:ea typeface="+mn-ea"/>
+                <a:cs typeface="+mn-cs"/>
+              </a:defRPr>
+            </a:lvl4pPr>
+            <a:lvl5pPr marL="1828800" algn="l" defTabSz="914400" rtl="0" eaLnBrk="1" latinLnBrk="0" hangingPunct="1">
+              <a:defRPr sz="1800" kern="1200">
+                <a:solidFill>
+                  <a:schemeClr val="tx1"/>
+                </a:solidFill>
+                <a:latin typeface="+mn-lt"/>
+                <a:ea typeface="+mn-ea"/>
+                <a:cs typeface="+mn-cs"/>
+              </a:defRPr>
+            </a:lvl5pPr>
+            <a:lvl6pPr marL="2286000" algn="l" defTabSz="914400" rtl="0" eaLnBrk="1" latinLnBrk="0" hangingPunct="1">
+              <a:defRPr sz="1800" kern="1200">
+                <a:solidFill>
+                  <a:schemeClr val="tx1"/>
+                </a:solidFill>
+                <a:latin typeface="+mn-lt"/>
+                <a:ea typeface="+mn-ea"/>
+                <a:cs typeface="+mn-cs"/>
+              </a:defRPr>
+            </a:lvl6pPr>
+            <a:lvl7pPr marL="2743200" algn="l" defTabSz="914400" rtl="0" eaLnBrk="1" latinLnBrk="0" hangingPunct="1">
+              <a:defRPr sz="1800" kern="1200">
+                <a:solidFill>
+                  <a:schemeClr val="tx1"/>
+                </a:solidFill>
+                <a:latin typeface="+mn-lt"/>
+                <a:ea typeface="+mn-ea"/>
+                <a:cs typeface="+mn-cs"/>
+              </a:defRPr>
+            </a:lvl7pPr>
+            <a:lvl8pPr marL="3200400" algn="l" defTabSz="914400" rtl="0" eaLnBrk="1" latinLnBrk="0" hangingPunct="1">
+              <a:defRPr sz="1800" kern="1200">
+                <a:solidFill>
+                  <a:schemeClr val="tx1"/>
+                </a:solidFill>
+                <a:latin typeface="+mn-lt"/>
+                <a:ea typeface="+mn-ea"/>
+                <a:cs typeface="+mn-cs"/>
+              </a:defRPr>
+            </a:lvl8pPr>
+            <a:lvl9pPr marL="3657600" algn="l" defTabSz="914400" rtl="0" eaLnBrk="1" latinLnBrk="0" hangingPunct="1">
+              <a:defRPr sz="1800" kern="1200">
+                <a:solidFill>
+                  <a:schemeClr val="tx1"/>
+                </a:solidFill>
+                <a:latin typeface="+mn-lt"/>
+                <a:ea typeface="+mn-ea"/>
+                <a:cs typeface="+mn-cs"/>
+              </a:defRPr>
+            </a:lvl9pPr>
+          </a:lstStyle>
+          <a:p>
+            <a:fld id="{73D4391C-B8C0-B24A-A837-316267417444}" type="slidenum">
+              <a:rPr lang="ru-RU" smtClean="0">
+                <a:solidFill>
+                  <a:schemeClr val="bg1"/>
+                </a:solidFill>
+              </a:rPr>
+              <a:pPr/>
+              <a:t>8</a:t>
+            </a:fld>
+            <a:endParaRPr lang="ru-RU" dirty="0">
+              <a:solidFill>
+                <a:schemeClr val="bg1"/>
+              </a:solidFill>
+            </a:endParaRPr>
+          </a:p>
+        </p:txBody>
+      </p:sp>
+      <p:pic>
+        <p:nvPicPr>
+          <p:cNvPr id="6" name="Рисунок 5">
+            <a:extLst>
+              <a:ext uri="{FF2B5EF4-FFF2-40B4-BE49-F238E27FC236}">
+                <a16:creationId xmlns:a16="http://schemas.microsoft.com/office/drawing/2014/main" id="{D7670E03-D7A6-C083-94BC-7A5A3EBAAD34}"/>
+              </a:ext>
+            </a:extLst>
+          </p:cNvPr>
+          <p:cNvPicPr>
+            <a:picLocks noChangeAspect="1"/>
+          </p:cNvPicPr>
+          <p:nvPr/>
+        </p:nvPicPr>
+        <p:blipFill>
+          <a:blip r:embed="rId3" cstate="print">
+            <a:extLst>
+              <a:ext uri="{28A0092B-C50C-407E-A947-70E740481C1C}">
+                <a14:useLocalDpi xmlns:a14="http://schemas.microsoft.com/office/drawing/2010/main" val="0"/>
+              </a:ext>
+              <a:ext uri="{96DAC541-7B7A-43D3-8B79-37D633B846F1}">
+                <asvg:svgBlip xmlns:asvg="http://schemas.microsoft.com/office/drawing/2016/SVG/main" r:embed="rId4"/>
+              </a:ext>
+            </a:extLst>
+          </a:blip>
+          <a:stretch>
+            <a:fillRect/>
+          </a:stretch>
+        </p:blipFill>
+        <p:spPr>
+          <a:xfrm>
+            <a:off x="9099532" y="-197635"/>
+            <a:ext cx="2166695" cy="1666688"/>
+          </a:xfrm>
+          <a:prstGeom prst="rect">
+            <a:avLst/>
+          </a:prstGeom>
+        </p:spPr>
+      </p:pic>
+      <p:sp>
+        <p:nvSpPr>
+          <p:cNvPr id="7" name="TextBox 6">
+            <a:extLst>
+              <a:ext uri="{FF2B5EF4-FFF2-40B4-BE49-F238E27FC236}">
+                <a16:creationId xmlns:a16="http://schemas.microsoft.com/office/drawing/2014/main" id="{449F172F-00B8-1D07-46FA-CD2FD6F8EE31}"/>
+              </a:ext>
+            </a:extLst>
+          </p:cNvPr>
+          <p:cNvSpPr txBox="1"/>
+          <p:nvPr/>
+        </p:nvSpPr>
+        <p:spPr>
+          <a:xfrm>
+            <a:off x="10599762" y="266377"/>
+            <a:ext cx="2083558" cy="738664"/>
+          </a:xfrm>
+          <a:prstGeom prst="rect">
+            <a:avLst/>
+          </a:prstGeom>
+          <a:noFill/>
+        </p:spPr>
+        <p:txBody>
+          <a:bodyPr wrap="square" rtlCol="0">
+            <a:spAutoFit/>
+          </a:bodyPr>
+          <a:lstStyle/>
+          <a:p>
+            <a:r>
+              <a:rPr lang="ru-RU" sz="1050" dirty="0">
+                <a:solidFill>
+                  <a:schemeClr val="bg1">
+                    <a:lumMod val="75000"/>
+                  </a:schemeClr>
+                </a:solidFill>
+                <a:latin typeface="Arial" panose="020B0604020202020204" pitchFamily="34" charset="0"/>
+                <a:cs typeface="Arial" panose="020B0604020202020204" pitchFamily="34" charset="0"/>
+              </a:rPr>
+              <a:t>Томский</a:t>
+            </a:r>
+          </a:p>
+          <a:p>
+            <a:r>
+              <a:rPr lang="ru-RU" sz="1050" dirty="0">
+                <a:solidFill>
+                  <a:schemeClr val="bg1">
+                    <a:lumMod val="75000"/>
+                  </a:schemeClr>
+                </a:solidFill>
+                <a:latin typeface="Arial" panose="020B0604020202020204" pitchFamily="34" charset="0"/>
+                <a:cs typeface="Arial" panose="020B0604020202020204" pitchFamily="34" charset="0"/>
+              </a:rPr>
+              <a:t>Государственный университет</a:t>
+            </a:r>
+          </a:p>
+          <a:p>
+            <a:r>
+              <a:rPr lang="ru-RU" sz="1050" dirty="0">
+                <a:solidFill>
+                  <a:schemeClr val="bg1">
+                    <a:lumMod val="75000"/>
+                  </a:schemeClr>
+                </a:solidFill>
+                <a:latin typeface="Arial" panose="020B0604020202020204" pitchFamily="34" charset="0"/>
+                <a:cs typeface="Arial" panose="020B0604020202020204" pitchFamily="34" charset="0"/>
+              </a:rPr>
+              <a:t>Высшая </a:t>
+            </a:r>
+            <a:r>
+              <a:rPr lang="en-US" sz="1050" dirty="0">
+                <a:solidFill>
+                  <a:schemeClr val="bg1">
+                    <a:lumMod val="75000"/>
+                  </a:schemeClr>
+                </a:solidFill>
+                <a:latin typeface="Arial" panose="020B0604020202020204" pitchFamily="34" charset="0"/>
+                <a:cs typeface="Arial" panose="020B0604020202020204" pitchFamily="34" charset="0"/>
+              </a:rPr>
+              <a:t>IT </a:t>
+            </a:r>
+            <a:r>
+              <a:rPr lang="ru-RU" sz="1050" dirty="0">
+                <a:solidFill>
+                  <a:schemeClr val="bg1">
+                    <a:lumMod val="75000"/>
+                  </a:schemeClr>
+                </a:solidFill>
+                <a:latin typeface="Arial" panose="020B0604020202020204" pitchFamily="34" charset="0"/>
+                <a:cs typeface="Arial" panose="020B0604020202020204" pitchFamily="34" charset="0"/>
+              </a:rPr>
+              <a:t>Школа</a:t>
+            </a:r>
+          </a:p>
+        </p:txBody>
+      </p:sp>
+      <p:sp>
+        <p:nvSpPr>
+          <p:cNvPr id="4" name="Объект 3">
+            <a:extLst>
+              <a:ext uri="{FF2B5EF4-FFF2-40B4-BE49-F238E27FC236}">
+                <a16:creationId xmlns:a16="http://schemas.microsoft.com/office/drawing/2014/main" id="{9104F47B-783F-0027-52FF-19023C40CD77}"/>
+              </a:ext>
+            </a:extLst>
+          </p:cNvPr>
+          <p:cNvSpPr>
+            <a:spLocks noGrp="1"/>
+          </p:cNvSpPr>
+          <p:nvPr>
+            <p:ph idx="1"/>
+          </p:nvPr>
+        </p:nvSpPr>
         <p:spPr>
           <a:xfrm>
             <a:off x="838200" y="1933065"/>
@@ -12370,55 +17792,527 @@
           </a:xfrm>
         </p:spPr>
         <p:txBody>
-          <a:bodyPr/>
+          <a:bodyPr>
+            <a:normAutofit/>
+          </a:bodyPr>
           <a:lstStyle/>
           <a:p>
             <a:pPr marL="0" indent="0">
               <a:buNone/>
             </a:pPr>
             <a:r>
+              <a:rPr lang="ru-RU" sz="2000" dirty="0">
+                <a:solidFill>
+                  <a:srgbClr val="FF0000"/>
+                </a:solidFill>
+              </a:rPr>
+              <a:t>(подлежат </a:t>
+            </a:r>
+            <a:r>
+              <a:rPr lang="ru-RU" sz="2000" dirty="0" err="1">
+                <a:solidFill>
+                  <a:srgbClr val="FF0000"/>
+                </a:solidFill>
+              </a:rPr>
+              <a:t>переформулировке</a:t>
+            </a:r>
+            <a:r>
+              <a:rPr lang="ru-RU" sz="2000" dirty="0">
+                <a:solidFill>
+                  <a:srgbClr val="FF0000"/>
+                </a:solidFill>
+              </a:rPr>
+              <a:t>)</a:t>
+            </a:r>
+          </a:p>
+          <a:p>
+            <a:pPr>
+              <a:lnSpc>
+                <a:spcPct val="100000"/>
+              </a:lnSpc>
+              <a:spcBef>
+                <a:spcPts val="0"/>
+              </a:spcBef>
+              <a:defRPr/>
+            </a:pPr>
+            <a:r>
               <a:rPr lang="ru-RU" dirty="0"/>
-              <a:t>Используем </a:t>
+              <a:t>Управление происходит через единый источник правды, который отвечает на следующие вопросы.</a:t>
+            </a:r>
+          </a:p>
+          <a:p>
+            <a:pPr lvl="1">
+              <a:lnSpc>
+                <a:spcPct val="100000"/>
+              </a:lnSpc>
+              <a:spcBef>
+                <a:spcPts val="0"/>
+              </a:spcBef>
+              <a:defRPr/>
+            </a:pPr>
+            <a:r>
+              <a:rPr lang="ru-RU" dirty="0"/>
+              <a:t>По какому протоколу и адресу принимаются данные из выбранного источника?</a:t>
+            </a:r>
+          </a:p>
+          <a:p>
+            <a:pPr lvl="1">
+              <a:lnSpc>
+                <a:spcPct val="100000"/>
+              </a:lnSpc>
+              <a:spcBef>
+                <a:spcPts val="0"/>
+              </a:spcBef>
+              <a:defRPr/>
+            </a:pPr>
+            <a:r>
+              <a:rPr lang="ru-RU" dirty="0"/>
+              <a:t>Какой источник отправляет события по выбранному адресу?</a:t>
+            </a:r>
+          </a:p>
+          <a:p>
+            <a:pPr>
+              <a:lnSpc>
+                <a:spcPct val="100000"/>
+              </a:lnSpc>
+              <a:spcBef>
+                <a:spcPts val="0"/>
+              </a:spcBef>
+              <a:defRPr/>
+            </a:pPr>
+            <a:r>
+              <a:rPr lang="ru-RU" dirty="0"/>
+              <a:t>Подготовка коллектора к приему событий занимает не более одного рабочего дня.</a:t>
+            </a:r>
+          </a:p>
+          <a:p>
+            <a:pPr>
+              <a:lnSpc>
+                <a:spcPct val="100000"/>
+              </a:lnSpc>
+              <a:spcBef>
+                <a:spcPts val="0"/>
+              </a:spcBef>
+              <a:defRPr/>
+            </a:pPr>
+            <a:r>
+              <a:rPr lang="ru-RU" dirty="0"/>
+              <a:t>Миграция активных коллекторов в обновленный процесс</a:t>
             </a:r>
             <a:r>
               <a:rPr lang="en-US" dirty="0"/>
-              <a:t>Ansible + Jinja,</a:t>
+              <a:t> </a:t>
             </a:r>
             <a:r>
               <a:rPr lang="ru-RU" dirty="0"/>
-              <a:t> но продумать абстракции так, чтобы не зависеть от используемого ПО </a:t>
-            </a:r>
-            <a:r>
-              <a:rPr lang="en-US" dirty="0"/>
-              <a:t>(</a:t>
-            </a:r>
-            <a:r>
-              <a:rPr lang="en-US" dirty="0" err="1"/>
-              <a:t>filebeat</a:t>
-            </a:r>
-            <a:r>
-              <a:rPr lang="en-US" dirty="0"/>
-              <a:t>, vector, </a:t>
-            </a:r>
-            <a:r>
-              <a:rPr lang="en-US" dirty="0" err="1"/>
-              <a:t>logstash</a:t>
-            </a:r>
-            <a:r>
-              <a:rPr lang="en-US" dirty="0"/>
-              <a:t>)</a:t>
-            </a:r>
-            <a:r>
-              <a:rPr lang="ru-RU" dirty="0"/>
-              <a:t> </a:t>
-            </a:r>
+              <a:t>не требует простоя.</a:t>
+            </a:r>
+          </a:p>
+          <a:p>
+            <a:pPr marL="0" indent="0">
+              <a:buNone/>
+            </a:pPr>
+            <a:endParaRPr lang="ru-RU" dirty="0"/>
           </a:p>
         </p:txBody>
       </p:sp>
     </p:spTree>
     <p:extLst>
       <p:ext uri="{BB962C8B-B14F-4D97-AF65-F5344CB8AC3E}">
-        <p14:creationId xmlns:p14="http://schemas.microsoft.com/office/powerpoint/2010/main" val="258541030"/>
+        <p14:creationId xmlns:p14="http://schemas.microsoft.com/office/powerpoint/2010/main" val="2556087130"/>
+      </p:ext>
+    </p:extLst>
+  </p:cSld>
+  <p:clrMapOvr>
+    <a:masterClrMapping/>
+  </p:clrMapOvr>
+</p:sld>
+</file>
+
+<file path=ppt/slides/slide9.xml><?xml version="1.0" encoding="utf-8"?>
+<p:sld xmlns:a="http://schemas.openxmlformats.org/drawingml/2006/main" xmlns:r="http://schemas.openxmlformats.org/officeDocument/2006/relationships" xmlns:p="http://schemas.openxmlformats.org/presentationml/2006/main">
+  <p:cSld>
+    <p:spTree>
+      <p:nvGrpSpPr>
+        <p:cNvPr id="1" name="">
+          <a:extLst>
+            <a:ext uri="{FF2B5EF4-FFF2-40B4-BE49-F238E27FC236}">
+              <a16:creationId xmlns:a16="http://schemas.microsoft.com/office/drawing/2014/main" id="{6EE6A6F1-A039-11C9-FE36-E49F683E1F58}"/>
+            </a:ext>
+          </a:extLst>
+        </p:cNvPr>
+        <p:cNvGrpSpPr/>
+        <p:nvPr/>
+      </p:nvGrpSpPr>
+      <p:grpSpPr>
+        <a:xfrm>
+          <a:off x="0" y="0"/>
+          <a:ext cx="0" cy="0"/>
+          <a:chOff x="0" y="0"/>
+          <a:chExt cx="0" cy="0"/>
+        </a:xfrm>
+      </p:grpSpPr>
+      <p:sp>
+        <p:nvSpPr>
+          <p:cNvPr id="3" name="Прямоугольник 2">
+            <a:extLst>
+              <a:ext uri="{FF2B5EF4-FFF2-40B4-BE49-F238E27FC236}">
+                <a16:creationId xmlns:a16="http://schemas.microsoft.com/office/drawing/2014/main" id="{3B84F2D3-795C-E621-FD2D-14EFE0958815}"/>
+              </a:ext>
+            </a:extLst>
+          </p:cNvPr>
+          <p:cNvSpPr/>
+          <p:nvPr/>
+        </p:nvSpPr>
+        <p:spPr>
+          <a:xfrm>
+            <a:off x="0" y="266377"/>
+            <a:ext cx="903595" cy="364195"/>
+          </a:xfrm>
+          <a:prstGeom prst="rect">
+            <a:avLst/>
+          </a:prstGeom>
+          <a:ln>
+            <a:noFill/>
+          </a:ln>
+        </p:spPr>
+        <p:style>
+          <a:lnRef idx="2">
+            <a:schemeClr val="accent1">
+              <a:shade val="50000"/>
+            </a:schemeClr>
+          </a:lnRef>
+          <a:fillRef idx="1">
+            <a:schemeClr val="accent1"/>
+          </a:fillRef>
+          <a:effectRef idx="0">
+            <a:schemeClr val="accent1"/>
+          </a:effectRef>
+          <a:fontRef idx="minor">
+            <a:schemeClr val="lt1"/>
+          </a:fontRef>
+        </p:style>
+        <p:txBody>
+          <a:bodyPr rtlCol="0" anchor="ctr"/>
+          <a:lstStyle/>
+          <a:p>
+            <a:pPr algn="ctr"/>
+            <a:endParaRPr lang="ru-RU"/>
+          </a:p>
+        </p:txBody>
+      </p:sp>
+      <p:sp>
+        <p:nvSpPr>
+          <p:cNvPr id="8" name="Title 7">
+            <a:extLst>
+              <a:ext uri="{FF2B5EF4-FFF2-40B4-BE49-F238E27FC236}">
+                <a16:creationId xmlns:a16="http://schemas.microsoft.com/office/drawing/2014/main" id="{0C12136F-E826-8FDA-8CBF-ACD55EB891DB}"/>
+              </a:ext>
+            </a:extLst>
+          </p:cNvPr>
+          <p:cNvSpPr>
+            <a:spLocks noGrp="1"/>
+          </p:cNvSpPr>
+          <p:nvPr>
+            <p:ph type="title"/>
+          </p:nvPr>
+        </p:nvSpPr>
+        <p:spPr>
+          <a:xfrm>
+            <a:off x="838200" y="2766218"/>
+            <a:ext cx="10515600" cy="1325563"/>
+          </a:xfrm>
+        </p:spPr>
+        <p:txBody>
+          <a:bodyPr/>
+          <a:lstStyle/>
+          <a:p>
+            <a:pPr algn="ctr"/>
+            <a:r>
+              <a:rPr lang="ru-RU" dirty="0"/>
+              <a:t>Исключение людей из процесса</a:t>
+            </a:r>
+          </a:p>
+        </p:txBody>
+      </p:sp>
+      <p:sp>
+        <p:nvSpPr>
+          <p:cNvPr id="2" name="Slide Number Placeholder 1">
+            <a:extLst>
+              <a:ext uri="{FF2B5EF4-FFF2-40B4-BE49-F238E27FC236}">
+                <a16:creationId xmlns:a16="http://schemas.microsoft.com/office/drawing/2014/main" id="{633C2F64-FC92-715C-A332-7E66B09186D2}"/>
+              </a:ext>
+            </a:extLst>
+          </p:cNvPr>
+          <p:cNvSpPr txBox="1">
+            <a:spLocks/>
+          </p:cNvSpPr>
+          <p:nvPr/>
+        </p:nvSpPr>
+        <p:spPr>
+          <a:xfrm>
+            <a:off x="165463" y="266377"/>
+            <a:ext cx="738132" cy="364195"/>
+          </a:xfrm>
+          <a:prstGeom prst="rect">
+            <a:avLst/>
+          </a:prstGeom>
+        </p:spPr>
+        <p:txBody>
+          <a:bodyPr vert="horz" lIns="91440" tIns="45720" rIns="91440" bIns="45720" rtlCol="0" anchor="ctr"/>
+          <a:lstStyle>
+            <a:defPPr>
+              <a:defRPr lang="ru-RU"/>
+            </a:defPPr>
+            <a:lvl1pPr marL="0" algn="r" defTabSz="914400" rtl="0" eaLnBrk="1" latinLnBrk="0" hangingPunct="1">
+              <a:defRPr sz="1200" kern="1200">
+                <a:solidFill>
+                  <a:schemeClr val="tx1">
+                    <a:tint val="75000"/>
+                  </a:schemeClr>
+                </a:solidFill>
+                <a:latin typeface="+mn-lt"/>
+                <a:ea typeface="+mn-ea"/>
+                <a:cs typeface="+mn-cs"/>
+              </a:defRPr>
+            </a:lvl1pPr>
+            <a:lvl2pPr marL="457200" algn="l" defTabSz="914400" rtl="0" eaLnBrk="1" latinLnBrk="0" hangingPunct="1">
+              <a:defRPr sz="1800" kern="1200">
+                <a:solidFill>
+                  <a:schemeClr val="tx1"/>
+                </a:solidFill>
+                <a:latin typeface="+mn-lt"/>
+                <a:ea typeface="+mn-ea"/>
+                <a:cs typeface="+mn-cs"/>
+              </a:defRPr>
+            </a:lvl2pPr>
+            <a:lvl3pPr marL="914400" algn="l" defTabSz="914400" rtl="0" eaLnBrk="1" latinLnBrk="0" hangingPunct="1">
+              <a:defRPr sz="1800" kern="1200">
+                <a:solidFill>
+                  <a:schemeClr val="tx1"/>
+                </a:solidFill>
+                <a:latin typeface="+mn-lt"/>
+                <a:ea typeface="+mn-ea"/>
+                <a:cs typeface="+mn-cs"/>
+              </a:defRPr>
+            </a:lvl3pPr>
+            <a:lvl4pPr marL="1371600" algn="l" defTabSz="914400" rtl="0" eaLnBrk="1" latinLnBrk="0" hangingPunct="1">
+              <a:defRPr sz="1800" kern="1200">
+                <a:solidFill>
+                  <a:schemeClr val="tx1"/>
+                </a:solidFill>
+                <a:latin typeface="+mn-lt"/>
+                <a:ea typeface="+mn-ea"/>
+                <a:cs typeface="+mn-cs"/>
+              </a:defRPr>
+            </a:lvl4pPr>
+            <a:lvl5pPr marL="1828800" algn="l" defTabSz="914400" rtl="0" eaLnBrk="1" latinLnBrk="0" hangingPunct="1">
+              <a:defRPr sz="1800" kern="1200">
+                <a:solidFill>
+                  <a:schemeClr val="tx1"/>
+                </a:solidFill>
+                <a:latin typeface="+mn-lt"/>
+                <a:ea typeface="+mn-ea"/>
+                <a:cs typeface="+mn-cs"/>
+              </a:defRPr>
+            </a:lvl5pPr>
+            <a:lvl6pPr marL="2286000" algn="l" defTabSz="914400" rtl="0" eaLnBrk="1" latinLnBrk="0" hangingPunct="1">
+              <a:defRPr sz="1800" kern="1200">
+                <a:solidFill>
+                  <a:schemeClr val="tx1"/>
+                </a:solidFill>
+                <a:latin typeface="+mn-lt"/>
+                <a:ea typeface="+mn-ea"/>
+                <a:cs typeface="+mn-cs"/>
+              </a:defRPr>
+            </a:lvl6pPr>
+            <a:lvl7pPr marL="2743200" algn="l" defTabSz="914400" rtl="0" eaLnBrk="1" latinLnBrk="0" hangingPunct="1">
+              <a:defRPr sz="1800" kern="1200">
+                <a:solidFill>
+                  <a:schemeClr val="tx1"/>
+                </a:solidFill>
+                <a:latin typeface="+mn-lt"/>
+                <a:ea typeface="+mn-ea"/>
+                <a:cs typeface="+mn-cs"/>
+              </a:defRPr>
+            </a:lvl7pPr>
+            <a:lvl8pPr marL="3200400" algn="l" defTabSz="914400" rtl="0" eaLnBrk="1" latinLnBrk="0" hangingPunct="1">
+              <a:defRPr sz="1800" kern="1200">
+                <a:solidFill>
+                  <a:schemeClr val="tx1"/>
+                </a:solidFill>
+                <a:latin typeface="+mn-lt"/>
+                <a:ea typeface="+mn-ea"/>
+                <a:cs typeface="+mn-cs"/>
+              </a:defRPr>
+            </a:lvl8pPr>
+            <a:lvl9pPr marL="3657600" algn="l" defTabSz="914400" rtl="0" eaLnBrk="1" latinLnBrk="0" hangingPunct="1">
+              <a:defRPr sz="1800" kern="1200">
+                <a:solidFill>
+                  <a:schemeClr val="tx1"/>
+                </a:solidFill>
+                <a:latin typeface="+mn-lt"/>
+                <a:ea typeface="+mn-ea"/>
+                <a:cs typeface="+mn-cs"/>
+              </a:defRPr>
+            </a:lvl9pPr>
+          </a:lstStyle>
+          <a:p>
+            <a:fld id="{73D4391C-B8C0-B24A-A837-316267417444}" type="slidenum">
+              <a:rPr lang="ru-RU" smtClean="0">
+                <a:solidFill>
+                  <a:schemeClr val="bg1"/>
+                </a:solidFill>
+              </a:rPr>
+              <a:pPr/>
+              <a:t>9</a:t>
+            </a:fld>
+            <a:endParaRPr lang="ru-RU" dirty="0">
+              <a:solidFill>
+                <a:schemeClr val="bg1"/>
+              </a:solidFill>
+            </a:endParaRPr>
+          </a:p>
+        </p:txBody>
+      </p:sp>
+      <p:pic>
+        <p:nvPicPr>
+          <p:cNvPr id="6" name="Рисунок 5">
+            <a:extLst>
+              <a:ext uri="{FF2B5EF4-FFF2-40B4-BE49-F238E27FC236}">
+                <a16:creationId xmlns:a16="http://schemas.microsoft.com/office/drawing/2014/main" id="{1DFAD742-D8DD-9697-B3D8-676178EF7C39}"/>
+              </a:ext>
+            </a:extLst>
+          </p:cNvPr>
+          <p:cNvPicPr>
+            <a:picLocks noChangeAspect="1"/>
+          </p:cNvPicPr>
+          <p:nvPr/>
+        </p:nvPicPr>
+        <p:blipFill>
+          <a:blip r:embed="rId3" cstate="print">
+            <a:extLst>
+              <a:ext uri="{28A0092B-C50C-407E-A947-70E740481C1C}">
+                <a14:useLocalDpi xmlns:a14="http://schemas.microsoft.com/office/drawing/2010/main" val="0"/>
+              </a:ext>
+              <a:ext uri="{96DAC541-7B7A-43D3-8B79-37D633B846F1}">
+                <asvg:svgBlip xmlns:asvg="http://schemas.microsoft.com/office/drawing/2016/SVG/main" r:embed="rId4"/>
+              </a:ext>
+            </a:extLst>
+          </a:blip>
+          <a:stretch>
+            <a:fillRect/>
+          </a:stretch>
+        </p:blipFill>
+        <p:spPr>
+          <a:xfrm>
+            <a:off x="9099532" y="-197635"/>
+            <a:ext cx="2166695" cy="1666688"/>
+          </a:xfrm>
+          <a:prstGeom prst="rect">
+            <a:avLst/>
+          </a:prstGeom>
+        </p:spPr>
+      </p:pic>
+      <p:sp>
+        <p:nvSpPr>
+          <p:cNvPr id="7" name="TextBox 6">
+            <a:extLst>
+              <a:ext uri="{FF2B5EF4-FFF2-40B4-BE49-F238E27FC236}">
+                <a16:creationId xmlns:a16="http://schemas.microsoft.com/office/drawing/2014/main" id="{7DCBC52F-CAF0-BB69-7227-E044E0A30BE2}"/>
+              </a:ext>
+            </a:extLst>
+          </p:cNvPr>
+          <p:cNvSpPr txBox="1"/>
+          <p:nvPr/>
+        </p:nvSpPr>
+        <p:spPr>
+          <a:xfrm>
+            <a:off x="10599762" y="266377"/>
+            <a:ext cx="2083558" cy="738664"/>
+          </a:xfrm>
+          <a:prstGeom prst="rect">
+            <a:avLst/>
+          </a:prstGeom>
+          <a:noFill/>
+        </p:spPr>
+        <p:txBody>
+          <a:bodyPr wrap="square" rtlCol="0">
+            <a:spAutoFit/>
+          </a:bodyPr>
+          <a:lstStyle/>
+          <a:p>
+            <a:r>
+              <a:rPr lang="ru-RU" sz="1050" dirty="0">
+                <a:solidFill>
+                  <a:schemeClr val="bg1">
+                    <a:lumMod val="75000"/>
+                  </a:schemeClr>
+                </a:solidFill>
+                <a:latin typeface="Arial" panose="020B0604020202020204" pitchFamily="34" charset="0"/>
+                <a:cs typeface="Arial" panose="020B0604020202020204" pitchFamily="34" charset="0"/>
+              </a:rPr>
+              <a:t>Томский</a:t>
+            </a:r>
+          </a:p>
+          <a:p>
+            <a:r>
+              <a:rPr lang="ru-RU" sz="1050" dirty="0">
+                <a:solidFill>
+                  <a:schemeClr val="bg1">
+                    <a:lumMod val="75000"/>
+                  </a:schemeClr>
+                </a:solidFill>
+                <a:latin typeface="Arial" panose="020B0604020202020204" pitchFamily="34" charset="0"/>
+                <a:cs typeface="Arial" panose="020B0604020202020204" pitchFamily="34" charset="0"/>
+              </a:rPr>
+              <a:t>Государственный университет</a:t>
+            </a:r>
+          </a:p>
+          <a:p>
+            <a:r>
+              <a:rPr lang="ru-RU" sz="1050" dirty="0">
+                <a:solidFill>
+                  <a:schemeClr val="bg1">
+                    <a:lumMod val="75000"/>
+                  </a:schemeClr>
+                </a:solidFill>
+                <a:latin typeface="Arial" panose="020B0604020202020204" pitchFamily="34" charset="0"/>
+                <a:cs typeface="Arial" panose="020B0604020202020204" pitchFamily="34" charset="0"/>
+              </a:rPr>
+              <a:t>Высшая </a:t>
+            </a:r>
+            <a:r>
+              <a:rPr lang="en-US" sz="1050" dirty="0">
+                <a:solidFill>
+                  <a:schemeClr val="bg1">
+                    <a:lumMod val="75000"/>
+                  </a:schemeClr>
+                </a:solidFill>
+                <a:latin typeface="Arial" panose="020B0604020202020204" pitchFamily="34" charset="0"/>
+                <a:cs typeface="Arial" panose="020B0604020202020204" pitchFamily="34" charset="0"/>
+              </a:rPr>
+              <a:t>IT </a:t>
+            </a:r>
+            <a:r>
+              <a:rPr lang="ru-RU" sz="1050" dirty="0">
+                <a:solidFill>
+                  <a:schemeClr val="bg1">
+                    <a:lumMod val="75000"/>
+                  </a:schemeClr>
+                </a:solidFill>
+                <a:latin typeface="Arial" panose="020B0604020202020204" pitchFamily="34" charset="0"/>
+                <a:cs typeface="Arial" panose="020B0604020202020204" pitchFamily="34" charset="0"/>
+              </a:rPr>
+              <a:t>Школа</a:t>
+            </a:r>
+          </a:p>
+        </p:txBody>
+      </p:sp>
+    </p:spTree>
+    <p:extLst>
+      <p:ext uri="{BB962C8B-B14F-4D97-AF65-F5344CB8AC3E}">
+        <p14:creationId xmlns:p14="http://schemas.microsoft.com/office/powerpoint/2010/main" val="3300732009"/>
       </p:ext>
     </p:extLst>
   </p:cSld>

--- a/Презентация ВКР (в шаблоне).pptx
+++ b/Презентация ВКР (в шаблоне).pptx
@@ -5,7 +5,7 @@
     <p:sldMasterId id="2147483648" r:id="rId1"/>
   </p:sldMasterIdLst>
   <p:notesMasterIdLst>
-    <p:notesMasterId r:id="rId37"/>
+    <p:notesMasterId r:id="rId38"/>
   </p:notesMasterIdLst>
   <p:sldIdLst>
     <p:sldId id="256" r:id="rId2"/>
@@ -24,25 +24,26 @@
     <p:sldId id="343" r:id="rId15"/>
     <p:sldId id="433" r:id="rId16"/>
     <p:sldId id="436" r:id="rId17"/>
-    <p:sldId id="408" r:id="rId18"/>
-    <p:sldId id="425" r:id="rId19"/>
-    <p:sldId id="446" r:id="rId20"/>
-    <p:sldId id="444" r:id="rId21"/>
-    <p:sldId id="445" r:id="rId22"/>
-    <p:sldId id="438" r:id="rId23"/>
-    <p:sldId id="442" r:id="rId24"/>
-    <p:sldId id="437" r:id="rId25"/>
-    <p:sldId id="435" r:id="rId26"/>
-    <p:sldId id="423" r:id="rId27"/>
-    <p:sldId id="447" r:id="rId28"/>
-    <p:sldId id="392" r:id="rId29"/>
-    <p:sldId id="439" r:id="rId30"/>
-    <p:sldId id="380" r:id="rId31"/>
-    <p:sldId id="364" r:id="rId32"/>
-    <p:sldId id="385" r:id="rId33"/>
-    <p:sldId id="441" r:id="rId34"/>
-    <p:sldId id="448" r:id="rId35"/>
-    <p:sldId id="363" r:id="rId36"/>
+    <p:sldId id="425" r:id="rId18"/>
+    <p:sldId id="446" r:id="rId19"/>
+    <p:sldId id="444" r:id="rId20"/>
+    <p:sldId id="445" r:id="rId21"/>
+    <p:sldId id="438" r:id="rId22"/>
+    <p:sldId id="442" r:id="rId23"/>
+    <p:sldId id="437" r:id="rId24"/>
+    <p:sldId id="435" r:id="rId25"/>
+    <p:sldId id="423" r:id="rId26"/>
+    <p:sldId id="447" r:id="rId27"/>
+    <p:sldId id="392" r:id="rId28"/>
+    <p:sldId id="450" r:id="rId29"/>
+    <p:sldId id="449" r:id="rId30"/>
+    <p:sldId id="439" r:id="rId31"/>
+    <p:sldId id="380" r:id="rId32"/>
+    <p:sldId id="364" r:id="rId33"/>
+    <p:sldId id="385" r:id="rId34"/>
+    <p:sldId id="441" r:id="rId35"/>
+    <p:sldId id="448" r:id="rId36"/>
+    <p:sldId id="363" r:id="rId37"/>
   </p:sldIdLst>
   <p:sldSz cx="12192000" cy="6858000"/>
   <p:notesSz cx="6858000" cy="9144000"/>
@@ -264,7 +265,7 @@
           <a:p>
             <a:fld id="{452C924C-0549-43C7-B607-8F62314AE139}" type="datetimeFigureOut">
               <a:rPr lang="ru-RU" smtClean="0"/>
-              <a:t>11.05.2025</a:t>
+              <a:t>12.05.2025</a:t>
             </a:fld>
             <a:endParaRPr lang="ru-RU"/>
           </a:p>
@@ -719,15 +720,7 @@
             </a:pPr>
             <a:r>
               <a:rPr lang="ru-RU" dirty="0"/>
-              <a:t>Также </a:t>
-            </a:r>
-            <a:r>
-              <a:rPr lang="en-US" dirty="0"/>
-              <a:t>SRE </a:t>
-            </a:r>
-            <a:r>
-              <a:rPr lang="ru-RU" dirty="0"/>
-              <a:t>инженер занимается созданием топика в кластере </a:t>
+              <a:t>Системный инженер создает топик в кластере </a:t>
             </a:r>
             <a:r>
               <a:rPr lang="en-US" dirty="0"/>
@@ -735,19 +728,13 @@
             </a:r>
             <a:r>
               <a:rPr lang="ru-RU" dirty="0"/>
-              <a:t>, и работой по его конфигурации, если он не отвечает заданным параметрам (например, время хранения сообщений меньше желаемого)</a:t>
+              <a:t>, запрашивает его модификацию, если топик не отвечает заданным параметрам (например, время хранения сообщений меньше желаемого)</a:t>
             </a:r>
             <a:r>
               <a:rPr lang="en-US" dirty="0"/>
-              <a:t>. </a:t>
-            </a:r>
-            <a:br>
-              <a:rPr lang="en-US" dirty="0"/>
-            </a:br>
-            <a:r>
-              <a:rPr lang="ru-RU" dirty="0"/>
-              <a:t>Стоит отметить, что при создании топика не происходит создания пользователя для работы с этим пользователем</a:t>
-            </a:r>
+              <a:t>.</a:t>
+            </a:r>
+            <a:endParaRPr lang="ru-RU" dirty="0"/>
           </a:p>
         </p:txBody>
       </p:sp>
@@ -849,7 +836,7 @@
             </a:pPr>
             <a:r>
               <a:rPr lang="ru-RU" dirty="0"/>
-              <a:t>Подготовка коллектора означает подготовку конфигурации и развертывание коллектора, а также настройку балансировщика перед коллектором.</a:t>
+              <a:t>Затем он подготавливает коллектор – пишет его конфигурацию, разворачивает его в нескольких экземплярах, и настраивает балансировщик перед ними.</a:t>
             </a:r>
           </a:p>
         </p:txBody>
@@ -1079,7 +1066,7 @@
             </a:pPr>
             <a:r>
               <a:rPr lang="ru-RU" dirty="0"/>
-              <a:t>Проблема данного процесса в том, что он может выполняться около двух недель.</a:t>
+              <a:t>Основные проблемы этого процесса в том, что он занимает много времени и требует множества ручных действий.</a:t>
             </a:r>
           </a:p>
         </p:txBody>
@@ -1182,7 +1169,7 @@
             </a:pPr>
             <a:r>
               <a:rPr lang="ru-RU" dirty="0"/>
-              <a:t>Исходя из данной проблемы была сформирована цель, представленная на слайде.</a:t>
+              <a:t>Поэтому цель моей работы – оптимизировать данный процесс.</a:t>
             </a:r>
           </a:p>
           <a:p>
@@ -1204,470 +1191,8 @@
             </a:pPr>
             <a:r>
               <a:rPr lang="ru-RU" dirty="0"/>
-              <a:t>В соответствии с этой целью были выделены задачи, включающие в себя анализ процесса, и последующие разработку и внедрение автоматизаций</a:t>
-            </a:r>
-          </a:p>
-          <a:p>
-            <a:pPr marL="0" marR="0" lvl="0" indent="0" algn="l" defTabSz="914400" rtl="0" eaLnBrk="1" fontAlgn="auto" latinLnBrk="0" hangingPunct="1">
-              <a:lnSpc>
-                <a:spcPct val="100000"/>
-              </a:lnSpc>
-              <a:spcBef>
-                <a:spcPts val="0"/>
-              </a:spcBef>
-              <a:spcAft>
-                <a:spcPts val="0"/>
-              </a:spcAft>
-              <a:buClrTx/>
-              <a:buSzTx/>
-              <a:buFontTx/>
-              <a:buNone/>
-              <a:defRPr/>
-            </a:pPr>
-            <a:endParaRPr lang="ru-RU" dirty="0"/>
-          </a:p>
-          <a:p>
-            <a:pPr marL="0" marR="0" lvl="0" indent="0" algn="l" defTabSz="914400" rtl="0" eaLnBrk="1" fontAlgn="auto" latinLnBrk="0" hangingPunct="1">
-              <a:lnSpc>
-                <a:spcPct val="100000"/>
-              </a:lnSpc>
-              <a:spcBef>
-                <a:spcPts val="0"/>
-              </a:spcBef>
-              <a:spcAft>
-                <a:spcPts val="0"/>
-              </a:spcAft>
-              <a:buClrTx/>
-              <a:buSzTx/>
-              <a:buFontTx/>
-              <a:buNone/>
-              <a:defRPr/>
-            </a:pPr>
-            <a:endParaRPr lang="ru-RU" dirty="0"/>
-          </a:p>
-          <a:p>
-            <a:pPr marL="0" marR="0" lvl="0" indent="0" algn="l" defTabSz="914400" rtl="0" eaLnBrk="1" fontAlgn="auto" latinLnBrk="0" hangingPunct="1">
-              <a:lnSpc>
-                <a:spcPct val="100000"/>
-              </a:lnSpc>
-              <a:spcBef>
-                <a:spcPts val="0"/>
-              </a:spcBef>
-              <a:spcAft>
-                <a:spcPts val="0"/>
-              </a:spcAft>
-              <a:buClrTx/>
-              <a:buSzTx/>
-              <a:buFontTx/>
-              <a:buNone/>
-              <a:defRPr/>
-            </a:pPr>
-            <a:endParaRPr lang="ru-RU" dirty="0"/>
-          </a:p>
-          <a:p>
-            <a:pPr marL="0" marR="0" lvl="0" indent="0" algn="l" defTabSz="914400" rtl="0" eaLnBrk="1" fontAlgn="auto" latinLnBrk="0" hangingPunct="1">
-              <a:lnSpc>
-                <a:spcPct val="100000"/>
-              </a:lnSpc>
-              <a:spcBef>
-                <a:spcPts val="0"/>
-              </a:spcBef>
-              <a:spcAft>
-                <a:spcPts val="0"/>
-              </a:spcAft>
-              <a:buClrTx/>
-              <a:buSzTx/>
-              <a:buFontTx/>
-              <a:buNone/>
-              <a:defRPr/>
-            </a:pPr>
-            <a:endParaRPr lang="ru-RU" dirty="0"/>
-          </a:p>
-          <a:p>
-            <a:pPr marL="0" marR="0" lvl="0" indent="0" algn="l" defTabSz="914400" rtl="0" eaLnBrk="1" fontAlgn="auto" latinLnBrk="0" hangingPunct="1">
-              <a:lnSpc>
-                <a:spcPct val="100000"/>
-              </a:lnSpc>
-              <a:spcBef>
-                <a:spcPts val="0"/>
-              </a:spcBef>
-              <a:spcAft>
-                <a:spcPts val="0"/>
-              </a:spcAft>
-              <a:buClrTx/>
-              <a:buSzTx/>
-              <a:buFontTx/>
-              <a:buNone/>
-              <a:defRPr/>
-            </a:pPr>
-            <a:endParaRPr lang="ru-RU" dirty="0"/>
-          </a:p>
-          <a:p>
-            <a:pPr marL="0" marR="0" lvl="0" indent="0" algn="l" defTabSz="914400" rtl="0" eaLnBrk="1" fontAlgn="auto" latinLnBrk="0" hangingPunct="1">
-              <a:lnSpc>
-                <a:spcPct val="100000"/>
-              </a:lnSpc>
-              <a:spcBef>
-                <a:spcPts val="0"/>
-              </a:spcBef>
-              <a:spcAft>
-                <a:spcPts val="0"/>
-              </a:spcAft>
-              <a:buClrTx/>
-              <a:buSzTx/>
-              <a:buFontTx/>
-              <a:buNone/>
-              <a:defRPr/>
-            </a:pPr>
-            <a:endParaRPr lang="ru-RU" dirty="0"/>
-          </a:p>
-          <a:p>
-            <a:pPr marL="0" marR="0" lvl="0" indent="0" algn="l" defTabSz="914400" rtl="0" eaLnBrk="1" fontAlgn="auto" latinLnBrk="0" hangingPunct="1">
-              <a:lnSpc>
-                <a:spcPct val="100000"/>
-              </a:lnSpc>
-              <a:spcBef>
-                <a:spcPts val="0"/>
-              </a:spcBef>
-              <a:spcAft>
-                <a:spcPts val="0"/>
-              </a:spcAft>
-              <a:buClrTx/>
-              <a:buSzTx/>
-              <a:buFontTx/>
-              <a:buNone/>
-              <a:defRPr/>
-            </a:pPr>
-            <a:endParaRPr lang="ru-RU" dirty="0"/>
-          </a:p>
-          <a:p>
-            <a:pPr marL="0" marR="0" lvl="0" indent="0" algn="l" defTabSz="914400" rtl="0" eaLnBrk="1" fontAlgn="auto" latinLnBrk="0" hangingPunct="1">
-              <a:lnSpc>
-                <a:spcPct val="100000"/>
-              </a:lnSpc>
-              <a:spcBef>
-                <a:spcPts val="0"/>
-              </a:spcBef>
-              <a:spcAft>
-                <a:spcPts val="0"/>
-              </a:spcAft>
-              <a:buClrTx/>
-              <a:buSzTx/>
-              <a:buFontTx/>
-              <a:buNone/>
-              <a:defRPr/>
-            </a:pPr>
-            <a:endParaRPr lang="ru-RU" dirty="0"/>
-          </a:p>
-          <a:p>
-            <a:pPr marL="0" marR="0" lvl="0" indent="0" algn="l" defTabSz="914400" rtl="0" eaLnBrk="1" fontAlgn="auto" latinLnBrk="0" hangingPunct="1">
-              <a:lnSpc>
-                <a:spcPct val="100000"/>
-              </a:lnSpc>
-              <a:spcBef>
-                <a:spcPts val="0"/>
-              </a:spcBef>
-              <a:spcAft>
-                <a:spcPts val="0"/>
-              </a:spcAft>
-              <a:buClrTx/>
-              <a:buSzTx/>
-              <a:buFontTx/>
-              <a:buNone/>
-              <a:defRPr/>
-            </a:pPr>
-            <a:endParaRPr lang="ru-RU" dirty="0"/>
-          </a:p>
-          <a:p>
-            <a:pPr marL="0" marR="0" lvl="0" indent="0" algn="l" defTabSz="914400" rtl="0" eaLnBrk="1" fontAlgn="auto" latinLnBrk="0" hangingPunct="1">
-              <a:lnSpc>
-                <a:spcPct val="100000"/>
-              </a:lnSpc>
-              <a:spcBef>
-                <a:spcPts val="0"/>
-              </a:spcBef>
-              <a:spcAft>
-                <a:spcPts val="0"/>
-              </a:spcAft>
-              <a:buClrTx/>
-              <a:buSzTx/>
-              <a:buFontTx/>
-              <a:buNone/>
-              <a:defRPr/>
-            </a:pPr>
-            <a:endParaRPr lang="ru-RU" dirty="0"/>
-          </a:p>
-          <a:p>
-            <a:pPr marL="0" marR="0" lvl="0" indent="0" algn="l" defTabSz="914400" rtl="0" eaLnBrk="1" fontAlgn="auto" latinLnBrk="0" hangingPunct="1">
-              <a:lnSpc>
-                <a:spcPct val="100000"/>
-              </a:lnSpc>
-              <a:spcBef>
-                <a:spcPts val="0"/>
-              </a:spcBef>
-              <a:spcAft>
-                <a:spcPts val="0"/>
-              </a:spcAft>
-              <a:buClrTx/>
-              <a:buSzTx/>
-              <a:buFontTx/>
-              <a:buNone/>
-              <a:defRPr/>
-            </a:pPr>
-            <a:r>
-              <a:rPr lang="ru-RU" dirty="0"/>
-              <a:t>Ниже отголоски прошлой </a:t>
-            </a:r>
-            <a:r>
-              <a:rPr lang="ru-RU" dirty="0" err="1"/>
-              <a:t>презы</a:t>
-            </a:r>
-            <a:endParaRPr lang="ru-RU" dirty="0"/>
-          </a:p>
-          <a:p>
-            <a:pPr marL="0" marR="0" lvl="0" indent="0" algn="l" defTabSz="914400" rtl="0" eaLnBrk="1" fontAlgn="auto" latinLnBrk="0" hangingPunct="1">
-              <a:lnSpc>
-                <a:spcPct val="100000"/>
-              </a:lnSpc>
-              <a:spcBef>
-                <a:spcPts val="0"/>
-              </a:spcBef>
-              <a:spcAft>
-                <a:spcPts val="0"/>
-              </a:spcAft>
-              <a:buClrTx/>
-              <a:buSzTx/>
-              <a:buFontTx/>
-              <a:buNone/>
-              <a:defRPr/>
-            </a:pPr>
-            <a:endParaRPr lang="ru-RU" strike="sngStrike" dirty="0"/>
-          </a:p>
-          <a:p>
-            <a:pPr marL="0" marR="0" lvl="0" indent="0" algn="l" defTabSz="914400" rtl="0" eaLnBrk="1" fontAlgn="auto" latinLnBrk="0" hangingPunct="1">
-              <a:lnSpc>
-                <a:spcPct val="100000"/>
-              </a:lnSpc>
-              <a:spcBef>
-                <a:spcPts val="0"/>
-              </a:spcBef>
-              <a:spcAft>
-                <a:spcPts val="0"/>
-              </a:spcAft>
-              <a:buClrTx/>
-              <a:buSzTx/>
-              <a:buFontTx/>
-              <a:buNone/>
-              <a:defRPr/>
-            </a:pPr>
-            <a:r>
-              <a:rPr lang="ru-RU" strike="sngStrike" dirty="0"/>
-              <a:t>Как таковых четких требований по используемым технологиям нет, но хочется остаться в пределах стека команды, потому постараемся сделать это все как плейбуки.</a:t>
-            </a:r>
-            <a:endParaRPr lang="en-US" strike="sngStrike" dirty="0"/>
-          </a:p>
-          <a:p>
-            <a:pPr marL="0" marR="0" lvl="0" indent="0" algn="l" defTabSz="914400" rtl="0" eaLnBrk="1" fontAlgn="auto" latinLnBrk="0" hangingPunct="1">
-              <a:lnSpc>
-                <a:spcPct val="100000"/>
-              </a:lnSpc>
-              <a:spcBef>
-                <a:spcPts val="0"/>
-              </a:spcBef>
-              <a:spcAft>
-                <a:spcPts val="0"/>
-              </a:spcAft>
-              <a:buClrTx/>
-              <a:buSzTx/>
-              <a:buFontTx/>
-              <a:buNone/>
-              <a:defRPr/>
-            </a:pPr>
-            <a:endParaRPr lang="en-US" strike="sngStrike" dirty="0"/>
-          </a:p>
-          <a:p>
-            <a:pPr marL="0" marR="0" lvl="0" indent="0" algn="l" defTabSz="914400" rtl="0" eaLnBrk="1" fontAlgn="auto" latinLnBrk="0" hangingPunct="1">
-              <a:lnSpc>
-                <a:spcPct val="100000"/>
-              </a:lnSpc>
-              <a:spcBef>
-                <a:spcPts val="0"/>
-              </a:spcBef>
-              <a:spcAft>
-                <a:spcPts val="0"/>
-              </a:spcAft>
-              <a:buClrTx/>
-              <a:buSzTx/>
-              <a:buFontTx/>
-              <a:buNone/>
-              <a:defRPr/>
-            </a:pPr>
-            <a:r>
-              <a:rPr lang="ru-RU" strike="sngStrike" dirty="0"/>
-              <a:t>Также следует учесть, что в дальнейшем запуск этих </a:t>
-            </a:r>
-            <a:r>
-              <a:rPr lang="ru-RU" strike="sngStrike" dirty="0" err="1"/>
-              <a:t>плейбуков</a:t>
-            </a:r>
-            <a:r>
-              <a:rPr lang="ru-RU" strike="sngStrike" dirty="0"/>
-              <a:t> планируется автоматизировать через </a:t>
-            </a:r>
-            <a:r>
-              <a:rPr lang="en-US" strike="sngStrike" dirty="0"/>
-              <a:t>Web-UI. </a:t>
-            </a:r>
-            <a:r>
-              <a:rPr lang="ru-RU" strike="sngStrike" dirty="0"/>
-              <a:t>Было бы здорово учесть, что как-то нужно отдавать состояние выполнения того или иного шага.</a:t>
-            </a:r>
-          </a:p>
-          <a:p>
-            <a:pPr marL="0" marR="0" lvl="0" indent="0" algn="l" defTabSz="914400" rtl="0" eaLnBrk="1" fontAlgn="auto" latinLnBrk="0" hangingPunct="1">
-              <a:lnSpc>
-                <a:spcPct val="100000"/>
-              </a:lnSpc>
-              <a:spcBef>
-                <a:spcPts val="0"/>
-              </a:spcBef>
-              <a:spcAft>
-                <a:spcPts val="0"/>
-              </a:spcAft>
-              <a:buClrTx/>
-              <a:buSzTx/>
-              <a:buFontTx/>
-              <a:buNone/>
-              <a:defRPr/>
-            </a:pPr>
-            <a:endParaRPr lang="ru-RU" strike="sngStrike" dirty="0"/>
-          </a:p>
-          <a:p>
-            <a:pPr marL="0" marR="0" lvl="0" indent="0" algn="l" defTabSz="914400" rtl="0" eaLnBrk="1" fontAlgn="auto" latinLnBrk="0" hangingPunct="1">
-              <a:lnSpc>
-                <a:spcPct val="100000"/>
-              </a:lnSpc>
-              <a:spcBef>
-                <a:spcPts val="0"/>
-              </a:spcBef>
-              <a:spcAft>
-                <a:spcPts val="0"/>
-              </a:spcAft>
-              <a:buClrTx/>
-              <a:buSzTx/>
-              <a:buFontTx/>
-              <a:buNone/>
-              <a:defRPr/>
-            </a:pPr>
-            <a:endParaRPr lang="ru-RU" strike="sngStrike" dirty="0"/>
-          </a:p>
-          <a:p>
-            <a:pPr marL="971550" lvl="1" indent="-338455">
-              <a:lnSpc>
-                <a:spcPct val="110000"/>
-              </a:lnSpc>
-              <a:spcBef>
-                <a:spcPts val="1200"/>
-              </a:spcBef>
-              <a:buFont typeface="+mj-lt"/>
-              <a:buAutoNum type="arabicPeriod"/>
-              <a:defRPr/>
-            </a:pPr>
-            <a:r>
-              <a:rPr lang="ru-RU" sz="1200" strike="sngStrike" dirty="0"/>
-              <a:t>определения адреса (читай: выбор порта)</a:t>
-            </a:r>
-          </a:p>
-          <a:p>
-            <a:pPr marL="971550" lvl="1" indent="-338455">
-              <a:lnSpc>
-                <a:spcPct val="110000"/>
-              </a:lnSpc>
-              <a:spcBef>
-                <a:spcPts val="1200"/>
-              </a:spcBef>
-              <a:buFont typeface="+mj-lt"/>
-              <a:buAutoNum type="arabicPeriod"/>
-              <a:defRPr/>
-            </a:pPr>
-            <a:r>
-              <a:rPr lang="ru-RU" sz="1200" strike="sngStrike" dirty="0"/>
-              <a:t>создания топика </a:t>
-            </a:r>
-            <a:r>
-              <a:rPr lang="en-US" sz="1200" strike="sngStrike" dirty="0"/>
-              <a:t>Kafka</a:t>
-            </a:r>
-          </a:p>
-          <a:p>
-            <a:pPr marL="971550" lvl="1" indent="-338455">
-              <a:lnSpc>
-                <a:spcPct val="110000"/>
-              </a:lnSpc>
-              <a:spcBef>
-                <a:spcPts val="1200"/>
-              </a:spcBef>
-              <a:buFont typeface="+mj-lt"/>
-              <a:buAutoNum type="arabicPeriod"/>
-              <a:defRPr/>
-            </a:pPr>
-            <a:r>
-              <a:rPr lang="ru-RU" sz="1200" strike="sngStrike" dirty="0"/>
-              <a:t>генерации конфигурационного файла коллектора</a:t>
-            </a:r>
-          </a:p>
-          <a:p>
-            <a:pPr marL="971550" lvl="1" indent="-338455">
-              <a:lnSpc>
-                <a:spcPct val="110000"/>
-              </a:lnSpc>
-              <a:spcBef>
-                <a:spcPts val="1200"/>
-              </a:spcBef>
-              <a:buFont typeface="+mj-lt"/>
-              <a:buAutoNum type="arabicPeriod"/>
-              <a:defRPr/>
-            </a:pPr>
-            <a:r>
-              <a:rPr lang="ru-RU" sz="1200" strike="sngStrike" dirty="0"/>
-              <a:t>развертывания коллектора</a:t>
-            </a:r>
-          </a:p>
-          <a:p>
-            <a:pPr marL="971550" lvl="1" indent="-338455">
-              <a:lnSpc>
-                <a:spcPct val="110000"/>
-              </a:lnSpc>
-              <a:spcBef>
-                <a:spcPts val="1200"/>
-              </a:spcBef>
-              <a:buFont typeface="+mj-lt"/>
-              <a:buAutoNum type="arabicPeriod"/>
-              <a:defRPr/>
-            </a:pPr>
-            <a:r>
-              <a:rPr lang="ru-RU" sz="1200" strike="sngStrike" dirty="0"/>
-              <a:t>генерации конфигурационного файла нормализатора (парсера)</a:t>
-            </a:r>
-          </a:p>
-          <a:p>
-            <a:pPr marL="0" marR="0" lvl="0" indent="0" algn="l" defTabSz="914400" rtl="0" eaLnBrk="1" fontAlgn="auto" latinLnBrk="0" hangingPunct="1">
-              <a:lnSpc>
-                <a:spcPct val="100000"/>
-              </a:lnSpc>
-              <a:spcBef>
-                <a:spcPts val="0"/>
-              </a:spcBef>
-              <a:spcAft>
-                <a:spcPts val="0"/>
-              </a:spcAft>
-              <a:buClrTx/>
-              <a:buSzTx/>
-              <a:buFontTx/>
-              <a:buNone/>
-              <a:defRPr/>
-            </a:pPr>
-            <a:endParaRPr lang="ru-RU" dirty="0"/>
+              <a:t>В соответствии с этой целью были выделены задачи, представленные на слайде.</a:t>
+            </a:r>
           </a:p>
         </p:txBody>
       </p:sp>
@@ -1764,7 +1289,7 @@
             </a:pPr>
             <a:r>
               <a:rPr lang="ru-RU" dirty="0"/>
-              <a:t>Действия, выделенные голубым точно можно упростить или автоматизировать – они типовые и задействуют других людей, этого можно избежать.</a:t>
+              <a:t>Анализ процесса показал, что действия, выделенные голубым достаточно типовые, чтобы их автоматизировать. В случае согласований – их можно и вовсе исключить из процесса, далее будет рассмотрено – как.</a:t>
             </a:r>
           </a:p>
           <a:p>
@@ -1786,7 +1311,7 @@
             </a:pPr>
             <a:r>
               <a:rPr lang="ru-RU" dirty="0"/>
-              <a:t>Создание конфигурации парсера более сложный процесс и он не будет затронут в данной работе.</a:t>
+              <a:t>Подпроцесс настройки парсера в текущей работе рассматриваться не будет, так как его автоматизация – более сложный и комплексный процесс.</a:t>
             </a:r>
           </a:p>
         </p:txBody>
@@ -1873,21 +1398,20 @@
           <a:p>
             <a:r>
               <a:rPr lang="ru-RU" dirty="0"/>
-              <a:t>Были составлены следующие требования к обновленному процессу</a:t>
-            </a:r>
+              <a:t>Для автоматизации были составлены следующие требования.</a:t>
+            </a:r>
+          </a:p>
+          <a:p>
+            <a:r>
+              <a:rPr lang="ru-RU" dirty="0"/>
+              <a:t>Системным инженерами важно сократить время ручных действий и количество мест для внесения изменений. В случае сбоя в автоматике должна оставаться возможность применения изменений в полуавтоматическом режиме с локальных машин.</a:t>
+            </a:r>
+          </a:p>
+          <a:p>
             <a:br>
               <a:rPr lang="ru-RU" dirty="0"/>
             </a:br>
-            <a:r>
-              <a:rPr lang="ru-RU" dirty="0"/>
-              <a:t>Из функциональных требований – наличие единого источника правды для всего и централизованное управление сущностями.</a:t>
-            </a:r>
-          </a:p>
-          <a:p>
-            <a:r>
-              <a:rPr lang="ru-RU" dirty="0"/>
-              <a:t>Из нефункциональных – минимальное время ручных действий, а также умеренно быстрая подготовка инфраструктуры в фоне. Важно соблюдать принцип наименьших привилегий</a:t>
-            </a:r>
+            <a:endParaRPr lang="ru-RU" dirty="0"/>
           </a:p>
         </p:txBody>
       </p:sp>
@@ -1971,7 +1495,22 @@
           <a:bodyPr/>
           <a:lstStyle/>
           <a:p>
+            <a:r>
+              <a:rPr lang="ru-RU" dirty="0"/>
+              <a:t>Исходя из поставленных требований процесс должен выглядеть следующим образом. В качестве сервиса автоматизации глобально можно рассмотреть два варианта</a:t>
+            </a:r>
+          </a:p>
+          <a:p>
             <a:endParaRPr lang="ru-RU" dirty="0"/>
+          </a:p>
+          <a:p>
+            <a:endParaRPr lang="ru-RU" dirty="0"/>
+          </a:p>
+          <a:p>
+            <a:r>
+              <a:rPr lang="ru-RU" i="1" dirty="0"/>
+              <a:t>След слайд</a:t>
+            </a:r>
           </a:p>
         </p:txBody>
       </p:sp>
@@ -1999,6 +1538,11 @@
         </p:txBody>
       </p:sp>
     </p:spTree>
+    <p:extLst>
+      <p:ext uri="{BB962C8B-B14F-4D97-AF65-F5344CB8AC3E}">
+        <p14:creationId xmlns:p14="http://schemas.microsoft.com/office/powerpoint/2010/main" val="822524631"/>
+      </p:ext>
+    </p:extLst>
   </p:cSld>
   <p:clrMapOvr>
     <a:masterClrMapping/>
@@ -2050,17 +1594,41 @@
           <a:bodyPr/>
           <a:lstStyle/>
           <a:p>
+            <a:pPr marL="0" indent="0">
+              <a:buNone/>
+            </a:pPr>
             <a:r>
               <a:rPr lang="ru-RU" dirty="0"/>
-              <a:t>Целевой процесс должен выглядеть следующим образом. В качестве единого источника правды выступает репозиторий, содержащий описания всех необходимых сущностей. </a:t>
+              <a:t>Полноценный сервис с интерфейсом, бэкендом и базой данных для хранения состояния</a:t>
+            </a:r>
+          </a:p>
+          <a:p>
+            <a:pPr marL="0" indent="0">
+              <a:buNone/>
+            </a:pPr>
+            <a:r>
+              <a:rPr lang="ru-RU" dirty="0"/>
+              <a:t>Или </a:t>
             </a:r>
             <a:r>
               <a:rPr lang="en-US" dirty="0"/>
-              <a:t>CI/CD Pipeline </a:t>
+              <a:t>Git </a:t>
             </a:r>
             <a:r>
               <a:rPr lang="ru-RU" dirty="0"/>
-              <a:t>в репозитории выполняет централизованное изменение сущностей. Но в случае необходимости, действия пайплайна можно запустить вручную.</a:t>
+              <a:t>репозиторий с </a:t>
+            </a:r>
+            <a:r>
+              <a:rPr lang="en-US" dirty="0"/>
+              <a:t>CI/CD </a:t>
+            </a:r>
+            <a:r>
+              <a:rPr lang="ru-RU" dirty="0" err="1"/>
+              <a:t>cистемой</a:t>
+            </a:r>
+            <a:r>
+              <a:rPr lang="ru-RU" dirty="0"/>
+              <a:t>. </a:t>
             </a:r>
           </a:p>
         </p:txBody>
@@ -2091,7 +1659,7 @@
     </p:spTree>
     <p:extLst>
       <p:ext uri="{BB962C8B-B14F-4D97-AF65-F5344CB8AC3E}">
-        <p14:creationId xmlns:p14="http://schemas.microsoft.com/office/powerpoint/2010/main" val="822524631"/>
+        <p14:creationId xmlns:p14="http://schemas.microsoft.com/office/powerpoint/2010/main" val="3375278473"/>
       </p:ext>
     </p:extLst>
   </p:cSld>
@@ -2147,15 +1715,7 @@
           <a:p>
             <a:r>
               <a:rPr lang="ru-RU" dirty="0"/>
-              <a:t>Целевой процесс должен выглядеть следующим образом. В качестве единого источника правды выступает репозиторий, содержащий описания всех необходимых сущностей. </a:t>
-            </a:r>
-            <a:r>
-              <a:rPr lang="en-US" dirty="0"/>
-              <a:t>CI/CD Pipeline </a:t>
-            </a:r>
-            <a:r>
-              <a:rPr lang="ru-RU" dirty="0"/>
-              <a:t>в репозитории выполняет централизованное изменение сущностей. Но в случае необходимости, действия пайплайна можно запустить вручную.</a:t>
+              <a:t>Второй вариант требует меньше ресурсов для реализации и поддержки, а также по умолчанию обеспечивает высокие гарантии сохранности данных, поэтому в качестве автоматизации выбран этот вариант.</a:t>
             </a:r>
           </a:p>
         </p:txBody>
@@ -2186,7 +1746,7 @@
     </p:spTree>
     <p:extLst>
       <p:ext uri="{BB962C8B-B14F-4D97-AF65-F5344CB8AC3E}">
-        <p14:creationId xmlns:p14="http://schemas.microsoft.com/office/powerpoint/2010/main" val="3375278473"/>
+        <p14:creationId xmlns:p14="http://schemas.microsoft.com/office/powerpoint/2010/main" val="3255305212"/>
       </p:ext>
     </p:extLst>
   </p:cSld>
@@ -2344,15 +1904,7 @@
           <a:p>
             <a:r>
               <a:rPr lang="ru-RU" dirty="0"/>
-              <a:t>Целевой процесс должен выглядеть следующим образом. В качестве единого источника правды выступает репозиторий, содержащий описания всех необходимых сущностей. </a:t>
-            </a:r>
-            <a:r>
-              <a:rPr lang="en-US" dirty="0"/>
-              <a:t>CI/CD Pipeline </a:t>
-            </a:r>
-            <a:r>
-              <a:rPr lang="ru-RU" dirty="0"/>
-              <a:t>в репозитории выполняет централизованное изменение сущностей. Но в случае необходимости, действия пайплайна можно запустить вручную.</a:t>
+              <a:t>Конфигурация балансировщика – один из пунктов, занимающий много времени на согласования.</a:t>
             </a:r>
           </a:p>
         </p:txBody>
@@ -2383,7 +1935,7 @@
     </p:spTree>
     <p:extLst>
       <p:ext uri="{BB962C8B-B14F-4D97-AF65-F5344CB8AC3E}">
-        <p14:creationId xmlns:p14="http://schemas.microsoft.com/office/powerpoint/2010/main" val="3255305212"/>
+        <p14:creationId xmlns:p14="http://schemas.microsoft.com/office/powerpoint/2010/main" val="1299269057"/>
       </p:ext>
     </p:extLst>
   </p:cSld>
@@ -2439,15 +1991,7 @@
           <a:p>
             <a:r>
               <a:rPr lang="ru-RU" dirty="0"/>
-              <a:t>Целевой процесс должен выглядеть следующим образом. В качестве единого источника правды выступает репозиторий, содержащий описания всех необходимых сущностей. </a:t>
-            </a:r>
-            <a:r>
-              <a:rPr lang="en-US" dirty="0"/>
-              <a:t>CI/CD Pipeline </a:t>
-            </a:r>
-            <a:r>
-              <a:rPr lang="ru-RU" dirty="0"/>
-              <a:t>в репозитории выполняет централизованное изменение сущностей. Но в случае необходимости, действия пайплайна можно запустить вручную.</a:t>
+              <a:t>Создание или изменение конфигурации балансировщика подразумевает внесение изменений в файл со следующей структурой.</a:t>
             </a:r>
           </a:p>
         </p:txBody>
@@ -2478,7 +2022,7 @@
     </p:spTree>
     <p:extLst>
       <p:ext uri="{BB962C8B-B14F-4D97-AF65-F5344CB8AC3E}">
-        <p14:creationId xmlns:p14="http://schemas.microsoft.com/office/powerpoint/2010/main" val="1299269057"/>
+        <p14:creationId xmlns:p14="http://schemas.microsoft.com/office/powerpoint/2010/main" val="1875266410"/>
       </p:ext>
     </p:extLst>
   </p:cSld>
@@ -2532,6 +2076,62 @@
           <a:bodyPr/>
           <a:lstStyle/>
           <a:p>
+            <a:pPr marL="0" marR="0" lvl="0" indent="0" algn="l" defTabSz="914400" rtl="0" eaLnBrk="1" fontAlgn="auto" latinLnBrk="0" hangingPunct="1">
+              <a:lnSpc>
+                <a:spcPct val="100000"/>
+              </a:lnSpc>
+              <a:spcBef>
+                <a:spcPts val="0"/>
+              </a:spcBef>
+              <a:spcAft>
+                <a:spcPts val="0"/>
+              </a:spcAft>
+              <a:buClrTx/>
+              <a:buSzTx/>
+              <a:buFontTx/>
+              <a:buNone/>
+              <a:tabLst/>
+              <a:defRPr/>
+            </a:pPr>
+            <a:r>
+              <a:rPr lang="ru-RU" dirty="0"/>
+              <a:t>Например, для создания новой конфигурации необходимо разместить следующие записи в файле.</a:t>
+            </a:r>
+            <a:br>
+              <a:rPr lang="ru-RU" dirty="0"/>
+            </a:br>
+            <a:r>
+              <a:rPr lang="ru-RU" dirty="0"/>
+              <a:t>Упростить этот процесс можно, создав заранее сгенерированные конфигурации балансировщиков, например, так ...</a:t>
+            </a:r>
+          </a:p>
+          <a:p>
+            <a:endParaRPr lang="ru-RU" dirty="0"/>
+          </a:p>
+          <a:p>
+            <a:r>
+              <a:rPr lang="ru-RU" b="0" i="1" dirty="0"/>
+              <a:t>След слайд.</a:t>
+            </a:r>
+          </a:p>
+          <a:p>
+            <a:pPr marL="0" marR="0" lvl="0" indent="0" algn="l" defTabSz="914400" rtl="0" eaLnBrk="1" fontAlgn="auto" latinLnBrk="0" hangingPunct="1">
+              <a:lnSpc>
+                <a:spcPct val="100000"/>
+              </a:lnSpc>
+              <a:spcBef>
+                <a:spcPts val="0"/>
+              </a:spcBef>
+              <a:spcAft>
+                <a:spcPts val="0"/>
+              </a:spcAft>
+              <a:buClrTx/>
+              <a:buSzTx/>
+              <a:buFontTx/>
+              <a:buNone/>
+              <a:tabLst/>
+              <a:defRPr/>
+            </a:pPr>
             <a:endParaRPr lang="ru-RU" dirty="0"/>
           </a:p>
         </p:txBody>
@@ -2562,7 +2162,7 @@
     </p:spTree>
     <p:extLst>
       <p:ext uri="{BB962C8B-B14F-4D97-AF65-F5344CB8AC3E}">
-        <p14:creationId xmlns:p14="http://schemas.microsoft.com/office/powerpoint/2010/main" val="1875266410"/>
+        <p14:creationId xmlns:p14="http://schemas.microsoft.com/office/powerpoint/2010/main" val="1122360973"/>
       </p:ext>
     </p:extLst>
   </p:cSld>
@@ -2616,89 +2216,27 @@
           <a:bodyPr/>
           <a:lstStyle/>
           <a:p>
-            <a:pPr marL="0" marR="0" lvl="0" indent="0" algn="l" defTabSz="914400" rtl="0" eaLnBrk="1" fontAlgn="auto" latinLnBrk="0" hangingPunct="1">
-              <a:lnSpc>
-                <a:spcPct val="100000"/>
-              </a:lnSpc>
-              <a:spcBef>
-                <a:spcPts val="0"/>
-              </a:spcBef>
-              <a:spcAft>
-                <a:spcPts val="0"/>
-              </a:spcAft>
-              <a:buClrTx/>
-              <a:buSzTx/>
-              <a:buFontTx/>
-              <a:buNone/>
-              <a:tabLst/>
-              <a:defRPr/>
-            </a:pPr>
             <a:r>
               <a:rPr lang="ru-RU" dirty="0"/>
-              <a:t>Настройка балансировщика – один из пунктов, требующих участия внешней команды. Со стороны </a:t>
-            </a:r>
-            <a:r>
-              <a:rPr lang="en-US" dirty="0"/>
-              <a:t>SRE </a:t>
-            </a:r>
+              <a:t>Все имена сущностей можно генерировать на основе одной главной переменной – номера сетевого порта для конкретной записи балансировщика.</a:t>
+            </a:r>
+          </a:p>
+          <a:p>
             <a:r>
               <a:rPr lang="ru-RU" dirty="0"/>
-              <a:t>инженера это просто добавление следующих строк в файл конфигурации балансировщика</a:t>
-            </a:r>
-          </a:p>
-          <a:p>
-            <a:pPr marL="0" marR="0" lvl="0" indent="0" algn="l" defTabSz="914400" rtl="0" eaLnBrk="1" fontAlgn="auto" latinLnBrk="0" hangingPunct="1">
-              <a:lnSpc>
-                <a:spcPct val="100000"/>
-              </a:lnSpc>
-              <a:spcBef>
-                <a:spcPts val="0"/>
-              </a:spcBef>
-              <a:spcAft>
-                <a:spcPts val="0"/>
-              </a:spcAft>
-              <a:buClrTx/>
-              <a:buSzTx/>
-              <a:buFontTx/>
-              <a:buNone/>
-              <a:tabLst/>
-              <a:defRPr/>
-            </a:pPr>
-            <a:br>
+              <a:t>В таком случае, единожды создав несколько сотен конфигураций балансировщиков один раз – можно не делать этого в дальнейшем на протяжении долгого времени.</a:t>
+            </a:r>
+          </a:p>
+          <a:p>
+            <a:r>
               <a:rPr lang="ru-RU" dirty="0"/>
-            </a:br>
-            <a:r>
-              <a:rPr lang="ru-RU" dirty="0"/>
-              <a:t>Упростить этот процесс можно, создав заранее сгенерированные конфигурации балансировщиков, например, так ...</a:t>
+              <a:t>Это самое дешевое решение проблемы долгих согласований. Альтернативы рассмотрены в тексте работы.</a:t>
             </a:r>
           </a:p>
           <a:p>
             <a:endParaRPr lang="ru-RU" dirty="0"/>
           </a:p>
           <a:p>
-            <a:r>
-              <a:rPr lang="ru-RU" b="0" i="1" dirty="0"/>
-              <a:t>След слайд.</a:t>
-            </a:r>
-          </a:p>
-          <a:p>
-            <a:pPr marL="0" marR="0" lvl="0" indent="0" algn="l" defTabSz="914400" rtl="0" eaLnBrk="1" fontAlgn="auto" latinLnBrk="0" hangingPunct="1">
-              <a:lnSpc>
-                <a:spcPct val="100000"/>
-              </a:lnSpc>
-              <a:spcBef>
-                <a:spcPts val="0"/>
-              </a:spcBef>
-              <a:spcAft>
-                <a:spcPts val="0"/>
-              </a:spcAft>
-              <a:buClrTx/>
-              <a:buSzTx/>
-              <a:buFontTx/>
-              <a:buNone/>
-              <a:tabLst/>
-              <a:defRPr/>
-            </a:pPr>
             <a:endParaRPr lang="ru-RU" dirty="0"/>
           </a:p>
         </p:txBody>
@@ -2729,7 +2267,7 @@
     </p:spTree>
     <p:extLst>
       <p:ext uri="{BB962C8B-B14F-4D97-AF65-F5344CB8AC3E}">
-        <p14:creationId xmlns:p14="http://schemas.microsoft.com/office/powerpoint/2010/main" val="1122360973"/>
+        <p14:creationId xmlns:p14="http://schemas.microsoft.com/office/powerpoint/2010/main" val="1634388148"/>
       </p:ext>
     </p:extLst>
   </p:cSld>
@@ -2785,8 +2323,58 @@
           <a:p>
             <a:r>
               <a:rPr lang="ru-RU" dirty="0"/>
-              <a:t>Такое решение является самым дешевым с точки зрения трудозатрат на реализацию. Альтернативы рассмотрены в тексте моей работы.</a:t>
-            </a:r>
+              <a:t>Подпроцесс изменения параметров топика также требует согласования со стороны внешней команды. Это вызвано ограничениями со стороны сервиса создания топиков. </a:t>
+            </a:r>
+          </a:p>
+          <a:p>
+            <a:r>
+              <a:rPr lang="ru-RU" dirty="0"/>
+              <a:t>Для решения этой проблемы единственное решение проблемы, </a:t>
+            </a:r>
+            <a:r>
+              <a:rPr lang="ru-RU" sz="1100" dirty="0"/>
+              <a:t>согласованное командой обслуживания </a:t>
+            </a:r>
+            <a:r>
+              <a:rPr lang="en-US" sz="1100" dirty="0"/>
+              <a:t>Kafka </a:t>
+            </a:r>
+            <a:r>
+              <a:rPr lang="ru-RU" sz="1100" dirty="0"/>
+              <a:t>– миграция на обновленный кластер </a:t>
+            </a:r>
+            <a:r>
+              <a:rPr lang="en-US" sz="1100" dirty="0"/>
+              <a:t>Kafka </a:t>
+            </a:r>
+            <a:r>
+              <a:rPr lang="ru-RU" sz="1100" dirty="0"/>
+              <a:t>в сервисе </a:t>
+            </a:r>
+            <a:r>
+              <a:rPr lang="en-US" sz="1100" dirty="0"/>
+              <a:t>Kafka as a Service</a:t>
+            </a:r>
+            <a:r>
+              <a:rPr lang="ru-RU" sz="1100" dirty="0"/>
+              <a:t>, который предоставляет кластера </a:t>
+            </a:r>
+            <a:r>
+              <a:rPr lang="en-US" sz="1100" dirty="0"/>
+              <a:t>Kafka</a:t>
+            </a:r>
+            <a:r>
+              <a:rPr lang="ru-RU" sz="1100" dirty="0"/>
+              <a:t> с высоким уровнем автоматизации процессов</a:t>
+            </a:r>
+            <a:r>
+              <a:rPr lang="en-US" sz="1100" dirty="0"/>
+              <a:t>.</a:t>
+            </a:r>
+            <a:endParaRPr lang="ru-RU" sz="1100" dirty="0"/>
+          </a:p>
+          <a:p>
+            <a:endParaRPr lang="ru-RU" dirty="0"/>
           </a:p>
         </p:txBody>
       </p:sp>
@@ -2816,7 +2404,7 @@
     </p:spTree>
     <p:extLst>
       <p:ext uri="{BB962C8B-B14F-4D97-AF65-F5344CB8AC3E}">
-        <p14:creationId xmlns:p14="http://schemas.microsoft.com/office/powerpoint/2010/main" val="1634388148"/>
+        <p14:creationId xmlns:p14="http://schemas.microsoft.com/office/powerpoint/2010/main" val="561400782"/>
       </p:ext>
     </p:extLst>
   </p:cSld>
@@ -2870,9 +2458,97 @@
           <a:bodyPr/>
           <a:lstStyle/>
           <a:p>
+            <a:pPr marL="0" marR="0" lvl="0" indent="0" algn="l" defTabSz="914400" rtl="0" eaLnBrk="1" fontAlgn="auto" latinLnBrk="0" hangingPunct="1">
+              <a:lnSpc>
+                <a:spcPct val="100000"/>
+              </a:lnSpc>
+              <a:spcBef>
+                <a:spcPts val="0"/>
+              </a:spcBef>
+              <a:spcAft>
+                <a:spcPts val="0"/>
+              </a:spcAft>
+              <a:buClrTx/>
+              <a:buSzTx/>
+              <a:buFontTx/>
+              <a:buNone/>
+              <a:tabLst/>
+              <a:defRPr/>
+            </a:pPr>
             <a:r>
               <a:rPr lang="ru-RU" dirty="0"/>
-              <a:t>Конфигурация топика также требует согласования со стороны внешней команды. Это вызвано </a:t>
+              <a:t>В </a:t>
+            </a:r>
+            <a:r>
+              <a:rPr lang="en-US" dirty="0"/>
+              <a:t>Kafka </a:t>
+            </a:r>
+            <a:r>
+              <a:rPr lang="ru-RU" dirty="0"/>
+              <a:t>есть пользователи, топики и разрешения на запись или чтение данных. Так вот, </a:t>
+            </a:r>
+          </a:p>
+          <a:p>
+            <a:pPr marL="0" marR="0" lvl="0" indent="0" algn="l" defTabSz="914400" rtl="0" eaLnBrk="1" fontAlgn="auto" latinLnBrk="0" hangingPunct="1">
+              <a:lnSpc>
+                <a:spcPct val="100000"/>
+              </a:lnSpc>
+              <a:spcBef>
+                <a:spcPts val="0"/>
+              </a:spcBef>
+              <a:spcAft>
+                <a:spcPts val="0"/>
+              </a:spcAft>
+              <a:buClrTx/>
+              <a:buSzTx/>
+              <a:buFontTx/>
+              <a:buNone/>
+              <a:tabLst/>
+              <a:defRPr/>
+            </a:pPr>
+            <a:endParaRPr lang="ru-RU" dirty="0"/>
+          </a:p>
+          <a:p>
+            <a:pPr marL="0" marR="0" lvl="0" indent="0" algn="l" defTabSz="914400" rtl="0" eaLnBrk="1" fontAlgn="auto" latinLnBrk="0" hangingPunct="1">
+              <a:lnSpc>
+                <a:spcPct val="100000"/>
+              </a:lnSpc>
+              <a:spcBef>
+                <a:spcPts val="0"/>
+              </a:spcBef>
+              <a:spcAft>
+                <a:spcPts val="0"/>
+              </a:spcAft>
+              <a:buClrTx/>
+              <a:buSzTx/>
+              <a:buFontTx/>
+              <a:buNone/>
+              <a:tabLst/>
+              <a:defRPr/>
+            </a:pPr>
+            <a:endParaRPr lang="ru-RU" dirty="0"/>
+          </a:p>
+          <a:p>
+            <a:pPr marL="0" marR="0" lvl="0" indent="0" algn="l" defTabSz="914400" rtl="0" eaLnBrk="1" fontAlgn="auto" latinLnBrk="0" hangingPunct="1">
+              <a:lnSpc>
+                <a:spcPct val="100000"/>
+              </a:lnSpc>
+              <a:spcBef>
+                <a:spcPts val="0"/>
+              </a:spcBef>
+              <a:spcAft>
+                <a:spcPts val="0"/>
+              </a:spcAft>
+              <a:buClrTx/>
+              <a:buSzTx/>
+              <a:buFontTx/>
+              <a:buNone/>
+              <a:tabLst/>
+              <a:defRPr/>
+            </a:pPr>
+            <a:r>
+              <a:rPr lang="ru-RU" i="1" dirty="0"/>
+              <a:t>След слайд</a:t>
             </a:r>
           </a:p>
         </p:txBody>
@@ -2903,7 +2579,7 @@
     </p:spTree>
     <p:extLst>
       <p:ext uri="{BB962C8B-B14F-4D97-AF65-F5344CB8AC3E}">
-        <p14:creationId xmlns:p14="http://schemas.microsoft.com/office/powerpoint/2010/main" val="561400782"/>
+        <p14:creationId xmlns:p14="http://schemas.microsoft.com/office/powerpoint/2010/main" val="3053496643"/>
       </p:ext>
     </p:extLst>
   </p:cSld>
@@ -2957,53 +2633,23 @@
           <a:bodyPr/>
           <a:lstStyle/>
           <a:p>
-            <a:pPr marL="0" marR="0" lvl="0" indent="0" algn="l" defTabSz="914400" rtl="0" eaLnBrk="1" fontAlgn="auto" latinLnBrk="0" hangingPunct="1">
-              <a:lnSpc>
-                <a:spcPct val="100000"/>
-              </a:lnSpc>
-              <a:spcBef>
-                <a:spcPts val="0"/>
-              </a:spcBef>
-              <a:spcAft>
-                <a:spcPts val="0"/>
-              </a:spcAft>
-              <a:buClrTx/>
-              <a:buSzTx/>
-              <a:buFontTx/>
-              <a:buNone/>
-              <a:tabLst/>
-              <a:defRPr/>
-            </a:pPr>
-            <a:r>
-              <a:rPr lang="en-US" dirty="0"/>
-              <a:t>TODO: </a:t>
-            </a:r>
-            <a:r>
-              <a:rPr lang="ru-RU" dirty="0"/>
-              <a:t>,прикрепляю предметную область </a:t>
-            </a:r>
             <a:r>
               <a:rPr lang="en-US" dirty="0" err="1"/>
               <a:t>KaaS</a:t>
             </a:r>
             <a:r>
+              <a:rPr lang="en-US" dirty="0"/>
+              <a:t> </a:t>
+            </a:r>
+            <a:r>
               <a:rPr lang="ru-RU" dirty="0"/>
-              <a:t> и описываю её сущности.</a:t>
-            </a:r>
-          </a:p>
-          <a:p>
-            <a:endParaRPr lang="ru-RU" dirty="0"/>
-          </a:p>
-          <a:p>
-            <a:endParaRPr lang="ru-RU" dirty="0"/>
-          </a:p>
-          <a:p>
-            <a:endParaRPr lang="ru-RU" dirty="0"/>
+              <a:t>предоставляет возможность управлять этими сущностями без участия людей. Это большое преимущество перед существующим кластером и единственная возможность исключить людей из данного подпроцесса. </a:t>
+            </a:r>
           </a:p>
           <a:p>
             <a:r>
               <a:rPr lang="ru-RU" dirty="0"/>
-              <a:t>Рассказать тут про то, что одна учетка на все топики, жертва безопасностью в угоду удобства</a:t>
+              <a:t>Поэтому, принято решение мигрировать.</a:t>
             </a:r>
           </a:p>
         </p:txBody>
@@ -3034,7 +2680,7 @@
     </p:spTree>
     <p:extLst>
       <p:ext uri="{BB962C8B-B14F-4D97-AF65-F5344CB8AC3E}">
-        <p14:creationId xmlns:p14="http://schemas.microsoft.com/office/powerpoint/2010/main" val="3053496643"/>
+        <p14:creationId xmlns:p14="http://schemas.microsoft.com/office/powerpoint/2010/main" val="3081987369"/>
       </p:ext>
     </p:extLst>
   </p:cSld>
@@ -3088,27 +2734,94 @@
           <a:bodyPr/>
           <a:lstStyle/>
           <a:p>
+            <a:pPr marL="0" marR="0" lvl="0" indent="0" algn="l" defTabSz="914400" rtl="0" eaLnBrk="1" fontAlgn="auto" latinLnBrk="0" hangingPunct="1">
+              <a:lnSpc>
+                <a:spcPct val="100000"/>
+              </a:lnSpc>
+              <a:spcBef>
+                <a:spcPts val="0"/>
+              </a:spcBef>
+              <a:spcAft>
+                <a:spcPts val="0"/>
+              </a:spcAft>
+              <a:buClrTx/>
+              <a:buSzTx/>
+              <a:buFontTx/>
+              <a:buNone/>
+              <a:defRPr/>
+            </a:pPr>
             <a:r>
               <a:rPr lang="ru-RU" dirty="0"/>
-              <a:t>Конфигурация топика также требует согласования со стороны внешней команды. Это вызвано </a:t>
-            </a:r>
-          </a:p>
-          <a:p>
+              <a:t>Рассмотрим то, чем будет оперировать автоматизация. В репозитории источников лежат директории с описанием сущностей под определенный источник.</a:t>
+            </a:r>
+          </a:p>
+          <a:p>
+            <a:pPr marL="0" marR="0" lvl="0" indent="0" algn="l" defTabSz="914400" rtl="0" eaLnBrk="1" fontAlgn="auto" latinLnBrk="0" hangingPunct="1">
+              <a:lnSpc>
+                <a:spcPct val="100000"/>
+              </a:lnSpc>
+              <a:spcBef>
+                <a:spcPts val="0"/>
+              </a:spcBef>
+              <a:spcAft>
+                <a:spcPts val="0"/>
+              </a:spcAft>
+              <a:buClrTx/>
+              <a:buSzTx/>
+              <a:buFontTx/>
+              <a:buNone/>
+              <a:defRPr/>
+            </a:pPr>
             <a:endParaRPr lang="ru-RU" dirty="0"/>
           </a:p>
           <a:p>
+            <a:pPr marL="0" marR="0" lvl="0" indent="0" algn="l" defTabSz="914400" rtl="0" eaLnBrk="1" fontAlgn="auto" latinLnBrk="0" hangingPunct="1">
+              <a:lnSpc>
+                <a:spcPct val="100000"/>
+              </a:lnSpc>
+              <a:spcBef>
+                <a:spcPts val="0"/>
+              </a:spcBef>
+              <a:spcAft>
+                <a:spcPts val="0"/>
+              </a:spcAft>
+              <a:buClrTx/>
+              <a:buSzTx/>
+              <a:buFontTx/>
+              <a:buNone/>
+              <a:defRPr/>
+            </a:pPr>
             <a:endParaRPr lang="ru-RU" dirty="0"/>
           </a:p>
           <a:p>
+            <a:pPr marL="0" marR="0" lvl="0" indent="0" algn="l" defTabSz="914400" rtl="0" eaLnBrk="1" fontAlgn="auto" latinLnBrk="0" hangingPunct="1">
+              <a:lnSpc>
+                <a:spcPct val="100000"/>
+              </a:lnSpc>
+              <a:spcBef>
+                <a:spcPts val="0"/>
+              </a:spcBef>
+              <a:spcAft>
+                <a:spcPts val="0"/>
+              </a:spcAft>
+              <a:buClrTx/>
+              <a:buSzTx/>
+              <a:buFontTx/>
+              <a:buNone/>
+              <a:defRPr/>
+            </a:pPr>
             <a:r>
               <a:rPr lang="ru-RU" dirty="0"/>
-              <a:t>Итог – миграция на </a:t>
+              <a:t>Говорю, что такое </a:t>
             </a:r>
             <a:r>
               <a:rPr lang="en-US" dirty="0" err="1"/>
-              <a:t>KaaS</a:t>
-            </a:r>
-            <a:endParaRPr lang="ru-RU" dirty="0"/>
+              <a:t>GitOps</a:t>
+            </a:r>
+            <a:r>
+              <a:rPr lang="ru-RU" dirty="0"/>
+              <a:t>, как я планирую его использование</a:t>
+            </a:r>
           </a:p>
         </p:txBody>
       </p:sp>
@@ -3127,7 +2840,7 @@
           <a:bodyPr/>
           <a:lstStyle/>
           <a:p>
-            <a:fld id="{06DF3A17-B39C-4384-8360-75C07DE4B940}" type="slidenum">
+            <a:fld id="{8329C60B-6F98-8646-A41A-70FA44D3BDF6}" type="slidenum">
               <a:rPr lang="ru-RU" smtClean="0"/>
               <a:t>27</a:t>
             </a:fld>
@@ -3136,11 +2849,6 @@
         </p:txBody>
       </p:sp>
     </p:spTree>
-    <p:extLst>
-      <p:ext uri="{BB962C8B-B14F-4D97-AF65-F5344CB8AC3E}">
-        <p14:creationId xmlns:p14="http://schemas.microsoft.com/office/powerpoint/2010/main" val="3081987369"/>
-      </p:ext>
-    </p:extLst>
   </p:cSld>
   <p:clrMapOvr>
     <a:masterClrMapping/>
@@ -3210,37 +2918,15 @@
             </a:pPr>
             <a:r>
               <a:rPr lang="ru-RU" dirty="0"/>
-              <a:t>Как единый источник решено использовать </a:t>
-            </a:r>
-            <a:r>
-              <a:rPr lang="en-US" dirty="0"/>
-              <a:t>Git </a:t>
+              <a:t>Так, файл </a:t>
+            </a:r>
+            <a:r>
+              <a:rPr lang="en-US" dirty="0" err="1"/>
+              <a:t>main.yml</a:t>
             </a:r>
             <a:r>
               <a:rPr lang="ru-RU" dirty="0"/>
-              <a:t>репозиторий со структурой файлов, изображенной слева на слайде. </a:t>
-            </a:r>
-          </a:p>
-          <a:p>
-            <a:pPr marL="0" marR="0" lvl="0" indent="0" algn="l" defTabSz="914400" rtl="0" eaLnBrk="1" fontAlgn="auto" latinLnBrk="0" hangingPunct="1">
-              <a:lnSpc>
-                <a:spcPct val="100000"/>
-              </a:lnSpc>
-              <a:spcBef>
-                <a:spcPts val="0"/>
-              </a:spcBef>
-              <a:spcAft>
-                <a:spcPts val="0"/>
-              </a:spcAft>
-              <a:buClrTx/>
-              <a:buSzTx/>
-              <a:buFontTx/>
-              <a:buNone/>
-              <a:defRPr/>
-            </a:pPr>
-            <a:r>
-              <a:rPr lang="ru-RU" dirty="0"/>
-              <a:t>Название директории в дальнейшем будет являться ключом для всех автоматически создаваемых сущностей.</a:t>
+              <a:t> абстрактно описывает конфигурацию коллектора и методов его развертывания.</a:t>
             </a:r>
           </a:p>
           <a:p>
@@ -3262,55 +2948,6 @@
             </a:pPr>
             <a:endParaRPr lang="ru-RU" dirty="0"/>
           </a:p>
-          <a:p>
-            <a:pPr marL="0" marR="0" lvl="0" indent="0" algn="l" defTabSz="914400" rtl="0" eaLnBrk="1" fontAlgn="auto" latinLnBrk="0" hangingPunct="1">
-              <a:lnSpc>
-                <a:spcPct val="100000"/>
-              </a:lnSpc>
-              <a:spcBef>
-                <a:spcPts val="0"/>
-              </a:spcBef>
-              <a:spcAft>
-                <a:spcPts val="0"/>
-              </a:spcAft>
-              <a:buClrTx/>
-              <a:buSzTx/>
-              <a:buFontTx/>
-              <a:buNone/>
-              <a:defRPr/>
-            </a:pPr>
-            <a:endParaRPr lang="ru-RU" dirty="0"/>
-          </a:p>
-          <a:p>
-            <a:pPr marL="0" marR="0" lvl="0" indent="0" algn="l" defTabSz="914400" rtl="0" eaLnBrk="1" fontAlgn="auto" latinLnBrk="0" hangingPunct="1">
-              <a:lnSpc>
-                <a:spcPct val="100000"/>
-              </a:lnSpc>
-              <a:spcBef>
-                <a:spcPts val="0"/>
-              </a:spcBef>
-              <a:spcAft>
-                <a:spcPts val="0"/>
-              </a:spcAft>
-              <a:buClrTx/>
-              <a:buSzTx/>
-              <a:buFontTx/>
-              <a:buNone/>
-              <a:defRPr/>
-            </a:pPr>
-            <a:r>
-              <a:rPr lang="ru-RU" dirty="0"/>
-              <a:t>Говорю, что такое </a:t>
-            </a:r>
-            <a:r>
-              <a:rPr lang="en-US" dirty="0" err="1"/>
-              <a:t>GitOps</a:t>
-            </a:r>
-            <a:r>
-              <a:rPr lang="ru-RU" dirty="0"/>
-              <a:t>, как я планирую его использование</a:t>
-            </a:r>
-          </a:p>
         </p:txBody>
       </p:sp>
       <p:sp>
@@ -3337,6 +2974,11 @@
         </p:txBody>
       </p:sp>
     </p:spTree>
+    <p:extLst>
+      <p:ext uri="{BB962C8B-B14F-4D97-AF65-F5344CB8AC3E}">
+        <p14:creationId xmlns:p14="http://schemas.microsoft.com/office/powerpoint/2010/main" val="956364573"/>
+      </p:ext>
+    </p:extLst>
   </p:cSld>
   <p:clrMapOvr>
     <a:masterClrMapping/>
@@ -3402,43 +3044,42 @@
               <a:buSzTx/>
               <a:buFontTx/>
               <a:buNone/>
-              <a:tabLst/>
               <a:defRPr/>
             </a:pPr>
             <a:r>
+              <a:rPr lang="ru-RU" dirty="0"/>
+              <a:t>Файл </a:t>
+            </a:r>
+            <a:r>
+              <a:rPr lang="en-US" dirty="0" err="1"/>
+              <a:t>kaas_params.yml</a:t>
+            </a:r>
+            <a:r>
               <a:rPr lang="en-US" dirty="0"/>
-              <a:t>TODO:</a:t>
+              <a:t> </a:t>
             </a:r>
             <a:r>
               <a:rPr lang="ru-RU" dirty="0"/>
-              <a:t> говорю про абстракцию «менеджер» для управления разными сущностями, про модули взаимодействия с </a:t>
-            </a:r>
-            <a:r>
-              <a:rPr lang="en-US" dirty="0"/>
-              <a:t>API </a:t>
-            </a:r>
-            <a:r>
-              <a:rPr lang="en-US" dirty="0" err="1"/>
-              <a:t>KaaS</a:t>
-            </a:r>
-            <a:r>
-              <a:rPr lang="en-US" dirty="0"/>
-              <a:t>, cli </a:t>
-            </a:r>
-            <a:r>
-              <a:rPr lang="ru-RU" dirty="0"/>
-              <a:t>для авторизации, </a:t>
-            </a:r>
-            <a:r>
-              <a:rPr lang="en-US" dirty="0"/>
-              <a:t>Vault</a:t>
-            </a:r>
-            <a:endParaRPr lang="ru-RU" dirty="0"/>
-          </a:p>
-          <a:p>
-            <a:endParaRPr lang="ru-RU" dirty="0"/>
-          </a:p>
-          <a:p>
+              <a:t>описывает параметры топика и пользователей, которые должны к нему иметь доступ.</a:t>
+            </a:r>
+          </a:p>
+          <a:p>
+            <a:pPr marL="0" marR="0" lvl="0" indent="0" algn="l" defTabSz="914400" rtl="0" eaLnBrk="1" fontAlgn="auto" latinLnBrk="0" hangingPunct="1">
+              <a:lnSpc>
+                <a:spcPct val="100000"/>
+              </a:lnSpc>
+              <a:spcBef>
+                <a:spcPts val="0"/>
+              </a:spcBef>
+              <a:spcAft>
+                <a:spcPts val="0"/>
+              </a:spcAft>
+              <a:buClrTx/>
+              <a:buSzTx/>
+              <a:buFontTx/>
+              <a:buNone/>
+              <a:defRPr/>
+            </a:pPr>
             <a:endParaRPr lang="ru-RU" dirty="0"/>
           </a:p>
         </p:txBody>
@@ -3458,7 +3099,7 @@
           <a:bodyPr/>
           <a:lstStyle/>
           <a:p>
-            <a:fld id="{06DF3A17-B39C-4384-8360-75C07DE4B940}" type="slidenum">
+            <a:fld id="{8329C60B-6F98-8646-A41A-70FA44D3BDF6}" type="slidenum">
               <a:rPr lang="ru-RU" smtClean="0"/>
               <a:t>29</a:t>
             </a:fld>
@@ -3469,7 +3110,7 @@
     </p:spTree>
     <p:extLst>
       <p:ext uri="{BB962C8B-B14F-4D97-AF65-F5344CB8AC3E}">
-        <p14:creationId xmlns:p14="http://schemas.microsoft.com/office/powerpoint/2010/main" val="1568682274"/>
+        <p14:creationId xmlns:p14="http://schemas.microsoft.com/office/powerpoint/2010/main" val="2368186979"/>
       </p:ext>
     </p:extLst>
   </p:cSld>
@@ -3723,22 +3364,21 @@
               <a:buSzTx/>
               <a:buFontTx/>
               <a:buNone/>
+              <a:tabLst/>
               <a:defRPr/>
             </a:pPr>
             <a:r>
               <a:rPr lang="ru-RU" dirty="0"/>
-              <a:t>В таком случае не решается проблема с тем, что поиск порта выполняется руками. И исправление </a:t>
-            </a:r>
-            <a:br>
+              <a:t>С данными файлами работает следующая </a:t>
+            </a:r>
+            <a:r>
+              <a:rPr lang="ru-RU" dirty="0" err="1"/>
+              <a:t>авто.матизация</a:t>
+            </a:r>
+            <a:r>
               <a:rPr lang="ru-RU" dirty="0"/>
-            </a:br>
-            <a:r>
-              <a:rPr lang="ru-RU" dirty="0"/>
-              <a:t>Выбран следующий алгоритм. Так как он показал себя быстрее остальных по скорости работы и не требует подключения к хосту</a:t>
-            </a:r>
-          </a:p>
-          <a:p>
-            <a:endParaRPr lang="ru-RU" dirty="0"/>
+              <a:t>. Есть несколько менеджеров, управляющих определенными сущностями в примерно следующем алгоритме:</a:t>
+            </a:r>
           </a:p>
         </p:txBody>
       </p:sp>
@@ -3757,7 +3397,7 @@
           <a:bodyPr/>
           <a:lstStyle/>
           <a:p>
-            <a:fld id="{8329C60B-6F98-8646-A41A-70FA44D3BDF6}" type="slidenum">
+            <a:fld id="{06DF3A17-B39C-4384-8360-75C07DE4B940}" type="slidenum">
               <a:rPr lang="ru-RU" smtClean="0"/>
               <a:t>30</a:t>
             </a:fld>
@@ -3766,6 +3406,11 @@
         </p:txBody>
       </p:sp>
     </p:spTree>
+    <p:extLst>
+      <p:ext uri="{BB962C8B-B14F-4D97-AF65-F5344CB8AC3E}">
+        <p14:creationId xmlns:p14="http://schemas.microsoft.com/office/powerpoint/2010/main" val="1568682274"/>
+      </p:ext>
+    </p:extLst>
   </p:cSld>
   <p:clrMapOvr>
     <a:masterClrMapping/>
@@ -3817,33 +3462,25 @@
           <a:bodyPr/>
           <a:lstStyle/>
           <a:p>
-            <a:pPr marL="0" marR="0" lvl="0" indent="0" algn="l" defTabSz="914400" rtl="0" eaLnBrk="1" fontAlgn="auto" latinLnBrk="0" hangingPunct="1">
-              <a:lnSpc>
-                <a:spcPct val="100000"/>
-              </a:lnSpc>
-              <a:spcBef>
-                <a:spcPts val="0"/>
-              </a:spcBef>
-              <a:spcAft>
-                <a:spcPts val="0"/>
-              </a:spcAft>
-              <a:buClrTx/>
-              <a:buSzTx/>
-              <a:buFontTx/>
-              <a:buNone/>
-              <a:defRPr/>
-            </a:pPr>
             <a:r>
               <a:rPr lang="ru-RU" dirty="0"/>
-              <a:t>След слайд.</a:t>
-            </a:r>
-          </a:p>
-          <a:p>
-            <a:pPr marL="171450" indent="-171450">
-              <a:buFontTx/>
-              <a:buChar char="-"/>
-            </a:pPr>
+              <a:t>В цикле по директориям источников обрабатываются топики и пользователи, а затем коллекторы.</a:t>
+            </a:r>
+          </a:p>
+          <a:p>
+            <a:r>
+              <a:rPr lang="ru-RU" dirty="0"/>
+              <a:t>В случае несуществования сущности из конфига – она создается, в случае несоответствия параметров в конфиге и существующей – она изменяется.</a:t>
+            </a:r>
+          </a:p>
+          <a:p>
             <a:endParaRPr lang="ru-RU" dirty="0"/>
+          </a:p>
+          <a:p>
+            <a:r>
+              <a:rPr lang="ru-RU" dirty="0"/>
+              <a:t>После цикла происходит удаление сущностей, которые не были обработаны в цикле, это значит, что эти сущности не должны существовать.</a:t>
+            </a:r>
           </a:p>
         </p:txBody>
       </p:sp>
@@ -3922,33 +3559,14 @@
           <a:bodyPr/>
           <a:lstStyle/>
           <a:p>
-            <a:pPr marL="0" marR="0" lvl="0" indent="0" algn="l" defTabSz="914400" rtl="0" eaLnBrk="1" fontAlgn="auto" latinLnBrk="0" hangingPunct="1">
-              <a:lnSpc>
-                <a:spcPct val="100000"/>
-              </a:lnSpc>
-              <a:spcBef>
-                <a:spcPts val="0"/>
-              </a:spcBef>
-              <a:spcAft>
-                <a:spcPts val="0"/>
-              </a:spcAft>
-              <a:buClrTx/>
-              <a:buSzTx/>
+            <a:pPr marL="0" indent="0">
               <a:buFontTx/>
               <a:buNone/>
-              <a:defRPr/>
             </a:pPr>
             <a:r>
               <a:rPr lang="ru-RU" dirty="0"/>
-              <a:t>След слайд.</a:t>
-            </a:r>
-          </a:p>
-          <a:p>
-            <a:pPr marL="171450" indent="-171450">
-              <a:buFontTx/>
-              <a:buChar char="-"/>
-            </a:pPr>
-            <a:endParaRPr lang="ru-RU" dirty="0"/>
+              <a:t>Итого: процесс был таким</a:t>
+            </a:r>
           </a:p>
         </p:txBody>
       </p:sp>
@@ -4045,15 +3663,8 @@
             </a:pPr>
             <a:r>
               <a:rPr lang="ru-RU" dirty="0"/>
-              <a:t>След слайд.</a:t>
-            </a:r>
-          </a:p>
-          <a:p>
-            <a:pPr marL="171450" indent="-171450">
-              <a:buFontTx/>
-              <a:buChar char="-"/>
-            </a:pPr>
-            <a:endParaRPr lang="ru-RU" dirty="0"/>
+              <a:t>Стал таким</a:t>
+            </a:r>
           </a:p>
         </p:txBody>
       </p:sp>
@@ -4081,11 +3692,6 @@
         </p:txBody>
       </p:sp>
     </p:spTree>
-    <p:extLst>
-      <p:ext uri="{BB962C8B-B14F-4D97-AF65-F5344CB8AC3E}">
-        <p14:creationId xmlns:p14="http://schemas.microsoft.com/office/powerpoint/2010/main" val="576469997"/>
-      </p:ext>
-    </p:extLst>
   </p:cSld>
   <p:clrMapOvr>
     <a:masterClrMapping/>
@@ -4155,15 +3761,16 @@
             </a:pPr>
             <a:r>
               <a:rPr lang="ru-RU" dirty="0"/>
-              <a:t>След слайд.</a:t>
-            </a:r>
-          </a:p>
-          <a:p>
-            <a:pPr marL="171450" indent="-171450">
-              <a:buFontTx/>
-              <a:buChar char="-"/>
-            </a:pPr>
-            <a:endParaRPr lang="ru-RU" dirty="0"/>
+              <a:t>В ходе работы была разработана автоматизация управления коллекторами и топиками, повышена безопасность системы за счет внедрения учетных записей с ограниченным доступом, упрощен подпроцесс создания конфигураций балансировщиков, а также произведена миграция на решение </a:t>
+            </a:r>
+            <a:r>
+              <a:rPr lang="en-US" dirty="0"/>
+              <a:t>Kafka as a Service</a:t>
+            </a:r>
+            <a:r>
+              <a:rPr lang="ru-RU" dirty="0"/>
+              <a:t>.</a:t>
+            </a:r>
           </a:p>
         </p:txBody>
       </p:sp>
@@ -4193,7 +3800,7 @@
     </p:spTree>
     <p:extLst>
       <p:ext uri="{BB962C8B-B14F-4D97-AF65-F5344CB8AC3E}">
-        <p14:creationId xmlns:p14="http://schemas.microsoft.com/office/powerpoint/2010/main" val="515626959"/>
+        <p14:creationId xmlns:p14="http://schemas.microsoft.com/office/powerpoint/2010/main" val="576469997"/>
       </p:ext>
     </p:extLst>
   </p:cSld>
@@ -4247,7 +3854,14 @@
           <a:bodyPr/>
           <a:lstStyle/>
           <a:p>
-            <a:endParaRPr lang="ru-RU" dirty="0"/>
+            <a:pPr marL="0" indent="0">
+              <a:buFontTx/>
+              <a:buNone/>
+            </a:pPr>
+            <a:r>
+              <a:rPr lang="ru-RU" dirty="0"/>
+              <a:t>Сокращено количество согласований, ручных действий и время создания коллекторов</a:t>
+            </a:r>
           </a:p>
         </p:txBody>
       </p:sp>
@@ -4269,6 +3883,90 @@
             <a:fld id="{8329C60B-6F98-8646-A41A-70FA44D3BDF6}" type="slidenum">
               <a:rPr lang="ru-RU" smtClean="0"/>
               <a:t>35</a:t>
+            </a:fld>
+            <a:endParaRPr lang="ru-RU"/>
+          </a:p>
+        </p:txBody>
+      </p:sp>
+    </p:spTree>
+    <p:extLst>
+      <p:ext uri="{BB962C8B-B14F-4D97-AF65-F5344CB8AC3E}">
+        <p14:creationId xmlns:p14="http://schemas.microsoft.com/office/powerpoint/2010/main" val="515626959"/>
+      </p:ext>
+    </p:extLst>
+  </p:cSld>
+  <p:clrMapOvr>
+    <a:masterClrMapping/>
+  </p:clrMapOvr>
+</p:notes>
+</file>
+
+<file path=ppt/notesSlides/notesSlide36.xml><?xml version="1.0" encoding="utf-8"?>
+<p:notes xmlns:a="http://schemas.openxmlformats.org/drawingml/2006/main" xmlns:r="http://schemas.openxmlformats.org/officeDocument/2006/relationships" xmlns:p="http://schemas.openxmlformats.org/presentationml/2006/main">
+  <p:cSld>
+    <p:spTree>
+      <p:nvGrpSpPr>
+        <p:cNvPr id="1" name=""/>
+        <p:cNvGrpSpPr/>
+        <p:nvPr/>
+      </p:nvGrpSpPr>
+      <p:grpSpPr>
+        <a:xfrm>
+          <a:off x="0" y="0"/>
+          <a:ext cx="0" cy="0"/>
+          <a:chOff x="0" y="0"/>
+          <a:chExt cx="0" cy="0"/>
+        </a:xfrm>
+      </p:grpSpPr>
+      <p:sp>
+        <p:nvSpPr>
+          <p:cNvPr id="2" name="Образ слайда 1"/>
+          <p:cNvSpPr>
+            <a:spLocks noGrp="1" noRot="1" noChangeAspect="1"/>
+          </p:cNvSpPr>
+          <p:nvPr>
+            <p:ph type="sldImg"/>
+          </p:nvPr>
+        </p:nvSpPr>
+        <p:spPr/>
+      </p:sp>
+      <p:sp>
+        <p:nvSpPr>
+          <p:cNvPr id="3" name="Заметки 2"/>
+          <p:cNvSpPr>
+            <a:spLocks noGrp="1"/>
+          </p:cNvSpPr>
+          <p:nvPr>
+            <p:ph type="body" idx="1"/>
+          </p:nvPr>
+        </p:nvSpPr>
+        <p:spPr/>
+        <p:txBody>
+          <a:bodyPr/>
+          <a:lstStyle/>
+          <a:p>
+            <a:endParaRPr lang="ru-RU" dirty="0"/>
+          </a:p>
+        </p:txBody>
+      </p:sp>
+      <p:sp>
+        <p:nvSpPr>
+          <p:cNvPr id="4" name="Номер слайда 3"/>
+          <p:cNvSpPr>
+            <a:spLocks noGrp="1"/>
+          </p:cNvSpPr>
+          <p:nvPr>
+            <p:ph type="sldNum" sz="quarter" idx="5"/>
+          </p:nvPr>
+        </p:nvSpPr>
+        <p:spPr/>
+        <p:txBody>
+          <a:bodyPr/>
+          <a:lstStyle/>
+          <a:p>
+            <a:fld id="{8329C60B-6F98-8646-A41A-70FA44D3BDF6}" type="slidenum">
+              <a:rPr lang="ru-RU" smtClean="0"/>
+              <a:t>36</a:t>
             </a:fld>
             <a:endParaRPr lang="ru-RU"/>
           </a:p>
@@ -4949,15 +4647,7 @@
             </a:r>
             <a:r>
               <a:rPr lang="ru-RU" dirty="0"/>
-              <a:t>аналитик), он запрашивает подготовку коллектора под определенный источник, чем далее занимается инженер по надежности – </a:t>
-            </a:r>
-            <a:r>
-              <a:rPr lang="en-US" dirty="0"/>
-              <a:t>SRE </a:t>
-            </a:r>
-            <a:r>
-              <a:rPr lang="ru-RU" dirty="0"/>
-              <a:t>инженер.</a:t>
+              <a:t>аналитик), он запрашивает подготовку коллектора под определенный источник, чем далее занимается системный инженер</a:t>
             </a:r>
           </a:p>
           <a:p>
@@ -5141,7 +4831,7 @@
           <a:p>
             <a:fld id="{4A7CD677-3FCC-47F5-94F7-0E9EAFA5A0B4}" type="datetimeFigureOut">
               <a:rPr lang="ru-RU" smtClean="0"/>
-              <a:t>11.05.2025</a:t>
+              <a:t>12.05.2025</a:t>
             </a:fld>
             <a:endParaRPr lang="ru-RU"/>
           </a:p>
@@ -5304,7 +4994,7 @@
           <a:p>
             <a:fld id="{4A7CD677-3FCC-47F5-94F7-0E9EAFA5A0B4}" type="datetimeFigureOut">
               <a:rPr lang="ru-RU" smtClean="0"/>
-              <a:t>11.05.2025</a:t>
+              <a:t>12.05.2025</a:t>
             </a:fld>
             <a:endParaRPr lang="ru-RU"/>
           </a:p>
@@ -5477,7 +5167,7 @@
           <a:p>
             <a:fld id="{4A7CD677-3FCC-47F5-94F7-0E9EAFA5A0B4}" type="datetimeFigureOut">
               <a:rPr lang="ru-RU" smtClean="0"/>
-              <a:t>11.05.2025</a:t>
+              <a:t>12.05.2025</a:t>
             </a:fld>
             <a:endParaRPr lang="ru-RU"/>
           </a:p>
@@ -5640,7 +5330,7 @@
           <a:p>
             <a:fld id="{4A7CD677-3FCC-47F5-94F7-0E9EAFA5A0B4}" type="datetimeFigureOut">
               <a:rPr lang="ru-RU" smtClean="0"/>
-              <a:t>11.05.2025</a:t>
+              <a:t>12.05.2025</a:t>
             </a:fld>
             <a:endParaRPr lang="ru-RU"/>
           </a:p>
@@ -5880,7 +5570,7 @@
           <a:p>
             <a:fld id="{4A7CD677-3FCC-47F5-94F7-0E9EAFA5A0B4}" type="datetimeFigureOut">
               <a:rPr lang="ru-RU" smtClean="0"/>
-              <a:t>11.05.2025</a:t>
+              <a:t>12.05.2025</a:t>
             </a:fld>
             <a:endParaRPr lang="ru-RU"/>
           </a:p>
@@ -6104,7 +5794,7 @@
           <a:p>
             <a:fld id="{4A7CD677-3FCC-47F5-94F7-0E9EAFA5A0B4}" type="datetimeFigureOut">
               <a:rPr lang="ru-RU" smtClean="0"/>
-              <a:t>11.05.2025</a:t>
+              <a:t>12.05.2025</a:t>
             </a:fld>
             <a:endParaRPr lang="ru-RU"/>
           </a:p>
@@ -6463,7 +6153,7 @@
           <a:p>
             <a:fld id="{4A7CD677-3FCC-47F5-94F7-0E9EAFA5A0B4}" type="datetimeFigureOut">
               <a:rPr lang="ru-RU" smtClean="0"/>
-              <a:t>11.05.2025</a:t>
+              <a:t>12.05.2025</a:t>
             </a:fld>
             <a:endParaRPr lang="ru-RU"/>
           </a:p>
@@ -6575,7 +6265,7 @@
           <a:p>
             <a:fld id="{4A7CD677-3FCC-47F5-94F7-0E9EAFA5A0B4}" type="datetimeFigureOut">
               <a:rPr lang="ru-RU" smtClean="0"/>
-              <a:t>11.05.2025</a:t>
+              <a:t>12.05.2025</a:t>
             </a:fld>
             <a:endParaRPr lang="ru-RU"/>
           </a:p>
@@ -6665,7 +6355,7 @@
           <a:p>
             <a:fld id="{4A7CD677-3FCC-47F5-94F7-0E9EAFA5A0B4}" type="datetimeFigureOut">
               <a:rPr lang="ru-RU" smtClean="0"/>
-              <a:t>11.05.2025</a:t>
+              <a:t>12.05.2025</a:t>
             </a:fld>
             <a:endParaRPr lang="ru-RU"/>
           </a:p>
@@ -6935,7 +6625,7 @@
           <a:p>
             <a:fld id="{4A7CD677-3FCC-47F5-94F7-0E9EAFA5A0B4}" type="datetimeFigureOut">
               <a:rPr lang="ru-RU" smtClean="0"/>
-              <a:t>11.05.2025</a:t>
+              <a:t>12.05.2025</a:t>
             </a:fld>
             <a:endParaRPr lang="ru-RU"/>
           </a:p>
@@ -7182,7 +6872,7 @@
           <a:p>
             <a:fld id="{4A7CD677-3FCC-47F5-94F7-0E9EAFA5A0B4}" type="datetimeFigureOut">
               <a:rPr lang="ru-RU" smtClean="0"/>
-              <a:t>11.05.2025</a:t>
+              <a:t>12.05.2025</a:t>
             </a:fld>
             <a:endParaRPr lang="ru-RU"/>
           </a:p>
@@ -7388,7 +7078,7 @@
           <a:p>
             <a:fld id="{4A7CD677-3FCC-47F5-94F7-0E9EAFA5A0B4}" type="datetimeFigureOut">
               <a:rPr lang="ru-RU" smtClean="0"/>
-              <a:t>11.05.2025</a:t>
+              <a:t>12.05.2025</a:t>
             </a:fld>
             <a:endParaRPr lang="ru-RU"/>
           </a:p>
@@ -8104,7 +7794,7 @@
         <p:spPr>
           <a:xfrm>
             <a:off x="691487" y="4446521"/>
-            <a:ext cx="7049120" cy="369332"/>
+            <a:ext cx="8470268" cy="369332"/>
           </a:xfrm>
           <a:prstGeom prst="rect">
             <a:avLst/>
@@ -8123,15 +7813,7 @@
                   <a:schemeClr val="bg1"/>
                 </a:solidFill>
               </a:rPr>
-              <a:t>Научный руководитель</a:t>
-            </a:r>
-            <a:r>
-              <a:rPr lang="ru-RU" dirty="0">
-                <a:solidFill>
-                  <a:srgbClr val="FF0000"/>
-                </a:solidFill>
-              </a:rPr>
-              <a:t>: З.А. Полни меня, мои регалии, место работы</a:t>
+              <a:t>Научный руководитель: Ким Константин Станиславович, доцент, учебный офис</a:t>
             </a:r>
             <a:endParaRPr lang="en-US" dirty="0">
               <a:solidFill>
@@ -8369,7 +8051,7 @@
         <p:spPr>
           <a:xfrm>
             <a:off x="-164125" y="448474"/>
-            <a:ext cx="12184060" cy="6455044"/>
+            <a:ext cx="12184060" cy="6455043"/>
           </a:xfrm>
           <a:prstGeom prst="rect">
             <a:avLst/>
@@ -8904,6 +8586,162 @@
           <a:p>
             <a:pPr algn="ctr"/>
             <a:endParaRPr lang="ru-RU" dirty="0"/>
+          </a:p>
+        </p:txBody>
+      </p:sp>
+      <p:sp>
+        <p:nvSpPr>
+          <p:cNvPr id="11" name="TextBox 10">
+            <a:extLst>
+              <a:ext uri="{FF2B5EF4-FFF2-40B4-BE49-F238E27FC236}">
+                <a16:creationId xmlns:a16="http://schemas.microsoft.com/office/drawing/2014/main" id="{8E039C49-0892-57B6-1B72-6C65536AE7E5}"/>
+              </a:ext>
+            </a:extLst>
+          </p:cNvPr>
+          <p:cNvSpPr txBox="1"/>
+          <p:nvPr/>
+        </p:nvSpPr>
+        <p:spPr>
+          <a:xfrm>
+            <a:off x="2206368" y="801254"/>
+            <a:ext cx="1144662" cy="338554"/>
+          </a:xfrm>
+          <a:prstGeom prst="rect">
+            <a:avLst/>
+          </a:prstGeom>
+          <a:noFill/>
+        </p:spPr>
+        <p:txBody>
+          <a:bodyPr wrap="square" rtlCol="0">
+            <a:spAutoFit/>
+          </a:bodyPr>
+          <a:lstStyle/>
+          <a:p>
+            <a:r>
+              <a:rPr lang="ru-RU" sz="1600" dirty="0">
+                <a:solidFill>
+                  <a:srgbClr val="FF0000"/>
+                </a:solidFill>
+              </a:rPr>
+              <a:t>5 минут</a:t>
+            </a:r>
+          </a:p>
+        </p:txBody>
+      </p:sp>
+      <p:sp>
+        <p:nvSpPr>
+          <p:cNvPr id="14" name="TextBox 13">
+            <a:extLst>
+              <a:ext uri="{FF2B5EF4-FFF2-40B4-BE49-F238E27FC236}">
+                <a16:creationId xmlns:a16="http://schemas.microsoft.com/office/drawing/2014/main" id="{E9AAC14B-40FA-3857-A049-9B81CAB8EEBB}"/>
+              </a:ext>
+            </a:extLst>
+          </p:cNvPr>
+          <p:cNvSpPr txBox="1"/>
+          <p:nvPr/>
+        </p:nvSpPr>
+        <p:spPr>
+          <a:xfrm>
+            <a:off x="7702869" y="1205096"/>
+            <a:ext cx="1144662" cy="338554"/>
+          </a:xfrm>
+          <a:prstGeom prst="rect">
+            <a:avLst/>
+          </a:prstGeom>
+          <a:noFill/>
+        </p:spPr>
+        <p:txBody>
+          <a:bodyPr wrap="square" rtlCol="0">
+            <a:spAutoFit/>
+          </a:bodyPr>
+          <a:lstStyle/>
+          <a:p>
+            <a:r>
+              <a:rPr lang="ru-RU" sz="1600" dirty="0">
+                <a:solidFill>
+                  <a:srgbClr val="FF0000"/>
+                </a:solidFill>
+              </a:rPr>
+              <a:t>1 минута</a:t>
+            </a:r>
+          </a:p>
+        </p:txBody>
+      </p:sp>
+      <p:sp>
+        <p:nvSpPr>
+          <p:cNvPr id="15" name="TextBox 14">
+            <a:extLst>
+              <a:ext uri="{FF2B5EF4-FFF2-40B4-BE49-F238E27FC236}">
+                <a16:creationId xmlns:a16="http://schemas.microsoft.com/office/drawing/2014/main" id="{2F84EB26-792B-1B90-5B56-28CB62483849}"/>
+              </a:ext>
+            </a:extLst>
+          </p:cNvPr>
+          <p:cNvSpPr txBox="1"/>
+          <p:nvPr/>
+        </p:nvSpPr>
+        <p:spPr>
+          <a:xfrm>
+            <a:off x="7157354" y="498555"/>
+            <a:ext cx="1144662" cy="338554"/>
+          </a:xfrm>
+          <a:prstGeom prst="rect">
+            <a:avLst/>
+          </a:prstGeom>
+          <a:noFill/>
+        </p:spPr>
+        <p:txBody>
+          <a:bodyPr wrap="square" rtlCol="0">
+            <a:spAutoFit/>
+          </a:bodyPr>
+          <a:lstStyle/>
+          <a:p>
+            <a:r>
+              <a:rPr lang="ru-RU" sz="1600" dirty="0">
+                <a:solidFill>
+                  <a:srgbClr val="FF0000"/>
+                </a:solidFill>
+              </a:rPr>
+              <a:t>24 часа</a:t>
+            </a:r>
+          </a:p>
+        </p:txBody>
+      </p:sp>
+      <p:sp>
+        <p:nvSpPr>
+          <p:cNvPr id="16" name="TextBox 15">
+            <a:extLst>
+              <a:ext uri="{FF2B5EF4-FFF2-40B4-BE49-F238E27FC236}">
+                <a16:creationId xmlns:a16="http://schemas.microsoft.com/office/drawing/2014/main" id="{9EB6EA20-001B-B152-45D4-60EBC65F0B2D}"/>
+              </a:ext>
+            </a:extLst>
+          </p:cNvPr>
+          <p:cNvSpPr txBox="1"/>
+          <p:nvPr/>
+        </p:nvSpPr>
+        <p:spPr>
+          <a:xfrm>
+            <a:off x="6036724" y="2226332"/>
+            <a:ext cx="1144662" cy="338554"/>
+          </a:xfrm>
+          <a:prstGeom prst="rect">
+            <a:avLst/>
+          </a:prstGeom>
+          <a:noFill/>
+        </p:spPr>
+        <p:txBody>
+          <a:bodyPr wrap="square" rtlCol="0">
+            <a:spAutoFit/>
+          </a:bodyPr>
+          <a:lstStyle/>
+          <a:p>
+            <a:r>
+              <a:rPr lang="ru-RU" sz="1600" dirty="0">
+                <a:solidFill>
+                  <a:srgbClr val="FF0000"/>
+                </a:solidFill>
+              </a:rPr>
+              <a:t>5 минут</a:t>
+            </a:r>
           </a:p>
         </p:txBody>
       </p:sp>
@@ -8965,7 +8803,7 @@
         <p:spPr>
           <a:xfrm>
             <a:off x="-164125" y="448474"/>
-            <a:ext cx="12184060" cy="6455044"/>
+            <a:ext cx="12184060" cy="6455043"/>
           </a:xfrm>
           <a:prstGeom prst="rect">
             <a:avLst/>
@@ -9570,7 +9408,7 @@
         <p:spPr>
           <a:xfrm>
             <a:off x="8746273" y="2452559"/>
-            <a:ext cx="1958898" cy="881656"/>
+            <a:ext cx="1958898" cy="305243"/>
           </a:xfrm>
           <a:prstGeom prst="rect">
             <a:avLst/>
@@ -9604,6 +9442,331 @@
           <a:p>
             <a:pPr algn="ctr"/>
             <a:endParaRPr lang="ru-RU" dirty="0"/>
+          </a:p>
+        </p:txBody>
+      </p:sp>
+      <p:sp>
+        <p:nvSpPr>
+          <p:cNvPr id="11" name="TextBox 10">
+            <a:extLst>
+              <a:ext uri="{FF2B5EF4-FFF2-40B4-BE49-F238E27FC236}">
+                <a16:creationId xmlns:a16="http://schemas.microsoft.com/office/drawing/2014/main" id="{51ACE0C4-A45E-CDD3-05C4-BBB5871BB854}"/>
+              </a:ext>
+            </a:extLst>
+          </p:cNvPr>
+          <p:cNvSpPr txBox="1"/>
+          <p:nvPr/>
+        </p:nvSpPr>
+        <p:spPr>
+          <a:xfrm>
+            <a:off x="3856675" y="4113474"/>
+            <a:ext cx="1144662" cy="338554"/>
+          </a:xfrm>
+          <a:prstGeom prst="rect">
+            <a:avLst/>
+          </a:prstGeom>
+          <a:noFill/>
+        </p:spPr>
+        <p:txBody>
+          <a:bodyPr wrap="square" rtlCol="0">
+            <a:spAutoFit/>
+          </a:bodyPr>
+          <a:lstStyle/>
+          <a:p>
+            <a:r>
+              <a:rPr lang="ru-RU" sz="1600" dirty="0">
+                <a:solidFill>
+                  <a:srgbClr val="FF0000"/>
+                </a:solidFill>
+              </a:rPr>
+              <a:t>10 минут</a:t>
+            </a:r>
+          </a:p>
+        </p:txBody>
+      </p:sp>
+      <p:sp>
+        <p:nvSpPr>
+          <p:cNvPr id="17" name="TextBox 16">
+            <a:extLst>
+              <a:ext uri="{FF2B5EF4-FFF2-40B4-BE49-F238E27FC236}">
+                <a16:creationId xmlns:a16="http://schemas.microsoft.com/office/drawing/2014/main" id="{F58AADC7-D70F-2742-E79B-59E16BC80F8F}"/>
+              </a:ext>
+            </a:extLst>
+          </p:cNvPr>
+          <p:cNvSpPr txBox="1"/>
+          <p:nvPr/>
+        </p:nvSpPr>
+        <p:spPr>
+          <a:xfrm>
+            <a:off x="4783243" y="5431018"/>
+            <a:ext cx="1144662" cy="338554"/>
+          </a:xfrm>
+          <a:prstGeom prst="rect">
+            <a:avLst/>
+          </a:prstGeom>
+          <a:noFill/>
+        </p:spPr>
+        <p:txBody>
+          <a:bodyPr wrap="square" rtlCol="0">
+            <a:spAutoFit/>
+          </a:bodyPr>
+          <a:lstStyle/>
+          <a:p>
+            <a:r>
+              <a:rPr lang="ru-RU" sz="1600" dirty="0">
+                <a:solidFill>
+                  <a:srgbClr val="FF0000"/>
+                </a:solidFill>
+              </a:rPr>
+              <a:t>5 минут</a:t>
+            </a:r>
+          </a:p>
+        </p:txBody>
+      </p:sp>
+      <p:sp>
+        <p:nvSpPr>
+          <p:cNvPr id="18" name="TextBox 17">
+            <a:extLst>
+              <a:ext uri="{FF2B5EF4-FFF2-40B4-BE49-F238E27FC236}">
+                <a16:creationId xmlns:a16="http://schemas.microsoft.com/office/drawing/2014/main" id="{F1AD9BB3-B5B5-F7A0-0A4E-3DDCB72AF740}"/>
+              </a:ext>
+            </a:extLst>
+          </p:cNvPr>
+          <p:cNvSpPr txBox="1"/>
+          <p:nvPr/>
+        </p:nvSpPr>
+        <p:spPr>
+          <a:xfrm>
+            <a:off x="8508380" y="4806043"/>
+            <a:ext cx="1144662" cy="338554"/>
+          </a:xfrm>
+          <a:prstGeom prst="rect">
+            <a:avLst/>
+          </a:prstGeom>
+          <a:noFill/>
+        </p:spPr>
+        <p:txBody>
+          <a:bodyPr wrap="square" rtlCol="0">
+            <a:spAutoFit/>
+          </a:bodyPr>
+          <a:lstStyle/>
+          <a:p>
+            <a:r>
+              <a:rPr lang="ru-RU" sz="1600" dirty="0">
+                <a:solidFill>
+                  <a:srgbClr val="FF0000"/>
+                </a:solidFill>
+              </a:rPr>
+              <a:t>5 минут</a:t>
+            </a:r>
+          </a:p>
+        </p:txBody>
+      </p:sp>
+      <p:sp>
+        <p:nvSpPr>
+          <p:cNvPr id="19" name="TextBox 18">
+            <a:extLst>
+              <a:ext uri="{FF2B5EF4-FFF2-40B4-BE49-F238E27FC236}">
+                <a16:creationId xmlns:a16="http://schemas.microsoft.com/office/drawing/2014/main" id="{41EA880B-8407-148E-C1FD-A99083F12F03}"/>
+              </a:ext>
+            </a:extLst>
+          </p:cNvPr>
+          <p:cNvSpPr txBox="1"/>
+          <p:nvPr/>
+        </p:nvSpPr>
+        <p:spPr>
+          <a:xfrm>
+            <a:off x="6322741" y="3688699"/>
+            <a:ext cx="1144662" cy="338554"/>
+          </a:xfrm>
+          <a:prstGeom prst="rect">
+            <a:avLst/>
+          </a:prstGeom>
+          <a:noFill/>
+        </p:spPr>
+        <p:txBody>
+          <a:bodyPr wrap="square" rtlCol="0">
+            <a:spAutoFit/>
+          </a:bodyPr>
+          <a:lstStyle/>
+          <a:p>
+            <a:r>
+              <a:rPr lang="ru-RU" sz="1600" dirty="0">
+                <a:solidFill>
+                  <a:srgbClr val="FF0000"/>
+                </a:solidFill>
+              </a:rPr>
+              <a:t>5 минут</a:t>
+            </a:r>
+          </a:p>
+        </p:txBody>
+      </p:sp>
+      <p:sp>
+        <p:nvSpPr>
+          <p:cNvPr id="20" name="TextBox 19">
+            <a:extLst>
+              <a:ext uri="{FF2B5EF4-FFF2-40B4-BE49-F238E27FC236}">
+                <a16:creationId xmlns:a16="http://schemas.microsoft.com/office/drawing/2014/main" id="{7BAABAF6-F6F4-DB25-9DA3-2BBD544C4D4B}"/>
+              </a:ext>
+            </a:extLst>
+          </p:cNvPr>
+          <p:cNvSpPr txBox="1"/>
+          <p:nvPr/>
+        </p:nvSpPr>
+        <p:spPr>
+          <a:xfrm>
+            <a:off x="6003270" y="2419248"/>
+            <a:ext cx="1144662" cy="338554"/>
+          </a:xfrm>
+          <a:prstGeom prst="rect">
+            <a:avLst/>
+          </a:prstGeom>
+          <a:noFill/>
+        </p:spPr>
+        <p:txBody>
+          <a:bodyPr wrap="square" rtlCol="0">
+            <a:spAutoFit/>
+          </a:bodyPr>
+          <a:lstStyle/>
+          <a:p>
+            <a:r>
+              <a:rPr lang="ru-RU" sz="1600" dirty="0">
+                <a:solidFill>
+                  <a:srgbClr val="FF0000"/>
+                </a:solidFill>
+              </a:rPr>
+              <a:t>5 минут</a:t>
+            </a:r>
+          </a:p>
+        </p:txBody>
+      </p:sp>
+      <p:sp>
+        <p:nvSpPr>
+          <p:cNvPr id="21" name="TextBox 20">
+            <a:extLst>
+              <a:ext uri="{FF2B5EF4-FFF2-40B4-BE49-F238E27FC236}">
+                <a16:creationId xmlns:a16="http://schemas.microsoft.com/office/drawing/2014/main" id="{E0D5D81B-C81E-7877-0CE7-07927C02A55B}"/>
+              </a:ext>
+            </a:extLst>
+          </p:cNvPr>
+          <p:cNvSpPr txBox="1"/>
+          <p:nvPr/>
+        </p:nvSpPr>
+        <p:spPr>
+          <a:xfrm>
+            <a:off x="9616790" y="2103643"/>
+            <a:ext cx="1144662" cy="338554"/>
+          </a:xfrm>
+          <a:prstGeom prst="rect">
+            <a:avLst/>
+          </a:prstGeom>
+          <a:noFill/>
+        </p:spPr>
+        <p:txBody>
+          <a:bodyPr wrap="square" rtlCol="0">
+            <a:spAutoFit/>
+          </a:bodyPr>
+          <a:lstStyle/>
+          <a:p>
+            <a:r>
+              <a:rPr lang="ru-RU" sz="1600" dirty="0">
+                <a:solidFill>
+                  <a:srgbClr val="FF0000"/>
+                </a:solidFill>
+              </a:rPr>
+              <a:t>24 часа</a:t>
+            </a:r>
+          </a:p>
+        </p:txBody>
+      </p:sp>
+      <p:sp>
+        <p:nvSpPr>
+          <p:cNvPr id="22" name="Прямоугольник 21">
+            <a:extLst>
+              <a:ext uri="{FF2B5EF4-FFF2-40B4-BE49-F238E27FC236}">
+                <a16:creationId xmlns:a16="http://schemas.microsoft.com/office/drawing/2014/main" id="{4EB87660-2C02-B186-1FD8-9023985580CC}"/>
+              </a:ext>
+            </a:extLst>
+          </p:cNvPr>
+          <p:cNvSpPr/>
+          <p:nvPr/>
+        </p:nvSpPr>
+        <p:spPr>
+          <a:xfrm>
+            <a:off x="8849216" y="2939899"/>
+            <a:ext cx="1958898" cy="485804"/>
+          </a:xfrm>
+          <a:prstGeom prst="rect">
+            <a:avLst/>
+          </a:prstGeom>
+          <a:noFill/>
+          <a:ln w="38100">
+            <a:solidFill>
+              <a:srgbClr val="FF0000"/>
+            </a:solidFill>
+          </a:ln>
+        </p:spPr>
+        <p:style>
+          <a:lnRef idx="2">
+            <a:schemeClr val="accent1">
+              <a:shade val="15000"/>
+            </a:schemeClr>
+          </a:lnRef>
+          <a:fillRef idx="1">
+            <a:schemeClr val="accent1"/>
+          </a:fillRef>
+          <a:effectRef idx="0">
+            <a:schemeClr val="accent1"/>
+          </a:effectRef>
+          <a:fontRef idx="minor">
+            <a:schemeClr val="lt1"/>
+          </a:fontRef>
+        </p:style>
+        <p:txBody>
+          <a:bodyPr rtlCol="0" anchor="ctr"/>
+          <a:lstStyle/>
+          <a:p>
+            <a:pPr algn="ctr"/>
+            <a:endParaRPr lang="ru-RU" dirty="0"/>
+          </a:p>
+        </p:txBody>
+      </p:sp>
+      <p:sp>
+        <p:nvSpPr>
+          <p:cNvPr id="25" name="TextBox 24">
+            <a:extLst>
+              <a:ext uri="{FF2B5EF4-FFF2-40B4-BE49-F238E27FC236}">
+                <a16:creationId xmlns:a16="http://schemas.microsoft.com/office/drawing/2014/main" id="{8612ADC0-84EE-F548-7D44-B60C42222234}"/>
+              </a:ext>
+            </a:extLst>
+          </p:cNvPr>
+          <p:cNvSpPr txBox="1"/>
+          <p:nvPr/>
+        </p:nvSpPr>
+        <p:spPr>
+          <a:xfrm>
+            <a:off x="9351940" y="3435696"/>
+            <a:ext cx="1144662" cy="338554"/>
+          </a:xfrm>
+          <a:prstGeom prst="rect">
+            <a:avLst/>
+          </a:prstGeom>
+          <a:noFill/>
+        </p:spPr>
+        <p:txBody>
+          <a:bodyPr wrap="square" rtlCol="0">
+            <a:spAutoFit/>
+          </a:bodyPr>
+          <a:lstStyle/>
+          <a:p>
+            <a:r>
+              <a:rPr lang="ru-RU" sz="1600" dirty="0">
+                <a:solidFill>
+                  <a:srgbClr val="FF0000"/>
+                </a:solidFill>
+              </a:rPr>
+              <a:t>1 минута</a:t>
+            </a:r>
           </a:p>
         </p:txBody>
       </p:sp>
@@ -9988,7 +10151,7 @@
         <p:spPr>
           <a:xfrm>
             <a:off x="-164125" y="448474"/>
-            <a:ext cx="12184060" cy="6455044"/>
+            <a:ext cx="12184060" cy="6455043"/>
           </a:xfrm>
           <a:prstGeom prst="rect">
             <a:avLst/>
@@ -10148,6 +10311,123 @@
           <a:p>
             <a:pPr algn="ctr"/>
             <a:endParaRPr lang="ru-RU" dirty="0"/>
+          </a:p>
+        </p:txBody>
+      </p:sp>
+      <p:sp>
+        <p:nvSpPr>
+          <p:cNvPr id="11" name="TextBox 10">
+            <a:extLst>
+              <a:ext uri="{FF2B5EF4-FFF2-40B4-BE49-F238E27FC236}">
+                <a16:creationId xmlns:a16="http://schemas.microsoft.com/office/drawing/2014/main" id="{81864BC3-D306-1200-C7EE-C5F1E7D259A6}"/>
+              </a:ext>
+            </a:extLst>
+          </p:cNvPr>
+          <p:cNvSpPr txBox="1"/>
+          <p:nvPr/>
+        </p:nvSpPr>
+        <p:spPr>
+          <a:xfrm>
+            <a:off x="104851" y="4597681"/>
+            <a:ext cx="1144662" cy="338554"/>
+          </a:xfrm>
+          <a:prstGeom prst="rect">
+            <a:avLst/>
+          </a:prstGeom>
+          <a:noFill/>
+        </p:spPr>
+        <p:txBody>
+          <a:bodyPr wrap="square" rtlCol="0">
+            <a:spAutoFit/>
+          </a:bodyPr>
+          <a:lstStyle/>
+          <a:p>
+            <a:r>
+              <a:rPr lang="ru-RU" sz="1600" dirty="0">
+                <a:solidFill>
+                  <a:srgbClr val="FF0000"/>
+                </a:solidFill>
+              </a:rPr>
+              <a:t>24 часа</a:t>
+            </a:r>
+          </a:p>
+        </p:txBody>
+      </p:sp>
+      <p:sp>
+        <p:nvSpPr>
+          <p:cNvPr id="12" name="TextBox 11">
+            <a:extLst>
+              <a:ext uri="{FF2B5EF4-FFF2-40B4-BE49-F238E27FC236}">
+                <a16:creationId xmlns:a16="http://schemas.microsoft.com/office/drawing/2014/main" id="{C945A582-25B3-C3B0-11EF-79BBCE1358B1}"/>
+              </a:ext>
+            </a:extLst>
+          </p:cNvPr>
+          <p:cNvSpPr txBox="1"/>
+          <p:nvPr/>
+        </p:nvSpPr>
+        <p:spPr>
+          <a:xfrm>
+            <a:off x="1879412" y="4579575"/>
+            <a:ext cx="1144662" cy="338554"/>
+          </a:xfrm>
+          <a:prstGeom prst="rect">
+            <a:avLst/>
+          </a:prstGeom>
+          <a:noFill/>
+        </p:spPr>
+        <p:txBody>
+          <a:bodyPr wrap="square" rtlCol="0">
+            <a:spAutoFit/>
+          </a:bodyPr>
+          <a:lstStyle/>
+          <a:p>
+            <a:r>
+              <a:rPr lang="ru-RU" sz="1600" dirty="0">
+                <a:solidFill>
+                  <a:srgbClr val="FF0000"/>
+                </a:solidFill>
+              </a:rPr>
+              <a:t>5 минут</a:t>
+            </a:r>
+          </a:p>
+        </p:txBody>
+      </p:sp>
+      <p:sp>
+        <p:nvSpPr>
+          <p:cNvPr id="13" name="TextBox 12">
+            <a:extLst>
+              <a:ext uri="{FF2B5EF4-FFF2-40B4-BE49-F238E27FC236}">
+                <a16:creationId xmlns:a16="http://schemas.microsoft.com/office/drawing/2014/main" id="{98DBA349-A1C2-115D-58DE-E70BD78646D8}"/>
+              </a:ext>
+            </a:extLst>
+          </p:cNvPr>
+          <p:cNvSpPr txBox="1"/>
+          <p:nvPr/>
+        </p:nvSpPr>
+        <p:spPr>
+          <a:xfrm>
+            <a:off x="2081531" y="6004795"/>
+            <a:ext cx="1144662" cy="338554"/>
+          </a:xfrm>
+          <a:prstGeom prst="rect">
+            <a:avLst/>
+          </a:prstGeom>
+          <a:noFill/>
+        </p:spPr>
+        <p:txBody>
+          <a:bodyPr wrap="square" rtlCol="0">
+            <a:spAutoFit/>
+          </a:bodyPr>
+          <a:lstStyle/>
+          <a:p>
+            <a:r>
+              <a:rPr lang="ru-RU" sz="1600" dirty="0">
+                <a:solidFill>
+                  <a:srgbClr val="FF0000"/>
+                </a:solidFill>
+              </a:rPr>
+              <a:t>5 минут</a:t>
+            </a:r>
           </a:p>
         </p:txBody>
       </p:sp>
@@ -10519,7 +10799,7 @@
           <p:nvPr/>
         </p:nvPicPr>
         <p:blipFill>
-          <a:blip r:embed="rId5" cstate="print">
+          <a:blip r:embed="rId5">
             <a:extLst>
               <a:ext uri="{28A0092B-C50C-407E-A947-70E740481C1C}">
                 <a14:useLocalDpi xmlns:a14="http://schemas.microsoft.com/office/drawing/2010/main" val="0"/>
@@ -10531,8 +10811,8 @@
         </p:blipFill>
         <p:spPr>
           <a:xfrm>
-            <a:off x="-164125" y="448474"/>
-            <a:ext cx="12184060" cy="6455044"/>
+            <a:off x="-164125" y="451700"/>
+            <a:ext cx="12184060" cy="6448592"/>
           </a:xfrm>
           <a:prstGeom prst="rect">
             <a:avLst/>
@@ -11335,7 +11615,7 @@
           <p:nvPr/>
         </p:nvPicPr>
         <p:blipFill>
-          <a:blip r:embed="rId5" cstate="print">
+          <a:blip r:embed="rId5">
             <a:extLst>
               <a:ext uri="{28A0092B-C50C-407E-A947-70E740481C1C}">
                 <a14:useLocalDpi xmlns:a14="http://schemas.microsoft.com/office/drawing/2010/main" val="0"/>
@@ -11347,8 +11627,8 @@
         </p:blipFill>
         <p:spPr>
           <a:xfrm>
-            <a:off x="-164125" y="448474"/>
-            <a:ext cx="12184060" cy="6455044"/>
+            <a:off x="-164125" y="451700"/>
+            <a:ext cx="12184060" cy="6448592"/>
           </a:xfrm>
           <a:prstGeom prst="rect">
             <a:avLst/>
@@ -11461,58 +11741,6 @@
       </p:sp>
       <p:sp>
         <p:nvSpPr>
-          <p:cNvPr id="13" name="Прямоугольник 12">
-            <a:extLst>
-              <a:ext uri="{FF2B5EF4-FFF2-40B4-BE49-F238E27FC236}">
-                <a16:creationId xmlns:a16="http://schemas.microsoft.com/office/drawing/2014/main" id="{DC9803A4-A85D-3856-DC66-2054CB95E413}"/>
-              </a:ext>
-            </a:extLst>
-          </p:cNvPr>
-          <p:cNvSpPr/>
-          <p:nvPr/>
-        </p:nvSpPr>
-        <p:spPr>
-          <a:xfrm>
-            <a:off x="5694496" y="1110512"/>
-            <a:ext cx="2022148" cy="509793"/>
-          </a:xfrm>
-          <a:prstGeom prst="rect">
-            <a:avLst/>
-          </a:prstGeom>
-          <a:noFill/>
-          <a:ln w="38100">
-            <a:solidFill>
-              <a:srgbClr val="00B0F0"/>
-            </a:solidFill>
-          </a:ln>
-        </p:spPr>
-        <p:style>
-          <a:lnRef idx="2">
-            <a:schemeClr val="accent1">
-              <a:shade val="15000"/>
-            </a:schemeClr>
-          </a:lnRef>
-          <a:fillRef idx="1">
-            <a:schemeClr val="accent1"/>
-          </a:fillRef>
-          <a:effectRef idx="0">
-            <a:schemeClr val="accent1"/>
-          </a:effectRef>
-          <a:fontRef idx="minor">
-            <a:schemeClr val="lt1"/>
-          </a:fontRef>
-        </p:style>
-        <p:txBody>
-          <a:bodyPr rtlCol="0" anchor="ctr"/>
-          <a:lstStyle/>
-          <a:p>
-            <a:pPr algn="ctr"/>
-            <a:endParaRPr lang="ru-RU" dirty="0"/>
-          </a:p>
-        </p:txBody>
-      </p:sp>
-      <p:sp>
-        <p:nvSpPr>
           <p:cNvPr id="14" name="Прямоугольник 13">
             <a:extLst>
               <a:ext uri="{FF2B5EF4-FFF2-40B4-BE49-F238E27FC236}">
@@ -11669,58 +11897,6 @@
       </p:sp>
       <p:sp>
         <p:nvSpPr>
-          <p:cNvPr id="17" name="Прямоугольник 16">
-            <a:extLst>
-              <a:ext uri="{FF2B5EF4-FFF2-40B4-BE49-F238E27FC236}">
-                <a16:creationId xmlns:a16="http://schemas.microsoft.com/office/drawing/2014/main" id="{9B137F47-81E4-C315-98B8-E4EAAD90505A}"/>
-              </a:ext>
-            </a:extLst>
-          </p:cNvPr>
-          <p:cNvSpPr/>
-          <p:nvPr/>
-        </p:nvSpPr>
-        <p:spPr>
-          <a:xfrm>
-            <a:off x="6657278" y="4765324"/>
-            <a:ext cx="1851102" cy="419993"/>
-          </a:xfrm>
-          <a:prstGeom prst="rect">
-            <a:avLst/>
-          </a:prstGeom>
-          <a:noFill/>
-          <a:ln w="38100">
-            <a:solidFill>
-              <a:srgbClr val="00B0F0"/>
-            </a:solidFill>
-          </a:ln>
-        </p:spPr>
-        <p:style>
-          <a:lnRef idx="2">
-            <a:schemeClr val="accent1">
-              <a:shade val="15000"/>
-            </a:schemeClr>
-          </a:lnRef>
-          <a:fillRef idx="1">
-            <a:schemeClr val="accent1"/>
-          </a:fillRef>
-          <a:effectRef idx="0">
-            <a:schemeClr val="accent1"/>
-          </a:effectRef>
-          <a:fontRef idx="minor">
-            <a:schemeClr val="lt1"/>
-          </a:fontRef>
-        </p:style>
-        <p:txBody>
-          <a:bodyPr rtlCol="0" anchor="ctr"/>
-          <a:lstStyle/>
-          <a:p>
-            <a:pPr algn="ctr"/>
-            <a:endParaRPr lang="ru-RU" dirty="0"/>
-          </a:p>
-        </p:txBody>
-      </p:sp>
-      <p:sp>
-        <p:nvSpPr>
           <p:cNvPr id="18" name="Прямоугольник 17">
             <a:extLst>
               <a:ext uri="{FF2B5EF4-FFF2-40B4-BE49-F238E27FC236}">
@@ -11837,8 +12013,8 @@
         </p:nvSpPr>
         <p:spPr>
           <a:xfrm>
-            <a:off x="8746273" y="2452559"/>
-            <a:ext cx="1958898" cy="881656"/>
+            <a:off x="8746273" y="2452558"/>
+            <a:ext cx="1672684" cy="316107"/>
           </a:xfrm>
           <a:prstGeom prst="rect">
             <a:avLst/>
@@ -11942,14 +12118,14 @@
           <p:nvPr>
             <p:extLst>
               <p:ext uri="{D42A27DB-BD31-4B8C-83A1-F6EECF244321}">
-                <p14:modId xmlns:p14="http://schemas.microsoft.com/office/powerpoint/2010/main" val="3941399365"/>
+                <p14:modId xmlns:p14="http://schemas.microsoft.com/office/powerpoint/2010/main" val="2945232355"/>
               </p:ext>
             </p:extLst>
           </p:nvPr>
         </p:nvGraphicFramePr>
         <p:xfrm>
-          <a:off x="8686936" y="6248400"/>
-          <a:ext cx="3505064" cy="609600"/>
+          <a:off x="8513685" y="6248400"/>
+          <a:ext cx="3678315" cy="609600"/>
         </p:xfrm>
         <a:graphic>
           <a:graphicData uri="http://schemas.openxmlformats.org/drawingml/2006/table">
@@ -11958,14 +12134,14 @@
                 <a:tableStyleId>{5C22544A-7EE6-4342-B048-85BDC9FD1C3A}</a:tableStyleId>
               </a:tblPr>
               <a:tblGrid>
-                <a:gridCol w="208489">
+                <a:gridCol w="218588">
                   <a:extLst>
                     <a:ext uri="{9D8B030D-6E8A-4147-A177-3AD203B41FA5}">
                       <a16:colId xmlns:a16="http://schemas.microsoft.com/office/drawing/2014/main" val="4249562026"/>
                     </a:ext>
                   </a:extLst>
                 </a:gridCol>
-                <a:gridCol w="3296575">
+                <a:gridCol w="3459727">
                   <a:extLst>
                     <a:ext uri="{9D8B030D-6E8A-4147-A177-3AD203B41FA5}">
                       <a16:colId xmlns:a16="http://schemas.microsoft.com/office/drawing/2014/main" val="1207746454"/>
@@ -12018,7 +12194,7 @@
                       <a:tailEnd type="none" w="med" len="med"/>
                     </a:lnB>
                     <a:solidFill>
-                      <a:srgbClr val="FF0000"/>
+                      <a:srgbClr val="00B0F0"/>
                     </a:solidFill>
                   </a:tcPr>
                 </a:tc>
@@ -12027,9 +12203,26 @@
                     <a:bodyPr/>
                     <a:lstStyle/>
                     <a:p>
+                      <a:pPr marL="0" marR="0" lvl="0" indent="0" algn="l" defTabSz="914400" rtl="0" eaLnBrk="1" fontAlgn="auto" latinLnBrk="0" hangingPunct="1">
+                        <a:lnSpc>
+                          <a:spcPct val="100000"/>
+                        </a:lnSpc>
+                        <a:spcBef>
+                          <a:spcPts val="0"/>
+                        </a:spcBef>
+                        <a:spcAft>
+                          <a:spcPts val="0"/>
+                        </a:spcAft>
+                        <a:buClrTx/>
+                        <a:buSzTx/>
+                        <a:buFontTx/>
+                        <a:buNone/>
+                        <a:tabLst/>
+                        <a:defRPr/>
+                      </a:pPr>
                       <a:r>
                         <a:rPr lang="ru-RU" sz="1400" dirty="0"/>
-                        <a:t>Можно упростить или автоматизировать</a:t>
+                        <a:t>Можно автоматизировать или исключить</a:t>
                       </a:r>
                     </a:p>
                   </a:txBody>
@@ -12072,7 +12265,7 @@
                 </a:tc>
                 <a:extLst>
                   <a:ext uri="{0D108BD9-81ED-4DB2-BD59-A6C34878D82A}">
-                    <a16:rowId xmlns:a16="http://schemas.microsoft.com/office/drawing/2014/main" val="2480588375"/>
+                    <a16:rowId xmlns:a16="http://schemas.microsoft.com/office/drawing/2014/main" val="585255002"/>
                   </a:ext>
                 </a:extLst>
               </a:tr>
@@ -12119,7 +12312,7 @@
                       <a:tailEnd type="none" w="med" len="med"/>
                     </a:lnB>
                     <a:solidFill>
-                      <a:srgbClr val="00B0F0"/>
+                      <a:srgbClr val="FF0000"/>
                     </a:solidFill>
                   </a:tcPr>
                 </a:tc>
@@ -12128,9 +12321,26 @@
                     <a:bodyPr/>
                     <a:lstStyle/>
                     <a:p>
+                      <a:pPr marL="0" marR="0" lvl="0" indent="0" algn="l" defTabSz="914400" rtl="0" eaLnBrk="1" fontAlgn="auto" latinLnBrk="0" hangingPunct="1">
+                        <a:lnSpc>
+                          <a:spcPct val="100000"/>
+                        </a:lnSpc>
+                        <a:spcBef>
+                          <a:spcPts val="0"/>
+                        </a:spcBef>
+                        <a:spcAft>
+                          <a:spcPts val="0"/>
+                        </a:spcAft>
+                        <a:buClrTx/>
+                        <a:buSzTx/>
+                        <a:buFontTx/>
+                        <a:buNone/>
+                        <a:tabLst/>
+                        <a:defRPr/>
+                      </a:pPr>
                       <a:r>
                         <a:rPr lang="ru-RU" sz="1400" dirty="0"/>
-                        <a:t>Нельзя упростить или автоматизировать</a:t>
+                        <a:t>Нельзя автоматизировать или исключить</a:t>
                       </a:r>
                     </a:p>
                   </a:txBody>
@@ -12171,7 +12381,7 @@
                 </a:tc>
                 <a:extLst>
                   <a:ext uri="{0D108BD9-81ED-4DB2-BD59-A6C34878D82A}">
-                    <a16:rowId xmlns:a16="http://schemas.microsoft.com/office/drawing/2014/main" val="585255002"/>
+                    <a16:rowId xmlns:a16="http://schemas.microsoft.com/office/drawing/2014/main" val="1167382400"/>
                   </a:ext>
                 </a:extLst>
               </a:tr>
@@ -12257,12 +12467,6 @@
               <a:t>полный цикл ≤ 2 ч; ручные действия ≤ 10 мин</a:t>
             </a:r>
           </a:p>
-          <a:p>
-            <a:r>
-              <a:rPr lang="ru-RU" dirty="0"/>
-              <a:t>Наличие плана и возможности аварийного восстановления</a:t>
-            </a:r>
-          </a:p>
         </p:txBody>
       </p:sp>
       <p:sp>
@@ -12583,66 +12787,6 @@
           </a:p>
         </p:txBody>
       </p:sp>
-      <p:sp>
-        <p:nvSpPr>
-          <p:cNvPr id="8" name="TextBox 7">
-            <a:extLst>
-              <a:ext uri="{FF2B5EF4-FFF2-40B4-BE49-F238E27FC236}">
-                <a16:creationId xmlns:a16="http://schemas.microsoft.com/office/drawing/2014/main" id="{D66B826C-F9BF-75C8-B028-A3238254B07C}"/>
-              </a:ext>
-            </a:extLst>
-          </p:cNvPr>
-          <p:cNvSpPr txBox="1"/>
-          <p:nvPr/>
-        </p:nvSpPr>
-        <p:spPr>
-          <a:xfrm>
-            <a:off x="88777" y="6036816"/>
-            <a:ext cx="3364637" cy="646331"/>
-          </a:xfrm>
-          <a:prstGeom prst="rect">
-            <a:avLst/>
-          </a:prstGeom>
-          <a:noFill/>
-        </p:spPr>
-        <p:txBody>
-          <a:bodyPr wrap="square" rtlCol="0">
-            <a:spAutoFit/>
-          </a:bodyPr>
-          <a:lstStyle/>
-          <a:p>
-            <a:r>
-              <a:rPr lang="en-US" dirty="0">
-                <a:solidFill>
-                  <a:srgbClr val="FF0000"/>
-                </a:solidFill>
-              </a:rPr>
-              <a:t>TODO:</a:t>
-            </a:r>
-            <a:r>
-              <a:rPr lang="ru-RU" dirty="0">
-                <a:solidFill>
-                  <a:srgbClr val="FF0000"/>
-                </a:solidFill>
-              </a:rPr>
-              <a:t> рассмотреть в работе </a:t>
-            </a:r>
-            <a:r>
-              <a:rPr lang="en-US" dirty="0">
-                <a:solidFill>
-                  <a:srgbClr val="FF0000"/>
-                </a:solidFill>
-              </a:rPr>
-              <a:t>DRP</a:t>
-            </a:r>
-            <a:endParaRPr lang="ru-RU" dirty="0">
-              <a:solidFill>
-                <a:srgbClr val="FF0000"/>
-              </a:solidFill>
-            </a:endParaRPr>
-          </a:p>
-        </p:txBody>
-      </p:sp>
     </p:spTree>
     <p:extLst>
       <p:ext uri="{BB962C8B-B14F-4D97-AF65-F5344CB8AC3E}">
@@ -12675,34 +12819,74 @@
       </p:grpSpPr>
       <p:sp>
         <p:nvSpPr>
-          <p:cNvPr id="4" name="Заголовок 3"/>
+          <p:cNvPr id="2" name="Заголовок 1"/>
           <p:cNvSpPr>
             <a:spLocks noGrp="1"/>
           </p:cNvSpPr>
           <p:nvPr>
-            <p:ph type="ctrTitle"/>
+            <p:ph type="title"/>
           </p:nvPr>
         </p:nvSpPr>
-        <p:spPr>
+        <p:spPr/>
+        <p:txBody>
+          <a:bodyPr/>
+          <a:lstStyle/>
+          <a:p>
+            <a:r>
+              <a:rPr lang="ru-RU" dirty="0"/>
+              <a:t>Целевой процесс</a:t>
+            </a:r>
+          </a:p>
+        </p:txBody>
+      </p:sp>
+      <p:pic>
+        <p:nvPicPr>
+          <p:cNvPr id="3074" name="Picture 2"/>
+          <p:cNvPicPr>
+            <a:picLocks noGrp="1" noRot="1" noChangeAspect="1" noMove="1" noResize="1" noEditPoints="1" noAdjustHandles="1" noChangeArrowheads="1" noChangeShapeType="1" noCrop="1"/>
+          </p:cNvPicPr>
+          <p:nvPr/>
+        </p:nvPicPr>
+        <p:blipFill>
+          <a:blip r:embed="rId3" cstate="print">
+            <a:extLst>
+              <a:ext uri="{28A0092B-C50C-407E-A947-70E740481C1C}">
+                <a14:useLocalDpi xmlns:a14="http://schemas.microsoft.com/office/drawing/2010/main" val="0"/>
+              </a:ext>
+            </a:extLst>
+          </a:blip>
+          <a:srcRect/>
+          <a:stretch/>
+        </p:blipFill>
+        <p:spPr bwMode="auto">
           <a:xfrm>
-            <a:off x="1524000" y="2235200"/>
-            <a:ext cx="9144000" cy="2387600"/>
+            <a:off x="0" y="1690688"/>
+            <a:ext cx="12176308" cy="4205219"/>
           </a:xfrm>
+          <a:prstGeom prst="rect">
+            <a:avLst/>
+          </a:prstGeom>
+          <a:noFill/>
+          <a:extLst>
+            <a:ext uri="{909E8E84-426E-40DD-AFC4-6F175D3DCCD1}">
+              <a14:hiddenFill xmlns:a14="http://schemas.microsoft.com/office/drawing/2010/main">
+                <a:solidFill>
+                  <a:srgbClr val="FFFFFF"/>
+                </a:solidFill>
+              </a14:hiddenFill>
+            </a:ext>
+          </a:extLst>
         </p:spPr>
-        <p:txBody>
-          <a:bodyPr anchor="ctr"/>
-          <a:lstStyle/>
-          <a:p>
-            <a:r>
-              <a:rPr lang="ru-RU" dirty="0"/>
-              <a:t>Проектирование обновленного процесса</a:t>
-            </a:r>
-          </a:p>
-        </p:txBody>
-      </p:sp>
-      <p:sp>
-        <p:nvSpPr>
-          <p:cNvPr id="2" name="Прямоугольник 1"/>
+      </p:pic>
+      <p:sp>
+        <p:nvSpPr>
+          <p:cNvPr id="6" name="Прямоугольник 5">
+            <a:extLst>
+              <a:ext uri="{FF2B5EF4-FFF2-40B4-BE49-F238E27FC236}">
+                <a16:creationId xmlns:a16="http://schemas.microsoft.com/office/drawing/2014/main" id="{671D2E44-2D65-BAF1-55C7-9023412A1045}"/>
+              </a:ext>
+            </a:extLst>
+          </p:cNvPr>
           <p:cNvSpPr/>
           <p:nvPr/>
         </p:nvSpPr>
@@ -12745,7 +12929,13 @@
       </p:sp>
       <p:sp>
         <p:nvSpPr>
-          <p:cNvPr id="3" name="Slide Number Placeholder 1"/>
+          <p:cNvPr id="7" name="Slide Number Placeholder 1">
+            <a:extLst>
+              <a:ext uri="{FF2B5EF4-FFF2-40B4-BE49-F238E27FC236}">
+                <a16:creationId xmlns:a16="http://schemas.microsoft.com/office/drawing/2014/main" id="{2EEBE0A6-05BB-35BF-AD90-DCEE2E6A0D61}"/>
+              </a:ext>
+            </a:extLst>
+          </p:cNvPr>
           <p:cNvSpPr txBox="1"/>
           <p:nvPr/>
         </p:nvSpPr>
@@ -12876,20 +13066,26 @@
       </p:sp>
       <p:pic>
         <p:nvPicPr>
-          <p:cNvPr id="5" name="Рисунок 4"/>
+          <p:cNvPr id="8" name="Рисунок 7">
+            <a:extLst>
+              <a:ext uri="{FF2B5EF4-FFF2-40B4-BE49-F238E27FC236}">
+                <a16:creationId xmlns:a16="http://schemas.microsoft.com/office/drawing/2014/main" id="{C6C5A494-B2BC-C336-1EA3-2CFE9C034E94}"/>
+              </a:ext>
+            </a:extLst>
+          </p:cNvPr>
           <p:cNvPicPr>
             <a:picLocks noChangeAspect="1"/>
           </p:cNvPicPr>
           <p:nvPr/>
         </p:nvPicPr>
         <p:blipFill>
-          <a:blip r:embed="rId3" cstate="print">
+          <a:blip r:embed="rId4" cstate="print">
             <a:extLst>
               <a:ext uri="{28A0092B-C50C-407E-A947-70E740481C1C}">
                 <a14:useLocalDpi xmlns:a14="http://schemas.microsoft.com/office/drawing/2010/main" val="0"/>
               </a:ext>
               <a:ext uri="{96DAC541-7B7A-43D3-8B79-37D633B846F1}">
-                <asvg:svgBlip xmlns:asvg="http://schemas.microsoft.com/office/drawing/2016/SVG/main" r:embed="rId4"/>
+                <asvg:svgBlip xmlns:asvg="http://schemas.microsoft.com/office/drawing/2016/SVG/main" r:embed="rId5"/>
               </a:ext>
             </a:extLst>
           </a:blip>
@@ -12909,7 +13105,13 @@
       </p:pic>
       <p:sp>
         <p:nvSpPr>
-          <p:cNvPr id="6" name="TextBox 5"/>
+          <p:cNvPr id="9" name="TextBox 8">
+            <a:extLst>
+              <a:ext uri="{FF2B5EF4-FFF2-40B4-BE49-F238E27FC236}">
+                <a16:creationId xmlns:a16="http://schemas.microsoft.com/office/drawing/2014/main" id="{F06CE95B-52AC-1E40-CF51-390CDEC38978}"/>
+              </a:ext>
+            </a:extLst>
+          </p:cNvPr>
           <p:cNvSpPr txBox="1"/>
           <p:nvPr/>
         </p:nvSpPr>
@@ -13038,92 +13240,6 @@
           <a:p>
             <a:r>
               <a:rPr lang="ru-RU" dirty="0"/>
-              <a:t>Целевой процесс</a:t>
-            </a:r>
-          </a:p>
-        </p:txBody>
-      </p:sp>
-      <p:pic>
-        <p:nvPicPr>
-          <p:cNvPr id="3074" name="Picture 2"/>
-          <p:cNvPicPr>
-            <a:picLocks noChangeAspect="1" noChangeArrowheads="1"/>
-          </p:cNvPicPr>
-          <p:nvPr/>
-        </p:nvPicPr>
-        <p:blipFill>
-          <a:blip r:embed="rId3" cstate="print">
-            <a:extLst>
-              <a:ext uri="{28A0092B-C50C-407E-A947-70E740481C1C}">
-                <a14:useLocalDpi xmlns:a14="http://schemas.microsoft.com/office/drawing/2010/main" val="0"/>
-              </a:ext>
-            </a:extLst>
-          </a:blip>
-          <a:srcRect/>
-          <a:stretch/>
-        </p:blipFill>
-        <p:spPr bwMode="auto">
-          <a:xfrm>
-            <a:off x="7846" y="1690688"/>
-            <a:ext cx="12176308" cy="4220911"/>
-          </a:xfrm>
-          <a:prstGeom prst="rect">
-            <a:avLst/>
-          </a:prstGeom>
-          <a:noFill/>
-          <a:extLst>
-            <a:ext uri="{909E8E84-426E-40DD-AFC4-6F175D3DCCD1}">
-              <a14:hiddenFill xmlns:a14="http://schemas.microsoft.com/office/drawing/2010/main">
-                <a:solidFill>
-                  <a:srgbClr val="FFFFFF"/>
-                </a:solidFill>
-              </a14:hiddenFill>
-            </a:ext>
-          </a:extLst>
-        </p:spPr>
-      </p:pic>
-    </p:spTree>
-  </p:cSld>
-  <p:clrMapOvr>
-    <a:masterClrMapping/>
-  </p:clrMapOvr>
-</p:sld>
-</file>
-
-<file path=ppt/slides/slide19.xml><?xml version="1.0" encoding="utf-8"?>
-<p:sld xmlns:a="http://schemas.openxmlformats.org/drawingml/2006/main" xmlns:r="http://schemas.openxmlformats.org/officeDocument/2006/relationships" xmlns:p="http://schemas.openxmlformats.org/presentationml/2006/main">
-  <p:cSld>
-    <p:spTree>
-      <p:nvGrpSpPr>
-        <p:cNvPr id="1" name=""/>
-        <p:cNvGrpSpPr/>
-        <p:nvPr/>
-      </p:nvGrpSpPr>
-      <p:grpSpPr>
-        <a:xfrm>
-          <a:off x="0" y="0"/>
-          <a:ext cx="0" cy="0"/>
-          <a:chOff x="0" y="0"/>
-          <a:chExt cx="0" cy="0"/>
-        </a:xfrm>
-      </p:grpSpPr>
-      <p:sp>
-        <p:nvSpPr>
-          <p:cNvPr id="2" name="Заголовок 1"/>
-          <p:cNvSpPr>
-            <a:spLocks noGrp="1"/>
-          </p:cNvSpPr>
-          <p:nvPr>
-            <p:ph type="title"/>
-          </p:nvPr>
-        </p:nvSpPr>
-        <p:spPr/>
-        <p:txBody>
-          <a:bodyPr/>
-          <a:lstStyle/>
-          <a:p>
-            <a:r>
-              <a:rPr lang="ru-RU" dirty="0"/>
               <a:t>Варианты сервиса автоматизации</a:t>
             </a:r>
           </a:p>
@@ -13150,8 +13266,8 @@
         </p:blipFill>
         <p:spPr bwMode="auto">
           <a:xfrm>
-            <a:off x="15692" y="1690688"/>
-            <a:ext cx="12176308" cy="4220910"/>
+            <a:off x="15692" y="1698533"/>
+            <a:ext cx="12176308" cy="4205219"/>
           </a:xfrm>
           <a:prstGeom prst="rect">
             <a:avLst/>
@@ -13307,10 +13423,741 @@
           </a:fontRef>
         </p:style>
       </p:cxnSp>
+      <p:sp>
+        <p:nvSpPr>
+          <p:cNvPr id="4" name="Прямоугольник 3">
+            <a:extLst>
+              <a:ext uri="{FF2B5EF4-FFF2-40B4-BE49-F238E27FC236}">
+                <a16:creationId xmlns:a16="http://schemas.microsoft.com/office/drawing/2014/main" id="{0FE1854A-D08B-12A8-84B4-51AC31417B48}"/>
+              </a:ext>
+            </a:extLst>
+          </p:cNvPr>
+          <p:cNvSpPr/>
+          <p:nvPr/>
+        </p:nvSpPr>
+        <p:spPr>
+          <a:xfrm>
+            <a:off x="0" y="266377"/>
+            <a:ext cx="903595" cy="364195"/>
+          </a:xfrm>
+          <a:prstGeom prst="rect">
+            <a:avLst/>
+          </a:prstGeom>
+          <a:ln>
+            <a:noFill/>
+          </a:ln>
+        </p:spPr>
+        <p:style>
+          <a:lnRef idx="2">
+            <a:schemeClr val="accent1">
+              <a:shade val="50000"/>
+            </a:schemeClr>
+          </a:lnRef>
+          <a:fillRef idx="1">
+            <a:schemeClr val="accent1"/>
+          </a:fillRef>
+          <a:effectRef idx="0">
+            <a:schemeClr val="accent1"/>
+          </a:effectRef>
+          <a:fontRef idx="minor">
+            <a:schemeClr val="lt1"/>
+          </a:fontRef>
+        </p:style>
+        <p:txBody>
+          <a:bodyPr rtlCol="0" anchor="ctr"/>
+          <a:lstStyle/>
+          <a:p>
+            <a:pPr algn="ctr"/>
+            <a:endParaRPr lang="ru-RU"/>
+          </a:p>
+        </p:txBody>
+      </p:sp>
+      <p:sp>
+        <p:nvSpPr>
+          <p:cNvPr id="5" name="Slide Number Placeholder 1">
+            <a:extLst>
+              <a:ext uri="{FF2B5EF4-FFF2-40B4-BE49-F238E27FC236}">
+                <a16:creationId xmlns:a16="http://schemas.microsoft.com/office/drawing/2014/main" id="{B85B0E14-B1BC-A21B-777A-AE343F69836D}"/>
+              </a:ext>
+            </a:extLst>
+          </p:cNvPr>
+          <p:cNvSpPr txBox="1"/>
+          <p:nvPr/>
+        </p:nvSpPr>
+        <p:spPr>
+          <a:xfrm>
+            <a:off x="165463" y="266377"/>
+            <a:ext cx="738132" cy="364195"/>
+          </a:xfrm>
+          <a:prstGeom prst="rect">
+            <a:avLst/>
+          </a:prstGeom>
+        </p:spPr>
+        <p:txBody>
+          <a:bodyPr vert="horz" lIns="91440" tIns="45720" rIns="91440" bIns="45720" rtlCol="0" anchor="ctr"/>
+          <a:lstStyle>
+            <a:defPPr>
+              <a:defRPr lang="ru-RU"/>
+            </a:defPPr>
+            <a:lvl1pPr marL="0" algn="r" defTabSz="914400" rtl="0" eaLnBrk="1" latinLnBrk="0" hangingPunct="1">
+              <a:defRPr sz="1200" kern="1200">
+                <a:solidFill>
+                  <a:schemeClr val="tx1">
+                    <a:tint val="75000"/>
+                  </a:schemeClr>
+                </a:solidFill>
+                <a:latin typeface="+mn-lt"/>
+                <a:ea typeface="+mn-ea"/>
+                <a:cs typeface="+mn-cs"/>
+              </a:defRPr>
+            </a:lvl1pPr>
+            <a:lvl2pPr marL="457200" algn="l" defTabSz="914400" rtl="0" eaLnBrk="1" latinLnBrk="0" hangingPunct="1">
+              <a:defRPr sz="1800" kern="1200">
+                <a:solidFill>
+                  <a:schemeClr val="tx1"/>
+                </a:solidFill>
+                <a:latin typeface="+mn-lt"/>
+                <a:ea typeface="+mn-ea"/>
+                <a:cs typeface="+mn-cs"/>
+              </a:defRPr>
+            </a:lvl2pPr>
+            <a:lvl3pPr marL="914400" algn="l" defTabSz="914400" rtl="0" eaLnBrk="1" latinLnBrk="0" hangingPunct="1">
+              <a:defRPr sz="1800" kern="1200">
+                <a:solidFill>
+                  <a:schemeClr val="tx1"/>
+                </a:solidFill>
+                <a:latin typeface="+mn-lt"/>
+                <a:ea typeface="+mn-ea"/>
+                <a:cs typeface="+mn-cs"/>
+              </a:defRPr>
+            </a:lvl3pPr>
+            <a:lvl4pPr marL="1371600" algn="l" defTabSz="914400" rtl="0" eaLnBrk="1" latinLnBrk="0" hangingPunct="1">
+              <a:defRPr sz="1800" kern="1200">
+                <a:solidFill>
+                  <a:schemeClr val="tx1"/>
+                </a:solidFill>
+                <a:latin typeface="+mn-lt"/>
+                <a:ea typeface="+mn-ea"/>
+                <a:cs typeface="+mn-cs"/>
+              </a:defRPr>
+            </a:lvl4pPr>
+            <a:lvl5pPr marL="1828800" algn="l" defTabSz="914400" rtl="0" eaLnBrk="1" latinLnBrk="0" hangingPunct="1">
+              <a:defRPr sz="1800" kern="1200">
+                <a:solidFill>
+                  <a:schemeClr val="tx1"/>
+                </a:solidFill>
+                <a:latin typeface="+mn-lt"/>
+                <a:ea typeface="+mn-ea"/>
+                <a:cs typeface="+mn-cs"/>
+              </a:defRPr>
+            </a:lvl5pPr>
+            <a:lvl6pPr marL="2286000" algn="l" defTabSz="914400" rtl="0" eaLnBrk="1" latinLnBrk="0" hangingPunct="1">
+              <a:defRPr sz="1800" kern="1200">
+                <a:solidFill>
+                  <a:schemeClr val="tx1"/>
+                </a:solidFill>
+                <a:latin typeface="+mn-lt"/>
+                <a:ea typeface="+mn-ea"/>
+                <a:cs typeface="+mn-cs"/>
+              </a:defRPr>
+            </a:lvl6pPr>
+            <a:lvl7pPr marL="2743200" algn="l" defTabSz="914400" rtl="0" eaLnBrk="1" latinLnBrk="0" hangingPunct="1">
+              <a:defRPr sz="1800" kern="1200">
+                <a:solidFill>
+                  <a:schemeClr val="tx1"/>
+                </a:solidFill>
+                <a:latin typeface="+mn-lt"/>
+                <a:ea typeface="+mn-ea"/>
+                <a:cs typeface="+mn-cs"/>
+              </a:defRPr>
+            </a:lvl7pPr>
+            <a:lvl8pPr marL="3200400" algn="l" defTabSz="914400" rtl="0" eaLnBrk="1" latinLnBrk="0" hangingPunct="1">
+              <a:defRPr sz="1800" kern="1200">
+                <a:solidFill>
+                  <a:schemeClr val="tx1"/>
+                </a:solidFill>
+                <a:latin typeface="+mn-lt"/>
+                <a:ea typeface="+mn-ea"/>
+                <a:cs typeface="+mn-cs"/>
+              </a:defRPr>
+            </a:lvl8pPr>
+            <a:lvl9pPr marL="3657600" algn="l" defTabSz="914400" rtl="0" eaLnBrk="1" latinLnBrk="0" hangingPunct="1">
+              <a:defRPr sz="1800" kern="1200">
+                <a:solidFill>
+                  <a:schemeClr val="tx1"/>
+                </a:solidFill>
+                <a:latin typeface="+mn-lt"/>
+                <a:ea typeface="+mn-ea"/>
+                <a:cs typeface="+mn-cs"/>
+              </a:defRPr>
+            </a:lvl9pPr>
+          </a:lstStyle>
+          <a:p>
+            <a:fld id="{73D4391C-B8C0-B24A-A837-316267417444}" type="slidenum">
+              <a:rPr lang="ru-RU" smtClean="0">
+                <a:solidFill>
+                  <a:schemeClr val="bg1"/>
+                </a:solidFill>
+              </a:rPr>
+              <a:t>18</a:t>
+            </a:fld>
+            <a:endParaRPr lang="ru-RU" dirty="0">
+              <a:solidFill>
+                <a:schemeClr val="bg1"/>
+              </a:solidFill>
+            </a:endParaRPr>
+          </a:p>
+        </p:txBody>
+      </p:sp>
+      <p:pic>
+        <p:nvPicPr>
+          <p:cNvPr id="6" name="Рисунок 5">
+            <a:extLst>
+              <a:ext uri="{FF2B5EF4-FFF2-40B4-BE49-F238E27FC236}">
+                <a16:creationId xmlns:a16="http://schemas.microsoft.com/office/drawing/2014/main" id="{461AEB72-1EB3-9F5E-4007-0823D8F31599}"/>
+              </a:ext>
+            </a:extLst>
+          </p:cNvPr>
+          <p:cNvPicPr>
+            <a:picLocks noChangeAspect="1"/>
+          </p:cNvPicPr>
+          <p:nvPr/>
+        </p:nvPicPr>
+        <p:blipFill>
+          <a:blip r:embed="rId5" cstate="print">
+            <a:extLst>
+              <a:ext uri="{28A0092B-C50C-407E-A947-70E740481C1C}">
+                <a14:useLocalDpi xmlns:a14="http://schemas.microsoft.com/office/drawing/2010/main" val="0"/>
+              </a:ext>
+              <a:ext uri="{96DAC541-7B7A-43D3-8B79-37D633B846F1}">
+                <asvg:svgBlip xmlns:asvg="http://schemas.microsoft.com/office/drawing/2016/SVG/main" r:embed="rId6"/>
+              </a:ext>
+            </a:extLst>
+          </a:blip>
+          <a:stretch>
+            <a:fillRect/>
+          </a:stretch>
+        </p:blipFill>
+        <p:spPr>
+          <a:xfrm>
+            <a:off x="9099532" y="-197635"/>
+            <a:ext cx="2166695" cy="1666688"/>
+          </a:xfrm>
+          <a:prstGeom prst="rect">
+            <a:avLst/>
+          </a:prstGeom>
+        </p:spPr>
+      </p:pic>
+      <p:sp>
+        <p:nvSpPr>
+          <p:cNvPr id="7" name="TextBox 6">
+            <a:extLst>
+              <a:ext uri="{FF2B5EF4-FFF2-40B4-BE49-F238E27FC236}">
+                <a16:creationId xmlns:a16="http://schemas.microsoft.com/office/drawing/2014/main" id="{634828BD-59C3-5CA0-E83A-FDAB830240A4}"/>
+              </a:ext>
+            </a:extLst>
+          </p:cNvPr>
+          <p:cNvSpPr txBox="1"/>
+          <p:nvPr/>
+        </p:nvSpPr>
+        <p:spPr>
+          <a:xfrm>
+            <a:off x="10599762" y="266377"/>
+            <a:ext cx="2083558" cy="738664"/>
+          </a:xfrm>
+          <a:prstGeom prst="rect">
+            <a:avLst/>
+          </a:prstGeom>
+          <a:noFill/>
+        </p:spPr>
+        <p:txBody>
+          <a:bodyPr wrap="square" rtlCol="0">
+            <a:spAutoFit/>
+          </a:bodyPr>
+          <a:lstStyle/>
+          <a:p>
+            <a:r>
+              <a:rPr lang="ru-RU" sz="1050" dirty="0">
+                <a:solidFill>
+                  <a:schemeClr val="bg1">
+                    <a:lumMod val="75000"/>
+                  </a:schemeClr>
+                </a:solidFill>
+                <a:latin typeface="Arial" panose="020B0604020202020204" pitchFamily="34" charset="0"/>
+                <a:cs typeface="Arial" panose="020B0604020202020204" pitchFamily="34" charset="0"/>
+              </a:rPr>
+              <a:t>Томский</a:t>
+            </a:r>
+          </a:p>
+          <a:p>
+            <a:r>
+              <a:rPr lang="ru-RU" sz="1050" dirty="0">
+                <a:solidFill>
+                  <a:schemeClr val="bg1">
+                    <a:lumMod val="75000"/>
+                  </a:schemeClr>
+                </a:solidFill>
+                <a:latin typeface="Arial" panose="020B0604020202020204" pitchFamily="34" charset="0"/>
+                <a:cs typeface="Arial" panose="020B0604020202020204" pitchFamily="34" charset="0"/>
+              </a:rPr>
+              <a:t>Государственный университет</a:t>
+            </a:r>
+          </a:p>
+          <a:p>
+            <a:r>
+              <a:rPr lang="ru-RU" sz="1050" dirty="0">
+                <a:solidFill>
+                  <a:schemeClr val="bg1">
+                    <a:lumMod val="75000"/>
+                  </a:schemeClr>
+                </a:solidFill>
+                <a:latin typeface="Arial" panose="020B0604020202020204" pitchFamily="34" charset="0"/>
+                <a:cs typeface="Arial" panose="020B0604020202020204" pitchFamily="34" charset="0"/>
+              </a:rPr>
+              <a:t>Высшая </a:t>
+            </a:r>
+            <a:r>
+              <a:rPr lang="en-US" sz="1050" dirty="0">
+                <a:solidFill>
+                  <a:schemeClr val="bg1">
+                    <a:lumMod val="75000"/>
+                  </a:schemeClr>
+                </a:solidFill>
+                <a:latin typeface="Arial" panose="020B0604020202020204" pitchFamily="34" charset="0"/>
+                <a:cs typeface="Arial" panose="020B0604020202020204" pitchFamily="34" charset="0"/>
+              </a:rPr>
+              <a:t>IT </a:t>
+            </a:r>
+            <a:r>
+              <a:rPr lang="ru-RU" sz="1050" dirty="0">
+                <a:solidFill>
+                  <a:schemeClr val="bg1">
+                    <a:lumMod val="75000"/>
+                  </a:schemeClr>
+                </a:solidFill>
+                <a:latin typeface="Arial" panose="020B0604020202020204" pitchFamily="34" charset="0"/>
+                <a:cs typeface="Arial" panose="020B0604020202020204" pitchFamily="34" charset="0"/>
+              </a:rPr>
+              <a:t>Школа</a:t>
+            </a:r>
+          </a:p>
+        </p:txBody>
+      </p:sp>
     </p:spTree>
     <p:extLst>
       <p:ext uri="{BB962C8B-B14F-4D97-AF65-F5344CB8AC3E}">
         <p14:creationId xmlns:p14="http://schemas.microsoft.com/office/powerpoint/2010/main" val="443389025"/>
+      </p:ext>
+    </p:extLst>
+  </p:cSld>
+  <p:clrMapOvr>
+    <a:masterClrMapping/>
+  </p:clrMapOvr>
+</p:sld>
+</file>
+
+<file path=ppt/slides/slide19.xml><?xml version="1.0" encoding="utf-8"?>
+<p:sld xmlns:a="http://schemas.openxmlformats.org/drawingml/2006/main" xmlns:r="http://schemas.openxmlformats.org/officeDocument/2006/relationships" xmlns:p="http://schemas.openxmlformats.org/presentationml/2006/main">
+  <p:cSld>
+    <p:spTree>
+      <p:nvGrpSpPr>
+        <p:cNvPr id="1" name=""/>
+        <p:cNvGrpSpPr/>
+        <p:nvPr/>
+      </p:nvGrpSpPr>
+      <p:grpSpPr>
+        <a:xfrm>
+          <a:off x="0" y="0"/>
+          <a:ext cx="0" cy="0"/>
+          <a:chOff x="0" y="0"/>
+          <a:chExt cx="0" cy="0"/>
+        </a:xfrm>
+      </p:grpSpPr>
+      <p:sp>
+        <p:nvSpPr>
+          <p:cNvPr id="2" name="Заголовок 1"/>
+          <p:cNvSpPr>
+            <a:spLocks noGrp="1"/>
+          </p:cNvSpPr>
+          <p:nvPr>
+            <p:ph type="title"/>
+          </p:nvPr>
+        </p:nvSpPr>
+        <p:spPr/>
+        <p:txBody>
+          <a:bodyPr/>
+          <a:lstStyle/>
+          <a:p>
+            <a:r>
+              <a:rPr lang="ru-RU" dirty="0"/>
+              <a:t>Целевой процесс</a:t>
+            </a:r>
+          </a:p>
+        </p:txBody>
+      </p:sp>
+      <p:pic>
+        <p:nvPicPr>
+          <p:cNvPr id="3074" name="Picture 2"/>
+          <p:cNvPicPr>
+            <a:picLocks noChangeAspect="1" noChangeArrowheads="1"/>
+          </p:cNvPicPr>
+          <p:nvPr/>
+        </p:nvPicPr>
+        <p:blipFill>
+          <a:blip r:embed="rId3" cstate="print">
+            <a:extLst>
+              <a:ext uri="{28A0092B-C50C-407E-A947-70E740481C1C}">
+                <a14:useLocalDpi xmlns:a14="http://schemas.microsoft.com/office/drawing/2010/main" val="0"/>
+              </a:ext>
+            </a:extLst>
+          </a:blip>
+          <a:srcRect/>
+          <a:stretch/>
+        </p:blipFill>
+        <p:spPr bwMode="auto">
+          <a:xfrm>
+            <a:off x="0" y="1698544"/>
+            <a:ext cx="12192000" cy="3912123"/>
+          </a:xfrm>
+          <a:prstGeom prst="rect">
+            <a:avLst/>
+          </a:prstGeom>
+          <a:noFill/>
+          <a:extLst>
+            <a:ext uri="{909E8E84-426E-40DD-AFC4-6F175D3DCCD1}">
+              <a14:hiddenFill xmlns:a14="http://schemas.microsoft.com/office/drawing/2010/main">
+                <a:solidFill>
+                  <a:srgbClr val="FFFFFF"/>
+                </a:solidFill>
+              </a14:hiddenFill>
+            </a:ext>
+          </a:extLst>
+        </p:spPr>
+      </p:pic>
+      <p:sp>
+        <p:nvSpPr>
+          <p:cNvPr id="3" name="Прямоугольник 2">
+            <a:extLst>
+              <a:ext uri="{FF2B5EF4-FFF2-40B4-BE49-F238E27FC236}">
+                <a16:creationId xmlns:a16="http://schemas.microsoft.com/office/drawing/2014/main" id="{520E3C34-0FBE-20FD-0119-E64553C3E9F8}"/>
+              </a:ext>
+            </a:extLst>
+          </p:cNvPr>
+          <p:cNvSpPr/>
+          <p:nvPr/>
+        </p:nvSpPr>
+        <p:spPr>
+          <a:xfrm>
+            <a:off x="0" y="266377"/>
+            <a:ext cx="903595" cy="364195"/>
+          </a:xfrm>
+          <a:prstGeom prst="rect">
+            <a:avLst/>
+          </a:prstGeom>
+          <a:ln>
+            <a:noFill/>
+          </a:ln>
+        </p:spPr>
+        <p:style>
+          <a:lnRef idx="2">
+            <a:schemeClr val="accent1">
+              <a:shade val="50000"/>
+            </a:schemeClr>
+          </a:lnRef>
+          <a:fillRef idx="1">
+            <a:schemeClr val="accent1"/>
+          </a:fillRef>
+          <a:effectRef idx="0">
+            <a:schemeClr val="accent1"/>
+          </a:effectRef>
+          <a:fontRef idx="minor">
+            <a:schemeClr val="lt1"/>
+          </a:fontRef>
+        </p:style>
+        <p:txBody>
+          <a:bodyPr rtlCol="0" anchor="ctr"/>
+          <a:lstStyle/>
+          <a:p>
+            <a:pPr algn="ctr"/>
+            <a:endParaRPr lang="ru-RU"/>
+          </a:p>
+        </p:txBody>
+      </p:sp>
+      <p:sp>
+        <p:nvSpPr>
+          <p:cNvPr id="4" name="Slide Number Placeholder 1">
+            <a:extLst>
+              <a:ext uri="{FF2B5EF4-FFF2-40B4-BE49-F238E27FC236}">
+                <a16:creationId xmlns:a16="http://schemas.microsoft.com/office/drawing/2014/main" id="{595A61C1-86FE-1ACB-8FE5-81169DF1C9E5}"/>
+              </a:ext>
+            </a:extLst>
+          </p:cNvPr>
+          <p:cNvSpPr txBox="1"/>
+          <p:nvPr/>
+        </p:nvSpPr>
+        <p:spPr>
+          <a:xfrm>
+            <a:off x="165463" y="266377"/>
+            <a:ext cx="738132" cy="364195"/>
+          </a:xfrm>
+          <a:prstGeom prst="rect">
+            <a:avLst/>
+          </a:prstGeom>
+        </p:spPr>
+        <p:txBody>
+          <a:bodyPr vert="horz" lIns="91440" tIns="45720" rIns="91440" bIns="45720" rtlCol="0" anchor="ctr"/>
+          <a:lstStyle>
+            <a:defPPr>
+              <a:defRPr lang="ru-RU"/>
+            </a:defPPr>
+            <a:lvl1pPr marL="0" algn="r" defTabSz="914400" rtl="0" eaLnBrk="1" latinLnBrk="0" hangingPunct="1">
+              <a:defRPr sz="1200" kern="1200">
+                <a:solidFill>
+                  <a:schemeClr val="tx1">
+                    <a:tint val="75000"/>
+                  </a:schemeClr>
+                </a:solidFill>
+                <a:latin typeface="+mn-lt"/>
+                <a:ea typeface="+mn-ea"/>
+                <a:cs typeface="+mn-cs"/>
+              </a:defRPr>
+            </a:lvl1pPr>
+            <a:lvl2pPr marL="457200" algn="l" defTabSz="914400" rtl="0" eaLnBrk="1" latinLnBrk="0" hangingPunct="1">
+              <a:defRPr sz="1800" kern="1200">
+                <a:solidFill>
+                  <a:schemeClr val="tx1"/>
+                </a:solidFill>
+                <a:latin typeface="+mn-lt"/>
+                <a:ea typeface="+mn-ea"/>
+                <a:cs typeface="+mn-cs"/>
+              </a:defRPr>
+            </a:lvl2pPr>
+            <a:lvl3pPr marL="914400" algn="l" defTabSz="914400" rtl="0" eaLnBrk="1" latinLnBrk="0" hangingPunct="1">
+              <a:defRPr sz="1800" kern="1200">
+                <a:solidFill>
+                  <a:schemeClr val="tx1"/>
+                </a:solidFill>
+                <a:latin typeface="+mn-lt"/>
+                <a:ea typeface="+mn-ea"/>
+                <a:cs typeface="+mn-cs"/>
+              </a:defRPr>
+            </a:lvl3pPr>
+            <a:lvl4pPr marL="1371600" algn="l" defTabSz="914400" rtl="0" eaLnBrk="1" latinLnBrk="0" hangingPunct="1">
+              <a:defRPr sz="1800" kern="1200">
+                <a:solidFill>
+                  <a:schemeClr val="tx1"/>
+                </a:solidFill>
+                <a:latin typeface="+mn-lt"/>
+                <a:ea typeface="+mn-ea"/>
+                <a:cs typeface="+mn-cs"/>
+              </a:defRPr>
+            </a:lvl4pPr>
+            <a:lvl5pPr marL="1828800" algn="l" defTabSz="914400" rtl="0" eaLnBrk="1" latinLnBrk="0" hangingPunct="1">
+              <a:defRPr sz="1800" kern="1200">
+                <a:solidFill>
+                  <a:schemeClr val="tx1"/>
+                </a:solidFill>
+                <a:latin typeface="+mn-lt"/>
+                <a:ea typeface="+mn-ea"/>
+                <a:cs typeface="+mn-cs"/>
+              </a:defRPr>
+            </a:lvl5pPr>
+            <a:lvl6pPr marL="2286000" algn="l" defTabSz="914400" rtl="0" eaLnBrk="1" latinLnBrk="0" hangingPunct="1">
+              <a:defRPr sz="1800" kern="1200">
+                <a:solidFill>
+                  <a:schemeClr val="tx1"/>
+                </a:solidFill>
+                <a:latin typeface="+mn-lt"/>
+                <a:ea typeface="+mn-ea"/>
+                <a:cs typeface="+mn-cs"/>
+              </a:defRPr>
+            </a:lvl6pPr>
+            <a:lvl7pPr marL="2743200" algn="l" defTabSz="914400" rtl="0" eaLnBrk="1" latinLnBrk="0" hangingPunct="1">
+              <a:defRPr sz="1800" kern="1200">
+                <a:solidFill>
+                  <a:schemeClr val="tx1"/>
+                </a:solidFill>
+                <a:latin typeface="+mn-lt"/>
+                <a:ea typeface="+mn-ea"/>
+                <a:cs typeface="+mn-cs"/>
+              </a:defRPr>
+            </a:lvl7pPr>
+            <a:lvl8pPr marL="3200400" algn="l" defTabSz="914400" rtl="0" eaLnBrk="1" latinLnBrk="0" hangingPunct="1">
+              <a:defRPr sz="1800" kern="1200">
+                <a:solidFill>
+                  <a:schemeClr val="tx1"/>
+                </a:solidFill>
+                <a:latin typeface="+mn-lt"/>
+                <a:ea typeface="+mn-ea"/>
+                <a:cs typeface="+mn-cs"/>
+              </a:defRPr>
+            </a:lvl8pPr>
+            <a:lvl9pPr marL="3657600" algn="l" defTabSz="914400" rtl="0" eaLnBrk="1" latinLnBrk="0" hangingPunct="1">
+              <a:defRPr sz="1800" kern="1200">
+                <a:solidFill>
+                  <a:schemeClr val="tx1"/>
+                </a:solidFill>
+                <a:latin typeface="+mn-lt"/>
+                <a:ea typeface="+mn-ea"/>
+                <a:cs typeface="+mn-cs"/>
+              </a:defRPr>
+            </a:lvl9pPr>
+          </a:lstStyle>
+          <a:p>
+            <a:fld id="{73D4391C-B8C0-B24A-A837-316267417444}" type="slidenum">
+              <a:rPr lang="ru-RU" smtClean="0">
+                <a:solidFill>
+                  <a:schemeClr val="bg1"/>
+                </a:solidFill>
+              </a:rPr>
+              <a:t>19</a:t>
+            </a:fld>
+            <a:endParaRPr lang="ru-RU" dirty="0">
+              <a:solidFill>
+                <a:schemeClr val="bg1"/>
+              </a:solidFill>
+            </a:endParaRPr>
+          </a:p>
+        </p:txBody>
+      </p:sp>
+      <p:pic>
+        <p:nvPicPr>
+          <p:cNvPr id="5" name="Рисунок 4">
+            <a:extLst>
+              <a:ext uri="{FF2B5EF4-FFF2-40B4-BE49-F238E27FC236}">
+                <a16:creationId xmlns:a16="http://schemas.microsoft.com/office/drawing/2014/main" id="{33AF270E-8CB7-8E5D-2044-12FEFA098D79}"/>
+              </a:ext>
+            </a:extLst>
+          </p:cNvPr>
+          <p:cNvPicPr>
+            <a:picLocks noChangeAspect="1"/>
+          </p:cNvPicPr>
+          <p:nvPr/>
+        </p:nvPicPr>
+        <p:blipFill>
+          <a:blip r:embed="rId4" cstate="print">
+            <a:extLst>
+              <a:ext uri="{28A0092B-C50C-407E-A947-70E740481C1C}">
+                <a14:useLocalDpi xmlns:a14="http://schemas.microsoft.com/office/drawing/2010/main" val="0"/>
+              </a:ext>
+              <a:ext uri="{96DAC541-7B7A-43D3-8B79-37D633B846F1}">
+                <asvg:svgBlip xmlns:asvg="http://schemas.microsoft.com/office/drawing/2016/SVG/main" r:embed="rId5"/>
+              </a:ext>
+            </a:extLst>
+          </a:blip>
+          <a:stretch>
+            <a:fillRect/>
+          </a:stretch>
+        </p:blipFill>
+        <p:spPr>
+          <a:xfrm>
+            <a:off x="9099532" y="-197635"/>
+            <a:ext cx="2166695" cy="1666688"/>
+          </a:xfrm>
+          <a:prstGeom prst="rect">
+            <a:avLst/>
+          </a:prstGeom>
+        </p:spPr>
+      </p:pic>
+      <p:sp>
+        <p:nvSpPr>
+          <p:cNvPr id="6" name="TextBox 5">
+            <a:extLst>
+              <a:ext uri="{FF2B5EF4-FFF2-40B4-BE49-F238E27FC236}">
+                <a16:creationId xmlns:a16="http://schemas.microsoft.com/office/drawing/2014/main" id="{DE50FD83-5AC8-8835-A08A-43E49B457934}"/>
+              </a:ext>
+            </a:extLst>
+          </p:cNvPr>
+          <p:cNvSpPr txBox="1"/>
+          <p:nvPr/>
+        </p:nvSpPr>
+        <p:spPr>
+          <a:xfrm>
+            <a:off x="10599762" y="266377"/>
+            <a:ext cx="2083558" cy="738664"/>
+          </a:xfrm>
+          <a:prstGeom prst="rect">
+            <a:avLst/>
+          </a:prstGeom>
+          <a:noFill/>
+        </p:spPr>
+        <p:txBody>
+          <a:bodyPr wrap="square" rtlCol="0">
+            <a:spAutoFit/>
+          </a:bodyPr>
+          <a:lstStyle/>
+          <a:p>
+            <a:r>
+              <a:rPr lang="ru-RU" sz="1050" dirty="0">
+                <a:solidFill>
+                  <a:schemeClr val="bg1">
+                    <a:lumMod val="75000"/>
+                  </a:schemeClr>
+                </a:solidFill>
+                <a:latin typeface="Arial" panose="020B0604020202020204" pitchFamily="34" charset="0"/>
+                <a:cs typeface="Arial" panose="020B0604020202020204" pitchFamily="34" charset="0"/>
+              </a:rPr>
+              <a:t>Томский</a:t>
+            </a:r>
+          </a:p>
+          <a:p>
+            <a:r>
+              <a:rPr lang="ru-RU" sz="1050" dirty="0">
+                <a:solidFill>
+                  <a:schemeClr val="bg1">
+                    <a:lumMod val="75000"/>
+                  </a:schemeClr>
+                </a:solidFill>
+                <a:latin typeface="Arial" panose="020B0604020202020204" pitchFamily="34" charset="0"/>
+                <a:cs typeface="Arial" panose="020B0604020202020204" pitchFamily="34" charset="0"/>
+              </a:rPr>
+              <a:t>Государственный университет</a:t>
+            </a:r>
+          </a:p>
+          <a:p>
+            <a:r>
+              <a:rPr lang="ru-RU" sz="1050" dirty="0">
+                <a:solidFill>
+                  <a:schemeClr val="bg1">
+                    <a:lumMod val="75000"/>
+                  </a:schemeClr>
+                </a:solidFill>
+                <a:latin typeface="Arial" panose="020B0604020202020204" pitchFamily="34" charset="0"/>
+                <a:cs typeface="Arial" panose="020B0604020202020204" pitchFamily="34" charset="0"/>
+              </a:rPr>
+              <a:t>Высшая </a:t>
+            </a:r>
+            <a:r>
+              <a:rPr lang="en-US" sz="1050" dirty="0">
+                <a:solidFill>
+                  <a:schemeClr val="bg1">
+                    <a:lumMod val="75000"/>
+                  </a:schemeClr>
+                </a:solidFill>
+                <a:latin typeface="Arial" panose="020B0604020202020204" pitchFamily="34" charset="0"/>
+                <a:cs typeface="Arial" panose="020B0604020202020204" pitchFamily="34" charset="0"/>
+              </a:rPr>
+              <a:t>IT </a:t>
+            </a:r>
+            <a:r>
+              <a:rPr lang="ru-RU" sz="1050" dirty="0">
+                <a:solidFill>
+                  <a:schemeClr val="bg1">
+                    <a:lumMod val="75000"/>
+                  </a:schemeClr>
+                </a:solidFill>
+                <a:latin typeface="Arial" panose="020B0604020202020204" pitchFamily="34" charset="0"/>
+                <a:cs typeface="Arial" panose="020B0604020202020204" pitchFamily="34" charset="0"/>
+              </a:rPr>
+              <a:t>Школа</a:t>
+            </a:r>
+          </a:p>
+        </p:txBody>
+      </p:sp>
+    </p:spTree>
+    <p:extLst>
+      <p:ext uri="{BB962C8B-B14F-4D97-AF65-F5344CB8AC3E}">
+        <p14:creationId xmlns:p14="http://schemas.microsoft.com/office/powerpoint/2010/main" val="1896208436"/>
       </p:ext>
     </p:extLst>
   </p:cSld>
@@ -13769,97 +14616,6 @@
       </p:grpSpPr>
       <p:sp>
         <p:nvSpPr>
-          <p:cNvPr id="2" name="Заголовок 1"/>
-          <p:cNvSpPr>
-            <a:spLocks noGrp="1"/>
-          </p:cNvSpPr>
-          <p:nvPr>
-            <p:ph type="title"/>
-          </p:nvPr>
-        </p:nvSpPr>
-        <p:spPr/>
-        <p:txBody>
-          <a:bodyPr/>
-          <a:lstStyle/>
-          <a:p>
-            <a:r>
-              <a:rPr lang="ru-RU" dirty="0"/>
-              <a:t>Целевой процесс</a:t>
-            </a:r>
-          </a:p>
-        </p:txBody>
-      </p:sp>
-      <p:pic>
-        <p:nvPicPr>
-          <p:cNvPr id="3074" name="Picture 2"/>
-          <p:cNvPicPr>
-            <a:picLocks noChangeAspect="1" noChangeArrowheads="1"/>
-          </p:cNvPicPr>
-          <p:nvPr/>
-        </p:nvPicPr>
-        <p:blipFill>
-          <a:blip r:embed="rId3" cstate="print">
-            <a:extLst>
-              <a:ext uri="{28A0092B-C50C-407E-A947-70E740481C1C}">
-                <a14:useLocalDpi xmlns:a14="http://schemas.microsoft.com/office/drawing/2010/main" val="0"/>
-              </a:ext>
-            </a:extLst>
-          </a:blip>
-          <a:srcRect/>
-          <a:stretch/>
-        </p:blipFill>
-        <p:spPr bwMode="auto">
-          <a:xfrm>
-            <a:off x="0" y="1690688"/>
-            <a:ext cx="12192000" cy="3927835"/>
-          </a:xfrm>
-          <a:prstGeom prst="rect">
-            <a:avLst/>
-          </a:prstGeom>
-          <a:noFill/>
-          <a:extLst>
-            <a:ext uri="{909E8E84-426E-40DD-AFC4-6F175D3DCCD1}">
-              <a14:hiddenFill xmlns:a14="http://schemas.microsoft.com/office/drawing/2010/main">
-                <a:solidFill>
-                  <a:srgbClr val="FFFFFF"/>
-                </a:solidFill>
-              </a14:hiddenFill>
-            </a:ext>
-          </a:extLst>
-        </p:spPr>
-      </p:pic>
-    </p:spTree>
-    <p:extLst>
-      <p:ext uri="{BB962C8B-B14F-4D97-AF65-F5344CB8AC3E}">
-        <p14:creationId xmlns:p14="http://schemas.microsoft.com/office/powerpoint/2010/main" val="1896208436"/>
-      </p:ext>
-    </p:extLst>
-  </p:cSld>
-  <p:clrMapOvr>
-    <a:masterClrMapping/>
-  </p:clrMapOvr>
-</p:sld>
-</file>
-
-<file path=ppt/slides/slide21.xml><?xml version="1.0" encoding="utf-8"?>
-<p:sld xmlns:a="http://schemas.openxmlformats.org/drawingml/2006/main" xmlns:r="http://schemas.openxmlformats.org/officeDocument/2006/relationships" xmlns:p="http://schemas.openxmlformats.org/presentationml/2006/main">
-  <p:cSld>
-    <p:spTree>
-      <p:nvGrpSpPr>
-        <p:cNvPr id="1" name=""/>
-        <p:cNvGrpSpPr/>
-        <p:nvPr/>
-      </p:nvGrpSpPr>
-      <p:grpSpPr>
-        <a:xfrm>
-          <a:off x="0" y="0"/>
-          <a:ext cx="0" cy="0"/>
-          <a:chOff x="0" y="0"/>
-          <a:chExt cx="0" cy="0"/>
-        </a:xfrm>
-      </p:grpSpPr>
-      <p:sp>
-        <p:nvSpPr>
           <p:cNvPr id="4" name="Пузырек для мыслей: облако 3">
             <a:extLst>
               <a:ext uri="{FF2B5EF4-FFF2-40B4-BE49-F238E27FC236}">
@@ -13961,8 +14717,8 @@
         </p:blipFill>
         <p:spPr bwMode="auto">
           <a:xfrm>
-            <a:off x="1969994" y="2262094"/>
-            <a:ext cx="8084815" cy="2755499"/>
+            <a:off x="2015414" y="2262094"/>
+            <a:ext cx="7993975" cy="2755499"/>
           </a:xfrm>
           <a:prstGeom prst="rect">
             <a:avLst/>
@@ -13979,66 +14735,15 @@
           </a:extLst>
         </p:spPr>
       </p:pic>
-    </p:spTree>
-    <p:extLst>
-      <p:ext uri="{BB962C8B-B14F-4D97-AF65-F5344CB8AC3E}">
-        <p14:creationId xmlns:p14="http://schemas.microsoft.com/office/powerpoint/2010/main" val="1370721566"/>
-      </p:ext>
-    </p:extLst>
-  </p:cSld>
-  <p:clrMapOvr>
-    <a:masterClrMapping/>
-  </p:clrMapOvr>
-</p:sld>
-</file>
-
-<file path=ppt/slides/slide22.xml><?xml version="1.0" encoding="utf-8"?>
-<p:sld xmlns:a="http://schemas.openxmlformats.org/drawingml/2006/main" xmlns:r="http://schemas.openxmlformats.org/officeDocument/2006/relationships" xmlns:p="http://schemas.openxmlformats.org/presentationml/2006/main">
-  <p:cSld>
-    <p:spTree>
-      <p:nvGrpSpPr>
-        <p:cNvPr id="1" name=""/>
-        <p:cNvGrpSpPr/>
-        <p:nvPr/>
-      </p:nvGrpSpPr>
-      <p:grpSpPr>
-        <a:xfrm>
-          <a:off x="0" y="0"/>
-          <a:ext cx="0" cy="0"/>
-          <a:chOff x="0" y="0"/>
-          <a:chExt cx="0" cy="0"/>
-        </a:xfrm>
-      </p:grpSpPr>
-      <p:sp>
-        <p:nvSpPr>
-          <p:cNvPr id="2" name="Заголовок 1"/>
-          <p:cNvSpPr>
-            <a:spLocks noGrp="1"/>
-          </p:cNvSpPr>
-          <p:nvPr>
-            <p:ph type="title"/>
-          </p:nvPr>
-        </p:nvSpPr>
-        <p:spPr>
-          <a:xfrm>
-            <a:off x="838200" y="365125"/>
-            <a:ext cx="5257800" cy="1325563"/>
-          </a:xfrm>
-        </p:spPr>
-        <p:txBody>
-          <a:bodyPr/>
-          <a:lstStyle/>
-          <a:p>
-            <a:r>
-              <a:rPr lang="ru-RU" dirty="0"/>
-              <a:t>Конфигурация балансировщика</a:t>
-            </a:r>
-          </a:p>
-        </p:txBody>
-      </p:sp>
-      <p:sp>
-        <p:nvSpPr>
-          <p:cNvPr id="4" name="Прямоугольник 3"/>
+      <p:sp>
+        <p:nvSpPr>
+          <p:cNvPr id="3" name="Прямоугольник 2">
+            <a:extLst>
+              <a:ext uri="{FF2B5EF4-FFF2-40B4-BE49-F238E27FC236}">
+                <a16:creationId xmlns:a16="http://schemas.microsoft.com/office/drawing/2014/main" id="{3E15C372-7DE7-7825-1E89-69C4BE1B9F0E}"/>
+              </a:ext>
+            </a:extLst>
+          </p:cNvPr>
           <p:cNvSpPr/>
           <p:nvPr/>
         </p:nvSpPr>
@@ -14081,7 +14786,13 @@
       </p:sp>
       <p:sp>
         <p:nvSpPr>
-          <p:cNvPr id="5" name="Slide Number Placeholder 1"/>
+          <p:cNvPr id="5" name="Slide Number Placeholder 1">
+            <a:extLst>
+              <a:ext uri="{FF2B5EF4-FFF2-40B4-BE49-F238E27FC236}">
+                <a16:creationId xmlns:a16="http://schemas.microsoft.com/office/drawing/2014/main" id="{EB792686-EB3F-C9E3-B583-F1D27282BF41}"/>
+              </a:ext>
+            </a:extLst>
+          </p:cNvPr>
           <p:cNvSpPr txBox="1"/>
           <p:nvPr/>
         </p:nvSpPr>
@@ -14200,7 +14911,372 @@
                   <a:schemeClr val="bg1"/>
                 </a:solidFill>
               </a:rPr>
-              <a:t>22</a:t>
+              <a:t>20</a:t>
+            </a:fld>
+            <a:endParaRPr lang="ru-RU" dirty="0">
+              <a:solidFill>
+                <a:schemeClr val="bg1"/>
+              </a:solidFill>
+            </a:endParaRPr>
+          </a:p>
+        </p:txBody>
+      </p:sp>
+      <p:pic>
+        <p:nvPicPr>
+          <p:cNvPr id="6" name="Рисунок 5">
+            <a:extLst>
+              <a:ext uri="{FF2B5EF4-FFF2-40B4-BE49-F238E27FC236}">
+                <a16:creationId xmlns:a16="http://schemas.microsoft.com/office/drawing/2014/main" id="{7A5798D3-CF40-FA3A-ACAB-57FB9E4EFE28}"/>
+              </a:ext>
+            </a:extLst>
+          </p:cNvPr>
+          <p:cNvPicPr>
+            <a:picLocks noChangeAspect="1"/>
+          </p:cNvPicPr>
+          <p:nvPr/>
+        </p:nvPicPr>
+        <p:blipFill>
+          <a:blip r:embed="rId4" cstate="print">
+            <a:extLst>
+              <a:ext uri="{28A0092B-C50C-407E-A947-70E740481C1C}">
+                <a14:useLocalDpi xmlns:a14="http://schemas.microsoft.com/office/drawing/2010/main" val="0"/>
+              </a:ext>
+              <a:ext uri="{96DAC541-7B7A-43D3-8B79-37D633B846F1}">
+                <asvg:svgBlip xmlns:asvg="http://schemas.microsoft.com/office/drawing/2016/SVG/main" r:embed="rId5"/>
+              </a:ext>
+            </a:extLst>
+          </a:blip>
+          <a:stretch>
+            <a:fillRect/>
+          </a:stretch>
+        </p:blipFill>
+        <p:spPr>
+          <a:xfrm>
+            <a:off x="9099532" y="-197635"/>
+            <a:ext cx="2166695" cy="1666688"/>
+          </a:xfrm>
+          <a:prstGeom prst="rect">
+            <a:avLst/>
+          </a:prstGeom>
+        </p:spPr>
+      </p:pic>
+      <p:sp>
+        <p:nvSpPr>
+          <p:cNvPr id="7" name="TextBox 6">
+            <a:extLst>
+              <a:ext uri="{FF2B5EF4-FFF2-40B4-BE49-F238E27FC236}">
+                <a16:creationId xmlns:a16="http://schemas.microsoft.com/office/drawing/2014/main" id="{A3BA5C46-9955-C69B-5467-4DB2AD7E5FE6}"/>
+              </a:ext>
+            </a:extLst>
+          </p:cNvPr>
+          <p:cNvSpPr txBox="1"/>
+          <p:nvPr/>
+        </p:nvSpPr>
+        <p:spPr>
+          <a:xfrm>
+            <a:off x="10599762" y="266377"/>
+            <a:ext cx="2083558" cy="738664"/>
+          </a:xfrm>
+          <a:prstGeom prst="rect">
+            <a:avLst/>
+          </a:prstGeom>
+          <a:noFill/>
+        </p:spPr>
+        <p:txBody>
+          <a:bodyPr wrap="square" rtlCol="0">
+            <a:spAutoFit/>
+          </a:bodyPr>
+          <a:lstStyle/>
+          <a:p>
+            <a:r>
+              <a:rPr lang="ru-RU" sz="1050" dirty="0">
+                <a:solidFill>
+                  <a:schemeClr val="bg1">
+                    <a:lumMod val="75000"/>
+                  </a:schemeClr>
+                </a:solidFill>
+                <a:latin typeface="Arial" panose="020B0604020202020204" pitchFamily="34" charset="0"/>
+                <a:cs typeface="Arial" panose="020B0604020202020204" pitchFamily="34" charset="0"/>
+              </a:rPr>
+              <a:t>Томский</a:t>
+            </a:r>
+          </a:p>
+          <a:p>
+            <a:r>
+              <a:rPr lang="ru-RU" sz="1050" dirty="0">
+                <a:solidFill>
+                  <a:schemeClr val="bg1">
+                    <a:lumMod val="75000"/>
+                  </a:schemeClr>
+                </a:solidFill>
+                <a:latin typeface="Arial" panose="020B0604020202020204" pitchFamily="34" charset="0"/>
+                <a:cs typeface="Arial" panose="020B0604020202020204" pitchFamily="34" charset="0"/>
+              </a:rPr>
+              <a:t>Государственный университет</a:t>
+            </a:r>
+          </a:p>
+          <a:p>
+            <a:r>
+              <a:rPr lang="ru-RU" sz="1050" dirty="0">
+                <a:solidFill>
+                  <a:schemeClr val="bg1">
+                    <a:lumMod val="75000"/>
+                  </a:schemeClr>
+                </a:solidFill>
+                <a:latin typeface="Arial" panose="020B0604020202020204" pitchFamily="34" charset="0"/>
+                <a:cs typeface="Arial" panose="020B0604020202020204" pitchFamily="34" charset="0"/>
+              </a:rPr>
+              <a:t>Высшая </a:t>
+            </a:r>
+            <a:r>
+              <a:rPr lang="en-US" sz="1050" dirty="0">
+                <a:solidFill>
+                  <a:schemeClr val="bg1">
+                    <a:lumMod val="75000"/>
+                  </a:schemeClr>
+                </a:solidFill>
+                <a:latin typeface="Arial" panose="020B0604020202020204" pitchFamily="34" charset="0"/>
+                <a:cs typeface="Arial" panose="020B0604020202020204" pitchFamily="34" charset="0"/>
+              </a:rPr>
+              <a:t>IT </a:t>
+            </a:r>
+            <a:r>
+              <a:rPr lang="ru-RU" sz="1050" dirty="0">
+                <a:solidFill>
+                  <a:schemeClr val="bg1">
+                    <a:lumMod val="75000"/>
+                  </a:schemeClr>
+                </a:solidFill>
+                <a:latin typeface="Arial" panose="020B0604020202020204" pitchFamily="34" charset="0"/>
+                <a:cs typeface="Arial" panose="020B0604020202020204" pitchFamily="34" charset="0"/>
+              </a:rPr>
+              <a:t>Школа</a:t>
+            </a:r>
+          </a:p>
+        </p:txBody>
+      </p:sp>
+    </p:spTree>
+    <p:extLst>
+      <p:ext uri="{BB962C8B-B14F-4D97-AF65-F5344CB8AC3E}">
+        <p14:creationId xmlns:p14="http://schemas.microsoft.com/office/powerpoint/2010/main" val="1370721566"/>
+      </p:ext>
+    </p:extLst>
+  </p:cSld>
+  <p:clrMapOvr>
+    <a:masterClrMapping/>
+  </p:clrMapOvr>
+</p:sld>
+</file>
+
+<file path=ppt/slides/slide21.xml><?xml version="1.0" encoding="utf-8"?>
+<p:sld xmlns:a="http://schemas.openxmlformats.org/drawingml/2006/main" xmlns:r="http://schemas.openxmlformats.org/officeDocument/2006/relationships" xmlns:p="http://schemas.openxmlformats.org/presentationml/2006/main">
+  <p:cSld>
+    <p:spTree>
+      <p:nvGrpSpPr>
+        <p:cNvPr id="1" name=""/>
+        <p:cNvGrpSpPr/>
+        <p:nvPr/>
+      </p:nvGrpSpPr>
+      <p:grpSpPr>
+        <a:xfrm>
+          <a:off x="0" y="0"/>
+          <a:ext cx="0" cy="0"/>
+          <a:chOff x="0" y="0"/>
+          <a:chExt cx="0" cy="0"/>
+        </a:xfrm>
+      </p:grpSpPr>
+      <p:sp>
+        <p:nvSpPr>
+          <p:cNvPr id="2" name="Заголовок 1"/>
+          <p:cNvSpPr>
+            <a:spLocks noGrp="1"/>
+          </p:cNvSpPr>
+          <p:nvPr>
+            <p:ph type="title"/>
+          </p:nvPr>
+        </p:nvSpPr>
+        <p:spPr>
+          <a:xfrm>
+            <a:off x="838200" y="365125"/>
+            <a:ext cx="5257800" cy="1325563"/>
+          </a:xfrm>
+        </p:spPr>
+        <p:txBody>
+          <a:bodyPr/>
+          <a:lstStyle/>
+          <a:p>
+            <a:r>
+              <a:rPr lang="ru-RU" dirty="0"/>
+              <a:t>Конфигурация балансировщика</a:t>
+            </a:r>
+          </a:p>
+        </p:txBody>
+      </p:sp>
+      <p:sp>
+        <p:nvSpPr>
+          <p:cNvPr id="4" name="Прямоугольник 3"/>
+          <p:cNvSpPr/>
+          <p:nvPr/>
+        </p:nvSpPr>
+        <p:spPr>
+          <a:xfrm>
+            <a:off x="0" y="266377"/>
+            <a:ext cx="903595" cy="364195"/>
+          </a:xfrm>
+          <a:prstGeom prst="rect">
+            <a:avLst/>
+          </a:prstGeom>
+          <a:ln>
+            <a:noFill/>
+          </a:ln>
+        </p:spPr>
+        <p:style>
+          <a:lnRef idx="2">
+            <a:schemeClr val="accent1">
+              <a:shade val="50000"/>
+            </a:schemeClr>
+          </a:lnRef>
+          <a:fillRef idx="1">
+            <a:schemeClr val="accent1"/>
+          </a:fillRef>
+          <a:effectRef idx="0">
+            <a:schemeClr val="accent1"/>
+          </a:effectRef>
+          <a:fontRef idx="minor">
+            <a:schemeClr val="lt1"/>
+          </a:fontRef>
+        </p:style>
+        <p:txBody>
+          <a:bodyPr rtlCol="0" anchor="ctr"/>
+          <a:lstStyle/>
+          <a:p>
+            <a:pPr algn="ctr"/>
+            <a:endParaRPr lang="ru-RU"/>
+          </a:p>
+        </p:txBody>
+      </p:sp>
+      <p:sp>
+        <p:nvSpPr>
+          <p:cNvPr id="5" name="Slide Number Placeholder 1"/>
+          <p:cNvSpPr txBox="1"/>
+          <p:nvPr/>
+        </p:nvSpPr>
+        <p:spPr>
+          <a:xfrm>
+            <a:off x="165463" y="266377"/>
+            <a:ext cx="738132" cy="364195"/>
+          </a:xfrm>
+          <a:prstGeom prst="rect">
+            <a:avLst/>
+          </a:prstGeom>
+        </p:spPr>
+        <p:txBody>
+          <a:bodyPr vert="horz" lIns="91440" tIns="45720" rIns="91440" bIns="45720" rtlCol="0" anchor="ctr"/>
+          <a:lstStyle>
+            <a:defPPr>
+              <a:defRPr lang="ru-RU"/>
+            </a:defPPr>
+            <a:lvl1pPr marL="0" algn="r" defTabSz="914400" rtl="0" eaLnBrk="1" latinLnBrk="0" hangingPunct="1">
+              <a:defRPr sz="1200" kern="1200">
+                <a:solidFill>
+                  <a:schemeClr val="tx1">
+                    <a:tint val="75000"/>
+                  </a:schemeClr>
+                </a:solidFill>
+                <a:latin typeface="+mn-lt"/>
+                <a:ea typeface="+mn-ea"/>
+                <a:cs typeface="+mn-cs"/>
+              </a:defRPr>
+            </a:lvl1pPr>
+            <a:lvl2pPr marL="457200" algn="l" defTabSz="914400" rtl="0" eaLnBrk="1" latinLnBrk="0" hangingPunct="1">
+              <a:defRPr sz="1800" kern="1200">
+                <a:solidFill>
+                  <a:schemeClr val="tx1"/>
+                </a:solidFill>
+                <a:latin typeface="+mn-lt"/>
+                <a:ea typeface="+mn-ea"/>
+                <a:cs typeface="+mn-cs"/>
+              </a:defRPr>
+            </a:lvl2pPr>
+            <a:lvl3pPr marL="914400" algn="l" defTabSz="914400" rtl="0" eaLnBrk="1" latinLnBrk="0" hangingPunct="1">
+              <a:defRPr sz="1800" kern="1200">
+                <a:solidFill>
+                  <a:schemeClr val="tx1"/>
+                </a:solidFill>
+                <a:latin typeface="+mn-lt"/>
+                <a:ea typeface="+mn-ea"/>
+                <a:cs typeface="+mn-cs"/>
+              </a:defRPr>
+            </a:lvl3pPr>
+            <a:lvl4pPr marL="1371600" algn="l" defTabSz="914400" rtl="0" eaLnBrk="1" latinLnBrk="0" hangingPunct="1">
+              <a:defRPr sz="1800" kern="1200">
+                <a:solidFill>
+                  <a:schemeClr val="tx1"/>
+                </a:solidFill>
+                <a:latin typeface="+mn-lt"/>
+                <a:ea typeface="+mn-ea"/>
+                <a:cs typeface="+mn-cs"/>
+              </a:defRPr>
+            </a:lvl4pPr>
+            <a:lvl5pPr marL="1828800" algn="l" defTabSz="914400" rtl="0" eaLnBrk="1" latinLnBrk="0" hangingPunct="1">
+              <a:defRPr sz="1800" kern="1200">
+                <a:solidFill>
+                  <a:schemeClr val="tx1"/>
+                </a:solidFill>
+                <a:latin typeface="+mn-lt"/>
+                <a:ea typeface="+mn-ea"/>
+                <a:cs typeface="+mn-cs"/>
+              </a:defRPr>
+            </a:lvl5pPr>
+            <a:lvl6pPr marL="2286000" algn="l" defTabSz="914400" rtl="0" eaLnBrk="1" latinLnBrk="0" hangingPunct="1">
+              <a:defRPr sz="1800" kern="1200">
+                <a:solidFill>
+                  <a:schemeClr val="tx1"/>
+                </a:solidFill>
+                <a:latin typeface="+mn-lt"/>
+                <a:ea typeface="+mn-ea"/>
+                <a:cs typeface="+mn-cs"/>
+              </a:defRPr>
+            </a:lvl6pPr>
+            <a:lvl7pPr marL="2743200" algn="l" defTabSz="914400" rtl="0" eaLnBrk="1" latinLnBrk="0" hangingPunct="1">
+              <a:defRPr sz="1800" kern="1200">
+                <a:solidFill>
+                  <a:schemeClr val="tx1"/>
+                </a:solidFill>
+                <a:latin typeface="+mn-lt"/>
+                <a:ea typeface="+mn-ea"/>
+                <a:cs typeface="+mn-cs"/>
+              </a:defRPr>
+            </a:lvl7pPr>
+            <a:lvl8pPr marL="3200400" algn="l" defTabSz="914400" rtl="0" eaLnBrk="1" latinLnBrk="0" hangingPunct="1">
+              <a:defRPr sz="1800" kern="1200">
+                <a:solidFill>
+                  <a:schemeClr val="tx1"/>
+                </a:solidFill>
+                <a:latin typeface="+mn-lt"/>
+                <a:ea typeface="+mn-ea"/>
+                <a:cs typeface="+mn-cs"/>
+              </a:defRPr>
+            </a:lvl8pPr>
+            <a:lvl9pPr marL="3657600" algn="l" defTabSz="914400" rtl="0" eaLnBrk="1" latinLnBrk="0" hangingPunct="1">
+              <a:defRPr sz="1800" kern="1200">
+                <a:solidFill>
+                  <a:schemeClr val="tx1"/>
+                </a:solidFill>
+                <a:latin typeface="+mn-lt"/>
+                <a:ea typeface="+mn-ea"/>
+                <a:cs typeface="+mn-cs"/>
+              </a:defRPr>
+            </a:lvl9pPr>
+          </a:lstStyle>
+          <a:p>
+            <a:fld id="{73D4391C-B8C0-B24A-A837-316267417444}" type="slidenum">
+              <a:rPr lang="ru-RU" smtClean="0">
+                <a:solidFill>
+                  <a:schemeClr val="bg1"/>
+                </a:solidFill>
+              </a:rPr>
+              <a:t>21</a:t>
             </a:fld>
             <a:endParaRPr lang="ru-RU" dirty="0">
               <a:solidFill>
@@ -16425,7 +17501,7 @@
 </p:sld>
 </file>
 
-<file path=ppt/slides/slide23.xml><?xml version="1.0" encoding="utf-8"?>
+<file path=ppt/slides/slide22.xml><?xml version="1.0" encoding="utf-8"?>
 <p:sld xmlns:a="http://schemas.openxmlformats.org/drawingml/2006/main" xmlns:r="http://schemas.openxmlformats.org/officeDocument/2006/relationships" xmlns:p="http://schemas.openxmlformats.org/presentationml/2006/main">
   <p:cSld>
     <p:spTree>
@@ -16633,7 +17709,7 @@
                   <a:schemeClr val="bg1"/>
                 </a:solidFill>
               </a:rPr>
-              <a:t>23</a:t>
+              <a:t>22</a:t>
             </a:fld>
             <a:endParaRPr lang="ru-RU" dirty="0">
               <a:solidFill>
@@ -18975,7 +20051,7 @@
 </p:sld>
 </file>
 
-<file path=ppt/slides/slide24.xml><?xml version="1.0" encoding="utf-8"?>
+<file path=ppt/slides/slide23.xml><?xml version="1.0" encoding="utf-8"?>
 <p:sld xmlns:a="http://schemas.openxmlformats.org/drawingml/2006/main" xmlns:r="http://schemas.openxmlformats.org/officeDocument/2006/relationships" xmlns:p="http://schemas.openxmlformats.org/presentationml/2006/main">
   <p:cSld>
     <p:spTree>
@@ -19183,7 +20259,7 @@
                   <a:schemeClr val="bg1"/>
                 </a:solidFill>
               </a:rPr>
-              <a:t>24</a:t>
+              <a:t>23</a:t>
             </a:fld>
             <a:endParaRPr lang="ru-RU" dirty="0">
               <a:solidFill>
@@ -21563,7 +22639,7 @@
 </p:sld>
 </file>
 
-<file path=ppt/slides/slide25.xml><?xml version="1.0" encoding="utf-8"?>
+<file path=ppt/slides/slide24.xml><?xml version="1.0" encoding="utf-8"?>
 <p:sld xmlns:a="http://schemas.openxmlformats.org/drawingml/2006/main" xmlns:r="http://schemas.openxmlformats.org/officeDocument/2006/relationships" xmlns:p="http://schemas.openxmlformats.org/presentationml/2006/main">
   <p:cSld>
     <p:spTree>
@@ -21828,7 +22904,7 @@
                   <a:schemeClr val="bg1"/>
                 </a:solidFill>
               </a:rPr>
-              <a:t>25</a:t>
+              <a:t>24</a:t>
             </a:fld>
             <a:endParaRPr lang="ru-RU" dirty="0">
               <a:solidFill>
@@ -22059,14 +23135,12 @@
             </a:extLst>
           </a:blip>
           <a:srcRect/>
-          <a:stretch>
-            <a:fillRect/>
-          </a:stretch>
+          <a:stretch/>
         </p:blipFill>
         <p:spPr bwMode="auto">
           <a:xfrm>
-            <a:off x="3211926" y="1779464"/>
-            <a:ext cx="5768148" cy="3511627"/>
+            <a:off x="3198470" y="1789436"/>
+            <a:ext cx="5795059" cy="3715814"/>
           </a:xfrm>
           <a:prstGeom prst="rect">
             <a:avLst/>
@@ -22096,7 +23170,7 @@
 </p:sld>
 </file>
 
-<file path=ppt/slides/slide26.xml><?xml version="1.0" encoding="utf-8"?>
+<file path=ppt/slides/slide25.xml><?xml version="1.0" encoding="utf-8"?>
 <p:sld xmlns:a="http://schemas.openxmlformats.org/drawingml/2006/main" xmlns:r="http://schemas.openxmlformats.org/officeDocument/2006/relationships" xmlns:p="http://schemas.openxmlformats.org/presentationml/2006/main">
   <p:cSld>
     <p:spTree>
@@ -22304,7 +23378,7 @@
                   <a:schemeClr val="bg1"/>
                 </a:solidFill>
               </a:rPr>
-              <a:t>26</a:t>
+              <a:t>25</a:t>
             </a:fld>
             <a:endParaRPr lang="ru-RU" dirty="0">
               <a:solidFill>
@@ -22491,7 +23565,7 @@
 </p:sld>
 </file>
 
-<file path=ppt/slides/slide27.xml><?xml version="1.0" encoding="utf-8"?>
+<file path=ppt/slides/slide26.xml><?xml version="1.0" encoding="utf-8"?>
 <p:sld xmlns:a="http://schemas.openxmlformats.org/drawingml/2006/main" xmlns:r="http://schemas.openxmlformats.org/officeDocument/2006/relationships" xmlns:p="http://schemas.openxmlformats.org/presentationml/2006/main">
   <p:cSld>
     <p:spTree>
@@ -22704,7 +23778,7 @@
                   <a:schemeClr val="bg1"/>
                 </a:solidFill>
               </a:rPr>
-              <a:t>27</a:t>
+              <a:t>26</a:t>
             </a:fld>
             <a:endParaRPr lang="ru-RU" dirty="0">
               <a:solidFill>
@@ -22851,14 +23925,14 @@
           <p:nvPr>
             <p:extLst>
               <p:ext uri="{D42A27DB-BD31-4B8C-83A1-F6EECF244321}">
-                <p14:modId xmlns:p14="http://schemas.microsoft.com/office/powerpoint/2010/main" val="2339263909"/>
+                <p14:modId xmlns:p14="http://schemas.microsoft.com/office/powerpoint/2010/main" val="2976712873"/>
               </p:ext>
             </p:extLst>
           </p:nvPr>
         </p:nvGraphicFramePr>
         <p:xfrm>
           <a:off x="838200" y="2031812"/>
-          <a:ext cx="10676139" cy="4058269"/>
+          <a:ext cx="10676139" cy="3941411"/>
         </p:xfrm>
         <a:graphic>
           <a:graphicData uri="http://schemas.openxmlformats.org/drawingml/2006/table">
@@ -22910,7 +23984,7 @@
                     <a:p>
                       <a:r>
                         <a:rPr lang="ru-RU" dirty="0"/>
-                        <a:t>Текущий кластер </a:t>
+                        <a:t>В существующем кластере </a:t>
                       </a:r>
                       <a:r>
                         <a:rPr lang="en-US" dirty="0"/>
@@ -22928,7 +24002,7 @@
                     <a:p>
                       <a:r>
                         <a:rPr lang="ru-RU" dirty="0"/>
-                        <a:t>Кластер </a:t>
+                        <a:t>В кластере </a:t>
                       </a:r>
                       <a:r>
                         <a:rPr lang="en-US" dirty="0"/>
@@ -22974,16 +24048,16 @@
                     <a:p>
                       <a:r>
                         <a:rPr lang="ru-RU" dirty="0"/>
-                        <a:t>По </a:t>
+                        <a:t>Через сервис создания топиков </a:t>
                       </a:r>
+                      <a:br>
+                        <a:rPr lang="ru-RU" dirty="0"/>
+                      </a:br>
                       <a:r>
-                        <a:rPr lang="en-US" dirty="0"/>
-                        <a:t>API </a:t>
+                        <a:rPr lang="ru-RU" sz="1600" dirty="0"/>
+                        <a:t>(с ограничениями)</a:t>
                       </a:r>
-                      <a:r>
-                        <a:rPr lang="ru-RU" dirty="0"/>
-                        <a:t>с ограничениями</a:t>
-                      </a:r>
+                      <a:endParaRPr lang="ru-RU" dirty="0"/>
                     </a:p>
                   </a:txBody>
                   <a:tcPr/>
@@ -23001,10 +24075,14 @@
                         <a:rPr lang="en-US" dirty="0"/>
                         <a:t>API </a:t>
                       </a:r>
+                      <a:br>
+                        <a:rPr lang="ru-RU" dirty="0"/>
+                      </a:br>
                       <a:r>
-                        <a:rPr lang="ru-RU" dirty="0"/>
-                        <a:t>без ограничений</a:t>
+                        <a:rPr lang="ru-RU" sz="1600" dirty="0"/>
+                        <a:t>(без ограничений)</a:t>
                       </a:r>
+                      <a:endParaRPr lang="ru-RU" dirty="0"/>
                     </a:p>
                   </a:txBody>
                   <a:tcPr/>
@@ -23121,7 +24199,7 @@
                   </a:ext>
                 </a:extLst>
               </a:tr>
-              <a:tr h="998497">
+              <a:tr h="842608">
                 <a:tc>
                   <a:txBody>
                     <a:bodyPr/>
@@ -23261,7 +24339,7 @@
 </p:sld>
 </file>
 
-<file path=ppt/slides/slide28.xml><?xml version="1.0" encoding="utf-8"?>
+<file path=ppt/slides/slide27.xml><?xml version="1.0" encoding="utf-8"?>
 <p:sld xmlns:a="http://schemas.openxmlformats.org/drawingml/2006/main" xmlns:r="http://schemas.openxmlformats.org/officeDocument/2006/relationships" xmlns:p="http://schemas.openxmlformats.org/presentationml/2006/main">
   <p:cSld>
     <p:spTree>
@@ -23334,7 +24412,7 @@
         <p:spPr>
           <a:xfrm>
             <a:off x="838200" y="630572"/>
-            <a:ext cx="3787397" cy="1325563"/>
+            <a:ext cx="10428027" cy="1325563"/>
           </a:xfrm>
         </p:spPr>
         <p:txBody>
@@ -23345,7 +24423,512 @@
           <a:p>
             <a:r>
               <a:rPr lang="ru-RU" dirty="0"/>
-              <a:t>Структура репозитория</a:t>
+              <a:t>Содержимое репозитория источников</a:t>
+            </a:r>
+          </a:p>
+        </p:txBody>
+      </p:sp>
+      <p:sp>
+        <p:nvSpPr>
+          <p:cNvPr id="2" name="Slide Number Placeholder 1"/>
+          <p:cNvSpPr txBox="1"/>
+          <p:nvPr/>
+        </p:nvSpPr>
+        <p:spPr>
+          <a:xfrm>
+            <a:off x="165463" y="266377"/>
+            <a:ext cx="738132" cy="364195"/>
+          </a:xfrm>
+          <a:prstGeom prst="rect">
+            <a:avLst/>
+          </a:prstGeom>
+        </p:spPr>
+        <p:txBody>
+          <a:bodyPr vert="horz" lIns="91440" tIns="45720" rIns="91440" bIns="45720" rtlCol="0" anchor="ctr"/>
+          <a:lstStyle>
+            <a:defPPr>
+              <a:defRPr lang="ru-RU"/>
+            </a:defPPr>
+            <a:lvl1pPr marL="0" algn="r" defTabSz="914400" rtl="0" eaLnBrk="1" latinLnBrk="0" hangingPunct="1">
+              <a:defRPr sz="1200" kern="1200">
+                <a:solidFill>
+                  <a:schemeClr val="tx1">
+                    <a:tint val="75000"/>
+                  </a:schemeClr>
+                </a:solidFill>
+                <a:latin typeface="+mn-lt"/>
+                <a:ea typeface="+mn-ea"/>
+                <a:cs typeface="+mn-cs"/>
+              </a:defRPr>
+            </a:lvl1pPr>
+            <a:lvl2pPr marL="457200" algn="l" defTabSz="914400" rtl="0" eaLnBrk="1" latinLnBrk="0" hangingPunct="1">
+              <a:defRPr sz="1800" kern="1200">
+                <a:solidFill>
+                  <a:schemeClr val="tx1"/>
+                </a:solidFill>
+                <a:latin typeface="+mn-lt"/>
+                <a:ea typeface="+mn-ea"/>
+                <a:cs typeface="+mn-cs"/>
+              </a:defRPr>
+            </a:lvl2pPr>
+            <a:lvl3pPr marL="914400" algn="l" defTabSz="914400" rtl="0" eaLnBrk="1" latinLnBrk="0" hangingPunct="1">
+              <a:defRPr sz="1800" kern="1200">
+                <a:solidFill>
+                  <a:schemeClr val="tx1"/>
+                </a:solidFill>
+                <a:latin typeface="+mn-lt"/>
+                <a:ea typeface="+mn-ea"/>
+                <a:cs typeface="+mn-cs"/>
+              </a:defRPr>
+            </a:lvl3pPr>
+            <a:lvl4pPr marL="1371600" algn="l" defTabSz="914400" rtl="0" eaLnBrk="1" latinLnBrk="0" hangingPunct="1">
+              <a:defRPr sz="1800" kern="1200">
+                <a:solidFill>
+                  <a:schemeClr val="tx1"/>
+                </a:solidFill>
+                <a:latin typeface="+mn-lt"/>
+                <a:ea typeface="+mn-ea"/>
+                <a:cs typeface="+mn-cs"/>
+              </a:defRPr>
+            </a:lvl4pPr>
+            <a:lvl5pPr marL="1828800" algn="l" defTabSz="914400" rtl="0" eaLnBrk="1" latinLnBrk="0" hangingPunct="1">
+              <a:defRPr sz="1800" kern="1200">
+                <a:solidFill>
+                  <a:schemeClr val="tx1"/>
+                </a:solidFill>
+                <a:latin typeface="+mn-lt"/>
+                <a:ea typeface="+mn-ea"/>
+                <a:cs typeface="+mn-cs"/>
+              </a:defRPr>
+            </a:lvl5pPr>
+            <a:lvl6pPr marL="2286000" algn="l" defTabSz="914400" rtl="0" eaLnBrk="1" latinLnBrk="0" hangingPunct="1">
+              <a:defRPr sz="1800" kern="1200">
+                <a:solidFill>
+                  <a:schemeClr val="tx1"/>
+                </a:solidFill>
+                <a:latin typeface="+mn-lt"/>
+                <a:ea typeface="+mn-ea"/>
+                <a:cs typeface="+mn-cs"/>
+              </a:defRPr>
+            </a:lvl6pPr>
+            <a:lvl7pPr marL="2743200" algn="l" defTabSz="914400" rtl="0" eaLnBrk="1" latinLnBrk="0" hangingPunct="1">
+              <a:defRPr sz="1800" kern="1200">
+                <a:solidFill>
+                  <a:schemeClr val="tx1"/>
+                </a:solidFill>
+                <a:latin typeface="+mn-lt"/>
+                <a:ea typeface="+mn-ea"/>
+                <a:cs typeface="+mn-cs"/>
+              </a:defRPr>
+            </a:lvl7pPr>
+            <a:lvl8pPr marL="3200400" algn="l" defTabSz="914400" rtl="0" eaLnBrk="1" latinLnBrk="0" hangingPunct="1">
+              <a:defRPr sz="1800" kern="1200">
+                <a:solidFill>
+                  <a:schemeClr val="tx1"/>
+                </a:solidFill>
+                <a:latin typeface="+mn-lt"/>
+                <a:ea typeface="+mn-ea"/>
+                <a:cs typeface="+mn-cs"/>
+              </a:defRPr>
+            </a:lvl8pPr>
+            <a:lvl9pPr marL="3657600" algn="l" defTabSz="914400" rtl="0" eaLnBrk="1" latinLnBrk="0" hangingPunct="1">
+              <a:defRPr sz="1800" kern="1200">
+                <a:solidFill>
+                  <a:schemeClr val="tx1"/>
+                </a:solidFill>
+                <a:latin typeface="+mn-lt"/>
+                <a:ea typeface="+mn-ea"/>
+                <a:cs typeface="+mn-cs"/>
+              </a:defRPr>
+            </a:lvl9pPr>
+          </a:lstStyle>
+          <a:p>
+            <a:fld id="{73D4391C-B8C0-B24A-A837-316267417444}" type="slidenum">
+              <a:rPr lang="ru-RU" smtClean="0">
+                <a:solidFill>
+                  <a:schemeClr val="bg1"/>
+                </a:solidFill>
+              </a:rPr>
+              <a:t>27</a:t>
+            </a:fld>
+            <a:endParaRPr lang="ru-RU" dirty="0">
+              <a:solidFill>
+                <a:schemeClr val="bg1"/>
+              </a:solidFill>
+            </a:endParaRPr>
+          </a:p>
+        </p:txBody>
+      </p:sp>
+      <p:pic>
+        <p:nvPicPr>
+          <p:cNvPr id="6" name="Рисунок 5"/>
+          <p:cNvPicPr>
+            <a:picLocks noChangeAspect="1"/>
+          </p:cNvPicPr>
+          <p:nvPr/>
+        </p:nvPicPr>
+        <p:blipFill>
+          <a:blip r:embed="rId3" cstate="print">
+            <a:extLst>
+              <a:ext uri="{28A0092B-C50C-407E-A947-70E740481C1C}">
+                <a14:useLocalDpi xmlns:a14="http://schemas.microsoft.com/office/drawing/2010/main" val="0"/>
+              </a:ext>
+              <a:ext uri="{96DAC541-7B7A-43D3-8B79-37D633B846F1}">
+                <asvg:svgBlip xmlns:asvg="http://schemas.microsoft.com/office/drawing/2016/SVG/main" r:embed="rId4"/>
+              </a:ext>
+            </a:extLst>
+          </a:blip>
+          <a:stretch>
+            <a:fillRect/>
+          </a:stretch>
+        </p:blipFill>
+        <p:spPr>
+          <a:xfrm>
+            <a:off x="9099532" y="-197635"/>
+            <a:ext cx="2166695" cy="1666688"/>
+          </a:xfrm>
+          <a:prstGeom prst="rect">
+            <a:avLst/>
+          </a:prstGeom>
+        </p:spPr>
+      </p:pic>
+      <p:sp>
+        <p:nvSpPr>
+          <p:cNvPr id="7" name="TextBox 6"/>
+          <p:cNvSpPr txBox="1"/>
+          <p:nvPr/>
+        </p:nvSpPr>
+        <p:spPr>
+          <a:xfrm>
+            <a:off x="10599762" y="266377"/>
+            <a:ext cx="2083558" cy="738664"/>
+          </a:xfrm>
+          <a:prstGeom prst="rect">
+            <a:avLst/>
+          </a:prstGeom>
+          <a:noFill/>
+        </p:spPr>
+        <p:txBody>
+          <a:bodyPr wrap="square" rtlCol="0">
+            <a:spAutoFit/>
+          </a:bodyPr>
+          <a:lstStyle/>
+          <a:p>
+            <a:r>
+              <a:rPr lang="ru-RU" sz="1050" dirty="0">
+                <a:solidFill>
+                  <a:schemeClr val="bg1">
+                    <a:lumMod val="75000"/>
+                  </a:schemeClr>
+                </a:solidFill>
+                <a:latin typeface="Arial" panose="020B0604020202020204" pitchFamily="34" charset="0"/>
+                <a:cs typeface="Arial" panose="020B0604020202020204" pitchFamily="34" charset="0"/>
+              </a:rPr>
+              <a:t>Томский</a:t>
+            </a:r>
+          </a:p>
+          <a:p>
+            <a:r>
+              <a:rPr lang="ru-RU" sz="1050" dirty="0">
+                <a:solidFill>
+                  <a:schemeClr val="bg1">
+                    <a:lumMod val="75000"/>
+                  </a:schemeClr>
+                </a:solidFill>
+                <a:latin typeface="Arial" panose="020B0604020202020204" pitchFamily="34" charset="0"/>
+                <a:cs typeface="Arial" panose="020B0604020202020204" pitchFamily="34" charset="0"/>
+              </a:rPr>
+              <a:t>Государственный университет</a:t>
+            </a:r>
+          </a:p>
+          <a:p>
+            <a:r>
+              <a:rPr lang="ru-RU" sz="1050" dirty="0">
+                <a:solidFill>
+                  <a:schemeClr val="bg1">
+                    <a:lumMod val="75000"/>
+                  </a:schemeClr>
+                </a:solidFill>
+                <a:latin typeface="Arial" panose="020B0604020202020204" pitchFamily="34" charset="0"/>
+                <a:cs typeface="Arial" panose="020B0604020202020204" pitchFamily="34" charset="0"/>
+              </a:rPr>
+              <a:t>Высшая </a:t>
+            </a:r>
+            <a:r>
+              <a:rPr lang="en-US" sz="1050" dirty="0">
+                <a:solidFill>
+                  <a:schemeClr val="bg1">
+                    <a:lumMod val="75000"/>
+                  </a:schemeClr>
+                </a:solidFill>
+                <a:latin typeface="Arial" panose="020B0604020202020204" pitchFamily="34" charset="0"/>
+                <a:cs typeface="Arial" panose="020B0604020202020204" pitchFamily="34" charset="0"/>
+              </a:rPr>
+              <a:t>IT </a:t>
+            </a:r>
+            <a:r>
+              <a:rPr lang="ru-RU" sz="1050" dirty="0">
+                <a:solidFill>
+                  <a:schemeClr val="bg1">
+                    <a:lumMod val="75000"/>
+                  </a:schemeClr>
+                </a:solidFill>
+                <a:latin typeface="Arial" panose="020B0604020202020204" pitchFamily="34" charset="0"/>
+                <a:cs typeface="Arial" panose="020B0604020202020204" pitchFamily="34" charset="0"/>
+              </a:rPr>
+              <a:t>Школа</a:t>
+            </a:r>
+          </a:p>
+        </p:txBody>
+      </p:sp>
+      <p:pic>
+        <p:nvPicPr>
+          <p:cNvPr id="27" name="Рисунок 26"/>
+          <p:cNvPicPr>
+            <a:picLocks noChangeAspect="1"/>
+          </p:cNvPicPr>
+          <p:nvPr/>
+        </p:nvPicPr>
+        <p:blipFill>
+          <a:blip r:embed="rId5"/>
+          <a:stretch>
+            <a:fillRect/>
+          </a:stretch>
+        </p:blipFill>
+        <p:spPr>
+          <a:xfrm>
+            <a:off x="3266487" y="1974691"/>
+            <a:ext cx="5659026" cy="2908618"/>
+          </a:xfrm>
+          <a:prstGeom prst="rect">
+            <a:avLst/>
+          </a:prstGeom>
+        </p:spPr>
+      </p:pic>
+      <p:sp>
+        <p:nvSpPr>
+          <p:cNvPr id="4" name="TextBox 3">
+            <a:extLst>
+              <a:ext uri="{FF2B5EF4-FFF2-40B4-BE49-F238E27FC236}">
+                <a16:creationId xmlns:a16="http://schemas.microsoft.com/office/drawing/2014/main" id="{4E80D404-FA44-99B5-D382-AD8925B04D0C}"/>
+              </a:ext>
+            </a:extLst>
+          </p:cNvPr>
+          <p:cNvSpPr txBox="1"/>
+          <p:nvPr/>
+        </p:nvSpPr>
+        <p:spPr>
+          <a:xfrm>
+            <a:off x="9746192" y="2965093"/>
+            <a:ext cx="1895349" cy="2585323"/>
+          </a:xfrm>
+          <a:prstGeom prst="rect">
+            <a:avLst/>
+          </a:prstGeom>
+          <a:noFill/>
+        </p:spPr>
+        <p:txBody>
+          <a:bodyPr wrap="square" rtlCol="0">
+            <a:spAutoFit/>
+          </a:bodyPr>
+          <a:lstStyle/>
+          <a:p>
+            <a:r>
+              <a:rPr lang="en-US" dirty="0">
+                <a:solidFill>
+                  <a:srgbClr val="FF0000"/>
+                </a:solidFill>
+              </a:rPr>
+              <a:t>TODO:</a:t>
+            </a:r>
+            <a:r>
+              <a:rPr lang="ru-RU" dirty="0">
+                <a:solidFill>
+                  <a:srgbClr val="FF0000"/>
+                </a:solidFill>
+              </a:rPr>
+              <a:t> </a:t>
+            </a:r>
+          </a:p>
+          <a:p>
+            <a:r>
+              <a:rPr lang="ru-RU" dirty="0">
+                <a:solidFill>
+                  <a:srgbClr val="FF0000"/>
+                </a:solidFill>
+              </a:rPr>
+              <a:t>- </a:t>
+            </a:r>
+            <a:r>
+              <a:rPr lang="en-US" dirty="0">
+                <a:solidFill>
+                  <a:srgbClr val="FF0000"/>
+                </a:solidFill>
+              </a:rPr>
+              <a:t>collectors </a:t>
+            </a:r>
+            <a:r>
+              <a:rPr lang="ru-RU" dirty="0">
+                <a:solidFill>
+                  <a:srgbClr val="FF0000"/>
+                </a:solidFill>
+              </a:rPr>
+              <a:t>заменить на </a:t>
+            </a:r>
+            <a:r>
+              <a:rPr lang="en-US" dirty="0">
+                <a:solidFill>
+                  <a:srgbClr val="FF0000"/>
+                </a:solidFill>
+              </a:rPr>
+              <a:t>sources</a:t>
+            </a:r>
+            <a:endParaRPr lang="ru-RU" dirty="0">
+              <a:solidFill>
+                <a:srgbClr val="FF0000"/>
+              </a:solidFill>
+            </a:endParaRPr>
+          </a:p>
+          <a:p>
+            <a:r>
+              <a:rPr lang="ru-RU" dirty="0">
+                <a:solidFill>
+                  <a:srgbClr val="FF0000"/>
+                </a:solidFill>
+              </a:rPr>
+              <a:t>- удалить запись «файл справа»</a:t>
+            </a:r>
+            <a:br>
+              <a:rPr lang="ru-RU" dirty="0">
+                <a:solidFill>
+                  <a:srgbClr val="FF0000"/>
+                </a:solidFill>
+              </a:rPr>
+            </a:br>
+            <a:r>
+              <a:rPr lang="ru-RU" dirty="0">
+                <a:solidFill>
+                  <a:srgbClr val="FF0000"/>
+                </a:solidFill>
+              </a:rPr>
+              <a:t>- отдельный файл для параметров </a:t>
+            </a:r>
+            <a:r>
+              <a:rPr lang="en-US" dirty="0" err="1">
+                <a:solidFill>
+                  <a:srgbClr val="FF0000"/>
+                </a:solidFill>
+              </a:rPr>
+              <a:t>kafka</a:t>
+            </a:r>
+            <a:endParaRPr lang="ru-RU" dirty="0">
+              <a:solidFill>
+                <a:srgbClr val="FF0000"/>
+              </a:solidFill>
+            </a:endParaRPr>
+          </a:p>
+        </p:txBody>
+      </p:sp>
+    </p:spTree>
+  </p:cSld>
+  <p:clrMapOvr>
+    <a:masterClrMapping/>
+  </p:clrMapOvr>
+</p:sld>
+</file>
+
+<file path=ppt/slides/slide28.xml><?xml version="1.0" encoding="utf-8"?>
+<p:sld xmlns:a="http://schemas.openxmlformats.org/drawingml/2006/main" xmlns:r="http://schemas.openxmlformats.org/officeDocument/2006/relationships" xmlns:p="http://schemas.openxmlformats.org/presentationml/2006/main">
+  <p:cSld>
+    <p:spTree>
+      <p:nvGrpSpPr>
+        <p:cNvPr id="1" name=""/>
+        <p:cNvGrpSpPr/>
+        <p:nvPr/>
+      </p:nvGrpSpPr>
+      <p:grpSpPr>
+        <a:xfrm>
+          <a:off x="0" y="0"/>
+          <a:ext cx="0" cy="0"/>
+          <a:chOff x="0" y="0"/>
+          <a:chExt cx="0" cy="0"/>
+        </a:xfrm>
+      </p:grpSpPr>
+      <p:sp>
+        <p:nvSpPr>
+          <p:cNvPr id="3" name="Прямоугольник 2"/>
+          <p:cNvSpPr/>
+          <p:nvPr/>
+        </p:nvSpPr>
+        <p:spPr>
+          <a:xfrm>
+            <a:off x="0" y="266377"/>
+            <a:ext cx="903595" cy="364195"/>
+          </a:xfrm>
+          <a:prstGeom prst="rect">
+            <a:avLst/>
+          </a:prstGeom>
+          <a:ln>
+            <a:noFill/>
+          </a:ln>
+        </p:spPr>
+        <p:style>
+          <a:lnRef idx="2">
+            <a:schemeClr val="accent1">
+              <a:shade val="50000"/>
+            </a:schemeClr>
+          </a:lnRef>
+          <a:fillRef idx="1">
+            <a:schemeClr val="accent1"/>
+          </a:fillRef>
+          <a:effectRef idx="0">
+            <a:schemeClr val="accent1"/>
+          </a:effectRef>
+          <a:fontRef idx="minor">
+            <a:schemeClr val="lt1"/>
+          </a:fontRef>
+        </p:style>
+        <p:txBody>
+          <a:bodyPr rtlCol="0" anchor="ctr"/>
+          <a:lstStyle/>
+          <a:p>
+            <a:pPr algn="ctr"/>
+            <a:endParaRPr lang="ru-RU"/>
+          </a:p>
+        </p:txBody>
+      </p:sp>
+      <p:sp>
+        <p:nvSpPr>
+          <p:cNvPr id="8" name="Title 7"/>
+          <p:cNvSpPr>
+            <a:spLocks noGrp="1"/>
+          </p:cNvSpPr>
+          <p:nvPr>
+            <p:ph type="title"/>
+          </p:nvPr>
+        </p:nvSpPr>
+        <p:spPr>
+          <a:xfrm>
+            <a:off x="838200" y="630572"/>
+            <a:ext cx="3787397" cy="1325563"/>
+          </a:xfrm>
+        </p:spPr>
+        <p:txBody>
+          <a:bodyPr>
+            <a:normAutofit fontScale="90000"/>
+          </a:bodyPr>
+          <a:lstStyle/>
+          <a:p>
+            <a:r>
+              <a:rPr lang="ru-RU" dirty="0"/>
+              <a:t>Содержимое репозитория</a:t>
+            </a:r>
+            <a:br>
+              <a:rPr lang="ru-RU" dirty="0"/>
+            </a:br>
+            <a:r>
+              <a:rPr lang="ru-RU" dirty="0"/>
+              <a:t>источников</a:t>
             </a:r>
           </a:p>
         </p:txBody>
@@ -25098,7 +26681,7 @@
         </p:nvSpPr>
         <p:spPr>
           <a:xfrm>
-            <a:off x="4702134" y="2828833"/>
+            <a:off x="4567285" y="2606572"/>
             <a:ext cx="1895349" cy="1200329"/>
           </a:xfrm>
           <a:prstGeom prst="rect">
@@ -25145,6 +26728,11 @@
         </p:txBody>
       </p:sp>
     </p:spTree>
+    <p:extLst>
+      <p:ext uri="{BB962C8B-B14F-4D97-AF65-F5344CB8AC3E}">
+        <p14:creationId xmlns:p14="http://schemas.microsoft.com/office/powerpoint/2010/main" val="2126961"/>
+      </p:ext>
+    </p:extLst>
   </p:cSld>
   <p:clrMapOvr>
     <a:masterClrMapping/>
@@ -25171,29 +26759,7 @@
       </p:grpSpPr>
       <p:sp>
         <p:nvSpPr>
-          <p:cNvPr id="2" name="Заголовок 1"/>
-          <p:cNvSpPr>
-            <a:spLocks noGrp="1"/>
-          </p:cNvSpPr>
-          <p:nvPr>
-            <p:ph type="title"/>
-          </p:nvPr>
-        </p:nvSpPr>
-        <p:spPr/>
-        <p:txBody>
-          <a:bodyPr/>
-          <a:lstStyle/>
-          <a:p>
-            <a:r>
-              <a:rPr lang="ru-RU" dirty="0"/>
-              <a:t>Архитектура автоматизации</a:t>
-            </a:r>
-          </a:p>
-        </p:txBody>
-      </p:sp>
-      <p:sp>
-        <p:nvSpPr>
-          <p:cNvPr id="4" name="Прямоугольник 3"/>
+          <p:cNvPr id="3" name="Прямоугольник 2"/>
           <p:cNvSpPr/>
           <p:nvPr/>
         </p:nvSpPr>
@@ -25236,7 +26802,43 @@
       </p:sp>
       <p:sp>
         <p:nvSpPr>
-          <p:cNvPr id="5" name="Slide Number Placeholder 1"/>
+          <p:cNvPr id="8" name="Title 7"/>
+          <p:cNvSpPr>
+            <a:spLocks noGrp="1"/>
+          </p:cNvSpPr>
+          <p:nvPr>
+            <p:ph type="title"/>
+          </p:nvPr>
+        </p:nvSpPr>
+        <p:spPr>
+          <a:xfrm>
+            <a:off x="838200" y="630572"/>
+            <a:ext cx="3787397" cy="1325563"/>
+          </a:xfrm>
+        </p:spPr>
+        <p:txBody>
+          <a:bodyPr>
+            <a:normAutofit fontScale="90000"/>
+          </a:bodyPr>
+          <a:lstStyle/>
+          <a:p>
+            <a:r>
+              <a:rPr lang="ru-RU" dirty="0"/>
+              <a:t>Содержимое репозитория</a:t>
+            </a:r>
+            <a:br>
+              <a:rPr lang="ru-RU" dirty="0"/>
+            </a:br>
+            <a:r>
+              <a:rPr lang="ru-RU" dirty="0"/>
+              <a:t>источников</a:t>
+            </a:r>
+          </a:p>
+        </p:txBody>
+      </p:sp>
+      <p:sp>
+        <p:nvSpPr>
+          <p:cNvPr id="2" name="Slide Number Placeholder 1"/>
           <p:cNvSpPr txBox="1"/>
           <p:nvPr/>
         </p:nvSpPr>
@@ -25356,6 +26958,2310 @@
                 </a:solidFill>
               </a:rPr>
               <a:t>29</a:t>
+            </a:fld>
+            <a:endParaRPr lang="ru-RU" dirty="0">
+              <a:solidFill>
+                <a:schemeClr val="bg1"/>
+              </a:solidFill>
+            </a:endParaRPr>
+          </a:p>
+        </p:txBody>
+      </p:sp>
+      <p:pic>
+        <p:nvPicPr>
+          <p:cNvPr id="6" name="Рисунок 5"/>
+          <p:cNvPicPr>
+            <a:picLocks noChangeAspect="1"/>
+          </p:cNvPicPr>
+          <p:nvPr/>
+        </p:nvPicPr>
+        <p:blipFill>
+          <a:blip r:embed="rId3" cstate="print">
+            <a:extLst>
+              <a:ext uri="{28A0092B-C50C-407E-A947-70E740481C1C}">
+                <a14:useLocalDpi xmlns:a14="http://schemas.microsoft.com/office/drawing/2010/main" val="0"/>
+              </a:ext>
+              <a:ext uri="{96DAC541-7B7A-43D3-8B79-37D633B846F1}">
+                <asvg:svgBlip xmlns:asvg="http://schemas.microsoft.com/office/drawing/2016/SVG/main" r:embed="rId4"/>
+              </a:ext>
+            </a:extLst>
+          </a:blip>
+          <a:stretch>
+            <a:fillRect/>
+          </a:stretch>
+        </p:blipFill>
+        <p:spPr>
+          <a:xfrm>
+            <a:off x="9099532" y="-197635"/>
+            <a:ext cx="2166695" cy="1666688"/>
+          </a:xfrm>
+          <a:prstGeom prst="rect">
+            <a:avLst/>
+          </a:prstGeom>
+        </p:spPr>
+      </p:pic>
+      <p:sp>
+        <p:nvSpPr>
+          <p:cNvPr id="7" name="TextBox 6"/>
+          <p:cNvSpPr txBox="1"/>
+          <p:nvPr/>
+        </p:nvSpPr>
+        <p:spPr>
+          <a:xfrm>
+            <a:off x="10599762" y="266377"/>
+            <a:ext cx="2083558" cy="738664"/>
+          </a:xfrm>
+          <a:prstGeom prst="rect">
+            <a:avLst/>
+          </a:prstGeom>
+          <a:noFill/>
+        </p:spPr>
+        <p:txBody>
+          <a:bodyPr wrap="square" rtlCol="0">
+            <a:spAutoFit/>
+          </a:bodyPr>
+          <a:lstStyle/>
+          <a:p>
+            <a:r>
+              <a:rPr lang="ru-RU" sz="1050" dirty="0">
+                <a:solidFill>
+                  <a:schemeClr val="bg1">
+                    <a:lumMod val="75000"/>
+                  </a:schemeClr>
+                </a:solidFill>
+                <a:latin typeface="Arial" panose="020B0604020202020204" pitchFamily="34" charset="0"/>
+                <a:cs typeface="Arial" panose="020B0604020202020204" pitchFamily="34" charset="0"/>
+              </a:rPr>
+              <a:t>Томский</a:t>
+            </a:r>
+          </a:p>
+          <a:p>
+            <a:r>
+              <a:rPr lang="ru-RU" sz="1050" dirty="0">
+                <a:solidFill>
+                  <a:schemeClr val="bg1">
+                    <a:lumMod val="75000"/>
+                  </a:schemeClr>
+                </a:solidFill>
+                <a:latin typeface="Arial" panose="020B0604020202020204" pitchFamily="34" charset="0"/>
+                <a:cs typeface="Arial" panose="020B0604020202020204" pitchFamily="34" charset="0"/>
+              </a:rPr>
+              <a:t>Государственный университет</a:t>
+            </a:r>
+          </a:p>
+          <a:p>
+            <a:r>
+              <a:rPr lang="ru-RU" sz="1050" dirty="0">
+                <a:solidFill>
+                  <a:schemeClr val="bg1">
+                    <a:lumMod val="75000"/>
+                  </a:schemeClr>
+                </a:solidFill>
+                <a:latin typeface="Arial" panose="020B0604020202020204" pitchFamily="34" charset="0"/>
+                <a:cs typeface="Arial" panose="020B0604020202020204" pitchFamily="34" charset="0"/>
+              </a:rPr>
+              <a:t>Высшая </a:t>
+            </a:r>
+            <a:r>
+              <a:rPr lang="en-US" sz="1050" dirty="0">
+                <a:solidFill>
+                  <a:schemeClr val="bg1">
+                    <a:lumMod val="75000"/>
+                  </a:schemeClr>
+                </a:solidFill>
+                <a:latin typeface="Arial" panose="020B0604020202020204" pitchFamily="34" charset="0"/>
+                <a:cs typeface="Arial" panose="020B0604020202020204" pitchFamily="34" charset="0"/>
+              </a:rPr>
+              <a:t>IT </a:t>
+            </a:r>
+            <a:r>
+              <a:rPr lang="ru-RU" sz="1050" dirty="0">
+                <a:solidFill>
+                  <a:schemeClr val="bg1">
+                    <a:lumMod val="75000"/>
+                  </a:schemeClr>
+                </a:solidFill>
+                <a:latin typeface="Arial" panose="020B0604020202020204" pitchFamily="34" charset="0"/>
+                <a:cs typeface="Arial" panose="020B0604020202020204" pitchFamily="34" charset="0"/>
+              </a:rPr>
+              <a:t>Школа</a:t>
+            </a:r>
+          </a:p>
+        </p:txBody>
+      </p:sp>
+      <p:sp>
+        <p:nvSpPr>
+          <p:cNvPr id="15" name="TextBox 14"/>
+          <p:cNvSpPr txBox="1"/>
+          <p:nvPr/>
+        </p:nvSpPr>
+        <p:spPr>
+          <a:xfrm>
+            <a:off x="4625597" y="0"/>
+            <a:ext cx="7633105" cy="6858000"/>
+          </a:xfrm>
+          <a:prstGeom prst="rect">
+            <a:avLst/>
+          </a:prstGeom>
+          <a:solidFill>
+            <a:srgbClr val="1F1F1F"/>
+          </a:solidFill>
+        </p:spPr>
+        <p:txBody>
+          <a:bodyPr wrap="square">
+            <a:spAutoFit/>
+          </a:bodyPr>
+          <a:lstStyle/>
+          <a:p>
+            <a:pPr>
+              <a:lnSpc>
+                <a:spcPts val="1600"/>
+              </a:lnSpc>
+              <a:buNone/>
+            </a:pPr>
+            <a:r>
+              <a:rPr lang="en-US" b="0" dirty="0">
+                <a:solidFill>
+                  <a:srgbClr val="569CD6"/>
+                </a:solidFill>
+                <a:effectLst/>
+                <a:latin typeface="Consolas" panose="020B0609020204030204" pitchFamily="49" charset="0"/>
+              </a:rPr>
+              <a:t>kind</a:t>
+            </a:r>
+            <a:r>
+              <a:rPr lang="en-US" b="0" dirty="0">
+                <a:solidFill>
+                  <a:srgbClr val="CCCCCC"/>
+                </a:solidFill>
+                <a:effectLst/>
+                <a:latin typeface="Consolas" panose="020B0609020204030204" pitchFamily="49" charset="0"/>
+              </a:rPr>
+              <a:t>: </a:t>
+            </a:r>
+            <a:r>
+              <a:rPr lang="en-US" b="0" dirty="0">
+                <a:solidFill>
+                  <a:srgbClr val="CE9178"/>
+                </a:solidFill>
+                <a:effectLst/>
+                <a:latin typeface="Consolas" panose="020B0609020204030204" pitchFamily="49" charset="0"/>
+              </a:rPr>
+              <a:t>Collector</a:t>
+            </a:r>
+            <a:endParaRPr lang="en-US" b="0" dirty="0">
+              <a:solidFill>
+                <a:srgbClr val="CCCCCC"/>
+              </a:solidFill>
+              <a:effectLst/>
+              <a:latin typeface="Consolas" panose="020B0609020204030204" pitchFamily="49" charset="0"/>
+            </a:endParaRPr>
+          </a:p>
+          <a:p>
+            <a:pPr>
+              <a:lnSpc>
+                <a:spcPts val="1600"/>
+              </a:lnSpc>
+              <a:buNone/>
+            </a:pPr>
+            <a:r>
+              <a:rPr lang="en-US" b="0" dirty="0">
+                <a:solidFill>
+                  <a:srgbClr val="569CD6"/>
+                </a:solidFill>
+                <a:effectLst/>
+                <a:latin typeface="Consolas" panose="020B0609020204030204" pitchFamily="49" charset="0"/>
+              </a:rPr>
+              <a:t>metadata</a:t>
+            </a:r>
+            <a:r>
+              <a:rPr lang="en-US" b="0" dirty="0">
+                <a:solidFill>
+                  <a:srgbClr val="CCCCCC"/>
+                </a:solidFill>
+                <a:effectLst/>
+                <a:latin typeface="Consolas" panose="020B0609020204030204" pitchFamily="49" charset="0"/>
+              </a:rPr>
+              <a:t>:</a:t>
+            </a:r>
+          </a:p>
+          <a:p>
+            <a:pPr>
+              <a:lnSpc>
+                <a:spcPts val="1600"/>
+              </a:lnSpc>
+              <a:buNone/>
+            </a:pPr>
+            <a:r>
+              <a:rPr lang="en-US" b="0" dirty="0">
+                <a:solidFill>
+                  <a:srgbClr val="CCCCCC"/>
+                </a:solidFill>
+                <a:effectLst/>
+                <a:latin typeface="Consolas" panose="020B0609020204030204" pitchFamily="49" charset="0"/>
+              </a:rPr>
+              <a:t>    </a:t>
+            </a:r>
+            <a:r>
+              <a:rPr lang="en-US" b="0" dirty="0">
+                <a:solidFill>
+                  <a:srgbClr val="569CD6"/>
+                </a:solidFill>
+                <a:effectLst/>
+                <a:latin typeface="Consolas" panose="020B0609020204030204" pitchFamily="49" charset="0"/>
+              </a:rPr>
+              <a:t>description</a:t>
+            </a:r>
+            <a:r>
+              <a:rPr lang="en-US" b="0" dirty="0">
+                <a:solidFill>
+                  <a:srgbClr val="CCCCCC"/>
+                </a:solidFill>
+                <a:effectLst/>
+                <a:latin typeface="Consolas" panose="020B0609020204030204" pitchFamily="49" charset="0"/>
+              </a:rPr>
+              <a:t>: </a:t>
+            </a:r>
+            <a:r>
+              <a:rPr lang="en-US" b="0" dirty="0">
+                <a:solidFill>
+                  <a:srgbClr val="CE9178"/>
+                </a:solidFill>
+                <a:effectLst/>
+                <a:latin typeface="Consolas" panose="020B0609020204030204" pitchFamily="49" charset="0"/>
+              </a:rPr>
+              <a:t>"</a:t>
+            </a:r>
+            <a:r>
+              <a:rPr lang="ru-RU" b="0" dirty="0">
+                <a:solidFill>
+                  <a:srgbClr val="CE9178"/>
+                </a:solidFill>
+                <a:effectLst/>
+                <a:latin typeface="Consolas" panose="020B0609020204030204" pitchFamily="49" charset="0"/>
+              </a:rPr>
+              <a:t>Коллектор для данных из </a:t>
+            </a:r>
+            <a:r>
+              <a:rPr lang="en-US" b="0" dirty="0">
+                <a:solidFill>
+                  <a:srgbClr val="CE9178"/>
+                </a:solidFill>
+                <a:effectLst/>
+                <a:latin typeface="Consolas" panose="020B0609020204030204" pitchFamily="49" charset="0"/>
+              </a:rPr>
+              <a:t>Antivirus"</a:t>
+            </a:r>
+            <a:endParaRPr lang="en-US" b="0" dirty="0">
+              <a:solidFill>
+                <a:srgbClr val="CCCCCC"/>
+              </a:solidFill>
+              <a:effectLst/>
+              <a:latin typeface="Consolas" panose="020B0609020204030204" pitchFamily="49" charset="0"/>
+            </a:endParaRPr>
+          </a:p>
+          <a:p>
+            <a:pPr>
+              <a:lnSpc>
+                <a:spcPts val="1600"/>
+              </a:lnSpc>
+              <a:buNone/>
+            </a:pPr>
+            <a:r>
+              <a:rPr lang="en-US" b="0" dirty="0">
+                <a:solidFill>
+                  <a:srgbClr val="CCCCCC"/>
+                </a:solidFill>
+                <a:effectLst/>
+                <a:latin typeface="Consolas" panose="020B0609020204030204" pitchFamily="49" charset="0"/>
+              </a:rPr>
+              <a:t>    </a:t>
+            </a:r>
+            <a:r>
+              <a:rPr lang="en-US" b="0" dirty="0">
+                <a:solidFill>
+                  <a:srgbClr val="6A9955"/>
+                </a:solidFill>
+                <a:effectLst/>
+                <a:latin typeface="Consolas" panose="020B0609020204030204" pitchFamily="49" charset="0"/>
+              </a:rPr>
+              <a:t># ...</a:t>
+            </a:r>
+            <a:endParaRPr lang="en-US" b="0" dirty="0">
+              <a:solidFill>
+                <a:srgbClr val="CCCCCC"/>
+              </a:solidFill>
+              <a:effectLst/>
+              <a:latin typeface="Consolas" panose="020B0609020204030204" pitchFamily="49" charset="0"/>
+            </a:endParaRPr>
+          </a:p>
+          <a:p>
+            <a:pPr>
+              <a:lnSpc>
+                <a:spcPts val="1600"/>
+              </a:lnSpc>
+              <a:buNone/>
+            </a:pPr>
+            <a:r>
+              <a:rPr lang="en-US" b="0" dirty="0">
+                <a:solidFill>
+                  <a:srgbClr val="569CD6"/>
+                </a:solidFill>
+                <a:effectLst/>
+                <a:latin typeface="Consolas" panose="020B0609020204030204" pitchFamily="49" charset="0"/>
+              </a:rPr>
+              <a:t>spec</a:t>
+            </a:r>
+            <a:r>
+              <a:rPr lang="en-US" b="0" dirty="0">
+                <a:solidFill>
+                  <a:srgbClr val="CCCCCC"/>
+                </a:solidFill>
+                <a:effectLst/>
+                <a:latin typeface="Consolas" panose="020B0609020204030204" pitchFamily="49" charset="0"/>
+              </a:rPr>
+              <a:t>:</a:t>
+            </a:r>
+          </a:p>
+          <a:p>
+            <a:pPr>
+              <a:lnSpc>
+                <a:spcPts val="1600"/>
+              </a:lnSpc>
+              <a:buNone/>
+            </a:pPr>
+            <a:r>
+              <a:rPr lang="en-US" b="0" dirty="0">
+                <a:solidFill>
+                  <a:srgbClr val="CCCCCC"/>
+                </a:solidFill>
+                <a:effectLst/>
+                <a:latin typeface="Consolas" panose="020B0609020204030204" pitchFamily="49" charset="0"/>
+              </a:rPr>
+              <a:t>    </a:t>
+            </a:r>
+            <a:r>
+              <a:rPr lang="en-US" b="0" dirty="0">
+                <a:solidFill>
+                  <a:srgbClr val="569CD6"/>
+                </a:solidFill>
+                <a:effectLst/>
+                <a:latin typeface="Consolas" panose="020B0609020204030204" pitchFamily="49" charset="0"/>
+              </a:rPr>
+              <a:t>type</a:t>
+            </a:r>
+            <a:r>
+              <a:rPr lang="en-US" b="0" dirty="0">
+                <a:solidFill>
+                  <a:srgbClr val="CCCCCC"/>
+                </a:solidFill>
+                <a:effectLst/>
+                <a:latin typeface="Consolas" panose="020B0609020204030204" pitchFamily="49" charset="0"/>
+              </a:rPr>
+              <a:t>: </a:t>
+            </a:r>
+            <a:r>
+              <a:rPr lang="en-US" b="0" dirty="0">
+                <a:solidFill>
+                  <a:srgbClr val="CE9178"/>
+                </a:solidFill>
+                <a:effectLst/>
+                <a:latin typeface="Consolas" panose="020B0609020204030204" pitchFamily="49" charset="0"/>
+              </a:rPr>
+              <a:t>vector</a:t>
+            </a:r>
+            <a:endParaRPr lang="en-US" b="0" dirty="0">
+              <a:solidFill>
+                <a:srgbClr val="CCCCCC"/>
+              </a:solidFill>
+              <a:effectLst/>
+              <a:latin typeface="Consolas" panose="020B0609020204030204" pitchFamily="49" charset="0"/>
+            </a:endParaRPr>
+          </a:p>
+          <a:p>
+            <a:pPr>
+              <a:lnSpc>
+                <a:spcPts val="1600"/>
+              </a:lnSpc>
+              <a:buNone/>
+            </a:pPr>
+            <a:r>
+              <a:rPr lang="en-US" b="0" dirty="0">
+                <a:solidFill>
+                  <a:srgbClr val="CCCCCC"/>
+                </a:solidFill>
+                <a:effectLst/>
+                <a:latin typeface="Consolas" panose="020B0609020204030204" pitchFamily="49" charset="0"/>
+              </a:rPr>
+              <a:t>    </a:t>
+            </a:r>
+            <a:r>
+              <a:rPr lang="en-US" b="0" dirty="0">
+                <a:solidFill>
+                  <a:srgbClr val="569CD6"/>
+                </a:solidFill>
+                <a:effectLst/>
+                <a:latin typeface="Consolas" panose="020B0609020204030204" pitchFamily="49" charset="0"/>
+              </a:rPr>
+              <a:t>input</a:t>
+            </a:r>
+            <a:r>
+              <a:rPr lang="en-US" b="0" dirty="0">
+                <a:solidFill>
+                  <a:srgbClr val="CCCCCC"/>
+                </a:solidFill>
+                <a:effectLst/>
+                <a:latin typeface="Consolas" panose="020B0609020204030204" pitchFamily="49" charset="0"/>
+              </a:rPr>
+              <a:t>:</a:t>
+            </a:r>
+          </a:p>
+          <a:p>
+            <a:pPr>
+              <a:lnSpc>
+                <a:spcPts val="1600"/>
+              </a:lnSpc>
+              <a:buNone/>
+            </a:pPr>
+            <a:r>
+              <a:rPr lang="en-US" b="0" dirty="0">
+                <a:solidFill>
+                  <a:srgbClr val="CCCCCC"/>
+                </a:solidFill>
+                <a:effectLst/>
+                <a:latin typeface="Consolas" panose="020B0609020204030204" pitchFamily="49" charset="0"/>
+              </a:rPr>
+              <a:t>        </a:t>
+            </a:r>
+            <a:r>
+              <a:rPr lang="en-US" b="0" dirty="0">
+                <a:solidFill>
+                  <a:srgbClr val="569CD6"/>
+                </a:solidFill>
+                <a:effectLst/>
+                <a:latin typeface="Consolas" panose="020B0609020204030204" pitchFamily="49" charset="0"/>
+              </a:rPr>
+              <a:t>type</a:t>
+            </a:r>
+            <a:r>
+              <a:rPr lang="en-US" b="0" dirty="0">
+                <a:solidFill>
+                  <a:srgbClr val="CCCCCC"/>
+                </a:solidFill>
+                <a:effectLst/>
+                <a:latin typeface="Consolas" panose="020B0609020204030204" pitchFamily="49" charset="0"/>
+              </a:rPr>
+              <a:t>: </a:t>
+            </a:r>
+            <a:r>
+              <a:rPr lang="en-US" b="0" dirty="0">
+                <a:solidFill>
+                  <a:srgbClr val="CE9178"/>
+                </a:solidFill>
+                <a:effectLst/>
+                <a:latin typeface="Consolas" panose="020B0609020204030204" pitchFamily="49" charset="0"/>
+              </a:rPr>
+              <a:t>protocol</a:t>
+            </a:r>
+            <a:endParaRPr lang="en-US" b="0" dirty="0">
+              <a:solidFill>
+                <a:srgbClr val="CCCCCC"/>
+              </a:solidFill>
+              <a:effectLst/>
+              <a:latin typeface="Consolas" panose="020B0609020204030204" pitchFamily="49" charset="0"/>
+            </a:endParaRPr>
+          </a:p>
+          <a:p>
+            <a:pPr>
+              <a:lnSpc>
+                <a:spcPts val="1600"/>
+              </a:lnSpc>
+              <a:buNone/>
+            </a:pPr>
+            <a:r>
+              <a:rPr lang="en-US" b="0" dirty="0">
+                <a:solidFill>
+                  <a:srgbClr val="CCCCCC"/>
+                </a:solidFill>
+                <a:effectLst/>
+                <a:latin typeface="Consolas" panose="020B0609020204030204" pitchFamily="49" charset="0"/>
+              </a:rPr>
+              <a:t>        </a:t>
+            </a:r>
+            <a:r>
+              <a:rPr lang="en-US" b="0" dirty="0">
+                <a:solidFill>
+                  <a:srgbClr val="569CD6"/>
+                </a:solidFill>
+                <a:effectLst/>
+                <a:latin typeface="Consolas" panose="020B0609020204030204" pitchFamily="49" charset="0"/>
+              </a:rPr>
+              <a:t>config</a:t>
+            </a:r>
+            <a:r>
+              <a:rPr lang="en-US" b="0" dirty="0">
+                <a:solidFill>
+                  <a:srgbClr val="CCCCCC"/>
+                </a:solidFill>
+                <a:effectLst/>
+                <a:latin typeface="Consolas" panose="020B0609020204030204" pitchFamily="49" charset="0"/>
+              </a:rPr>
+              <a:t>:</a:t>
+            </a:r>
+          </a:p>
+          <a:p>
+            <a:pPr>
+              <a:lnSpc>
+                <a:spcPts val="1600"/>
+              </a:lnSpc>
+              <a:buNone/>
+            </a:pPr>
+            <a:r>
+              <a:rPr lang="en-US" b="0" dirty="0">
+                <a:solidFill>
+                  <a:srgbClr val="CCCCCC"/>
+                </a:solidFill>
+                <a:effectLst/>
+                <a:latin typeface="Consolas" panose="020B0609020204030204" pitchFamily="49" charset="0"/>
+              </a:rPr>
+              <a:t>            </a:t>
+            </a:r>
+            <a:r>
+              <a:rPr lang="en-US" b="0" dirty="0">
+                <a:solidFill>
+                  <a:srgbClr val="569CD6"/>
+                </a:solidFill>
+                <a:effectLst/>
+                <a:latin typeface="Consolas" panose="020B0609020204030204" pitchFamily="49" charset="0"/>
+              </a:rPr>
+              <a:t>mode</a:t>
+            </a:r>
+            <a:r>
+              <a:rPr lang="en-US" b="0" dirty="0">
+                <a:solidFill>
+                  <a:srgbClr val="CCCCCC"/>
+                </a:solidFill>
+                <a:effectLst/>
+                <a:latin typeface="Consolas" panose="020B0609020204030204" pitchFamily="49" charset="0"/>
+              </a:rPr>
+              <a:t>: </a:t>
+            </a:r>
+            <a:r>
+              <a:rPr lang="en-US" b="0" dirty="0">
+                <a:solidFill>
+                  <a:srgbClr val="CE9178"/>
+                </a:solidFill>
+                <a:effectLst/>
+                <a:latin typeface="Consolas" panose="020B0609020204030204" pitchFamily="49" charset="0"/>
+              </a:rPr>
+              <a:t>tcp</a:t>
+            </a:r>
+            <a:endParaRPr lang="en-US" b="0" dirty="0">
+              <a:solidFill>
+                <a:srgbClr val="CCCCCC"/>
+              </a:solidFill>
+              <a:effectLst/>
+              <a:latin typeface="Consolas" panose="020B0609020204030204" pitchFamily="49" charset="0"/>
+            </a:endParaRPr>
+          </a:p>
+          <a:p>
+            <a:pPr>
+              <a:lnSpc>
+                <a:spcPts val="1600"/>
+              </a:lnSpc>
+              <a:buNone/>
+            </a:pPr>
+            <a:r>
+              <a:rPr lang="en-US" b="0" dirty="0">
+                <a:solidFill>
+                  <a:srgbClr val="CCCCCC"/>
+                </a:solidFill>
+                <a:effectLst/>
+                <a:latin typeface="Consolas" panose="020B0609020204030204" pitchFamily="49" charset="0"/>
+              </a:rPr>
+              <a:t>            </a:t>
+            </a:r>
+            <a:r>
+              <a:rPr lang="en-US" b="0" dirty="0">
+                <a:solidFill>
+                  <a:srgbClr val="569CD6"/>
+                </a:solidFill>
+                <a:effectLst/>
+                <a:latin typeface="Consolas" panose="020B0609020204030204" pitchFamily="49" charset="0"/>
+              </a:rPr>
+              <a:t>port</a:t>
+            </a:r>
+            <a:r>
+              <a:rPr lang="en-US" b="0" dirty="0">
+                <a:solidFill>
+                  <a:srgbClr val="CCCCCC"/>
+                </a:solidFill>
+                <a:effectLst/>
+                <a:latin typeface="Consolas" panose="020B0609020204030204" pitchFamily="49" charset="0"/>
+              </a:rPr>
+              <a:t>: </a:t>
+            </a:r>
+            <a:r>
+              <a:rPr lang="en-US" b="0" dirty="0">
+                <a:solidFill>
+                  <a:srgbClr val="B5CEA8"/>
+                </a:solidFill>
+                <a:effectLst/>
+                <a:latin typeface="Consolas" panose="020B0609020204030204" pitchFamily="49" charset="0"/>
+              </a:rPr>
+              <a:t>6100</a:t>
+            </a:r>
+            <a:endParaRPr lang="en-US" b="0" dirty="0">
+              <a:solidFill>
+                <a:srgbClr val="CCCCCC"/>
+              </a:solidFill>
+              <a:effectLst/>
+              <a:latin typeface="Consolas" panose="020B0609020204030204" pitchFamily="49" charset="0"/>
+            </a:endParaRPr>
+          </a:p>
+          <a:p>
+            <a:pPr>
+              <a:lnSpc>
+                <a:spcPts val="1600"/>
+              </a:lnSpc>
+              <a:buNone/>
+            </a:pPr>
+            <a:r>
+              <a:rPr lang="en-US" b="0" dirty="0">
+                <a:solidFill>
+                  <a:srgbClr val="CCCCCC"/>
+                </a:solidFill>
+                <a:effectLst/>
+                <a:latin typeface="Consolas" panose="020B0609020204030204" pitchFamily="49" charset="0"/>
+              </a:rPr>
+              <a:t>    </a:t>
+            </a:r>
+            <a:r>
+              <a:rPr lang="en-US" b="0" dirty="0">
+                <a:solidFill>
+                  <a:srgbClr val="569CD6"/>
+                </a:solidFill>
+                <a:effectLst/>
+                <a:latin typeface="Consolas" panose="020B0609020204030204" pitchFamily="49" charset="0"/>
+              </a:rPr>
+              <a:t>output</a:t>
+            </a:r>
+            <a:r>
+              <a:rPr lang="en-US" b="0" dirty="0">
+                <a:solidFill>
+                  <a:srgbClr val="CCCCCC"/>
+                </a:solidFill>
+                <a:effectLst/>
+                <a:latin typeface="Consolas" panose="020B0609020204030204" pitchFamily="49" charset="0"/>
+              </a:rPr>
+              <a:t>:</a:t>
+            </a:r>
+          </a:p>
+          <a:p>
+            <a:pPr>
+              <a:lnSpc>
+                <a:spcPts val="1600"/>
+              </a:lnSpc>
+              <a:buNone/>
+            </a:pPr>
+            <a:r>
+              <a:rPr lang="en-US" b="0" dirty="0">
+                <a:solidFill>
+                  <a:srgbClr val="CCCCCC"/>
+                </a:solidFill>
+                <a:effectLst/>
+                <a:latin typeface="Consolas" panose="020B0609020204030204" pitchFamily="49" charset="0"/>
+              </a:rPr>
+              <a:t>        </a:t>
+            </a:r>
+            <a:r>
+              <a:rPr lang="en-US" b="0" dirty="0">
+                <a:solidFill>
+                  <a:srgbClr val="569CD6"/>
+                </a:solidFill>
+                <a:effectLst/>
+                <a:latin typeface="Consolas" panose="020B0609020204030204" pitchFamily="49" charset="0"/>
+              </a:rPr>
+              <a:t>type</a:t>
+            </a:r>
+            <a:r>
+              <a:rPr lang="en-US" b="0" dirty="0">
+                <a:solidFill>
+                  <a:srgbClr val="CCCCCC"/>
+                </a:solidFill>
+                <a:effectLst/>
+                <a:latin typeface="Consolas" panose="020B0609020204030204" pitchFamily="49" charset="0"/>
+              </a:rPr>
+              <a:t>: </a:t>
+            </a:r>
+            <a:r>
+              <a:rPr lang="en-US" b="0" dirty="0">
+                <a:solidFill>
+                  <a:srgbClr val="CE9178"/>
+                </a:solidFill>
+                <a:effectLst/>
+                <a:latin typeface="Consolas" panose="020B0609020204030204" pitchFamily="49" charset="0"/>
+              </a:rPr>
+              <a:t>kaas_cluster</a:t>
+            </a:r>
+            <a:endParaRPr lang="en-US" b="0" dirty="0">
+              <a:solidFill>
+                <a:srgbClr val="CCCCCC"/>
+              </a:solidFill>
+              <a:effectLst/>
+              <a:latin typeface="Consolas" panose="020B0609020204030204" pitchFamily="49" charset="0"/>
+            </a:endParaRPr>
+          </a:p>
+          <a:p>
+            <a:pPr>
+              <a:lnSpc>
+                <a:spcPts val="1600"/>
+              </a:lnSpc>
+              <a:buNone/>
+            </a:pPr>
+            <a:r>
+              <a:rPr lang="en-US" b="0" dirty="0">
+                <a:solidFill>
+                  <a:srgbClr val="CCCCCC"/>
+                </a:solidFill>
+                <a:effectLst/>
+                <a:latin typeface="Consolas" panose="020B0609020204030204" pitchFamily="49" charset="0"/>
+              </a:rPr>
+              <a:t>        </a:t>
+            </a:r>
+            <a:r>
+              <a:rPr lang="en-US" b="0" dirty="0">
+                <a:solidFill>
+                  <a:srgbClr val="569CD6"/>
+                </a:solidFill>
+                <a:effectLst/>
+                <a:latin typeface="Consolas" panose="020B0609020204030204" pitchFamily="49" charset="0"/>
+              </a:rPr>
+              <a:t>config</a:t>
+            </a:r>
+            <a:r>
+              <a:rPr lang="en-US" b="0" dirty="0">
+                <a:solidFill>
+                  <a:srgbClr val="CCCCCC"/>
+                </a:solidFill>
+                <a:effectLst/>
+                <a:latin typeface="Consolas" panose="020B0609020204030204" pitchFamily="49" charset="0"/>
+              </a:rPr>
+              <a:t>:</a:t>
+            </a:r>
+          </a:p>
+          <a:p>
+            <a:pPr>
+              <a:lnSpc>
+                <a:spcPts val="1600"/>
+              </a:lnSpc>
+              <a:buNone/>
+            </a:pPr>
+            <a:r>
+              <a:rPr lang="en-US" b="0" dirty="0">
+                <a:solidFill>
+                  <a:srgbClr val="CCCCCC"/>
+                </a:solidFill>
+                <a:effectLst/>
+                <a:latin typeface="Consolas" panose="020B0609020204030204" pitchFamily="49" charset="0"/>
+              </a:rPr>
+              <a:t>            </a:t>
+            </a:r>
+            <a:r>
+              <a:rPr lang="en-US" b="0" dirty="0">
+                <a:solidFill>
+                  <a:srgbClr val="569CD6"/>
+                </a:solidFill>
+                <a:effectLst/>
+                <a:latin typeface="Consolas" panose="020B0609020204030204" pitchFamily="49" charset="0"/>
+              </a:rPr>
+              <a:t>topic_params</a:t>
+            </a:r>
+            <a:r>
+              <a:rPr lang="en-US" b="0" dirty="0">
+                <a:solidFill>
+                  <a:srgbClr val="CCCCCC"/>
+                </a:solidFill>
+                <a:effectLst/>
+                <a:latin typeface="Consolas" panose="020B0609020204030204" pitchFamily="49" charset="0"/>
+              </a:rPr>
+              <a:t>:</a:t>
+            </a:r>
+          </a:p>
+          <a:p>
+            <a:pPr>
+              <a:lnSpc>
+                <a:spcPts val="1600"/>
+              </a:lnSpc>
+              <a:buNone/>
+            </a:pPr>
+            <a:r>
+              <a:rPr lang="en-US" b="0" dirty="0">
+                <a:solidFill>
+                  <a:srgbClr val="CCCCCC"/>
+                </a:solidFill>
+                <a:effectLst/>
+                <a:latin typeface="Consolas" panose="020B0609020204030204" pitchFamily="49" charset="0"/>
+              </a:rPr>
+              <a:t>                </a:t>
+            </a:r>
+            <a:r>
+              <a:rPr lang="en-US" b="0" dirty="0">
+                <a:solidFill>
+                  <a:srgbClr val="569CD6"/>
+                </a:solidFill>
+                <a:effectLst/>
+                <a:latin typeface="Consolas" panose="020B0609020204030204" pitchFamily="49" charset="0"/>
+              </a:rPr>
+              <a:t>retention_bytes</a:t>
+            </a:r>
+            <a:r>
+              <a:rPr lang="en-US" b="0" dirty="0">
+                <a:solidFill>
+                  <a:srgbClr val="CCCCCC"/>
+                </a:solidFill>
+                <a:effectLst/>
+                <a:latin typeface="Consolas" panose="020B0609020204030204" pitchFamily="49" charset="0"/>
+              </a:rPr>
+              <a:t>: </a:t>
+            </a:r>
+            <a:r>
+              <a:rPr lang="en-US" b="0" dirty="0">
+                <a:solidFill>
+                  <a:srgbClr val="B5CEA8"/>
+                </a:solidFill>
+                <a:effectLst/>
+                <a:latin typeface="Consolas" panose="020B0609020204030204" pitchFamily="49" charset="0"/>
+              </a:rPr>
+              <a:t>1073741824</a:t>
+            </a:r>
+            <a:endParaRPr lang="en-US" b="0" dirty="0">
+              <a:solidFill>
+                <a:srgbClr val="CCCCCC"/>
+              </a:solidFill>
+              <a:effectLst/>
+              <a:latin typeface="Consolas" panose="020B0609020204030204" pitchFamily="49" charset="0"/>
+            </a:endParaRPr>
+          </a:p>
+          <a:p>
+            <a:pPr>
+              <a:lnSpc>
+                <a:spcPts val="1600"/>
+              </a:lnSpc>
+              <a:buNone/>
+            </a:pPr>
+            <a:r>
+              <a:rPr lang="en-US" b="0" dirty="0">
+                <a:solidFill>
+                  <a:srgbClr val="CCCCCC"/>
+                </a:solidFill>
+                <a:effectLst/>
+                <a:latin typeface="Consolas" panose="020B0609020204030204" pitchFamily="49" charset="0"/>
+              </a:rPr>
+              <a:t>                </a:t>
+            </a:r>
+            <a:r>
+              <a:rPr lang="en-US" b="0" dirty="0">
+                <a:solidFill>
+                  <a:srgbClr val="6A9955"/>
+                </a:solidFill>
+                <a:effectLst/>
+                <a:latin typeface="Consolas" panose="020B0609020204030204" pitchFamily="49" charset="0"/>
+              </a:rPr>
+              <a:t># ...</a:t>
+            </a:r>
+            <a:endParaRPr lang="en-US" b="0" dirty="0">
+              <a:solidFill>
+                <a:srgbClr val="CCCCCC"/>
+              </a:solidFill>
+              <a:effectLst/>
+              <a:latin typeface="Consolas" panose="020B0609020204030204" pitchFamily="49" charset="0"/>
+            </a:endParaRPr>
+          </a:p>
+          <a:p>
+            <a:pPr>
+              <a:lnSpc>
+                <a:spcPts val="1600"/>
+              </a:lnSpc>
+              <a:buNone/>
+            </a:pPr>
+            <a:r>
+              <a:rPr lang="en-US" b="0" dirty="0">
+                <a:solidFill>
+                  <a:srgbClr val="CCCCCC"/>
+                </a:solidFill>
+                <a:effectLst/>
+                <a:latin typeface="Consolas" panose="020B0609020204030204" pitchFamily="49" charset="0"/>
+              </a:rPr>
+              <a:t>            </a:t>
+            </a:r>
+            <a:r>
+              <a:rPr lang="en-US" b="0" dirty="0">
+                <a:solidFill>
+                  <a:srgbClr val="569CD6"/>
+                </a:solidFill>
+                <a:effectLst/>
+                <a:latin typeface="Consolas" panose="020B0609020204030204" pitchFamily="49" charset="0"/>
+              </a:rPr>
+              <a:t>user_params</a:t>
+            </a:r>
+            <a:r>
+              <a:rPr lang="en-US" b="0" dirty="0">
+                <a:solidFill>
+                  <a:srgbClr val="CCCCCC"/>
+                </a:solidFill>
+                <a:effectLst/>
+                <a:latin typeface="Consolas" panose="020B0609020204030204" pitchFamily="49" charset="0"/>
+              </a:rPr>
+              <a:t>:</a:t>
+            </a:r>
+          </a:p>
+          <a:p>
+            <a:pPr>
+              <a:lnSpc>
+                <a:spcPts val="1600"/>
+              </a:lnSpc>
+              <a:buNone/>
+            </a:pPr>
+            <a:r>
+              <a:rPr lang="en-US" b="0" dirty="0">
+                <a:solidFill>
+                  <a:srgbClr val="CCCCCC"/>
+                </a:solidFill>
+                <a:effectLst/>
+                <a:latin typeface="Consolas" panose="020B0609020204030204" pitchFamily="49" charset="0"/>
+              </a:rPr>
+              <a:t>                </a:t>
+            </a:r>
+            <a:r>
+              <a:rPr lang="en-US" b="0" dirty="0">
+                <a:solidFill>
+                  <a:srgbClr val="569CD6"/>
+                </a:solidFill>
+                <a:effectLst/>
+                <a:latin typeface="Consolas" panose="020B0609020204030204" pitchFamily="49" charset="0"/>
+              </a:rPr>
+              <a:t>producer</a:t>
+            </a:r>
+            <a:r>
+              <a:rPr lang="en-US" b="0" dirty="0">
+                <a:solidFill>
+                  <a:srgbClr val="CCCCCC"/>
+                </a:solidFill>
+                <a:effectLst/>
+                <a:latin typeface="Consolas" panose="020B0609020204030204" pitchFamily="49" charset="0"/>
+              </a:rPr>
+              <a:t>:</a:t>
+            </a:r>
+          </a:p>
+          <a:p>
+            <a:pPr>
+              <a:lnSpc>
+                <a:spcPts val="1600"/>
+              </a:lnSpc>
+              <a:buNone/>
+            </a:pPr>
+            <a:r>
+              <a:rPr lang="en-US" b="0" dirty="0">
+                <a:solidFill>
+                  <a:srgbClr val="CCCCCC"/>
+                </a:solidFill>
+                <a:effectLst/>
+                <a:latin typeface="Consolas" panose="020B0609020204030204" pitchFamily="49" charset="0"/>
+              </a:rPr>
+              <a:t>                    </a:t>
+            </a:r>
+            <a:r>
+              <a:rPr lang="en-US" b="0" dirty="0">
+                <a:solidFill>
+                  <a:srgbClr val="569CD6"/>
+                </a:solidFill>
+                <a:effectLst/>
+                <a:latin typeface="Consolas" panose="020B0609020204030204" pitchFamily="49" charset="0"/>
+              </a:rPr>
+              <a:t>produce_byte_rate</a:t>
+            </a:r>
+            <a:r>
+              <a:rPr lang="en-US" b="0" dirty="0">
+                <a:solidFill>
+                  <a:srgbClr val="CCCCCC"/>
+                </a:solidFill>
+                <a:effectLst/>
+                <a:latin typeface="Consolas" panose="020B0609020204030204" pitchFamily="49" charset="0"/>
+              </a:rPr>
+              <a:t>: </a:t>
+            </a:r>
+            <a:r>
+              <a:rPr lang="en-US" b="0" dirty="0">
+                <a:solidFill>
+                  <a:srgbClr val="B5CEA8"/>
+                </a:solidFill>
+                <a:effectLst/>
+                <a:latin typeface="Consolas" panose="020B0609020204030204" pitchFamily="49" charset="0"/>
+              </a:rPr>
+              <a:t>2000</a:t>
+            </a:r>
+            <a:endParaRPr lang="en-US" b="0" dirty="0">
+              <a:solidFill>
+                <a:srgbClr val="CCCCCC"/>
+              </a:solidFill>
+              <a:effectLst/>
+              <a:latin typeface="Consolas" panose="020B0609020204030204" pitchFamily="49" charset="0"/>
+            </a:endParaRPr>
+          </a:p>
+          <a:p>
+            <a:pPr>
+              <a:lnSpc>
+                <a:spcPts val="1600"/>
+              </a:lnSpc>
+              <a:buNone/>
+            </a:pPr>
+            <a:r>
+              <a:rPr lang="en-US" b="0" dirty="0">
+                <a:solidFill>
+                  <a:srgbClr val="CCCCCC"/>
+                </a:solidFill>
+                <a:effectLst/>
+                <a:latin typeface="Consolas" panose="020B0609020204030204" pitchFamily="49" charset="0"/>
+              </a:rPr>
+              <a:t>                    </a:t>
+            </a:r>
+            <a:r>
+              <a:rPr lang="en-US" b="0" dirty="0">
+                <a:solidFill>
+                  <a:srgbClr val="6A9955"/>
+                </a:solidFill>
+                <a:effectLst/>
+                <a:latin typeface="Consolas" panose="020B0609020204030204" pitchFamily="49" charset="0"/>
+              </a:rPr>
+              <a:t># ...</a:t>
+            </a:r>
+            <a:endParaRPr lang="en-US" b="0" dirty="0">
+              <a:solidFill>
+                <a:srgbClr val="CCCCCC"/>
+              </a:solidFill>
+              <a:effectLst/>
+              <a:latin typeface="Consolas" panose="020B0609020204030204" pitchFamily="49" charset="0"/>
+            </a:endParaRPr>
+          </a:p>
+          <a:p>
+            <a:pPr>
+              <a:lnSpc>
+                <a:spcPts val="1600"/>
+              </a:lnSpc>
+              <a:buNone/>
+            </a:pPr>
+            <a:r>
+              <a:rPr lang="en-US" b="0" dirty="0">
+                <a:solidFill>
+                  <a:srgbClr val="CCCCCC"/>
+                </a:solidFill>
+                <a:effectLst/>
+                <a:latin typeface="Consolas" panose="020B0609020204030204" pitchFamily="49" charset="0"/>
+              </a:rPr>
+              <a:t>                </a:t>
+            </a:r>
+            <a:r>
+              <a:rPr lang="en-US" b="0" dirty="0">
+                <a:solidFill>
+                  <a:srgbClr val="569CD6"/>
+                </a:solidFill>
+                <a:effectLst/>
+                <a:latin typeface="Consolas" panose="020B0609020204030204" pitchFamily="49" charset="0"/>
+              </a:rPr>
+              <a:t>consumer</a:t>
+            </a:r>
+            <a:r>
+              <a:rPr lang="en-US" b="0" dirty="0">
+                <a:solidFill>
+                  <a:srgbClr val="CCCCCC"/>
+                </a:solidFill>
+                <a:effectLst/>
+                <a:latin typeface="Consolas" panose="020B0609020204030204" pitchFamily="49" charset="0"/>
+              </a:rPr>
+              <a:t>:</a:t>
+            </a:r>
+          </a:p>
+          <a:p>
+            <a:pPr>
+              <a:lnSpc>
+                <a:spcPts val="1600"/>
+              </a:lnSpc>
+              <a:buNone/>
+            </a:pPr>
+            <a:r>
+              <a:rPr lang="en-US" b="0" dirty="0">
+                <a:solidFill>
+                  <a:srgbClr val="CCCCCC"/>
+                </a:solidFill>
+                <a:effectLst/>
+                <a:latin typeface="Consolas" panose="020B0609020204030204" pitchFamily="49" charset="0"/>
+              </a:rPr>
+              <a:t>                    </a:t>
+            </a:r>
+            <a:r>
+              <a:rPr lang="en-US" b="0" dirty="0">
+                <a:solidFill>
+                  <a:srgbClr val="6A9955"/>
+                </a:solidFill>
+                <a:effectLst/>
+                <a:latin typeface="Consolas" panose="020B0609020204030204" pitchFamily="49" charset="0"/>
+              </a:rPr>
+              <a:t># ...</a:t>
+            </a:r>
+            <a:endParaRPr lang="en-US" b="0" dirty="0">
+              <a:solidFill>
+                <a:srgbClr val="CCCCCC"/>
+              </a:solidFill>
+              <a:effectLst/>
+              <a:latin typeface="Consolas" panose="020B0609020204030204" pitchFamily="49" charset="0"/>
+            </a:endParaRPr>
+          </a:p>
+          <a:p>
+            <a:pPr>
+              <a:lnSpc>
+                <a:spcPts val="1600"/>
+              </a:lnSpc>
+              <a:buNone/>
+            </a:pPr>
+            <a:r>
+              <a:rPr lang="en-US" b="0" dirty="0">
+                <a:solidFill>
+                  <a:srgbClr val="CCCCCC"/>
+                </a:solidFill>
+                <a:effectLst/>
+                <a:latin typeface="Consolas" panose="020B0609020204030204" pitchFamily="49" charset="0"/>
+              </a:rPr>
+              <a:t>    </a:t>
+            </a:r>
+            <a:r>
+              <a:rPr lang="en-US" b="0" dirty="0">
+                <a:solidFill>
+                  <a:srgbClr val="569CD6"/>
+                </a:solidFill>
+                <a:effectLst/>
+                <a:latin typeface="Consolas" panose="020B0609020204030204" pitchFamily="49" charset="0"/>
+              </a:rPr>
+              <a:t>env</a:t>
+            </a:r>
+            <a:r>
+              <a:rPr lang="en-US" b="0" dirty="0">
+                <a:solidFill>
+                  <a:srgbClr val="CCCCCC"/>
+                </a:solidFill>
+                <a:effectLst/>
+                <a:latin typeface="Consolas" panose="020B0609020204030204" pitchFamily="49" charset="0"/>
+              </a:rPr>
+              <a:t>:</a:t>
+            </a:r>
+          </a:p>
+          <a:p>
+            <a:pPr>
+              <a:lnSpc>
+                <a:spcPts val="1600"/>
+              </a:lnSpc>
+              <a:buNone/>
+            </a:pPr>
+            <a:r>
+              <a:rPr lang="en-US" b="0" dirty="0">
+                <a:solidFill>
+                  <a:srgbClr val="CCCCCC"/>
+                </a:solidFill>
+                <a:effectLst/>
+                <a:latin typeface="Consolas" panose="020B0609020204030204" pitchFamily="49" charset="0"/>
+              </a:rPr>
+              <a:t>        </a:t>
+            </a:r>
+            <a:r>
+              <a:rPr lang="en-US" b="0" dirty="0">
+                <a:solidFill>
+                  <a:srgbClr val="569CD6"/>
+                </a:solidFill>
+                <a:effectLst/>
+                <a:latin typeface="Consolas" panose="020B0609020204030204" pitchFamily="49" charset="0"/>
+              </a:rPr>
+              <a:t>SOME_VAR</a:t>
+            </a:r>
+            <a:r>
+              <a:rPr lang="en-US" b="0" dirty="0">
+                <a:solidFill>
+                  <a:srgbClr val="CCCCCC"/>
+                </a:solidFill>
+                <a:effectLst/>
+                <a:latin typeface="Consolas" panose="020B0609020204030204" pitchFamily="49" charset="0"/>
+              </a:rPr>
+              <a:t>: </a:t>
+            </a:r>
+            <a:r>
+              <a:rPr lang="en-US" b="0" dirty="0">
+                <a:solidFill>
+                  <a:srgbClr val="CE9178"/>
+                </a:solidFill>
+                <a:effectLst/>
+                <a:latin typeface="Consolas" panose="020B0609020204030204" pitchFamily="49" charset="0"/>
+              </a:rPr>
+              <a:t>"vault/path/to/the/secret"</a:t>
+            </a:r>
+            <a:endParaRPr lang="en-US" b="0" dirty="0">
+              <a:solidFill>
+                <a:srgbClr val="CCCCCC"/>
+              </a:solidFill>
+              <a:effectLst/>
+              <a:latin typeface="Consolas" panose="020B0609020204030204" pitchFamily="49" charset="0"/>
+            </a:endParaRPr>
+          </a:p>
+          <a:p>
+            <a:pPr>
+              <a:lnSpc>
+                <a:spcPts val="1600"/>
+              </a:lnSpc>
+              <a:buNone/>
+            </a:pPr>
+            <a:r>
+              <a:rPr lang="en-US" b="0" dirty="0">
+                <a:solidFill>
+                  <a:srgbClr val="CCCCCC"/>
+                </a:solidFill>
+                <a:effectLst/>
+                <a:latin typeface="Consolas" panose="020B0609020204030204" pitchFamily="49" charset="0"/>
+              </a:rPr>
+              <a:t>        </a:t>
+            </a:r>
+            <a:r>
+              <a:rPr lang="en-US" b="0" dirty="0">
+                <a:solidFill>
+                  <a:srgbClr val="569CD6"/>
+                </a:solidFill>
+                <a:effectLst/>
+                <a:latin typeface="Consolas" panose="020B0609020204030204" pitchFamily="49" charset="0"/>
+              </a:rPr>
+              <a:t>ANOTHER_VAR</a:t>
+            </a:r>
+            <a:r>
+              <a:rPr lang="en-US" b="0" dirty="0">
+                <a:solidFill>
+                  <a:srgbClr val="CCCCCC"/>
+                </a:solidFill>
+                <a:effectLst/>
+                <a:latin typeface="Consolas" panose="020B0609020204030204" pitchFamily="49" charset="0"/>
+              </a:rPr>
+              <a:t>: </a:t>
+            </a:r>
+            <a:r>
+              <a:rPr lang="en-US" b="0" dirty="0">
+                <a:solidFill>
+                  <a:srgbClr val="CE9178"/>
+                </a:solidFill>
+                <a:effectLst/>
+                <a:latin typeface="Consolas" panose="020B0609020204030204" pitchFamily="49" charset="0"/>
+              </a:rPr>
+              <a:t>"value"</a:t>
+            </a:r>
+            <a:endParaRPr lang="en-US" b="0" dirty="0">
+              <a:solidFill>
+                <a:srgbClr val="CCCCCC"/>
+              </a:solidFill>
+              <a:effectLst/>
+              <a:latin typeface="Consolas" panose="020B0609020204030204" pitchFamily="49" charset="0"/>
+            </a:endParaRPr>
+          </a:p>
+          <a:p>
+            <a:pPr>
+              <a:lnSpc>
+                <a:spcPts val="1600"/>
+              </a:lnSpc>
+              <a:buNone/>
+            </a:pPr>
+            <a:r>
+              <a:rPr lang="en-US" b="0" dirty="0">
+                <a:solidFill>
+                  <a:srgbClr val="CCCCCC"/>
+                </a:solidFill>
+                <a:effectLst/>
+                <a:latin typeface="Consolas" panose="020B0609020204030204" pitchFamily="49" charset="0"/>
+              </a:rPr>
+              <a:t>    </a:t>
+            </a:r>
+            <a:r>
+              <a:rPr lang="en-US" b="0" dirty="0">
+                <a:solidFill>
+                  <a:srgbClr val="569CD6"/>
+                </a:solidFill>
+                <a:effectLst/>
+                <a:latin typeface="Consolas" panose="020B0609020204030204" pitchFamily="49" charset="0"/>
+              </a:rPr>
+              <a:t>deploy</a:t>
+            </a:r>
+            <a:r>
+              <a:rPr lang="en-US" b="0" dirty="0">
+                <a:solidFill>
+                  <a:srgbClr val="CCCCCC"/>
+                </a:solidFill>
+                <a:effectLst/>
+                <a:latin typeface="Consolas" panose="020B0609020204030204" pitchFamily="49" charset="0"/>
+              </a:rPr>
+              <a:t>:</a:t>
+            </a:r>
+          </a:p>
+          <a:p>
+            <a:pPr>
+              <a:lnSpc>
+                <a:spcPts val="1600"/>
+              </a:lnSpc>
+              <a:buNone/>
+            </a:pPr>
+            <a:r>
+              <a:rPr lang="en-US" b="0" dirty="0">
+                <a:solidFill>
+                  <a:srgbClr val="CCCCCC"/>
+                </a:solidFill>
+                <a:effectLst/>
+                <a:latin typeface="Consolas" panose="020B0609020204030204" pitchFamily="49" charset="0"/>
+              </a:rPr>
+              <a:t>        </a:t>
+            </a:r>
+            <a:r>
+              <a:rPr lang="en-US" b="0" dirty="0">
+                <a:solidFill>
+                  <a:srgbClr val="569CD6"/>
+                </a:solidFill>
+                <a:effectLst/>
+                <a:latin typeface="Consolas" panose="020B0609020204030204" pitchFamily="49" charset="0"/>
+              </a:rPr>
+              <a:t>image</a:t>
+            </a:r>
+            <a:r>
+              <a:rPr lang="en-US" b="0" dirty="0">
+                <a:solidFill>
+                  <a:srgbClr val="CCCCCC"/>
+                </a:solidFill>
+                <a:effectLst/>
+                <a:latin typeface="Consolas" panose="020B0609020204030204" pitchFamily="49" charset="0"/>
+              </a:rPr>
+              <a:t>: </a:t>
+            </a:r>
+            <a:r>
+              <a:rPr lang="en-US" b="0" dirty="0">
+                <a:solidFill>
+                  <a:srgbClr val="CE9178"/>
+                </a:solidFill>
+                <a:effectLst/>
+                <a:latin typeface="Consolas" panose="020B0609020204030204" pitchFamily="49" charset="0"/>
+              </a:rPr>
+              <a:t>registry.example.com/collector-image:stable</a:t>
+            </a:r>
+            <a:endParaRPr lang="en-US" b="0" dirty="0">
+              <a:solidFill>
+                <a:srgbClr val="CCCCCC"/>
+              </a:solidFill>
+              <a:effectLst/>
+              <a:latin typeface="Consolas" panose="020B0609020204030204" pitchFamily="49" charset="0"/>
+            </a:endParaRPr>
+          </a:p>
+          <a:p>
+            <a:pPr>
+              <a:lnSpc>
+                <a:spcPts val="1600"/>
+              </a:lnSpc>
+              <a:buNone/>
+            </a:pPr>
+            <a:r>
+              <a:rPr lang="en-US" b="0" dirty="0">
+                <a:solidFill>
+                  <a:srgbClr val="CCCCCC"/>
+                </a:solidFill>
+                <a:effectLst/>
+                <a:latin typeface="Consolas" panose="020B0609020204030204" pitchFamily="49" charset="0"/>
+              </a:rPr>
+              <a:t>        </a:t>
+            </a:r>
+            <a:r>
+              <a:rPr lang="en-US" b="0" dirty="0">
+                <a:solidFill>
+                  <a:srgbClr val="569CD6"/>
+                </a:solidFill>
+                <a:effectLst/>
+                <a:latin typeface="Consolas" panose="020B0609020204030204" pitchFamily="49" charset="0"/>
+              </a:rPr>
+              <a:t>availability_zones</a:t>
+            </a:r>
+            <a:r>
+              <a:rPr lang="en-US" b="0" dirty="0">
+                <a:solidFill>
+                  <a:srgbClr val="CCCCCC"/>
+                </a:solidFill>
+                <a:effectLst/>
+                <a:latin typeface="Consolas" panose="020B0609020204030204" pitchFamily="49" charset="0"/>
+              </a:rPr>
+              <a:t>:</a:t>
+            </a:r>
+          </a:p>
+          <a:p>
+            <a:pPr>
+              <a:lnSpc>
+                <a:spcPts val="1600"/>
+              </a:lnSpc>
+              <a:buNone/>
+            </a:pPr>
+            <a:r>
+              <a:rPr lang="en-US" b="0" dirty="0">
+                <a:solidFill>
+                  <a:srgbClr val="CCCCCC"/>
+                </a:solidFill>
+                <a:effectLst/>
+                <a:latin typeface="Consolas" panose="020B0609020204030204" pitchFamily="49" charset="0"/>
+              </a:rPr>
+              <a:t>            - </a:t>
+            </a:r>
+            <a:r>
+              <a:rPr lang="en-US" b="0" dirty="0">
+                <a:solidFill>
+                  <a:srgbClr val="CE9178"/>
+                </a:solidFill>
+                <a:effectLst/>
+                <a:latin typeface="Consolas" panose="020B0609020204030204" pitchFamily="49" charset="0"/>
+              </a:rPr>
+              <a:t>us-east-1a</a:t>
+            </a:r>
+            <a:endParaRPr lang="en-US" b="0" dirty="0">
+              <a:solidFill>
+                <a:srgbClr val="CCCCCC"/>
+              </a:solidFill>
+              <a:effectLst/>
+              <a:latin typeface="Consolas" panose="020B0609020204030204" pitchFamily="49" charset="0"/>
+            </a:endParaRPr>
+          </a:p>
+          <a:p>
+            <a:pPr>
+              <a:lnSpc>
+                <a:spcPts val="1600"/>
+              </a:lnSpc>
+              <a:buNone/>
+            </a:pPr>
+            <a:r>
+              <a:rPr lang="en-US" b="0" dirty="0">
+                <a:solidFill>
+                  <a:srgbClr val="CCCCCC"/>
+                </a:solidFill>
+                <a:effectLst/>
+                <a:latin typeface="Consolas" panose="020B0609020204030204" pitchFamily="49" charset="0"/>
+              </a:rPr>
+              <a:t>            </a:t>
+            </a:r>
+            <a:r>
+              <a:rPr lang="en-US" b="0" dirty="0">
+                <a:solidFill>
+                  <a:srgbClr val="6A9955"/>
+                </a:solidFill>
+                <a:effectLst/>
+                <a:latin typeface="Consolas" panose="020B0609020204030204" pitchFamily="49" charset="0"/>
+              </a:rPr>
+              <a:t># ...</a:t>
+            </a:r>
+            <a:endParaRPr lang="en-US" b="0" dirty="0">
+              <a:solidFill>
+                <a:srgbClr val="CCCCCC"/>
+              </a:solidFill>
+              <a:effectLst/>
+              <a:latin typeface="Consolas" panose="020B0609020204030204" pitchFamily="49" charset="0"/>
+            </a:endParaRPr>
+          </a:p>
+          <a:p>
+            <a:pPr>
+              <a:lnSpc>
+                <a:spcPts val="1600"/>
+              </a:lnSpc>
+            </a:pPr>
+            <a:r>
+              <a:rPr lang="en-US" b="0" dirty="0">
+                <a:solidFill>
+                  <a:srgbClr val="CCCCCC"/>
+                </a:solidFill>
+                <a:effectLst/>
+                <a:latin typeface="Consolas" panose="020B0609020204030204" pitchFamily="49" charset="0"/>
+              </a:rPr>
+              <a:t>        </a:t>
+            </a:r>
+            <a:r>
+              <a:rPr lang="en-US" b="0" dirty="0">
+                <a:solidFill>
+                  <a:srgbClr val="569CD6"/>
+                </a:solidFill>
+                <a:effectLst/>
+                <a:latin typeface="Consolas" panose="020B0609020204030204" pitchFamily="49" charset="0"/>
+              </a:rPr>
+              <a:t>replicas</a:t>
+            </a:r>
+            <a:r>
+              <a:rPr lang="en-US" b="0" dirty="0">
+                <a:solidFill>
+                  <a:srgbClr val="CCCCCC"/>
+                </a:solidFill>
+                <a:effectLst/>
+                <a:latin typeface="Consolas" panose="020B0609020204030204" pitchFamily="49" charset="0"/>
+              </a:rPr>
+              <a:t>: </a:t>
+            </a:r>
+            <a:r>
+              <a:rPr lang="en-US" b="0" dirty="0">
+                <a:solidFill>
+                  <a:srgbClr val="B5CEA8"/>
+                </a:solidFill>
+                <a:effectLst/>
+                <a:latin typeface="Consolas" panose="020B0609020204030204" pitchFamily="49" charset="0"/>
+              </a:rPr>
+              <a:t>3</a:t>
+            </a:r>
+            <a:endParaRPr lang="en-US" b="0" dirty="0">
+              <a:solidFill>
+                <a:srgbClr val="CCCCCC"/>
+              </a:solidFill>
+              <a:effectLst/>
+              <a:latin typeface="Consolas" panose="020B0609020204030204" pitchFamily="49" charset="0"/>
+            </a:endParaRPr>
+          </a:p>
+        </p:txBody>
+      </p:sp>
+      <p:pic>
+        <p:nvPicPr>
+          <p:cNvPr id="27" name="Рисунок 26"/>
+          <p:cNvPicPr>
+            <a:picLocks noChangeAspect="1"/>
+          </p:cNvPicPr>
+          <p:nvPr/>
+        </p:nvPicPr>
+        <p:blipFill>
+          <a:blip r:embed="rId5"/>
+          <a:stretch>
+            <a:fillRect/>
+          </a:stretch>
+        </p:blipFill>
+        <p:spPr>
+          <a:xfrm>
+            <a:off x="90524" y="2290602"/>
+            <a:ext cx="4429743" cy="2276793"/>
+          </a:xfrm>
+          <a:prstGeom prst="rect">
+            <a:avLst/>
+          </a:prstGeom>
+        </p:spPr>
+      </p:pic>
+      <p:pic>
+        <p:nvPicPr>
+          <p:cNvPr id="31" name="Рисунок 30"/>
+          <p:cNvPicPr>
+            <a:picLocks noChangeAspect="1"/>
+          </p:cNvPicPr>
+          <p:nvPr/>
+        </p:nvPicPr>
+        <p:blipFill>
+          <a:blip r:embed="rId6"/>
+          <a:stretch>
+            <a:fillRect/>
+          </a:stretch>
+        </p:blipFill>
+        <p:spPr>
+          <a:xfrm>
+            <a:off x="4596041" y="-3"/>
+            <a:ext cx="7633905" cy="6858000"/>
+          </a:xfrm>
+          <a:prstGeom prst="rect">
+            <a:avLst/>
+          </a:prstGeom>
+        </p:spPr>
+      </p:pic>
+      <p:sp>
+        <p:nvSpPr>
+          <p:cNvPr id="4" name="TextBox 3">
+            <a:extLst>
+              <a:ext uri="{FF2B5EF4-FFF2-40B4-BE49-F238E27FC236}">
+                <a16:creationId xmlns:a16="http://schemas.microsoft.com/office/drawing/2014/main" id="{4E80D404-FA44-99B5-D382-AD8925B04D0C}"/>
+              </a:ext>
+            </a:extLst>
+          </p:cNvPr>
+          <p:cNvSpPr txBox="1"/>
+          <p:nvPr/>
+        </p:nvSpPr>
+        <p:spPr>
+          <a:xfrm>
+            <a:off x="4702134" y="2828833"/>
+            <a:ext cx="1895349" cy="2308324"/>
+          </a:xfrm>
+          <a:prstGeom prst="rect">
+            <a:avLst/>
+          </a:prstGeom>
+          <a:noFill/>
+        </p:spPr>
+        <p:txBody>
+          <a:bodyPr wrap="square" rtlCol="0">
+            <a:spAutoFit/>
+          </a:bodyPr>
+          <a:lstStyle/>
+          <a:p>
+            <a:r>
+              <a:rPr lang="en-US" dirty="0">
+                <a:solidFill>
+                  <a:srgbClr val="FF0000"/>
+                </a:solidFill>
+              </a:rPr>
+              <a:t>TODO:</a:t>
+            </a:r>
+            <a:endParaRPr lang="ru-RU" dirty="0">
+              <a:solidFill>
+                <a:srgbClr val="FF0000"/>
+              </a:solidFill>
+            </a:endParaRPr>
+          </a:p>
+          <a:p>
+            <a:pPr marL="285750" indent="-285750">
+              <a:buFontTx/>
+              <a:buChar char="-"/>
+            </a:pPr>
+            <a:r>
+              <a:rPr lang="ru-RU" dirty="0">
+                <a:solidFill>
+                  <a:srgbClr val="FF0000"/>
+                </a:solidFill>
+              </a:rPr>
+              <a:t>Отдельный файл для параметров </a:t>
+            </a:r>
+            <a:r>
+              <a:rPr lang="en-US" dirty="0" err="1">
+                <a:solidFill>
+                  <a:srgbClr val="FF0000"/>
+                </a:solidFill>
+              </a:rPr>
+              <a:t>kafka</a:t>
+            </a:r>
+            <a:endParaRPr lang="ru-RU" dirty="0">
+              <a:solidFill>
+                <a:srgbClr val="FF0000"/>
+              </a:solidFill>
+            </a:endParaRPr>
+          </a:p>
+          <a:p>
+            <a:pPr marL="285750" indent="-285750">
+              <a:buFontTx/>
+              <a:buChar char="-"/>
+            </a:pPr>
+            <a:r>
+              <a:rPr lang="ru-RU" dirty="0">
+                <a:solidFill>
+                  <a:srgbClr val="FF0000"/>
+                </a:solidFill>
+              </a:rPr>
+              <a:t>Добавить его в картинку справа</a:t>
+            </a:r>
+          </a:p>
+        </p:txBody>
+      </p:sp>
+    </p:spTree>
+    <p:extLst>
+      <p:ext uri="{BB962C8B-B14F-4D97-AF65-F5344CB8AC3E}">
+        <p14:creationId xmlns:p14="http://schemas.microsoft.com/office/powerpoint/2010/main" val="3022078169"/>
+      </p:ext>
+    </p:extLst>
+  </p:cSld>
+  <p:clrMapOvr>
+    <a:masterClrMapping/>
+  </p:clrMapOvr>
+</p:sld>
+</file>
+
+<file path=ppt/slides/slide3.xml><?xml version="1.0" encoding="utf-8"?>
+<p:sld xmlns:a="http://schemas.openxmlformats.org/drawingml/2006/main" xmlns:r="http://schemas.openxmlformats.org/officeDocument/2006/relationships" xmlns:p="http://schemas.openxmlformats.org/presentationml/2006/main">
+  <p:cSld>
+    <p:spTree>
+      <p:nvGrpSpPr>
+        <p:cNvPr id="1" name=""/>
+        <p:cNvGrpSpPr/>
+        <p:nvPr/>
+      </p:nvGrpSpPr>
+      <p:grpSpPr>
+        <a:xfrm>
+          <a:off x="0" y="0"/>
+          <a:ext cx="0" cy="0"/>
+          <a:chOff x="0" y="0"/>
+          <a:chExt cx="0" cy="0"/>
+        </a:xfrm>
+      </p:grpSpPr>
+      <p:sp>
+        <p:nvSpPr>
+          <p:cNvPr id="3" name="Прямоугольник 2"/>
+          <p:cNvSpPr/>
+          <p:nvPr/>
+        </p:nvSpPr>
+        <p:spPr>
+          <a:xfrm>
+            <a:off x="0" y="266377"/>
+            <a:ext cx="903595" cy="364195"/>
+          </a:xfrm>
+          <a:prstGeom prst="rect">
+            <a:avLst/>
+          </a:prstGeom>
+          <a:ln>
+            <a:noFill/>
+          </a:ln>
+        </p:spPr>
+        <p:style>
+          <a:lnRef idx="2">
+            <a:schemeClr val="accent1">
+              <a:shade val="50000"/>
+            </a:schemeClr>
+          </a:lnRef>
+          <a:fillRef idx="1">
+            <a:schemeClr val="accent1"/>
+          </a:fillRef>
+          <a:effectRef idx="0">
+            <a:schemeClr val="accent1"/>
+          </a:effectRef>
+          <a:fontRef idx="minor">
+            <a:schemeClr val="lt1"/>
+          </a:fontRef>
+        </p:style>
+        <p:txBody>
+          <a:bodyPr rtlCol="0" anchor="ctr"/>
+          <a:lstStyle/>
+          <a:p>
+            <a:pPr algn="ctr"/>
+            <a:endParaRPr lang="ru-RU"/>
+          </a:p>
+        </p:txBody>
+      </p:sp>
+      <p:sp>
+        <p:nvSpPr>
+          <p:cNvPr id="8" name="Title 7"/>
+          <p:cNvSpPr>
+            <a:spLocks noGrp="1"/>
+          </p:cNvSpPr>
+          <p:nvPr>
+            <p:ph type="title"/>
+          </p:nvPr>
+        </p:nvSpPr>
+        <p:spPr>
+          <a:xfrm>
+            <a:off x="838200" y="630572"/>
+            <a:ext cx="10515600" cy="1325563"/>
+          </a:xfrm>
+        </p:spPr>
+        <p:txBody>
+          <a:bodyPr/>
+          <a:lstStyle/>
+          <a:p>
+            <a:r>
+              <a:rPr lang="ru-RU" sz="4400" dirty="0"/>
+              <a:t>Путь лога</a:t>
+            </a:r>
+            <a:endParaRPr lang="ru-RU" dirty="0"/>
+          </a:p>
+        </p:txBody>
+      </p:sp>
+      <p:sp>
+        <p:nvSpPr>
+          <p:cNvPr id="2" name="Slide Number Placeholder 1"/>
+          <p:cNvSpPr txBox="1"/>
+          <p:nvPr/>
+        </p:nvSpPr>
+        <p:spPr>
+          <a:xfrm>
+            <a:off x="165463" y="266377"/>
+            <a:ext cx="738132" cy="364195"/>
+          </a:xfrm>
+          <a:prstGeom prst="rect">
+            <a:avLst/>
+          </a:prstGeom>
+        </p:spPr>
+        <p:txBody>
+          <a:bodyPr vert="horz" lIns="91440" tIns="45720" rIns="91440" bIns="45720" rtlCol="0" anchor="ctr"/>
+          <a:lstStyle>
+            <a:defPPr>
+              <a:defRPr lang="ru-RU"/>
+            </a:defPPr>
+            <a:lvl1pPr marL="0" algn="r" defTabSz="914400" rtl="0" eaLnBrk="1" latinLnBrk="0" hangingPunct="1">
+              <a:defRPr sz="1200" kern="1200">
+                <a:solidFill>
+                  <a:schemeClr val="tx1">
+                    <a:tint val="75000"/>
+                  </a:schemeClr>
+                </a:solidFill>
+                <a:latin typeface="+mn-lt"/>
+                <a:ea typeface="+mn-ea"/>
+                <a:cs typeface="+mn-cs"/>
+              </a:defRPr>
+            </a:lvl1pPr>
+            <a:lvl2pPr marL="457200" algn="l" defTabSz="914400" rtl="0" eaLnBrk="1" latinLnBrk="0" hangingPunct="1">
+              <a:defRPr sz="1800" kern="1200">
+                <a:solidFill>
+                  <a:schemeClr val="tx1"/>
+                </a:solidFill>
+                <a:latin typeface="+mn-lt"/>
+                <a:ea typeface="+mn-ea"/>
+                <a:cs typeface="+mn-cs"/>
+              </a:defRPr>
+            </a:lvl2pPr>
+            <a:lvl3pPr marL="914400" algn="l" defTabSz="914400" rtl="0" eaLnBrk="1" latinLnBrk="0" hangingPunct="1">
+              <a:defRPr sz="1800" kern="1200">
+                <a:solidFill>
+                  <a:schemeClr val="tx1"/>
+                </a:solidFill>
+                <a:latin typeface="+mn-lt"/>
+                <a:ea typeface="+mn-ea"/>
+                <a:cs typeface="+mn-cs"/>
+              </a:defRPr>
+            </a:lvl3pPr>
+            <a:lvl4pPr marL="1371600" algn="l" defTabSz="914400" rtl="0" eaLnBrk="1" latinLnBrk="0" hangingPunct="1">
+              <a:defRPr sz="1800" kern="1200">
+                <a:solidFill>
+                  <a:schemeClr val="tx1"/>
+                </a:solidFill>
+                <a:latin typeface="+mn-lt"/>
+                <a:ea typeface="+mn-ea"/>
+                <a:cs typeface="+mn-cs"/>
+              </a:defRPr>
+            </a:lvl4pPr>
+            <a:lvl5pPr marL="1828800" algn="l" defTabSz="914400" rtl="0" eaLnBrk="1" latinLnBrk="0" hangingPunct="1">
+              <a:defRPr sz="1800" kern="1200">
+                <a:solidFill>
+                  <a:schemeClr val="tx1"/>
+                </a:solidFill>
+                <a:latin typeface="+mn-lt"/>
+                <a:ea typeface="+mn-ea"/>
+                <a:cs typeface="+mn-cs"/>
+              </a:defRPr>
+            </a:lvl5pPr>
+            <a:lvl6pPr marL="2286000" algn="l" defTabSz="914400" rtl="0" eaLnBrk="1" latinLnBrk="0" hangingPunct="1">
+              <a:defRPr sz="1800" kern="1200">
+                <a:solidFill>
+                  <a:schemeClr val="tx1"/>
+                </a:solidFill>
+                <a:latin typeface="+mn-lt"/>
+                <a:ea typeface="+mn-ea"/>
+                <a:cs typeface="+mn-cs"/>
+              </a:defRPr>
+            </a:lvl6pPr>
+            <a:lvl7pPr marL="2743200" algn="l" defTabSz="914400" rtl="0" eaLnBrk="1" latinLnBrk="0" hangingPunct="1">
+              <a:defRPr sz="1800" kern="1200">
+                <a:solidFill>
+                  <a:schemeClr val="tx1"/>
+                </a:solidFill>
+                <a:latin typeface="+mn-lt"/>
+                <a:ea typeface="+mn-ea"/>
+                <a:cs typeface="+mn-cs"/>
+              </a:defRPr>
+            </a:lvl7pPr>
+            <a:lvl8pPr marL="3200400" algn="l" defTabSz="914400" rtl="0" eaLnBrk="1" latinLnBrk="0" hangingPunct="1">
+              <a:defRPr sz="1800" kern="1200">
+                <a:solidFill>
+                  <a:schemeClr val="tx1"/>
+                </a:solidFill>
+                <a:latin typeface="+mn-lt"/>
+                <a:ea typeface="+mn-ea"/>
+                <a:cs typeface="+mn-cs"/>
+              </a:defRPr>
+            </a:lvl8pPr>
+            <a:lvl9pPr marL="3657600" algn="l" defTabSz="914400" rtl="0" eaLnBrk="1" latinLnBrk="0" hangingPunct="1">
+              <a:defRPr sz="1800" kern="1200">
+                <a:solidFill>
+                  <a:schemeClr val="tx1"/>
+                </a:solidFill>
+                <a:latin typeface="+mn-lt"/>
+                <a:ea typeface="+mn-ea"/>
+                <a:cs typeface="+mn-cs"/>
+              </a:defRPr>
+            </a:lvl9pPr>
+          </a:lstStyle>
+          <a:p>
+            <a:fld id="{73D4391C-B8C0-B24A-A837-316267417444}" type="slidenum">
+              <a:rPr lang="ru-RU" smtClean="0">
+                <a:solidFill>
+                  <a:schemeClr val="bg1"/>
+                </a:solidFill>
+              </a:rPr>
+              <a:t>3</a:t>
+            </a:fld>
+            <a:endParaRPr lang="ru-RU" dirty="0">
+              <a:solidFill>
+                <a:schemeClr val="bg1"/>
+              </a:solidFill>
+            </a:endParaRPr>
+          </a:p>
+        </p:txBody>
+      </p:sp>
+      <p:pic>
+        <p:nvPicPr>
+          <p:cNvPr id="6" name="Рисунок 5"/>
+          <p:cNvPicPr>
+            <a:picLocks noChangeAspect="1"/>
+          </p:cNvPicPr>
+          <p:nvPr/>
+        </p:nvPicPr>
+        <p:blipFill>
+          <a:blip r:embed="rId3" cstate="print">
+            <a:extLst>
+              <a:ext uri="{28A0092B-C50C-407E-A947-70E740481C1C}">
+                <a14:useLocalDpi xmlns:a14="http://schemas.microsoft.com/office/drawing/2010/main" val="0"/>
+              </a:ext>
+              <a:ext uri="{96DAC541-7B7A-43D3-8B79-37D633B846F1}">
+                <asvg:svgBlip xmlns:asvg="http://schemas.microsoft.com/office/drawing/2016/SVG/main" r:embed="rId4"/>
+              </a:ext>
+            </a:extLst>
+          </a:blip>
+          <a:stretch>
+            <a:fillRect/>
+          </a:stretch>
+        </p:blipFill>
+        <p:spPr>
+          <a:xfrm>
+            <a:off x="9099532" y="-197635"/>
+            <a:ext cx="2166695" cy="1666688"/>
+          </a:xfrm>
+          <a:prstGeom prst="rect">
+            <a:avLst/>
+          </a:prstGeom>
+        </p:spPr>
+      </p:pic>
+      <p:sp>
+        <p:nvSpPr>
+          <p:cNvPr id="7" name="TextBox 6"/>
+          <p:cNvSpPr txBox="1"/>
+          <p:nvPr/>
+        </p:nvSpPr>
+        <p:spPr>
+          <a:xfrm>
+            <a:off x="10599762" y="266377"/>
+            <a:ext cx="2083558" cy="738664"/>
+          </a:xfrm>
+          <a:prstGeom prst="rect">
+            <a:avLst/>
+          </a:prstGeom>
+          <a:noFill/>
+        </p:spPr>
+        <p:txBody>
+          <a:bodyPr wrap="square" rtlCol="0">
+            <a:spAutoFit/>
+          </a:bodyPr>
+          <a:lstStyle/>
+          <a:p>
+            <a:r>
+              <a:rPr lang="ru-RU" sz="1050" dirty="0">
+                <a:solidFill>
+                  <a:schemeClr val="bg1">
+                    <a:lumMod val="75000"/>
+                  </a:schemeClr>
+                </a:solidFill>
+                <a:latin typeface="Arial" panose="020B0604020202020204" pitchFamily="34" charset="0"/>
+                <a:cs typeface="Arial" panose="020B0604020202020204" pitchFamily="34" charset="0"/>
+              </a:rPr>
+              <a:t>Томский</a:t>
+            </a:r>
+          </a:p>
+          <a:p>
+            <a:r>
+              <a:rPr lang="ru-RU" sz="1050" dirty="0">
+                <a:solidFill>
+                  <a:schemeClr val="bg1">
+                    <a:lumMod val="75000"/>
+                  </a:schemeClr>
+                </a:solidFill>
+                <a:latin typeface="Arial" panose="020B0604020202020204" pitchFamily="34" charset="0"/>
+                <a:cs typeface="Arial" panose="020B0604020202020204" pitchFamily="34" charset="0"/>
+              </a:rPr>
+              <a:t>Государственный университет</a:t>
+            </a:r>
+          </a:p>
+          <a:p>
+            <a:r>
+              <a:rPr lang="ru-RU" sz="1050" dirty="0">
+                <a:solidFill>
+                  <a:schemeClr val="bg1">
+                    <a:lumMod val="75000"/>
+                  </a:schemeClr>
+                </a:solidFill>
+                <a:latin typeface="Arial" panose="020B0604020202020204" pitchFamily="34" charset="0"/>
+                <a:cs typeface="Arial" panose="020B0604020202020204" pitchFamily="34" charset="0"/>
+              </a:rPr>
+              <a:t>Высшая </a:t>
+            </a:r>
+            <a:r>
+              <a:rPr lang="en-US" sz="1050" dirty="0">
+                <a:solidFill>
+                  <a:schemeClr val="bg1">
+                    <a:lumMod val="75000"/>
+                  </a:schemeClr>
+                </a:solidFill>
+                <a:latin typeface="Arial" panose="020B0604020202020204" pitchFamily="34" charset="0"/>
+                <a:cs typeface="Arial" panose="020B0604020202020204" pitchFamily="34" charset="0"/>
+              </a:rPr>
+              <a:t>IT </a:t>
+            </a:r>
+            <a:r>
+              <a:rPr lang="ru-RU" sz="1050" dirty="0">
+                <a:solidFill>
+                  <a:schemeClr val="bg1">
+                    <a:lumMod val="75000"/>
+                  </a:schemeClr>
+                </a:solidFill>
+                <a:latin typeface="Arial" panose="020B0604020202020204" pitchFamily="34" charset="0"/>
+                <a:cs typeface="Arial" panose="020B0604020202020204" pitchFamily="34" charset="0"/>
+              </a:rPr>
+              <a:t>Школа</a:t>
+            </a:r>
+          </a:p>
+        </p:txBody>
+      </p:sp>
+      <p:pic>
+        <p:nvPicPr>
+          <p:cNvPr id="1026" name="Picture 2"/>
+          <p:cNvPicPr>
+            <a:picLocks noChangeAspect="1" noChangeArrowheads="1"/>
+          </p:cNvPicPr>
+          <p:nvPr/>
+        </p:nvPicPr>
+        <p:blipFill>
+          <a:blip r:embed="rId5">
+            <a:extLst>
+              <a:ext uri="{28A0092B-C50C-407E-A947-70E740481C1C}">
+                <a14:useLocalDpi xmlns:a14="http://schemas.microsoft.com/office/drawing/2010/main" val="0"/>
+              </a:ext>
+            </a:extLst>
+          </a:blip>
+          <a:srcRect/>
+          <a:stretch>
+            <a:fillRect/>
+          </a:stretch>
+        </p:blipFill>
+        <p:spPr bwMode="auto">
+          <a:xfrm>
+            <a:off x="-69538" y="1936866"/>
+            <a:ext cx="12331075" cy="3807836"/>
+          </a:xfrm>
+          <a:prstGeom prst="rect">
+            <a:avLst/>
+          </a:prstGeom>
+          <a:noFill/>
+          <a:extLst>
+            <a:ext uri="{909E8E84-426E-40DD-AFC4-6F175D3DCCD1}">
+              <a14:hiddenFill xmlns:a14="http://schemas.microsoft.com/office/drawing/2010/main">
+                <a:solidFill>
+                  <a:srgbClr val="FFFFFF"/>
+                </a:solidFill>
+              </a14:hiddenFill>
+            </a:ext>
+          </a:extLst>
+        </p:spPr>
+      </p:pic>
+    </p:spTree>
+  </p:cSld>
+  <p:clrMapOvr>
+    <a:masterClrMapping/>
+  </p:clrMapOvr>
+</p:sld>
+</file>
+
+<file path=ppt/slides/slide30.xml><?xml version="1.0" encoding="utf-8"?>
+<p:sld xmlns:a="http://schemas.openxmlformats.org/drawingml/2006/main" xmlns:r="http://schemas.openxmlformats.org/officeDocument/2006/relationships" xmlns:p="http://schemas.openxmlformats.org/presentationml/2006/main">
+  <p:cSld>
+    <p:spTree>
+      <p:nvGrpSpPr>
+        <p:cNvPr id="1" name=""/>
+        <p:cNvGrpSpPr/>
+        <p:nvPr/>
+      </p:nvGrpSpPr>
+      <p:grpSpPr>
+        <a:xfrm>
+          <a:off x="0" y="0"/>
+          <a:ext cx="0" cy="0"/>
+          <a:chOff x="0" y="0"/>
+          <a:chExt cx="0" cy="0"/>
+        </a:xfrm>
+      </p:grpSpPr>
+      <p:sp>
+        <p:nvSpPr>
+          <p:cNvPr id="2" name="Заголовок 1"/>
+          <p:cNvSpPr>
+            <a:spLocks noGrp="1"/>
+          </p:cNvSpPr>
+          <p:nvPr>
+            <p:ph type="title"/>
+          </p:nvPr>
+        </p:nvSpPr>
+        <p:spPr/>
+        <p:txBody>
+          <a:bodyPr/>
+          <a:lstStyle/>
+          <a:p>
+            <a:r>
+              <a:rPr lang="ru-RU" dirty="0"/>
+              <a:t>Архитектура автоматизации</a:t>
+            </a:r>
+          </a:p>
+        </p:txBody>
+      </p:sp>
+      <p:sp>
+        <p:nvSpPr>
+          <p:cNvPr id="4" name="Прямоугольник 3"/>
+          <p:cNvSpPr/>
+          <p:nvPr/>
+        </p:nvSpPr>
+        <p:spPr>
+          <a:xfrm>
+            <a:off x="0" y="266377"/>
+            <a:ext cx="903595" cy="364195"/>
+          </a:xfrm>
+          <a:prstGeom prst="rect">
+            <a:avLst/>
+          </a:prstGeom>
+          <a:ln>
+            <a:noFill/>
+          </a:ln>
+        </p:spPr>
+        <p:style>
+          <a:lnRef idx="2">
+            <a:schemeClr val="accent1">
+              <a:shade val="50000"/>
+            </a:schemeClr>
+          </a:lnRef>
+          <a:fillRef idx="1">
+            <a:schemeClr val="accent1"/>
+          </a:fillRef>
+          <a:effectRef idx="0">
+            <a:schemeClr val="accent1"/>
+          </a:effectRef>
+          <a:fontRef idx="minor">
+            <a:schemeClr val="lt1"/>
+          </a:fontRef>
+        </p:style>
+        <p:txBody>
+          <a:bodyPr rtlCol="0" anchor="ctr"/>
+          <a:lstStyle/>
+          <a:p>
+            <a:pPr algn="ctr"/>
+            <a:endParaRPr lang="ru-RU"/>
+          </a:p>
+        </p:txBody>
+      </p:sp>
+      <p:sp>
+        <p:nvSpPr>
+          <p:cNvPr id="5" name="Slide Number Placeholder 1"/>
+          <p:cNvSpPr txBox="1"/>
+          <p:nvPr/>
+        </p:nvSpPr>
+        <p:spPr>
+          <a:xfrm>
+            <a:off x="165463" y="266377"/>
+            <a:ext cx="738132" cy="364195"/>
+          </a:xfrm>
+          <a:prstGeom prst="rect">
+            <a:avLst/>
+          </a:prstGeom>
+        </p:spPr>
+        <p:txBody>
+          <a:bodyPr vert="horz" lIns="91440" tIns="45720" rIns="91440" bIns="45720" rtlCol="0" anchor="ctr"/>
+          <a:lstStyle>
+            <a:defPPr>
+              <a:defRPr lang="ru-RU"/>
+            </a:defPPr>
+            <a:lvl1pPr marL="0" algn="r" defTabSz="914400" rtl="0" eaLnBrk="1" latinLnBrk="0" hangingPunct="1">
+              <a:defRPr sz="1200" kern="1200">
+                <a:solidFill>
+                  <a:schemeClr val="tx1">
+                    <a:tint val="75000"/>
+                  </a:schemeClr>
+                </a:solidFill>
+                <a:latin typeface="+mn-lt"/>
+                <a:ea typeface="+mn-ea"/>
+                <a:cs typeface="+mn-cs"/>
+              </a:defRPr>
+            </a:lvl1pPr>
+            <a:lvl2pPr marL="457200" algn="l" defTabSz="914400" rtl="0" eaLnBrk="1" latinLnBrk="0" hangingPunct="1">
+              <a:defRPr sz="1800" kern="1200">
+                <a:solidFill>
+                  <a:schemeClr val="tx1"/>
+                </a:solidFill>
+                <a:latin typeface="+mn-lt"/>
+                <a:ea typeface="+mn-ea"/>
+                <a:cs typeface="+mn-cs"/>
+              </a:defRPr>
+            </a:lvl2pPr>
+            <a:lvl3pPr marL="914400" algn="l" defTabSz="914400" rtl="0" eaLnBrk="1" latinLnBrk="0" hangingPunct="1">
+              <a:defRPr sz="1800" kern="1200">
+                <a:solidFill>
+                  <a:schemeClr val="tx1"/>
+                </a:solidFill>
+                <a:latin typeface="+mn-lt"/>
+                <a:ea typeface="+mn-ea"/>
+                <a:cs typeface="+mn-cs"/>
+              </a:defRPr>
+            </a:lvl3pPr>
+            <a:lvl4pPr marL="1371600" algn="l" defTabSz="914400" rtl="0" eaLnBrk="1" latinLnBrk="0" hangingPunct="1">
+              <a:defRPr sz="1800" kern="1200">
+                <a:solidFill>
+                  <a:schemeClr val="tx1"/>
+                </a:solidFill>
+                <a:latin typeface="+mn-lt"/>
+                <a:ea typeface="+mn-ea"/>
+                <a:cs typeface="+mn-cs"/>
+              </a:defRPr>
+            </a:lvl4pPr>
+            <a:lvl5pPr marL="1828800" algn="l" defTabSz="914400" rtl="0" eaLnBrk="1" latinLnBrk="0" hangingPunct="1">
+              <a:defRPr sz="1800" kern="1200">
+                <a:solidFill>
+                  <a:schemeClr val="tx1"/>
+                </a:solidFill>
+                <a:latin typeface="+mn-lt"/>
+                <a:ea typeface="+mn-ea"/>
+                <a:cs typeface="+mn-cs"/>
+              </a:defRPr>
+            </a:lvl5pPr>
+            <a:lvl6pPr marL="2286000" algn="l" defTabSz="914400" rtl="0" eaLnBrk="1" latinLnBrk="0" hangingPunct="1">
+              <a:defRPr sz="1800" kern="1200">
+                <a:solidFill>
+                  <a:schemeClr val="tx1"/>
+                </a:solidFill>
+                <a:latin typeface="+mn-lt"/>
+                <a:ea typeface="+mn-ea"/>
+                <a:cs typeface="+mn-cs"/>
+              </a:defRPr>
+            </a:lvl6pPr>
+            <a:lvl7pPr marL="2743200" algn="l" defTabSz="914400" rtl="0" eaLnBrk="1" latinLnBrk="0" hangingPunct="1">
+              <a:defRPr sz="1800" kern="1200">
+                <a:solidFill>
+                  <a:schemeClr val="tx1"/>
+                </a:solidFill>
+                <a:latin typeface="+mn-lt"/>
+                <a:ea typeface="+mn-ea"/>
+                <a:cs typeface="+mn-cs"/>
+              </a:defRPr>
+            </a:lvl7pPr>
+            <a:lvl8pPr marL="3200400" algn="l" defTabSz="914400" rtl="0" eaLnBrk="1" latinLnBrk="0" hangingPunct="1">
+              <a:defRPr sz="1800" kern="1200">
+                <a:solidFill>
+                  <a:schemeClr val="tx1"/>
+                </a:solidFill>
+                <a:latin typeface="+mn-lt"/>
+                <a:ea typeface="+mn-ea"/>
+                <a:cs typeface="+mn-cs"/>
+              </a:defRPr>
+            </a:lvl8pPr>
+            <a:lvl9pPr marL="3657600" algn="l" defTabSz="914400" rtl="0" eaLnBrk="1" latinLnBrk="0" hangingPunct="1">
+              <a:defRPr sz="1800" kern="1200">
+                <a:solidFill>
+                  <a:schemeClr val="tx1"/>
+                </a:solidFill>
+                <a:latin typeface="+mn-lt"/>
+                <a:ea typeface="+mn-ea"/>
+                <a:cs typeface="+mn-cs"/>
+              </a:defRPr>
+            </a:lvl9pPr>
+          </a:lstStyle>
+          <a:p>
+            <a:fld id="{73D4391C-B8C0-B24A-A837-316267417444}" type="slidenum">
+              <a:rPr lang="ru-RU" smtClean="0">
+                <a:solidFill>
+                  <a:schemeClr val="bg1"/>
+                </a:solidFill>
+              </a:rPr>
+              <a:t>30</a:t>
             </a:fld>
             <a:endParaRPr lang="ru-RU" dirty="0">
               <a:solidFill>
@@ -25547,7 +29453,7 @@
 </p:sld>
 </file>
 
-<file path=ppt/slides/slide3.xml><?xml version="1.0" encoding="utf-8"?>
+<file path=ppt/slides/slide31.xml><?xml version="1.0" encoding="utf-8"?>
 <p:sld xmlns:a="http://schemas.openxmlformats.org/drawingml/2006/main" xmlns:r="http://schemas.openxmlformats.org/officeDocument/2006/relationships" xmlns:p="http://schemas.openxmlformats.org/presentationml/2006/main">
   <p:cSld>
     <p:spTree>
@@ -25619,19 +29525,41 @@
         </p:nvSpPr>
         <p:spPr>
           <a:xfrm>
-            <a:off x="838200" y="630572"/>
-            <a:ext cx="10515600" cy="1325563"/>
+            <a:off x="534529" y="583400"/>
+            <a:ext cx="3144693" cy="2845599"/>
           </a:xfrm>
         </p:spPr>
         <p:txBody>
-          <a:bodyPr/>
+          <a:bodyPr>
+            <a:normAutofit fontScale="90000"/>
+          </a:bodyPr>
           <a:lstStyle/>
           <a:p>
             <a:r>
-              <a:rPr lang="ru-RU" sz="4400" dirty="0"/>
-              <a:t>Путь лога</a:t>
-            </a:r>
-            <a:endParaRPr lang="ru-RU" dirty="0"/>
+              <a:rPr lang="ru-RU" dirty="0"/>
+              <a:t>Описание </a:t>
+            </a:r>
+            <a:br>
+              <a:rPr lang="en-US" dirty="0"/>
+            </a:br>
+            <a:r>
+              <a:rPr lang="ru-RU" dirty="0"/>
+              <a:t>алгоритма </a:t>
+            </a:r>
+            <a:br>
+              <a:rPr lang="en-US" dirty="0"/>
+            </a:br>
+            <a:r>
+              <a:rPr lang="ru-RU" dirty="0"/>
+              <a:t>создания</a:t>
+            </a:r>
+            <a:br>
+              <a:rPr lang="ru-RU" dirty="0"/>
+            </a:br>
+            <a:r>
+              <a:rPr lang="ru-RU" dirty="0"/>
+              <a:t>коллектора и топика</a:t>
+            </a:r>
           </a:p>
         </p:txBody>
       </p:sp>
@@ -25756,419 +29684,7 @@
                   <a:schemeClr val="bg1"/>
                 </a:solidFill>
               </a:rPr>
-              <a:t>3</a:t>
-            </a:fld>
-            <a:endParaRPr lang="ru-RU" dirty="0">
-              <a:solidFill>
-                <a:schemeClr val="bg1"/>
-              </a:solidFill>
-            </a:endParaRPr>
-          </a:p>
-        </p:txBody>
-      </p:sp>
-      <p:pic>
-        <p:nvPicPr>
-          <p:cNvPr id="6" name="Рисунок 5"/>
-          <p:cNvPicPr>
-            <a:picLocks noChangeAspect="1"/>
-          </p:cNvPicPr>
-          <p:nvPr/>
-        </p:nvPicPr>
-        <p:blipFill>
-          <a:blip r:embed="rId3" cstate="print">
-            <a:extLst>
-              <a:ext uri="{28A0092B-C50C-407E-A947-70E740481C1C}">
-                <a14:useLocalDpi xmlns:a14="http://schemas.microsoft.com/office/drawing/2010/main" val="0"/>
-              </a:ext>
-              <a:ext uri="{96DAC541-7B7A-43D3-8B79-37D633B846F1}">
-                <asvg:svgBlip xmlns:asvg="http://schemas.microsoft.com/office/drawing/2016/SVG/main" r:embed="rId4"/>
-              </a:ext>
-            </a:extLst>
-          </a:blip>
-          <a:stretch>
-            <a:fillRect/>
-          </a:stretch>
-        </p:blipFill>
-        <p:spPr>
-          <a:xfrm>
-            <a:off x="9099532" y="-197635"/>
-            <a:ext cx="2166695" cy="1666688"/>
-          </a:xfrm>
-          <a:prstGeom prst="rect">
-            <a:avLst/>
-          </a:prstGeom>
-        </p:spPr>
-      </p:pic>
-      <p:sp>
-        <p:nvSpPr>
-          <p:cNvPr id="7" name="TextBox 6"/>
-          <p:cNvSpPr txBox="1"/>
-          <p:nvPr/>
-        </p:nvSpPr>
-        <p:spPr>
-          <a:xfrm>
-            <a:off x="10599762" y="266377"/>
-            <a:ext cx="2083558" cy="738664"/>
-          </a:xfrm>
-          <a:prstGeom prst="rect">
-            <a:avLst/>
-          </a:prstGeom>
-          <a:noFill/>
-        </p:spPr>
-        <p:txBody>
-          <a:bodyPr wrap="square" rtlCol="0">
-            <a:spAutoFit/>
-          </a:bodyPr>
-          <a:lstStyle/>
-          <a:p>
-            <a:r>
-              <a:rPr lang="ru-RU" sz="1050" dirty="0">
-                <a:solidFill>
-                  <a:schemeClr val="bg1">
-                    <a:lumMod val="75000"/>
-                  </a:schemeClr>
-                </a:solidFill>
-                <a:latin typeface="Arial" panose="020B0604020202020204" pitchFamily="34" charset="0"/>
-                <a:cs typeface="Arial" panose="020B0604020202020204" pitchFamily="34" charset="0"/>
-              </a:rPr>
-              <a:t>Томский</a:t>
-            </a:r>
-          </a:p>
-          <a:p>
-            <a:r>
-              <a:rPr lang="ru-RU" sz="1050" dirty="0">
-                <a:solidFill>
-                  <a:schemeClr val="bg1">
-                    <a:lumMod val="75000"/>
-                  </a:schemeClr>
-                </a:solidFill>
-                <a:latin typeface="Arial" panose="020B0604020202020204" pitchFamily="34" charset="0"/>
-                <a:cs typeface="Arial" panose="020B0604020202020204" pitchFamily="34" charset="0"/>
-              </a:rPr>
-              <a:t>Государственный университет</a:t>
-            </a:r>
-          </a:p>
-          <a:p>
-            <a:r>
-              <a:rPr lang="ru-RU" sz="1050" dirty="0">
-                <a:solidFill>
-                  <a:schemeClr val="bg1">
-                    <a:lumMod val="75000"/>
-                  </a:schemeClr>
-                </a:solidFill>
-                <a:latin typeface="Arial" panose="020B0604020202020204" pitchFamily="34" charset="0"/>
-                <a:cs typeface="Arial" panose="020B0604020202020204" pitchFamily="34" charset="0"/>
-              </a:rPr>
-              <a:t>Высшая </a:t>
-            </a:r>
-            <a:r>
-              <a:rPr lang="en-US" sz="1050" dirty="0">
-                <a:solidFill>
-                  <a:schemeClr val="bg1">
-                    <a:lumMod val="75000"/>
-                  </a:schemeClr>
-                </a:solidFill>
-                <a:latin typeface="Arial" panose="020B0604020202020204" pitchFamily="34" charset="0"/>
-                <a:cs typeface="Arial" panose="020B0604020202020204" pitchFamily="34" charset="0"/>
-              </a:rPr>
-              <a:t>IT </a:t>
-            </a:r>
-            <a:r>
-              <a:rPr lang="ru-RU" sz="1050" dirty="0">
-                <a:solidFill>
-                  <a:schemeClr val="bg1">
-                    <a:lumMod val="75000"/>
-                  </a:schemeClr>
-                </a:solidFill>
-                <a:latin typeface="Arial" panose="020B0604020202020204" pitchFamily="34" charset="0"/>
-                <a:cs typeface="Arial" panose="020B0604020202020204" pitchFamily="34" charset="0"/>
-              </a:rPr>
-              <a:t>Школа</a:t>
-            </a:r>
-          </a:p>
-        </p:txBody>
-      </p:sp>
-      <p:pic>
-        <p:nvPicPr>
-          <p:cNvPr id="1026" name="Picture 2"/>
-          <p:cNvPicPr>
-            <a:picLocks noChangeAspect="1" noChangeArrowheads="1"/>
-          </p:cNvPicPr>
-          <p:nvPr/>
-        </p:nvPicPr>
-        <p:blipFill>
-          <a:blip r:embed="rId5">
-            <a:extLst>
-              <a:ext uri="{28A0092B-C50C-407E-A947-70E740481C1C}">
-                <a14:useLocalDpi xmlns:a14="http://schemas.microsoft.com/office/drawing/2010/main" val="0"/>
-              </a:ext>
-            </a:extLst>
-          </a:blip>
-          <a:srcRect/>
-          <a:stretch>
-            <a:fillRect/>
-          </a:stretch>
-        </p:blipFill>
-        <p:spPr bwMode="auto">
-          <a:xfrm>
-            <a:off x="-69538" y="1936866"/>
-            <a:ext cx="12331075" cy="3807836"/>
-          </a:xfrm>
-          <a:prstGeom prst="rect">
-            <a:avLst/>
-          </a:prstGeom>
-          <a:noFill/>
-          <a:extLst>
-            <a:ext uri="{909E8E84-426E-40DD-AFC4-6F175D3DCCD1}">
-              <a14:hiddenFill xmlns:a14="http://schemas.microsoft.com/office/drawing/2010/main">
-                <a:solidFill>
-                  <a:srgbClr val="FFFFFF"/>
-                </a:solidFill>
-              </a14:hiddenFill>
-            </a:ext>
-          </a:extLst>
-        </p:spPr>
-      </p:pic>
-    </p:spTree>
-  </p:cSld>
-  <p:clrMapOvr>
-    <a:masterClrMapping/>
-  </p:clrMapOvr>
-</p:sld>
-</file>
-
-<file path=ppt/slides/slide30.xml><?xml version="1.0" encoding="utf-8"?>
-<p:sld xmlns:a="http://schemas.openxmlformats.org/drawingml/2006/main" xmlns:r="http://schemas.openxmlformats.org/officeDocument/2006/relationships" xmlns:p="http://schemas.openxmlformats.org/presentationml/2006/main">
-  <p:cSld>
-    <p:spTree>
-      <p:nvGrpSpPr>
-        <p:cNvPr id="1" name=""/>
-        <p:cNvGrpSpPr/>
-        <p:nvPr/>
-      </p:nvGrpSpPr>
-      <p:grpSpPr>
-        <a:xfrm>
-          <a:off x="0" y="0"/>
-          <a:ext cx="0" cy="0"/>
-          <a:chOff x="0" y="0"/>
-          <a:chExt cx="0" cy="0"/>
-        </a:xfrm>
-      </p:grpSpPr>
-      <p:sp>
-        <p:nvSpPr>
-          <p:cNvPr id="3" name="Прямоугольник 2"/>
-          <p:cNvSpPr/>
-          <p:nvPr/>
-        </p:nvSpPr>
-        <p:spPr>
-          <a:xfrm>
-            <a:off x="0" y="266377"/>
-            <a:ext cx="903595" cy="364195"/>
-          </a:xfrm>
-          <a:prstGeom prst="rect">
-            <a:avLst/>
-          </a:prstGeom>
-          <a:ln>
-            <a:noFill/>
-          </a:ln>
-        </p:spPr>
-        <p:style>
-          <a:lnRef idx="2">
-            <a:schemeClr val="accent1">
-              <a:shade val="50000"/>
-            </a:schemeClr>
-          </a:lnRef>
-          <a:fillRef idx="1">
-            <a:schemeClr val="accent1"/>
-          </a:fillRef>
-          <a:effectRef idx="0">
-            <a:schemeClr val="accent1"/>
-          </a:effectRef>
-          <a:fontRef idx="minor">
-            <a:schemeClr val="lt1"/>
-          </a:fontRef>
-        </p:style>
-        <p:txBody>
-          <a:bodyPr rtlCol="0" anchor="ctr"/>
-          <a:lstStyle/>
-          <a:p>
-            <a:pPr algn="ctr"/>
-            <a:endParaRPr lang="ru-RU"/>
-          </a:p>
-        </p:txBody>
-      </p:sp>
-      <p:sp>
-        <p:nvSpPr>
-          <p:cNvPr id="8" name="Title 7"/>
-          <p:cNvSpPr>
-            <a:spLocks noGrp="1"/>
-          </p:cNvSpPr>
-          <p:nvPr>
-            <p:ph type="title"/>
-          </p:nvPr>
-        </p:nvSpPr>
-        <p:spPr>
-          <a:xfrm>
-            <a:off x="534529" y="583400"/>
-            <a:ext cx="3144693" cy="2845599"/>
-          </a:xfrm>
-        </p:spPr>
-        <p:txBody>
-          <a:bodyPr>
-            <a:normAutofit fontScale="90000"/>
-          </a:bodyPr>
-          <a:lstStyle/>
-          <a:p>
-            <a:r>
-              <a:rPr lang="ru-RU" dirty="0"/>
-              <a:t>Описание </a:t>
-            </a:r>
-            <a:br>
-              <a:rPr lang="en-US" dirty="0"/>
-            </a:br>
-            <a:r>
-              <a:rPr lang="ru-RU" dirty="0"/>
-              <a:t>алгоритма </a:t>
-            </a:r>
-            <a:br>
-              <a:rPr lang="en-US" dirty="0"/>
-            </a:br>
-            <a:r>
-              <a:rPr lang="ru-RU" dirty="0"/>
-              <a:t>создания</a:t>
-            </a:r>
-            <a:br>
-              <a:rPr lang="ru-RU" dirty="0"/>
-            </a:br>
-            <a:r>
-              <a:rPr lang="ru-RU" dirty="0"/>
-              <a:t>коллектора и топика</a:t>
-            </a:r>
-          </a:p>
-        </p:txBody>
-      </p:sp>
-      <p:sp>
-        <p:nvSpPr>
-          <p:cNvPr id="2" name="Slide Number Placeholder 1"/>
-          <p:cNvSpPr txBox="1"/>
-          <p:nvPr/>
-        </p:nvSpPr>
-        <p:spPr>
-          <a:xfrm>
-            <a:off x="165463" y="266377"/>
-            <a:ext cx="738132" cy="364195"/>
-          </a:xfrm>
-          <a:prstGeom prst="rect">
-            <a:avLst/>
-          </a:prstGeom>
-        </p:spPr>
-        <p:txBody>
-          <a:bodyPr vert="horz" lIns="91440" tIns="45720" rIns="91440" bIns="45720" rtlCol="0" anchor="ctr"/>
-          <a:lstStyle>
-            <a:defPPr>
-              <a:defRPr lang="ru-RU"/>
-            </a:defPPr>
-            <a:lvl1pPr marL="0" algn="r" defTabSz="914400" rtl="0" eaLnBrk="1" latinLnBrk="0" hangingPunct="1">
-              <a:defRPr sz="1200" kern="1200">
-                <a:solidFill>
-                  <a:schemeClr val="tx1">
-                    <a:tint val="75000"/>
-                  </a:schemeClr>
-                </a:solidFill>
-                <a:latin typeface="+mn-lt"/>
-                <a:ea typeface="+mn-ea"/>
-                <a:cs typeface="+mn-cs"/>
-              </a:defRPr>
-            </a:lvl1pPr>
-            <a:lvl2pPr marL="457200" algn="l" defTabSz="914400" rtl="0" eaLnBrk="1" latinLnBrk="0" hangingPunct="1">
-              <a:defRPr sz="1800" kern="1200">
-                <a:solidFill>
-                  <a:schemeClr val="tx1"/>
-                </a:solidFill>
-                <a:latin typeface="+mn-lt"/>
-                <a:ea typeface="+mn-ea"/>
-                <a:cs typeface="+mn-cs"/>
-              </a:defRPr>
-            </a:lvl2pPr>
-            <a:lvl3pPr marL="914400" algn="l" defTabSz="914400" rtl="0" eaLnBrk="1" latinLnBrk="0" hangingPunct="1">
-              <a:defRPr sz="1800" kern="1200">
-                <a:solidFill>
-                  <a:schemeClr val="tx1"/>
-                </a:solidFill>
-                <a:latin typeface="+mn-lt"/>
-                <a:ea typeface="+mn-ea"/>
-                <a:cs typeface="+mn-cs"/>
-              </a:defRPr>
-            </a:lvl3pPr>
-            <a:lvl4pPr marL="1371600" algn="l" defTabSz="914400" rtl="0" eaLnBrk="1" latinLnBrk="0" hangingPunct="1">
-              <a:defRPr sz="1800" kern="1200">
-                <a:solidFill>
-                  <a:schemeClr val="tx1"/>
-                </a:solidFill>
-                <a:latin typeface="+mn-lt"/>
-                <a:ea typeface="+mn-ea"/>
-                <a:cs typeface="+mn-cs"/>
-              </a:defRPr>
-            </a:lvl4pPr>
-            <a:lvl5pPr marL="1828800" algn="l" defTabSz="914400" rtl="0" eaLnBrk="1" latinLnBrk="0" hangingPunct="1">
-              <a:defRPr sz="1800" kern="1200">
-                <a:solidFill>
-                  <a:schemeClr val="tx1"/>
-                </a:solidFill>
-                <a:latin typeface="+mn-lt"/>
-                <a:ea typeface="+mn-ea"/>
-                <a:cs typeface="+mn-cs"/>
-              </a:defRPr>
-            </a:lvl5pPr>
-            <a:lvl6pPr marL="2286000" algn="l" defTabSz="914400" rtl="0" eaLnBrk="1" latinLnBrk="0" hangingPunct="1">
-              <a:defRPr sz="1800" kern="1200">
-                <a:solidFill>
-                  <a:schemeClr val="tx1"/>
-                </a:solidFill>
-                <a:latin typeface="+mn-lt"/>
-                <a:ea typeface="+mn-ea"/>
-                <a:cs typeface="+mn-cs"/>
-              </a:defRPr>
-            </a:lvl6pPr>
-            <a:lvl7pPr marL="2743200" algn="l" defTabSz="914400" rtl="0" eaLnBrk="1" latinLnBrk="0" hangingPunct="1">
-              <a:defRPr sz="1800" kern="1200">
-                <a:solidFill>
-                  <a:schemeClr val="tx1"/>
-                </a:solidFill>
-                <a:latin typeface="+mn-lt"/>
-                <a:ea typeface="+mn-ea"/>
-                <a:cs typeface="+mn-cs"/>
-              </a:defRPr>
-            </a:lvl7pPr>
-            <a:lvl8pPr marL="3200400" algn="l" defTabSz="914400" rtl="0" eaLnBrk="1" latinLnBrk="0" hangingPunct="1">
-              <a:defRPr sz="1800" kern="1200">
-                <a:solidFill>
-                  <a:schemeClr val="tx1"/>
-                </a:solidFill>
-                <a:latin typeface="+mn-lt"/>
-                <a:ea typeface="+mn-ea"/>
-                <a:cs typeface="+mn-cs"/>
-              </a:defRPr>
-            </a:lvl8pPr>
-            <a:lvl9pPr marL="3657600" algn="l" defTabSz="914400" rtl="0" eaLnBrk="1" latinLnBrk="0" hangingPunct="1">
-              <a:defRPr sz="1800" kern="1200">
-                <a:solidFill>
-                  <a:schemeClr val="tx1"/>
-                </a:solidFill>
-                <a:latin typeface="+mn-lt"/>
-                <a:ea typeface="+mn-ea"/>
-                <a:cs typeface="+mn-cs"/>
-              </a:defRPr>
-            </a:lvl9pPr>
-          </a:lstStyle>
-          <a:p>
-            <a:fld id="{73D4391C-B8C0-B24A-A837-316267417444}" type="slidenum">
-              <a:rPr lang="ru-RU" smtClean="0">
-                <a:solidFill>
-                  <a:schemeClr val="bg1"/>
-                </a:solidFill>
-              </a:rPr>
-              <a:t>30</a:t>
+              <a:t>31</a:t>
             </a:fld>
             <a:endParaRPr lang="ru-RU" dirty="0">
               <a:solidFill>
@@ -26410,7 +29926,7 @@
 </p:sld>
 </file>
 
-<file path=ppt/slides/slide31.xml><?xml version="1.0" encoding="utf-8"?>
+<file path=ppt/slides/slide32.xml><?xml version="1.0" encoding="utf-8"?>
 <p:sld xmlns:a="http://schemas.openxmlformats.org/drawingml/2006/main" xmlns:r="http://schemas.openxmlformats.org/officeDocument/2006/relationships" xmlns:p="http://schemas.openxmlformats.org/presentationml/2006/main">
   <p:cSld>
     <p:spTree>
@@ -26659,7 +30175,7 @@
                   <a:schemeClr val="bg1"/>
                 </a:solidFill>
               </a:rPr>
-              <a:t>31</a:t>
+              <a:t>32</a:t>
             </a:fld>
             <a:endParaRPr lang="ru-RU" dirty="0">
               <a:solidFill>
@@ -26799,7 +30315,7 @@
 </p:sld>
 </file>
 
-<file path=ppt/slides/slide32.xml><?xml version="1.0" encoding="utf-8"?>
+<file path=ppt/slides/slide33.xml><?xml version="1.0" encoding="utf-8"?>
 <p:sld xmlns:a="http://schemas.openxmlformats.org/drawingml/2006/main" xmlns:r="http://schemas.openxmlformats.org/officeDocument/2006/relationships" xmlns:p="http://schemas.openxmlformats.org/presentationml/2006/main">
   <p:cSld>
     <p:spTree>
@@ -27007,7 +30523,7 @@
                   <a:schemeClr val="bg1"/>
                 </a:solidFill>
               </a:rPr>
-              <a:t>32</a:t>
+              <a:t>33</a:t>
             </a:fld>
             <a:endParaRPr lang="ru-RU" dirty="0">
               <a:solidFill>
@@ -27247,7 +30763,7 @@
 </p:sld>
 </file>
 
-<file path=ppt/slides/slide33.xml><?xml version="1.0" encoding="utf-8"?>
+<file path=ppt/slides/slide34.xml><?xml version="1.0" encoding="utf-8"?>
 <p:sld xmlns:a="http://schemas.openxmlformats.org/drawingml/2006/main" xmlns:r="http://schemas.openxmlformats.org/officeDocument/2006/relationships" xmlns:p="http://schemas.openxmlformats.org/presentationml/2006/main">
   <p:cSld>
     <p:spTree>
@@ -27455,7 +30971,7 @@
                   <a:schemeClr val="bg1"/>
                 </a:solidFill>
               </a:rPr>
-              <a:t>33</a:t>
+              <a:t>34</a:t>
             </a:fld>
             <a:endParaRPr lang="ru-RU" dirty="0">
               <a:solidFill>
@@ -27657,11 +31173,14 @@
           <a:p>
             <a:r>
               <a:rPr lang="ru-RU" dirty="0"/>
-              <a:t>Процесс управления топиками, пользователями и коллекторами автоматизирован с помощью </a:t>
-            </a:r>
-            <a:r>
-              <a:rPr lang="en-US" dirty="0" err="1"/>
-              <a:t>GitOps</a:t>
+              <a:t>Разработана автоматизация процесса управления </a:t>
+            </a:r>
+          </a:p>
+          <a:p>
+            <a:pPr lvl="1"/>
+            <a:r>
+              <a:rPr lang="ru-RU" dirty="0"/>
+              <a:t>топиками</a:t>
             </a:r>
             <a:r>
               <a:rPr lang="en-US" dirty="0"/>
@@ -27669,7 +31188,19 @@
             </a:r>
             <a:r>
               <a:rPr lang="ru-RU" dirty="0"/>
-              <a:t>подхода.</a:t>
+              <a:t>и пользователями </a:t>
+            </a:r>
+            <a:r>
+              <a:rPr lang="en-US" dirty="0"/>
+              <a:t>Kafka</a:t>
+            </a:r>
+            <a:endParaRPr lang="ru-RU" dirty="0"/>
+          </a:p>
+          <a:p>
+            <a:pPr lvl="1"/>
+            <a:r>
+              <a:rPr lang="ru-RU" dirty="0"/>
+              <a:t>конфигурацией коллекторов и их развертыванием.</a:t>
             </a:r>
           </a:p>
           <a:p>
@@ -27693,7 +31224,7 @@
 </p:sld>
 </file>
 
-<file path=ppt/slides/slide34.xml><?xml version="1.0" encoding="utf-8"?>
+<file path=ppt/slides/slide35.xml><?xml version="1.0" encoding="utf-8"?>
 <p:sld xmlns:a="http://schemas.openxmlformats.org/drawingml/2006/main" xmlns:r="http://schemas.openxmlformats.org/officeDocument/2006/relationships" xmlns:p="http://schemas.openxmlformats.org/presentationml/2006/main">
   <p:cSld>
     <p:spTree>
@@ -27901,7 +31432,7 @@
                   <a:schemeClr val="bg1"/>
                 </a:solidFill>
               </a:rPr>
-              <a:t>34</a:t>
+              <a:t>35</a:t>
             </a:fld>
             <a:endParaRPr lang="ru-RU" dirty="0">
               <a:solidFill>
@@ -28063,6 +31594,28 @@
           <a:p>
             <a:r>
               <a:rPr lang="ru-RU" dirty="0"/>
+              <a:t>Количество ручных действий системных инженеров сокращено до 1 (было </a:t>
+            </a:r>
+            <a:r>
+              <a:rPr lang="en-US" dirty="0">
+                <a:solidFill>
+                  <a:srgbClr val="FF0000"/>
+                </a:solidFill>
+              </a:rPr>
+              <a:t>TODO</a:t>
+            </a:r>
+            <a:r>
+              <a:rPr lang="en-US" dirty="0"/>
+              <a:t>)</a:t>
+            </a:r>
+            <a:r>
+              <a:rPr lang="ru-RU" dirty="0"/>
+              <a:t>.</a:t>
+            </a:r>
+          </a:p>
+          <a:p>
+            <a:r>
+              <a:rPr lang="ru-RU" dirty="0"/>
               <a:t>Количество согласований сократилось до нуля (было 2)</a:t>
             </a:r>
           </a:p>
@@ -28090,7 +31643,7 @@
 </p:sld>
 </file>
 
-<file path=ppt/slides/slide35.xml><?xml version="1.0" encoding="utf-8"?>
+<file path=ppt/slides/slide36.xml><?xml version="1.0" encoding="utf-8"?>
 <p:sld xmlns:a="http://schemas.openxmlformats.org/drawingml/2006/main" xmlns:r="http://schemas.openxmlformats.org/officeDocument/2006/relationships" xmlns:p="http://schemas.openxmlformats.org/presentationml/2006/main">
   <p:cSld>
     <p:spTree>
@@ -28271,7 +31824,7 @@
                   <a:schemeClr val="bg1"/>
                 </a:solidFill>
               </a:rPr>
-              <a:t>35</a:t>
+              <a:t>36</a:t>
             </a:fld>
             <a:endParaRPr lang="ru-RU" dirty="0">
               <a:solidFill>
@@ -30922,7 +34475,7 @@
         <p:spPr>
           <a:xfrm>
             <a:off x="-164125" y="448474"/>
-            <a:ext cx="12184060" cy="6455044"/>
+            <a:ext cx="12184060" cy="6455043"/>
           </a:xfrm>
           <a:prstGeom prst="rect">
             <a:avLst/>

--- a/Презентация ВКР (в шаблоне).pptx
+++ b/Презентация ВКР (в шаблоне).pptx
@@ -260,7 +260,7 @@
           <a:p>
             <a:fld id="{452C924C-0549-43C7-B607-8F62314AE139}" type="datetimeFigureOut">
               <a:rPr lang="ru-RU" smtClean="0"/>
-              <a:t>16.05.2025</a:t>
+              <a:t>17.05.2025</a:t>
             </a:fld>
             <a:endParaRPr lang="ru-RU"/>
           </a:p>
@@ -1819,7 +1819,15 @@
             </a:pPr>
             <a:r>
               <a:rPr lang="ru-RU" dirty="0"/>
-              <a:t>Центр мониторинга информационной безопасности (SOC) занимается централизованной обработкой и анализом событий безопасности. </a:t>
+              <a:t>Центр мониторинга и реагирования на </a:t>
+            </a:r>
+            <a:r>
+              <a:rPr lang="ru-RU"/>
+              <a:t>инциденты (</a:t>
+            </a:r>
+            <a:r>
+              <a:rPr lang="ru-RU" dirty="0"/>
+              <a:t>SOC) занимается централизованной обработкой и анализом событий безопасности. </a:t>
             </a:r>
           </a:p>
         </p:txBody>
@@ -5179,7 +5187,7 @@
           <a:p>
             <a:fld id="{4A7CD677-3FCC-47F5-94F7-0E9EAFA5A0B4}" type="datetimeFigureOut">
               <a:rPr lang="ru-RU" smtClean="0"/>
-              <a:t>16.05.2025</a:t>
+              <a:t>17.05.2025</a:t>
             </a:fld>
             <a:endParaRPr lang="ru-RU"/>
           </a:p>
@@ -5342,7 +5350,7 @@
           <a:p>
             <a:fld id="{4A7CD677-3FCC-47F5-94F7-0E9EAFA5A0B4}" type="datetimeFigureOut">
               <a:rPr lang="ru-RU" smtClean="0"/>
-              <a:t>16.05.2025</a:t>
+              <a:t>17.05.2025</a:t>
             </a:fld>
             <a:endParaRPr lang="ru-RU"/>
           </a:p>
@@ -5515,7 +5523,7 @@
           <a:p>
             <a:fld id="{4A7CD677-3FCC-47F5-94F7-0E9EAFA5A0B4}" type="datetimeFigureOut">
               <a:rPr lang="ru-RU" smtClean="0"/>
-              <a:t>16.05.2025</a:t>
+              <a:t>17.05.2025</a:t>
             </a:fld>
             <a:endParaRPr lang="ru-RU"/>
           </a:p>
@@ -5678,7 +5686,7 @@
           <a:p>
             <a:fld id="{4A7CD677-3FCC-47F5-94F7-0E9EAFA5A0B4}" type="datetimeFigureOut">
               <a:rPr lang="ru-RU" smtClean="0"/>
-              <a:t>16.05.2025</a:t>
+              <a:t>17.05.2025</a:t>
             </a:fld>
             <a:endParaRPr lang="ru-RU"/>
           </a:p>
@@ -5918,7 +5926,7 @@
           <a:p>
             <a:fld id="{4A7CD677-3FCC-47F5-94F7-0E9EAFA5A0B4}" type="datetimeFigureOut">
               <a:rPr lang="ru-RU" smtClean="0"/>
-              <a:t>16.05.2025</a:t>
+              <a:t>17.05.2025</a:t>
             </a:fld>
             <a:endParaRPr lang="ru-RU"/>
           </a:p>
@@ -6142,7 +6150,7 @@
           <a:p>
             <a:fld id="{4A7CD677-3FCC-47F5-94F7-0E9EAFA5A0B4}" type="datetimeFigureOut">
               <a:rPr lang="ru-RU" smtClean="0"/>
-              <a:t>16.05.2025</a:t>
+              <a:t>17.05.2025</a:t>
             </a:fld>
             <a:endParaRPr lang="ru-RU"/>
           </a:p>
@@ -6501,7 +6509,7 @@
           <a:p>
             <a:fld id="{4A7CD677-3FCC-47F5-94F7-0E9EAFA5A0B4}" type="datetimeFigureOut">
               <a:rPr lang="ru-RU" smtClean="0"/>
-              <a:t>16.05.2025</a:t>
+              <a:t>17.05.2025</a:t>
             </a:fld>
             <a:endParaRPr lang="ru-RU"/>
           </a:p>
@@ -6613,7 +6621,7 @@
           <a:p>
             <a:fld id="{4A7CD677-3FCC-47F5-94F7-0E9EAFA5A0B4}" type="datetimeFigureOut">
               <a:rPr lang="ru-RU" smtClean="0"/>
-              <a:t>16.05.2025</a:t>
+              <a:t>17.05.2025</a:t>
             </a:fld>
             <a:endParaRPr lang="ru-RU"/>
           </a:p>
@@ -6703,7 +6711,7 @@
           <a:p>
             <a:fld id="{4A7CD677-3FCC-47F5-94F7-0E9EAFA5A0B4}" type="datetimeFigureOut">
               <a:rPr lang="ru-RU" smtClean="0"/>
-              <a:t>16.05.2025</a:t>
+              <a:t>17.05.2025</a:t>
             </a:fld>
             <a:endParaRPr lang="ru-RU"/>
           </a:p>
@@ -6973,7 +6981,7 @@
           <a:p>
             <a:fld id="{4A7CD677-3FCC-47F5-94F7-0E9EAFA5A0B4}" type="datetimeFigureOut">
               <a:rPr lang="ru-RU" smtClean="0"/>
-              <a:t>16.05.2025</a:t>
+              <a:t>17.05.2025</a:t>
             </a:fld>
             <a:endParaRPr lang="ru-RU"/>
           </a:p>
@@ -7220,7 +7228,7 @@
           <a:p>
             <a:fld id="{4A7CD677-3FCC-47F5-94F7-0E9EAFA5A0B4}" type="datetimeFigureOut">
               <a:rPr lang="ru-RU" smtClean="0"/>
-              <a:t>16.05.2025</a:t>
+              <a:t>17.05.2025</a:t>
             </a:fld>
             <a:endParaRPr lang="ru-RU"/>
           </a:p>
@@ -7426,7 +7434,7 @@
           <a:p>
             <a:fld id="{4A7CD677-3FCC-47F5-94F7-0E9EAFA5A0B4}" type="datetimeFigureOut">
               <a:rPr lang="ru-RU" smtClean="0"/>
-              <a:t>16.05.2025</a:t>
+              <a:t>17.05.2025</a:t>
             </a:fld>
             <a:endParaRPr lang="ru-RU"/>
           </a:p>

--- a/Презентация ВКР (в шаблоне).pptx
+++ b/Презентация ВКР (в шаблоне).pptx
@@ -160,24 +160,6 @@
 </p:cmAuthorLst>
 </file>
 
-<file path=ppt/comments/comment1.xml><?xml version="1.0" encoding="utf-8"?>
-<p:cmLst xmlns:a="http://schemas.openxmlformats.org/drawingml/2006/main" xmlns:r="http://schemas.openxmlformats.org/officeDocument/2006/relationships" xmlns:p="http://schemas.openxmlformats.org/presentationml/2006/main">
-  <p:cm authorId="1" dt="2025-05-07T21:33:13.213" idx="4">
-    <p:pos x="7162" y="407"/>
-    <p:text>Советую изменить заголовок на более формальный</p:text>
-  </p:cm>
-</p:cmLst>
-</file>
-
-<file path=ppt/comments/comment2.xml><?xml version="1.0" encoding="utf-8"?>
-<p:cmLst xmlns:a="http://schemas.openxmlformats.org/drawingml/2006/main" xmlns:r="http://schemas.openxmlformats.org/officeDocument/2006/relationships" xmlns:p="http://schemas.openxmlformats.org/presentationml/2006/main">
-  <p:cm authorId="1" dt="2025-05-07T21:38:56.597" idx="14">
-    <p:pos x="7162" y="1160"/>
-    <p:text>лучше списком</p:text>
-  </p:cm>
-</p:cmLst>
-</file>
-
 <file path=ppt/notesMasters/notesMaster1.xml><?xml version="1.0" encoding="utf-8"?>
 <p:notesMaster xmlns:a="http://schemas.openxmlformats.org/drawingml/2006/main" xmlns:r="http://schemas.openxmlformats.org/officeDocument/2006/relationships" xmlns:p="http://schemas.openxmlformats.org/presentationml/2006/main">
   <p:cSld>
@@ -260,7 +242,7 @@
           <a:p>
             <a:fld id="{452C924C-0549-43C7-B607-8F62314AE139}" type="datetimeFigureOut">
               <a:rPr lang="ru-RU" smtClean="0"/>
-              <a:t>17.05.2025</a:t>
+              <a:t>04.06.2025</a:t>
             </a:fld>
             <a:endParaRPr lang="ru-RU"/>
           </a:p>
@@ -5187,7 +5169,7 @@
           <a:p>
             <a:fld id="{4A7CD677-3FCC-47F5-94F7-0E9EAFA5A0B4}" type="datetimeFigureOut">
               <a:rPr lang="ru-RU" smtClean="0"/>
-              <a:t>17.05.2025</a:t>
+              <a:t>04.06.2025</a:t>
             </a:fld>
             <a:endParaRPr lang="ru-RU"/>
           </a:p>
@@ -5350,7 +5332,7 @@
           <a:p>
             <a:fld id="{4A7CD677-3FCC-47F5-94F7-0E9EAFA5A0B4}" type="datetimeFigureOut">
               <a:rPr lang="ru-RU" smtClean="0"/>
-              <a:t>17.05.2025</a:t>
+              <a:t>04.06.2025</a:t>
             </a:fld>
             <a:endParaRPr lang="ru-RU"/>
           </a:p>
@@ -5523,7 +5505,7 @@
           <a:p>
             <a:fld id="{4A7CD677-3FCC-47F5-94F7-0E9EAFA5A0B4}" type="datetimeFigureOut">
               <a:rPr lang="ru-RU" smtClean="0"/>
-              <a:t>17.05.2025</a:t>
+              <a:t>04.06.2025</a:t>
             </a:fld>
             <a:endParaRPr lang="ru-RU"/>
           </a:p>
@@ -5686,7 +5668,7 @@
           <a:p>
             <a:fld id="{4A7CD677-3FCC-47F5-94F7-0E9EAFA5A0B4}" type="datetimeFigureOut">
               <a:rPr lang="ru-RU" smtClean="0"/>
-              <a:t>17.05.2025</a:t>
+              <a:t>04.06.2025</a:t>
             </a:fld>
             <a:endParaRPr lang="ru-RU"/>
           </a:p>
@@ -5926,7 +5908,7 @@
           <a:p>
             <a:fld id="{4A7CD677-3FCC-47F5-94F7-0E9EAFA5A0B4}" type="datetimeFigureOut">
               <a:rPr lang="ru-RU" smtClean="0"/>
-              <a:t>17.05.2025</a:t>
+              <a:t>04.06.2025</a:t>
             </a:fld>
             <a:endParaRPr lang="ru-RU"/>
           </a:p>
@@ -6150,7 +6132,7 @@
           <a:p>
             <a:fld id="{4A7CD677-3FCC-47F5-94F7-0E9EAFA5A0B4}" type="datetimeFigureOut">
               <a:rPr lang="ru-RU" smtClean="0"/>
-              <a:t>17.05.2025</a:t>
+              <a:t>04.06.2025</a:t>
             </a:fld>
             <a:endParaRPr lang="ru-RU"/>
           </a:p>
@@ -6509,7 +6491,7 @@
           <a:p>
             <a:fld id="{4A7CD677-3FCC-47F5-94F7-0E9EAFA5A0B4}" type="datetimeFigureOut">
               <a:rPr lang="ru-RU" smtClean="0"/>
-              <a:t>17.05.2025</a:t>
+              <a:t>04.06.2025</a:t>
             </a:fld>
             <a:endParaRPr lang="ru-RU"/>
           </a:p>
@@ -6621,7 +6603,7 @@
           <a:p>
             <a:fld id="{4A7CD677-3FCC-47F5-94F7-0E9EAFA5A0B4}" type="datetimeFigureOut">
               <a:rPr lang="ru-RU" smtClean="0"/>
-              <a:t>17.05.2025</a:t>
+              <a:t>04.06.2025</a:t>
             </a:fld>
             <a:endParaRPr lang="ru-RU"/>
           </a:p>
@@ -6711,7 +6693,7 @@
           <a:p>
             <a:fld id="{4A7CD677-3FCC-47F5-94F7-0E9EAFA5A0B4}" type="datetimeFigureOut">
               <a:rPr lang="ru-RU" smtClean="0"/>
-              <a:t>17.05.2025</a:t>
+              <a:t>04.06.2025</a:t>
             </a:fld>
             <a:endParaRPr lang="ru-RU"/>
           </a:p>
@@ -6981,7 +6963,7 @@
           <a:p>
             <a:fld id="{4A7CD677-3FCC-47F5-94F7-0E9EAFA5A0B4}" type="datetimeFigureOut">
               <a:rPr lang="ru-RU" smtClean="0"/>
-              <a:t>17.05.2025</a:t>
+              <a:t>04.06.2025</a:t>
             </a:fld>
             <a:endParaRPr lang="ru-RU"/>
           </a:p>
@@ -7228,7 +7210,7 @@
           <a:p>
             <a:fld id="{4A7CD677-3FCC-47F5-94F7-0E9EAFA5A0B4}" type="datetimeFigureOut">
               <a:rPr lang="ru-RU" smtClean="0"/>
-              <a:t>17.05.2025</a:t>
+              <a:t>04.06.2025</a:t>
             </a:fld>
             <a:endParaRPr lang="ru-RU"/>
           </a:p>
@@ -7434,7 +7416,7 @@
           <a:p>
             <a:fld id="{4A7CD677-3FCC-47F5-94F7-0E9EAFA5A0B4}" type="datetimeFigureOut">
               <a:rPr lang="ru-RU" smtClean="0"/>
-              <a:t>17.05.2025</a:t>
+              <a:t>04.06.2025</a:t>
             </a:fld>
             <a:endParaRPr lang="ru-RU"/>
           </a:p>
@@ -8048,7 +8030,7 @@
                   <a:schemeClr val="bg1"/>
                 </a:solidFill>
               </a:rPr>
-              <a:t>Автоматизация процесса лог-менеджмента в проекте </a:t>
+              <a:t>Автоматизация процесса лог-менеджмента</a:t>
             </a:r>
             <a:r>
               <a:rPr lang="en-US" sz="3200" dirty="0">
@@ -8056,13 +8038,16 @@
                   <a:schemeClr val="bg1"/>
                 </a:solidFill>
               </a:rPr>
-              <a:t>SOC</a:t>
-            </a:r>
-            <a:endParaRPr lang="ru-RU" sz="3200" dirty="0">
-              <a:solidFill>
-                <a:schemeClr val="bg1"/>
-              </a:solidFill>
-            </a:endParaRPr>
+              <a:t> </a:t>
+            </a:r>
+            <a:r>
+              <a:rPr lang="ru-RU" sz="3200" dirty="0">
+                <a:solidFill>
+                  <a:schemeClr val="bg1"/>
+                </a:solidFill>
+              </a:rPr>
+              <a:t>в центре мониторинга информационной безопасности</a:t>
+            </a:r>
           </a:p>
         </p:txBody>
       </p:sp>
@@ -8340,10 +8325,10 @@
       </p:grpSpPr>
       <p:pic>
         <p:nvPicPr>
-          <p:cNvPr id="4" name="Рисунок 3">
+          <p:cNvPr id="17" name="Рисунок 16">
             <a:extLst>
               <a:ext uri="{FF2B5EF4-FFF2-40B4-BE49-F238E27FC236}">
-                <a16:creationId xmlns:a16="http://schemas.microsoft.com/office/drawing/2014/main" id="{E7136859-18AF-9C79-578E-0D53C270D23C}"/>
+                <a16:creationId xmlns:a16="http://schemas.microsoft.com/office/drawing/2014/main" id="{49A26989-D77D-BE4F-28DA-2E5D2B31EA32}"/>
               </a:ext>
             </a:extLst>
           </p:cNvPr>
@@ -8365,8 +8350,8 @@
         </p:blipFill>
         <p:spPr>
           <a:xfrm>
-            <a:off x="-164125" y="448474"/>
-            <a:ext cx="12184060" cy="6455043"/>
+            <a:off x="511893" y="673111"/>
+            <a:ext cx="11168214" cy="6184889"/>
           </a:xfrm>
           <a:prstGeom prst="rect">
             <a:avLst/>
@@ -8428,7 +8413,7 @@
         </p:nvSpPr>
         <p:spPr>
           <a:xfrm>
-            <a:off x="838200" y="-32210"/>
+            <a:off x="903595" y="79142"/>
             <a:ext cx="10515600" cy="738665"/>
           </a:xfrm>
         </p:spPr>
@@ -8710,8 +8695,8 @@
         </p:nvSpPr>
         <p:spPr>
           <a:xfrm>
-            <a:off x="4423316" y="2155348"/>
-            <a:ext cx="1672684" cy="509793"/>
+            <a:off x="4960619" y="2354580"/>
+            <a:ext cx="1463845" cy="459731"/>
           </a:xfrm>
           <a:prstGeom prst="rect">
             <a:avLst/>
@@ -8762,8 +8747,8 @@
         </p:nvSpPr>
         <p:spPr>
           <a:xfrm>
-            <a:off x="2189554" y="1110512"/>
-            <a:ext cx="1144662" cy="517566"/>
+            <a:off x="2779482" y="1361446"/>
+            <a:ext cx="946698" cy="464073"/>
           </a:xfrm>
           <a:prstGeom prst="rect">
             <a:avLst/>
@@ -8814,8 +8799,8 @@
         </p:nvSpPr>
         <p:spPr>
           <a:xfrm>
-            <a:off x="5694496" y="1110512"/>
-            <a:ext cx="2022148" cy="509793"/>
+            <a:off x="6262424" y="1315726"/>
+            <a:ext cx="1827570" cy="509793"/>
           </a:xfrm>
           <a:prstGeom prst="rect">
             <a:avLst/>
@@ -8866,8 +8851,8 @@
         </p:nvSpPr>
         <p:spPr>
           <a:xfrm>
-            <a:off x="5789186" y="543927"/>
-            <a:ext cx="1392200" cy="247810"/>
+            <a:off x="6262424" y="758141"/>
+            <a:ext cx="1312148" cy="247810"/>
           </a:xfrm>
           <a:prstGeom prst="rect">
             <a:avLst/>
@@ -8918,8 +8903,8 @@
         </p:nvSpPr>
         <p:spPr>
           <a:xfrm>
-            <a:off x="2206368" y="801254"/>
-            <a:ext cx="1144662" cy="338554"/>
+            <a:off x="2779482" y="1022892"/>
+            <a:ext cx="946698" cy="338554"/>
           </a:xfrm>
           <a:prstGeom prst="rect">
             <a:avLst/>
@@ -8957,8 +8942,8 @@
         </p:nvSpPr>
         <p:spPr>
           <a:xfrm>
-            <a:off x="7702869" y="1205096"/>
-            <a:ext cx="1144662" cy="338554"/>
+            <a:off x="7117080" y="1838647"/>
+            <a:ext cx="980345" cy="338554"/>
           </a:xfrm>
           <a:prstGeom prst="rect">
             <a:avLst/>
@@ -8996,7 +8981,7 @@
         </p:nvSpPr>
         <p:spPr>
           <a:xfrm>
-            <a:off x="7157354" y="498555"/>
+            <a:off x="7547314" y="712769"/>
             <a:ext cx="1144662" cy="338554"/>
           </a:xfrm>
           <a:prstGeom prst="rect">
@@ -9035,8 +9020,8 @@
         </p:nvSpPr>
         <p:spPr>
           <a:xfrm>
-            <a:off x="6036724" y="2226332"/>
-            <a:ext cx="1144662" cy="338554"/>
+            <a:off x="6424464" y="2399952"/>
+            <a:ext cx="921216" cy="338554"/>
           </a:xfrm>
           <a:prstGeom prst="rect">
             <a:avLst/>
@@ -9135,15 +9120,15 @@
       </p:grpSpPr>
       <p:pic>
         <p:nvPicPr>
-          <p:cNvPr id="4" name="Рисунок 3">
+          <p:cNvPr id="12" name="Рисунок 11">
             <a:extLst>
               <a:ext uri="{FF2B5EF4-FFF2-40B4-BE49-F238E27FC236}">
-                <a16:creationId xmlns:a16="http://schemas.microsoft.com/office/drawing/2014/main" id="{E7136859-18AF-9C79-578E-0D53C270D23C}"/>
+                <a16:creationId xmlns:a16="http://schemas.microsoft.com/office/drawing/2014/main" id="{F2F151DE-D342-DDF5-7C2F-DF31EACE124D}"/>
               </a:ext>
             </a:extLst>
           </p:cNvPr>
           <p:cNvPicPr>
-            <a:picLocks noGrp="1" noRot="1" noChangeAspect="1" noMove="1" noResize="1" noEditPoints="1" noAdjustHandles="1" noChangeArrowheads="1" noChangeShapeType="1" noCrop="1"/>
+            <a:picLocks noGrp="1" noRot="1" noMove="1" noResize="1" noEditPoints="1" noAdjustHandles="1" noChangeArrowheads="1" noChangeShapeType="1" noCrop="1"/>
           </p:cNvPicPr>
           <p:nvPr/>
         </p:nvPicPr>
@@ -9160,8 +9145,8 @@
         </p:blipFill>
         <p:spPr>
           <a:xfrm>
-            <a:off x="-164125" y="448474"/>
-            <a:ext cx="12184060" cy="6455043"/>
+            <a:off x="511893" y="673111"/>
+            <a:ext cx="11168214" cy="6184889"/>
           </a:xfrm>
           <a:prstGeom prst="rect">
             <a:avLst/>
@@ -9223,7 +9208,7 @@
         </p:nvSpPr>
         <p:spPr>
           <a:xfrm>
-            <a:off x="838200" y="-32210"/>
+            <a:off x="903595" y="84943"/>
             <a:ext cx="10515600" cy="738665"/>
           </a:xfrm>
         </p:spPr>
@@ -9505,8 +9490,8 @@
         </p:nvSpPr>
         <p:spPr>
           <a:xfrm>
-            <a:off x="3389971" y="4438184"/>
-            <a:ext cx="1460810" cy="654280"/>
+            <a:off x="4221487" y="4494567"/>
+            <a:ext cx="1036313" cy="614235"/>
           </a:xfrm>
           <a:prstGeom prst="rect">
             <a:avLst/>
@@ -9557,8 +9542,8 @@
         </p:nvSpPr>
         <p:spPr>
           <a:xfrm>
-            <a:off x="5092391" y="3429000"/>
-            <a:ext cx="1230350" cy="901276"/>
+            <a:off x="5639150" y="3607585"/>
+            <a:ext cx="1063677" cy="736345"/>
           </a:xfrm>
           <a:prstGeom prst="rect">
             <a:avLst/>
@@ -9609,8 +9594,8 @@
         </p:nvSpPr>
         <p:spPr>
           <a:xfrm>
-            <a:off x="6657278" y="4765324"/>
-            <a:ext cx="1851102" cy="419993"/>
+            <a:off x="7087266" y="4780564"/>
+            <a:ext cx="1672574" cy="461996"/>
           </a:xfrm>
           <a:prstGeom prst="rect">
             <a:avLst/>
@@ -9661,8 +9646,8 @@
         </p:nvSpPr>
         <p:spPr>
           <a:xfrm>
-            <a:off x="3241289" y="5403331"/>
-            <a:ext cx="1609492" cy="419993"/>
+            <a:off x="4010783" y="5446357"/>
+            <a:ext cx="1305328" cy="474384"/>
           </a:xfrm>
           <a:prstGeom prst="rect">
             <a:avLst/>
@@ -9713,8 +9698,8 @@
         </p:nvSpPr>
         <p:spPr>
           <a:xfrm>
-            <a:off x="5828370" y="2768665"/>
-            <a:ext cx="1319562" cy="565550"/>
+            <a:off x="6221806" y="2858959"/>
+            <a:ext cx="1227997" cy="565550"/>
           </a:xfrm>
           <a:prstGeom prst="rect">
             <a:avLst/>
@@ -9765,8 +9750,8 @@
         </p:nvSpPr>
         <p:spPr>
           <a:xfrm>
-            <a:off x="8746273" y="2452559"/>
-            <a:ext cx="1958898" cy="305243"/>
+            <a:off x="8877669" y="2612234"/>
+            <a:ext cx="1322773" cy="210211"/>
           </a:xfrm>
           <a:prstGeom prst="rect">
             <a:avLst/>
@@ -9817,8 +9802,8 @@
         </p:nvSpPr>
         <p:spPr>
           <a:xfrm>
-            <a:off x="3856675" y="4113474"/>
-            <a:ext cx="1144662" cy="338554"/>
+            <a:off x="4221487" y="4181343"/>
+            <a:ext cx="1063677" cy="338554"/>
           </a:xfrm>
           <a:prstGeom prst="rect">
             <a:avLst/>
@@ -9856,8 +9841,8 @@
         </p:nvSpPr>
         <p:spPr>
           <a:xfrm>
-            <a:off x="4783243" y="5431018"/>
-            <a:ext cx="1144662" cy="338554"/>
+            <a:off x="5300568" y="5487075"/>
+            <a:ext cx="867489" cy="338554"/>
           </a:xfrm>
           <a:prstGeom prst="rect">
             <a:avLst/>
@@ -9895,8 +9880,8 @@
         </p:nvSpPr>
         <p:spPr>
           <a:xfrm>
-            <a:off x="8508380" y="4806043"/>
-            <a:ext cx="1144662" cy="338554"/>
+            <a:off x="8759840" y="4821283"/>
+            <a:ext cx="891409" cy="338554"/>
           </a:xfrm>
           <a:prstGeom prst="rect">
             <a:avLst/>
@@ -9934,8 +9919,8 @@
         </p:nvSpPr>
         <p:spPr>
           <a:xfrm>
-            <a:off x="6322741" y="3688699"/>
-            <a:ext cx="1144662" cy="338554"/>
+            <a:off x="6702827" y="3791150"/>
+            <a:ext cx="889193" cy="338554"/>
           </a:xfrm>
           <a:prstGeom prst="rect">
             <a:avLst/>
@@ -9973,8 +9958,8 @@
         </p:nvSpPr>
         <p:spPr>
           <a:xfrm>
-            <a:off x="6003270" y="2419248"/>
-            <a:ext cx="1144662" cy="338554"/>
+            <a:off x="6364108" y="2528108"/>
+            <a:ext cx="887469" cy="338554"/>
           </a:xfrm>
           <a:prstGeom prst="rect">
             <a:avLst/>
@@ -10012,8 +9997,8 @@
         </p:nvSpPr>
         <p:spPr>
           <a:xfrm>
-            <a:off x="9616790" y="2103643"/>
-            <a:ext cx="1144662" cy="338554"/>
+            <a:off x="9539056" y="2286635"/>
+            <a:ext cx="814472" cy="338554"/>
           </a:xfrm>
           <a:prstGeom prst="rect">
             <a:avLst/>
@@ -10051,8 +10036,8 @@
         </p:nvSpPr>
         <p:spPr>
           <a:xfrm>
-            <a:off x="8849216" y="2939899"/>
-            <a:ext cx="1958898" cy="485804"/>
+            <a:off x="8983980" y="3071673"/>
+            <a:ext cx="1729740" cy="457349"/>
           </a:xfrm>
           <a:prstGeom prst="rect">
             <a:avLst/>
@@ -10103,7 +10088,7 @@
         </p:nvSpPr>
         <p:spPr>
           <a:xfrm>
-            <a:off x="9351940" y="3435696"/>
+            <a:off x="9219739" y="3498455"/>
             <a:ext cx="1144662" cy="338554"/>
           </a:xfrm>
           <a:prstGeom prst="rect">
@@ -10201,6 +10186,41 @@
           <a:chExt cx="0" cy="0"/>
         </a:xfrm>
       </p:grpSpPr>
+      <p:pic>
+        <p:nvPicPr>
+          <p:cNvPr id="14" name="Рисунок 13">
+            <a:extLst>
+              <a:ext uri="{FF2B5EF4-FFF2-40B4-BE49-F238E27FC236}">
+                <a16:creationId xmlns:a16="http://schemas.microsoft.com/office/drawing/2014/main" id="{10898D48-C9CC-7F0B-8159-6653C27CCE9B}"/>
+              </a:ext>
+            </a:extLst>
+          </p:cNvPr>
+          <p:cNvPicPr>
+            <a:picLocks noGrp="1" noRot="1" noMove="1" noResize="1" noEditPoints="1" noAdjustHandles="1" noChangeArrowheads="1" noChangeShapeType="1" noCrop="1"/>
+          </p:cNvPicPr>
+          <p:nvPr/>
+        </p:nvPicPr>
+        <p:blipFill>
+          <a:blip r:embed="rId3" cstate="print">
+            <a:extLst>
+              <a:ext uri="{28A0092B-C50C-407E-A947-70E740481C1C}">
+                <a14:useLocalDpi xmlns:a14="http://schemas.microsoft.com/office/drawing/2010/main" val="0"/>
+              </a:ext>
+            </a:extLst>
+          </a:blip>
+          <a:srcRect/>
+          <a:stretch/>
+        </p:blipFill>
+        <p:spPr>
+          <a:xfrm>
+            <a:off x="518217" y="676613"/>
+            <a:ext cx="11155566" cy="6177884"/>
+          </a:xfrm>
+          <a:prstGeom prst="rect">
+            <a:avLst/>
+          </a:prstGeom>
+        </p:spPr>
+      </p:pic>
       <p:sp>
         <p:nvSpPr>
           <p:cNvPr id="3" name="Прямоугольник 2"/>
@@ -10256,7 +10276,7 @@
         </p:nvSpPr>
         <p:spPr>
           <a:xfrm>
-            <a:off x="838200" y="-32210"/>
+            <a:off x="903595" y="79141"/>
             <a:ext cx="10515600" cy="738665"/>
           </a:xfrm>
         </p:spPr>
@@ -10411,13 +10431,13 @@
           <p:nvPr/>
         </p:nvPicPr>
         <p:blipFill>
-          <a:blip r:embed="rId3" cstate="print">
+          <a:blip r:embed="rId4" cstate="print">
             <a:extLst>
               <a:ext uri="{28A0092B-C50C-407E-A947-70E740481C1C}">
                 <a14:useLocalDpi xmlns:a14="http://schemas.microsoft.com/office/drawing/2010/main" val="0"/>
               </a:ext>
               <a:ext uri="{96DAC541-7B7A-43D3-8B79-37D633B846F1}">
-                <asvg:svgBlip xmlns:asvg="http://schemas.microsoft.com/office/drawing/2016/SVG/main" r:embed="rId4"/>
+                <asvg:svgBlip xmlns:asvg="http://schemas.microsoft.com/office/drawing/2016/SVG/main" r:embed="rId5"/>
               </a:ext>
             </a:extLst>
           </a:blip>
@@ -10524,41 +10544,6 @@
           </a:p>
         </p:txBody>
       </p:sp>
-      <p:pic>
-        <p:nvPicPr>
-          <p:cNvPr id="4" name="Рисунок 3">
-            <a:extLst>
-              <a:ext uri="{FF2B5EF4-FFF2-40B4-BE49-F238E27FC236}">
-                <a16:creationId xmlns:a16="http://schemas.microsoft.com/office/drawing/2014/main" id="{E7136859-18AF-9C79-578E-0D53C270D23C}"/>
-              </a:ext>
-            </a:extLst>
-          </p:cNvPr>
-          <p:cNvPicPr>
-            <a:picLocks noGrp="1" noRot="1" noChangeAspect="1" noMove="1" noResize="1" noEditPoints="1" noAdjustHandles="1" noChangeArrowheads="1" noChangeShapeType="1" noCrop="1"/>
-          </p:cNvPicPr>
-          <p:nvPr/>
-        </p:nvPicPr>
-        <p:blipFill>
-          <a:blip r:embed="rId5" cstate="print">
-            <a:extLst>
-              <a:ext uri="{28A0092B-C50C-407E-A947-70E740481C1C}">
-                <a14:useLocalDpi xmlns:a14="http://schemas.microsoft.com/office/drawing/2010/main" val="0"/>
-              </a:ext>
-            </a:extLst>
-          </a:blip>
-          <a:srcRect/>
-          <a:stretch/>
-        </p:blipFill>
-        <p:spPr>
-          <a:xfrm>
-            <a:off x="-164125" y="448474"/>
-            <a:ext cx="12184060" cy="6455043"/>
-          </a:xfrm>
-          <a:prstGeom prst="rect">
-            <a:avLst/>
-          </a:prstGeom>
-        </p:spPr>
-      </p:pic>
       <p:sp>
         <p:nvSpPr>
           <p:cNvPr id="5" name="Прямоугольник 4">
@@ -10573,8 +10558,8 @@
         </p:nvSpPr>
         <p:spPr>
           <a:xfrm>
-            <a:off x="1590848" y="4087888"/>
-            <a:ext cx="1408831" cy="509793"/>
+            <a:off x="2194560" y="4187681"/>
+            <a:ext cx="1272540" cy="414799"/>
           </a:xfrm>
           <a:prstGeom prst="rect">
             <a:avLst/>
@@ -10625,8 +10610,8 @@
         </p:nvSpPr>
         <p:spPr>
           <a:xfrm>
-            <a:off x="1163384" y="5495703"/>
-            <a:ext cx="1836295" cy="509793"/>
+            <a:off x="1752600" y="5495003"/>
+            <a:ext cx="1714500" cy="440978"/>
           </a:xfrm>
           <a:prstGeom prst="rect">
             <a:avLst/>
@@ -10677,8 +10662,8 @@
         </p:nvSpPr>
         <p:spPr>
           <a:xfrm>
-            <a:off x="-18584" y="4087887"/>
-            <a:ext cx="1122556" cy="551020"/>
+            <a:off x="689982" y="4146066"/>
+            <a:ext cx="1053093" cy="551020"/>
           </a:xfrm>
           <a:prstGeom prst="rect">
             <a:avLst/>
@@ -10729,7 +10714,7 @@
         </p:nvSpPr>
         <p:spPr>
           <a:xfrm>
-            <a:off x="18722" y="3460546"/>
+            <a:off x="-80338" y="4230166"/>
             <a:ext cx="1144662" cy="338554"/>
           </a:xfrm>
           <a:prstGeom prst="rect">
@@ -10768,8 +10753,8 @@
         </p:nvSpPr>
         <p:spPr>
           <a:xfrm>
-            <a:off x="1879412" y="4579575"/>
-            <a:ext cx="1144662" cy="338554"/>
+            <a:off x="2594988" y="4602130"/>
+            <a:ext cx="872112" cy="338554"/>
           </a:xfrm>
           <a:prstGeom prst="rect">
             <a:avLst/>
@@ -10807,8 +10792,8 @@
         </p:nvSpPr>
         <p:spPr>
           <a:xfrm>
-            <a:off x="2081531" y="6004795"/>
-            <a:ext cx="1144662" cy="338554"/>
+            <a:off x="2594988" y="5935981"/>
+            <a:ext cx="867409" cy="338554"/>
           </a:xfrm>
           <a:prstGeom prst="rect">
             <a:avLst/>
@@ -10960,7 +10945,7 @@
         </p:nvSpPr>
         <p:spPr>
           <a:xfrm>
-            <a:off x="838200" y="-32210"/>
+            <a:off x="903595" y="79141"/>
             <a:ext cx="10515600" cy="738665"/>
           </a:xfrm>
         </p:spPr>
@@ -11230,20 +11215,18 @@
       </p:sp>
       <p:pic>
         <p:nvPicPr>
-          <p:cNvPr id="4" name="Рисунок 3">
+          <p:cNvPr id="10" name="Рисунок 9">
             <a:extLst>
               <a:ext uri="{FF2B5EF4-FFF2-40B4-BE49-F238E27FC236}">
-                <a16:creationId xmlns:a16="http://schemas.microsoft.com/office/drawing/2014/main" id="{E7136859-18AF-9C79-578E-0D53C270D23C}"/>
+                <a16:creationId xmlns:a16="http://schemas.microsoft.com/office/drawing/2014/main" id="{BEB43646-2E56-2381-645D-7DBEDFFAE88B}"/>
               </a:ext>
             </a:extLst>
           </p:cNvPr>
-          <p:cNvPicPr>
-            <a:picLocks noGrp="1" noRot="1" noChangeAspect="1" noMove="1" noResize="1" noEditPoints="1" noAdjustHandles="1" noChangeArrowheads="1" noChangeShapeType="1" noCrop="1"/>
-          </p:cNvPicPr>
+          <p:cNvPicPr/>
           <p:nvPr/>
         </p:nvPicPr>
         <p:blipFill>
-          <a:blip r:embed="rId5">
+          <a:blip r:embed="rId5" cstate="print">
             <a:extLst>
               <a:ext uri="{28A0092B-C50C-407E-A947-70E740481C1C}">
                 <a14:useLocalDpi xmlns:a14="http://schemas.microsoft.com/office/drawing/2010/main" val="0"/>
@@ -11255,8 +11238,8 @@
         </p:blipFill>
         <p:spPr>
           <a:xfrm>
-            <a:off x="-164125" y="451700"/>
-            <a:ext cx="12184060" cy="6448592"/>
+            <a:off x="518217" y="676613"/>
+            <a:ext cx="11155566" cy="6177884"/>
           </a:xfrm>
           <a:prstGeom prst="rect">
             <a:avLst/>
@@ -11601,7 +11584,7 @@
         </p:nvSpPr>
         <p:spPr bwMode="auto">
           <a:xfrm>
-            <a:off x="947738" y="800100"/>
+            <a:off x="903595" y="1094582"/>
             <a:ext cx="10656887" cy="5034116"/>
           </a:xfrm>
         </p:spPr>
@@ -11612,22 +11595,19 @@
           <a:lstStyle/>
           <a:p>
             <a:pPr marL="0" indent="0">
+              <a:lnSpc>
+                <a:spcPct val="150000"/>
+              </a:lnSpc>
               <a:buNone/>
               <a:defRPr/>
             </a:pPr>
             <a:r>
               <a:rPr lang="ru-RU" sz="3000" b="1" dirty="0"/>
-              <a:t>Цель</a:t>
-            </a:r>
-          </a:p>
-          <a:p>
-            <a:pPr marL="0" indent="0">
-              <a:buNone/>
-              <a:defRPr/>
-            </a:pPr>
+              <a:t>Цель: </a:t>
+            </a:r>
             <a:r>
               <a:rPr lang="ru-RU" sz="3000" dirty="0"/>
-              <a:t>Оптимизировать процесс настройки сбора логов для </a:t>
+              <a:t>оптимизировать процесс настройки сбора логов для </a:t>
             </a:r>
             <a:r>
               <a:rPr lang="en-US" sz="3000" dirty="0"/>
@@ -11639,14 +11619,14 @@
             </a:r>
             <a:r>
               <a:rPr lang="ru-RU" sz="3000" b="1" dirty="0"/>
-              <a:t>Задачи</a:t>
+              <a:t>Задачи:</a:t>
             </a:r>
             <a:endParaRPr sz="3000" dirty="0"/>
           </a:p>
           <a:p>
             <a:pPr marL="514350" indent="-338455">
               <a:lnSpc>
-                <a:spcPct val="110000"/>
+                <a:spcPct val="100000"/>
               </a:lnSpc>
               <a:spcBef>
                 <a:spcPts val="1200"/>
@@ -11663,7 +11643,7 @@
           <a:p>
             <a:pPr marL="514350" indent="-338455">
               <a:lnSpc>
-                <a:spcPct val="110000"/>
+                <a:spcPct val="100000"/>
               </a:lnSpc>
               <a:spcBef>
                 <a:spcPts val="1200"/>
@@ -11680,7 +11660,7 @@
           <a:p>
             <a:pPr marL="514350" indent="-338455">
               <a:lnSpc>
-                <a:spcPct val="110000"/>
+                <a:spcPct val="100000"/>
               </a:lnSpc>
               <a:spcBef>
                 <a:spcPts val="1200"/>
@@ -11692,6 +11672,39 @@
             <a:r>
               <a:rPr lang="ru-RU" dirty="0"/>
               <a:t>Внедрить разработанное решение и провести оценку его эффективности.</a:t>
+            </a:r>
+          </a:p>
+        </p:txBody>
+      </p:sp>
+      <p:sp>
+        <p:nvSpPr>
+          <p:cNvPr id="4" name="Title 7">
+            <a:extLst>
+              <a:ext uri="{FF2B5EF4-FFF2-40B4-BE49-F238E27FC236}">
+                <a16:creationId xmlns:a16="http://schemas.microsoft.com/office/drawing/2014/main" id="{29D4A382-7707-9FEC-EAED-E62A843D3239}"/>
+              </a:ext>
+            </a:extLst>
+          </p:cNvPr>
+          <p:cNvSpPr>
+            <a:spLocks noGrp="1"/>
+          </p:cNvSpPr>
+          <p:nvPr>
+            <p:ph type="title"/>
+          </p:nvPr>
+        </p:nvSpPr>
+        <p:spPr>
+          <a:xfrm>
+            <a:off x="903595" y="79141"/>
+            <a:ext cx="10515600" cy="738665"/>
+          </a:xfrm>
+        </p:spPr>
+        <p:txBody>
+          <a:bodyPr/>
+          <a:lstStyle/>
+          <a:p>
+            <a:r>
+              <a:rPr lang="ru-RU" dirty="0"/>
+              <a:t>Цель и задачи</a:t>
             </a:r>
           </a:p>
         </p:txBody>
@@ -11721,6 +11734,41 @@
           <a:chExt cx="0" cy="0"/>
         </a:xfrm>
       </p:grpSpPr>
+      <p:pic>
+        <p:nvPicPr>
+          <p:cNvPr id="10" name="Рисунок 9">
+            <a:extLst>
+              <a:ext uri="{FF2B5EF4-FFF2-40B4-BE49-F238E27FC236}">
+                <a16:creationId xmlns:a16="http://schemas.microsoft.com/office/drawing/2014/main" id="{882B7D07-B554-76D1-B1D8-CECA8B8C00A6}"/>
+              </a:ext>
+            </a:extLst>
+          </p:cNvPr>
+          <p:cNvPicPr>
+            <a:picLocks noGrp="1" noRot="1" noMove="1" noResize="1" noEditPoints="1" noAdjustHandles="1" noChangeArrowheads="1" noChangeShapeType="1" noCrop="1"/>
+          </p:cNvPicPr>
+          <p:nvPr/>
+        </p:nvPicPr>
+        <p:blipFill>
+          <a:blip r:embed="rId3" cstate="print">
+            <a:extLst>
+              <a:ext uri="{28A0092B-C50C-407E-A947-70E740481C1C}">
+                <a14:useLocalDpi xmlns:a14="http://schemas.microsoft.com/office/drawing/2010/main" val="0"/>
+              </a:ext>
+            </a:extLst>
+          </a:blip>
+          <a:srcRect/>
+          <a:stretch/>
+        </p:blipFill>
+        <p:spPr>
+          <a:xfrm>
+            <a:off x="518217" y="676613"/>
+            <a:ext cx="11155566" cy="6177884"/>
+          </a:xfrm>
+          <a:prstGeom prst="rect">
+            <a:avLst/>
+          </a:prstGeom>
+        </p:spPr>
+      </p:pic>
       <p:sp>
         <p:nvSpPr>
           <p:cNvPr id="3" name="Прямоугольник 2"/>
@@ -11776,7 +11824,7 @@
         </p:nvSpPr>
         <p:spPr>
           <a:xfrm>
-            <a:off x="838200" y="-32210"/>
+            <a:off x="903595" y="79141"/>
             <a:ext cx="10515600" cy="738665"/>
           </a:xfrm>
         </p:spPr>
@@ -11931,13 +11979,13 @@
           <p:nvPr/>
         </p:nvPicPr>
         <p:blipFill>
-          <a:blip r:embed="rId3" cstate="print">
+          <a:blip r:embed="rId4" cstate="print">
             <a:extLst>
               <a:ext uri="{28A0092B-C50C-407E-A947-70E740481C1C}">
                 <a14:useLocalDpi xmlns:a14="http://schemas.microsoft.com/office/drawing/2010/main" val="0"/>
               </a:ext>
               <a:ext uri="{96DAC541-7B7A-43D3-8B79-37D633B846F1}">
-                <asvg:svgBlip xmlns:asvg="http://schemas.microsoft.com/office/drawing/2016/SVG/main" r:embed="rId4"/>
+                <asvg:svgBlip xmlns:asvg="http://schemas.microsoft.com/office/drawing/2016/SVG/main" r:embed="rId5"/>
               </a:ext>
             </a:extLst>
           </a:blip>
@@ -12044,41 +12092,6 @@
           </a:p>
         </p:txBody>
       </p:sp>
-      <p:pic>
-        <p:nvPicPr>
-          <p:cNvPr id="4" name="Рисунок 3">
-            <a:extLst>
-              <a:ext uri="{FF2B5EF4-FFF2-40B4-BE49-F238E27FC236}">
-                <a16:creationId xmlns:a16="http://schemas.microsoft.com/office/drawing/2014/main" id="{E7136859-18AF-9C79-578E-0D53C270D23C}"/>
-              </a:ext>
-            </a:extLst>
-          </p:cNvPr>
-          <p:cNvPicPr>
-            <a:picLocks noGrp="1" noRot="1" noChangeAspect="1" noMove="1" noResize="1" noEditPoints="1" noAdjustHandles="1" noChangeArrowheads="1" noChangeShapeType="1" noCrop="1"/>
-          </p:cNvPicPr>
-          <p:nvPr/>
-        </p:nvPicPr>
-        <p:blipFill>
-          <a:blip r:embed="rId5">
-            <a:extLst>
-              <a:ext uri="{28A0092B-C50C-407E-A947-70E740481C1C}">
-                <a14:useLocalDpi xmlns:a14="http://schemas.microsoft.com/office/drawing/2010/main" val="0"/>
-              </a:ext>
-            </a:extLst>
-          </a:blip>
-          <a:srcRect/>
-          <a:stretch/>
-        </p:blipFill>
-        <p:spPr>
-          <a:xfrm>
-            <a:off x="-164125" y="451700"/>
-            <a:ext cx="12184060" cy="6448592"/>
-          </a:xfrm>
-          <a:prstGeom prst="rect">
-            <a:avLst/>
-          </a:prstGeom>
-        </p:spPr>
-      </p:pic>
       <p:sp>
         <p:nvSpPr>
           <p:cNvPr id="11" name="Прямоугольник 10">
@@ -12093,8 +12106,8 @@
         </p:nvSpPr>
         <p:spPr>
           <a:xfrm>
-            <a:off x="4423316" y="2155348"/>
-            <a:ext cx="1672684" cy="509793"/>
+            <a:off x="4950366" y="2403835"/>
+            <a:ext cx="1437734" cy="377465"/>
           </a:xfrm>
           <a:prstGeom prst="rect">
             <a:avLst/>
@@ -12145,8 +12158,8 @@
         </p:nvSpPr>
         <p:spPr>
           <a:xfrm>
-            <a:off x="2189554" y="1110512"/>
-            <a:ext cx="1144662" cy="517566"/>
+            <a:off x="2773754" y="1377212"/>
+            <a:ext cx="960046" cy="438888"/>
           </a:xfrm>
           <a:prstGeom prst="rect">
             <a:avLst/>
@@ -12197,7 +12210,7 @@
         </p:nvSpPr>
         <p:spPr>
           <a:xfrm>
-            <a:off x="5789186" y="543927"/>
+            <a:off x="6161395" y="751981"/>
             <a:ext cx="1392200" cy="247810"/>
           </a:xfrm>
           <a:prstGeom prst="rect">
@@ -12249,8 +12262,8 @@
         </p:nvSpPr>
         <p:spPr>
           <a:xfrm>
-            <a:off x="3389971" y="4438184"/>
-            <a:ext cx="1460810" cy="654280"/>
+            <a:off x="4229099" y="4450315"/>
+            <a:ext cx="1040781" cy="654280"/>
           </a:xfrm>
           <a:prstGeom prst="rect">
             <a:avLst/>
@@ -12301,8 +12314,8 @@
         </p:nvSpPr>
         <p:spPr>
           <a:xfrm>
-            <a:off x="5092391" y="3429000"/>
-            <a:ext cx="1230350" cy="901276"/>
+            <a:off x="5635432" y="3627923"/>
+            <a:ext cx="1089218" cy="709127"/>
           </a:xfrm>
           <a:prstGeom prst="rect">
             <a:avLst/>
@@ -12353,8 +12366,8 @@
         </p:nvSpPr>
         <p:spPr>
           <a:xfrm>
-            <a:off x="3241289" y="5403331"/>
-            <a:ext cx="1609492" cy="419993"/>
+            <a:off x="4032249" y="5416031"/>
+            <a:ext cx="1243981" cy="419993"/>
           </a:xfrm>
           <a:prstGeom prst="rect">
             <a:avLst/>
@@ -12405,8 +12418,8 @@
         </p:nvSpPr>
         <p:spPr>
           <a:xfrm>
-            <a:off x="5828370" y="2768665"/>
-            <a:ext cx="1319562" cy="565550"/>
+            <a:off x="6250607" y="2863849"/>
+            <a:ext cx="1230350" cy="561647"/>
           </a:xfrm>
           <a:prstGeom prst="rect">
             <a:avLst/>
@@ -12457,8 +12470,8 @@
         </p:nvSpPr>
         <p:spPr>
           <a:xfrm>
-            <a:off x="8746273" y="2452558"/>
-            <a:ext cx="1672684" cy="316107"/>
+            <a:off x="8873273" y="2616200"/>
+            <a:ext cx="1305777" cy="196915"/>
           </a:xfrm>
           <a:prstGeom prst="rect">
             <a:avLst/>
@@ -12509,8 +12522,8 @@
         </p:nvSpPr>
         <p:spPr>
           <a:xfrm>
-            <a:off x="-18584" y="4087887"/>
-            <a:ext cx="1122556" cy="551020"/>
+            <a:off x="686299" y="4129714"/>
+            <a:ext cx="1075242" cy="551020"/>
           </a:xfrm>
           <a:prstGeom prst="rect">
             <a:avLst/>
@@ -12847,8 +12860,8 @@
         </p:nvSpPr>
         <p:spPr>
           <a:xfrm>
-            <a:off x="1584171" y="4139096"/>
-            <a:ext cx="1325601" cy="448602"/>
+            <a:off x="2209800" y="4210050"/>
+            <a:ext cx="1265122" cy="390348"/>
           </a:xfrm>
           <a:prstGeom prst="rect">
             <a:avLst/>
@@ -12925,7 +12938,12 @@
             <p:ph idx="1"/>
           </p:nvPr>
         </p:nvSpPr>
-        <p:spPr/>
+        <p:spPr>
+          <a:xfrm>
+            <a:off x="838200" y="1697248"/>
+            <a:ext cx="10515600" cy="4351338"/>
+          </a:xfrm>
+        </p:spPr>
         <p:txBody>
           <a:bodyPr>
             <a:normAutofit/>
@@ -12933,33 +12951,33 @@
           <a:lstStyle/>
           <a:p>
             <a:r>
-              <a:rPr lang="ru-RU" dirty="0"/>
+              <a:rPr lang="ru-RU" sz="3000" dirty="0"/>
               <a:t>Централизованное управление конфигурацией коллекторов и топиков с возможностью применения изменений с локальных машин.</a:t>
             </a:r>
           </a:p>
           <a:p>
             <a:r>
-              <a:rPr lang="ru-RU" dirty="0"/>
+              <a:rPr lang="ru-RU" sz="3000" dirty="0"/>
               <a:t>Скорость подготовки коллектора:</a:t>
             </a:r>
           </a:p>
           <a:p>
             <a:pPr lvl="1"/>
             <a:r>
-              <a:rPr lang="ru-RU" dirty="0"/>
+              <a:rPr lang="ru-RU" sz="3000" dirty="0"/>
               <a:t>полный цикл ≤ 2 ч; ручные действия ≤ 10 мин</a:t>
             </a:r>
           </a:p>
           <a:p>
             <a:r>
-              <a:rPr lang="ru-RU" dirty="0"/>
+              <a:rPr lang="ru-RU" sz="3000" dirty="0"/>
               <a:t>Скорость подготовки топика:</a:t>
             </a:r>
           </a:p>
           <a:p>
             <a:pPr lvl="1"/>
             <a:r>
-              <a:rPr lang="ru-RU" dirty="0"/>
+              <a:rPr lang="ru-RU" sz="3000" dirty="0"/>
               <a:t>полный цикл ≤ 2 ч; ручные действия ≤ 10 мин</a:t>
             </a:r>
           </a:p>
@@ -13277,8 +13295,8 @@
         </p:nvSpPr>
         <p:spPr>
           <a:xfrm>
-            <a:off x="838199" y="630572"/>
-            <a:ext cx="7800445" cy="1325563"/>
+            <a:off x="903595" y="38182"/>
+            <a:ext cx="7800445" cy="820584"/>
           </a:xfrm>
           <a:prstGeom prst="rect">
             <a:avLst/>
@@ -13366,8 +13384,8 @@
         </p:blipFill>
         <p:spPr bwMode="auto">
           <a:xfrm>
-            <a:off x="0" y="1690688"/>
-            <a:ext cx="12176308" cy="4205219"/>
+            <a:off x="0" y="1831908"/>
+            <a:ext cx="12176308" cy="3922779"/>
           </a:xfrm>
           <a:prstGeom prst="rect">
             <a:avLst/>
@@ -13720,8 +13738,8 @@
         </p:nvSpPr>
         <p:spPr>
           <a:xfrm>
-            <a:off x="838199" y="630572"/>
-            <a:ext cx="7800445" cy="1325563"/>
+            <a:off x="903595" y="29233"/>
+            <a:ext cx="7800445" cy="838481"/>
           </a:xfrm>
           <a:prstGeom prst="rect">
             <a:avLst/>
@@ -14297,8 +14315,8 @@
         </p:nvSpPr>
         <p:spPr>
           <a:xfrm>
-            <a:off x="838199" y="630572"/>
-            <a:ext cx="8927238" cy="1325563"/>
+            <a:off x="903595" y="79141"/>
+            <a:ext cx="8927238" cy="738665"/>
           </a:xfrm>
           <a:prstGeom prst="rect">
             <a:avLst/>
@@ -14386,8 +14404,8 @@
         </p:blipFill>
         <p:spPr bwMode="auto">
           <a:xfrm>
-            <a:off x="0" y="1698544"/>
-            <a:ext cx="12192000" cy="3912123"/>
+            <a:off x="24385" y="1698544"/>
+            <a:ext cx="12143229" cy="3912123"/>
           </a:xfrm>
           <a:prstGeom prst="rect">
             <a:avLst/>
@@ -14740,8 +14758,8 @@
         </p:nvSpPr>
         <p:spPr>
           <a:xfrm>
-            <a:off x="838199" y="630572"/>
-            <a:ext cx="7800445" cy="1325563"/>
+            <a:off x="903595" y="101722"/>
+            <a:ext cx="7800445" cy="693503"/>
           </a:xfrm>
           <a:prstGeom prst="rect">
             <a:avLst/>
@@ -14863,8 +14881,8 @@
         </p:nvSpPr>
         <p:spPr>
           <a:xfrm>
-            <a:off x="838200" y="630572"/>
-            <a:ext cx="10515600" cy="1325563"/>
+            <a:off x="903595" y="79142"/>
+            <a:ext cx="10515600" cy="738664"/>
           </a:xfrm>
         </p:spPr>
         <p:txBody>
@@ -15144,7 +15162,7 @@
         </p:nvSpPr>
         <p:spPr>
           <a:xfrm>
-            <a:off x="838200" y="1933065"/>
+            <a:off x="838200" y="1656288"/>
             <a:ext cx="10515600" cy="4243898"/>
           </a:xfrm>
         </p:spPr>
@@ -15158,58 +15176,58 @@
               <a:buNone/>
             </a:pPr>
             <a:r>
-              <a:rPr lang="ru-RU" b="1" dirty="0"/>
+              <a:rPr lang="ru-RU" sz="3000" b="1" dirty="0"/>
               <a:t>Лог (событие)</a:t>
             </a:r>
             <a:r>
-              <a:rPr lang="en-US" b="1" dirty="0"/>
+              <a:rPr lang="en-US" sz="3000" b="1" dirty="0"/>
               <a:t> </a:t>
             </a:r>
             <a:r>
-              <a:rPr lang="ru-RU" dirty="0"/>
+              <a:rPr lang="ru-RU" sz="3000" dirty="0"/>
               <a:t>—</a:t>
             </a:r>
             <a:r>
-              <a:rPr lang="en-US" dirty="0"/>
+              <a:rPr lang="en-US" sz="3000" dirty="0"/>
               <a:t> </a:t>
             </a:r>
             <a:r>
-              <a:rPr lang="ru-RU" dirty="0"/>
+              <a:rPr lang="ru-RU" sz="3000" dirty="0"/>
               <a:t>запись о любой значимой активности в информационной системе, фиксируемая источником (сервером, сетевым устройством, приложением и т. д.).</a:t>
             </a:r>
-            <a:endParaRPr lang="en-US" dirty="0"/>
+            <a:endParaRPr lang="en-US" sz="3000" dirty="0"/>
           </a:p>
           <a:p>
             <a:pPr marL="0" indent="0">
               <a:buNone/>
             </a:pPr>
-            <a:endParaRPr lang="ru-RU" dirty="0"/>
+            <a:endParaRPr lang="ru-RU" sz="3000" dirty="0"/>
           </a:p>
           <a:p>
             <a:pPr marL="0" indent="0">
               <a:buNone/>
             </a:pPr>
             <a:r>
-              <a:rPr lang="en-US" dirty="0"/>
+              <a:rPr lang="en-US" sz="3000" dirty="0"/>
               <a:t>Security Operations Center </a:t>
             </a:r>
             <a:r>
-              <a:rPr lang="ru-RU" dirty="0"/>
+              <a:rPr lang="ru-RU" sz="3000" dirty="0"/>
               <a:t>(</a:t>
             </a:r>
             <a:r>
-              <a:rPr lang="en-US" b="1" dirty="0"/>
+              <a:rPr lang="en-US" sz="3000" b="1" dirty="0"/>
               <a:t>SOC</a:t>
             </a:r>
             <a:r>
-              <a:rPr lang="en-US" dirty="0"/>
+              <a:rPr lang="en-US" sz="3000" dirty="0"/>
               <a:t>)</a:t>
             </a:r>
             <a:r>
-              <a:rPr lang="ru-RU" dirty="0"/>
+              <a:rPr lang="ru-RU" sz="3000" dirty="0"/>
               <a:t> — центр реагирования на инциденты информационной безопасности </a:t>
             </a:r>
-            <a:endParaRPr lang="en-US" dirty="0"/>
+            <a:endParaRPr lang="en-US" sz="3000" dirty="0"/>
           </a:p>
         </p:txBody>
       </p:sp>
@@ -15265,8 +15283,8 @@
         </p:blipFill>
         <p:spPr bwMode="auto">
           <a:xfrm>
-            <a:off x="1367809" y="2253448"/>
-            <a:ext cx="9456382" cy="3259585"/>
+            <a:off x="903595" y="1933065"/>
+            <a:ext cx="10385845" cy="3579968"/>
           </a:xfrm>
           <a:prstGeom prst="rect">
             <a:avLst/>
@@ -15619,8 +15637,8 @@
         </p:nvSpPr>
         <p:spPr>
           <a:xfrm>
-            <a:off x="838199" y="630572"/>
-            <a:ext cx="7800445" cy="1325563"/>
+            <a:off x="903595" y="91276"/>
+            <a:ext cx="7800445" cy="714395"/>
           </a:xfrm>
           <a:prstGeom prst="rect">
             <a:avLst/>
@@ -16029,8 +16047,8 @@
         </p:nvSpPr>
         <p:spPr>
           <a:xfrm>
-            <a:off x="838199" y="941290"/>
-            <a:ext cx="4476537" cy="1325563"/>
+            <a:off x="903595" y="79142"/>
+            <a:ext cx="4405595" cy="1389911"/>
           </a:xfrm>
           <a:prstGeom prst="rect">
             <a:avLst/>
@@ -16062,7 +16080,14 @@
           <a:p>
             <a:r>
               <a:rPr lang="ru-RU" dirty="0"/>
-              <a:t>Конфигурация балансировщика</a:t>
+              <a:t>Конфигурация </a:t>
+            </a:r>
+            <a:br>
+              <a:rPr lang="ru-RU" dirty="0"/>
+            </a:br>
+            <a:r>
+              <a:rPr lang="ru-RU" dirty="0"/>
+              <a:t>балансировщика</a:t>
             </a:r>
           </a:p>
         </p:txBody>
@@ -16097,6 +16122,67 @@
           <a:chExt cx="0" cy="0"/>
         </a:xfrm>
       </p:grpSpPr>
+      <p:sp>
+        <p:nvSpPr>
+          <p:cNvPr id="6" name="Title 7">
+            <a:extLst>
+              <a:ext uri="{FF2B5EF4-FFF2-40B4-BE49-F238E27FC236}">
+                <a16:creationId xmlns:a16="http://schemas.microsoft.com/office/drawing/2014/main" id="{AF448C3D-4DAA-26F6-E9E7-8CE52DE857F8}"/>
+              </a:ext>
+            </a:extLst>
+          </p:cNvPr>
+          <p:cNvSpPr txBox="1">
+            <a:spLocks/>
+          </p:cNvSpPr>
+          <p:nvPr/>
+        </p:nvSpPr>
+        <p:spPr>
+          <a:xfrm>
+            <a:off x="903595" y="79142"/>
+            <a:ext cx="4405595" cy="1389911"/>
+          </a:xfrm>
+          <a:prstGeom prst="rect">
+            <a:avLst/>
+          </a:prstGeom>
+        </p:spPr>
+        <p:txBody>
+          <a:bodyPr vert="horz" lIns="91440" tIns="45720" rIns="91440" bIns="45720" rtlCol="0" anchor="ctr">
+            <a:noAutofit/>
+          </a:bodyPr>
+          <a:lstStyle>
+            <a:lvl1pPr algn="l" defTabSz="914400" rtl="0" eaLnBrk="1" latinLnBrk="0" hangingPunct="1">
+              <a:lnSpc>
+                <a:spcPct val="90000"/>
+              </a:lnSpc>
+              <a:spcBef>
+                <a:spcPct val="0"/>
+              </a:spcBef>
+              <a:buNone/>
+              <a:defRPr sz="4400" kern="1200">
+                <a:solidFill>
+                  <a:schemeClr val="tx1"/>
+                </a:solidFill>
+                <a:latin typeface="+mj-lt"/>
+                <a:ea typeface="+mj-ea"/>
+                <a:cs typeface="+mj-cs"/>
+              </a:defRPr>
+            </a:lvl1pPr>
+          </a:lstStyle>
+          <a:p>
+            <a:r>
+              <a:rPr lang="ru-RU" dirty="0"/>
+              <a:t>Конфигурация </a:t>
+            </a:r>
+            <a:br>
+              <a:rPr lang="ru-RU" dirty="0"/>
+            </a:br>
+            <a:r>
+              <a:rPr lang="ru-RU" dirty="0"/>
+              <a:t>балансировщика</a:t>
+            </a:r>
+          </a:p>
+        </p:txBody>
+      </p:sp>
       <p:pic>
         <p:nvPicPr>
           <p:cNvPr id="3" name="Рисунок 2">
@@ -16402,60 +16488,6 @@
           <a:p>
             <a:pPr algn="ctr"/>
             <a:endParaRPr lang="ru-RU" dirty="0"/>
-          </a:p>
-        </p:txBody>
-      </p:sp>
-      <p:sp>
-        <p:nvSpPr>
-          <p:cNvPr id="8" name="Title 7">
-            <a:extLst>
-              <a:ext uri="{FF2B5EF4-FFF2-40B4-BE49-F238E27FC236}">
-                <a16:creationId xmlns:a16="http://schemas.microsoft.com/office/drawing/2014/main" id="{8745E81F-A378-D019-685D-A213509D62B0}"/>
-              </a:ext>
-            </a:extLst>
-          </p:cNvPr>
-          <p:cNvSpPr txBox="1">
-            <a:spLocks/>
-          </p:cNvSpPr>
-          <p:nvPr/>
-        </p:nvSpPr>
-        <p:spPr>
-          <a:xfrm>
-            <a:off x="838199" y="941290"/>
-            <a:ext cx="4476537" cy="1325563"/>
-          </a:xfrm>
-          <a:prstGeom prst="rect">
-            <a:avLst/>
-          </a:prstGeom>
-        </p:spPr>
-        <p:txBody>
-          <a:bodyPr vert="horz" lIns="91440" tIns="45720" rIns="91440" bIns="45720" rtlCol="0" anchor="ctr">
-            <a:noAutofit/>
-          </a:bodyPr>
-          <a:lstStyle>
-            <a:lvl1pPr algn="l" defTabSz="914400" rtl="0" eaLnBrk="1" latinLnBrk="0" hangingPunct="1">
-              <a:lnSpc>
-                <a:spcPct val="90000"/>
-              </a:lnSpc>
-              <a:spcBef>
-                <a:spcPct val="0"/>
-              </a:spcBef>
-              <a:buNone/>
-              <a:defRPr sz="4400" kern="1200">
-                <a:solidFill>
-                  <a:schemeClr val="tx1"/>
-                </a:solidFill>
-                <a:latin typeface="+mj-lt"/>
-                <a:ea typeface="+mj-ea"/>
-                <a:cs typeface="+mj-cs"/>
-              </a:defRPr>
-            </a:lvl1pPr>
-          </a:lstStyle>
-          <a:p>
-            <a:r>
-              <a:rPr lang="ru-RU" dirty="0"/>
-              <a:t>Конфигурация балансировщика</a:t>
-            </a:r>
           </a:p>
         </p:txBody>
       </p:sp>
@@ -16726,8 +16758,8 @@
         </p:nvSpPr>
         <p:spPr>
           <a:xfrm>
-            <a:off x="838199" y="630572"/>
-            <a:ext cx="7800445" cy="1325563"/>
+            <a:off x="903595" y="80180"/>
+            <a:ext cx="7800445" cy="736588"/>
           </a:xfrm>
           <a:prstGeom prst="rect">
             <a:avLst/>
@@ -16796,33 +16828,6 @@
       </p:grpSpPr>
       <p:sp>
         <p:nvSpPr>
-          <p:cNvPr id="2" name="Заголовок 1"/>
-          <p:cNvSpPr>
-            <a:spLocks noGrp="1"/>
-          </p:cNvSpPr>
-          <p:nvPr>
-            <p:ph type="title"/>
-          </p:nvPr>
-        </p:nvSpPr>
-        <p:spPr>
-          <a:xfrm>
-            <a:off x="838200" y="952776"/>
-            <a:ext cx="5257800" cy="1325563"/>
-          </a:xfrm>
-        </p:spPr>
-        <p:txBody>
-          <a:bodyPr/>
-          <a:lstStyle/>
-          <a:p>
-            <a:r>
-              <a:rPr lang="ru-RU" dirty="0"/>
-              <a:t>Конфигурация балансировщика</a:t>
-            </a:r>
-          </a:p>
-        </p:txBody>
-      </p:sp>
-      <p:sp>
-        <p:nvSpPr>
           <p:cNvPr id="4" name="Прямоугольник 3"/>
           <p:cNvSpPr/>
           <p:nvPr/>
@@ -17404,6 +17409,67 @@
           <a:p>
             <a:pPr algn="ctr"/>
             <a:endParaRPr lang="ru-RU" dirty="0"/>
+          </a:p>
+        </p:txBody>
+      </p:sp>
+      <p:sp>
+        <p:nvSpPr>
+          <p:cNvPr id="3" name="Title 7">
+            <a:extLst>
+              <a:ext uri="{FF2B5EF4-FFF2-40B4-BE49-F238E27FC236}">
+                <a16:creationId xmlns:a16="http://schemas.microsoft.com/office/drawing/2014/main" id="{43F07CB0-46AC-60F8-79D4-081A2657D326}"/>
+              </a:ext>
+            </a:extLst>
+          </p:cNvPr>
+          <p:cNvSpPr txBox="1">
+            <a:spLocks/>
+          </p:cNvSpPr>
+          <p:nvPr/>
+        </p:nvSpPr>
+        <p:spPr>
+          <a:xfrm>
+            <a:off x="903595" y="79142"/>
+            <a:ext cx="4405595" cy="1389911"/>
+          </a:xfrm>
+          <a:prstGeom prst="rect">
+            <a:avLst/>
+          </a:prstGeom>
+        </p:spPr>
+        <p:txBody>
+          <a:bodyPr vert="horz" lIns="91440" tIns="45720" rIns="91440" bIns="45720" rtlCol="0" anchor="ctr">
+            <a:noAutofit/>
+          </a:bodyPr>
+          <a:lstStyle>
+            <a:lvl1pPr algn="l" defTabSz="914400" rtl="0" eaLnBrk="1" latinLnBrk="0" hangingPunct="1">
+              <a:lnSpc>
+                <a:spcPct val="90000"/>
+              </a:lnSpc>
+              <a:spcBef>
+                <a:spcPct val="0"/>
+              </a:spcBef>
+              <a:buNone/>
+              <a:defRPr sz="4400" kern="1200">
+                <a:solidFill>
+                  <a:schemeClr val="tx1"/>
+                </a:solidFill>
+                <a:latin typeface="+mj-lt"/>
+                <a:ea typeface="+mj-ea"/>
+                <a:cs typeface="+mj-cs"/>
+              </a:defRPr>
+            </a:lvl1pPr>
+          </a:lstStyle>
+          <a:p>
+            <a:r>
+              <a:rPr lang="ru-RU" dirty="0"/>
+              <a:t>Конфигурация </a:t>
+            </a:r>
+            <a:br>
+              <a:rPr lang="ru-RU" dirty="0"/>
+            </a:br>
+            <a:r>
+              <a:rPr lang="ru-RU" dirty="0"/>
+              <a:t>балансировщика</a:t>
+            </a:r>
           </a:p>
         </p:txBody>
       </p:sp>
@@ -17790,8 +17856,8 @@
         </p:blipFill>
         <p:spPr>
           <a:xfrm>
-            <a:off x="2461146" y="1930467"/>
-            <a:ext cx="3451382" cy="4927533"/>
+            <a:off x="2215186" y="1129583"/>
+            <a:ext cx="3774569" cy="5388947"/>
           </a:xfrm>
           <a:prstGeom prst="rect">
             <a:avLst/>
@@ -17820,12 +17886,12 @@
         </p:nvCxnSpPr>
         <p:spPr>
           <a:xfrm flipV="1">
-            <a:off x="5912528" y="790113"/>
-            <a:ext cx="3684233" cy="3604121"/>
+            <a:off x="5989755" y="1129583"/>
+            <a:ext cx="3560984" cy="2694474"/>
           </a:xfrm>
           <a:prstGeom prst="curvedConnector3">
             <a:avLst>
-              <a:gd name="adj1" fmla="val 68072"/>
+              <a:gd name="adj1" fmla="val 50000"/>
             </a:avLst>
           </a:prstGeom>
           <a:ln w="19050">
@@ -17866,8 +17932,8 @@
         </p:nvSpPr>
         <p:spPr>
           <a:xfrm>
-            <a:off x="838199" y="630572"/>
-            <a:ext cx="7800445" cy="1325563"/>
+            <a:off x="903595" y="129006"/>
+            <a:ext cx="7800445" cy="638935"/>
           </a:xfrm>
           <a:prstGeom prst="rect">
             <a:avLst/>
@@ -18257,8 +18323,8 @@
         </p:blipFill>
         <p:spPr bwMode="auto">
           <a:xfrm>
-            <a:off x="2195777" y="1637729"/>
-            <a:ext cx="7800445" cy="5001675"/>
+            <a:off x="1950781" y="1005041"/>
+            <a:ext cx="8290437" cy="5315860"/>
           </a:xfrm>
           <a:prstGeom prst="rect">
             <a:avLst/>
@@ -18291,8 +18357,8 @@
         </p:nvSpPr>
         <p:spPr>
           <a:xfrm>
-            <a:off x="838199" y="630572"/>
-            <a:ext cx="7800445" cy="1325563"/>
+            <a:off x="903595" y="115690"/>
+            <a:ext cx="7800445" cy="665568"/>
           </a:xfrm>
           <a:prstGeom prst="rect">
             <a:avLst/>
@@ -18692,8 +18758,8 @@
         </p:blipFill>
         <p:spPr bwMode="auto">
           <a:xfrm>
-            <a:off x="2817088" y="1678820"/>
-            <a:ext cx="6557824" cy="4154350"/>
+            <a:off x="2210582" y="1415787"/>
+            <a:ext cx="7592525" cy="4809828"/>
           </a:xfrm>
           <a:prstGeom prst="rect">
             <a:avLst/>
@@ -18724,8 +18790,8 @@
         </p:nvSpPr>
         <p:spPr>
           <a:xfrm>
-            <a:off x="2974019" y="3357240"/>
-            <a:ext cx="1757779" cy="797510"/>
+            <a:off x="2405849" y="3355760"/>
+            <a:ext cx="2024108" cy="911020"/>
           </a:xfrm>
           <a:prstGeom prst="rect">
             <a:avLst/>
@@ -18778,8 +18844,8 @@
         </p:nvSpPr>
         <p:spPr>
           <a:xfrm>
-            <a:off x="838199" y="630572"/>
-            <a:ext cx="7728751" cy="1325563"/>
+            <a:off x="903595" y="120129"/>
+            <a:ext cx="7728751" cy="656690"/>
           </a:xfrm>
           <a:prstGeom prst="rect">
             <a:avLst/>
@@ -18858,8 +18924,8 @@
         </p:nvSpPr>
         <p:spPr>
           <a:xfrm>
-            <a:off x="903595" y="630572"/>
-            <a:ext cx="11122942" cy="1325563"/>
+            <a:off x="903594" y="79141"/>
+            <a:ext cx="11122942" cy="1389911"/>
           </a:xfrm>
         </p:spPr>
         <p:txBody>
@@ -18868,7 +18934,14 @@
           <a:p>
             <a:r>
               <a:rPr lang="ru-RU" dirty="0"/>
-              <a:t>Сравнение текущего кластера и кластера </a:t>
+              <a:t>Сравнение текущего кластера </a:t>
+            </a:r>
+            <a:br>
+              <a:rPr lang="ru-RU" dirty="0"/>
+            </a:br>
+            <a:r>
+              <a:rPr lang="ru-RU" dirty="0"/>
+              <a:t>и кластера </a:t>
             </a:r>
             <a:r>
               <a:rPr lang="en-US" dirty="0" err="1"/>
@@ -19616,209 +19689,6 @@
           <a:chExt cx="0" cy="0"/>
         </a:xfrm>
       </p:grpSpPr>
-      <p:sp>
-        <p:nvSpPr>
-          <p:cNvPr id="3" name="Прямоугольник 2"/>
-          <p:cNvSpPr/>
-          <p:nvPr/>
-        </p:nvSpPr>
-        <p:spPr>
-          <a:xfrm>
-            <a:off x="0" y="266377"/>
-            <a:ext cx="903595" cy="364195"/>
-          </a:xfrm>
-          <a:prstGeom prst="rect">
-            <a:avLst/>
-          </a:prstGeom>
-          <a:ln>
-            <a:noFill/>
-          </a:ln>
-        </p:spPr>
-        <p:style>
-          <a:lnRef idx="2">
-            <a:schemeClr val="accent1">
-              <a:shade val="50000"/>
-            </a:schemeClr>
-          </a:lnRef>
-          <a:fillRef idx="1">
-            <a:schemeClr val="accent1"/>
-          </a:fillRef>
-          <a:effectRef idx="0">
-            <a:schemeClr val="accent1"/>
-          </a:effectRef>
-          <a:fontRef idx="minor">
-            <a:schemeClr val="lt1"/>
-          </a:fontRef>
-        </p:style>
-        <p:txBody>
-          <a:bodyPr rtlCol="0" anchor="ctr"/>
-          <a:lstStyle/>
-          <a:p>
-            <a:pPr algn="ctr"/>
-            <a:endParaRPr lang="ru-RU"/>
-          </a:p>
-        </p:txBody>
-      </p:sp>
-      <p:sp>
-        <p:nvSpPr>
-          <p:cNvPr id="8" name="Title 7"/>
-          <p:cNvSpPr>
-            <a:spLocks noGrp="1"/>
-          </p:cNvSpPr>
-          <p:nvPr>
-            <p:ph type="title"/>
-          </p:nvPr>
-        </p:nvSpPr>
-        <p:spPr>
-          <a:xfrm>
-            <a:off x="816746" y="630572"/>
-            <a:ext cx="10449481" cy="1325563"/>
-          </a:xfrm>
-        </p:spPr>
-        <p:txBody>
-          <a:bodyPr>
-            <a:normAutofit/>
-          </a:bodyPr>
-          <a:lstStyle/>
-          <a:p>
-            <a:r>
-              <a:rPr lang="ru-RU" dirty="0"/>
-              <a:t>Содержимое репозитория источников</a:t>
-            </a:r>
-          </a:p>
-        </p:txBody>
-      </p:sp>
-      <p:sp>
-        <p:nvSpPr>
-          <p:cNvPr id="2" name="Slide Number Placeholder 1"/>
-          <p:cNvSpPr txBox="1"/>
-          <p:nvPr/>
-        </p:nvSpPr>
-        <p:spPr>
-          <a:xfrm>
-            <a:off x="165463" y="266377"/>
-            <a:ext cx="738132" cy="364195"/>
-          </a:xfrm>
-          <a:prstGeom prst="rect">
-            <a:avLst/>
-          </a:prstGeom>
-        </p:spPr>
-        <p:txBody>
-          <a:bodyPr vert="horz" lIns="91440" tIns="45720" rIns="91440" bIns="45720" rtlCol="0" anchor="ctr"/>
-          <a:lstStyle>
-            <a:defPPr>
-              <a:defRPr lang="ru-RU"/>
-            </a:defPPr>
-            <a:lvl1pPr marL="0" algn="r" defTabSz="914400" rtl="0" eaLnBrk="1" latinLnBrk="0" hangingPunct="1">
-              <a:defRPr sz="1200" kern="1200">
-                <a:solidFill>
-                  <a:schemeClr val="tx1">
-                    <a:tint val="75000"/>
-                  </a:schemeClr>
-                </a:solidFill>
-                <a:latin typeface="+mn-lt"/>
-                <a:ea typeface="+mn-ea"/>
-                <a:cs typeface="+mn-cs"/>
-              </a:defRPr>
-            </a:lvl1pPr>
-            <a:lvl2pPr marL="457200" algn="l" defTabSz="914400" rtl="0" eaLnBrk="1" latinLnBrk="0" hangingPunct="1">
-              <a:defRPr sz="1800" kern="1200">
-                <a:solidFill>
-                  <a:schemeClr val="tx1"/>
-                </a:solidFill>
-                <a:latin typeface="+mn-lt"/>
-                <a:ea typeface="+mn-ea"/>
-                <a:cs typeface="+mn-cs"/>
-              </a:defRPr>
-            </a:lvl2pPr>
-            <a:lvl3pPr marL="914400" algn="l" defTabSz="914400" rtl="0" eaLnBrk="1" latinLnBrk="0" hangingPunct="1">
-              <a:defRPr sz="1800" kern="1200">
-                <a:solidFill>
-                  <a:schemeClr val="tx1"/>
-                </a:solidFill>
-                <a:latin typeface="+mn-lt"/>
-                <a:ea typeface="+mn-ea"/>
-                <a:cs typeface="+mn-cs"/>
-              </a:defRPr>
-            </a:lvl3pPr>
-            <a:lvl4pPr marL="1371600" algn="l" defTabSz="914400" rtl="0" eaLnBrk="1" latinLnBrk="0" hangingPunct="1">
-              <a:defRPr sz="1800" kern="1200">
-                <a:solidFill>
-                  <a:schemeClr val="tx1"/>
-                </a:solidFill>
-                <a:latin typeface="+mn-lt"/>
-                <a:ea typeface="+mn-ea"/>
-                <a:cs typeface="+mn-cs"/>
-              </a:defRPr>
-            </a:lvl4pPr>
-            <a:lvl5pPr marL="1828800" algn="l" defTabSz="914400" rtl="0" eaLnBrk="1" latinLnBrk="0" hangingPunct="1">
-              <a:defRPr sz="1800" kern="1200">
-                <a:solidFill>
-                  <a:schemeClr val="tx1"/>
-                </a:solidFill>
-                <a:latin typeface="+mn-lt"/>
-                <a:ea typeface="+mn-ea"/>
-                <a:cs typeface="+mn-cs"/>
-              </a:defRPr>
-            </a:lvl5pPr>
-            <a:lvl6pPr marL="2286000" algn="l" defTabSz="914400" rtl="0" eaLnBrk="1" latinLnBrk="0" hangingPunct="1">
-              <a:defRPr sz="1800" kern="1200">
-                <a:solidFill>
-                  <a:schemeClr val="tx1"/>
-                </a:solidFill>
-                <a:latin typeface="+mn-lt"/>
-                <a:ea typeface="+mn-ea"/>
-                <a:cs typeface="+mn-cs"/>
-              </a:defRPr>
-            </a:lvl6pPr>
-            <a:lvl7pPr marL="2743200" algn="l" defTabSz="914400" rtl="0" eaLnBrk="1" latinLnBrk="0" hangingPunct="1">
-              <a:defRPr sz="1800" kern="1200">
-                <a:solidFill>
-                  <a:schemeClr val="tx1"/>
-                </a:solidFill>
-                <a:latin typeface="+mn-lt"/>
-                <a:ea typeface="+mn-ea"/>
-                <a:cs typeface="+mn-cs"/>
-              </a:defRPr>
-            </a:lvl7pPr>
-            <a:lvl8pPr marL="3200400" algn="l" defTabSz="914400" rtl="0" eaLnBrk="1" latinLnBrk="0" hangingPunct="1">
-              <a:defRPr sz="1800" kern="1200">
-                <a:solidFill>
-                  <a:schemeClr val="tx1"/>
-                </a:solidFill>
-                <a:latin typeface="+mn-lt"/>
-                <a:ea typeface="+mn-ea"/>
-                <a:cs typeface="+mn-cs"/>
-              </a:defRPr>
-            </a:lvl8pPr>
-            <a:lvl9pPr marL="3657600" algn="l" defTabSz="914400" rtl="0" eaLnBrk="1" latinLnBrk="0" hangingPunct="1">
-              <a:defRPr sz="1800" kern="1200">
-                <a:solidFill>
-                  <a:schemeClr val="tx1"/>
-                </a:solidFill>
-                <a:latin typeface="+mn-lt"/>
-                <a:ea typeface="+mn-ea"/>
-                <a:cs typeface="+mn-cs"/>
-              </a:defRPr>
-            </a:lvl9pPr>
-          </a:lstStyle>
-          <a:p>
-            <a:fld id="{73D4391C-B8C0-B24A-A837-316267417444}" type="slidenum">
-              <a:rPr lang="ru-RU" smtClean="0">
-                <a:solidFill>
-                  <a:schemeClr val="bg1"/>
-                </a:solidFill>
-              </a:rPr>
-              <a:t>29</a:t>
-            </a:fld>
-            <a:endParaRPr lang="ru-RU" dirty="0">
-              <a:solidFill>
-                <a:schemeClr val="bg1"/>
-              </a:solidFill>
-            </a:endParaRPr>
-          </a:p>
-        </p:txBody>
-      </p:sp>
       <p:pic>
         <p:nvPicPr>
           <p:cNvPr id="6" name="Рисунок 5"/>
@@ -19854,6 +19724,216 @@
       </p:pic>
       <p:sp>
         <p:nvSpPr>
+          <p:cNvPr id="3" name="Прямоугольник 2"/>
+          <p:cNvSpPr/>
+          <p:nvPr/>
+        </p:nvSpPr>
+        <p:spPr>
+          <a:xfrm>
+            <a:off x="0" y="266377"/>
+            <a:ext cx="903595" cy="364195"/>
+          </a:xfrm>
+          <a:prstGeom prst="rect">
+            <a:avLst/>
+          </a:prstGeom>
+          <a:ln>
+            <a:noFill/>
+          </a:ln>
+        </p:spPr>
+        <p:style>
+          <a:lnRef idx="2">
+            <a:schemeClr val="accent1">
+              <a:shade val="50000"/>
+            </a:schemeClr>
+          </a:lnRef>
+          <a:fillRef idx="1">
+            <a:schemeClr val="accent1"/>
+          </a:fillRef>
+          <a:effectRef idx="0">
+            <a:schemeClr val="accent1"/>
+          </a:effectRef>
+          <a:fontRef idx="minor">
+            <a:schemeClr val="lt1"/>
+          </a:fontRef>
+        </p:style>
+        <p:txBody>
+          <a:bodyPr rtlCol="0" anchor="ctr"/>
+          <a:lstStyle/>
+          <a:p>
+            <a:pPr algn="ctr"/>
+            <a:endParaRPr lang="ru-RU"/>
+          </a:p>
+        </p:txBody>
+      </p:sp>
+      <p:sp>
+        <p:nvSpPr>
+          <p:cNvPr id="8" name="Title 7"/>
+          <p:cNvSpPr>
+            <a:spLocks noGrp="1"/>
+          </p:cNvSpPr>
+          <p:nvPr>
+            <p:ph type="title"/>
+          </p:nvPr>
+        </p:nvSpPr>
+        <p:spPr>
+          <a:xfrm>
+            <a:off x="903595" y="79141"/>
+            <a:ext cx="10449481" cy="1389912"/>
+          </a:xfrm>
+        </p:spPr>
+        <p:txBody>
+          <a:bodyPr>
+            <a:normAutofit/>
+          </a:bodyPr>
+          <a:lstStyle/>
+          <a:p>
+            <a:r>
+              <a:rPr lang="ru-RU" dirty="0"/>
+              <a:t>Содержимое репозитория </a:t>
+            </a:r>
+            <a:br>
+              <a:rPr lang="ru-RU" dirty="0"/>
+            </a:br>
+            <a:r>
+              <a:rPr lang="ru-RU" dirty="0"/>
+              <a:t>источников</a:t>
+            </a:r>
+          </a:p>
+        </p:txBody>
+      </p:sp>
+      <p:sp>
+        <p:nvSpPr>
+          <p:cNvPr id="2" name="Slide Number Placeholder 1"/>
+          <p:cNvSpPr txBox="1"/>
+          <p:nvPr/>
+        </p:nvSpPr>
+        <p:spPr>
+          <a:xfrm>
+            <a:off x="165463" y="266377"/>
+            <a:ext cx="738132" cy="364195"/>
+          </a:xfrm>
+          <a:prstGeom prst="rect">
+            <a:avLst/>
+          </a:prstGeom>
+        </p:spPr>
+        <p:txBody>
+          <a:bodyPr vert="horz" lIns="91440" tIns="45720" rIns="91440" bIns="45720" rtlCol="0" anchor="ctr"/>
+          <a:lstStyle>
+            <a:defPPr>
+              <a:defRPr lang="ru-RU"/>
+            </a:defPPr>
+            <a:lvl1pPr marL="0" algn="r" defTabSz="914400" rtl="0" eaLnBrk="1" latinLnBrk="0" hangingPunct="1">
+              <a:defRPr sz="1200" kern="1200">
+                <a:solidFill>
+                  <a:schemeClr val="tx1">
+                    <a:tint val="75000"/>
+                  </a:schemeClr>
+                </a:solidFill>
+                <a:latin typeface="+mn-lt"/>
+                <a:ea typeface="+mn-ea"/>
+                <a:cs typeface="+mn-cs"/>
+              </a:defRPr>
+            </a:lvl1pPr>
+            <a:lvl2pPr marL="457200" algn="l" defTabSz="914400" rtl="0" eaLnBrk="1" latinLnBrk="0" hangingPunct="1">
+              <a:defRPr sz="1800" kern="1200">
+                <a:solidFill>
+                  <a:schemeClr val="tx1"/>
+                </a:solidFill>
+                <a:latin typeface="+mn-lt"/>
+                <a:ea typeface="+mn-ea"/>
+                <a:cs typeface="+mn-cs"/>
+              </a:defRPr>
+            </a:lvl2pPr>
+            <a:lvl3pPr marL="914400" algn="l" defTabSz="914400" rtl="0" eaLnBrk="1" latinLnBrk="0" hangingPunct="1">
+              <a:defRPr sz="1800" kern="1200">
+                <a:solidFill>
+                  <a:schemeClr val="tx1"/>
+                </a:solidFill>
+                <a:latin typeface="+mn-lt"/>
+                <a:ea typeface="+mn-ea"/>
+                <a:cs typeface="+mn-cs"/>
+              </a:defRPr>
+            </a:lvl3pPr>
+            <a:lvl4pPr marL="1371600" algn="l" defTabSz="914400" rtl="0" eaLnBrk="1" latinLnBrk="0" hangingPunct="1">
+              <a:defRPr sz="1800" kern="1200">
+                <a:solidFill>
+                  <a:schemeClr val="tx1"/>
+                </a:solidFill>
+                <a:latin typeface="+mn-lt"/>
+                <a:ea typeface="+mn-ea"/>
+                <a:cs typeface="+mn-cs"/>
+              </a:defRPr>
+            </a:lvl4pPr>
+            <a:lvl5pPr marL="1828800" algn="l" defTabSz="914400" rtl="0" eaLnBrk="1" latinLnBrk="0" hangingPunct="1">
+              <a:defRPr sz="1800" kern="1200">
+                <a:solidFill>
+                  <a:schemeClr val="tx1"/>
+                </a:solidFill>
+                <a:latin typeface="+mn-lt"/>
+                <a:ea typeface="+mn-ea"/>
+                <a:cs typeface="+mn-cs"/>
+              </a:defRPr>
+            </a:lvl5pPr>
+            <a:lvl6pPr marL="2286000" algn="l" defTabSz="914400" rtl="0" eaLnBrk="1" latinLnBrk="0" hangingPunct="1">
+              <a:defRPr sz="1800" kern="1200">
+                <a:solidFill>
+                  <a:schemeClr val="tx1"/>
+                </a:solidFill>
+                <a:latin typeface="+mn-lt"/>
+                <a:ea typeface="+mn-ea"/>
+                <a:cs typeface="+mn-cs"/>
+              </a:defRPr>
+            </a:lvl6pPr>
+            <a:lvl7pPr marL="2743200" algn="l" defTabSz="914400" rtl="0" eaLnBrk="1" latinLnBrk="0" hangingPunct="1">
+              <a:defRPr sz="1800" kern="1200">
+                <a:solidFill>
+                  <a:schemeClr val="tx1"/>
+                </a:solidFill>
+                <a:latin typeface="+mn-lt"/>
+                <a:ea typeface="+mn-ea"/>
+                <a:cs typeface="+mn-cs"/>
+              </a:defRPr>
+            </a:lvl7pPr>
+            <a:lvl8pPr marL="3200400" algn="l" defTabSz="914400" rtl="0" eaLnBrk="1" latinLnBrk="0" hangingPunct="1">
+              <a:defRPr sz="1800" kern="1200">
+                <a:solidFill>
+                  <a:schemeClr val="tx1"/>
+                </a:solidFill>
+                <a:latin typeface="+mn-lt"/>
+                <a:ea typeface="+mn-ea"/>
+                <a:cs typeface="+mn-cs"/>
+              </a:defRPr>
+            </a:lvl8pPr>
+            <a:lvl9pPr marL="3657600" algn="l" defTabSz="914400" rtl="0" eaLnBrk="1" latinLnBrk="0" hangingPunct="1">
+              <a:defRPr sz="1800" kern="1200">
+                <a:solidFill>
+                  <a:schemeClr val="tx1"/>
+                </a:solidFill>
+                <a:latin typeface="+mn-lt"/>
+                <a:ea typeface="+mn-ea"/>
+                <a:cs typeface="+mn-cs"/>
+              </a:defRPr>
+            </a:lvl9pPr>
+          </a:lstStyle>
+          <a:p>
+            <a:fld id="{73D4391C-B8C0-B24A-A837-316267417444}" type="slidenum">
+              <a:rPr lang="ru-RU" smtClean="0">
+                <a:solidFill>
+                  <a:schemeClr val="bg1"/>
+                </a:solidFill>
+              </a:rPr>
+              <a:t>29</a:t>
+            </a:fld>
+            <a:endParaRPr lang="ru-RU" dirty="0">
+              <a:solidFill>
+                <a:schemeClr val="bg1"/>
+              </a:solidFill>
+            </a:endParaRPr>
+          </a:p>
+        </p:txBody>
+      </p:sp>
+      <p:sp>
+        <p:nvSpPr>
           <p:cNvPr id="7" name="TextBox 6"/>
           <p:cNvSpPr txBox="1"/>
           <p:nvPr/>
@@ -19963,7 +20043,7 @@
         </p:blipFill>
         <p:spPr>
           <a:xfrm>
-            <a:off x="3075355" y="1956135"/>
+            <a:off x="3075355" y="1745829"/>
             <a:ext cx="6041290" cy="4575955"/>
           </a:xfrm>
           <a:prstGeom prst="rect">
@@ -20051,8 +20131,8 @@
         </p:nvSpPr>
         <p:spPr>
           <a:xfrm>
-            <a:off x="838200" y="630572"/>
-            <a:ext cx="10515600" cy="1325563"/>
+            <a:off x="903595" y="79141"/>
+            <a:ext cx="10515600" cy="738665"/>
           </a:xfrm>
         </p:spPr>
         <p:txBody>
@@ -20337,14 +20417,12 @@
             </a:extLst>
           </a:blip>
           <a:srcRect/>
-          <a:stretch>
-            <a:fillRect/>
-          </a:stretch>
+          <a:stretch/>
         </p:blipFill>
         <p:spPr bwMode="auto">
           <a:xfrm>
-            <a:off x="-69538" y="1936866"/>
-            <a:ext cx="12331075" cy="3807836"/>
+            <a:off x="0" y="1656289"/>
+            <a:ext cx="12192000" cy="3845932"/>
           </a:xfrm>
           <a:prstGeom prst="rect">
             <a:avLst/>
@@ -20376,7 +20454,7 @@
         <p:spPr>
           <a:xfrm>
             <a:off x="165463" y="5760626"/>
-            <a:ext cx="7696940" cy="830997"/>
+            <a:ext cx="7194125" cy="954107"/>
           </a:xfrm>
           <a:prstGeom prst="rect">
             <a:avLst/>
@@ -20390,11 +20468,11 @@
           <a:lstStyle/>
           <a:p>
             <a:r>
-              <a:rPr lang="ru-RU" sz="2400" b="1" dirty="0"/>
+              <a:rPr lang="ru-RU" sz="2800" b="1" dirty="0"/>
               <a:t>Коррелятор</a:t>
             </a:r>
             <a:r>
-              <a:rPr lang="ru-RU" sz="2400" dirty="0"/>
+              <a:rPr lang="ru-RU" sz="2800" dirty="0"/>
               <a:t> – система, анализирующая поток событий по заранее заданным правилам</a:t>
             </a:r>
           </a:p>
@@ -20427,6 +20505,67 @@
       </p:grpSpPr>
       <p:sp>
         <p:nvSpPr>
+          <p:cNvPr id="4" name="Title 7">
+            <a:extLst>
+              <a:ext uri="{FF2B5EF4-FFF2-40B4-BE49-F238E27FC236}">
+                <a16:creationId xmlns:a16="http://schemas.microsoft.com/office/drawing/2014/main" id="{3FFC628E-9ECD-CB84-CA01-678C8918AC1C}"/>
+              </a:ext>
+            </a:extLst>
+          </p:cNvPr>
+          <p:cNvSpPr txBox="1">
+            <a:spLocks/>
+          </p:cNvSpPr>
+          <p:nvPr/>
+        </p:nvSpPr>
+        <p:spPr>
+          <a:xfrm>
+            <a:off x="903595" y="79141"/>
+            <a:ext cx="10449481" cy="1389912"/>
+          </a:xfrm>
+          <a:prstGeom prst="rect">
+            <a:avLst/>
+          </a:prstGeom>
+        </p:spPr>
+        <p:txBody>
+          <a:bodyPr vert="horz" lIns="91440" tIns="45720" rIns="91440" bIns="45720" rtlCol="0" anchor="ctr">
+            <a:normAutofit/>
+          </a:bodyPr>
+          <a:lstStyle>
+            <a:lvl1pPr algn="l" defTabSz="914400" rtl="0" eaLnBrk="1" latinLnBrk="0" hangingPunct="1">
+              <a:lnSpc>
+                <a:spcPct val="90000"/>
+              </a:lnSpc>
+              <a:spcBef>
+                <a:spcPct val="0"/>
+              </a:spcBef>
+              <a:buNone/>
+              <a:defRPr sz="4400" kern="1200">
+                <a:solidFill>
+                  <a:schemeClr val="tx1"/>
+                </a:solidFill>
+                <a:latin typeface="+mj-lt"/>
+                <a:ea typeface="+mj-ea"/>
+                <a:cs typeface="+mj-cs"/>
+              </a:defRPr>
+            </a:lvl1pPr>
+          </a:lstStyle>
+          <a:p>
+            <a:r>
+              <a:rPr lang="ru-RU" dirty="0"/>
+              <a:t>Содержимое репозитория </a:t>
+            </a:r>
+            <a:br>
+              <a:rPr lang="ru-RU" dirty="0"/>
+            </a:br>
+            <a:r>
+              <a:rPr lang="ru-RU" dirty="0"/>
+              <a:t>источников</a:t>
+            </a:r>
+          </a:p>
+        </p:txBody>
+      </p:sp>
+      <p:sp>
+        <p:nvSpPr>
           <p:cNvPr id="3" name="Прямоугольник 2"/>
           <p:cNvSpPr/>
           <p:nvPr/>
@@ -20465,43 +20604,6 @@
           <a:p>
             <a:pPr algn="ctr"/>
             <a:endParaRPr lang="ru-RU"/>
-          </a:p>
-        </p:txBody>
-      </p:sp>
-      <p:sp>
-        <p:nvSpPr>
-          <p:cNvPr id="8" name="Title 7"/>
-          <p:cNvSpPr>
-            <a:spLocks noGrp="1"/>
-          </p:cNvSpPr>
-          <p:nvPr>
-            <p:ph type="title"/>
-          </p:nvPr>
-        </p:nvSpPr>
-        <p:spPr>
-          <a:xfrm>
-            <a:off x="838200" y="630572"/>
-            <a:ext cx="9282344" cy="1325563"/>
-          </a:xfrm>
-        </p:spPr>
-        <p:txBody>
-          <a:bodyPr>
-            <a:normAutofit/>
-          </a:bodyPr>
-          <a:lstStyle/>
-          <a:p>
-            <a:r>
-              <a:rPr lang="ru-RU" dirty="0"/>
-              <a:t>Содержимое репозитория</a:t>
-            </a:r>
-            <a:r>
-              <a:rPr lang="en-US" dirty="0"/>
-              <a:t> </a:t>
-            </a:r>
-            <a:r>
-              <a:rPr lang="ru-RU" dirty="0"/>
-              <a:t>источников</a:t>
-            </a:r>
           </a:p>
         </p:txBody>
       </p:sp>
@@ -20780,7 +20882,7 @@
         </p:blipFill>
         <p:spPr>
           <a:xfrm>
-            <a:off x="7185318" y="1833248"/>
+            <a:off x="7185318" y="1656289"/>
             <a:ext cx="4315427" cy="4258269"/>
           </a:xfrm>
           <a:prstGeom prst="rect">
@@ -20815,8 +20917,8 @@
         </p:blipFill>
         <p:spPr>
           <a:xfrm>
-            <a:off x="838200" y="2320330"/>
-            <a:ext cx="4168484" cy="3157404"/>
+            <a:off x="691255" y="2176230"/>
+            <a:ext cx="4710344" cy="3567834"/>
           </a:xfrm>
           <a:prstGeom prst="rect">
             <a:avLst/>
@@ -20839,8 +20941,8 @@
         </p:nvCxnSpPr>
         <p:spPr>
           <a:xfrm flipV="1">
-            <a:off x="3755254" y="2574524"/>
-            <a:ext cx="2991775" cy="659536"/>
+            <a:off x="3968318" y="2176230"/>
+            <a:ext cx="2822085" cy="1010853"/>
           </a:xfrm>
           <a:prstGeom prst="curvedConnector3">
             <a:avLst>
@@ -20883,8 +20985,8 @@
         </p:nvSpPr>
         <p:spPr>
           <a:xfrm>
-            <a:off x="2301003" y="3101265"/>
-            <a:ext cx="1454251" cy="265591"/>
+            <a:off x="2301003" y="3027285"/>
+            <a:ext cx="1667315" cy="339571"/>
           </a:xfrm>
           <a:prstGeom prst="rect">
             <a:avLst/>
@@ -20951,6 +21053,88 @@
           <a:chExt cx="0" cy="0"/>
         </a:xfrm>
       </p:grpSpPr>
+      <p:pic>
+        <p:nvPicPr>
+          <p:cNvPr id="16" name="Рисунок 15">
+            <a:extLst>
+              <a:ext uri="{FF2B5EF4-FFF2-40B4-BE49-F238E27FC236}">
+                <a16:creationId xmlns:a16="http://schemas.microsoft.com/office/drawing/2014/main" id="{3DF4DB75-2842-A5DB-2487-D34630DA8164}"/>
+              </a:ext>
+            </a:extLst>
+          </p:cNvPr>
+          <p:cNvPicPr>
+            <a:picLocks noChangeAspect="1"/>
+          </p:cNvPicPr>
+          <p:nvPr/>
+        </p:nvPicPr>
+        <p:blipFill>
+          <a:blip r:embed="rId3"/>
+          <a:stretch>
+            <a:fillRect/>
+          </a:stretch>
+        </p:blipFill>
+        <p:spPr>
+          <a:xfrm>
+            <a:off x="691255" y="2176230"/>
+            <a:ext cx="4710344" cy="3567834"/>
+          </a:xfrm>
+          <a:prstGeom prst="rect">
+            <a:avLst/>
+          </a:prstGeom>
+        </p:spPr>
+      </p:pic>
+      <p:sp>
+        <p:nvSpPr>
+          <p:cNvPr id="17" name="Прямоугольник 16">
+            <a:extLst>
+              <a:ext uri="{FF2B5EF4-FFF2-40B4-BE49-F238E27FC236}">
+                <a16:creationId xmlns:a16="http://schemas.microsoft.com/office/drawing/2014/main" id="{2A414413-B1A0-24F9-3A3B-62654E5F48C8}"/>
+              </a:ext>
+            </a:extLst>
+          </p:cNvPr>
+          <p:cNvSpPr/>
+          <p:nvPr/>
+        </p:nvSpPr>
+        <p:spPr>
+          <a:xfrm>
+            <a:off x="2334827" y="3392009"/>
+            <a:ext cx="1473694" cy="339571"/>
+          </a:xfrm>
+          <a:prstGeom prst="rect">
+            <a:avLst/>
+          </a:prstGeom>
+          <a:noFill/>
+          <a:ln w="19050">
+            <a:solidFill>
+              <a:srgbClr val="FF0000"/>
+            </a:solidFill>
+          </a:ln>
+        </p:spPr>
+        <p:style>
+          <a:lnRef idx="2">
+            <a:schemeClr val="accent1">
+              <a:shade val="15000"/>
+            </a:schemeClr>
+          </a:lnRef>
+          <a:fillRef idx="1">
+            <a:schemeClr val="accent1"/>
+          </a:fillRef>
+          <a:effectRef idx="0">
+            <a:schemeClr val="accent1"/>
+          </a:effectRef>
+          <a:fontRef idx="minor">
+            <a:schemeClr val="lt1"/>
+          </a:fontRef>
+        </p:style>
+        <p:txBody>
+          <a:bodyPr rtlCol="0" anchor="ctr"/>
+          <a:lstStyle/>
+          <a:p>
+            <a:pPr algn="ctr"/>
+            <a:endParaRPr lang="ru-RU" dirty="0"/>
+          </a:p>
+        </p:txBody>
+      </p:sp>
       <p:sp>
         <p:nvSpPr>
           <p:cNvPr id="3" name="Прямоугольник 2"/>
@@ -21006,8 +21190,8 @@
         </p:nvSpPr>
         <p:spPr>
           <a:xfrm>
-            <a:off x="838200" y="630572"/>
-            <a:ext cx="5546124" cy="1325563"/>
+            <a:off x="903595" y="44645"/>
+            <a:ext cx="5480730" cy="1325563"/>
           </a:xfrm>
         </p:spPr>
         <p:txBody>
@@ -21170,13 +21354,13 @@
           <p:nvPr/>
         </p:nvPicPr>
         <p:blipFill>
-          <a:blip r:embed="rId3" cstate="print">
+          <a:blip r:embed="rId4" cstate="print">
             <a:extLst>
               <a:ext uri="{28A0092B-C50C-407E-A947-70E740481C1C}">
                 <a14:useLocalDpi xmlns:a14="http://schemas.microsoft.com/office/drawing/2010/main" val="0"/>
               </a:ext>
               <a:ext uri="{96DAC541-7B7A-43D3-8B79-37D633B846F1}">
-                <asvg:svgBlip xmlns:asvg="http://schemas.microsoft.com/office/drawing/2016/SVG/main" r:embed="rId4"/>
+                <asvg:svgBlip xmlns:asvg="http://schemas.microsoft.com/office/drawing/2016/SVG/main" r:embed="rId5"/>
               </a:ext>
             </a:extLst>
           </a:blip>
@@ -21283,36 +21467,6 @@
           </a:p>
         </p:txBody>
       </p:sp>
-      <p:pic>
-        <p:nvPicPr>
-          <p:cNvPr id="5" name="Рисунок 4">
-            <a:extLst>
-              <a:ext uri="{FF2B5EF4-FFF2-40B4-BE49-F238E27FC236}">
-                <a16:creationId xmlns:a16="http://schemas.microsoft.com/office/drawing/2014/main" id="{BE567A12-AB99-6CCB-BA7B-5AAD76960637}"/>
-              </a:ext>
-            </a:extLst>
-          </p:cNvPr>
-          <p:cNvPicPr>
-            <a:picLocks noChangeAspect="1"/>
-          </p:cNvPicPr>
-          <p:nvPr/>
-        </p:nvPicPr>
-        <p:blipFill>
-          <a:blip r:embed="rId5"/>
-          <a:stretch>
-            <a:fillRect/>
-          </a:stretch>
-        </p:blipFill>
-        <p:spPr>
-          <a:xfrm>
-            <a:off x="838200" y="2320330"/>
-            <a:ext cx="4168484" cy="3157404"/>
-          </a:xfrm>
-          <a:prstGeom prst="rect">
-            <a:avLst/>
-          </a:prstGeom>
-        </p:spPr>
-      </p:pic>
       <p:pic>
         <p:nvPicPr>
           <p:cNvPr id="10" name="Рисунок 9">
@@ -21348,58 +21502,6 @@
           </a:ln>
         </p:spPr>
       </p:pic>
-      <p:sp>
-        <p:nvSpPr>
-          <p:cNvPr id="11" name="Прямоугольник 10">
-            <a:extLst>
-              <a:ext uri="{FF2B5EF4-FFF2-40B4-BE49-F238E27FC236}">
-                <a16:creationId xmlns:a16="http://schemas.microsoft.com/office/drawing/2014/main" id="{641706D5-F35F-3259-F7EF-555308482B95}"/>
-              </a:ext>
-            </a:extLst>
-          </p:cNvPr>
-          <p:cNvSpPr/>
-          <p:nvPr/>
-        </p:nvSpPr>
-        <p:spPr>
-          <a:xfrm>
-            <a:off x="2281562" y="3428999"/>
-            <a:ext cx="1361168" cy="265591"/>
-          </a:xfrm>
-          <a:prstGeom prst="rect">
-            <a:avLst/>
-          </a:prstGeom>
-          <a:noFill/>
-          <a:ln w="19050">
-            <a:solidFill>
-              <a:srgbClr val="FF0000"/>
-            </a:solidFill>
-          </a:ln>
-        </p:spPr>
-        <p:style>
-          <a:lnRef idx="2">
-            <a:schemeClr val="accent1">
-              <a:shade val="15000"/>
-            </a:schemeClr>
-          </a:lnRef>
-          <a:fillRef idx="1">
-            <a:schemeClr val="accent1"/>
-          </a:fillRef>
-          <a:effectRef idx="0">
-            <a:schemeClr val="accent1"/>
-          </a:effectRef>
-          <a:fontRef idx="minor">
-            <a:schemeClr val="lt1"/>
-          </a:fontRef>
-        </p:style>
-        <p:txBody>
-          <a:bodyPr rtlCol="0" anchor="ctr"/>
-          <a:lstStyle/>
-          <a:p>
-            <a:pPr algn="ctr"/>
-            <a:endParaRPr lang="ru-RU" dirty="0"/>
-          </a:p>
-        </p:txBody>
-      </p:sp>
       <p:cxnSp>
         <p:nvCxnSpPr>
           <p:cNvPr id="12" name="Соединитель: изогнутый 11">
@@ -21416,8 +21518,8 @@
         </p:nvCxnSpPr>
         <p:spPr>
           <a:xfrm flipV="1">
-            <a:off x="3642729" y="2201662"/>
-            <a:ext cx="2624906" cy="1360133"/>
+            <a:off x="3808521" y="2106410"/>
+            <a:ext cx="2287479" cy="1455384"/>
           </a:xfrm>
           <a:prstGeom prst="curvedConnector3">
             <a:avLst>
@@ -21521,35 +21623,6 @@
       </p:sp>
       <p:sp>
         <p:nvSpPr>
-          <p:cNvPr id="8" name="Title 7"/>
-          <p:cNvSpPr>
-            <a:spLocks noGrp="1"/>
-          </p:cNvSpPr>
-          <p:nvPr>
-            <p:ph type="title"/>
-          </p:nvPr>
-        </p:nvSpPr>
-        <p:spPr>
-          <a:xfrm>
-            <a:off x="838199" y="630572"/>
-            <a:ext cx="9761563" cy="1325563"/>
-          </a:xfrm>
-        </p:spPr>
-        <p:txBody>
-          <a:bodyPr>
-            <a:noAutofit/>
-          </a:bodyPr>
-          <a:lstStyle/>
-          <a:p>
-            <a:r>
-              <a:rPr lang="ru-RU" dirty="0"/>
-              <a:t>Содержимое репозитория источников</a:t>
-            </a:r>
-          </a:p>
-        </p:txBody>
-      </p:sp>
-      <p:sp>
-        <p:nvSpPr>
           <p:cNvPr id="2" name="Slide Number Placeholder 1"/>
           <p:cNvSpPr txBox="1"/>
           <p:nvPr/>
@@ -21960,6 +22033,67 @@
           </a:fontRef>
         </p:style>
       </p:cxnSp>
+      <p:sp>
+        <p:nvSpPr>
+          <p:cNvPr id="4" name="Title 7">
+            <a:extLst>
+              <a:ext uri="{FF2B5EF4-FFF2-40B4-BE49-F238E27FC236}">
+                <a16:creationId xmlns:a16="http://schemas.microsoft.com/office/drawing/2014/main" id="{F20B0700-761B-0DC8-19BE-7CFF177500E4}"/>
+              </a:ext>
+            </a:extLst>
+          </p:cNvPr>
+          <p:cNvSpPr txBox="1">
+            <a:spLocks/>
+          </p:cNvSpPr>
+          <p:nvPr/>
+        </p:nvSpPr>
+        <p:spPr>
+          <a:xfrm>
+            <a:off x="903595" y="79141"/>
+            <a:ext cx="10449481" cy="1389912"/>
+          </a:xfrm>
+          <a:prstGeom prst="rect">
+            <a:avLst/>
+          </a:prstGeom>
+        </p:spPr>
+        <p:txBody>
+          <a:bodyPr vert="horz" lIns="91440" tIns="45720" rIns="91440" bIns="45720" rtlCol="0" anchor="ctr">
+            <a:normAutofit/>
+          </a:bodyPr>
+          <a:lstStyle>
+            <a:lvl1pPr algn="l" defTabSz="914400" rtl="0" eaLnBrk="1" latinLnBrk="0" hangingPunct="1">
+              <a:lnSpc>
+                <a:spcPct val="90000"/>
+              </a:lnSpc>
+              <a:spcBef>
+                <a:spcPct val="0"/>
+              </a:spcBef>
+              <a:buNone/>
+              <a:defRPr sz="4400" kern="1200">
+                <a:solidFill>
+                  <a:schemeClr val="tx1"/>
+                </a:solidFill>
+                <a:latin typeface="+mj-lt"/>
+                <a:ea typeface="+mj-ea"/>
+                <a:cs typeface="+mj-cs"/>
+              </a:defRPr>
+            </a:lvl1pPr>
+          </a:lstStyle>
+          <a:p>
+            <a:r>
+              <a:rPr lang="ru-RU" dirty="0"/>
+              <a:t>Содержимое репозитория </a:t>
+            </a:r>
+            <a:br>
+              <a:rPr lang="ru-RU" dirty="0"/>
+            </a:br>
+            <a:r>
+              <a:rPr lang="ru-RU" dirty="0"/>
+              <a:t>источников</a:t>
+            </a:r>
+          </a:p>
+        </p:txBody>
+      </p:sp>
     </p:spTree>
     <p:extLst>
       <p:ext uri="{BB962C8B-B14F-4D97-AF65-F5344CB8AC3E}">
@@ -22045,8 +22179,8 @@
         </p:nvSpPr>
         <p:spPr>
           <a:xfrm>
-            <a:off x="838200" y="630572"/>
-            <a:ext cx="5546124" cy="1325563"/>
+            <a:off x="903595" y="118040"/>
+            <a:ext cx="5546124" cy="660867"/>
           </a:xfrm>
         </p:spPr>
         <p:txBody>
@@ -22342,14 +22476,12 @@
             </a:extLst>
           </a:blip>
           <a:srcRect/>
-          <a:stretch>
-            <a:fillRect/>
-          </a:stretch>
+          <a:stretch/>
         </p:blipFill>
         <p:spPr bwMode="auto">
           <a:xfrm>
             <a:off x="932619" y="2507961"/>
-            <a:ext cx="10333608" cy="1842078"/>
+            <a:ext cx="10333608" cy="1842077"/>
           </a:xfrm>
           <a:prstGeom prst="rect">
             <a:avLst/>
@@ -22406,7 +22538,12 @@
             <p:ph type="title"/>
           </p:nvPr>
         </p:nvSpPr>
-        <p:spPr/>
+        <p:spPr>
+          <a:xfrm>
+            <a:off x="903595" y="82155"/>
+            <a:ext cx="10515600" cy="1325563"/>
+          </a:xfrm>
+        </p:spPr>
         <p:txBody>
           <a:bodyPr/>
           <a:lstStyle/>
@@ -22741,8 +22878,8 @@
         </p:blipFill>
         <p:spPr bwMode="auto">
           <a:xfrm>
-            <a:off x="676182" y="1643917"/>
-            <a:ext cx="10839635" cy="5131928"/>
+            <a:off x="676182" y="1659747"/>
+            <a:ext cx="10839635" cy="5100267"/>
           </a:xfrm>
           <a:prstGeom prst="rect">
             <a:avLst/>
@@ -22998,38 +23135,47 @@
       </p:pic>
       <p:pic>
         <p:nvPicPr>
-          <p:cNvPr id="21" name="Рисунок 20">
+          <p:cNvPr id="4104" name="Picture 8">
             <a:extLst>
               <a:ext uri="{FF2B5EF4-FFF2-40B4-BE49-F238E27FC236}">
-                <a16:creationId xmlns:a16="http://schemas.microsoft.com/office/drawing/2014/main" id="{82F04E9A-9AB4-5748-491F-45B16780C3FA}"/>
+                <a16:creationId xmlns:a16="http://schemas.microsoft.com/office/drawing/2014/main" id="{08B5DAA4-108C-E3AB-8A45-D43E712E0777}"/>
               </a:ext>
             </a:extLst>
           </p:cNvPr>
           <p:cNvPicPr>
-            <a:picLocks noChangeAspect="1"/>
+            <a:picLocks noChangeAspect="1" noChangeArrowheads="1"/>
           </p:cNvPicPr>
           <p:nvPr/>
         </p:nvPicPr>
-        <p:blipFill>
-          <a:blip r:embed="rId5">
+        <p:blipFill rotWithShape="1">
+          <a:blip r:embed="rId5" cstate="print">
             <a:extLst>
-              <a:ext uri="{96DAC541-7B7A-43D3-8B79-37D633B846F1}">
-                <asvg:svgBlip xmlns:asvg="http://schemas.microsoft.com/office/drawing/2016/SVG/main" r:embed="rId6"/>
+              <a:ext uri="{28A0092B-C50C-407E-A947-70E740481C1C}">
+                <a14:useLocalDpi xmlns:a14="http://schemas.microsoft.com/office/drawing/2010/main" val="0"/>
               </a:ext>
             </a:extLst>
           </a:blip>
-          <a:stretch>
-            <a:fillRect/>
-          </a:stretch>
+          <a:srcRect t="1966" b="4047"/>
+          <a:stretch/>
         </p:blipFill>
-        <p:spPr>
-          <a:xfrm>
-            <a:off x="1981200" y="0"/>
-            <a:ext cx="8229600" cy="6858000"/>
+        <p:spPr bwMode="auto">
+          <a:xfrm>
+            <a:off x="1499170" y="0"/>
+            <a:ext cx="9193660" cy="6858000"/>
           </a:xfrm>
           <a:prstGeom prst="rect">
             <a:avLst/>
           </a:prstGeom>
+          <a:noFill/>
+          <a:extLst>
+            <a:ext uri="{909E8E84-426E-40DD-AFC4-6F175D3DCCD1}">
+              <a14:hiddenFill xmlns:a14="http://schemas.microsoft.com/office/drawing/2010/main">
+                <a:solidFill>
+                  <a:srgbClr val="FFFFFF"/>
+                </a:solidFill>
+              </a14:hiddenFill>
+            </a:ext>
+          </a:extLst>
         </p:spPr>
       </p:pic>
     </p:spTree>
@@ -23057,39 +23203,6 @@
           <a:chExt cx="0" cy="0"/>
         </a:xfrm>
       </p:grpSpPr>
-      <p:pic>
-        <p:nvPicPr>
-          <p:cNvPr id="5" name="Рисунок 4">
-            <a:extLst>
-              <a:ext uri="{FF2B5EF4-FFF2-40B4-BE49-F238E27FC236}">
-                <a16:creationId xmlns:a16="http://schemas.microsoft.com/office/drawing/2014/main" id="{790A81FF-1648-4CE9-045B-F4DA62C81963}"/>
-              </a:ext>
-            </a:extLst>
-          </p:cNvPr>
-          <p:cNvPicPr/>
-          <p:nvPr/>
-        </p:nvPicPr>
-        <p:blipFill>
-          <a:blip r:embed="rId3" cstate="print">
-            <a:extLst>
-              <a:ext uri="{28A0092B-C50C-407E-A947-70E740481C1C}">
-                <a14:useLocalDpi xmlns:a14="http://schemas.microsoft.com/office/drawing/2010/main" val="0"/>
-              </a:ext>
-            </a:extLst>
-          </a:blip>
-          <a:srcRect/>
-          <a:stretch/>
-        </p:blipFill>
-        <p:spPr>
-          <a:xfrm>
-            <a:off x="0" y="406449"/>
-            <a:ext cx="12184060" cy="6448057"/>
-          </a:xfrm>
-          <a:prstGeom prst="rect">
-            <a:avLst/>
-          </a:prstGeom>
-        </p:spPr>
-      </p:pic>
       <p:sp>
         <p:nvSpPr>
           <p:cNvPr id="3" name="Прямоугольник 2"/>
@@ -23145,8 +23258,8 @@
         </p:nvSpPr>
         <p:spPr>
           <a:xfrm>
-            <a:off x="834230" y="-330441"/>
-            <a:ext cx="10515600" cy="1325563"/>
+            <a:off x="903595" y="79142"/>
+            <a:ext cx="7831688" cy="738664"/>
           </a:xfrm>
         </p:spPr>
         <p:txBody>
@@ -23308,13 +23421,13 @@
           <p:nvPr/>
         </p:nvPicPr>
         <p:blipFill>
-          <a:blip r:embed="rId4" cstate="print">
+          <a:blip r:embed="rId3" cstate="print">
             <a:extLst>
               <a:ext uri="{28A0092B-C50C-407E-A947-70E740481C1C}">
                 <a14:useLocalDpi xmlns:a14="http://schemas.microsoft.com/office/drawing/2010/main" val="0"/>
               </a:ext>
               <a:ext uri="{96DAC541-7B7A-43D3-8B79-37D633B846F1}">
-                <asvg:svgBlip xmlns:asvg="http://schemas.microsoft.com/office/drawing/2016/SVG/main" r:embed="rId5"/>
+                <asvg:svgBlip xmlns:asvg="http://schemas.microsoft.com/office/drawing/2016/SVG/main" r:embed="rId4"/>
               </a:ext>
             </a:extLst>
           </a:blip>
@@ -23436,14 +23549,14 @@
           <p:nvPr>
             <p:extLst>
               <p:ext uri="{D42A27DB-BD31-4B8C-83A1-F6EECF244321}">
-                <p14:modId xmlns:p14="http://schemas.microsoft.com/office/powerpoint/2010/main" val="4036619540"/>
+                <p14:modId xmlns:p14="http://schemas.microsoft.com/office/powerpoint/2010/main" val="1921748223"/>
               </p:ext>
             </p:extLst>
           </p:nvPr>
         </p:nvGraphicFramePr>
         <p:xfrm>
-          <a:off x="8513685" y="6248400"/>
-          <a:ext cx="3682295" cy="609600"/>
+          <a:off x="8762260" y="6248400"/>
+          <a:ext cx="3434457" cy="609600"/>
         </p:xfrm>
         <a:graphic>
           <a:graphicData uri="http://schemas.openxmlformats.org/drawingml/2006/table">
@@ -23452,14 +23565,14 @@
                 <a:tableStyleId>{5C22544A-7EE6-4342-B048-85BDC9FD1C3A}</a:tableStyleId>
               </a:tblPr>
               <a:tblGrid>
-                <a:gridCol w="222568">
+                <a:gridCol w="208280">
                   <a:extLst>
                     <a:ext uri="{9D8B030D-6E8A-4147-A177-3AD203B41FA5}">
                       <a16:colId xmlns:a16="http://schemas.microsoft.com/office/drawing/2014/main" val="4249562026"/>
                     </a:ext>
                   </a:extLst>
                 </a:gridCol>
-                <a:gridCol w="3459727">
+                <a:gridCol w="3226177">
                   <a:extLst>
                     <a:ext uri="{9D8B030D-6E8A-4147-A177-3AD203B41FA5}">
                       <a16:colId xmlns:a16="http://schemas.microsoft.com/office/drawing/2014/main" val="1207746454"/>
@@ -23707,6 +23820,51 @@
           </a:graphicData>
         </a:graphic>
       </p:graphicFrame>
+      <p:pic>
+        <p:nvPicPr>
+          <p:cNvPr id="1026" name="Picture 2">
+            <a:extLst>
+              <a:ext uri="{FF2B5EF4-FFF2-40B4-BE49-F238E27FC236}">
+                <a16:creationId xmlns:a16="http://schemas.microsoft.com/office/drawing/2014/main" id="{E9E37F51-2545-BB8C-39B7-209456655BF2}"/>
+              </a:ext>
+            </a:extLst>
+          </p:cNvPr>
+          <p:cNvPicPr>
+            <a:picLocks noGrp="1" noRot="1" noChangeAspect="1" noMove="1" noResize="1" noEditPoints="1" noAdjustHandles="1" noChangeArrowheads="1" noChangeShapeType="1" noCrop="1"/>
+          </p:cNvPicPr>
+          <p:nvPr/>
+        </p:nvPicPr>
+        <p:blipFill>
+          <a:blip r:embed="rId5" cstate="print">
+            <a:extLst>
+              <a:ext uri="{28A0092B-C50C-407E-A947-70E740481C1C}">
+                <a14:useLocalDpi xmlns:a14="http://schemas.microsoft.com/office/drawing/2010/main" val="0"/>
+              </a:ext>
+            </a:extLst>
+          </a:blip>
+          <a:srcRect/>
+          <a:stretch/>
+        </p:blipFill>
+        <p:spPr bwMode="auto">
+          <a:xfrm>
+            <a:off x="359531" y="630572"/>
+            <a:ext cx="11472937" cy="6227428"/>
+          </a:xfrm>
+          <a:prstGeom prst="rect">
+            <a:avLst/>
+          </a:prstGeom>
+          <a:noFill/>
+          <a:extLst>
+            <a:ext uri="{909E8E84-426E-40DD-AFC4-6F175D3DCCD1}">
+              <a14:hiddenFill xmlns:a14="http://schemas.microsoft.com/office/drawing/2010/main">
+                <a:solidFill>
+                  <a:srgbClr val="FFFFFF"/>
+                </a:solidFill>
+              </a14:hiddenFill>
+            </a:ext>
+          </a:extLst>
+        </p:spPr>
+      </p:pic>
     </p:spTree>
   </p:cSld>
   <p:clrMapOvr>
@@ -23787,8 +23945,8 @@
         </p:nvSpPr>
         <p:spPr>
           <a:xfrm>
-            <a:off x="838200" y="630572"/>
-            <a:ext cx="10515600" cy="1325563"/>
+            <a:off x="903595" y="79400"/>
+            <a:ext cx="8195937" cy="738664"/>
           </a:xfrm>
         </p:spPr>
         <p:txBody>
@@ -24065,7 +24223,7 @@
             </a:extLst>
           </p:cNvPr>
           <p:cNvPicPr>
-            <a:picLocks noChangeAspect="1" noChangeArrowheads="1"/>
+            <a:picLocks noGrp="1" noRot="1" noChangeAspect="1" noMove="1" noResize="1" noEditPoints="1" noAdjustHandles="1" noChangeArrowheads="1" noChangeShapeType="1" noCrop="1"/>
           </p:cNvPicPr>
           <p:nvPr/>
         </p:nvPicPr>
@@ -24082,8 +24240,8 @@
         </p:blipFill>
         <p:spPr bwMode="auto">
           <a:xfrm>
-            <a:off x="0" y="1833248"/>
-            <a:ext cx="12192000" cy="4389120"/>
+            <a:off x="0" y="1656030"/>
+            <a:ext cx="12192000" cy="4326193"/>
           </a:xfrm>
           <a:prstGeom prst="rect">
             <a:avLst/>
@@ -24102,10 +24260,10 @@
       </p:pic>
       <p:graphicFrame>
         <p:nvGraphicFramePr>
-          <p:cNvPr id="9" name="Таблица 8">
+          <p:cNvPr id="5" name="Таблица 4">
             <a:extLst>
               <a:ext uri="{FF2B5EF4-FFF2-40B4-BE49-F238E27FC236}">
-                <a16:creationId xmlns:a16="http://schemas.microsoft.com/office/drawing/2014/main" id="{7CB479F5-B04D-5090-F742-F9BC6AD62088}"/>
+                <a16:creationId xmlns:a16="http://schemas.microsoft.com/office/drawing/2014/main" id="{64D959C0-2534-F46A-3A60-E294AA841E28}"/>
               </a:ext>
             </a:extLst>
           </p:cNvPr>
@@ -24115,14 +24273,14 @@
           <p:nvPr>
             <p:extLst>
               <p:ext uri="{D42A27DB-BD31-4B8C-83A1-F6EECF244321}">
-                <p14:modId xmlns:p14="http://schemas.microsoft.com/office/powerpoint/2010/main" val="2486511781"/>
+                <p14:modId xmlns:p14="http://schemas.microsoft.com/office/powerpoint/2010/main" val="3711150223"/>
               </p:ext>
             </p:extLst>
           </p:nvPr>
         </p:nvGraphicFramePr>
         <p:xfrm>
-          <a:off x="8513685" y="6248400"/>
-          <a:ext cx="3682295" cy="609600"/>
+          <a:off x="8762260" y="6248400"/>
+          <a:ext cx="3434457" cy="609600"/>
         </p:xfrm>
         <a:graphic>
           <a:graphicData uri="http://schemas.openxmlformats.org/drawingml/2006/table">
@@ -24131,14 +24289,14 @@
                 <a:tableStyleId>{5C22544A-7EE6-4342-B048-85BDC9FD1C3A}</a:tableStyleId>
               </a:tblPr>
               <a:tblGrid>
-                <a:gridCol w="222568">
+                <a:gridCol w="208280">
                   <a:extLst>
                     <a:ext uri="{9D8B030D-6E8A-4147-A177-3AD203B41FA5}">
                       <a16:colId xmlns:a16="http://schemas.microsoft.com/office/drawing/2014/main" val="4249562026"/>
                     </a:ext>
                   </a:extLst>
                 </a:gridCol>
-                <a:gridCol w="3459727">
+                <a:gridCol w="3226177">
                   <a:extLst>
                     <a:ext uri="{9D8B030D-6E8A-4147-A177-3AD203B41FA5}">
                       <a16:colId xmlns:a16="http://schemas.microsoft.com/office/drawing/2014/main" val="1207746454"/>
@@ -24466,8 +24624,8 @@
         </p:nvSpPr>
         <p:spPr>
           <a:xfrm>
-            <a:off x="838200" y="630572"/>
-            <a:ext cx="10515600" cy="1325563"/>
+            <a:off x="903595" y="86766"/>
+            <a:ext cx="1679807" cy="731041"/>
           </a:xfrm>
         </p:spPr>
         <p:txBody>
@@ -24752,99 +24910,93 @@
         </p:nvSpPr>
         <p:spPr>
           <a:xfrm>
-            <a:off x="838200" y="1825625"/>
+            <a:off x="838200" y="1469053"/>
             <a:ext cx="10515600" cy="4351338"/>
           </a:xfrm>
         </p:spPr>
         <p:txBody>
           <a:bodyPr>
-            <a:normAutofit/>
+            <a:normAutofit fontScale="92500" lnSpcReduction="10000"/>
           </a:bodyPr>
           <a:lstStyle/>
           <a:p>
             <a:r>
-              <a:rPr lang="ru-RU" dirty="0"/>
+              <a:rPr lang="ru-RU" sz="3200" dirty="0"/>
               <a:t>Упрощена настройка балансировщика</a:t>
             </a:r>
           </a:p>
           <a:p>
             <a:r>
-              <a:rPr lang="ru-RU" dirty="0"/>
+              <a:rPr lang="ru-RU" sz="3200" dirty="0"/>
               <a:t>Существующий кластер </a:t>
             </a:r>
             <a:r>
-              <a:rPr lang="en-US" dirty="0"/>
+              <a:rPr lang="en-US" sz="3200" dirty="0"/>
               <a:t>Kafka</a:t>
             </a:r>
             <a:r>
-              <a:rPr lang="ru-RU" dirty="0"/>
+              <a:rPr lang="ru-RU" sz="3200" dirty="0"/>
               <a:t> в процессе заменен на кластер </a:t>
             </a:r>
             <a:r>
-              <a:rPr lang="en-US" dirty="0" err="1"/>
+              <a:rPr lang="en-US" sz="3200" dirty="0" err="1"/>
               <a:t>KaaS</a:t>
             </a:r>
-            <a:endParaRPr lang="ru-RU" dirty="0"/>
-          </a:p>
-          <a:p>
-            <a:r>
-              <a:rPr lang="ru-RU" dirty="0"/>
+            <a:endParaRPr lang="ru-RU" sz="3200" dirty="0"/>
+          </a:p>
+          <a:p>
+            <a:r>
+              <a:rPr lang="ru-RU" sz="3200" dirty="0"/>
               <a:t>Внедрено использование учетных записей </a:t>
             </a:r>
             <a:r>
-              <a:rPr lang="en-US" dirty="0"/>
+              <a:rPr lang="en-US" sz="3200" dirty="0"/>
               <a:t>Kafka </a:t>
             </a:r>
             <a:r>
-              <a:rPr lang="ru-RU" dirty="0"/>
+              <a:rPr lang="ru-RU" sz="3200" dirty="0"/>
               <a:t>с изолированным доступом.</a:t>
             </a:r>
-            <a:endParaRPr lang="en-US" dirty="0"/>
-          </a:p>
-          <a:p>
-            <a:r>
-              <a:rPr lang="ru-RU" dirty="0"/>
+            <a:endParaRPr lang="en-US" sz="3200" dirty="0"/>
+          </a:p>
+          <a:p>
+            <a:r>
+              <a:rPr lang="ru-RU" sz="3200" dirty="0"/>
               <a:t>Разработана автоматизация процесса управления </a:t>
             </a:r>
           </a:p>
           <a:p>
             <a:pPr lvl="1"/>
             <a:r>
-              <a:rPr lang="ru-RU" dirty="0"/>
+              <a:rPr lang="ru-RU" sz="2800" dirty="0"/>
               <a:t>топиками</a:t>
             </a:r>
             <a:r>
-              <a:rPr lang="en-US" dirty="0"/>
+              <a:rPr lang="en-US" sz="2800" dirty="0"/>
               <a:t> </a:t>
             </a:r>
             <a:r>
-              <a:rPr lang="ru-RU" dirty="0"/>
+              <a:rPr lang="ru-RU" sz="2800" dirty="0"/>
               <a:t>и пользователями </a:t>
             </a:r>
             <a:r>
-              <a:rPr lang="en-US" dirty="0"/>
+              <a:rPr lang="en-US" sz="2800" dirty="0"/>
               <a:t>Kafka</a:t>
             </a:r>
-            <a:endParaRPr lang="ru-RU" dirty="0"/>
+            <a:endParaRPr lang="ru-RU" sz="2800" dirty="0"/>
           </a:p>
           <a:p>
             <a:pPr lvl="1"/>
             <a:r>
-              <a:rPr lang="ru-RU" dirty="0"/>
+              <a:rPr lang="ru-RU" sz="2800" dirty="0"/>
               <a:t>конфигурацией коллекторов и их развертыванием.</a:t>
             </a:r>
           </a:p>
           <a:p>
             <a:r>
-              <a:rPr lang="ru-RU" dirty="0"/>
+              <a:rPr lang="ru-RU" sz="3200" dirty="0"/>
               <a:t>Максимальное время выполнения процесса настройки сбора логов снижено до 24 часов.</a:t>
             </a:r>
-          </a:p>
-          <a:p>
-            <a:endParaRPr lang="ru-RU" dirty="0"/>
-          </a:p>
-          <a:p>
-            <a:endParaRPr lang="ru-RU" dirty="0"/>
           </a:p>
         </p:txBody>
       </p:sp>
@@ -24933,8 +25085,8 @@
         </p:nvSpPr>
         <p:spPr>
           <a:xfrm>
-            <a:off x="838200" y="630572"/>
-            <a:ext cx="10515600" cy="1325563"/>
+            <a:off x="903595" y="86766"/>
+            <a:ext cx="5192405" cy="731041"/>
           </a:xfrm>
         </p:spPr>
         <p:txBody>
@@ -25219,7 +25371,7 @@
         </p:nvSpPr>
         <p:spPr>
           <a:xfrm>
-            <a:off x="838200" y="1825625"/>
+            <a:off x="838200" y="1660976"/>
             <a:ext cx="10515600" cy="4351338"/>
           </a:xfrm>
         </p:spPr>
@@ -25230,18 +25382,18 @@
           <a:lstStyle/>
           <a:p>
             <a:r>
-              <a:rPr lang="ru-RU" dirty="0"/>
+              <a:rPr lang="ru-RU" sz="3200" dirty="0"/>
               <a:t>Внедрение использования больших языковых моделей для создания конфигураций парсеров.</a:t>
             </a:r>
           </a:p>
           <a:p>
             <a:r>
-              <a:rPr lang="ru-RU" dirty="0"/>
+              <a:rPr lang="ru-RU" sz="3200" dirty="0"/>
               <a:t>Внедрение механизмов предварительной проверки и согласования изменений</a:t>
             </a:r>
           </a:p>
           <a:p>
-            <a:endParaRPr lang="ru-RU" dirty="0"/>
+            <a:endParaRPr lang="ru-RU" sz="3200" dirty="0"/>
           </a:p>
         </p:txBody>
       </p:sp>
@@ -25275,6 +25427,51 @@
           <a:chExt cx="0" cy="0"/>
         </a:xfrm>
       </p:grpSpPr>
+      <p:pic>
+        <p:nvPicPr>
+          <p:cNvPr id="9" name="Picture 2">
+            <a:extLst>
+              <a:ext uri="{FF2B5EF4-FFF2-40B4-BE49-F238E27FC236}">
+                <a16:creationId xmlns:a16="http://schemas.microsoft.com/office/drawing/2014/main" id="{F9EF4F68-B27D-6F87-BB03-E0F2FABBA000}"/>
+              </a:ext>
+            </a:extLst>
+          </p:cNvPr>
+          <p:cNvPicPr>
+            <a:picLocks noChangeAspect="1" noChangeArrowheads="1"/>
+          </p:cNvPicPr>
+          <p:nvPr/>
+        </p:nvPicPr>
+        <p:blipFill>
+          <a:blip r:embed="rId3">
+            <a:extLst>
+              <a:ext uri="{28A0092B-C50C-407E-A947-70E740481C1C}">
+                <a14:useLocalDpi xmlns:a14="http://schemas.microsoft.com/office/drawing/2010/main" val="0"/>
+              </a:ext>
+            </a:extLst>
+          </a:blip>
+          <a:srcRect/>
+          <a:stretch/>
+        </p:blipFill>
+        <p:spPr bwMode="auto">
+          <a:xfrm>
+            <a:off x="0" y="1656289"/>
+            <a:ext cx="12192000" cy="3845932"/>
+          </a:xfrm>
+          <a:prstGeom prst="rect">
+            <a:avLst/>
+          </a:prstGeom>
+          <a:noFill/>
+          <a:extLst>
+            <a:ext uri="{909E8E84-426E-40DD-AFC4-6F175D3DCCD1}">
+              <a14:hiddenFill xmlns:a14="http://schemas.microsoft.com/office/drawing/2010/main">
+                <a:solidFill>
+                  <a:srgbClr val="FFFFFF"/>
+                </a:solidFill>
+              </a14:hiddenFill>
+            </a:ext>
+          </a:extLst>
+        </p:spPr>
+      </p:pic>
       <p:sp>
         <p:nvSpPr>
           <p:cNvPr id="3" name="Прямоугольник 2"/>
@@ -25330,8 +25527,8 @@
         </p:nvSpPr>
         <p:spPr>
           <a:xfrm>
-            <a:off x="838200" y="630572"/>
-            <a:ext cx="10515600" cy="1325563"/>
+            <a:off x="903595" y="79142"/>
+            <a:ext cx="10515600" cy="738664"/>
           </a:xfrm>
         </p:spPr>
         <p:txBody>
@@ -25486,13 +25683,13 @@
           <p:nvPr/>
         </p:nvPicPr>
         <p:blipFill>
-          <a:blip r:embed="rId3" cstate="print">
+          <a:blip r:embed="rId4" cstate="print">
             <a:extLst>
               <a:ext uri="{28A0092B-C50C-407E-A947-70E740481C1C}">
                 <a14:useLocalDpi xmlns:a14="http://schemas.microsoft.com/office/drawing/2010/main" val="0"/>
               </a:ext>
               <a:ext uri="{96DAC541-7B7A-43D3-8B79-37D633B846F1}">
-                <asvg:svgBlip xmlns:asvg="http://schemas.microsoft.com/office/drawing/2016/SVG/main" r:embed="rId4"/>
+                <asvg:svgBlip xmlns:asvg="http://schemas.microsoft.com/office/drawing/2016/SVG/main" r:embed="rId5"/>
               </a:ext>
             </a:extLst>
           </a:blip>
@@ -25599,47 +25796,6 @@
           </a:p>
         </p:txBody>
       </p:sp>
-      <p:pic>
-        <p:nvPicPr>
-          <p:cNvPr id="1026" name="Picture 2"/>
-          <p:cNvPicPr>
-            <a:picLocks noChangeAspect="1" noChangeArrowheads="1"/>
-          </p:cNvPicPr>
-          <p:nvPr/>
-        </p:nvPicPr>
-        <p:blipFill>
-          <a:blip r:embed="rId5">
-            <a:extLst>
-              <a:ext uri="{28A0092B-C50C-407E-A947-70E740481C1C}">
-                <a14:useLocalDpi xmlns:a14="http://schemas.microsoft.com/office/drawing/2010/main" val="0"/>
-              </a:ext>
-            </a:extLst>
-          </a:blip>
-          <a:srcRect/>
-          <a:stretch>
-            <a:fillRect/>
-          </a:stretch>
-        </p:blipFill>
-        <p:spPr bwMode="auto">
-          <a:xfrm>
-            <a:off x="-69538" y="1936866"/>
-            <a:ext cx="12331075" cy="3807836"/>
-          </a:xfrm>
-          <a:prstGeom prst="rect">
-            <a:avLst/>
-          </a:prstGeom>
-          <a:noFill/>
-          <a:extLst>
-            <a:ext uri="{909E8E84-426E-40DD-AFC4-6F175D3DCCD1}">
-              <a14:hiddenFill xmlns:a14="http://schemas.microsoft.com/office/drawing/2010/main">
-                <a:solidFill>
-                  <a:srgbClr val="FFFFFF"/>
-                </a:solidFill>
-              </a14:hiddenFill>
-            </a:ext>
-          </a:extLst>
-        </p:spPr>
-      </p:pic>
       <p:sp>
         <p:nvSpPr>
           <p:cNvPr id="4" name="Прямоугольник 3"/>
@@ -25648,7 +25804,7 @@
         </p:nvSpPr>
         <p:spPr>
           <a:xfrm>
-            <a:off x="1554480" y="1936866"/>
+            <a:off x="1391050" y="1656289"/>
             <a:ext cx="5968538" cy="1662545"/>
           </a:xfrm>
           <a:prstGeom prst="rect">
@@ -25683,6 +25839,45 @@
           <a:p>
             <a:pPr algn="ctr"/>
             <a:endParaRPr lang="ru-RU"/>
+          </a:p>
+        </p:txBody>
+      </p:sp>
+      <p:sp>
+        <p:nvSpPr>
+          <p:cNvPr id="5" name="TextBox 4">
+            <a:extLst>
+              <a:ext uri="{FF2B5EF4-FFF2-40B4-BE49-F238E27FC236}">
+                <a16:creationId xmlns:a16="http://schemas.microsoft.com/office/drawing/2014/main" id="{AB7DEC46-27A5-AE80-BC11-195527DB1ED0}"/>
+              </a:ext>
+            </a:extLst>
+          </p:cNvPr>
+          <p:cNvSpPr txBox="1"/>
+          <p:nvPr/>
+        </p:nvSpPr>
+        <p:spPr>
+          <a:xfrm>
+            <a:off x="165463" y="5760626"/>
+            <a:ext cx="7194125" cy="954107"/>
+          </a:xfrm>
+          <a:prstGeom prst="rect">
+            <a:avLst/>
+          </a:prstGeom>
+          <a:noFill/>
+        </p:spPr>
+        <p:txBody>
+          <a:bodyPr wrap="square">
+            <a:spAutoFit/>
+          </a:bodyPr>
+          <a:lstStyle/>
+          <a:p>
+            <a:r>
+              <a:rPr lang="ru-RU" sz="2800" b="1" dirty="0"/>
+              <a:t>Коррелятор</a:t>
+            </a:r>
+            <a:r>
+              <a:rPr lang="ru-RU" sz="2800" dirty="0"/>
+              <a:t> – система, анализирующая поток событий по заранее заданным правилам</a:t>
+            </a:r>
           </a:p>
         </p:txBody>
       </p:sp>
@@ -26117,8 +26312,8 @@
         </p:nvSpPr>
         <p:spPr>
           <a:xfrm>
-            <a:off x="838200" y="630572"/>
-            <a:ext cx="10515600" cy="1325563"/>
+            <a:off x="899826" y="79141"/>
+            <a:ext cx="10515600" cy="738665"/>
           </a:xfrm>
         </p:spPr>
         <p:txBody>
@@ -26403,14 +26598,12 @@
             </a:extLst>
           </a:blip>
           <a:srcRect/>
-          <a:stretch>
-            <a:fillRect/>
-          </a:stretch>
+          <a:stretch/>
         </p:blipFill>
         <p:spPr>
           <a:xfrm>
-            <a:off x="1" y="2638958"/>
-            <a:ext cx="12191998" cy="1580083"/>
+            <a:off x="0" y="2632587"/>
+            <a:ext cx="12192000" cy="1592826"/>
           </a:xfrm>
           <a:prstGeom prst="rect">
             <a:avLst/>
@@ -26425,7 +26618,7 @@
         </p:nvSpPr>
         <p:spPr>
           <a:xfrm>
-            <a:off x="4964541" y="2823099"/>
+            <a:off x="4850241" y="2823099"/>
             <a:ext cx="2386170" cy="1207363"/>
           </a:xfrm>
           <a:prstGeom prst="rect">
@@ -26478,7 +26671,7 @@
         <p:spPr>
           <a:xfrm>
             <a:off x="165462" y="5760626"/>
-            <a:ext cx="8268323" cy="461665"/>
+            <a:ext cx="9298134" cy="523220"/>
           </a:xfrm>
           <a:prstGeom prst="rect">
             <a:avLst/>
@@ -26492,11 +26685,11 @@
           <a:lstStyle/>
           <a:p>
             <a:r>
-              <a:rPr lang="ru-RU" sz="2400" b="1" dirty="0"/>
+              <a:rPr lang="ru-RU" sz="2800" b="1" dirty="0"/>
               <a:t>Парсер</a:t>
             </a:r>
             <a:r>
-              <a:rPr lang="ru-RU" sz="2400" dirty="0"/>
+              <a:rPr lang="ru-RU" sz="2800" dirty="0"/>
               <a:t> – система, нормализующая логи и обогащающая их</a:t>
             </a:r>
           </a:p>
@@ -26582,8 +26775,8 @@
         </p:nvSpPr>
         <p:spPr>
           <a:xfrm>
-            <a:off x="838200" y="630572"/>
-            <a:ext cx="10515600" cy="1325563"/>
+            <a:off x="903595" y="29233"/>
+            <a:ext cx="10515600" cy="838481"/>
           </a:xfrm>
         </p:spPr>
         <p:txBody>
@@ -26868,14 +27061,12 @@
             </a:extLst>
           </a:blip>
           <a:srcRect/>
-          <a:stretch>
-            <a:fillRect/>
-          </a:stretch>
+          <a:stretch/>
         </p:blipFill>
         <p:spPr>
           <a:xfrm>
-            <a:off x="0" y="2752594"/>
-            <a:ext cx="12192000" cy="1352810"/>
+            <a:off x="4" y="2752594"/>
+            <a:ext cx="12191991" cy="1352810"/>
           </a:xfrm>
           <a:prstGeom prst="rect">
             <a:avLst/>
@@ -26890,7 +27081,7 @@
         </p:nvSpPr>
         <p:spPr>
           <a:xfrm>
-            <a:off x="3950563" y="2911876"/>
+            <a:off x="3779113" y="2922972"/>
             <a:ext cx="2032987" cy="1012054"/>
           </a:xfrm>
           <a:prstGeom prst="rect">
@@ -26970,14 +27161,12 @@
             </a:extLst>
           </a:blip>
           <a:srcRect/>
-          <a:stretch>
-            <a:fillRect/>
-          </a:stretch>
+          <a:stretch/>
         </p:blipFill>
         <p:spPr bwMode="auto">
           <a:xfrm>
-            <a:off x="0" y="2772030"/>
-            <a:ext cx="12192000" cy="3105510"/>
+            <a:off x="16430" y="2123050"/>
+            <a:ext cx="12159139" cy="3105510"/>
           </a:xfrm>
           <a:prstGeom prst="rect">
             <a:avLst/>
@@ -27049,8 +27238,8 @@
         </p:nvSpPr>
         <p:spPr>
           <a:xfrm>
-            <a:off x="838200" y="630572"/>
-            <a:ext cx="10515600" cy="1325563"/>
+            <a:off x="903595" y="81666"/>
+            <a:ext cx="10515600" cy="738664"/>
           </a:xfrm>
         </p:spPr>
         <p:txBody>
@@ -27326,8 +27515,8 @@
         </p:nvSpPr>
         <p:spPr>
           <a:xfrm>
-            <a:off x="1375805" y="4680518"/>
-            <a:ext cx="2032987" cy="1012054"/>
+            <a:off x="1261505" y="4050845"/>
+            <a:ext cx="1976995" cy="987880"/>
           </a:xfrm>
           <a:prstGeom prst="rect">
             <a:avLst/>
@@ -27378,8 +27567,8 @@
         </p:nvSpPr>
         <p:spPr>
           <a:xfrm>
-            <a:off x="4656684" y="5692572"/>
-            <a:ext cx="6984857" cy="830997"/>
+            <a:off x="4696331" y="5637516"/>
+            <a:ext cx="7495669" cy="954107"/>
           </a:xfrm>
           <a:prstGeom prst="rect">
             <a:avLst/>
@@ -27393,18 +27582,18 @@
           <a:lstStyle/>
           <a:p>
             <a:r>
-              <a:rPr lang="ru-RU" sz="2400" b="1" dirty="0"/>
+              <a:rPr lang="ru-RU" sz="2800" b="1" dirty="0"/>
               <a:t>Коллектор</a:t>
             </a:r>
             <a:r>
-              <a:rPr lang="ru-RU" sz="2400" dirty="0"/>
+              <a:rPr lang="ru-RU" sz="2800" dirty="0"/>
               <a:t> – система, получающая логи из источника событий и отправляющая их в </a:t>
             </a:r>
             <a:r>
-              <a:rPr lang="en-US" sz="2400" dirty="0"/>
+              <a:rPr lang="en-US" sz="2800" dirty="0"/>
               <a:t>Kafka</a:t>
             </a:r>
-            <a:endParaRPr lang="ru-RU" sz="2400" dirty="0"/>
+            <a:endParaRPr lang="ru-RU" sz="2800" dirty="0"/>
           </a:p>
         </p:txBody>
       </p:sp>
@@ -27488,8 +27677,8 @@
         </p:nvSpPr>
         <p:spPr>
           <a:xfrm>
-            <a:off x="838200" y="630572"/>
-            <a:ext cx="10515600" cy="1325563"/>
+            <a:off x="903595" y="68523"/>
+            <a:ext cx="5192405" cy="759901"/>
           </a:xfrm>
         </p:spPr>
         <p:txBody>
@@ -27779,7 +27968,7 @@
         </p:blipFill>
         <p:spPr bwMode="auto">
           <a:xfrm>
-            <a:off x="-57899" y="1764942"/>
+            <a:off x="-40171" y="1292436"/>
             <a:ext cx="12232171" cy="5093058"/>
           </a:xfrm>
           <a:prstGeom prst="rect">
@@ -27877,12 +28066,14 @@
         </p:nvSpPr>
         <p:spPr>
           <a:xfrm>
-            <a:off x="838200" y="-32210"/>
-            <a:ext cx="10515600" cy="738665"/>
-          </a:xfrm>
-        </p:spPr>
-        <p:txBody>
-          <a:bodyPr/>
+            <a:off x="903595" y="151489"/>
+            <a:ext cx="10515600" cy="593970"/>
+          </a:xfrm>
+        </p:spPr>
+        <p:txBody>
+          <a:bodyPr>
+            <a:noAutofit/>
+          </a:bodyPr>
           <a:lstStyle/>
           <a:p>
             <a:r>
@@ -28172,8 +28363,8 @@
         </p:blipFill>
         <p:spPr>
           <a:xfrm>
-            <a:off x="-164125" y="448474"/>
-            <a:ext cx="12184060" cy="6455043"/>
+            <a:off x="511893" y="673111"/>
+            <a:ext cx="11168214" cy="6184889"/>
           </a:xfrm>
           <a:prstGeom prst="rect">
             <a:avLst/>

--- a/Презентация ВКР (в шаблоне).pptx
+++ b/Презентация ВКР (в шаблоне).pptx
@@ -242,7 +242,7 @@
           <a:p>
             <a:fld id="{452C924C-0549-43C7-B607-8F62314AE139}" type="datetimeFigureOut">
               <a:rPr lang="ru-RU" smtClean="0"/>
-              <a:t>04.06.2025</a:t>
+              <a:t>19.06.2025</a:t>
             </a:fld>
             <a:endParaRPr lang="ru-RU"/>
           </a:p>
@@ -1146,7 +1146,7 @@
             </a:pPr>
             <a:r>
               <a:rPr lang="ru-RU" dirty="0"/>
-              <a:t>Поэтому цель моей работы – оптимизировать данный процесс.</a:t>
+              <a:t>Поэтому цель этой работы – оптимизировать данный процесс.</a:t>
             </a:r>
           </a:p>
           <a:p>
@@ -1698,7 +1698,7 @@
           <a:p>
             <a:r>
               <a:rPr lang="ru-RU" dirty="0"/>
-              <a:t>Можно заметить, что в целевом процессе нет операций согласования. Рассмотрим, как этого можно добиться.</a:t>
+              <a:t>Можно заметить, что в целевом процессе нет операций согласования. Далее будет рассмотрено, как этого достичь.</a:t>
             </a:r>
           </a:p>
         </p:txBody>
@@ -2869,7 +2869,15 @@
             </a:pPr>
             <a:r>
               <a:rPr lang="ru-RU" dirty="0"/>
-              <a:t>Теперь рассмотрим то, чем будет оперировать автоматизация. Репозиторий источников содержит следующую структуру файлов. Каждая поддиректория в </a:t>
+              <a:t>Далее необходимо рассмотреть</a:t>
+            </a:r>
+            <a:r>
+              <a:rPr lang="ru-RU"/>
+              <a:t>, чбудет </a:t>
+            </a:r>
+            <a:r>
+              <a:rPr lang="ru-RU" dirty="0"/>
+              <a:t>оперировать автоматизация. Репозиторий источников содержит следующую структуру файлов. Каждая поддиректория в </a:t>
             </a:r>
             <a:r>
               <a:rPr lang="en-US" dirty="0"/>
@@ -2975,26 +2983,15 @@
             </a:pPr>
             <a:r>
               <a:rPr lang="ru-RU" dirty="0"/>
-              <a:t>Процесс обработки событий выглядит следующим образом.</a:t>
-            </a:r>
-          </a:p>
-          <a:p>
-            <a:pPr marL="0" marR="0" lvl="0" indent="0" algn="l" defTabSz="914400" rtl="0" eaLnBrk="1" fontAlgn="auto" latinLnBrk="0" hangingPunct="1">
-              <a:lnSpc>
-                <a:spcPct val="100000"/>
-              </a:lnSpc>
-              <a:spcBef>
-                <a:spcPts val="0"/>
-              </a:spcBef>
-              <a:spcAft>
-                <a:spcPts val="0"/>
-              </a:spcAft>
-              <a:buClrTx/>
-              <a:buSzTx/>
-              <a:buFontTx/>
-              <a:buNone/>
-              <a:defRPr/>
-            </a:pPr>
+              <a:t>Процесс обработки событий представлен на слайде. Важно отметить, что это схематичное изображение, а не диаграмма активности </a:t>
+            </a:r>
+            <a:r>
+              <a:rPr lang="en-US" dirty="0"/>
+              <a:t>UML.</a:t>
+            </a:r>
+            <a:br>
+              <a:rPr lang="ru-RU" dirty="0"/>
+            </a:br>
             <a:r>
               <a:rPr lang="ru-RU" dirty="0"/>
               <a:t>Источник логов порождает событие и отправляет в систему хранения, </a:t>
@@ -4103,8 +4100,41 @@
             </a:r>
             <a:r>
               <a:rPr lang="ru-RU" dirty="0"/>
+              <a:t>. За счет внесенных изменений максимальное время выполнения всего процесса снижено до </a:t>
+            </a:r>
+            <a:r>
+              <a:rPr lang="ru-RU" b="1" dirty="0"/>
+              <a:t>24 часов</a:t>
+            </a:r>
+            <a:r>
+              <a:rPr lang="ru-RU" dirty="0"/>
+              <a:t>, а время выполнения подпроцессов, подверженных изменению с </a:t>
+            </a:r>
+            <a:r>
+              <a:rPr lang="ru-RU" b="1" dirty="0"/>
+              <a:t>48 часов</a:t>
+            </a:r>
+            <a:r>
+              <a:rPr lang="ru-RU" dirty="0"/>
+              <a:t> до времени выполнения </a:t>
+            </a:r>
+            <a:r>
+              <a:rPr lang="en-US" dirty="0"/>
+              <a:t>CI/CD </a:t>
+            </a:r>
+            <a:r>
+              <a:rPr lang="ru-RU" dirty="0" err="1"/>
+              <a:t>пайплайна</a:t>
+            </a:r>
+            <a:r>
+              <a:rPr lang="ru-RU" dirty="0"/>
+              <a:t> (не более 10 минут)</a:t>
+            </a:r>
+            <a:r>
+              <a:rPr lang="en-US" dirty="0"/>
               <a:t>.</a:t>
             </a:r>
+            <a:endParaRPr lang="ru-RU" dirty="0"/>
           </a:p>
         </p:txBody>
       </p:sp>
@@ -5169,7 +5199,7 @@
           <a:p>
             <a:fld id="{4A7CD677-3FCC-47F5-94F7-0E9EAFA5A0B4}" type="datetimeFigureOut">
               <a:rPr lang="ru-RU" smtClean="0"/>
-              <a:t>04.06.2025</a:t>
+              <a:t>19.06.2025</a:t>
             </a:fld>
             <a:endParaRPr lang="ru-RU"/>
           </a:p>
@@ -5332,7 +5362,7 @@
           <a:p>
             <a:fld id="{4A7CD677-3FCC-47F5-94F7-0E9EAFA5A0B4}" type="datetimeFigureOut">
               <a:rPr lang="ru-RU" smtClean="0"/>
-              <a:t>04.06.2025</a:t>
+              <a:t>19.06.2025</a:t>
             </a:fld>
             <a:endParaRPr lang="ru-RU"/>
           </a:p>
@@ -5505,7 +5535,7 @@
           <a:p>
             <a:fld id="{4A7CD677-3FCC-47F5-94F7-0E9EAFA5A0B4}" type="datetimeFigureOut">
               <a:rPr lang="ru-RU" smtClean="0"/>
-              <a:t>04.06.2025</a:t>
+              <a:t>19.06.2025</a:t>
             </a:fld>
             <a:endParaRPr lang="ru-RU"/>
           </a:p>
@@ -5668,7 +5698,7 @@
           <a:p>
             <a:fld id="{4A7CD677-3FCC-47F5-94F7-0E9EAFA5A0B4}" type="datetimeFigureOut">
               <a:rPr lang="ru-RU" smtClean="0"/>
-              <a:t>04.06.2025</a:t>
+              <a:t>19.06.2025</a:t>
             </a:fld>
             <a:endParaRPr lang="ru-RU"/>
           </a:p>
@@ -5908,7 +5938,7 @@
           <a:p>
             <a:fld id="{4A7CD677-3FCC-47F5-94F7-0E9EAFA5A0B4}" type="datetimeFigureOut">
               <a:rPr lang="ru-RU" smtClean="0"/>
-              <a:t>04.06.2025</a:t>
+              <a:t>19.06.2025</a:t>
             </a:fld>
             <a:endParaRPr lang="ru-RU"/>
           </a:p>
@@ -6132,7 +6162,7 @@
           <a:p>
             <a:fld id="{4A7CD677-3FCC-47F5-94F7-0E9EAFA5A0B4}" type="datetimeFigureOut">
               <a:rPr lang="ru-RU" smtClean="0"/>
-              <a:t>04.06.2025</a:t>
+              <a:t>19.06.2025</a:t>
             </a:fld>
             <a:endParaRPr lang="ru-RU"/>
           </a:p>
@@ -6491,7 +6521,7 @@
           <a:p>
             <a:fld id="{4A7CD677-3FCC-47F5-94F7-0E9EAFA5A0B4}" type="datetimeFigureOut">
               <a:rPr lang="ru-RU" smtClean="0"/>
-              <a:t>04.06.2025</a:t>
+              <a:t>19.06.2025</a:t>
             </a:fld>
             <a:endParaRPr lang="ru-RU"/>
           </a:p>
@@ -6603,7 +6633,7 @@
           <a:p>
             <a:fld id="{4A7CD677-3FCC-47F5-94F7-0E9EAFA5A0B4}" type="datetimeFigureOut">
               <a:rPr lang="ru-RU" smtClean="0"/>
-              <a:t>04.06.2025</a:t>
+              <a:t>19.06.2025</a:t>
             </a:fld>
             <a:endParaRPr lang="ru-RU"/>
           </a:p>
@@ -6693,7 +6723,7 @@
           <a:p>
             <a:fld id="{4A7CD677-3FCC-47F5-94F7-0E9EAFA5A0B4}" type="datetimeFigureOut">
               <a:rPr lang="ru-RU" smtClean="0"/>
-              <a:t>04.06.2025</a:t>
+              <a:t>19.06.2025</a:t>
             </a:fld>
             <a:endParaRPr lang="ru-RU"/>
           </a:p>
@@ -6963,7 +6993,7 @@
           <a:p>
             <a:fld id="{4A7CD677-3FCC-47F5-94F7-0E9EAFA5A0B4}" type="datetimeFigureOut">
               <a:rPr lang="ru-RU" smtClean="0"/>
-              <a:t>04.06.2025</a:t>
+              <a:t>19.06.2025</a:t>
             </a:fld>
             <a:endParaRPr lang="ru-RU"/>
           </a:p>
@@ -7210,7 +7240,7 @@
           <a:p>
             <a:fld id="{4A7CD677-3FCC-47F5-94F7-0E9EAFA5A0B4}" type="datetimeFigureOut">
               <a:rPr lang="ru-RU" smtClean="0"/>
-              <a:t>04.06.2025</a:t>
+              <a:t>19.06.2025</a:t>
             </a:fld>
             <a:endParaRPr lang="ru-RU"/>
           </a:p>
@@ -7416,7 +7446,7 @@
           <a:p>
             <a:fld id="{4A7CD677-3FCC-47F5-94F7-0E9EAFA5A0B4}" type="datetimeFigureOut">
               <a:rPr lang="ru-RU" smtClean="0"/>
-              <a:t>04.06.2025</a:t>
+              <a:t>19.06.2025</a:t>
             </a:fld>
             <a:endParaRPr lang="ru-RU"/>
           </a:p>
@@ -24995,8 +25025,13 @@
           <a:p>
             <a:r>
               <a:rPr lang="ru-RU" sz="3200" dirty="0"/>
-              <a:t>Максимальное время выполнения процесса настройки сбора логов снижено до 24 часов.</a:t>
-            </a:r>
+              <a:t>Максимальное время выполнения процесса настройки сбора логов снижено до 24 часов </a:t>
+            </a:r>
+            <a:r>
+              <a:rPr lang="ru-RU" sz="3000" dirty="0"/>
+              <a:t>(ранее 72)</a:t>
+            </a:r>
+            <a:endParaRPr lang="ru-RU" sz="3200" dirty="0"/>
           </a:p>
         </p:txBody>
       </p:sp>
@@ -27116,6 +27151,61 @@
           <a:p>
             <a:pPr algn="ctr"/>
             <a:endParaRPr lang="ru-RU"/>
+          </a:p>
+        </p:txBody>
+      </p:sp>
+      <p:sp>
+        <p:nvSpPr>
+          <p:cNvPr id="9" name="TextBox 8">
+            <a:extLst>
+              <a:ext uri="{FF2B5EF4-FFF2-40B4-BE49-F238E27FC236}">
+                <a16:creationId xmlns:a16="http://schemas.microsoft.com/office/drawing/2014/main" id="{6F4ABCAB-A895-EDA4-E42E-1BA788975445}"/>
+              </a:ext>
+            </a:extLst>
+          </p:cNvPr>
+          <p:cNvSpPr txBox="1"/>
+          <p:nvPr/>
+        </p:nvSpPr>
+        <p:spPr>
+          <a:xfrm>
+            <a:off x="165463" y="5760626"/>
+            <a:ext cx="12026532" cy="923330"/>
+          </a:xfrm>
+          <a:prstGeom prst="rect">
+            <a:avLst/>
+          </a:prstGeom>
+          <a:noFill/>
+        </p:spPr>
+        <p:txBody>
+          <a:bodyPr wrap="square">
+            <a:spAutoFit/>
+          </a:bodyPr>
+          <a:lstStyle/>
+          <a:p>
+            <a:r>
+              <a:rPr lang="ru-RU" sz="2700" b="1" dirty="0"/>
+              <a:t>Топик</a:t>
+            </a:r>
+            <a:r>
+              <a:rPr lang="ru-RU" sz="2700" dirty="0"/>
+              <a:t> – это именованная очередь сообщений из конкретного источника логов, разбитая на </a:t>
+            </a:r>
+            <a:r>
+              <a:rPr lang="ru-RU" sz="2700" dirty="0" err="1"/>
+              <a:t>партиции</a:t>
+            </a:r>
+            <a:r>
+              <a:rPr lang="ru-RU" sz="2700" dirty="0"/>
+              <a:t> (с гарантией сохранения порядка внутри </a:t>
+            </a:r>
+            <a:r>
+              <a:rPr lang="ru-RU" sz="2700" dirty="0" err="1"/>
+              <a:t>партиции</a:t>
+            </a:r>
+            <a:r>
+              <a:rPr lang="ru-RU" sz="2700" dirty="0"/>
+              <a:t>)</a:t>
+            </a:r>
           </a:p>
         </p:txBody>
       </p:sp>

--- a/Презентация ВКР (в шаблоне).pptx
+++ b/Презентация ВКР (в шаблоне).pptx
@@ -2519,7 +2519,7 @@
             </a:r>
             <a:r>
               <a:rPr lang="en-US" dirty="0"/>
-              <a:t>Kafka as a Service (</a:t>
+              <a:t>Kafka as a Service, </a:t>
             </a:r>
             <a:r>
               <a:rPr lang="en-US" dirty="0" err="1"/>
@@ -2527,7 +2527,7 @@
             </a:r>
             <a:r>
               <a:rPr lang="en-US" dirty="0"/>
-              <a:t>).</a:t>
+              <a:t>.</a:t>
             </a:r>
             <a:endParaRPr lang="ru-RU" dirty="0"/>
           </a:p>
@@ -2623,16 +2623,37 @@
             </a:r>
             <a:r>
               <a:rPr lang="ru-RU" dirty="0"/>
-              <a:t>предоставляет возможность управлять всеми сущностями без участия людей. Это большое преимущество перед существующим кластером и единственная возможность исключить людей из данного подпроцесса.</a:t>
-            </a:r>
-          </a:p>
-          <a:p>
+              <a:t>предоставляет возможность управлять всеми сущностями в кластере без участия людей. В сравнении с использованием существующего кластера с его надстройками, </a:t>
+            </a:r>
+            <a:r>
+              <a:rPr lang="en-US" dirty="0" err="1"/>
+              <a:t>KaaS</a:t>
+            </a:r>
+            <a:r>
+              <a:rPr lang="en-US" dirty="0"/>
+              <a:t> </a:t>
+            </a:r>
             <a:r>
               <a:rPr lang="ru-RU" dirty="0"/>
-              <a:t>Поэтому, принято решение мигрировать.</a:t>
-            </a:r>
-          </a:p>
-          <a:p>
+              <a:t>дает большое преимущество для автоматического управления. И его использование - единственная возможность исключить согласования из данного подпроцесса.</a:t>
+            </a:r>
+          </a:p>
+          <a:p>
+            <a:r>
+              <a:rPr lang="ru-RU" dirty="0"/>
+              <a:t>Поэтому, принято решение мигрировать с существующего кластера на кластер в </a:t>
+            </a:r>
+            <a:r>
+              <a:rPr lang="en-US" dirty="0" err="1"/>
+              <a:t>KaaS</a:t>
+            </a:r>
+            <a:r>
+              <a:rPr lang="ru-RU" dirty="0"/>
+              <a:t>.</a:t>
+            </a:r>
+          </a:p>
+          <a:p>
+            <a:pPr algn="just"/>
             <a:r>
               <a:rPr lang="ru-RU" dirty="0"/>
               <a:t>Также </a:t>
@@ -2647,7 +2668,7 @@
             </a:r>
             <a:r>
               <a:rPr lang="ru-RU" dirty="0"/>
-              <a:t>позволяет разграничить доступы пользователей к топикам и соблюсти принцип наименьших привилегий.</a:t>
+              <a:t>упрощает соблюдение принципа наименьших привилегий из-за простоты настройки разрешений, более подробно это описано в тексте работы.</a:t>
             </a:r>
           </a:p>
           <a:p>
@@ -2753,15 +2774,7 @@
             </a:pPr>
             <a:r>
               <a:rPr lang="ru-RU" dirty="0"/>
-              <a:t>Далее необходимо рассмотреть</a:t>
-            </a:r>
-            <a:r>
-              <a:rPr lang="ru-RU"/>
-              <a:t>, чбудет </a:t>
-            </a:r>
-            <a:r>
-              <a:rPr lang="ru-RU" dirty="0"/>
-              <a:t>оперировать автоматизация. Репозиторий источников содержит следующую структуру файлов. Каждая поддиректория в </a:t>
+              <a:t>Далее необходимо рассмотреть, чем будет оперировать автоматизация. Репозиторий источников содержит следующую структуру файлов. Каждая поддиректория в </a:t>
             </a:r>
             <a:r>
               <a:rPr lang="en-US" dirty="0"/>
@@ -2997,11 +3010,7 @@
             </a:pPr>
             <a:r>
               <a:rPr lang="ru-RU" dirty="0"/>
-              <a:t>Процесс обработки событий представлен на слайде. Важно отметить, что это схематичное изображение, а не диаграмма активности </a:t>
-            </a:r>
-            <a:r>
-              <a:rPr lang="en-US" dirty="0"/>
-              <a:t>UML.</a:t>
+              <a:t>Схематичное изображение процесса обработки событий представлено на слайде.</a:t>
             </a:r>
             <a:br>
               <a:rPr lang="ru-RU" dirty="0"/>
@@ -3030,7 +3039,7 @@
             </a:pPr>
             <a:r>
               <a:rPr lang="ru-RU" dirty="0"/>
-              <a:t>Он определяет, является ли определенная совокупность событий легитимной. </a:t>
+              <a:t>Он определяет, является ли выбранная совокупность событий легитимной.</a:t>
             </a:r>
           </a:p>
           <a:p>
@@ -3970,7 +3979,15 @@
             </a:r>
             <a:r>
               <a:rPr lang="ru-RU" dirty="0"/>
-              <a:t>, а время выполнения подпроцессов, подверженных изменению с </a:t>
+              <a:t>, а время выполнения подпроцессов, которые подверглись изменению</a:t>
+            </a:r>
+            <a:r>
+              <a:rPr lang="en-US" dirty="0"/>
+              <a:t>,</a:t>
+            </a:r>
+            <a:r>
+              <a:rPr lang="ru-RU" dirty="0"/>
+              <a:t> с </a:t>
             </a:r>
             <a:r>
               <a:rPr lang="ru-RU" b="1" dirty="0"/>
@@ -3978,7 +3995,7 @@
             </a:r>
             <a:r>
               <a:rPr lang="ru-RU" dirty="0"/>
-              <a:t> до времени выполнения </a:t>
+              <a:t> до времени выполнения автоматизированного </a:t>
             </a:r>
             <a:r>
               <a:rPr lang="en-US" dirty="0"/>
